--- a/Презентации/Лекция 1.pptx
+++ b/Презентации/Лекция 1.pptx
@@ -32229,34 +32229,22 @@
             </a:r>
             <a:r>
               <a:rPr lang="ru-RU" sz="1600" dirty="0" smtClean="0"/>
-              <a:t> </a:t>
-            </a:r>
-            <a:r>
-              <a:rPr lang="ru-RU" sz="1600" dirty="0" smtClean="0"/>
-              <a:t>(</a:t>
+              <a:t> (</a:t>
             </a:r>
             <a:r>
               <a:rPr lang="en-US" sz="1600" dirty="0" smtClean="0"/>
               <a:t>u</a:t>
             </a:r>
             <a:r>
-              <a:rPr lang="ru-RU" sz="1600" smtClean="0"/>
+              <a:rPr lang="ru-RU" sz="1600" dirty="0" smtClean="0"/>
               <a:t>)</a:t>
-            </a:r>
-            <a:r>
-              <a:rPr lang="ru-RU" sz="1600" dirty="0" smtClean="0"/>
-              <a:t/>
             </a:r>
             <a:br>
               <a:rPr lang="ru-RU" sz="1600" dirty="0" smtClean="0"/>
             </a:br>
             <a:r>
               <a:rPr lang="en-US" sz="1600" dirty="0" smtClean="0"/>
-              <a:t>color[u] </a:t>
-            </a:r>
-            <a:r>
-              <a:rPr lang="en-US" sz="1600" dirty="0" smtClean="0"/>
-              <a:t>⟵ GRAY</a:t>
+              <a:t>color[u] ⟵ GRAY</a:t>
             </a:r>
             <a:r>
               <a:rPr lang="ru-RU" sz="1600" dirty="0" smtClean="0"/>
@@ -32278,11 +32266,7 @@
             </a:br>
             <a:r>
               <a:rPr lang="en-US" sz="1600" dirty="0" smtClean="0"/>
-              <a:t>d[u] </a:t>
-            </a:r>
-            <a:r>
-              <a:rPr lang="en-US" sz="1600" dirty="0" smtClean="0"/>
-              <a:t>⟵ time</a:t>
+              <a:t>d[u] ⟵ time</a:t>
             </a:r>
             <a:r>
               <a:rPr lang="ru-RU" sz="1600" dirty="0" smtClean="0"/>
@@ -32305,11 +32289,7 @@
             </a:r>
             <a:r>
               <a:rPr lang="ru-RU" sz="1600" dirty="0" smtClean="0"/>
-              <a:t> </a:t>
-            </a:r>
-            <a:r>
-              <a:rPr lang="ru-RU" sz="1600" dirty="0" smtClean="0"/>
-              <a:t>∈ </a:t>
+              <a:t> ∈ </a:t>
             </a:r>
             <a:r>
               <a:rPr lang="en-US" sz="1600" dirty="0" err="1" smtClean="0"/>
@@ -33332,34 +33312,66 @@
               <a:t>если </a:t>
             </a:r>
             <a:r>
-              <a:rPr lang="en-US" sz="2000" dirty="0" err="1" smtClean="0"/>
+              <a:rPr lang="en-US" sz="2000" dirty="0" err="1" smtClean="0">
+                <a:solidFill>
+                  <a:srgbClr val="FF0000"/>
+                </a:solidFill>
+              </a:rPr>
               <a:t>v_start</a:t>
             </a:r>
             <a:r>
-              <a:rPr lang="en-US" sz="2000" dirty="0" smtClean="0"/>
+              <a:rPr lang="en-US" sz="2000" dirty="0" smtClean="0">
+                <a:solidFill>
+                  <a:srgbClr val="FF0000"/>
+                </a:solidFill>
+              </a:rPr>
               <a:t> &lt; </a:t>
             </a:r>
             <a:r>
-              <a:rPr lang="en-US" sz="2000" b="1" dirty="0" err="1" smtClean="0"/>
+              <a:rPr lang="en-US" sz="2000" b="1" dirty="0" err="1" smtClean="0">
+                <a:solidFill>
+                  <a:srgbClr val="FF0000"/>
+                </a:solidFill>
+              </a:rPr>
               <a:t>u_start</a:t>
             </a:r>
             <a:r>
-              <a:rPr lang="en-US" sz="2000" dirty="0" smtClean="0"/>
+              <a:rPr lang="en-US" sz="2000" dirty="0" smtClean="0">
+                <a:solidFill>
+                  <a:srgbClr val="FF0000"/>
+                </a:solidFill>
+              </a:rPr>
               <a:t>, </a:t>
             </a:r>
             <a:r>
-              <a:rPr lang="en-US" sz="2000" dirty="0" err="1" smtClean="0"/>
+              <a:rPr lang="en-US" sz="2000" dirty="0" err="1" smtClean="0">
+                <a:solidFill>
+                  <a:srgbClr val="FF0000"/>
+                </a:solidFill>
+              </a:rPr>
               <a:t>v_finish</a:t>
             </a:r>
             <a:r>
-              <a:rPr lang="en-US" sz="2000" dirty="0" smtClean="0"/>
+              <a:rPr lang="en-US" sz="2000" dirty="0" smtClean="0">
+                <a:solidFill>
+                  <a:srgbClr val="FF0000"/>
+                </a:solidFill>
+              </a:rPr>
               <a:t> &lt; </a:t>
             </a:r>
             <a:r>
-              <a:rPr lang="en-US" sz="2000" b="1" dirty="0" err="1" smtClean="0"/>
+              <a:rPr lang="en-US" sz="2000" b="1" dirty="0" err="1" smtClean="0">
+                <a:solidFill>
+                  <a:srgbClr val="FF0000"/>
+                </a:solidFill>
+              </a:rPr>
               <a:t>u_finish</a:t>
             </a:r>
-            <a:endParaRPr lang="ru-RU" sz="2000" b="1" dirty="0"/>
+            <a:endParaRPr lang="ru-RU" sz="2000" b="1" dirty="0">
+              <a:solidFill>
+                <a:srgbClr val="FF0000"/>
+              </a:solidFill>
+            </a:endParaRPr>
           </a:p>
         </p:txBody>
       </p:sp>
@@ -33608,9 +33620,24 @@
         </p:spPr>
         <p:txBody>
           <a:bodyPr vert="horz" lIns="91440" tIns="45720" rIns="91440" bIns="45720" rtlCol="0" anchor="ctr">
-            <a:normAutofit lnSpcReduction="10000"/>
-          </a:bodyPr>
-          <a:lstStyle/>
+            <a:normAutofit fontScale="92500" lnSpcReduction="10000"/>
+          </a:bodyPr>
+          <a:lstStyle/>
+          <a:p>
+            <a:r>
+              <a:rPr lang="ru-RU" sz="2000" b="1" dirty="0" err="1" smtClean="0">
+                <a:solidFill>
+                  <a:srgbClr val="FF0000"/>
+                </a:solidFill>
+              </a:rPr>
+              <a:t>Опр</a:t>
+            </a:r>
+            <a:endParaRPr lang="ru-RU" sz="2000" b="1" dirty="0" smtClean="0">
+              <a:solidFill>
+                <a:srgbClr val="FF0000"/>
+              </a:solidFill>
+            </a:endParaRPr>
+          </a:p>
           <a:p>
             <a:r>
               <a:rPr lang="ru-RU" sz="2000" b="1" dirty="0" smtClean="0"/>
@@ -33646,6 +33673,22 @@
               <a:rPr lang="ru-RU" sz="2000" dirty="0" smtClean="0"/>
               <a:t> </a:t>
             </a:r>
+            <a:endParaRPr lang="ru-RU" sz="2000" dirty="0" smtClean="0"/>
+          </a:p>
+          <a:p>
+            <a:r>
+              <a:rPr lang="ru-RU" sz="2000" dirty="0" smtClean="0">
+                <a:solidFill>
+                  <a:srgbClr val="FF0000"/>
+                </a:solidFill>
+              </a:rPr>
+              <a:t>Почему обход в ширину, а не глубину</a:t>
+            </a:r>
+            <a:endParaRPr lang="ru-RU" sz="2000" dirty="0" smtClean="0">
+              <a:solidFill>
+                <a:srgbClr val="FF0000"/>
+              </a:solidFill>
+            </a:endParaRPr>
           </a:p>
           <a:p>
             <a:r>

--- a/Презентации/Лекция 1.pptx
+++ b/Презентации/Лекция 1.pptx
@@ -33129,12 +33129,12 @@
               <a:t> – </a:t>
             </a:r>
             <a:r>
-              <a:rPr lang="ru-RU" sz="2000" dirty="0" err="1" smtClean="0"/>
-              <a:t>ребра</a:t>
-            </a:r>
-            <a:r>
               <a:rPr lang="ru-RU" sz="2000" dirty="0" smtClean="0"/>
-              <a:t> графа, не относящиеся к трем описанным выше типам. Они могут соединять вершины одного и того же дерева обхода, когда ни одна из вершин не является предком другой, или соединять вершины в различных деревьях.</a:t>
+              <a:t>это ребра </a:t>
+            </a:r>
+            <a:r>
+              <a:rPr lang="ru-RU" sz="2000" dirty="0" smtClean="0"/>
+              <a:t>графа, не относящиеся к трем описанным выше типам. Они могут соединять вершины одного и того же дерева обхода, когда ни одна из вершин не является предком другой, или соединять вершины в различных деревьях.</a:t>
             </a:r>
             <a:br>
               <a:rPr lang="ru-RU" sz="2000" dirty="0" smtClean="0"/>
@@ -33673,7 +33673,6 @@
               <a:rPr lang="ru-RU" sz="2000" dirty="0" smtClean="0"/>
               <a:t> </a:t>
             </a:r>
-            <a:endParaRPr lang="ru-RU" sz="2000" dirty="0" smtClean="0"/>
           </a:p>
           <a:p>
             <a:r>
@@ -33684,11 +33683,6 @@
               </a:rPr>
               <a:t>Почему обход в ширину, а не глубину</a:t>
             </a:r>
-            <a:endParaRPr lang="ru-RU" sz="2000" dirty="0" smtClean="0">
-              <a:solidFill>
-                <a:srgbClr val="FF0000"/>
-              </a:solidFill>
-            </a:endParaRPr>
           </a:p>
           <a:p>
             <a:r>

--- a/Презентации/Лекция 1.pptx
+++ b/Презентации/Лекция 1.pptx
@@ -332,7 +332,7 @@
             <a:fld id="{5B106E36-FD25-4E2D-B0AA-010F637433A0}" type="datetimeFigureOut">
               <a:rPr lang="ru-RU" smtClean="0"/>
               <a:pPr/>
-              <a:t>20.02.2020</a:t>
+              <a:t>22.02.2020</a:t>
             </a:fld>
             <a:endParaRPr lang="ru-RU"/>
           </a:p>
@@ -499,7 +499,7 @@
             <a:fld id="{5B106E36-FD25-4E2D-B0AA-010F637433A0}" type="datetimeFigureOut">
               <a:rPr lang="ru-RU" smtClean="0"/>
               <a:pPr/>
-              <a:t>20.02.2020</a:t>
+              <a:t>22.02.2020</a:t>
             </a:fld>
             <a:endParaRPr lang="ru-RU"/>
           </a:p>
@@ -676,7 +676,7 @@
             <a:fld id="{5B106E36-FD25-4E2D-B0AA-010F637433A0}" type="datetimeFigureOut">
               <a:rPr lang="ru-RU" smtClean="0"/>
               <a:pPr/>
-              <a:t>20.02.2020</a:t>
+              <a:t>22.02.2020</a:t>
             </a:fld>
             <a:endParaRPr lang="ru-RU"/>
           </a:p>
@@ -843,7 +843,7 @@
             <a:fld id="{5B106E36-FD25-4E2D-B0AA-010F637433A0}" type="datetimeFigureOut">
               <a:rPr lang="ru-RU" smtClean="0"/>
               <a:pPr/>
-              <a:t>20.02.2020</a:t>
+              <a:t>22.02.2020</a:t>
             </a:fld>
             <a:endParaRPr lang="ru-RU"/>
           </a:p>
@@ -1086,7 +1086,7 @@
             <a:fld id="{5B106E36-FD25-4E2D-B0AA-010F637433A0}" type="datetimeFigureOut">
               <a:rPr lang="ru-RU" smtClean="0"/>
               <a:pPr/>
-              <a:t>20.02.2020</a:t>
+              <a:t>22.02.2020</a:t>
             </a:fld>
             <a:endParaRPr lang="ru-RU"/>
           </a:p>
@@ -1371,7 +1371,7 @@
             <a:fld id="{5B106E36-FD25-4E2D-B0AA-010F637433A0}" type="datetimeFigureOut">
               <a:rPr lang="ru-RU" smtClean="0"/>
               <a:pPr/>
-              <a:t>20.02.2020</a:t>
+              <a:t>22.02.2020</a:t>
             </a:fld>
             <a:endParaRPr lang="ru-RU"/>
           </a:p>
@@ -1790,7 +1790,7 @@
             <a:fld id="{5B106E36-FD25-4E2D-B0AA-010F637433A0}" type="datetimeFigureOut">
               <a:rPr lang="ru-RU" smtClean="0"/>
               <a:pPr/>
-              <a:t>20.02.2020</a:t>
+              <a:t>22.02.2020</a:t>
             </a:fld>
             <a:endParaRPr lang="ru-RU"/>
           </a:p>
@@ -1905,7 +1905,7 @@
             <a:fld id="{5B106E36-FD25-4E2D-B0AA-010F637433A0}" type="datetimeFigureOut">
               <a:rPr lang="ru-RU" smtClean="0"/>
               <a:pPr/>
-              <a:t>20.02.2020</a:t>
+              <a:t>22.02.2020</a:t>
             </a:fld>
             <a:endParaRPr lang="ru-RU"/>
           </a:p>
@@ -1997,7 +1997,7 @@
             <a:fld id="{5B106E36-FD25-4E2D-B0AA-010F637433A0}" type="datetimeFigureOut">
               <a:rPr lang="ru-RU" smtClean="0"/>
               <a:pPr/>
-              <a:t>20.02.2020</a:t>
+              <a:t>22.02.2020</a:t>
             </a:fld>
             <a:endParaRPr lang="ru-RU"/>
           </a:p>
@@ -2271,7 +2271,7 @@
             <a:fld id="{5B106E36-FD25-4E2D-B0AA-010F637433A0}" type="datetimeFigureOut">
               <a:rPr lang="ru-RU" smtClean="0"/>
               <a:pPr/>
-              <a:t>20.02.2020</a:t>
+              <a:t>22.02.2020</a:t>
             </a:fld>
             <a:endParaRPr lang="ru-RU"/>
           </a:p>
@@ -2521,7 +2521,7 @@
             <a:fld id="{5B106E36-FD25-4E2D-B0AA-010F637433A0}" type="datetimeFigureOut">
               <a:rPr lang="ru-RU" smtClean="0"/>
               <a:pPr/>
-              <a:t>20.02.2020</a:t>
+              <a:t>22.02.2020</a:t>
             </a:fld>
             <a:endParaRPr lang="ru-RU"/>
           </a:p>
@@ -2731,7 +2731,7 @@
             <a:fld id="{5B106E36-FD25-4E2D-B0AA-010F637433A0}" type="datetimeFigureOut">
               <a:rPr lang="ru-RU" smtClean="0"/>
               <a:pPr/>
-              <a:t>20.02.2020</a:t>
+              <a:t>22.02.2020</a:t>
             </a:fld>
             <a:endParaRPr lang="ru-RU"/>
           </a:p>
@@ -6512,7 +6512,19 @@
             </a:r>
             <a:r>
               <a:rPr lang="en-US" sz="1600" dirty="0" smtClean="0"/>
-              <a:t> color[v] ⟵ WHITE </a:t>
+              <a:t> color[v] </a:t>
+            </a:r>
+            <a:r>
+              <a:rPr lang="ru-RU" sz="1600" dirty="0" smtClean="0"/>
+              <a:t>=</a:t>
+            </a:r>
+            <a:r>
+              <a:rPr lang="en-US" sz="1600" dirty="0" smtClean="0"/>
+              <a:t> </a:t>
+            </a:r>
+            <a:r>
+              <a:rPr lang="en-US" sz="1600" dirty="0" smtClean="0"/>
+              <a:t>WHITE </a:t>
             </a:r>
             <a:r>
               <a:rPr lang="en-US" sz="1600" b="1" dirty="0" smtClean="0"/>
@@ -10546,8 +10558,16 @@
               <a:buAutoNum type="arabicPeriod" startAt="3"/>
             </a:pPr>
             <a:r>
+              <a:rPr lang="ru-RU" sz="2800" smtClean="0"/>
+              <a:t>Нахождение </a:t>
+            </a:r>
+            <a:r>
+              <a:rPr lang="ru-RU" sz="2800" smtClean="0"/>
+              <a:t>кратчайшего </a:t>
+            </a:r>
+            <a:r>
               <a:rPr lang="ru-RU" sz="2800" dirty="0" smtClean="0"/>
-              <a:t>Нахождение кротчайшего цикла в </a:t>
+              <a:t>цикла в </a:t>
             </a:r>
             <a:r>
               <a:rPr lang="ru-RU" sz="2800" dirty="0" err="1" smtClean="0"/>
@@ -33126,15 +33146,7 @@
             </a:r>
             <a:r>
               <a:rPr lang="ru-RU" sz="2000" dirty="0" smtClean="0"/>
-              <a:t> – </a:t>
-            </a:r>
-            <a:r>
-              <a:rPr lang="ru-RU" sz="2000" dirty="0" smtClean="0"/>
-              <a:t>это ребра </a:t>
-            </a:r>
-            <a:r>
-              <a:rPr lang="ru-RU" sz="2000" dirty="0" smtClean="0"/>
-              <a:t>графа, не относящиеся к трем описанным выше типам. Они могут соединять вершины одного и того же дерева обхода, когда ни одна из вершин не является предком другой, или соединять вершины в различных деревьях.</a:t>
+              <a:t> – это ребра графа, не относящиеся к трем описанным выше типам. Они могут соединять вершины одного и того же дерева обхода, когда ни одна из вершин не является предком другой, или соединять вершины в различных деревьях.</a:t>
             </a:r>
             <a:br>
               <a:rPr lang="ru-RU" sz="2000" dirty="0" smtClean="0"/>

--- a/Презентации/Лекция 1.pptx
+++ b/Презентации/Лекция 1.pptx
@@ -338,7 +338,7 @@
             <a:fld id="{5B106E36-FD25-4E2D-B0AA-010F637433A0}" type="datetimeFigureOut">
               <a:rPr lang="ru-RU" smtClean="0"/>
               <a:pPr/>
-              <a:t>26.02.2020</a:t>
+              <a:t>23.03.2020</a:t>
             </a:fld>
             <a:endParaRPr lang="ru-RU"/>
           </a:p>
@@ -505,7 +505,7 @@
             <a:fld id="{5B106E36-FD25-4E2D-B0AA-010F637433A0}" type="datetimeFigureOut">
               <a:rPr lang="ru-RU" smtClean="0"/>
               <a:pPr/>
-              <a:t>26.02.2020</a:t>
+              <a:t>23.03.2020</a:t>
             </a:fld>
             <a:endParaRPr lang="ru-RU"/>
           </a:p>
@@ -682,7 +682,7 @@
             <a:fld id="{5B106E36-FD25-4E2D-B0AA-010F637433A0}" type="datetimeFigureOut">
               <a:rPr lang="ru-RU" smtClean="0"/>
               <a:pPr/>
-              <a:t>26.02.2020</a:t>
+              <a:t>23.03.2020</a:t>
             </a:fld>
             <a:endParaRPr lang="ru-RU"/>
           </a:p>
@@ -849,7 +849,7 @@
             <a:fld id="{5B106E36-FD25-4E2D-B0AA-010F637433A0}" type="datetimeFigureOut">
               <a:rPr lang="ru-RU" smtClean="0"/>
               <a:pPr/>
-              <a:t>26.02.2020</a:t>
+              <a:t>23.03.2020</a:t>
             </a:fld>
             <a:endParaRPr lang="ru-RU"/>
           </a:p>
@@ -1092,7 +1092,7 @@
             <a:fld id="{5B106E36-FD25-4E2D-B0AA-010F637433A0}" type="datetimeFigureOut">
               <a:rPr lang="ru-RU" smtClean="0"/>
               <a:pPr/>
-              <a:t>26.02.2020</a:t>
+              <a:t>23.03.2020</a:t>
             </a:fld>
             <a:endParaRPr lang="ru-RU"/>
           </a:p>
@@ -1377,7 +1377,7 @@
             <a:fld id="{5B106E36-FD25-4E2D-B0AA-010F637433A0}" type="datetimeFigureOut">
               <a:rPr lang="ru-RU" smtClean="0"/>
               <a:pPr/>
-              <a:t>26.02.2020</a:t>
+              <a:t>23.03.2020</a:t>
             </a:fld>
             <a:endParaRPr lang="ru-RU"/>
           </a:p>
@@ -1796,7 +1796,7 @@
             <a:fld id="{5B106E36-FD25-4E2D-B0AA-010F637433A0}" type="datetimeFigureOut">
               <a:rPr lang="ru-RU" smtClean="0"/>
               <a:pPr/>
-              <a:t>26.02.2020</a:t>
+              <a:t>23.03.2020</a:t>
             </a:fld>
             <a:endParaRPr lang="ru-RU"/>
           </a:p>
@@ -1911,7 +1911,7 @@
             <a:fld id="{5B106E36-FD25-4E2D-B0AA-010F637433A0}" type="datetimeFigureOut">
               <a:rPr lang="ru-RU" smtClean="0"/>
               <a:pPr/>
-              <a:t>26.02.2020</a:t>
+              <a:t>23.03.2020</a:t>
             </a:fld>
             <a:endParaRPr lang="ru-RU"/>
           </a:p>
@@ -2003,7 +2003,7 @@
             <a:fld id="{5B106E36-FD25-4E2D-B0AA-010F637433A0}" type="datetimeFigureOut">
               <a:rPr lang="ru-RU" smtClean="0"/>
               <a:pPr/>
-              <a:t>26.02.2020</a:t>
+              <a:t>23.03.2020</a:t>
             </a:fld>
             <a:endParaRPr lang="ru-RU"/>
           </a:p>
@@ -2277,7 +2277,7 @@
             <a:fld id="{5B106E36-FD25-4E2D-B0AA-010F637433A0}" type="datetimeFigureOut">
               <a:rPr lang="ru-RU" smtClean="0"/>
               <a:pPr/>
-              <a:t>26.02.2020</a:t>
+              <a:t>23.03.2020</a:t>
             </a:fld>
             <a:endParaRPr lang="ru-RU"/>
           </a:p>
@@ -2527,7 +2527,7 @@
             <a:fld id="{5B106E36-FD25-4E2D-B0AA-010F637433A0}" type="datetimeFigureOut">
               <a:rPr lang="ru-RU" smtClean="0"/>
               <a:pPr/>
-              <a:t>26.02.2020</a:t>
+              <a:t>23.03.2020</a:t>
             </a:fld>
             <a:endParaRPr lang="ru-RU"/>
           </a:p>
@@ -2737,7 +2737,7 @@
             <a:fld id="{5B106E36-FD25-4E2D-B0AA-010F637433A0}" type="datetimeFigureOut">
               <a:rPr lang="ru-RU" smtClean="0"/>
               <a:pPr/>
-              <a:t>26.02.2020</a:t>
+              <a:t>23.03.2020</a:t>
             </a:fld>
             <a:endParaRPr lang="ru-RU"/>
           </a:p>
@@ -10719,15 +10719,7 @@
             </a:pPr>
             <a:r>
               <a:rPr lang="ru-RU" sz="2000" dirty="0" smtClean="0"/>
-              <a:t>Наименьший из этих циклов и будет </a:t>
-            </a:r>
-            <a:r>
-              <a:rPr lang="ru-RU" sz="2000" dirty="0" smtClean="0"/>
-              <a:t>кратчайшим</a:t>
-            </a:r>
-            <a:r>
-              <a:rPr lang="ru-RU" sz="2000" dirty="0" smtClean="0"/>
-              <a:t>.</a:t>
+              <a:t>Наименьший из этих циклов и будет кратчайшим.</a:t>
             </a:r>
             <a:endParaRPr kumimoji="0" lang="ru-RU" sz="2000" b="0" i="0" u="none" strike="noStrike" kern="1200" cap="none" spc="0" normalizeH="0" baseline="0" noProof="0" dirty="0" smtClean="0">
               <a:ln>
@@ -10817,6 +10809,17 @@
 <file path=ppt/slides/slide2.xml><?xml version="1.0" encoding="utf-8"?>
 <p:sld xmlns:a="http://schemas.openxmlformats.org/drawingml/2006/main" xmlns:r="http://schemas.openxmlformats.org/officeDocument/2006/relationships" xmlns:p="http://schemas.openxmlformats.org/presentationml/2006/main">
   <p:cSld>
+    <p:bg>
+      <p:bgPr>
+        <a:solidFill>
+          <a:schemeClr val="accent1">
+            <a:lumMod val="40000"/>
+            <a:lumOff val="60000"/>
+          </a:schemeClr>
+        </a:solidFill>
+        <a:effectLst/>
+      </p:bgPr>
+    </p:bg>
     <p:spTree>
       <p:nvGrpSpPr>
         <p:cNvPr id="1" name=""/>
@@ -13176,6 +13179,17 @@
 <file path=ppt/slides/slide25.xml><?xml version="1.0" encoding="utf-8"?>
 <p:sld xmlns:a="http://schemas.openxmlformats.org/drawingml/2006/main" xmlns:r="http://schemas.openxmlformats.org/officeDocument/2006/relationships" xmlns:p="http://schemas.openxmlformats.org/presentationml/2006/main">
   <p:cSld>
+    <p:bg>
+      <p:bgPr>
+        <a:solidFill>
+          <a:schemeClr val="accent1">
+            <a:lumMod val="40000"/>
+            <a:lumOff val="60000"/>
+          </a:schemeClr>
+        </a:solidFill>
+        <a:effectLst/>
+      </p:bgPr>
+    </p:bg>
     <p:spTree>
       <p:nvGrpSpPr>
         <p:cNvPr id="1" name=""/>
@@ -36988,19 +37002,11 @@
             <a:pPr algn="l"/>
             <a:r>
               <a:rPr lang="ru-RU" sz="2000" b="1" dirty="0" smtClean="0"/>
-              <a:t>Дуги </a:t>
-            </a:r>
-            <a:r>
-              <a:rPr lang="ru-RU" sz="2000" b="1" dirty="0" smtClean="0"/>
-              <a:t>дерева</a:t>
+              <a:t>Дуги дерева</a:t>
             </a:r>
             <a:r>
               <a:rPr lang="ru-RU" sz="2000" dirty="0" smtClean="0"/>
-              <a:t> – это </a:t>
-            </a:r>
-            <a:r>
-              <a:rPr lang="ru-RU" sz="2000" dirty="0" smtClean="0"/>
-              <a:t>дуги графа </a:t>
+              <a:t> – это дуги графа </a:t>
             </a:r>
             <a:r>
               <a:rPr lang="en-US" sz="2000" dirty="0" err="1" smtClean="0"/>
@@ -37012,11 +37018,7 @@
             </a:r>
             <a:r>
               <a:rPr lang="ru-RU" sz="2000" dirty="0" smtClean="0"/>
-              <a:t>. </a:t>
-            </a:r>
-            <a:r>
-              <a:rPr lang="ru-RU" sz="2000" dirty="0" smtClean="0"/>
-              <a:t>Дуга (</a:t>
+              <a:t>. Дуга (</a:t>
             </a:r>
             <a:r>
               <a:rPr lang="en-US" sz="2000" dirty="0" smtClean="0"/>
@@ -37032,23 +37034,7 @@
             </a:r>
             <a:r>
               <a:rPr lang="ru-RU" sz="2000" dirty="0" smtClean="0"/>
-              <a:t>) является </a:t>
-            </a:r>
-            <a:r>
-              <a:rPr lang="ru-RU" sz="2000" dirty="0" smtClean="0"/>
-              <a:t>дугой дерева</a:t>
-            </a:r>
-            <a:r>
-              <a:rPr lang="ru-RU" sz="2000" dirty="0" smtClean="0"/>
-              <a:t>, если при исследовании </a:t>
-            </a:r>
-            <a:r>
-              <a:rPr lang="ru-RU" sz="2000" dirty="0" smtClean="0"/>
-              <a:t>этой дуги была </a:t>
-            </a:r>
-            <a:r>
-              <a:rPr lang="ru-RU" sz="2000" dirty="0" smtClean="0"/>
-              <a:t>открыта </a:t>
+              <a:t>) является дугой дерева, если при исследовании этой дуги была открыта </a:t>
             </a:r>
             <a:r>
               <a:rPr lang="en-US" sz="2000" dirty="0" smtClean="0"/>
@@ -37064,46 +37050,18 @@
             </a:r>
             <a:r>
               <a:rPr lang="ru-RU" sz="2000" dirty="0" smtClean="0"/>
-              <a:t>является </a:t>
-            </a:r>
-            <a:r>
-              <a:rPr lang="ru-RU" sz="2000" dirty="0" smtClean="0"/>
-              <a:t>ее непосредственным </a:t>
-            </a:r>
-            <a:r>
-              <a:rPr lang="ru-RU" sz="2000" dirty="0" smtClean="0"/>
-              <a:t>предком </a:t>
-            </a:r>
-            <a:r>
-              <a:rPr lang="ru-RU" sz="2000" dirty="0" smtClean="0"/>
-              <a:t>в дереве </a:t>
-            </a:r>
-            <a:r>
-              <a:rPr lang="ru-RU" sz="2000" dirty="0" smtClean="0"/>
-              <a:t>обхода).</a:t>
+              <a:t>является ее непосредственным предком в дереве обхода).</a:t>
             </a:r>
             <a:br>
               <a:rPr lang="ru-RU" sz="2000" dirty="0" smtClean="0"/>
             </a:br>
             <a:r>
               <a:rPr lang="ru-RU" sz="2000" b="1" dirty="0" smtClean="0"/>
-              <a:t>Прямые </a:t>
-            </a:r>
-            <a:r>
-              <a:rPr lang="ru-RU" sz="2000" b="1" dirty="0" smtClean="0"/>
-              <a:t>дуги </a:t>
+              <a:t>Прямые дуги </a:t>
             </a:r>
             <a:r>
               <a:rPr lang="ru-RU" sz="2000" dirty="0" smtClean="0"/>
-              <a:t>– </a:t>
-            </a:r>
-            <a:r>
-              <a:rPr lang="ru-RU" sz="2000" dirty="0" smtClean="0"/>
-              <a:t>это </a:t>
-            </a:r>
-            <a:r>
-              <a:rPr lang="ru-RU" sz="2000" dirty="0" smtClean="0"/>
-              <a:t>дуги (</a:t>
+              <a:t>– это дуги (</a:t>
             </a:r>
             <a:r>
               <a:rPr lang="en-US" sz="2000" dirty="0" smtClean="0"/>
@@ -37119,15 +37077,7 @@
             </a:r>
             <a:r>
               <a:rPr lang="ru-RU" sz="2000" dirty="0" smtClean="0"/>
-              <a:t>), не являющиеся </a:t>
-            </a:r>
-            <a:r>
-              <a:rPr lang="ru-RU" sz="2000" dirty="0" smtClean="0"/>
-              <a:t>дугами дерева </a:t>
-            </a:r>
-            <a:r>
-              <a:rPr lang="ru-RU" sz="2000" dirty="0" smtClean="0"/>
-              <a:t>обхода и соединяющие вершину </a:t>
+              <a:t>), не являющиеся дугами дерева обхода и соединяющие вершину </a:t>
             </a:r>
             <a:r>
               <a:rPr lang="en-US" sz="2000" dirty="0" smtClean="0"/>
@@ -37150,23 +37100,11 @@
             </a:br>
             <a:r>
               <a:rPr lang="ru-RU" sz="2000" b="1" dirty="0" smtClean="0"/>
-              <a:t>Обратные </a:t>
-            </a:r>
-            <a:r>
-              <a:rPr lang="ru-RU" sz="2000" b="1" dirty="0" smtClean="0"/>
-              <a:t>дуги </a:t>
+              <a:t>Обратные дуги </a:t>
             </a:r>
             <a:r>
               <a:rPr lang="ru-RU" sz="2000" dirty="0" smtClean="0"/>
-              <a:t>– </a:t>
-            </a:r>
-            <a:r>
-              <a:rPr lang="ru-RU" sz="2000" dirty="0" smtClean="0"/>
-              <a:t>это </a:t>
-            </a:r>
-            <a:r>
-              <a:rPr lang="ru-RU" sz="2000" dirty="0" smtClean="0"/>
-              <a:t>дуги (</a:t>
+              <a:t>– это дуги (</a:t>
             </a:r>
             <a:r>
               <a:rPr lang="en-US" sz="2000" dirty="0" smtClean="0"/>
@@ -37198,58 +37136,18 @@
             </a:r>
             <a:r>
               <a:rPr lang="ru-RU" sz="2000" dirty="0" smtClean="0"/>
-              <a:t> в дереве обхода</a:t>
-            </a:r>
-            <a:r>
-              <a:rPr lang="ru-RU" sz="2000" dirty="0" smtClean="0"/>
-              <a:t>. Дуги-циклы, </a:t>
-            </a:r>
-            <a:r>
-              <a:rPr lang="ru-RU" sz="2000" dirty="0" smtClean="0"/>
-              <a:t>которые могут встречаться в орграфах, рассматриваются </a:t>
-            </a:r>
-            <a:r>
-              <a:rPr lang="ru-RU" sz="2000" dirty="0" smtClean="0"/>
-              <a:t>как </a:t>
-            </a:r>
-            <a:r>
-              <a:rPr lang="ru-RU" sz="2000" dirty="0" smtClean="0"/>
-              <a:t>обратные </a:t>
-            </a:r>
-            <a:r>
-              <a:rPr lang="ru-RU" sz="2000" dirty="0" smtClean="0"/>
-              <a:t>дуги.</a:t>
-            </a:r>
-            <a:r>
-              <a:rPr lang="ru-RU" sz="2000" dirty="0" smtClean="0"/>
-              <a:t/>
+              <a:t> в дереве обхода. Дуги-циклы, которые могут встречаться в орграфах, рассматриваются как обратные дуги.</a:t>
             </a:r>
             <a:br>
               <a:rPr lang="ru-RU" sz="2000" dirty="0" smtClean="0"/>
             </a:br>
             <a:r>
               <a:rPr lang="ru-RU" sz="2000" b="1" dirty="0" smtClean="0"/>
-              <a:t>Перекрестные </a:t>
-            </a:r>
-            <a:r>
-              <a:rPr lang="ru-RU" sz="2000" b="1" dirty="0" smtClean="0"/>
-              <a:t>дуги </a:t>
+              <a:t>Перекрестные дуги </a:t>
             </a:r>
             <a:r>
               <a:rPr lang="ru-RU" sz="2000" dirty="0" smtClean="0"/>
-              <a:t>– </a:t>
-            </a:r>
-            <a:r>
-              <a:rPr lang="ru-RU" sz="2000" dirty="0" smtClean="0"/>
-              <a:t>это </a:t>
-            </a:r>
-            <a:r>
-              <a:rPr lang="ru-RU" sz="2000" dirty="0" smtClean="0"/>
-              <a:t>дуги графа</a:t>
-            </a:r>
-            <a:r>
-              <a:rPr lang="ru-RU" sz="2000" dirty="0" smtClean="0"/>
-              <a:t>, не относящиеся к трем описанным выше типам. Они могут соединять вершины одного и того же дерева обхода, когда ни одна из вершин не является предком другой, или соединять вершины в различных деревьях.</a:t>
+              <a:t>– это дуги графа, не относящиеся к трем описанным выше типам. Они могут соединять вершины одного и того же дерева обхода, когда ни одна из вершин не является предком другой, или соединять вершины в различных деревьях.</a:t>
             </a:r>
             <a:br>
               <a:rPr lang="ru-RU" sz="2000" dirty="0" smtClean="0"/>
@@ -37761,23 +37659,7 @@
             </a:pPr>
             <a:r>
               <a:rPr lang="ru-RU" sz="2000" dirty="0" smtClean="0"/>
-              <a:t>Если во время обхода происходит попытка обратиться к не белой </a:t>
-            </a:r>
-            <a:r>
-              <a:rPr lang="ru-RU" sz="2000" dirty="0" smtClean="0"/>
-              <a:t>вершине, которая </a:t>
-            </a:r>
-            <a:r>
-              <a:rPr lang="ru-RU" sz="2000" dirty="0" smtClean="0"/>
-              <a:t>не является непосредственным </a:t>
-            </a:r>
-            <a:r>
-              <a:rPr lang="ru-RU" sz="2000" dirty="0" smtClean="0"/>
-              <a:t>предком, </a:t>
-            </a:r>
-            <a:r>
-              <a:rPr lang="ru-RU" sz="2000" dirty="0" smtClean="0"/>
-              <a:t>по некоторой дуге </a:t>
+              <a:t>Если во время обхода происходит попытка обратиться к не белой вершине, которая не является непосредственным предком, по некоторой дуге </a:t>
             </a:r>
             <a:r>
               <a:rPr lang="en-US" sz="2000" b="1" dirty="0" smtClean="0"/>
@@ -37793,13 +37675,8 @@
             </a:r>
             <a:r>
               <a:rPr lang="ru-RU" sz="2000" dirty="0" smtClean="0"/>
-              <a:t>не обязательно </a:t>
-            </a:r>
-            <a:r>
-              <a:rPr lang="ru-RU" sz="2000" dirty="0" smtClean="0"/>
-              <a:t>контуре).</a:t>
-            </a:r>
-            <a:endParaRPr lang="ru-RU" sz="2000" dirty="0" smtClean="0"/>
+              <a:t>не обязательно контуре).</a:t>
+            </a:r>
           </a:p>
           <a:p>
             <a:pPr lvl="0">
@@ -37831,7 +37708,6 @@
               <a:rPr lang="ru-RU" sz="2000" dirty="0" smtClean="0"/>
               <a:t> – обратная, то найден контур.</a:t>
             </a:r>
-            <a:endParaRPr lang="ru-RU" sz="2000" dirty="0" smtClean="0"/>
           </a:p>
         </p:txBody>
       </p:sp>
@@ -37885,7 +37761,6 @@
               <a:rPr lang="ru-RU" sz="2800" dirty="0" smtClean="0"/>
               <a:t>.</a:t>
             </a:r>
-            <a:endParaRPr lang="ru-RU" sz="2800" dirty="0" smtClean="0"/>
           </a:p>
         </p:txBody>
       </p:sp>

--- a/Презентации/Лекция 1.pptx
+++ b/Презентации/Лекция 1.pptx
@@ -338,7 +338,7 @@
             <a:fld id="{5B106E36-FD25-4E2D-B0AA-010F637433A0}" type="datetimeFigureOut">
               <a:rPr lang="ru-RU" smtClean="0"/>
               <a:pPr/>
-              <a:t>23.03.2020</a:t>
+              <a:t>06.04.2020</a:t>
             </a:fld>
             <a:endParaRPr lang="ru-RU"/>
           </a:p>
@@ -505,7 +505,7 @@
             <a:fld id="{5B106E36-FD25-4E2D-B0AA-010F637433A0}" type="datetimeFigureOut">
               <a:rPr lang="ru-RU" smtClean="0"/>
               <a:pPr/>
-              <a:t>23.03.2020</a:t>
+              <a:t>06.04.2020</a:t>
             </a:fld>
             <a:endParaRPr lang="ru-RU"/>
           </a:p>
@@ -682,7 +682,7 @@
             <a:fld id="{5B106E36-FD25-4E2D-B0AA-010F637433A0}" type="datetimeFigureOut">
               <a:rPr lang="ru-RU" smtClean="0"/>
               <a:pPr/>
-              <a:t>23.03.2020</a:t>
+              <a:t>06.04.2020</a:t>
             </a:fld>
             <a:endParaRPr lang="ru-RU"/>
           </a:p>
@@ -849,7 +849,7 @@
             <a:fld id="{5B106E36-FD25-4E2D-B0AA-010F637433A0}" type="datetimeFigureOut">
               <a:rPr lang="ru-RU" smtClean="0"/>
               <a:pPr/>
-              <a:t>23.03.2020</a:t>
+              <a:t>06.04.2020</a:t>
             </a:fld>
             <a:endParaRPr lang="ru-RU"/>
           </a:p>
@@ -1092,7 +1092,7 @@
             <a:fld id="{5B106E36-FD25-4E2D-B0AA-010F637433A0}" type="datetimeFigureOut">
               <a:rPr lang="ru-RU" smtClean="0"/>
               <a:pPr/>
-              <a:t>23.03.2020</a:t>
+              <a:t>06.04.2020</a:t>
             </a:fld>
             <a:endParaRPr lang="ru-RU"/>
           </a:p>
@@ -1377,7 +1377,7 @@
             <a:fld id="{5B106E36-FD25-4E2D-B0AA-010F637433A0}" type="datetimeFigureOut">
               <a:rPr lang="ru-RU" smtClean="0"/>
               <a:pPr/>
-              <a:t>23.03.2020</a:t>
+              <a:t>06.04.2020</a:t>
             </a:fld>
             <a:endParaRPr lang="ru-RU"/>
           </a:p>
@@ -1796,7 +1796,7 @@
             <a:fld id="{5B106E36-FD25-4E2D-B0AA-010F637433A0}" type="datetimeFigureOut">
               <a:rPr lang="ru-RU" smtClean="0"/>
               <a:pPr/>
-              <a:t>23.03.2020</a:t>
+              <a:t>06.04.2020</a:t>
             </a:fld>
             <a:endParaRPr lang="ru-RU"/>
           </a:p>
@@ -1911,7 +1911,7 @@
             <a:fld id="{5B106E36-FD25-4E2D-B0AA-010F637433A0}" type="datetimeFigureOut">
               <a:rPr lang="ru-RU" smtClean="0"/>
               <a:pPr/>
-              <a:t>23.03.2020</a:t>
+              <a:t>06.04.2020</a:t>
             </a:fld>
             <a:endParaRPr lang="ru-RU"/>
           </a:p>
@@ -2003,7 +2003,7 @@
             <a:fld id="{5B106E36-FD25-4E2D-B0AA-010F637433A0}" type="datetimeFigureOut">
               <a:rPr lang="ru-RU" smtClean="0"/>
               <a:pPr/>
-              <a:t>23.03.2020</a:t>
+              <a:t>06.04.2020</a:t>
             </a:fld>
             <a:endParaRPr lang="ru-RU"/>
           </a:p>
@@ -2277,7 +2277,7 @@
             <a:fld id="{5B106E36-FD25-4E2D-B0AA-010F637433A0}" type="datetimeFigureOut">
               <a:rPr lang="ru-RU" smtClean="0"/>
               <a:pPr/>
-              <a:t>23.03.2020</a:t>
+              <a:t>06.04.2020</a:t>
             </a:fld>
             <a:endParaRPr lang="ru-RU"/>
           </a:p>
@@ -2527,7 +2527,7 @@
             <a:fld id="{5B106E36-FD25-4E2D-B0AA-010F637433A0}" type="datetimeFigureOut">
               <a:rPr lang="ru-RU" smtClean="0"/>
               <a:pPr/>
-              <a:t>23.03.2020</a:t>
+              <a:t>06.04.2020</a:t>
             </a:fld>
             <a:endParaRPr lang="ru-RU"/>
           </a:p>
@@ -2737,7 +2737,7 @@
             <a:fld id="{5B106E36-FD25-4E2D-B0AA-010F637433A0}" type="datetimeFigureOut">
               <a:rPr lang="ru-RU" smtClean="0"/>
               <a:pPr/>
-              <a:t>23.03.2020</a:t>
+              <a:t>06.04.2020</a:t>
             </a:fld>
             <a:endParaRPr lang="ru-RU"/>
           </a:p>
@@ -6638,6 +6638,17 @@
 <file path=ppt/slides/slide13.xml><?xml version="1.0" encoding="utf-8"?>
 <p:sld xmlns:a="http://schemas.openxmlformats.org/drawingml/2006/main" xmlns:r="http://schemas.openxmlformats.org/officeDocument/2006/relationships" xmlns:p="http://schemas.openxmlformats.org/presentationml/2006/main">
   <p:cSld>
+    <p:bg>
+      <p:bgPr>
+        <a:solidFill>
+          <a:schemeClr val="accent1">
+            <a:lumMod val="40000"/>
+            <a:lumOff val="60000"/>
+          </a:schemeClr>
+        </a:solidFill>
+        <a:effectLst/>
+      </p:bgPr>
+    </p:bg>
     <p:spTree>
       <p:nvGrpSpPr>
         <p:cNvPr id="1" name=""/>
@@ -36411,6 +36422,17 @@
 <file path=ppt/slides/slide43.xml><?xml version="1.0" encoding="utf-8"?>
 <p:sld xmlns:a="http://schemas.openxmlformats.org/drawingml/2006/main" xmlns:r="http://schemas.openxmlformats.org/officeDocument/2006/relationships" xmlns:p="http://schemas.openxmlformats.org/presentationml/2006/main">
   <p:cSld>
+    <p:bg>
+      <p:bgPr>
+        <a:solidFill>
+          <a:schemeClr val="accent1">
+            <a:lumMod val="40000"/>
+            <a:lumOff val="60000"/>
+          </a:schemeClr>
+        </a:solidFill>
+        <a:effectLst/>
+      </p:bgPr>
+    </p:bg>
     <p:spTree>
       <p:nvGrpSpPr>
         <p:cNvPr id="1" name=""/>
@@ -39075,7 +39097,15 @@
             </a:r>
             <a:r>
               <a:rPr lang="en-US" sz="1300" b="1" dirty="0" smtClean="0"/>
-              <a:t>else</a:t>
+              <a:t>if </a:t>
+            </a:r>
+            <a:r>
+              <a:rPr lang="en-US" sz="1300" dirty="0" smtClean="0"/>
+              <a:t>color[v] = GRAY </a:t>
+            </a:r>
+            <a:r>
+              <a:rPr lang="en-US" sz="1300" b="1" dirty="0" smtClean="0"/>
+              <a:t>then</a:t>
             </a:r>
             <a:r>
               <a:rPr lang="ru-RU" sz="1300" dirty="0" smtClean="0"/>
@@ -40771,7 +40801,7 @@
                   </a:schemeClr>
                 </a:solidFill>
               </a:rPr>
-              <a:t>BFS</a:t>
+              <a:t>DFS</a:t>
             </a:r>
             <a:r>
               <a:rPr lang="ru-RU" sz="1600" dirty="0" smtClean="0">
@@ -40782,7 +40812,18 @@
                   </a:schemeClr>
                 </a:solidFill>
               </a:rPr>
-              <a:t> (</a:t>
+              <a:t> </a:t>
+            </a:r>
+            <a:r>
+              <a:rPr lang="ru-RU" sz="1600" dirty="0" smtClean="0">
+                <a:solidFill>
+                  <a:schemeClr val="tx2">
+                    <a:lumMod val="60000"/>
+                    <a:lumOff val="40000"/>
+                  </a:schemeClr>
+                </a:solidFill>
+              </a:rPr>
+              <a:t>(</a:t>
             </a:r>
             <a:r>
               <a:rPr lang="en-US" sz="1600" dirty="0" smtClean="0">
@@ -41128,7 +41169,7 @@
                   </a:schemeClr>
                 </a:solidFill>
               </a:rPr>
-              <a:t>BFS_Visit</a:t>
+              <a:t>DFS_Visit</a:t>
             </a:r>
             <a:r>
               <a:rPr lang="en-US" sz="1600" dirty="0" smtClean="0">
@@ -41139,7 +41180,18 @@
                   </a:schemeClr>
                 </a:solidFill>
               </a:rPr>
-              <a:t>(u)</a:t>
+              <a:t>(u</a:t>
+            </a:r>
+            <a:r>
+              <a:rPr lang="en-US" sz="1600" dirty="0" smtClean="0">
+                <a:solidFill>
+                  <a:schemeClr val="tx2">
+                    <a:lumMod val="60000"/>
+                    <a:lumOff val="40000"/>
+                  </a:schemeClr>
+                </a:solidFill>
+              </a:rPr>
+              <a:t>)</a:t>
             </a:r>
             <a:r>
               <a:rPr lang="ru-RU" sz="1600" dirty="0" smtClean="0">
@@ -41234,7 +41286,7 @@
             </a:br>
             <a:r>
               <a:rPr lang="en-US" sz="1600" dirty="0" smtClean="0"/>
-              <a:t>BFS</a:t>
+              <a:t>DFS</a:t>
             </a:r>
             <a:r>
               <a:rPr lang="ru-RU" sz="1600" dirty="0" smtClean="0"/>
@@ -41425,20 +41477,16 @@
               <a:t>		</a:t>
             </a:r>
             <a:r>
-              <a:rPr lang="ru-RU" sz="1600" smtClean="0"/>
+              <a:rPr lang="ru-RU" sz="1600" dirty="0" smtClean="0"/>
               <a:t>	</a:t>
             </a:r>
             <a:r>
-              <a:rPr lang="en-US" sz="1600" b="1" smtClean="0"/>
+              <a:rPr lang="en-US" sz="1600" b="1" dirty="0" smtClean="0"/>
               <a:t>return</a:t>
             </a:r>
             <a:r>
-              <a:rPr lang="en-US" sz="1600" smtClean="0"/>
-              <a:t> </a:t>
-            </a:r>
-            <a:r>
               <a:rPr lang="en-US" sz="1600" dirty="0" smtClean="0"/>
-              <a:t>false</a:t>
+              <a:t> false</a:t>
             </a:r>
             <a:r>
               <a:rPr lang="ru-RU" sz="1600" dirty="0" smtClean="0"/>

--- a/Презентации/Лекция 1.pptx
+++ b/Презентации/Лекция 1.pptx
@@ -338,7 +338,7 @@
             <a:fld id="{5B106E36-FD25-4E2D-B0AA-010F637433A0}" type="datetimeFigureOut">
               <a:rPr lang="ru-RU" smtClean="0"/>
               <a:pPr/>
-              <a:t>06.04.2020</a:t>
+              <a:t>08.02.2021</a:t>
             </a:fld>
             <a:endParaRPr lang="ru-RU"/>
           </a:p>
@@ -505,7 +505,7 @@
             <a:fld id="{5B106E36-FD25-4E2D-B0AA-010F637433A0}" type="datetimeFigureOut">
               <a:rPr lang="ru-RU" smtClean="0"/>
               <a:pPr/>
-              <a:t>06.04.2020</a:t>
+              <a:t>08.02.2021</a:t>
             </a:fld>
             <a:endParaRPr lang="ru-RU"/>
           </a:p>
@@ -682,7 +682,7 @@
             <a:fld id="{5B106E36-FD25-4E2D-B0AA-010F637433A0}" type="datetimeFigureOut">
               <a:rPr lang="ru-RU" smtClean="0"/>
               <a:pPr/>
-              <a:t>06.04.2020</a:t>
+              <a:t>08.02.2021</a:t>
             </a:fld>
             <a:endParaRPr lang="ru-RU"/>
           </a:p>
@@ -849,7 +849,7 @@
             <a:fld id="{5B106E36-FD25-4E2D-B0AA-010F637433A0}" type="datetimeFigureOut">
               <a:rPr lang="ru-RU" smtClean="0"/>
               <a:pPr/>
-              <a:t>06.04.2020</a:t>
+              <a:t>08.02.2021</a:t>
             </a:fld>
             <a:endParaRPr lang="ru-RU"/>
           </a:p>
@@ -1092,7 +1092,7 @@
             <a:fld id="{5B106E36-FD25-4E2D-B0AA-010F637433A0}" type="datetimeFigureOut">
               <a:rPr lang="ru-RU" smtClean="0"/>
               <a:pPr/>
-              <a:t>06.04.2020</a:t>
+              <a:t>08.02.2021</a:t>
             </a:fld>
             <a:endParaRPr lang="ru-RU"/>
           </a:p>
@@ -1377,7 +1377,7 @@
             <a:fld id="{5B106E36-FD25-4E2D-B0AA-010F637433A0}" type="datetimeFigureOut">
               <a:rPr lang="ru-RU" smtClean="0"/>
               <a:pPr/>
-              <a:t>06.04.2020</a:t>
+              <a:t>08.02.2021</a:t>
             </a:fld>
             <a:endParaRPr lang="ru-RU"/>
           </a:p>
@@ -1796,7 +1796,7 @@
             <a:fld id="{5B106E36-FD25-4E2D-B0AA-010F637433A0}" type="datetimeFigureOut">
               <a:rPr lang="ru-RU" smtClean="0"/>
               <a:pPr/>
-              <a:t>06.04.2020</a:t>
+              <a:t>08.02.2021</a:t>
             </a:fld>
             <a:endParaRPr lang="ru-RU"/>
           </a:p>
@@ -1911,7 +1911,7 @@
             <a:fld id="{5B106E36-FD25-4E2D-B0AA-010F637433A0}" type="datetimeFigureOut">
               <a:rPr lang="ru-RU" smtClean="0"/>
               <a:pPr/>
-              <a:t>06.04.2020</a:t>
+              <a:t>08.02.2021</a:t>
             </a:fld>
             <a:endParaRPr lang="ru-RU"/>
           </a:p>
@@ -2003,7 +2003,7 @@
             <a:fld id="{5B106E36-FD25-4E2D-B0AA-010F637433A0}" type="datetimeFigureOut">
               <a:rPr lang="ru-RU" smtClean="0"/>
               <a:pPr/>
-              <a:t>06.04.2020</a:t>
+              <a:t>08.02.2021</a:t>
             </a:fld>
             <a:endParaRPr lang="ru-RU"/>
           </a:p>
@@ -2277,7 +2277,7 @@
             <a:fld id="{5B106E36-FD25-4E2D-B0AA-010F637433A0}" type="datetimeFigureOut">
               <a:rPr lang="ru-RU" smtClean="0"/>
               <a:pPr/>
-              <a:t>06.04.2020</a:t>
+              <a:t>08.02.2021</a:t>
             </a:fld>
             <a:endParaRPr lang="ru-RU"/>
           </a:p>
@@ -2527,7 +2527,7 @@
             <a:fld id="{5B106E36-FD25-4E2D-B0AA-010F637433A0}" type="datetimeFigureOut">
               <a:rPr lang="ru-RU" smtClean="0"/>
               <a:pPr/>
-              <a:t>06.04.2020</a:t>
+              <a:t>08.02.2021</a:t>
             </a:fld>
             <a:endParaRPr lang="ru-RU"/>
           </a:p>
@@ -2737,7 +2737,7 @@
             <a:fld id="{5B106E36-FD25-4E2D-B0AA-010F637433A0}" type="datetimeFigureOut">
               <a:rPr lang="ru-RU" smtClean="0"/>
               <a:pPr/>
-              <a:t>06.04.2020</a:t>
+              <a:t>08.02.2021</a:t>
             </a:fld>
             <a:endParaRPr lang="ru-RU"/>
           </a:p>
@@ -6135,38 +6135,6 @@
               </a:rPr>
             </a:br>
             <a:r>
-              <a:rPr lang="en-US" sz="1600" dirty="0" smtClean="0">
-                <a:solidFill>
-                  <a:schemeClr val="tx2">
-                    <a:lumMod val="60000"/>
-                    <a:lumOff val="40000"/>
-                  </a:schemeClr>
-                </a:solidFill>
-              </a:rPr>
-              <a:t>time ⟵ 0</a:t>
-            </a:r>
-            <a:r>
-              <a:rPr lang="ru-RU" sz="1600" dirty="0" smtClean="0">
-                <a:solidFill>
-                  <a:schemeClr val="tx2">
-                    <a:lumMod val="60000"/>
-                    <a:lumOff val="40000"/>
-                  </a:schemeClr>
-                </a:solidFill>
-              </a:rPr>
-              <a:t/>
-            </a:r>
-            <a:br>
-              <a:rPr lang="ru-RU" sz="1600" dirty="0" smtClean="0">
-                <a:solidFill>
-                  <a:schemeClr val="tx2">
-                    <a:lumMod val="60000"/>
-                    <a:lumOff val="40000"/>
-                  </a:schemeClr>
-                </a:solidFill>
-              </a:rPr>
-            </a:br>
-            <a:r>
               <a:rPr lang="en-US" sz="1600" b="1" dirty="0" smtClean="0">
                 <a:solidFill>
                   <a:schemeClr val="tx2">
@@ -6186,7 +6154,18 @@
                   </a:schemeClr>
                 </a:solidFill>
               </a:rPr>
-              <a:t> (для) каждой </a:t>
+              <a:t> </a:t>
+            </a:r>
+            <a:r>
+              <a:rPr lang="ru-RU" sz="1600" dirty="0" smtClean="0">
+                <a:solidFill>
+                  <a:schemeClr val="tx2">
+                    <a:lumMod val="60000"/>
+                    <a:lumOff val="40000"/>
+                  </a:schemeClr>
+                </a:solidFill>
+              </a:rPr>
+              <a:t>(для) каждой </a:t>
             </a:r>
             <a:r>
               <a:rPr lang="ru-RU" sz="1600" dirty="0" err="1" smtClean="0">
@@ -10174,7 +10153,15 @@
             </a:r>
             <a:r>
               <a:rPr lang="ru-RU" sz="2800" dirty="0" smtClean="0"/>
-              <a:t> и </a:t>
+              <a:t> </a:t>
+            </a:r>
+            <a:r>
+              <a:rPr lang="ru-RU" sz="2800" dirty="0" smtClean="0"/>
+              <a:t>(</a:t>
+            </a:r>
+            <a:r>
+              <a:rPr lang="ru-RU" sz="2800" smtClean="0"/>
+              <a:t>из заданной) и </a:t>
             </a:r>
             <a:r>
               <a:rPr lang="ru-RU" sz="2800" b="1" dirty="0" smtClean="0"/>
@@ -40812,18 +40799,7 @@
                   </a:schemeClr>
                 </a:solidFill>
               </a:rPr>
-              <a:t> </a:t>
-            </a:r>
-            <a:r>
-              <a:rPr lang="ru-RU" sz="1600" dirty="0" smtClean="0">
-                <a:solidFill>
-                  <a:schemeClr val="tx2">
-                    <a:lumMod val="60000"/>
-                    <a:lumOff val="40000"/>
-                  </a:schemeClr>
-                </a:solidFill>
-              </a:rPr>
-              <a:t>(</a:t>
+              <a:t> (</a:t>
             </a:r>
             <a:r>
               <a:rPr lang="en-US" sz="1600" dirty="0" smtClean="0">
@@ -41180,18 +41156,7 @@
                   </a:schemeClr>
                 </a:solidFill>
               </a:rPr>
-              <a:t>(u</a:t>
-            </a:r>
-            <a:r>
-              <a:rPr lang="en-US" sz="1600" dirty="0" smtClean="0">
-                <a:solidFill>
-                  <a:schemeClr val="tx2">
-                    <a:lumMod val="60000"/>
-                    <a:lumOff val="40000"/>
-                  </a:schemeClr>
-                </a:solidFill>
-              </a:rPr>
-              <a:t>)</a:t>
+              <a:t>(u)</a:t>
             </a:r>
             <a:r>
               <a:rPr lang="ru-RU" sz="1600" dirty="0" smtClean="0">

--- a/Презентации/Лекция 1.pptx
+++ b/Презентации/Лекция 1.pptx
@@ -48,13 +48,23 @@
     <p:sldId id="287" r:id="rId42"/>
     <p:sldId id="298" r:id="rId43"/>
     <p:sldId id="306" r:id="rId44"/>
-    <p:sldId id="305" r:id="rId45"/>
-    <p:sldId id="309" r:id="rId46"/>
-    <p:sldId id="308" r:id="rId47"/>
-    <p:sldId id="326" r:id="rId48"/>
-    <p:sldId id="312" r:id="rId49"/>
-    <p:sldId id="340" r:id="rId50"/>
-    <p:sldId id="311" r:id="rId51"/>
+    <p:sldId id="341" r:id="rId45"/>
+    <p:sldId id="342" r:id="rId46"/>
+    <p:sldId id="343" r:id="rId47"/>
+    <p:sldId id="344" r:id="rId48"/>
+    <p:sldId id="345" r:id="rId49"/>
+    <p:sldId id="346" r:id="rId50"/>
+    <p:sldId id="347" r:id="rId51"/>
+    <p:sldId id="348" r:id="rId52"/>
+    <p:sldId id="349" r:id="rId53"/>
+    <p:sldId id="350" r:id="rId54"/>
+    <p:sldId id="351" r:id="rId55"/>
+    <p:sldId id="352" r:id="rId56"/>
+    <p:sldId id="353" r:id="rId57"/>
+    <p:sldId id="354" r:id="rId58"/>
+    <p:sldId id="355" r:id="rId59"/>
+    <p:sldId id="356" r:id="rId60"/>
+    <p:sldId id="357" r:id="rId61"/>
   </p:sldIdLst>
   <p:sldSz cx="9144000" cy="6858000" type="screen4x3"/>
   <p:notesSz cx="6858000" cy="9144000"/>
@@ -338,7 +348,7 @@
             <a:fld id="{5B106E36-FD25-4E2D-B0AA-010F637433A0}" type="datetimeFigureOut">
               <a:rPr lang="ru-RU" smtClean="0"/>
               <a:pPr/>
-              <a:t>08.02.2021</a:t>
+              <a:t>28.02.2021</a:t>
             </a:fld>
             <a:endParaRPr lang="ru-RU"/>
           </a:p>
@@ -505,7 +515,7 @@
             <a:fld id="{5B106E36-FD25-4E2D-B0AA-010F637433A0}" type="datetimeFigureOut">
               <a:rPr lang="ru-RU" smtClean="0"/>
               <a:pPr/>
-              <a:t>08.02.2021</a:t>
+              <a:t>28.02.2021</a:t>
             </a:fld>
             <a:endParaRPr lang="ru-RU"/>
           </a:p>
@@ -682,7 +692,7 @@
             <a:fld id="{5B106E36-FD25-4E2D-B0AA-010F637433A0}" type="datetimeFigureOut">
               <a:rPr lang="ru-RU" smtClean="0"/>
               <a:pPr/>
-              <a:t>08.02.2021</a:t>
+              <a:t>28.02.2021</a:t>
             </a:fld>
             <a:endParaRPr lang="ru-RU"/>
           </a:p>
@@ -849,7 +859,7 @@
             <a:fld id="{5B106E36-FD25-4E2D-B0AA-010F637433A0}" type="datetimeFigureOut">
               <a:rPr lang="ru-RU" smtClean="0"/>
               <a:pPr/>
-              <a:t>08.02.2021</a:t>
+              <a:t>28.02.2021</a:t>
             </a:fld>
             <a:endParaRPr lang="ru-RU"/>
           </a:p>
@@ -1092,7 +1102,7 @@
             <a:fld id="{5B106E36-FD25-4E2D-B0AA-010F637433A0}" type="datetimeFigureOut">
               <a:rPr lang="ru-RU" smtClean="0"/>
               <a:pPr/>
-              <a:t>08.02.2021</a:t>
+              <a:t>28.02.2021</a:t>
             </a:fld>
             <a:endParaRPr lang="ru-RU"/>
           </a:p>
@@ -1377,7 +1387,7 @@
             <a:fld id="{5B106E36-FD25-4E2D-B0AA-010F637433A0}" type="datetimeFigureOut">
               <a:rPr lang="ru-RU" smtClean="0"/>
               <a:pPr/>
-              <a:t>08.02.2021</a:t>
+              <a:t>28.02.2021</a:t>
             </a:fld>
             <a:endParaRPr lang="ru-RU"/>
           </a:p>
@@ -1796,7 +1806,7 @@
             <a:fld id="{5B106E36-FD25-4E2D-B0AA-010F637433A0}" type="datetimeFigureOut">
               <a:rPr lang="ru-RU" smtClean="0"/>
               <a:pPr/>
-              <a:t>08.02.2021</a:t>
+              <a:t>28.02.2021</a:t>
             </a:fld>
             <a:endParaRPr lang="ru-RU"/>
           </a:p>
@@ -1911,7 +1921,7 @@
             <a:fld id="{5B106E36-FD25-4E2D-B0AA-010F637433A0}" type="datetimeFigureOut">
               <a:rPr lang="ru-RU" smtClean="0"/>
               <a:pPr/>
-              <a:t>08.02.2021</a:t>
+              <a:t>28.02.2021</a:t>
             </a:fld>
             <a:endParaRPr lang="ru-RU"/>
           </a:p>
@@ -2003,7 +2013,7 @@
             <a:fld id="{5B106E36-FD25-4E2D-B0AA-010F637433A0}" type="datetimeFigureOut">
               <a:rPr lang="ru-RU" smtClean="0"/>
               <a:pPr/>
-              <a:t>08.02.2021</a:t>
+              <a:t>28.02.2021</a:t>
             </a:fld>
             <a:endParaRPr lang="ru-RU"/>
           </a:p>
@@ -2277,7 +2287,7 @@
             <a:fld id="{5B106E36-FD25-4E2D-B0AA-010F637433A0}" type="datetimeFigureOut">
               <a:rPr lang="ru-RU" smtClean="0"/>
               <a:pPr/>
-              <a:t>08.02.2021</a:t>
+              <a:t>28.02.2021</a:t>
             </a:fld>
             <a:endParaRPr lang="ru-RU"/>
           </a:p>
@@ -2527,7 +2537,7 @@
             <a:fld id="{5B106E36-FD25-4E2D-B0AA-010F637433A0}" type="datetimeFigureOut">
               <a:rPr lang="ru-RU" smtClean="0"/>
               <a:pPr/>
-              <a:t>08.02.2021</a:t>
+              <a:t>28.02.2021</a:t>
             </a:fld>
             <a:endParaRPr lang="ru-RU"/>
           </a:p>
@@ -2737,7 +2747,7 @@
             <a:fld id="{5B106E36-FD25-4E2D-B0AA-010F637433A0}" type="datetimeFigureOut">
               <a:rPr lang="ru-RU" smtClean="0"/>
               <a:pPr/>
-              <a:t>08.02.2021</a:t>
+              <a:t>28.02.2021</a:t>
             </a:fld>
             <a:endParaRPr lang="ru-RU"/>
           </a:p>
@@ -6154,18 +6164,7 @@
                   </a:schemeClr>
                 </a:solidFill>
               </a:rPr>
-              <a:t> </a:t>
-            </a:r>
-            <a:r>
-              <a:rPr lang="ru-RU" sz="1600" dirty="0" smtClean="0">
-                <a:solidFill>
-                  <a:schemeClr val="tx2">
-                    <a:lumMod val="60000"/>
-                    <a:lumOff val="40000"/>
-                  </a:schemeClr>
-                </a:solidFill>
-              </a:rPr>
-              <a:t>(для) каждой </a:t>
+              <a:t> (для) каждой </a:t>
             </a:r>
             <a:r>
               <a:rPr lang="ru-RU" sz="1600" dirty="0" err="1" smtClean="0">
@@ -10148,8 +10147,24 @@
               <a:t>Поиск </a:t>
             </a:r>
             <a:r>
+              <a:rPr lang="ru-RU" sz="2800" dirty="0" smtClean="0"/>
+              <a:t>(из заданной</a:t>
+            </a:r>
+            <a:r>
+              <a:rPr lang="en-US" sz="2800" dirty="0" smtClean="0"/>
+              <a:t> </a:t>
+            </a:r>
+            <a:r>
+              <a:rPr lang="ru-RU" sz="2800" dirty="0" smtClean="0"/>
+              <a:t>вершины) </a:t>
+            </a:r>
+            <a:r>
               <a:rPr lang="ru-RU" sz="2800" b="1" dirty="0" smtClean="0"/>
-              <a:t>кратчайших расстояний</a:t>
+              <a:t>кратчайших </a:t>
+            </a:r>
+            <a:r>
+              <a:rPr lang="ru-RU" sz="2800" b="1" dirty="0" smtClean="0"/>
+              <a:t>расстояний</a:t>
             </a:r>
             <a:r>
               <a:rPr lang="ru-RU" sz="2800" dirty="0" smtClean="0"/>
@@ -10157,11 +10172,7 @@
             </a:r>
             <a:r>
               <a:rPr lang="ru-RU" sz="2800" dirty="0" smtClean="0"/>
-              <a:t>(</a:t>
-            </a:r>
-            <a:r>
-              <a:rPr lang="ru-RU" sz="2800" smtClean="0"/>
-              <a:t>из заданной) и </a:t>
+              <a:t>и </a:t>
             </a:r>
             <a:r>
               <a:rPr lang="ru-RU" sz="2800" b="1" dirty="0" smtClean="0"/>
@@ -10177,7 +10188,19 @@
             </a:r>
             <a:r>
               <a:rPr lang="ru-RU" sz="2800" dirty="0" smtClean="0"/>
-              <a:t> не ориентированном графе.</a:t>
+              <a:t> </a:t>
+            </a:r>
+            <a:r>
+              <a:rPr lang="ru-RU" sz="2800" dirty="0" err="1" smtClean="0"/>
+              <a:t>НЕориентированном</a:t>
+            </a:r>
+            <a:r>
+              <a:rPr lang="ru-RU" sz="2800" dirty="0" smtClean="0"/>
+              <a:t> </a:t>
+            </a:r>
+            <a:r>
+              <a:rPr lang="ru-RU" sz="2800" dirty="0" smtClean="0"/>
+              <a:t>графе.</a:t>
             </a:r>
             <a:endParaRPr lang="ru-RU" sz="2800" b="1" dirty="0" smtClean="0"/>
           </a:p>
@@ -36537,6 +36560,58 @@
             </a:r>
             <a:r>
               <a:rPr lang="ru-RU" sz="2000" dirty="0" smtClean="0"/>
+              <a:t>. Пусть даны две вершины </a:t>
+            </a:r>
+            <a:r>
+              <a:rPr lang="en-US" sz="2000" b="1" dirty="0" smtClean="0">
+                <a:solidFill>
+                  <a:srgbClr val="00B050"/>
+                </a:solidFill>
+              </a:rPr>
+              <a:t>u</a:t>
+            </a:r>
+            <a:r>
+              <a:rPr lang="en-US" sz="2000" dirty="0" smtClean="0"/>
+              <a:t> </a:t>
+            </a:r>
+            <a:r>
+              <a:rPr lang="ru-RU" sz="2000" dirty="0" smtClean="0"/>
+              <a:t>и </a:t>
+            </a:r>
+            <a:r>
+              <a:rPr lang="en-US" sz="2000" b="1" dirty="0" smtClean="0">
+                <a:solidFill>
+                  <a:srgbClr val="7030A0"/>
+                </a:solidFill>
+              </a:rPr>
+              <a:t>v</a:t>
+            </a:r>
+            <a:r>
+              <a:rPr lang="ru-RU" sz="2000" dirty="0" smtClean="0"/>
+              <a:t>. Причем, </a:t>
+            </a:r>
+            <a:r>
+              <a:rPr lang="en-US" sz="2000" b="1" dirty="0" err="1" smtClean="0">
+                <a:solidFill>
+                  <a:srgbClr val="00B050"/>
+                </a:solidFill>
+              </a:rPr>
+              <a:t>u_in</a:t>
+            </a:r>
+            <a:r>
+              <a:rPr lang="en-US" sz="2000" dirty="0" smtClean="0"/>
+              <a:t> &lt; </a:t>
+            </a:r>
+            <a:r>
+              <a:rPr lang="en-US" sz="2000" b="1" dirty="0" err="1" smtClean="0">
+                <a:solidFill>
+                  <a:srgbClr val="7030A0"/>
+                </a:solidFill>
+              </a:rPr>
+              <a:t>v_in</a:t>
+            </a:r>
+            <a:r>
+              <a:rPr lang="ru-RU" sz="2000" dirty="0" smtClean="0"/>
               <a:t>.</a:t>
             </a:r>
             <a:r>
@@ -36566,37 +36641,61 @@
             </a:br>
             <a:r>
               <a:rPr lang="ru-RU" sz="2000" dirty="0" smtClean="0"/>
-              <a:t>Возможен только один из трех вариантов:</a:t>
+              <a:t>Возможен только один из двух вариантов:</a:t>
             </a:r>
             <a:br>
               <a:rPr lang="ru-RU" sz="2000" dirty="0" smtClean="0"/>
             </a:br>
             <a:r>
-              <a:rPr lang="en-US" sz="2000" b="1" dirty="0" err="1" smtClean="0"/>
+              <a:rPr lang="en-US" sz="2000" b="1" dirty="0" err="1" smtClean="0">
+                <a:solidFill>
+                  <a:srgbClr val="00B050"/>
+                </a:solidFill>
+              </a:rPr>
               <a:t>u_in</a:t>
+            </a:r>
+            <a:r>
+              <a:rPr lang="en-US" sz="2000" dirty="0" smtClean="0">
+                <a:solidFill>
+                  <a:srgbClr val="00B050"/>
+                </a:solidFill>
+              </a:rPr>
+              <a:t> </a:t>
+            </a:r>
+            <a:r>
+              <a:rPr lang="en-US" sz="2000" dirty="0" smtClean="0"/>
+              <a:t>&lt; </a:t>
+            </a:r>
+            <a:r>
+              <a:rPr lang="en-US" sz="2000" b="1" dirty="0" err="1" smtClean="0">
+                <a:solidFill>
+                  <a:srgbClr val="7030A0"/>
+                </a:solidFill>
+              </a:rPr>
+              <a:t>v_in</a:t>
             </a:r>
             <a:r>
               <a:rPr lang="en-US" sz="2000" dirty="0" smtClean="0"/>
               <a:t> &lt; </a:t>
             </a:r>
             <a:r>
-              <a:rPr lang="en-US" sz="2000" dirty="0" err="1" smtClean="0"/>
-              <a:t>v_in</a:t>
+              <a:rPr lang="en-US" sz="2000" b="1" dirty="0" err="1" smtClean="0">
+                <a:solidFill>
+                  <a:srgbClr val="7030A0"/>
+                </a:solidFill>
+              </a:rPr>
+              <a:t>v_out</a:t>
             </a:r>
             <a:r>
               <a:rPr lang="en-US" sz="2000" dirty="0" smtClean="0"/>
               <a:t> &lt; </a:t>
             </a:r>
             <a:r>
-              <a:rPr lang="en-US" sz="2000" dirty="0" err="1" smtClean="0"/>
-              <a:t>v_out</a:t>
-            </a:r>
-            <a:r>
-              <a:rPr lang="en-US" sz="2000" dirty="0" smtClean="0"/>
-              <a:t> &lt; </a:t>
-            </a:r>
-            <a:r>
-              <a:rPr lang="en-US" sz="2000" b="1" dirty="0" err="1" smtClean="0"/>
+              <a:rPr lang="en-US" sz="2000" b="1" dirty="0" err="1" smtClean="0">
+                <a:solidFill>
+                  <a:srgbClr val="00B050"/>
+                </a:solidFill>
+              </a:rPr>
               <a:t>u_out</a:t>
             </a:r>
             <a:r>
@@ -36607,27 +36706,23 @@
               <a:rPr lang="ru-RU" sz="2000" dirty="0" smtClean="0"/>
             </a:br>
             <a:r>
-              <a:rPr lang="en-US" sz="2000" dirty="0" err="1" smtClean="0"/>
-              <a:t>v_in</a:t>
+              <a:rPr lang="en-US" sz="2000" b="1" dirty="0" err="1" smtClean="0">
+                <a:solidFill>
+                  <a:srgbClr val="00B050"/>
+                </a:solidFill>
+              </a:rPr>
+              <a:t>u_in</a:t>
             </a:r>
             <a:r>
               <a:rPr lang="en-US" sz="2000" dirty="0" smtClean="0"/>
               <a:t> &lt; </a:t>
             </a:r>
             <a:r>
-              <a:rPr lang="en-US" sz="2000" b="1" dirty="0" err="1" smtClean="0"/>
-              <a:t>u_in</a:t>
-            </a:r>
-            <a:r>
-              <a:rPr lang="en-US" sz="2000" dirty="0" smtClean="0"/>
-              <a:t> &lt;</a:t>
-            </a:r>
-            <a:r>
-              <a:rPr lang="ru-RU" sz="2000" dirty="0" smtClean="0"/>
-              <a:t> </a:t>
-            </a:r>
-            <a:r>
-              <a:rPr lang="en-US" sz="2000" b="1" dirty="0" err="1" smtClean="0"/>
+              <a:rPr lang="en-US" sz="2000" b="1" dirty="0" err="1" smtClean="0">
+                <a:solidFill>
+                  <a:srgbClr val="00B050"/>
+                </a:solidFill>
+              </a:rPr>
               <a:t>u_out</a:t>
             </a:r>
             <a:r>
@@ -36635,7 +36730,23 @@
               <a:t> &lt; </a:t>
             </a:r>
             <a:r>
-              <a:rPr lang="en-US" sz="2000" dirty="0" err="1" smtClean="0"/>
+              <a:rPr lang="en-US" sz="2000" b="1" dirty="0" err="1" smtClean="0">
+                <a:solidFill>
+                  <a:srgbClr val="7030A0"/>
+                </a:solidFill>
+              </a:rPr>
+              <a:t>v_in</a:t>
+            </a:r>
+            <a:r>
+              <a:rPr lang="en-US" sz="2000" dirty="0" smtClean="0"/>
+              <a:t> &lt; </a:t>
+            </a:r>
+            <a:r>
+              <a:rPr lang="en-US" sz="2000" b="1" dirty="0" err="1" smtClean="0">
+                <a:solidFill>
+                  <a:srgbClr val="7030A0"/>
+                </a:solidFill>
+              </a:rPr>
               <a:t>v_out</a:t>
             </a:r>
             <a:r>
@@ -36646,32 +36757,28 @@
               <a:rPr lang="ru-RU" sz="2000" dirty="0" smtClean="0"/>
             </a:br>
             <a:r>
-              <a:rPr lang="en-US" sz="2000" b="1" dirty="0" err="1" smtClean="0"/>
-              <a:t>u_in</a:t>
+              <a:rPr lang="ru-RU" sz="2000" dirty="0" smtClean="0"/>
+              <a:t>т</a:t>
             </a:r>
             <a:r>
               <a:rPr lang="en-US" sz="2000" dirty="0" smtClean="0"/>
-              <a:t> &lt; </a:t>
-            </a:r>
-            <a:r>
-              <a:rPr lang="en-US" sz="2000" b="1" dirty="0" err="1" smtClean="0"/>
-              <a:t>u_out</a:t>
+              <a:t>.</a:t>
+            </a:r>
+            <a:r>
+              <a:rPr lang="ru-RU" sz="2000" dirty="0" smtClean="0"/>
+              <a:t>е</a:t>
             </a:r>
             <a:r>
               <a:rPr lang="en-US" sz="2000" dirty="0" smtClean="0"/>
-              <a:t> &lt; </a:t>
-            </a:r>
-            <a:r>
-              <a:rPr lang="en-US" sz="2000" dirty="0" err="1" smtClean="0"/>
-              <a:t>v_in</a:t>
+              <a:t>. </a:t>
+            </a:r>
+            <a:r>
+              <a:rPr lang="ru-RU" sz="2000" dirty="0" smtClean="0"/>
+              <a:t>невозможен случай</a:t>
             </a:r>
             <a:r>
               <a:rPr lang="en-US" sz="2000" dirty="0" smtClean="0"/>
-              <a:t> &lt; </a:t>
-            </a:r>
-            <a:r>
-              <a:rPr lang="en-US" sz="2000" dirty="0" err="1" smtClean="0"/>
-              <a:t>v_out</a:t>
+              <a:t>:</a:t>
             </a:r>
             <a:r>
               <a:rPr lang="ru-RU" sz="2000" dirty="0" smtClean="0"/>
@@ -36681,28 +36788,48 @@
               <a:rPr lang="ru-RU" sz="2000" dirty="0" smtClean="0"/>
             </a:br>
             <a:r>
-              <a:rPr lang="ru-RU" sz="2000" dirty="0" smtClean="0"/>
-              <a:t>т</a:t>
+              <a:rPr lang="en-US" sz="2000" b="1" dirty="0" err="1" smtClean="0">
+                <a:solidFill>
+                  <a:srgbClr val="00B050"/>
+                </a:solidFill>
+              </a:rPr>
+              <a:t>u_in</a:t>
             </a:r>
             <a:r>
               <a:rPr lang="en-US" sz="2000" dirty="0" smtClean="0"/>
-              <a:t>.</a:t>
-            </a:r>
-            <a:r>
-              <a:rPr lang="ru-RU" sz="2000" dirty="0" smtClean="0"/>
-              <a:t>е</a:t>
+              <a:t> &lt; </a:t>
+            </a:r>
+            <a:r>
+              <a:rPr lang="en-US" sz="2000" b="1" dirty="0" err="1" smtClean="0">
+                <a:solidFill>
+                  <a:srgbClr val="7030A0"/>
+                </a:solidFill>
+              </a:rPr>
+              <a:t>v_in</a:t>
             </a:r>
             <a:r>
               <a:rPr lang="en-US" sz="2000" dirty="0" smtClean="0"/>
-              <a:t>. </a:t>
-            </a:r>
-            <a:r>
-              <a:rPr lang="ru-RU" sz="2000" dirty="0" smtClean="0"/>
-              <a:t>невозможны случаи</a:t>
+              <a:t> &lt; </a:t>
+            </a:r>
+            <a:r>
+              <a:rPr lang="en-US" sz="2000" b="1" dirty="0" err="1" smtClean="0">
+                <a:solidFill>
+                  <a:srgbClr val="00B050"/>
+                </a:solidFill>
+              </a:rPr>
+              <a:t>u_out</a:t>
             </a:r>
             <a:r>
               <a:rPr lang="en-US" sz="2000" dirty="0" smtClean="0"/>
-              <a:t>:</a:t>
+              <a:t> &lt; </a:t>
+            </a:r>
+            <a:r>
+              <a:rPr lang="en-US" sz="2000" b="1" dirty="0" err="1" smtClean="0">
+                <a:solidFill>
+                  <a:srgbClr val="7030A0"/>
+                </a:solidFill>
+              </a:rPr>
+              <a:t>v_out</a:t>
             </a:r>
             <a:r>
               <a:rPr lang="ru-RU" sz="2000" dirty="0" smtClean="0"/>
@@ -36712,34 +36839,6 @@
               <a:rPr lang="ru-RU" sz="2000" dirty="0" smtClean="0"/>
             </a:br>
             <a:r>
-              <a:rPr lang="en-US" sz="2000" b="1" dirty="0" err="1" smtClean="0"/>
-              <a:t>u_in</a:t>
-            </a:r>
-            <a:r>
-              <a:rPr lang="en-US" sz="2000" dirty="0" smtClean="0"/>
-              <a:t> &lt; </a:t>
-            </a:r>
-            <a:r>
-              <a:rPr lang="en-US" sz="2000" dirty="0" err="1" smtClean="0"/>
-              <a:t>v_in</a:t>
-            </a:r>
-            <a:r>
-              <a:rPr lang="en-US" sz="2000" dirty="0" smtClean="0"/>
-              <a:t> &lt; </a:t>
-            </a:r>
-            <a:r>
-              <a:rPr lang="en-US" sz="2000" b="1" dirty="0" err="1" smtClean="0"/>
-              <a:t>u_out</a:t>
-            </a:r>
-            <a:r>
-              <a:rPr lang="en-US" sz="2000" dirty="0" smtClean="0"/>
-              <a:t> &lt; </a:t>
-            </a:r>
-            <a:r>
-              <a:rPr lang="en-US" sz="2000" dirty="0" err="1" smtClean="0"/>
-              <a:t>v_out</a:t>
-            </a:r>
-            <a:r>
               <a:rPr lang="ru-RU" sz="2000" dirty="0" smtClean="0"/>
               <a:t/>
             </a:r>
@@ -36747,40 +36846,9 @@
               <a:rPr lang="ru-RU" sz="2000" dirty="0" smtClean="0"/>
             </a:br>
             <a:r>
-              <a:rPr lang="en-US" sz="2000" dirty="0" err="1" smtClean="0"/>
-              <a:t>v_in</a:t>
-            </a:r>
-            <a:r>
-              <a:rPr lang="en-US" sz="2000" dirty="0" smtClean="0"/>
-              <a:t> &lt; </a:t>
-            </a:r>
-            <a:r>
-              <a:rPr lang="en-US" sz="2000" b="1" dirty="0" err="1" smtClean="0"/>
-              <a:t>u_in</a:t>
-            </a:r>
-            <a:r>
-              <a:rPr lang="en-US" sz="2000" dirty="0" smtClean="0"/>
-              <a:t> &lt; </a:t>
-            </a:r>
-            <a:r>
-              <a:rPr lang="en-US" sz="2000" dirty="0" err="1" smtClean="0"/>
-              <a:t>v_out</a:t>
-            </a:r>
-            <a:r>
-              <a:rPr lang="en-US" sz="2000" dirty="0" smtClean="0"/>
-              <a:t> &lt; </a:t>
-            </a:r>
-            <a:r>
-              <a:rPr lang="en-US" sz="2000" b="1" dirty="0" err="1" smtClean="0"/>
-              <a:t>u_out</a:t>
-            </a:r>
-            <a:r>
-              <a:rPr lang="en-US" sz="2000" dirty="0" smtClean="0"/>
-              <a:t/>
-            </a:r>
-            <a:br>
-              <a:rPr lang="en-US" sz="2000" dirty="0" smtClean="0"/>
-            </a:br>
+              <a:rPr lang="ru-RU" sz="2000" b="1" dirty="0" smtClean="0"/>
+              <a:t>Доказательство:</a:t>
+            </a:r>
             <a:r>
               <a:rPr lang="ru-RU" sz="2000" dirty="0" smtClean="0"/>
               <a:t/>
@@ -36789,63 +36857,239 @@
               <a:rPr lang="ru-RU" sz="2000" dirty="0" smtClean="0"/>
             </a:br>
             <a:r>
-              <a:rPr lang="ru-RU" sz="2000" b="1" dirty="0" smtClean="0"/>
-              <a:t>Доказательство:</a:t>
-            </a:r>
-            <a:r>
               <a:rPr lang="ru-RU" sz="2000" dirty="0" smtClean="0"/>
-              <a:t/>
+              <a:t>Если </a:t>
+            </a:r>
+            <a:r>
+              <a:rPr lang="en-US" sz="2000" b="1" dirty="0" smtClean="0">
+                <a:solidFill>
+                  <a:srgbClr val="00B050"/>
+                </a:solidFill>
+              </a:rPr>
+              <a:t>u</a:t>
+            </a:r>
+            <a:r>
+              <a:rPr lang="ru-RU" sz="2000" b="1" dirty="0" smtClean="0">
+                <a:solidFill>
+                  <a:srgbClr val="00B050"/>
+                </a:solidFill>
+              </a:rPr>
+              <a:t>_</a:t>
+            </a:r>
+            <a:r>
+              <a:rPr lang="en-US" sz="2000" b="1" dirty="0" smtClean="0">
+                <a:solidFill>
+                  <a:srgbClr val="00B050"/>
+                </a:solidFill>
+              </a:rPr>
+              <a:t>out</a:t>
+            </a:r>
+            <a:r>
+              <a:rPr lang="en-US" sz="2000" dirty="0" smtClean="0"/>
+              <a:t> </a:t>
+            </a:r>
+            <a:r>
+              <a:rPr lang="ru-RU" sz="2000" dirty="0" smtClean="0"/>
+              <a:t>&lt; </a:t>
+            </a:r>
+            <a:r>
+              <a:rPr lang="en-US" sz="2000" b="1" dirty="0" smtClean="0">
+                <a:solidFill>
+                  <a:srgbClr val="7030A0"/>
+                </a:solidFill>
+              </a:rPr>
+              <a:t>v</a:t>
+            </a:r>
+            <a:r>
+              <a:rPr lang="ru-RU" sz="2000" b="1" dirty="0" smtClean="0">
+                <a:solidFill>
+                  <a:srgbClr val="7030A0"/>
+                </a:solidFill>
+              </a:rPr>
+              <a:t>_</a:t>
+            </a:r>
+            <a:r>
+              <a:rPr lang="en-US" sz="2000" b="1" dirty="0" smtClean="0">
+                <a:solidFill>
+                  <a:srgbClr val="7030A0"/>
+                </a:solidFill>
+              </a:rPr>
+              <a:t>in</a:t>
+            </a:r>
+            <a:r>
+              <a:rPr lang="ru-RU" sz="2000" dirty="0" smtClean="0"/>
+              <a:t> – </a:t>
+            </a:r>
+            <a:r>
+              <a:rPr lang="ru-RU" sz="2000" dirty="0" err="1" smtClean="0"/>
+              <a:t>чтд</a:t>
+            </a:r>
+            <a:r>
+              <a:rPr lang="ru-RU" sz="2000" dirty="0" smtClean="0"/>
+              <a:t> (вариант 2).</a:t>
             </a:r>
             <a:br>
               <a:rPr lang="ru-RU" sz="2000" dirty="0" smtClean="0"/>
             </a:br>
             <a:r>
               <a:rPr lang="ru-RU" sz="2000" dirty="0" smtClean="0"/>
-              <a:t>Пусть </a:t>
-            </a:r>
-            <a:r>
-              <a:rPr lang="en-US" sz="2000" b="1" dirty="0" smtClean="0"/>
+              <a:t>Если </a:t>
+            </a:r>
+            <a:r>
+              <a:rPr lang="en-US" sz="2000" b="1" dirty="0" smtClean="0">
+                <a:solidFill>
+                  <a:srgbClr val="7030A0"/>
+                </a:solidFill>
+              </a:rPr>
+              <a:t>v</a:t>
+            </a:r>
+            <a:r>
+              <a:rPr lang="ru-RU" sz="2000" b="1" dirty="0" smtClean="0">
+                <a:solidFill>
+                  <a:srgbClr val="7030A0"/>
+                </a:solidFill>
+              </a:rPr>
+              <a:t>_</a:t>
+            </a:r>
+            <a:r>
+              <a:rPr lang="en-US" sz="2000" b="1" dirty="0" smtClean="0">
+                <a:solidFill>
+                  <a:srgbClr val="7030A0"/>
+                </a:solidFill>
+              </a:rPr>
+              <a:t>in</a:t>
+            </a:r>
+            <a:r>
+              <a:rPr lang="en-US" sz="2000" dirty="0" smtClean="0"/>
+              <a:t> </a:t>
+            </a:r>
+            <a:r>
+              <a:rPr lang="ru-RU" sz="2000" dirty="0" smtClean="0"/>
+              <a:t>&lt; </a:t>
+            </a:r>
+            <a:r>
+              <a:rPr lang="en-US" sz="2000" b="1" dirty="0" smtClean="0">
+                <a:solidFill>
+                  <a:srgbClr val="00B050"/>
+                </a:solidFill>
+              </a:rPr>
               <a:t>u</a:t>
             </a:r>
             <a:r>
-              <a:rPr lang="ru-RU" sz="2000" b="1" dirty="0" smtClean="0"/>
+              <a:rPr lang="ru-RU" sz="2000" b="1" dirty="0" smtClean="0">
+                <a:solidFill>
+                  <a:srgbClr val="00B050"/>
+                </a:solidFill>
+              </a:rPr>
               <a:t>_</a:t>
             </a:r>
             <a:r>
-              <a:rPr lang="en-US" sz="2000" b="1" dirty="0" smtClean="0"/>
-              <a:t>in</a:t>
+              <a:rPr lang="en-US" sz="2000" b="1" dirty="0" smtClean="0">
+                <a:solidFill>
+                  <a:srgbClr val="00B050"/>
+                </a:solidFill>
+              </a:rPr>
+              <a:t>out</a:t>
+            </a:r>
+            <a:r>
+              <a:rPr lang="ru-RU" sz="2000" dirty="0" smtClean="0"/>
+              <a:t>, то получается </a:t>
+            </a:r>
+            <a:r>
+              <a:rPr lang="en-US" sz="2000" b="1" dirty="0" err="1" smtClean="0">
+                <a:solidFill>
+                  <a:srgbClr val="00B050"/>
+                </a:solidFill>
+              </a:rPr>
+              <a:t>u_in</a:t>
+            </a:r>
+            <a:r>
+              <a:rPr lang="en-US" sz="2000" dirty="0" smtClean="0"/>
+              <a:t> &lt; </a:t>
+            </a:r>
+            <a:r>
+              <a:rPr lang="en-US" sz="2000" b="1" dirty="0" err="1" smtClean="0">
+                <a:solidFill>
+                  <a:srgbClr val="7030A0"/>
+                </a:solidFill>
+              </a:rPr>
+              <a:t>v_in</a:t>
             </a:r>
             <a:r>
               <a:rPr lang="ru-RU" sz="2000" dirty="0" smtClean="0"/>
               <a:t> &lt; </a:t>
             </a:r>
             <a:r>
-              <a:rPr lang="en-US" sz="2000" dirty="0" smtClean="0"/>
+              <a:rPr lang="en-US" sz="2000" b="1" dirty="0" smtClean="0">
+                <a:solidFill>
+                  <a:srgbClr val="00B050"/>
+                </a:solidFill>
+              </a:rPr>
+              <a:t>u</a:t>
+            </a:r>
+            <a:r>
+              <a:rPr lang="ru-RU" sz="2000" b="1" dirty="0" smtClean="0">
+                <a:solidFill>
+                  <a:srgbClr val="00B050"/>
+                </a:solidFill>
+              </a:rPr>
+              <a:t>_</a:t>
+            </a:r>
+            <a:r>
+              <a:rPr lang="en-US" sz="2000" b="1" dirty="0" smtClean="0">
+                <a:solidFill>
+                  <a:srgbClr val="00B050"/>
+                </a:solidFill>
+              </a:rPr>
+              <a:t>out</a:t>
+            </a:r>
+            <a:r>
+              <a:rPr lang="ru-RU" sz="2000" dirty="0" smtClean="0"/>
+              <a:t>.</a:t>
+            </a:r>
+            <a:r>
+              <a:rPr lang="ru-RU" sz="2000" b="1" dirty="0" smtClean="0">
+                <a:solidFill>
+                  <a:srgbClr val="7030A0"/>
+                </a:solidFill>
+              </a:rPr>
+              <a:t> </a:t>
+            </a:r>
+            <a:r>
+              <a:rPr lang="ru-RU" sz="2000" dirty="0" smtClean="0"/>
+              <a:t>Это говорит о том что вершина </a:t>
+            </a:r>
+            <a:r>
+              <a:rPr lang="en-US" sz="2000" b="1" dirty="0" smtClean="0">
+                <a:solidFill>
+                  <a:srgbClr val="7030A0"/>
+                </a:solidFill>
+              </a:rPr>
               <a:t>v</a:t>
             </a:r>
             <a:r>
               <a:rPr lang="ru-RU" sz="2000" dirty="0" smtClean="0"/>
-              <a:t>_</a:t>
-            </a:r>
-            <a:r>
-              <a:rPr lang="en-US" sz="2000" dirty="0" smtClean="0"/>
-              <a:t>in</a:t>
+              <a:t> была открыта до закрытия вершины </a:t>
+            </a:r>
+            <a:r>
+              <a:rPr lang="en-US" sz="2000" b="1" dirty="0" smtClean="0">
+                <a:solidFill>
+                  <a:srgbClr val="00B050"/>
+                </a:solidFill>
+              </a:rPr>
+              <a:t>u</a:t>
             </a:r>
             <a:r>
               <a:rPr lang="ru-RU" sz="2000" dirty="0" smtClean="0"/>
-              <a:t>, значит, если </a:t>
-            </a:r>
-            <a:r>
-              <a:rPr lang="en-US" sz="2000" b="1" dirty="0" smtClean="0"/>
+              <a:t>,но после ее открытия. Следовательно, исходя из последовательности действий алгоритма, вершина </a:t>
+            </a:r>
+            <a:r>
+              <a:rPr lang="en-US" sz="2000" b="1" dirty="0" smtClean="0">
+                <a:solidFill>
+                  <a:srgbClr val="00B050"/>
+                </a:solidFill>
+              </a:rPr>
               <a:t>u</a:t>
-            </a:r>
-            <a:r>
-              <a:rPr lang="ru-RU" sz="2000" b="1" dirty="0" smtClean="0"/>
-              <a:t>_</a:t>
-            </a:r>
-            <a:r>
-              <a:rPr lang="en-US" sz="2000" b="1" dirty="0" smtClean="0"/>
-              <a:t>out</a:t>
             </a:r>
             <a:r>
               <a:rPr lang="en-US" sz="2000" dirty="0" smtClean="0"/>
@@ -36853,102 +37097,19 @@
             </a:r>
             <a:r>
               <a:rPr lang="ru-RU" sz="2000" dirty="0" smtClean="0"/>
-              <a:t>&lt; </a:t>
-            </a:r>
-            <a:r>
-              <a:rPr lang="en-US" sz="2000" dirty="0" smtClean="0"/>
+              <a:t>является предком вершины </a:t>
+            </a:r>
+            <a:r>
+              <a:rPr lang="en-US" sz="2000" b="1" dirty="0" smtClean="0">
+                <a:solidFill>
+                  <a:srgbClr val="7030A0"/>
+                </a:solidFill>
+              </a:rPr>
               <a:t>v</a:t>
             </a:r>
             <a:r>
               <a:rPr lang="ru-RU" sz="2000" dirty="0" smtClean="0"/>
-              <a:t>_</a:t>
-            </a:r>
-            <a:r>
-              <a:rPr lang="en-US" sz="2000" dirty="0" smtClean="0"/>
-              <a:t>in</a:t>
-            </a:r>
-            <a:r>
-              <a:rPr lang="ru-RU" sz="2000" dirty="0" smtClean="0"/>
-              <a:t> – </a:t>
-            </a:r>
-            <a:r>
-              <a:rPr lang="ru-RU" sz="2000" dirty="0" err="1" smtClean="0"/>
-              <a:t>чтд</a:t>
-            </a:r>
-            <a:r>
-              <a:rPr lang="ru-RU" sz="2000" dirty="0" smtClean="0"/>
-              <a:t/>
-            </a:r>
-            <a:br>
-              <a:rPr lang="ru-RU" sz="2000" dirty="0" smtClean="0"/>
-            </a:br>
-            <a:r>
-              <a:rPr lang="ru-RU" sz="2000" dirty="0" smtClean="0"/>
-              <a:t>Значит </a:t>
-            </a:r>
-            <a:r>
-              <a:rPr lang="en-US" sz="2000" dirty="0" smtClean="0"/>
-              <a:t>v</a:t>
-            </a:r>
-            <a:r>
-              <a:rPr lang="ru-RU" sz="2000" dirty="0" smtClean="0"/>
-              <a:t>_</a:t>
-            </a:r>
-            <a:r>
-              <a:rPr lang="en-US" sz="2000" dirty="0" smtClean="0"/>
-              <a:t>start </a:t>
-            </a:r>
-            <a:r>
-              <a:rPr lang="ru-RU" sz="2000" dirty="0" smtClean="0"/>
-              <a:t>&lt; </a:t>
-            </a:r>
-            <a:r>
-              <a:rPr lang="en-US" sz="2000" b="1" dirty="0" smtClean="0"/>
-              <a:t>u</a:t>
-            </a:r>
-            <a:r>
-              <a:rPr lang="ru-RU" sz="2000" b="1" dirty="0" smtClean="0"/>
-              <a:t>_</a:t>
-            </a:r>
-            <a:r>
-              <a:rPr lang="en-US" sz="2000" b="1" dirty="0" smtClean="0"/>
-              <a:t>out</a:t>
-            </a:r>
-            <a:r>
-              <a:rPr lang="ru-RU" sz="2000" dirty="0" smtClean="0"/>
-              <a:t>. Получается, что вершина </a:t>
-            </a:r>
-            <a:r>
-              <a:rPr lang="en-US" sz="2000" dirty="0" smtClean="0"/>
-              <a:t>v</a:t>
-            </a:r>
-            <a:r>
-              <a:rPr lang="ru-RU" sz="2000" dirty="0" smtClean="0"/>
-              <a:t> была открыта до закрытия вершины </a:t>
-            </a:r>
-            <a:r>
-              <a:rPr lang="en-US" sz="2000" dirty="0" smtClean="0"/>
-              <a:t>u</a:t>
-            </a:r>
-            <a:r>
-              <a:rPr lang="ru-RU" sz="2000" dirty="0" smtClean="0"/>
-              <a:t>. Следовательно, исходя из последовательности действий алгоритма, вершина </a:t>
-            </a:r>
-            <a:r>
-              <a:rPr lang="en-US" sz="2000" dirty="0" smtClean="0"/>
-              <a:t>u </a:t>
-            </a:r>
-            <a:r>
-              <a:rPr lang="ru-RU" sz="2000" dirty="0" smtClean="0"/>
-              <a:t>является предком вершины </a:t>
-            </a:r>
-            <a:r>
-              <a:rPr lang="en-US" sz="2000" dirty="0" smtClean="0"/>
-              <a:t>v</a:t>
-            </a:r>
-            <a:r>
-              <a:rPr lang="ru-RU" sz="2000" dirty="0" smtClean="0"/>
-              <a:t>. </a:t>
+              <a:t>, а значит будет закрыта позже.</a:t>
             </a:r>
             <a:endParaRPr lang="ru-RU" sz="2000" dirty="0"/>
           </a:p>
@@ -37208,7 +37369,11 @@
               <a:t>если </a:t>
             </a:r>
             <a:r>
-              <a:rPr lang="en-US" sz="2000" b="1" dirty="0" err="1" smtClean="0"/>
+              <a:rPr lang="en-US" sz="2000" b="1" dirty="0" err="1" smtClean="0">
+                <a:solidFill>
+                  <a:srgbClr val="00B050"/>
+                </a:solidFill>
+              </a:rPr>
               <a:t>u_in</a:t>
             </a:r>
             <a:r>
@@ -37216,7 +37381,11 @@
               <a:t> &lt; </a:t>
             </a:r>
             <a:r>
-              <a:rPr lang="en-US" sz="2000" dirty="0" err="1" smtClean="0"/>
+              <a:rPr lang="en-US" sz="2000" b="1" dirty="0" err="1" smtClean="0">
+                <a:solidFill>
+                  <a:srgbClr val="7030A0"/>
+                </a:solidFill>
+              </a:rPr>
               <a:t>v_in</a:t>
             </a:r>
             <a:r>
@@ -37224,7 +37393,11 @@
               <a:t>, </a:t>
             </a:r>
             <a:r>
-              <a:rPr lang="en-US" sz="2000" dirty="0" err="1" smtClean="0"/>
+              <a:rPr lang="en-US" sz="2000" b="1" dirty="0" err="1" smtClean="0">
+                <a:solidFill>
+                  <a:srgbClr val="7030A0"/>
+                </a:solidFill>
+              </a:rPr>
               <a:t>v_out</a:t>
             </a:r>
             <a:r>
@@ -37232,7 +37405,11 @@
               <a:t> &lt; </a:t>
             </a:r>
             <a:r>
-              <a:rPr lang="en-US" sz="2000" b="1" dirty="0" err="1" smtClean="0"/>
+              <a:rPr lang="en-US" sz="2000" b="1" dirty="0" err="1" smtClean="0">
+                <a:solidFill>
+                  <a:srgbClr val="00B050"/>
+                </a:solidFill>
+              </a:rPr>
               <a:t>u_out</a:t>
             </a:r>
             <a:r>
@@ -37271,7 +37448,11 @@
               <a:t>если </a:t>
             </a:r>
             <a:r>
-              <a:rPr lang="en-US" sz="2000" dirty="0" err="1" smtClean="0"/>
+              <a:rPr lang="en-US" sz="2000" b="1" dirty="0" err="1" smtClean="0">
+                <a:solidFill>
+                  <a:srgbClr val="7030A0"/>
+                </a:solidFill>
+              </a:rPr>
               <a:t>v_in</a:t>
             </a:r>
             <a:r>
@@ -37279,7 +37460,11 @@
               <a:t> &lt; </a:t>
             </a:r>
             <a:r>
-              <a:rPr lang="en-US" sz="2000" b="1" dirty="0" err="1" smtClean="0"/>
+              <a:rPr lang="en-US" sz="2000" b="1" dirty="0" err="1" smtClean="0">
+                <a:solidFill>
+                  <a:srgbClr val="00B050"/>
+                </a:solidFill>
+              </a:rPr>
               <a:t>u_in</a:t>
             </a:r>
             <a:r>
@@ -37287,7 +37472,11 @@
               <a:t>, </a:t>
             </a:r>
             <a:r>
-              <a:rPr lang="en-US" sz="2000" b="1" dirty="0" err="1" smtClean="0"/>
+              <a:rPr lang="en-US" sz="2000" b="1" dirty="0" err="1" smtClean="0">
+                <a:solidFill>
+                  <a:srgbClr val="00B050"/>
+                </a:solidFill>
+              </a:rPr>
               <a:t>u_out</a:t>
             </a:r>
             <a:r>
@@ -37295,7 +37484,11 @@
               <a:t> &lt; </a:t>
             </a:r>
             <a:r>
-              <a:rPr lang="en-US" sz="2000" dirty="0" err="1" smtClean="0"/>
+              <a:rPr lang="en-US" sz="2000" b="1" dirty="0" err="1" smtClean="0">
+                <a:solidFill>
+                  <a:srgbClr val="7030A0"/>
+                </a:solidFill>
+              </a:rPr>
               <a:t>v_out</a:t>
             </a:r>
             <a:r>
@@ -37323,7 +37516,7 @@
             </a:r>
             <a:r>
               <a:rPr lang="ru-RU" sz="2000" dirty="0" smtClean="0"/>
-              <a:t>поперечная</a:t>
+              <a:t>перекрестная</a:t>
             </a:r>
             <a:r>
               <a:rPr lang="en-US" sz="2000" dirty="0" smtClean="0"/>
@@ -37334,7 +37527,11 @@
               <a:t>если </a:t>
             </a:r>
             <a:r>
-              <a:rPr lang="en-US" sz="2000" b="1" dirty="0" err="1" smtClean="0"/>
+              <a:rPr lang="en-US" sz="2000" b="1" dirty="0" err="1" smtClean="0">
+                <a:solidFill>
+                  <a:srgbClr val="00B050"/>
+                </a:solidFill>
+              </a:rPr>
               <a:t>u_out</a:t>
             </a:r>
             <a:r>
@@ -37346,7 +37543,11 @@
               <a:t> </a:t>
             </a:r>
             <a:r>
-              <a:rPr lang="en-US" sz="2000" dirty="0" err="1" smtClean="0"/>
+              <a:rPr lang="en-US" sz="2000" b="1" dirty="0" err="1" smtClean="0">
+                <a:solidFill>
+                  <a:srgbClr val="7030A0"/>
+                </a:solidFill>
+              </a:rPr>
               <a:t>v_in</a:t>
             </a:r>
             <a:r>
@@ -37358,7 +37559,11 @@
               <a:t>или </a:t>
             </a:r>
             <a:r>
-              <a:rPr lang="en-US" sz="2000" dirty="0" err="1" smtClean="0"/>
+              <a:rPr lang="en-US" sz="2000" b="1" dirty="0" err="1" smtClean="0">
+                <a:solidFill>
+                  <a:srgbClr val="7030A0"/>
+                </a:solidFill>
+              </a:rPr>
               <a:t>v_out</a:t>
             </a:r>
             <a:r>
@@ -37366,10 +37571,18 @@
               <a:t> &lt; </a:t>
             </a:r>
             <a:r>
-              <a:rPr lang="en-US" sz="2000" b="1" dirty="0" err="1" smtClean="0"/>
+              <a:rPr lang="en-US" sz="2000" b="1" dirty="0" err="1" smtClean="0">
+                <a:solidFill>
+                  <a:srgbClr val="00B050"/>
+                </a:solidFill>
+              </a:rPr>
               <a:t>u_in</a:t>
             </a:r>
-            <a:endParaRPr lang="ru-RU" sz="2000" b="1" dirty="0"/>
+            <a:endParaRPr lang="ru-RU" sz="2000" b="1" dirty="0">
+              <a:solidFill>
+                <a:srgbClr val="00B050"/>
+              </a:solidFill>
+            </a:endParaRPr>
           </a:p>
         </p:txBody>
       </p:sp>
@@ -37427,6 +37640,17 @@
 <file path=ppt/slides/slide46.xml><?xml version="1.0" encoding="utf-8"?>
 <p:sld xmlns:a="http://schemas.openxmlformats.org/drawingml/2006/main" xmlns:r="http://schemas.openxmlformats.org/officeDocument/2006/relationships" xmlns:p="http://schemas.openxmlformats.org/presentationml/2006/main">
   <p:cSld>
+    <p:bg>
+      <p:bgPr>
+        <a:solidFill>
+          <a:schemeClr val="tx2">
+            <a:lumMod val="20000"/>
+            <a:lumOff val="80000"/>
+          </a:schemeClr>
+        </a:solidFill>
+        <a:effectLst/>
+      </p:bgPr>
+    </p:bg>
     <p:spTree>
       <p:nvGrpSpPr>
         <p:cNvPr id="1" name=""/>
@@ -37441,89 +37665,6 @@
           <a:chExt cx="0" cy="0"/>
         </a:xfrm>
       </p:grpSpPr>
-      <p:sp>
-        <p:nvSpPr>
-          <p:cNvPr id="6" name="Заголовок 1"/>
-          <p:cNvSpPr txBox="1">
-            <a:spLocks/>
-          </p:cNvSpPr>
-          <p:nvPr/>
-        </p:nvSpPr>
-        <p:spPr>
-          <a:xfrm>
-            <a:off x="838200" y="1986409"/>
-            <a:ext cx="7772400" cy="2090663"/>
-          </a:xfrm>
-          <a:prstGeom prst="rect">
-            <a:avLst/>
-          </a:prstGeom>
-        </p:spPr>
-        <p:txBody>
-          <a:bodyPr vert="horz" lIns="91440" tIns="45720" rIns="91440" bIns="45720" rtlCol="0" anchor="ctr">
-            <a:normAutofit/>
-          </a:bodyPr>
-          <a:lstStyle/>
-          <a:p>
-            <a:pPr lvl="0">
-              <a:spcBef>
-                <a:spcPct val="0"/>
-              </a:spcBef>
-              <a:buFont typeface="Arial" pitchFamily="34" charset="0"/>
-              <a:buChar char="•"/>
-            </a:pPr>
-            <a:r>
-              <a:rPr lang="ru-RU" sz="2000" dirty="0" smtClean="0"/>
-              <a:t>Должно выполняться </a:t>
-            </a:r>
-            <a:r>
-              <a:rPr lang="en-US" sz="2000" b="1" dirty="0" err="1" smtClean="0"/>
-              <a:t>u_in</a:t>
-            </a:r>
-            <a:r>
-              <a:rPr lang="en-US" sz="2000" dirty="0" smtClean="0"/>
-              <a:t> &lt; </a:t>
-            </a:r>
-            <a:r>
-              <a:rPr lang="en-US" sz="2000" dirty="0" err="1" smtClean="0"/>
-              <a:t>v_in</a:t>
-            </a:r>
-            <a:r>
-              <a:rPr lang="en-US" sz="2000" dirty="0" smtClean="0"/>
-              <a:t> &lt; </a:t>
-            </a:r>
-            <a:r>
-              <a:rPr lang="en-US" sz="2000" dirty="0" err="1" smtClean="0"/>
-              <a:t>v_out</a:t>
-            </a:r>
-            <a:r>
-              <a:rPr lang="en-US" sz="2000" dirty="0" smtClean="0"/>
-              <a:t> &lt; </a:t>
-            </a:r>
-            <a:r>
-              <a:rPr lang="en-US" sz="2000" b="1" dirty="0" err="1" smtClean="0"/>
-              <a:t>u_out</a:t>
-            </a:r>
-            <a:r>
-              <a:rPr lang="ru-RU" sz="2000" dirty="0" smtClean="0"/>
-              <a:t>.</a:t>
-            </a:r>
-            <a:endParaRPr kumimoji="0" lang="ru-RU" sz="2000" b="0" i="0" u="none" strike="noStrike" kern="1200" cap="none" spc="0" normalizeH="0" baseline="0" noProof="0" dirty="0" smtClean="0">
-              <a:ln>
-                <a:noFill/>
-              </a:ln>
-              <a:solidFill>
-                <a:schemeClr val="tx1"/>
-              </a:solidFill>
-              <a:effectLst/>
-              <a:uLnTx/>
-              <a:uFillTx/>
-              <a:latin typeface="+mj-lt"/>
-              <a:ea typeface="+mj-ea"/>
-              <a:cs typeface="+mj-cs"/>
-            </a:endParaRPr>
-          </a:p>
-        </p:txBody>
-      </p:sp>
       <p:sp>
         <p:nvSpPr>
           <p:cNvPr id="9" name="Заголовок 1"/>
@@ -37624,7 +37765,7 @@
         <p:spPr>
           <a:xfrm>
             <a:off x="838200" y="1986409"/>
-            <a:ext cx="7772400" cy="2594719"/>
+            <a:ext cx="7772400" cy="2090663"/>
           </a:xfrm>
           <a:prstGeom prst="rect">
             <a:avLst/>
@@ -37640,83 +37781,57 @@
               <a:spcBef>
                 <a:spcPct val="0"/>
               </a:spcBef>
-              <a:buFont typeface="Arial" pitchFamily="34" charset="0"/>
-              <a:buChar char="•"/>
             </a:pPr>
             <a:r>
               <a:rPr lang="ru-RU" sz="2000" dirty="0" smtClean="0"/>
-              <a:t>Обход в глубину запускается для каждой вершины графа.</a:t>
-            </a:r>
-          </a:p>
-          <a:p>
-            <a:pPr lvl="0">
-              <a:spcBef>
-                <a:spcPct val="0"/>
-              </a:spcBef>
-              <a:buFont typeface="Arial" pitchFamily="34" charset="0"/>
-              <a:buChar char="•"/>
-            </a:pPr>
-            <a:endParaRPr lang="ru-RU" sz="2000" dirty="0" smtClean="0"/>
-          </a:p>
-          <a:p>
-            <a:pPr lvl="0">
-              <a:spcBef>
-                <a:spcPct val="0"/>
-              </a:spcBef>
-              <a:buFont typeface="Arial" pitchFamily="34" charset="0"/>
-              <a:buChar char="•"/>
-            </a:pPr>
+              <a:t>Должно выполняться </a:t>
+            </a:r>
+            <a:r>
+              <a:rPr lang="en-US" sz="2000" b="1" dirty="0" err="1" smtClean="0"/>
+              <a:t>u_in</a:t>
+            </a:r>
+            <a:r>
+              <a:rPr lang="en-US" sz="2000" dirty="0" smtClean="0"/>
+              <a:t> &lt; </a:t>
+            </a:r>
+            <a:r>
+              <a:rPr lang="en-US" sz="2000" dirty="0" err="1" smtClean="0"/>
+              <a:t>v_in</a:t>
+            </a:r>
+            <a:r>
+              <a:rPr lang="en-US" sz="2000" dirty="0" smtClean="0"/>
+              <a:t> &lt; </a:t>
+            </a:r>
+            <a:r>
+              <a:rPr lang="en-US" sz="2000" dirty="0" err="1" smtClean="0"/>
+              <a:t>v_out</a:t>
+            </a:r>
+            <a:r>
+              <a:rPr lang="en-US" sz="2000" dirty="0" smtClean="0"/>
+              <a:t> &lt; </a:t>
+            </a:r>
+            <a:r>
+              <a:rPr lang="en-US" sz="2000" b="1" dirty="0" err="1" smtClean="0"/>
+              <a:t>u_out</a:t>
+            </a:r>
             <a:r>
               <a:rPr lang="ru-RU" sz="2000" dirty="0" smtClean="0"/>
-              <a:t>Если во время обхода происходит попытка обратиться к не белой вершине, которая не является непосредственным предком, по некоторой дуге </a:t>
-            </a:r>
-            <a:r>
-              <a:rPr lang="en-US" sz="2000" b="1" dirty="0" smtClean="0"/>
-              <a:t>e</a:t>
-            </a:r>
-            <a:r>
-              <a:rPr lang="ru-RU" sz="2000" dirty="0" smtClean="0"/>
-              <a:t>, то это говорит о найденном цикле</a:t>
-            </a:r>
-            <a:r>
-              <a:rPr lang="en-US" sz="2000" dirty="0" smtClean="0"/>
-              <a:t> (</a:t>
-            </a:r>
-            <a:r>
-              <a:rPr lang="ru-RU" sz="2000" dirty="0" smtClean="0"/>
-              <a:t>не обязательно контуре).</a:t>
-            </a:r>
-          </a:p>
-          <a:p>
-            <a:pPr lvl="0">
-              <a:spcBef>
-                <a:spcPct val="0"/>
-              </a:spcBef>
-              <a:buFont typeface="Arial" pitchFamily="34" charset="0"/>
-              <a:buChar char="•"/>
-            </a:pPr>
-            <a:endParaRPr lang="ru-RU" sz="2000" dirty="0" smtClean="0"/>
-          </a:p>
-          <a:p>
-            <a:pPr lvl="0">
-              <a:spcBef>
-                <a:spcPct val="0"/>
-              </a:spcBef>
-              <a:buFont typeface="Arial" pitchFamily="34" charset="0"/>
-              <a:buChar char="•"/>
-            </a:pPr>
-            <a:r>
-              <a:rPr lang="ru-RU" sz="2000" dirty="0" smtClean="0"/>
-              <a:t>Если </a:t>
-            </a:r>
-            <a:r>
-              <a:rPr lang="en-US" sz="2000" b="1" dirty="0" smtClean="0"/>
-              <a:t>e</a:t>
-            </a:r>
-            <a:r>
-              <a:rPr lang="ru-RU" sz="2000" dirty="0" smtClean="0"/>
-              <a:t> – обратная, то найден контур.</a:t>
-            </a:r>
+              <a:t> (из теоремы о скобках).</a:t>
+            </a:r>
+            <a:endParaRPr kumimoji="0" lang="ru-RU" sz="2000" b="0" i="0" u="none" strike="noStrike" kern="1200" cap="none" spc="0" normalizeH="0" baseline="0" noProof="0" dirty="0" smtClean="0">
+              <a:ln>
+                <a:noFill/>
+              </a:ln>
+              <a:solidFill>
+                <a:schemeClr val="tx1"/>
+              </a:solidFill>
+              <a:effectLst/>
+              <a:uLnTx/>
+              <a:uFillTx/>
+              <a:latin typeface="+mj-lt"/>
+              <a:ea typeface="+mj-ea"/>
+              <a:cs typeface="+mj-cs"/>
+            </a:endParaRPr>
           </a:p>
         </p:txBody>
       </p:sp>
@@ -37748,27 +37863,31 @@
                 <a:spcPct val="0"/>
               </a:spcBef>
               <a:buFont typeface="+mj-lt"/>
-              <a:buAutoNum type="arabicPeriod" startAt="2"/>
+              <a:buAutoNum type="arabicPeriod"/>
             </a:pPr>
             <a:r>
               <a:rPr lang="ru-RU" sz="2800" dirty="0" smtClean="0"/>
-              <a:t>Проверка любого графа на </a:t>
+              <a:t>Проверка является ли вершина </a:t>
+            </a:r>
+            <a:r>
+              <a:rPr lang="en-US" sz="2800" dirty="0" smtClean="0"/>
+              <a:t>u </a:t>
             </a:r>
             <a:r>
               <a:rPr lang="ru-RU" sz="2800" b="1" dirty="0" smtClean="0"/>
-              <a:t>ацикличность</a:t>
+              <a:t>предком</a:t>
             </a:r>
             <a:r>
               <a:rPr lang="ru-RU" sz="2800" dirty="0" smtClean="0"/>
-              <a:t> или </a:t>
-            </a:r>
-            <a:r>
-              <a:rPr lang="ru-RU" sz="2800" b="1" dirty="0" err="1" smtClean="0"/>
-              <a:t>бесконтурность</a:t>
+              <a:t> вершины </a:t>
+            </a:r>
+            <a:r>
+              <a:rPr lang="en-US" sz="2800" dirty="0" smtClean="0"/>
+              <a:t>v</a:t>
             </a:r>
             <a:r>
               <a:rPr lang="ru-RU" sz="2800" dirty="0" smtClean="0"/>
-              <a:t>.</a:t>
+              <a:t> (в дереве обхода в глубину).</a:t>
             </a:r>
           </a:p>
         </p:txBody>
@@ -37807,1377 +37926,166 @@
       </p:grpSpPr>
       <p:sp>
         <p:nvSpPr>
-          <p:cNvPr id="2" name="Заголовок 1"/>
-          <p:cNvSpPr>
-            <a:spLocks noGrp="1"/>
+          <p:cNvPr id="6" name="Заголовок 1"/>
+          <p:cNvSpPr txBox="1">
+            <a:spLocks/>
           </p:cNvSpPr>
-          <p:nvPr>
-            <p:ph type="ctrTitle"/>
-          </p:nvPr>
-        </p:nvSpPr>
-        <p:spPr>
-          <a:xfrm>
-            <a:off x="2555776" y="188640"/>
-            <a:ext cx="5902424" cy="6480720"/>
-          </a:xfrm>
-        </p:spPr>
-        <p:txBody>
-          <a:bodyPr>
-            <a:noAutofit/>
-          </a:bodyPr>
-          <a:lstStyle/>
-          <a:p>
-            <a:pPr algn="l"/>
-            <a:r>
-              <a:rPr lang="en-US" sz="1300" dirty="0" smtClean="0">
+          <p:nvPr/>
+        </p:nvSpPr>
+        <p:spPr>
+          <a:xfrm>
+            <a:off x="838200" y="1986409"/>
+            <a:ext cx="7772400" cy="2090663"/>
+          </a:xfrm>
+          <a:prstGeom prst="rect">
+            <a:avLst/>
+          </a:prstGeom>
+        </p:spPr>
+        <p:txBody>
+          <a:bodyPr vert="horz" lIns="91440" tIns="45720" rIns="91440" bIns="45720" rtlCol="0" anchor="ctr">
+            <a:normAutofit/>
+          </a:bodyPr>
+          <a:lstStyle/>
+          <a:p>
+            <a:pPr>
+              <a:spcBef>
+                <a:spcPct val="0"/>
+              </a:spcBef>
+            </a:pPr>
+            <a:r>
+              <a:rPr lang="ru-RU" sz="2000" dirty="0" smtClean="0"/>
+              <a:t>Должно выполняться </a:t>
+            </a:r>
+            <a:r>
+              <a:rPr lang="en-US" sz="2000" b="1" dirty="0" err="1" smtClean="0"/>
+              <a:t>u_in</a:t>
+            </a:r>
+            <a:r>
+              <a:rPr lang="en-US" sz="2000" dirty="0" smtClean="0"/>
+              <a:t> &lt; </a:t>
+            </a:r>
+            <a:r>
+              <a:rPr lang="en-US" sz="2000" dirty="0" err="1" smtClean="0"/>
+              <a:t>v_in</a:t>
+            </a:r>
+            <a:r>
+              <a:rPr lang="en-US" sz="2000" dirty="0" smtClean="0"/>
+              <a:t> &lt; </a:t>
+            </a:r>
+            <a:r>
+              <a:rPr lang="en-US" sz="2000" dirty="0" err="1" smtClean="0"/>
+              <a:t>v_out</a:t>
+            </a:r>
+            <a:r>
+              <a:rPr lang="en-US" sz="2000" dirty="0" smtClean="0"/>
+              <a:t> &lt; </a:t>
+            </a:r>
+            <a:r>
+              <a:rPr lang="en-US" sz="2000" b="1" dirty="0" err="1" smtClean="0"/>
+              <a:t>u_out</a:t>
+            </a:r>
+            <a:r>
+              <a:rPr lang="ru-RU" sz="2000" dirty="0" smtClean="0"/>
+              <a:t> (из теоремы о скобках).</a:t>
+            </a:r>
+          </a:p>
+          <a:p>
+            <a:pPr lvl="0">
+              <a:spcBef>
+                <a:spcPct val="0"/>
+              </a:spcBef>
+            </a:pPr>
+            <a:endParaRPr lang="ru-RU" sz="2000" dirty="0" smtClean="0"/>
+          </a:p>
+          <a:p>
+            <a:pPr lvl="0">
+              <a:spcBef>
+                <a:spcPct val="0"/>
+              </a:spcBef>
+            </a:pPr>
+            <a:r>
+              <a:rPr lang="ru-RU" sz="2000" dirty="0" smtClean="0"/>
+              <a:t>Доказательство: </a:t>
+            </a:r>
+            <a:r>
+              <a:rPr lang="ru-RU" sz="2000" b="1" dirty="0" smtClean="0">
                 <a:solidFill>
-                  <a:schemeClr val="tx2">
-                    <a:lumMod val="60000"/>
-                    <a:lumOff val="40000"/>
-                  </a:schemeClr>
+                  <a:srgbClr val="FF0000"/>
                 </a:solidFill>
               </a:rPr>
-              <a:t>DFS</a:t>
-            </a:r>
-            <a:r>
-              <a:rPr lang="ru-RU" sz="1300" dirty="0" smtClean="0">
-                <a:solidFill>
-                  <a:schemeClr val="tx2">
-                    <a:lumMod val="60000"/>
-                    <a:lumOff val="40000"/>
-                  </a:schemeClr>
-                </a:solidFill>
-              </a:rPr>
-              <a:t> (</a:t>
-            </a:r>
-            <a:r>
-              <a:rPr lang="en-US" sz="1300" dirty="0" smtClean="0">
-                <a:solidFill>
-                  <a:schemeClr val="tx2">
-                    <a:lumMod val="60000"/>
-                    <a:lumOff val="40000"/>
-                  </a:schemeClr>
-                </a:solidFill>
-              </a:rPr>
-              <a:t>G</a:t>
-            </a:r>
-            <a:r>
-              <a:rPr lang="ru-RU" sz="1300" dirty="0" smtClean="0">
-                <a:solidFill>
-                  <a:schemeClr val="tx2">
-                    <a:lumMod val="60000"/>
-                    <a:lumOff val="40000"/>
-                  </a:schemeClr>
-                </a:solidFill>
-              </a:rPr>
-              <a:t>)</a:t>
-            </a:r>
-            <a:br>
-              <a:rPr lang="ru-RU" sz="1300" dirty="0" smtClean="0">
-                <a:solidFill>
-                  <a:schemeClr val="tx2">
-                    <a:lumMod val="60000"/>
-                    <a:lumOff val="40000"/>
-                  </a:schemeClr>
-                </a:solidFill>
-              </a:rPr>
-            </a:br>
-            <a:r>
-              <a:rPr lang="en-US" sz="1300" b="1" dirty="0" smtClean="0">
-                <a:solidFill>
-                  <a:schemeClr val="tx2">
-                    <a:lumMod val="60000"/>
-                    <a:lumOff val="40000"/>
-                  </a:schemeClr>
-                </a:solidFill>
-              </a:rPr>
-              <a:t>for</a:t>
-            </a:r>
-            <a:r>
-              <a:rPr lang="ru-RU" sz="1300" dirty="0" smtClean="0">
-                <a:solidFill>
-                  <a:schemeClr val="tx2">
-                    <a:lumMod val="60000"/>
-                    <a:lumOff val="40000"/>
-                  </a:schemeClr>
-                </a:solidFill>
-              </a:rPr>
-              <a:t> (для) каждой </a:t>
-            </a:r>
-            <a:r>
-              <a:rPr lang="ru-RU" sz="1300" dirty="0" err="1" smtClean="0">
-                <a:solidFill>
-                  <a:schemeClr val="tx2">
-                    <a:lumMod val="60000"/>
-                    <a:lumOff val="40000"/>
-                  </a:schemeClr>
-                </a:solidFill>
-              </a:rPr>
-              <a:t>u</a:t>
-            </a:r>
-            <a:r>
-              <a:rPr lang="ru-RU" sz="1300" dirty="0" smtClean="0">
-                <a:solidFill>
-                  <a:schemeClr val="tx2">
-                    <a:lumMod val="60000"/>
-                    <a:lumOff val="40000"/>
-                  </a:schemeClr>
-                </a:solidFill>
-              </a:rPr>
-              <a:t> ∈ V[G] </a:t>
-            </a:r>
-            <a:r>
-              <a:rPr lang="en-US" sz="1300" b="1" dirty="0" smtClean="0">
-                <a:solidFill>
-                  <a:schemeClr val="tx2">
-                    <a:lumMod val="60000"/>
-                    <a:lumOff val="40000"/>
-                  </a:schemeClr>
-                </a:solidFill>
-              </a:rPr>
-              <a:t>do</a:t>
-            </a:r>
-            <a:r>
-              <a:rPr lang="ru-RU" sz="1300" dirty="0" smtClean="0">
-                <a:solidFill>
-                  <a:schemeClr val="tx2">
-                    <a:lumMod val="60000"/>
-                    <a:lumOff val="40000"/>
-                  </a:schemeClr>
-                </a:solidFill>
-              </a:rPr>
-              <a:t/>
-            </a:r>
-            <a:br>
-              <a:rPr lang="ru-RU" sz="1300" dirty="0" smtClean="0">
-                <a:solidFill>
-                  <a:schemeClr val="tx2">
-                    <a:lumMod val="60000"/>
-                    <a:lumOff val="40000"/>
-                  </a:schemeClr>
-                </a:solidFill>
-              </a:rPr>
-            </a:br>
-            <a:r>
-              <a:rPr lang="ru-RU" sz="1300" dirty="0" smtClean="0">
-                <a:solidFill>
-                  <a:schemeClr val="tx2">
-                    <a:lumMod val="60000"/>
-                    <a:lumOff val="40000"/>
-                  </a:schemeClr>
-                </a:solidFill>
-              </a:rPr>
-              <a:t>	</a:t>
-            </a:r>
-            <a:r>
-              <a:rPr lang="en-US" sz="1300" dirty="0" smtClean="0">
-                <a:solidFill>
-                  <a:schemeClr val="tx2">
-                    <a:lumMod val="60000"/>
-                    <a:lumOff val="40000"/>
-                  </a:schemeClr>
-                </a:solidFill>
-              </a:rPr>
-              <a:t>color[u] ⟵ WHITE</a:t>
-            </a:r>
-            <a:r>
-              <a:rPr lang="ru-RU" sz="1300" dirty="0" smtClean="0">
-                <a:solidFill>
-                  <a:schemeClr val="tx2">
-                    <a:lumMod val="60000"/>
-                    <a:lumOff val="40000"/>
-                  </a:schemeClr>
-                </a:solidFill>
-              </a:rPr>
-              <a:t/>
-            </a:r>
-            <a:br>
-              <a:rPr lang="ru-RU" sz="1300" dirty="0" smtClean="0">
-                <a:solidFill>
-                  <a:schemeClr val="tx2">
-                    <a:lumMod val="60000"/>
-                    <a:lumOff val="40000"/>
-                  </a:schemeClr>
-                </a:solidFill>
-              </a:rPr>
-            </a:br>
-            <a:r>
-              <a:rPr lang="en-US" sz="1300" dirty="0" smtClean="0">
-                <a:solidFill>
-                  <a:schemeClr val="tx2">
-                    <a:lumMod val="60000"/>
-                    <a:lumOff val="40000"/>
-                  </a:schemeClr>
-                </a:solidFill>
-              </a:rPr>
-              <a:t>	π[u] ⟵ NIL</a:t>
-            </a:r>
-            <a:r>
-              <a:rPr lang="ru-RU" sz="1300" dirty="0" smtClean="0">
-                <a:solidFill>
-                  <a:schemeClr val="tx2">
-                    <a:lumMod val="60000"/>
-                    <a:lumOff val="40000"/>
-                  </a:schemeClr>
-                </a:solidFill>
-              </a:rPr>
-              <a:t/>
-            </a:r>
-            <a:br>
-              <a:rPr lang="ru-RU" sz="1300" dirty="0" smtClean="0">
-                <a:solidFill>
-                  <a:schemeClr val="tx2">
-                    <a:lumMod val="60000"/>
-                    <a:lumOff val="40000"/>
-                  </a:schemeClr>
-                </a:solidFill>
-              </a:rPr>
-            </a:br>
-            <a:r>
-              <a:rPr lang="en-US" sz="1300" dirty="0" smtClean="0">
-                <a:solidFill>
-                  <a:schemeClr val="tx2">
-                    <a:lumMod val="60000"/>
-                    <a:lumOff val="40000"/>
-                  </a:schemeClr>
-                </a:solidFill>
-              </a:rPr>
-              <a:t>Q ⟵ ∅</a:t>
-            </a:r>
-            <a:r>
-              <a:rPr lang="ru-RU" sz="1300" dirty="0" smtClean="0">
-                <a:solidFill>
-                  <a:schemeClr val="tx2">
-                    <a:lumMod val="60000"/>
-                    <a:lumOff val="40000"/>
-                  </a:schemeClr>
-                </a:solidFill>
-              </a:rPr>
-              <a:t/>
-            </a:r>
-            <a:br>
-              <a:rPr lang="ru-RU" sz="1300" dirty="0" smtClean="0">
-                <a:solidFill>
-                  <a:schemeClr val="tx2">
-                    <a:lumMod val="60000"/>
-                    <a:lumOff val="40000"/>
-                  </a:schemeClr>
-                </a:solidFill>
-              </a:rPr>
-            </a:br>
-            <a:r>
-              <a:rPr lang="en-US" sz="1300" dirty="0" err="1" smtClean="0">
-                <a:solidFill>
-                  <a:schemeClr val="tx2">
-                    <a:lumMod val="60000"/>
-                    <a:lumOff val="40000"/>
-                  </a:schemeClr>
-                </a:solidFill>
-              </a:rPr>
-              <a:t>cycle_start</a:t>
-            </a:r>
-            <a:r>
-              <a:rPr lang="en-US" sz="1300" dirty="0" smtClean="0">
-                <a:solidFill>
-                  <a:schemeClr val="tx2">
-                    <a:lumMod val="60000"/>
-                    <a:lumOff val="40000"/>
-                  </a:schemeClr>
-                </a:solidFill>
-              </a:rPr>
-              <a:t> ⟵ NIL</a:t>
-            </a:r>
-            <a:r>
-              <a:rPr lang="ru-RU" sz="1300" dirty="0" smtClean="0">
-                <a:solidFill>
-                  <a:schemeClr val="tx2">
-                    <a:lumMod val="60000"/>
-                    <a:lumOff val="40000"/>
-                  </a:schemeClr>
-                </a:solidFill>
-              </a:rPr>
-              <a:t/>
-            </a:r>
-            <a:br>
-              <a:rPr lang="ru-RU" sz="1300" dirty="0" smtClean="0">
-                <a:solidFill>
-                  <a:schemeClr val="tx2">
-                    <a:lumMod val="60000"/>
-                    <a:lumOff val="40000"/>
-                  </a:schemeClr>
-                </a:solidFill>
-              </a:rPr>
-            </a:br>
-            <a:r>
-              <a:rPr lang="en-US" sz="1300" dirty="0" err="1" smtClean="0">
-                <a:solidFill>
-                  <a:schemeClr val="tx2">
-                    <a:lumMod val="60000"/>
-                    <a:lumOff val="40000"/>
-                  </a:schemeClr>
-                </a:solidFill>
-              </a:rPr>
-              <a:t>cycle_end</a:t>
-            </a:r>
-            <a:r>
-              <a:rPr lang="en-US" sz="1300" dirty="0" smtClean="0">
-                <a:solidFill>
-                  <a:schemeClr val="tx2">
-                    <a:lumMod val="60000"/>
-                    <a:lumOff val="40000"/>
-                  </a:schemeClr>
-                </a:solidFill>
-              </a:rPr>
-              <a:t> ⟵ NIL</a:t>
-            </a:r>
-            <a:r>
-              <a:rPr lang="ru-RU" sz="1300" dirty="0" smtClean="0">
-                <a:solidFill>
-                  <a:schemeClr val="tx2">
-                    <a:lumMod val="60000"/>
-                    <a:lumOff val="40000"/>
-                  </a:schemeClr>
-                </a:solidFill>
-              </a:rPr>
-              <a:t/>
-            </a:r>
-            <a:br>
-              <a:rPr lang="ru-RU" sz="1300" dirty="0" smtClean="0">
-                <a:solidFill>
-                  <a:schemeClr val="tx2">
-                    <a:lumMod val="60000"/>
-                    <a:lumOff val="40000"/>
-                  </a:schemeClr>
-                </a:solidFill>
-              </a:rPr>
-            </a:br>
-            <a:r>
-              <a:rPr lang="en-US" sz="1300" b="1" dirty="0" smtClean="0">
-                <a:solidFill>
-                  <a:schemeClr val="tx2">
-                    <a:lumMod val="60000"/>
-                    <a:lumOff val="40000"/>
-                  </a:schemeClr>
-                </a:solidFill>
-              </a:rPr>
-              <a:t>for</a:t>
-            </a:r>
-            <a:r>
-              <a:rPr lang="ru-RU" sz="1300" dirty="0" smtClean="0">
-                <a:solidFill>
-                  <a:schemeClr val="tx2">
-                    <a:lumMod val="60000"/>
-                    <a:lumOff val="40000"/>
-                  </a:schemeClr>
-                </a:solidFill>
-              </a:rPr>
-              <a:t> (для) каждой </a:t>
-            </a:r>
-            <a:r>
-              <a:rPr lang="ru-RU" sz="1300" dirty="0" err="1" smtClean="0">
-                <a:solidFill>
-                  <a:schemeClr val="tx2">
-                    <a:lumMod val="60000"/>
-                    <a:lumOff val="40000"/>
-                  </a:schemeClr>
-                </a:solidFill>
-              </a:rPr>
-              <a:t>u</a:t>
-            </a:r>
-            <a:r>
-              <a:rPr lang="ru-RU" sz="1300" dirty="0" smtClean="0">
-                <a:solidFill>
-                  <a:schemeClr val="tx2">
-                    <a:lumMod val="60000"/>
-                    <a:lumOff val="40000"/>
-                  </a:schemeClr>
-                </a:solidFill>
-              </a:rPr>
-              <a:t> ∈ V[G] </a:t>
-            </a:r>
-            <a:r>
-              <a:rPr lang="en-US" sz="1300" b="1" dirty="0" smtClean="0">
-                <a:solidFill>
-                  <a:schemeClr val="tx2">
-                    <a:lumMod val="60000"/>
-                    <a:lumOff val="40000"/>
-                  </a:schemeClr>
-                </a:solidFill>
-              </a:rPr>
-              <a:t>do</a:t>
-            </a:r>
-            <a:r>
-              <a:rPr lang="ru-RU" sz="1300" dirty="0" smtClean="0">
-                <a:solidFill>
-                  <a:schemeClr val="tx2">
-                    <a:lumMod val="60000"/>
-                    <a:lumOff val="40000"/>
-                  </a:schemeClr>
-                </a:solidFill>
-              </a:rPr>
-              <a:t/>
-            </a:r>
-            <a:br>
-              <a:rPr lang="ru-RU" sz="1300" dirty="0" smtClean="0">
-                <a:solidFill>
-                  <a:schemeClr val="tx2">
-                    <a:lumMod val="60000"/>
-                    <a:lumOff val="40000"/>
-                  </a:schemeClr>
-                </a:solidFill>
-              </a:rPr>
-            </a:br>
-            <a:r>
-              <a:rPr lang="ru-RU" sz="1300" dirty="0" smtClean="0">
-                <a:solidFill>
-                  <a:schemeClr val="tx2">
-                    <a:lumMod val="60000"/>
-                    <a:lumOff val="40000"/>
-                  </a:schemeClr>
-                </a:solidFill>
-              </a:rPr>
-              <a:t>	</a:t>
-            </a:r>
-            <a:r>
-              <a:rPr lang="en-US" sz="1300" b="1" dirty="0" smtClean="0">
-                <a:solidFill>
-                  <a:schemeClr val="tx2">
-                    <a:lumMod val="60000"/>
-                    <a:lumOff val="40000"/>
-                  </a:schemeClr>
-                </a:solidFill>
-              </a:rPr>
-              <a:t>if</a:t>
-            </a:r>
-            <a:r>
-              <a:rPr lang="en-US" sz="1300" dirty="0" smtClean="0">
-                <a:solidFill>
-                  <a:schemeClr val="tx2">
-                    <a:lumMod val="60000"/>
-                    <a:lumOff val="40000"/>
-                  </a:schemeClr>
-                </a:solidFill>
-              </a:rPr>
-              <a:t> color[u] = WHITE </a:t>
-            </a:r>
-            <a:r>
-              <a:rPr lang="en-US" sz="1300" b="1" dirty="0" smtClean="0">
-                <a:solidFill>
-                  <a:schemeClr val="tx2">
-                    <a:lumMod val="60000"/>
-                    <a:lumOff val="40000"/>
-                  </a:schemeClr>
-                </a:solidFill>
-              </a:rPr>
-              <a:t>then</a:t>
-            </a:r>
-            <a:r>
-              <a:rPr lang="ru-RU" sz="1300" dirty="0" smtClean="0">
-                <a:solidFill>
-                  <a:schemeClr val="tx2">
-                    <a:lumMod val="60000"/>
-                    <a:lumOff val="40000"/>
-                  </a:schemeClr>
-                </a:solidFill>
-              </a:rPr>
-              <a:t/>
-            </a:r>
-            <a:br>
-              <a:rPr lang="ru-RU" sz="1300" dirty="0" smtClean="0">
-                <a:solidFill>
-                  <a:schemeClr val="tx2">
-                    <a:lumMod val="60000"/>
-                    <a:lumOff val="40000"/>
-                  </a:schemeClr>
-                </a:solidFill>
-              </a:rPr>
-            </a:br>
-            <a:r>
-              <a:rPr lang="en-US" sz="1300" dirty="0" smtClean="0">
-                <a:solidFill>
-                  <a:schemeClr val="tx2">
-                    <a:lumMod val="60000"/>
-                    <a:lumOff val="40000"/>
-                  </a:schemeClr>
-                </a:solidFill>
-              </a:rPr>
-              <a:t>		</a:t>
-            </a:r>
-            <a:r>
-              <a:rPr lang="en-US" sz="1300" dirty="0" err="1" smtClean="0">
-                <a:solidFill>
-                  <a:schemeClr val="tx2">
-                    <a:lumMod val="60000"/>
-                    <a:lumOff val="40000"/>
-                  </a:schemeClr>
-                </a:solidFill>
-              </a:rPr>
-              <a:t>DFS_Visit</a:t>
-            </a:r>
-            <a:r>
-              <a:rPr lang="en-US" sz="1300" dirty="0" smtClean="0">
-                <a:solidFill>
-                  <a:schemeClr val="tx2">
-                    <a:lumMod val="60000"/>
-                    <a:lumOff val="40000"/>
-                  </a:schemeClr>
-                </a:solidFill>
-              </a:rPr>
-              <a:t>(u)</a:t>
-            </a:r>
-            <a:r>
-              <a:rPr lang="ru-RU" sz="1300" dirty="0" smtClean="0">
-                <a:solidFill>
-                  <a:schemeClr val="tx2">
-                    <a:lumMod val="60000"/>
-                    <a:lumOff val="40000"/>
-                  </a:schemeClr>
-                </a:solidFill>
-              </a:rPr>
-              <a:t/>
-            </a:r>
-            <a:br>
-              <a:rPr lang="ru-RU" sz="1300" dirty="0" smtClean="0">
-                <a:solidFill>
-                  <a:schemeClr val="tx2">
-                    <a:lumMod val="60000"/>
-                    <a:lumOff val="40000"/>
-                  </a:schemeClr>
-                </a:solidFill>
-              </a:rPr>
-            </a:br>
-            <a:r>
-              <a:rPr lang="en-US" sz="1300" b="1" dirty="0" smtClean="0">
-                <a:solidFill>
-                  <a:schemeClr val="tx2">
-                    <a:lumMod val="60000"/>
-                    <a:lumOff val="40000"/>
-                  </a:schemeClr>
-                </a:solidFill>
-              </a:rPr>
-              <a:t>If</a:t>
-            </a:r>
-            <a:r>
-              <a:rPr lang="en-US" sz="1300" dirty="0" smtClean="0">
-                <a:solidFill>
-                  <a:schemeClr val="tx2">
-                    <a:lumMod val="60000"/>
-                    <a:lumOff val="40000"/>
-                  </a:schemeClr>
-                </a:solidFill>
-              </a:rPr>
-              <a:t> </a:t>
-            </a:r>
-            <a:r>
-              <a:rPr lang="en-US" sz="1300" dirty="0" err="1" smtClean="0">
-                <a:solidFill>
-                  <a:schemeClr val="tx2">
-                    <a:lumMod val="60000"/>
-                    <a:lumOff val="40000"/>
-                  </a:schemeClr>
-                </a:solidFill>
-              </a:rPr>
-              <a:t>cycle_start</a:t>
-            </a:r>
-            <a:r>
-              <a:rPr lang="en-US" sz="1300" dirty="0" smtClean="0">
-                <a:solidFill>
-                  <a:schemeClr val="tx2">
-                    <a:lumMod val="60000"/>
-                    <a:lumOff val="40000"/>
-                  </a:schemeClr>
-                </a:solidFill>
-              </a:rPr>
-              <a:t> = NIL </a:t>
-            </a:r>
-            <a:r>
-              <a:rPr lang="en-US" sz="1300" b="1" dirty="0" smtClean="0">
-                <a:solidFill>
-                  <a:schemeClr val="tx2">
-                    <a:lumMod val="60000"/>
-                    <a:lumOff val="40000"/>
-                  </a:schemeClr>
-                </a:solidFill>
-              </a:rPr>
-              <a:t>then</a:t>
-            </a:r>
-            <a:r>
-              <a:rPr lang="ru-RU" sz="1300" dirty="0" smtClean="0">
-                <a:solidFill>
-                  <a:schemeClr val="tx2">
-                    <a:lumMod val="60000"/>
-                    <a:lumOff val="40000"/>
-                  </a:schemeClr>
-                </a:solidFill>
-              </a:rPr>
-              <a:t/>
-            </a:r>
-            <a:br>
-              <a:rPr lang="ru-RU" sz="1300" dirty="0" smtClean="0">
-                <a:solidFill>
-                  <a:schemeClr val="tx2">
-                    <a:lumMod val="60000"/>
-                    <a:lumOff val="40000"/>
-                  </a:schemeClr>
-                </a:solidFill>
-              </a:rPr>
-            </a:br>
-            <a:r>
-              <a:rPr lang="en-US" sz="1300" b="1" dirty="0" smtClean="0">
-                <a:solidFill>
-                  <a:schemeClr val="tx2">
-                    <a:lumMod val="60000"/>
-                    <a:lumOff val="40000"/>
-                  </a:schemeClr>
-                </a:solidFill>
-              </a:rPr>
-              <a:t>	write</a:t>
-            </a:r>
-            <a:r>
-              <a:rPr lang="en-US" sz="1300" dirty="0" smtClean="0">
-                <a:solidFill>
-                  <a:schemeClr val="tx2">
-                    <a:lumMod val="60000"/>
-                    <a:lumOff val="40000"/>
-                  </a:schemeClr>
-                </a:solidFill>
-              </a:rPr>
-              <a:t> “acyclic”</a:t>
-            </a:r>
-            <a:r>
-              <a:rPr lang="ru-RU" sz="1300" dirty="0" smtClean="0">
-                <a:solidFill>
-                  <a:schemeClr val="tx2">
-                    <a:lumMod val="60000"/>
-                    <a:lumOff val="40000"/>
-                  </a:schemeClr>
-                </a:solidFill>
-              </a:rPr>
-              <a:t/>
-            </a:r>
-            <a:br>
-              <a:rPr lang="ru-RU" sz="1300" dirty="0" smtClean="0">
-                <a:solidFill>
-                  <a:schemeClr val="tx2">
-                    <a:lumMod val="60000"/>
-                    <a:lumOff val="40000"/>
-                  </a:schemeClr>
-                </a:solidFill>
-              </a:rPr>
-            </a:br>
-            <a:r>
-              <a:rPr lang="en-US" sz="1300" b="1" dirty="0" smtClean="0">
-                <a:solidFill>
-                  <a:schemeClr val="tx2">
-                    <a:lumMod val="60000"/>
-                    <a:lumOff val="40000"/>
-                  </a:schemeClr>
-                </a:solidFill>
-              </a:rPr>
-              <a:t>else</a:t>
-            </a:r>
-            <a:r>
-              <a:rPr lang="ru-RU" sz="1300" dirty="0" smtClean="0">
-                <a:solidFill>
-                  <a:schemeClr val="tx2">
-                    <a:lumMod val="60000"/>
-                    <a:lumOff val="40000"/>
-                  </a:schemeClr>
-                </a:solidFill>
-              </a:rPr>
-              <a:t/>
-            </a:r>
-            <a:br>
-              <a:rPr lang="ru-RU" sz="1300" dirty="0" smtClean="0">
-                <a:solidFill>
-                  <a:schemeClr val="tx2">
-                    <a:lumMod val="60000"/>
-                    <a:lumOff val="40000"/>
-                  </a:schemeClr>
-                </a:solidFill>
-              </a:rPr>
-            </a:br>
-            <a:r>
-              <a:rPr lang="en-US" sz="1300" dirty="0" smtClean="0">
-                <a:solidFill>
-                  <a:schemeClr val="tx2">
-                    <a:lumMod val="60000"/>
-                    <a:lumOff val="40000"/>
-                  </a:schemeClr>
-                </a:solidFill>
-              </a:rPr>
-              <a:t>	</a:t>
-            </a:r>
-            <a:r>
-              <a:rPr lang="en-US" sz="1300" b="1" dirty="0" smtClean="0">
-                <a:solidFill>
-                  <a:schemeClr val="tx2">
-                    <a:lumMod val="60000"/>
-                    <a:lumOff val="40000"/>
-                  </a:schemeClr>
-                </a:solidFill>
-              </a:rPr>
-              <a:t>write</a:t>
-            </a:r>
-            <a:r>
-              <a:rPr lang="en-US" sz="1300" dirty="0" smtClean="0">
-                <a:solidFill>
-                  <a:schemeClr val="tx2">
-                    <a:lumMod val="60000"/>
-                    <a:lumOff val="40000"/>
-                  </a:schemeClr>
-                </a:solidFill>
-              </a:rPr>
-              <a:t> “cyclic”</a:t>
-            </a:r>
-            <a:r>
-              <a:rPr lang="ru-RU" sz="1300" dirty="0" smtClean="0">
-                <a:solidFill>
-                  <a:schemeClr val="tx2">
-                    <a:lumMod val="60000"/>
-                    <a:lumOff val="40000"/>
-                  </a:schemeClr>
-                </a:solidFill>
-              </a:rPr>
-              <a:t/>
-            </a:r>
-            <a:br>
-              <a:rPr lang="ru-RU" sz="1300" dirty="0" smtClean="0">
-                <a:solidFill>
-                  <a:schemeClr val="tx2">
-                    <a:lumMod val="60000"/>
-                    <a:lumOff val="40000"/>
-                  </a:schemeClr>
-                </a:solidFill>
-              </a:rPr>
-            </a:br>
-            <a:r>
-              <a:rPr lang="ru-RU" sz="1300" dirty="0" smtClean="0">
-                <a:solidFill>
-                  <a:schemeClr val="tx2">
-                    <a:lumMod val="60000"/>
-                    <a:lumOff val="40000"/>
-                  </a:schemeClr>
-                </a:solidFill>
-              </a:rPr>
-              <a:t>	в очередь (</a:t>
-            </a:r>
-            <a:r>
-              <a:rPr lang="en-US" sz="1300" dirty="0" smtClean="0">
-                <a:solidFill>
-                  <a:schemeClr val="tx2">
-                    <a:lumMod val="60000"/>
-                    <a:lumOff val="40000"/>
-                  </a:schemeClr>
-                </a:solidFill>
-              </a:rPr>
-              <a:t>Q</a:t>
-            </a:r>
-            <a:r>
-              <a:rPr lang="ru-RU" sz="1300" dirty="0" smtClean="0">
-                <a:solidFill>
-                  <a:schemeClr val="tx2">
-                    <a:lumMod val="60000"/>
-                    <a:lumOff val="40000"/>
-                  </a:schemeClr>
-                </a:solidFill>
-              </a:rPr>
-              <a:t>, </a:t>
-            </a:r>
-            <a:r>
-              <a:rPr lang="en-US" sz="1300" dirty="0" smtClean="0">
-                <a:solidFill>
-                  <a:schemeClr val="tx2">
-                    <a:lumMod val="60000"/>
-                    <a:lumOff val="40000"/>
-                  </a:schemeClr>
-                </a:solidFill>
-              </a:rPr>
-              <a:t>cycle</a:t>
-            </a:r>
-            <a:r>
-              <a:rPr lang="ru-RU" sz="1300" dirty="0" smtClean="0">
-                <a:solidFill>
-                  <a:schemeClr val="tx2">
-                    <a:lumMod val="60000"/>
-                    <a:lumOff val="40000"/>
-                  </a:schemeClr>
-                </a:solidFill>
-              </a:rPr>
-              <a:t>_</a:t>
-            </a:r>
-            <a:r>
-              <a:rPr lang="en-US" sz="1300" dirty="0" smtClean="0">
-                <a:solidFill>
-                  <a:schemeClr val="tx2">
-                    <a:lumMod val="60000"/>
-                    <a:lumOff val="40000"/>
-                  </a:schemeClr>
-                </a:solidFill>
-              </a:rPr>
-              <a:t>start</a:t>
-            </a:r>
-            <a:r>
-              <a:rPr lang="ru-RU" sz="1300" dirty="0" smtClean="0">
-                <a:solidFill>
-                  <a:schemeClr val="tx2">
-                    <a:lumMod val="60000"/>
-                    <a:lumOff val="40000"/>
-                  </a:schemeClr>
-                </a:solidFill>
-              </a:rPr>
-              <a:t>)</a:t>
-            </a:r>
-            <a:br>
-              <a:rPr lang="ru-RU" sz="1300" dirty="0" smtClean="0">
-                <a:solidFill>
-                  <a:schemeClr val="tx2">
-                    <a:lumMod val="60000"/>
-                    <a:lumOff val="40000"/>
-                  </a:schemeClr>
-                </a:solidFill>
-              </a:rPr>
-            </a:br>
-            <a:r>
-              <a:rPr lang="ru-RU" sz="1300" dirty="0" smtClean="0">
-                <a:solidFill>
-                  <a:schemeClr val="tx2">
-                    <a:lumMod val="60000"/>
-                    <a:lumOff val="40000"/>
-                  </a:schemeClr>
-                </a:solidFill>
-              </a:rPr>
-              <a:t>	</a:t>
-            </a:r>
-            <a:r>
-              <a:rPr lang="en-US" sz="1300" b="1" dirty="0" smtClean="0">
-                <a:solidFill>
-                  <a:schemeClr val="tx2">
-                    <a:lumMod val="60000"/>
-                    <a:lumOff val="40000"/>
-                  </a:schemeClr>
-                </a:solidFill>
-              </a:rPr>
-              <a:t>while</a:t>
-            </a:r>
-            <a:r>
-              <a:rPr lang="en-US" sz="1300" dirty="0" smtClean="0">
-                <a:solidFill>
-                  <a:schemeClr val="tx2">
-                    <a:lumMod val="60000"/>
-                    <a:lumOff val="40000"/>
-                  </a:schemeClr>
-                </a:solidFill>
-              </a:rPr>
-              <a:t> </a:t>
-            </a:r>
-            <a:r>
-              <a:rPr lang="en-US" sz="1300" dirty="0" err="1" smtClean="0">
-                <a:solidFill>
-                  <a:schemeClr val="tx2">
-                    <a:lumMod val="60000"/>
-                    <a:lumOff val="40000"/>
-                  </a:schemeClr>
-                </a:solidFill>
-              </a:rPr>
-              <a:t>cycle_start</a:t>
-            </a:r>
-            <a:r>
-              <a:rPr lang="en-US" sz="1300" dirty="0" smtClean="0">
-                <a:solidFill>
-                  <a:schemeClr val="tx2">
-                    <a:lumMod val="60000"/>
-                    <a:lumOff val="40000"/>
-                  </a:schemeClr>
-                </a:solidFill>
-              </a:rPr>
-              <a:t> != </a:t>
-            </a:r>
-            <a:r>
-              <a:rPr lang="en-US" sz="1300" dirty="0" err="1" smtClean="0">
-                <a:solidFill>
-                  <a:schemeClr val="tx2">
-                    <a:lumMod val="60000"/>
-                    <a:lumOff val="40000"/>
-                  </a:schemeClr>
-                </a:solidFill>
-              </a:rPr>
-              <a:t>cycle_end</a:t>
-            </a:r>
-            <a:r>
-              <a:rPr lang="en-US" sz="1300" dirty="0" smtClean="0">
-                <a:solidFill>
-                  <a:schemeClr val="tx2">
-                    <a:lumMod val="60000"/>
-                    <a:lumOff val="40000"/>
-                  </a:schemeClr>
-                </a:solidFill>
-              </a:rPr>
-              <a:t> </a:t>
-            </a:r>
-            <a:r>
-              <a:rPr lang="en-US" sz="1300" b="1" dirty="0" smtClean="0">
-                <a:solidFill>
-                  <a:schemeClr val="tx2">
-                    <a:lumMod val="60000"/>
-                    <a:lumOff val="40000"/>
-                  </a:schemeClr>
-                </a:solidFill>
-              </a:rPr>
-              <a:t>do</a:t>
-            </a:r>
-            <a:r>
-              <a:rPr lang="ru-RU" sz="1300" dirty="0" smtClean="0">
-                <a:solidFill>
-                  <a:schemeClr val="tx2">
-                    <a:lumMod val="60000"/>
-                    <a:lumOff val="40000"/>
-                  </a:schemeClr>
-                </a:solidFill>
-              </a:rPr>
-              <a:t/>
-            </a:r>
-            <a:br>
-              <a:rPr lang="ru-RU" sz="1300" dirty="0" smtClean="0">
-                <a:solidFill>
-                  <a:schemeClr val="tx2">
-                    <a:lumMod val="60000"/>
-                    <a:lumOff val="40000"/>
-                  </a:schemeClr>
-                </a:solidFill>
-              </a:rPr>
-            </a:br>
-            <a:r>
-              <a:rPr lang="en-US" sz="1300" dirty="0" smtClean="0">
-                <a:solidFill>
-                  <a:schemeClr val="tx2">
-                    <a:lumMod val="60000"/>
-                    <a:lumOff val="40000"/>
-                  </a:schemeClr>
-                </a:solidFill>
-              </a:rPr>
-              <a:t>		</a:t>
-            </a:r>
-            <a:r>
-              <a:rPr lang="en-US" sz="1300" dirty="0" err="1" smtClean="0">
-                <a:solidFill>
-                  <a:schemeClr val="tx2">
-                    <a:lumMod val="60000"/>
-                    <a:lumOff val="40000"/>
-                  </a:schemeClr>
-                </a:solidFill>
-              </a:rPr>
-              <a:t>cycle_start</a:t>
-            </a:r>
-            <a:r>
-              <a:rPr lang="en-US" sz="1300" dirty="0" smtClean="0">
-                <a:solidFill>
-                  <a:schemeClr val="tx2">
-                    <a:lumMod val="60000"/>
-                    <a:lumOff val="40000"/>
-                  </a:schemeClr>
-                </a:solidFill>
-              </a:rPr>
-              <a:t> ⟵ π[</a:t>
-            </a:r>
-            <a:r>
-              <a:rPr lang="en-US" sz="1300" dirty="0" err="1" smtClean="0">
-                <a:solidFill>
-                  <a:schemeClr val="tx2">
-                    <a:lumMod val="60000"/>
-                    <a:lumOff val="40000"/>
-                  </a:schemeClr>
-                </a:solidFill>
-              </a:rPr>
-              <a:t>cycle_start</a:t>
-            </a:r>
-            <a:r>
-              <a:rPr lang="en-US" sz="1300" dirty="0" smtClean="0">
-                <a:solidFill>
-                  <a:schemeClr val="tx2">
-                    <a:lumMod val="60000"/>
-                    <a:lumOff val="40000"/>
-                  </a:schemeClr>
-                </a:solidFill>
-              </a:rPr>
-              <a:t>]</a:t>
-            </a:r>
-            <a:r>
-              <a:rPr lang="ru-RU" sz="1300" dirty="0" smtClean="0">
-                <a:solidFill>
-                  <a:schemeClr val="tx2">
-                    <a:lumMod val="60000"/>
-                    <a:lumOff val="40000"/>
-                  </a:schemeClr>
-                </a:solidFill>
-              </a:rPr>
-              <a:t/>
-            </a:r>
-            <a:br>
-              <a:rPr lang="ru-RU" sz="1300" dirty="0" smtClean="0">
-                <a:solidFill>
-                  <a:schemeClr val="tx2">
-                    <a:lumMod val="60000"/>
-                    <a:lumOff val="40000"/>
-                  </a:schemeClr>
-                </a:solidFill>
-              </a:rPr>
-            </a:br>
-            <a:r>
-              <a:rPr lang="en-US" sz="1300" dirty="0" smtClean="0">
-                <a:solidFill>
-                  <a:schemeClr val="tx2">
-                    <a:lumMod val="60000"/>
-                    <a:lumOff val="40000"/>
-                  </a:schemeClr>
-                </a:solidFill>
-              </a:rPr>
-              <a:t>		</a:t>
-            </a:r>
-            <a:r>
-              <a:rPr lang="ru-RU" sz="1300" dirty="0" smtClean="0">
-                <a:solidFill>
-                  <a:schemeClr val="tx2">
-                    <a:lumMod val="60000"/>
-                    <a:lumOff val="40000"/>
-                  </a:schemeClr>
-                </a:solidFill>
-              </a:rPr>
-              <a:t>в очередь (</a:t>
-            </a:r>
-            <a:r>
-              <a:rPr lang="en-US" sz="1300" dirty="0" smtClean="0">
-                <a:solidFill>
-                  <a:schemeClr val="tx2">
-                    <a:lumMod val="60000"/>
-                    <a:lumOff val="40000"/>
-                  </a:schemeClr>
-                </a:solidFill>
-              </a:rPr>
-              <a:t>Q</a:t>
-            </a:r>
-            <a:r>
-              <a:rPr lang="ru-RU" sz="1300" dirty="0" smtClean="0">
-                <a:solidFill>
-                  <a:schemeClr val="tx2">
-                    <a:lumMod val="60000"/>
-                    <a:lumOff val="40000"/>
-                  </a:schemeClr>
-                </a:solidFill>
-              </a:rPr>
-              <a:t>, </a:t>
-            </a:r>
-            <a:r>
-              <a:rPr lang="en-US" sz="1300" dirty="0" smtClean="0">
-                <a:solidFill>
-                  <a:schemeClr val="tx2">
-                    <a:lumMod val="60000"/>
-                    <a:lumOff val="40000"/>
-                  </a:schemeClr>
-                </a:solidFill>
-              </a:rPr>
-              <a:t>cycle</a:t>
-            </a:r>
-            <a:r>
-              <a:rPr lang="ru-RU" sz="1300" dirty="0" smtClean="0">
-                <a:solidFill>
-                  <a:schemeClr val="tx2">
-                    <a:lumMod val="60000"/>
-                    <a:lumOff val="40000"/>
-                  </a:schemeClr>
-                </a:solidFill>
-              </a:rPr>
-              <a:t>_</a:t>
-            </a:r>
-            <a:r>
-              <a:rPr lang="en-US" sz="1300" dirty="0" smtClean="0">
-                <a:solidFill>
-                  <a:schemeClr val="tx2">
-                    <a:lumMod val="60000"/>
-                    <a:lumOff val="40000"/>
-                  </a:schemeClr>
-                </a:solidFill>
-              </a:rPr>
-              <a:t>start</a:t>
-            </a:r>
-            <a:r>
-              <a:rPr lang="ru-RU" sz="1300" dirty="0" smtClean="0">
-                <a:solidFill>
-                  <a:schemeClr val="tx2">
-                    <a:lumMod val="60000"/>
-                    <a:lumOff val="40000"/>
-                  </a:schemeClr>
-                </a:solidFill>
-              </a:rPr>
-              <a:t>)</a:t>
-            </a:r>
-            <a:br>
-              <a:rPr lang="ru-RU" sz="1300" dirty="0" smtClean="0">
-                <a:solidFill>
-                  <a:schemeClr val="tx2">
-                    <a:lumMod val="60000"/>
-                    <a:lumOff val="40000"/>
-                  </a:schemeClr>
-                </a:solidFill>
-              </a:rPr>
-            </a:br>
-            <a:r>
-              <a:rPr lang="en-US" sz="1300" dirty="0" smtClean="0"/>
-              <a:t>DFS</a:t>
-            </a:r>
-            <a:r>
-              <a:rPr lang="ru-RU" sz="1300" dirty="0" smtClean="0"/>
-              <a:t>_</a:t>
-            </a:r>
-            <a:r>
-              <a:rPr lang="en-US" sz="1300" dirty="0" smtClean="0"/>
-              <a:t>Visit</a:t>
-            </a:r>
-            <a:r>
-              <a:rPr lang="ru-RU" sz="1300" dirty="0" smtClean="0"/>
-              <a:t> (</a:t>
-            </a:r>
-            <a:r>
-              <a:rPr lang="en-US" sz="1300" dirty="0" smtClean="0"/>
-              <a:t>u</a:t>
-            </a:r>
-            <a:r>
-              <a:rPr lang="ru-RU" sz="1300" dirty="0" smtClean="0"/>
-              <a:t>)</a:t>
-            </a:r>
-            <a:br>
-              <a:rPr lang="ru-RU" sz="1300" dirty="0" smtClean="0"/>
-            </a:br>
-            <a:r>
-              <a:rPr lang="en-US" sz="1300" dirty="0" smtClean="0"/>
-              <a:t>color[u] ⟵ GRAY</a:t>
-            </a:r>
-            <a:r>
-              <a:rPr lang="ru-RU" sz="1300" dirty="0" smtClean="0"/>
-              <a:t/>
-            </a:r>
-            <a:br>
-              <a:rPr lang="ru-RU" sz="1300" dirty="0" smtClean="0"/>
-            </a:br>
-            <a:r>
-              <a:rPr lang="en-US" sz="1300" b="1" dirty="0" smtClean="0"/>
-              <a:t>for</a:t>
-            </a:r>
-            <a:r>
-              <a:rPr lang="ru-RU" sz="1300" dirty="0" smtClean="0"/>
-              <a:t> (для) каждой </a:t>
-            </a:r>
-            <a:r>
-              <a:rPr lang="ru-RU" sz="1300" dirty="0" err="1" smtClean="0"/>
-              <a:t>u</a:t>
-            </a:r>
-            <a:r>
-              <a:rPr lang="ru-RU" sz="1300" dirty="0" smtClean="0"/>
-              <a:t> ∈ </a:t>
-            </a:r>
-            <a:r>
-              <a:rPr lang="en-US" sz="1300" dirty="0" err="1" smtClean="0"/>
-              <a:t>Adj</a:t>
-            </a:r>
-            <a:r>
-              <a:rPr lang="en-US" sz="1300" dirty="0" smtClean="0"/>
-              <a:t>[u] </a:t>
-            </a:r>
-            <a:r>
-              <a:rPr lang="en-US" sz="1300" b="1" dirty="0" smtClean="0"/>
-              <a:t>do</a:t>
-            </a:r>
-            <a:r>
-              <a:rPr lang="ru-RU" sz="1300" dirty="0" smtClean="0"/>
-              <a:t/>
-            </a:r>
-            <a:br>
-              <a:rPr lang="ru-RU" sz="1300" dirty="0" smtClean="0"/>
-            </a:br>
-            <a:r>
-              <a:rPr lang="en-US" sz="1300" dirty="0" smtClean="0"/>
-              <a:t>	</a:t>
-            </a:r>
-            <a:r>
-              <a:rPr lang="en-US" sz="1300" b="1" dirty="0" smtClean="0"/>
-              <a:t>if</a:t>
-            </a:r>
-            <a:r>
-              <a:rPr lang="en-US" sz="1300" dirty="0" smtClean="0"/>
-              <a:t> color[v] = WHITE </a:t>
-            </a:r>
-            <a:r>
-              <a:rPr lang="en-US" sz="1300" b="1" dirty="0" smtClean="0"/>
-              <a:t>then</a:t>
-            </a:r>
-            <a:r>
-              <a:rPr lang="ru-RU" sz="1300" dirty="0" smtClean="0"/>
-              <a:t/>
-            </a:r>
-            <a:br>
-              <a:rPr lang="ru-RU" sz="1300" dirty="0" smtClean="0"/>
-            </a:br>
-            <a:r>
-              <a:rPr lang="en-US" sz="1300" dirty="0" smtClean="0"/>
-              <a:t>		π[v] ⟵ u</a:t>
-            </a:r>
-            <a:r>
-              <a:rPr lang="ru-RU" sz="1300" dirty="0" smtClean="0"/>
-              <a:t/>
-            </a:r>
-            <a:br>
-              <a:rPr lang="ru-RU" sz="1300" dirty="0" smtClean="0"/>
-            </a:br>
-            <a:r>
-              <a:rPr lang="en-US" sz="1300" dirty="0" smtClean="0"/>
-              <a:t>		</a:t>
-            </a:r>
-            <a:r>
-              <a:rPr lang="en-US" sz="1300" b="1" dirty="0" smtClean="0"/>
-              <a:t>If</a:t>
-            </a:r>
-            <a:r>
-              <a:rPr lang="en-US" sz="1300" dirty="0" smtClean="0"/>
-              <a:t> </a:t>
-            </a:r>
-            <a:r>
-              <a:rPr lang="en-US" sz="1300" dirty="0" err="1" smtClean="0"/>
-              <a:t>DFS_Visit</a:t>
-            </a:r>
-            <a:r>
-              <a:rPr lang="en-US" sz="1300" dirty="0" smtClean="0"/>
-              <a:t>(v) </a:t>
-            </a:r>
-            <a:r>
-              <a:rPr lang="en-US" sz="1300" b="1" dirty="0" smtClean="0"/>
-              <a:t>then</a:t>
-            </a:r>
-            <a:r>
-              <a:rPr lang="ru-RU" sz="1300" dirty="0" smtClean="0"/>
-              <a:t/>
-            </a:r>
-            <a:br>
-              <a:rPr lang="ru-RU" sz="1300" dirty="0" smtClean="0"/>
-            </a:br>
-            <a:r>
-              <a:rPr lang="en-US" sz="1300" dirty="0" smtClean="0"/>
-              <a:t>			</a:t>
-            </a:r>
-            <a:r>
-              <a:rPr lang="en-US" sz="1300" b="1" dirty="0" smtClean="0"/>
-              <a:t>return</a:t>
-            </a:r>
-            <a:r>
-              <a:rPr lang="en-US" sz="1300" dirty="0" smtClean="0"/>
-              <a:t> true</a:t>
-            </a:r>
-            <a:r>
-              <a:rPr lang="ru-RU" sz="1300" dirty="0" smtClean="0"/>
-              <a:t/>
-            </a:r>
-            <a:br>
-              <a:rPr lang="ru-RU" sz="1300" dirty="0" smtClean="0"/>
-            </a:br>
-            <a:r>
-              <a:rPr lang="ru-RU" sz="1300" dirty="0" smtClean="0"/>
-              <a:t>	</a:t>
-            </a:r>
-            <a:r>
-              <a:rPr lang="en-US" sz="1300" b="1" dirty="0" smtClean="0"/>
-              <a:t>if </a:t>
-            </a:r>
-            <a:r>
-              <a:rPr lang="en-US" sz="1300" dirty="0" smtClean="0"/>
-              <a:t>color[v] = GRAY </a:t>
-            </a:r>
-            <a:r>
-              <a:rPr lang="en-US" sz="1300" b="1" dirty="0" smtClean="0"/>
-              <a:t>then</a:t>
-            </a:r>
-            <a:r>
-              <a:rPr lang="ru-RU" sz="1300" dirty="0" smtClean="0"/>
-              <a:t/>
-            </a:r>
-            <a:br>
-              <a:rPr lang="ru-RU" sz="1300" dirty="0" smtClean="0"/>
-            </a:br>
-            <a:r>
-              <a:rPr lang="en-US" sz="1300" dirty="0" smtClean="0"/>
-              <a:t>		</a:t>
-            </a:r>
-            <a:r>
-              <a:rPr lang="en-US" sz="1300" dirty="0" err="1" smtClean="0"/>
-              <a:t>cycle_start</a:t>
-            </a:r>
-            <a:r>
-              <a:rPr lang="en-US" sz="1300" dirty="0" smtClean="0"/>
-              <a:t> ⟵ v</a:t>
-            </a:r>
-            <a:r>
-              <a:rPr lang="ru-RU" sz="1300" dirty="0" smtClean="0"/>
-              <a:t/>
-            </a:r>
-            <a:br>
-              <a:rPr lang="ru-RU" sz="1300" dirty="0" smtClean="0"/>
-            </a:br>
-            <a:r>
-              <a:rPr lang="en-US" sz="1300" dirty="0" smtClean="0"/>
-              <a:t>		</a:t>
-            </a:r>
-            <a:r>
-              <a:rPr lang="en-US" sz="1300" dirty="0" err="1" smtClean="0"/>
-              <a:t>cycle_end</a:t>
-            </a:r>
-            <a:r>
-              <a:rPr lang="en-US" sz="1300" dirty="0" smtClean="0"/>
-              <a:t> ⟵ u</a:t>
-            </a:r>
-            <a:r>
-              <a:rPr lang="ru-RU" sz="1300" dirty="0" smtClean="0"/>
-              <a:t/>
-            </a:r>
-            <a:br>
-              <a:rPr lang="ru-RU" sz="1300" dirty="0" smtClean="0"/>
-            </a:br>
-            <a:r>
-              <a:rPr lang="en-US" sz="1300" dirty="0" smtClean="0"/>
-              <a:t>		</a:t>
-            </a:r>
-            <a:r>
-              <a:rPr lang="en-US" sz="1300" b="1" dirty="0" smtClean="0"/>
-              <a:t>return</a:t>
-            </a:r>
-            <a:r>
-              <a:rPr lang="en-US" sz="1300" dirty="0" smtClean="0"/>
-              <a:t> true</a:t>
-            </a:r>
-            <a:r>
-              <a:rPr lang="ru-RU" sz="1300" dirty="0" smtClean="0"/>
-              <a:t/>
-            </a:r>
-            <a:br>
-              <a:rPr lang="ru-RU" sz="1300" dirty="0" smtClean="0"/>
-            </a:br>
-            <a:r>
-              <a:rPr lang="en-US" sz="1300" dirty="0" smtClean="0"/>
-              <a:t>color[u] ⟵ BLACK</a:t>
-            </a:r>
-            <a:r>
-              <a:rPr lang="ru-RU" sz="1300" dirty="0" smtClean="0"/>
-              <a:t/>
-            </a:r>
-            <a:br>
-              <a:rPr lang="ru-RU" sz="1300" dirty="0" smtClean="0"/>
-            </a:br>
-            <a:r>
-              <a:rPr lang="en-US" sz="1300" b="1" dirty="0" smtClean="0"/>
-              <a:t>return</a:t>
-            </a:r>
-            <a:r>
-              <a:rPr lang="en-US" sz="1300" dirty="0" smtClean="0"/>
-              <a:t> false</a:t>
-            </a:r>
-            <a:endParaRPr lang="ru-RU" sz="1200" dirty="0"/>
+              <a:t>???</a:t>
+            </a:r>
+            <a:endParaRPr kumimoji="0" lang="ru-RU" sz="2000" b="1" i="0" u="none" strike="noStrike" kern="1200" cap="none" spc="0" normalizeH="0" baseline="0" noProof="0" dirty="0" smtClean="0">
+              <a:ln>
+                <a:noFill/>
+              </a:ln>
+              <a:solidFill>
+                <a:srgbClr val="FF0000"/>
+              </a:solidFill>
+              <a:effectLst/>
+              <a:uLnTx/>
+              <a:uFillTx/>
+              <a:latin typeface="+mj-lt"/>
+              <a:ea typeface="+mj-ea"/>
+              <a:cs typeface="+mj-cs"/>
+            </a:endParaRPr>
+          </a:p>
+        </p:txBody>
+      </p:sp>
+      <p:sp>
+        <p:nvSpPr>
+          <p:cNvPr id="9" name="Заголовок 1"/>
+          <p:cNvSpPr txBox="1">
+            <a:spLocks/>
+          </p:cNvSpPr>
+          <p:nvPr/>
+        </p:nvSpPr>
+        <p:spPr>
+          <a:xfrm>
+            <a:off x="685800" y="404664"/>
+            <a:ext cx="7772400" cy="1470025"/>
+          </a:xfrm>
+          <a:prstGeom prst="rect">
+            <a:avLst/>
+          </a:prstGeom>
+        </p:spPr>
+        <p:txBody>
+          <a:bodyPr vert="horz" lIns="91440" tIns="45720" rIns="91440" bIns="45720" rtlCol="0" anchor="ctr">
+            <a:normAutofit/>
+          </a:bodyPr>
+          <a:lstStyle/>
+          <a:p>
+            <a:pPr marL="514350" indent="-514350">
+              <a:spcBef>
+                <a:spcPct val="0"/>
+              </a:spcBef>
+              <a:buFont typeface="+mj-lt"/>
+              <a:buAutoNum type="arabicPeriod"/>
+            </a:pPr>
+            <a:r>
+              <a:rPr lang="ru-RU" sz="2800" dirty="0" smtClean="0"/>
+              <a:t>Проверка является ли вершина </a:t>
+            </a:r>
+            <a:r>
+              <a:rPr lang="en-US" sz="2800" dirty="0" smtClean="0"/>
+              <a:t>u </a:t>
+            </a:r>
+            <a:r>
+              <a:rPr lang="ru-RU" sz="2800" b="1" dirty="0" smtClean="0"/>
+              <a:t>предком</a:t>
+            </a:r>
+            <a:r>
+              <a:rPr lang="ru-RU" sz="2800" dirty="0" smtClean="0"/>
+              <a:t> вершины </a:t>
+            </a:r>
+            <a:r>
+              <a:rPr lang="en-US" sz="2800" dirty="0" smtClean="0"/>
+              <a:t>v</a:t>
+            </a:r>
+            <a:r>
+              <a:rPr lang="ru-RU" sz="2800" dirty="0" smtClean="0"/>
+              <a:t> (в дереве обхода в глубину).</a:t>
+            </a:r>
           </a:p>
         </p:txBody>
       </p:sp>
@@ -39199,6 +38107,17 @@
 <file path=ppt/slides/slide49.xml><?xml version="1.0" encoding="utf-8"?>
 <p:sld xmlns:a="http://schemas.openxmlformats.org/drawingml/2006/main" xmlns:r="http://schemas.openxmlformats.org/officeDocument/2006/relationships" xmlns:p="http://schemas.openxmlformats.org/presentationml/2006/main">
   <p:cSld>
+    <p:bg>
+      <p:bgPr>
+        <a:solidFill>
+          <a:schemeClr val="tx2">
+            <a:lumMod val="20000"/>
+            <a:lumOff val="80000"/>
+          </a:schemeClr>
+        </a:solidFill>
+        <a:effectLst/>
+      </p:bgPr>
+    </p:bg>
     <p:spTree>
       <p:nvGrpSpPr>
         <p:cNvPr id="1" name=""/>
@@ -39223,8 +38142,8 @@
         </p:nvSpPr>
         <p:spPr>
           <a:xfrm>
-            <a:off x="685800" y="476672"/>
-            <a:ext cx="7772400" cy="936104"/>
+            <a:off x="685800" y="404664"/>
+            <a:ext cx="7772400" cy="1470025"/>
           </a:xfrm>
           <a:prstGeom prst="rect">
             <a:avLst/>
@@ -39241,174 +38160,28 @@
                 <a:spcPct val="0"/>
               </a:spcBef>
               <a:buFont typeface="+mj-lt"/>
-              <a:buAutoNum type="arabicPeriod" startAt="3"/>
+              <a:buAutoNum type="arabicPeriod" startAt="2"/>
             </a:pPr>
             <a:r>
               <a:rPr lang="ru-RU" sz="2800" dirty="0" smtClean="0"/>
-              <a:t>Проверка любого графа на </a:t>
+              <a:t>Проверка </a:t>
             </a:r>
             <a:r>
               <a:rPr lang="ru-RU" sz="2800" dirty="0" err="1" smtClean="0"/>
-              <a:t>двудольность</a:t>
+              <a:t>НЕориентированного</a:t>
+            </a:r>
+            <a:r>
+              <a:rPr lang="ru-RU" sz="2800" dirty="0" smtClean="0"/>
+              <a:t> графа на </a:t>
+            </a:r>
+            <a:r>
+              <a:rPr lang="ru-RU" sz="2800" b="1" dirty="0" smtClean="0"/>
+              <a:t>ацикличность</a:t>
             </a:r>
             <a:r>
               <a:rPr lang="ru-RU" sz="2800" dirty="0" smtClean="0"/>
               <a:t>.</a:t>
             </a:r>
-          </a:p>
-        </p:txBody>
-      </p:sp>
-      <p:sp>
-        <p:nvSpPr>
-          <p:cNvPr id="4" name="Заголовок 1"/>
-          <p:cNvSpPr txBox="1">
-            <a:spLocks/>
-          </p:cNvSpPr>
-          <p:nvPr/>
-        </p:nvSpPr>
-        <p:spPr>
-          <a:xfrm>
-            <a:off x="838200" y="1268761"/>
-            <a:ext cx="7772400" cy="1008111"/>
-          </a:xfrm>
-          <a:prstGeom prst="rect">
-            <a:avLst/>
-          </a:prstGeom>
-        </p:spPr>
-        <p:txBody>
-          <a:bodyPr vert="horz" lIns="91440" tIns="45720" rIns="91440" bIns="45720" rtlCol="0" anchor="ctr">
-            <a:normAutofit/>
-          </a:bodyPr>
-          <a:lstStyle/>
-          <a:p>
-            <a:r>
-              <a:rPr lang="ru-RU" sz="2000" b="1" dirty="0" smtClean="0">
-                <a:solidFill>
-                  <a:schemeClr val="bg1">
-                    <a:lumMod val="65000"/>
-                  </a:schemeClr>
-                </a:solidFill>
-              </a:rPr>
-              <a:t>Теорема</a:t>
-            </a:r>
-            <a:r>
-              <a:rPr lang="ru-RU" sz="2000" dirty="0" smtClean="0">
-                <a:solidFill>
-                  <a:schemeClr val="bg1">
-                    <a:lumMod val="65000"/>
-                  </a:schemeClr>
-                </a:solidFill>
-              </a:rPr>
-              <a:t>: Граф является двудольным тогда и только тогда, когда все его циклы имеют чётную длину.</a:t>
-            </a:r>
-            <a:endParaRPr lang="ru-RU" sz="2000" b="1" dirty="0" smtClean="0">
-              <a:solidFill>
-                <a:schemeClr val="bg1">
-                  <a:lumMod val="65000"/>
-                </a:schemeClr>
-              </a:solidFill>
-            </a:endParaRPr>
-          </a:p>
-        </p:txBody>
-      </p:sp>
-      <p:sp>
-        <p:nvSpPr>
-          <p:cNvPr id="5" name="Заголовок 1"/>
-          <p:cNvSpPr txBox="1">
-            <a:spLocks/>
-          </p:cNvSpPr>
-          <p:nvPr/>
-        </p:nvSpPr>
-        <p:spPr>
-          <a:xfrm>
-            <a:off x="838200" y="2420888"/>
-            <a:ext cx="7772400" cy="3744417"/>
-          </a:xfrm>
-          <a:prstGeom prst="rect">
-            <a:avLst/>
-          </a:prstGeom>
-        </p:spPr>
-        <p:txBody>
-          <a:bodyPr vert="horz" lIns="91440" tIns="45720" rIns="91440" bIns="45720" rtlCol="0" anchor="ctr">
-            <a:normAutofit fontScale="92500" lnSpcReduction="10000"/>
-          </a:bodyPr>
-          <a:lstStyle/>
-          <a:p>
-            <a:r>
-              <a:rPr lang="ru-RU" sz="2000" b="1" dirty="0" smtClean="0"/>
-              <a:t>Алгоритм:</a:t>
-            </a:r>
-            <a:endParaRPr lang="ru-RU" sz="2000" dirty="0" smtClean="0"/>
-          </a:p>
-          <a:p>
-            <a:pPr>
-              <a:buFont typeface="Arial" pitchFamily="34" charset="0"/>
-              <a:buChar char="•"/>
-            </a:pPr>
-            <a:r>
-              <a:rPr lang="ru-RU" sz="2000" dirty="0" smtClean="0"/>
-              <a:t>Производится серия обходов в глубину(т.е. запускается обход в глубину из каждой </a:t>
-            </a:r>
-            <a:r>
-              <a:rPr lang="ru-RU" sz="2000" dirty="0" err="1" smtClean="0"/>
-              <a:t>непосещённой</a:t>
-            </a:r>
-            <a:r>
-              <a:rPr lang="ru-RU" sz="2000" dirty="0" smtClean="0"/>
-              <a:t> вершины). При этом граф воспринимается как не ориентированный.</a:t>
-            </a:r>
-          </a:p>
-          <a:p>
-            <a:pPr>
-              <a:buFont typeface="Arial" pitchFamily="34" charset="0"/>
-              <a:buChar char="•"/>
-            </a:pPr>
-            <a:endParaRPr lang="ru-RU" sz="2000" dirty="0" smtClean="0"/>
-          </a:p>
-          <a:p>
-            <a:pPr>
-              <a:buFont typeface="Arial" pitchFamily="34" charset="0"/>
-              <a:buChar char="•"/>
-            </a:pPr>
-            <a:r>
-              <a:rPr lang="ru-RU" sz="2000" dirty="0" smtClean="0"/>
-              <a:t>Вершина, из которой начинается обход, помещается в первую долю.</a:t>
-            </a:r>
-          </a:p>
-          <a:p>
-            <a:pPr>
-              <a:buFont typeface="Arial" pitchFamily="34" charset="0"/>
-              <a:buChar char="•"/>
-            </a:pPr>
-            <a:endParaRPr lang="ru-RU" sz="2000" dirty="0" smtClean="0"/>
-          </a:p>
-          <a:p>
-            <a:pPr>
-              <a:buFont typeface="Arial" pitchFamily="34" charset="0"/>
-              <a:buChar char="•"/>
-            </a:pPr>
-            <a:r>
-              <a:rPr lang="ru-RU" sz="2000" dirty="0" smtClean="0"/>
-              <a:t>Новая вершина в процессе обхода помещается в долю, отличную от доли текущей вершины.</a:t>
-            </a:r>
-          </a:p>
-          <a:p>
-            <a:pPr>
-              <a:buFont typeface="Arial" pitchFamily="34" charset="0"/>
-              <a:buChar char="•"/>
-            </a:pPr>
-            <a:endParaRPr lang="ru-RU" sz="2000" dirty="0" smtClean="0"/>
-          </a:p>
-          <a:p>
-            <a:pPr>
-              <a:buFont typeface="Arial" pitchFamily="34" charset="0"/>
-              <a:buChar char="•"/>
-            </a:pPr>
-            <a:r>
-              <a:rPr lang="ru-RU" sz="2000" dirty="0" smtClean="0"/>
-              <a:t>Если же обход направляется по ребру в вершину, которая уже посещена, то проверяется, находятся ли начало ребра и конец в разных долях. Если находятся в одной, то граф двудольным не является.</a:t>
-            </a:r>
-            <a:endParaRPr lang="ru-RU" sz="2000" dirty="0"/>
           </a:p>
         </p:txBody>
       </p:sp>
@@ -40758,6 +39531,1047 @@
       </p:grpSpPr>
       <p:sp>
         <p:nvSpPr>
+          <p:cNvPr id="6" name="Заголовок 1"/>
+          <p:cNvSpPr txBox="1">
+            <a:spLocks/>
+          </p:cNvSpPr>
+          <p:nvPr/>
+        </p:nvSpPr>
+        <p:spPr>
+          <a:xfrm>
+            <a:off x="838200" y="1986409"/>
+            <a:ext cx="7772400" cy="2594719"/>
+          </a:xfrm>
+          <a:prstGeom prst="rect">
+            <a:avLst/>
+          </a:prstGeom>
+        </p:spPr>
+        <p:txBody>
+          <a:bodyPr vert="horz" lIns="91440" tIns="45720" rIns="91440" bIns="45720" rtlCol="0" anchor="ctr">
+            <a:normAutofit/>
+          </a:bodyPr>
+          <a:lstStyle/>
+          <a:p>
+            <a:pPr lvl="0">
+              <a:spcBef>
+                <a:spcPct val="0"/>
+              </a:spcBef>
+            </a:pPr>
+            <a:r>
+              <a:rPr lang="ru-RU" sz="2000" dirty="0" smtClean="0"/>
+              <a:t>Если во время обхода происходит попытка обратиться к серой вершине, то это говорит о найденном цикле.</a:t>
+            </a:r>
+          </a:p>
+        </p:txBody>
+      </p:sp>
+      <p:sp>
+        <p:nvSpPr>
+          <p:cNvPr id="9" name="Заголовок 1"/>
+          <p:cNvSpPr txBox="1">
+            <a:spLocks/>
+          </p:cNvSpPr>
+          <p:nvPr/>
+        </p:nvSpPr>
+        <p:spPr>
+          <a:xfrm>
+            <a:off x="685800" y="404664"/>
+            <a:ext cx="7772400" cy="1470025"/>
+          </a:xfrm>
+          <a:prstGeom prst="rect">
+            <a:avLst/>
+          </a:prstGeom>
+        </p:spPr>
+        <p:txBody>
+          <a:bodyPr vert="horz" lIns="91440" tIns="45720" rIns="91440" bIns="45720" rtlCol="0" anchor="ctr">
+            <a:normAutofit/>
+          </a:bodyPr>
+          <a:lstStyle/>
+          <a:p>
+            <a:pPr marL="514350" indent="-514350">
+              <a:spcBef>
+                <a:spcPct val="0"/>
+              </a:spcBef>
+              <a:buFont typeface="+mj-lt"/>
+              <a:buAutoNum type="arabicPeriod" startAt="2"/>
+            </a:pPr>
+            <a:r>
+              <a:rPr lang="ru-RU" sz="2800" dirty="0" smtClean="0"/>
+              <a:t>Проверка </a:t>
+            </a:r>
+            <a:r>
+              <a:rPr lang="ru-RU" sz="2800" dirty="0" err="1" smtClean="0"/>
+              <a:t>НЕориентированного</a:t>
+            </a:r>
+            <a:r>
+              <a:rPr lang="ru-RU" sz="2800" dirty="0" smtClean="0"/>
+              <a:t> графа на </a:t>
+            </a:r>
+            <a:r>
+              <a:rPr lang="ru-RU" sz="2800" b="1" dirty="0" smtClean="0"/>
+              <a:t>ацикличность</a:t>
+            </a:r>
+            <a:r>
+              <a:rPr lang="ru-RU" sz="2800" dirty="0" smtClean="0"/>
+              <a:t>.</a:t>
+            </a:r>
+          </a:p>
+        </p:txBody>
+      </p:sp>
+    </p:spTree>
+  </p:cSld>
+  <p:clrMapOvr>
+    <a:masterClrMapping/>
+  </p:clrMapOvr>
+  <p:timing>
+    <p:tnLst>
+      <p:par>
+        <p:cTn id="1" dur="indefinite" restart="never" nodeType="tmRoot"/>
+      </p:par>
+    </p:tnLst>
+  </p:timing>
+</p:sld>
+</file>
+
+<file path=ppt/slides/slide51.xml><?xml version="1.0" encoding="utf-8"?>
+<p:sld xmlns:a="http://schemas.openxmlformats.org/drawingml/2006/main" xmlns:r="http://schemas.openxmlformats.org/officeDocument/2006/relationships" xmlns:p="http://schemas.openxmlformats.org/presentationml/2006/main">
+  <p:cSld>
+    <p:spTree>
+      <p:nvGrpSpPr>
+        <p:cNvPr id="1" name=""/>
+        <p:cNvGrpSpPr/>
+        <p:nvPr/>
+      </p:nvGrpSpPr>
+      <p:grpSpPr>
+        <a:xfrm>
+          <a:off x="0" y="0"/>
+          <a:ext cx="0" cy="0"/>
+          <a:chOff x="0" y="0"/>
+          <a:chExt cx="0" cy="0"/>
+        </a:xfrm>
+      </p:grpSpPr>
+      <p:sp>
+        <p:nvSpPr>
+          <p:cNvPr id="6" name="Заголовок 1"/>
+          <p:cNvSpPr txBox="1">
+            <a:spLocks/>
+          </p:cNvSpPr>
+          <p:nvPr/>
+        </p:nvSpPr>
+        <p:spPr>
+          <a:xfrm>
+            <a:off x="838200" y="1986409"/>
+            <a:ext cx="7772400" cy="2594719"/>
+          </a:xfrm>
+          <a:prstGeom prst="rect">
+            <a:avLst/>
+          </a:prstGeom>
+        </p:spPr>
+        <p:txBody>
+          <a:bodyPr vert="horz" lIns="91440" tIns="45720" rIns="91440" bIns="45720" rtlCol="0" anchor="ctr">
+            <a:normAutofit/>
+          </a:bodyPr>
+          <a:lstStyle/>
+          <a:p>
+            <a:pPr lvl="0">
+              <a:spcBef>
+                <a:spcPct val="0"/>
+              </a:spcBef>
+            </a:pPr>
+            <a:r>
+              <a:rPr lang="ru-RU" sz="2000" dirty="0" smtClean="0"/>
+              <a:t>Если во время обхода происходит обращение к серой вершине, то это говорит о найденном цикле.</a:t>
+            </a:r>
+          </a:p>
+          <a:p>
+            <a:pPr lvl="0">
+              <a:spcBef>
+                <a:spcPct val="0"/>
+              </a:spcBef>
+            </a:pPr>
+            <a:endParaRPr lang="ru-RU" sz="2000" dirty="0" smtClean="0"/>
+          </a:p>
+          <a:p>
+            <a:pPr lvl="0">
+              <a:spcBef>
+                <a:spcPct val="0"/>
+              </a:spcBef>
+            </a:pPr>
+            <a:r>
+              <a:rPr lang="ru-RU" sz="2000" dirty="0" smtClean="0"/>
+              <a:t>Доказательство: </a:t>
+            </a:r>
+            <a:r>
+              <a:rPr lang="ru-RU" sz="2000" b="1" dirty="0" smtClean="0">
+                <a:solidFill>
+                  <a:srgbClr val="FF0000"/>
+                </a:solidFill>
+              </a:rPr>
+              <a:t>???</a:t>
+            </a:r>
+          </a:p>
+        </p:txBody>
+      </p:sp>
+      <p:sp>
+        <p:nvSpPr>
+          <p:cNvPr id="9" name="Заголовок 1"/>
+          <p:cNvSpPr txBox="1">
+            <a:spLocks/>
+          </p:cNvSpPr>
+          <p:nvPr/>
+        </p:nvSpPr>
+        <p:spPr>
+          <a:xfrm>
+            <a:off x="685800" y="404664"/>
+            <a:ext cx="7772400" cy="1470025"/>
+          </a:xfrm>
+          <a:prstGeom prst="rect">
+            <a:avLst/>
+          </a:prstGeom>
+        </p:spPr>
+        <p:txBody>
+          <a:bodyPr vert="horz" lIns="91440" tIns="45720" rIns="91440" bIns="45720" rtlCol="0" anchor="ctr">
+            <a:normAutofit/>
+          </a:bodyPr>
+          <a:lstStyle/>
+          <a:p>
+            <a:pPr marL="514350" indent="-514350">
+              <a:spcBef>
+                <a:spcPct val="0"/>
+              </a:spcBef>
+              <a:buFont typeface="+mj-lt"/>
+              <a:buAutoNum type="arabicPeriod" startAt="2"/>
+            </a:pPr>
+            <a:r>
+              <a:rPr lang="ru-RU" sz="2800" dirty="0" smtClean="0"/>
+              <a:t>Проверка </a:t>
+            </a:r>
+            <a:r>
+              <a:rPr lang="ru-RU" sz="2800" dirty="0" err="1" smtClean="0"/>
+              <a:t>НЕориентированного</a:t>
+            </a:r>
+            <a:r>
+              <a:rPr lang="ru-RU" sz="2800" dirty="0" smtClean="0"/>
+              <a:t> графа на </a:t>
+            </a:r>
+            <a:r>
+              <a:rPr lang="ru-RU" sz="2800" b="1" dirty="0" smtClean="0"/>
+              <a:t>ацикличность</a:t>
+            </a:r>
+            <a:r>
+              <a:rPr lang="ru-RU" sz="2800" dirty="0" smtClean="0"/>
+              <a:t>.</a:t>
+            </a:r>
+          </a:p>
+        </p:txBody>
+      </p:sp>
+    </p:spTree>
+  </p:cSld>
+  <p:clrMapOvr>
+    <a:masterClrMapping/>
+  </p:clrMapOvr>
+  <p:timing>
+    <p:tnLst>
+      <p:par>
+        <p:cTn id="1" dur="indefinite" restart="never" nodeType="tmRoot"/>
+      </p:par>
+    </p:tnLst>
+  </p:timing>
+</p:sld>
+</file>
+
+<file path=ppt/slides/slide52.xml><?xml version="1.0" encoding="utf-8"?>
+<p:sld xmlns:a="http://schemas.openxmlformats.org/drawingml/2006/main" xmlns:r="http://schemas.openxmlformats.org/officeDocument/2006/relationships" xmlns:p="http://schemas.openxmlformats.org/presentationml/2006/main">
+  <p:cSld>
+    <p:bg>
+      <p:bgPr>
+        <a:solidFill>
+          <a:schemeClr val="tx2">
+            <a:lumMod val="20000"/>
+            <a:lumOff val="80000"/>
+          </a:schemeClr>
+        </a:solidFill>
+        <a:effectLst/>
+      </p:bgPr>
+    </p:bg>
+    <p:spTree>
+      <p:nvGrpSpPr>
+        <p:cNvPr id="1" name=""/>
+        <p:cNvGrpSpPr/>
+        <p:nvPr/>
+      </p:nvGrpSpPr>
+      <p:grpSpPr>
+        <a:xfrm>
+          <a:off x="0" y="0"/>
+          <a:ext cx="0" cy="0"/>
+          <a:chOff x="0" y="0"/>
+          <a:chExt cx="0" cy="0"/>
+        </a:xfrm>
+      </p:grpSpPr>
+      <p:sp>
+        <p:nvSpPr>
+          <p:cNvPr id="9" name="Заголовок 1"/>
+          <p:cNvSpPr txBox="1">
+            <a:spLocks/>
+          </p:cNvSpPr>
+          <p:nvPr/>
+        </p:nvSpPr>
+        <p:spPr>
+          <a:xfrm>
+            <a:off x="685800" y="404664"/>
+            <a:ext cx="7772400" cy="1470025"/>
+          </a:xfrm>
+          <a:prstGeom prst="rect">
+            <a:avLst/>
+          </a:prstGeom>
+        </p:spPr>
+        <p:txBody>
+          <a:bodyPr vert="horz" lIns="91440" tIns="45720" rIns="91440" bIns="45720" rtlCol="0" anchor="ctr">
+            <a:normAutofit/>
+          </a:bodyPr>
+          <a:lstStyle/>
+          <a:p>
+            <a:pPr marL="514350" indent="-514350">
+              <a:spcBef>
+                <a:spcPct val="0"/>
+              </a:spcBef>
+              <a:buFont typeface="+mj-lt"/>
+              <a:buAutoNum type="arabicPeriod" startAt="2"/>
+            </a:pPr>
+            <a:r>
+              <a:rPr lang="ru-RU" sz="2800" dirty="0" smtClean="0"/>
+              <a:t>Проверка орграфа на </a:t>
+            </a:r>
+            <a:r>
+              <a:rPr lang="ru-RU" sz="2800" b="1" dirty="0" smtClean="0"/>
+              <a:t>ацикличность</a:t>
+            </a:r>
+            <a:r>
+              <a:rPr lang="ru-RU" sz="2800" dirty="0" smtClean="0"/>
+              <a:t>.</a:t>
+            </a:r>
+          </a:p>
+        </p:txBody>
+      </p:sp>
+    </p:spTree>
+  </p:cSld>
+  <p:clrMapOvr>
+    <a:masterClrMapping/>
+  </p:clrMapOvr>
+  <p:timing>
+    <p:tnLst>
+      <p:par>
+        <p:cTn id="1" dur="indefinite" restart="never" nodeType="tmRoot"/>
+      </p:par>
+    </p:tnLst>
+  </p:timing>
+</p:sld>
+</file>
+
+<file path=ppt/slides/slide53.xml><?xml version="1.0" encoding="utf-8"?>
+<p:sld xmlns:a="http://schemas.openxmlformats.org/drawingml/2006/main" xmlns:r="http://schemas.openxmlformats.org/officeDocument/2006/relationships" xmlns:p="http://schemas.openxmlformats.org/presentationml/2006/main">
+  <p:cSld>
+    <p:spTree>
+      <p:nvGrpSpPr>
+        <p:cNvPr id="1" name=""/>
+        <p:cNvGrpSpPr/>
+        <p:nvPr/>
+      </p:nvGrpSpPr>
+      <p:grpSpPr>
+        <a:xfrm>
+          <a:off x="0" y="0"/>
+          <a:ext cx="0" cy="0"/>
+          <a:chOff x="0" y="0"/>
+          <a:chExt cx="0" cy="0"/>
+        </a:xfrm>
+      </p:grpSpPr>
+      <p:sp>
+        <p:nvSpPr>
+          <p:cNvPr id="6" name="Заголовок 1"/>
+          <p:cNvSpPr txBox="1">
+            <a:spLocks/>
+          </p:cNvSpPr>
+          <p:nvPr/>
+        </p:nvSpPr>
+        <p:spPr>
+          <a:xfrm>
+            <a:off x="838200" y="1986409"/>
+            <a:ext cx="7772400" cy="2594719"/>
+          </a:xfrm>
+          <a:prstGeom prst="rect">
+            <a:avLst/>
+          </a:prstGeom>
+        </p:spPr>
+        <p:txBody>
+          <a:bodyPr vert="horz" lIns="91440" tIns="45720" rIns="91440" bIns="45720" rtlCol="0" anchor="ctr">
+            <a:normAutofit/>
+          </a:bodyPr>
+          <a:lstStyle/>
+          <a:p>
+            <a:pPr lvl="0">
+              <a:spcBef>
+                <a:spcPct val="0"/>
+              </a:spcBef>
+            </a:pPr>
+            <a:r>
+              <a:rPr lang="ru-RU" sz="2000" b="1" dirty="0" smtClean="0">
+                <a:solidFill>
+                  <a:srgbClr val="FF0000"/>
+                </a:solidFill>
+              </a:rPr>
+              <a:t>???</a:t>
+            </a:r>
+          </a:p>
+        </p:txBody>
+      </p:sp>
+      <p:sp>
+        <p:nvSpPr>
+          <p:cNvPr id="9" name="Заголовок 1"/>
+          <p:cNvSpPr txBox="1">
+            <a:spLocks/>
+          </p:cNvSpPr>
+          <p:nvPr/>
+        </p:nvSpPr>
+        <p:spPr>
+          <a:xfrm>
+            <a:off x="685800" y="404664"/>
+            <a:ext cx="7772400" cy="1470025"/>
+          </a:xfrm>
+          <a:prstGeom prst="rect">
+            <a:avLst/>
+          </a:prstGeom>
+        </p:spPr>
+        <p:txBody>
+          <a:bodyPr vert="horz" lIns="91440" tIns="45720" rIns="91440" bIns="45720" rtlCol="0" anchor="ctr">
+            <a:normAutofit/>
+          </a:bodyPr>
+          <a:lstStyle/>
+          <a:p>
+            <a:pPr marL="514350" indent="-514350">
+              <a:spcBef>
+                <a:spcPct val="0"/>
+              </a:spcBef>
+              <a:buFont typeface="+mj-lt"/>
+              <a:buAutoNum type="arabicPeriod" startAt="2"/>
+            </a:pPr>
+            <a:r>
+              <a:rPr lang="ru-RU" sz="2800" dirty="0" smtClean="0"/>
+              <a:t>Проверка орграфа на </a:t>
+            </a:r>
+            <a:r>
+              <a:rPr lang="ru-RU" sz="2800" b="1" dirty="0" smtClean="0"/>
+              <a:t>ацикличность</a:t>
+            </a:r>
+            <a:r>
+              <a:rPr lang="ru-RU" sz="2800" dirty="0" smtClean="0"/>
+              <a:t>.</a:t>
+            </a:r>
+          </a:p>
+        </p:txBody>
+      </p:sp>
+    </p:spTree>
+  </p:cSld>
+  <p:clrMapOvr>
+    <a:masterClrMapping/>
+  </p:clrMapOvr>
+  <p:timing>
+    <p:tnLst>
+      <p:par>
+        <p:cTn id="1" dur="indefinite" restart="never" nodeType="tmRoot"/>
+      </p:par>
+    </p:tnLst>
+  </p:timing>
+</p:sld>
+</file>
+
+<file path=ppt/slides/slide54.xml><?xml version="1.0" encoding="utf-8"?>
+<p:sld xmlns:a="http://schemas.openxmlformats.org/drawingml/2006/main" xmlns:r="http://schemas.openxmlformats.org/officeDocument/2006/relationships" xmlns:p="http://schemas.openxmlformats.org/presentationml/2006/main">
+  <p:cSld>
+    <p:bg>
+      <p:bgPr>
+        <a:solidFill>
+          <a:schemeClr val="tx2">
+            <a:lumMod val="20000"/>
+            <a:lumOff val="80000"/>
+          </a:schemeClr>
+        </a:solidFill>
+        <a:effectLst/>
+      </p:bgPr>
+    </p:bg>
+    <p:spTree>
+      <p:nvGrpSpPr>
+        <p:cNvPr id="1" name=""/>
+        <p:cNvGrpSpPr/>
+        <p:nvPr/>
+      </p:nvGrpSpPr>
+      <p:grpSpPr>
+        <a:xfrm>
+          <a:off x="0" y="0"/>
+          <a:ext cx="0" cy="0"/>
+          <a:chOff x="0" y="0"/>
+          <a:chExt cx="0" cy="0"/>
+        </a:xfrm>
+      </p:grpSpPr>
+      <p:sp>
+        <p:nvSpPr>
+          <p:cNvPr id="9" name="Заголовок 1"/>
+          <p:cNvSpPr txBox="1">
+            <a:spLocks/>
+          </p:cNvSpPr>
+          <p:nvPr/>
+        </p:nvSpPr>
+        <p:spPr>
+          <a:xfrm>
+            <a:off x="685800" y="404664"/>
+            <a:ext cx="7772400" cy="1470025"/>
+          </a:xfrm>
+          <a:prstGeom prst="rect">
+            <a:avLst/>
+          </a:prstGeom>
+        </p:spPr>
+        <p:txBody>
+          <a:bodyPr vert="horz" lIns="91440" tIns="45720" rIns="91440" bIns="45720" rtlCol="0" anchor="ctr">
+            <a:normAutofit/>
+          </a:bodyPr>
+          <a:lstStyle/>
+          <a:p>
+            <a:pPr marL="514350" indent="-514350">
+              <a:spcBef>
+                <a:spcPct val="0"/>
+              </a:spcBef>
+              <a:buFont typeface="+mj-lt"/>
+              <a:buAutoNum type="arabicPeriod" startAt="2"/>
+            </a:pPr>
+            <a:r>
+              <a:rPr lang="ru-RU" sz="2800" dirty="0" smtClean="0"/>
+              <a:t>Проверка орграфа на </a:t>
+            </a:r>
+            <a:r>
+              <a:rPr lang="ru-RU" sz="2800" b="1" dirty="0" err="1" smtClean="0"/>
+              <a:t>бесконтурность</a:t>
+            </a:r>
+            <a:r>
+              <a:rPr lang="ru-RU" sz="2800" dirty="0" smtClean="0"/>
+              <a:t>.</a:t>
+            </a:r>
+          </a:p>
+        </p:txBody>
+      </p:sp>
+    </p:spTree>
+  </p:cSld>
+  <p:clrMapOvr>
+    <a:masterClrMapping/>
+  </p:clrMapOvr>
+  <p:timing>
+    <p:tnLst>
+      <p:par>
+        <p:cTn id="1" dur="indefinite" restart="never" nodeType="tmRoot"/>
+      </p:par>
+    </p:tnLst>
+  </p:timing>
+</p:sld>
+</file>
+
+<file path=ppt/slides/slide55.xml><?xml version="1.0" encoding="utf-8"?>
+<p:sld xmlns:a="http://schemas.openxmlformats.org/drawingml/2006/main" xmlns:r="http://schemas.openxmlformats.org/officeDocument/2006/relationships" xmlns:p="http://schemas.openxmlformats.org/presentationml/2006/main">
+  <p:cSld>
+    <p:spTree>
+      <p:nvGrpSpPr>
+        <p:cNvPr id="1" name=""/>
+        <p:cNvGrpSpPr/>
+        <p:nvPr/>
+      </p:nvGrpSpPr>
+      <p:grpSpPr>
+        <a:xfrm>
+          <a:off x="0" y="0"/>
+          <a:ext cx="0" cy="0"/>
+          <a:chOff x="0" y="0"/>
+          <a:chExt cx="0" cy="0"/>
+        </a:xfrm>
+      </p:grpSpPr>
+      <p:sp>
+        <p:nvSpPr>
+          <p:cNvPr id="6" name="Заголовок 1"/>
+          <p:cNvSpPr txBox="1">
+            <a:spLocks/>
+          </p:cNvSpPr>
+          <p:nvPr/>
+        </p:nvSpPr>
+        <p:spPr>
+          <a:xfrm>
+            <a:off x="838200" y="1986409"/>
+            <a:ext cx="7772400" cy="2594719"/>
+          </a:xfrm>
+          <a:prstGeom prst="rect">
+            <a:avLst/>
+          </a:prstGeom>
+        </p:spPr>
+        <p:txBody>
+          <a:bodyPr vert="horz" lIns="91440" tIns="45720" rIns="91440" bIns="45720" rtlCol="0" anchor="ctr">
+            <a:normAutofit/>
+          </a:bodyPr>
+          <a:lstStyle/>
+          <a:p>
+            <a:pPr lvl="0">
+              <a:spcBef>
+                <a:spcPct val="0"/>
+              </a:spcBef>
+            </a:pPr>
+            <a:r>
+              <a:rPr lang="ru-RU" sz="2000" dirty="0" smtClean="0"/>
+              <a:t>Если во время обхода происходит обращение к серой вершине, то это говорит о найденном контуре.</a:t>
+            </a:r>
+          </a:p>
+        </p:txBody>
+      </p:sp>
+      <p:sp>
+        <p:nvSpPr>
+          <p:cNvPr id="9" name="Заголовок 1"/>
+          <p:cNvSpPr txBox="1">
+            <a:spLocks/>
+          </p:cNvSpPr>
+          <p:nvPr/>
+        </p:nvSpPr>
+        <p:spPr>
+          <a:xfrm>
+            <a:off x="685800" y="404664"/>
+            <a:ext cx="7772400" cy="1470025"/>
+          </a:xfrm>
+          <a:prstGeom prst="rect">
+            <a:avLst/>
+          </a:prstGeom>
+        </p:spPr>
+        <p:txBody>
+          <a:bodyPr vert="horz" lIns="91440" tIns="45720" rIns="91440" bIns="45720" rtlCol="0" anchor="ctr">
+            <a:normAutofit/>
+          </a:bodyPr>
+          <a:lstStyle/>
+          <a:p>
+            <a:pPr marL="514350" indent="-514350">
+              <a:spcBef>
+                <a:spcPct val="0"/>
+              </a:spcBef>
+              <a:buFont typeface="+mj-lt"/>
+              <a:buAutoNum type="arabicPeriod" startAt="2"/>
+            </a:pPr>
+            <a:r>
+              <a:rPr lang="ru-RU" sz="2800" dirty="0" smtClean="0"/>
+              <a:t>Проверка орграфа на </a:t>
+            </a:r>
+            <a:r>
+              <a:rPr lang="ru-RU" sz="2800" b="1" dirty="0" err="1" smtClean="0"/>
+              <a:t>бесконтурность</a:t>
+            </a:r>
+            <a:r>
+              <a:rPr lang="ru-RU" sz="2800" dirty="0" smtClean="0"/>
+              <a:t>.</a:t>
+            </a:r>
+          </a:p>
+        </p:txBody>
+      </p:sp>
+    </p:spTree>
+  </p:cSld>
+  <p:clrMapOvr>
+    <a:masterClrMapping/>
+  </p:clrMapOvr>
+  <p:timing>
+    <p:tnLst>
+      <p:par>
+        <p:cTn id="1" dur="indefinite" restart="never" nodeType="tmRoot"/>
+      </p:par>
+    </p:tnLst>
+  </p:timing>
+</p:sld>
+</file>
+
+<file path=ppt/slides/slide56.xml><?xml version="1.0" encoding="utf-8"?>
+<p:sld xmlns:a="http://schemas.openxmlformats.org/drawingml/2006/main" xmlns:r="http://schemas.openxmlformats.org/officeDocument/2006/relationships" xmlns:p="http://schemas.openxmlformats.org/presentationml/2006/main">
+  <p:cSld>
+    <p:spTree>
+      <p:nvGrpSpPr>
+        <p:cNvPr id="1" name=""/>
+        <p:cNvGrpSpPr/>
+        <p:nvPr/>
+      </p:nvGrpSpPr>
+      <p:grpSpPr>
+        <a:xfrm>
+          <a:off x="0" y="0"/>
+          <a:ext cx="0" cy="0"/>
+          <a:chOff x="0" y="0"/>
+          <a:chExt cx="0" cy="0"/>
+        </a:xfrm>
+      </p:grpSpPr>
+      <p:sp>
+        <p:nvSpPr>
+          <p:cNvPr id="6" name="Заголовок 1"/>
+          <p:cNvSpPr txBox="1">
+            <a:spLocks/>
+          </p:cNvSpPr>
+          <p:nvPr/>
+        </p:nvSpPr>
+        <p:spPr>
+          <a:xfrm>
+            <a:off x="838200" y="1986409"/>
+            <a:ext cx="7772400" cy="2594719"/>
+          </a:xfrm>
+          <a:prstGeom prst="rect">
+            <a:avLst/>
+          </a:prstGeom>
+        </p:spPr>
+        <p:txBody>
+          <a:bodyPr vert="horz" lIns="91440" tIns="45720" rIns="91440" bIns="45720" rtlCol="0" anchor="ctr">
+            <a:normAutofit/>
+          </a:bodyPr>
+          <a:lstStyle/>
+          <a:p>
+            <a:pPr lvl="0">
+              <a:spcBef>
+                <a:spcPct val="0"/>
+              </a:spcBef>
+            </a:pPr>
+            <a:r>
+              <a:rPr lang="ru-RU" sz="2000" dirty="0" smtClean="0"/>
+              <a:t>Если во время обхода из вершины </a:t>
+            </a:r>
+            <a:r>
+              <a:rPr lang="en-US" sz="2000" dirty="0" smtClean="0"/>
+              <a:t>u</a:t>
+            </a:r>
+            <a:r>
+              <a:rPr lang="ru-RU" sz="2000" dirty="0" smtClean="0"/>
+              <a:t> происходит обращение к серой вершине </a:t>
+            </a:r>
+            <a:r>
+              <a:rPr lang="en-US" sz="2000" dirty="0" smtClean="0"/>
+              <a:t>v</a:t>
+            </a:r>
+            <a:r>
+              <a:rPr lang="ru-RU" sz="2000" dirty="0" smtClean="0"/>
+              <a:t>, то это говорит о найденном контуре.</a:t>
+            </a:r>
+          </a:p>
+          <a:p>
+            <a:pPr lvl="0">
+              <a:spcBef>
+                <a:spcPct val="0"/>
+              </a:spcBef>
+              <a:buFont typeface="Arial" pitchFamily="34" charset="0"/>
+              <a:buChar char="•"/>
+            </a:pPr>
+            <a:endParaRPr lang="ru-RU" sz="2000" dirty="0" smtClean="0"/>
+          </a:p>
+          <a:p>
+            <a:pPr lvl="0">
+              <a:spcBef>
+                <a:spcPct val="0"/>
+              </a:spcBef>
+            </a:pPr>
+            <a:r>
+              <a:rPr lang="ru-RU" sz="2000" dirty="0" smtClean="0"/>
+              <a:t>Доказательство: То что вершина серая говорит о том что она является предком. Значит, существует путь</a:t>
+            </a:r>
+            <a:r>
+              <a:rPr lang="en-US" sz="2000" dirty="0" smtClean="0"/>
+              <a:t> </a:t>
+            </a:r>
+            <a:r>
+              <a:rPr lang="ru-RU" sz="2000" dirty="0" smtClean="0"/>
+              <a:t>из </a:t>
+            </a:r>
+            <a:r>
+              <a:rPr lang="en-US" sz="2000" dirty="0" smtClean="0"/>
+              <a:t>u </a:t>
+            </a:r>
+            <a:r>
+              <a:rPr lang="ru-RU" sz="2000" dirty="0" smtClean="0"/>
+              <a:t>в </a:t>
+            </a:r>
+            <a:r>
+              <a:rPr lang="en-US" sz="2000" dirty="0" smtClean="0"/>
+              <a:t>v </a:t>
+            </a:r>
+            <a:r>
+              <a:rPr lang="ru-RU" sz="2000" dirty="0" smtClean="0"/>
+              <a:t>и наоборот. </a:t>
+            </a:r>
+            <a:endParaRPr lang="ru-RU" sz="2000" b="1" dirty="0" smtClean="0">
+              <a:solidFill>
+                <a:srgbClr val="FF0000"/>
+              </a:solidFill>
+            </a:endParaRPr>
+          </a:p>
+        </p:txBody>
+      </p:sp>
+      <p:sp>
+        <p:nvSpPr>
+          <p:cNvPr id="9" name="Заголовок 1"/>
+          <p:cNvSpPr txBox="1">
+            <a:spLocks/>
+          </p:cNvSpPr>
+          <p:nvPr/>
+        </p:nvSpPr>
+        <p:spPr>
+          <a:xfrm>
+            <a:off x="685800" y="404664"/>
+            <a:ext cx="7772400" cy="1470025"/>
+          </a:xfrm>
+          <a:prstGeom prst="rect">
+            <a:avLst/>
+          </a:prstGeom>
+        </p:spPr>
+        <p:txBody>
+          <a:bodyPr vert="horz" lIns="91440" tIns="45720" rIns="91440" bIns="45720" rtlCol="0" anchor="ctr">
+            <a:normAutofit/>
+          </a:bodyPr>
+          <a:lstStyle/>
+          <a:p>
+            <a:pPr marL="514350" indent="-514350">
+              <a:spcBef>
+                <a:spcPct val="0"/>
+              </a:spcBef>
+              <a:buFont typeface="+mj-lt"/>
+              <a:buAutoNum type="arabicPeriod" startAt="2"/>
+            </a:pPr>
+            <a:r>
+              <a:rPr lang="ru-RU" sz="2800" dirty="0" smtClean="0"/>
+              <a:t>Проверка орграфа на </a:t>
+            </a:r>
+            <a:r>
+              <a:rPr lang="ru-RU" sz="2800" b="1" dirty="0" err="1" smtClean="0"/>
+              <a:t>бесконтурность</a:t>
+            </a:r>
+            <a:r>
+              <a:rPr lang="ru-RU" sz="2800" dirty="0" smtClean="0"/>
+              <a:t>.</a:t>
+            </a:r>
+          </a:p>
+        </p:txBody>
+      </p:sp>
+    </p:spTree>
+  </p:cSld>
+  <p:clrMapOvr>
+    <a:masterClrMapping/>
+  </p:clrMapOvr>
+  <p:timing>
+    <p:tnLst>
+      <p:par>
+        <p:cTn id="1" dur="indefinite" restart="never" nodeType="tmRoot"/>
+      </p:par>
+    </p:tnLst>
+  </p:timing>
+</p:sld>
+</file>
+
+<file path=ppt/slides/slide57.xml><?xml version="1.0" encoding="utf-8"?>
+<p:sld xmlns:a="http://schemas.openxmlformats.org/drawingml/2006/main" xmlns:r="http://schemas.openxmlformats.org/officeDocument/2006/relationships" xmlns:p="http://schemas.openxmlformats.org/presentationml/2006/main">
+  <p:cSld>
+    <p:spTree>
+      <p:nvGrpSpPr>
+        <p:cNvPr id="1" name=""/>
+        <p:cNvGrpSpPr/>
+        <p:nvPr/>
+      </p:nvGrpSpPr>
+      <p:grpSpPr>
+        <a:xfrm>
+          <a:off x="0" y="0"/>
+          <a:ext cx="0" cy="0"/>
+          <a:chOff x="0" y="0"/>
+          <a:chExt cx="0" cy="0"/>
+        </a:xfrm>
+      </p:grpSpPr>
+      <p:sp>
+        <p:nvSpPr>
+          <p:cNvPr id="6" name="Заголовок 1"/>
+          <p:cNvSpPr txBox="1">
+            <a:spLocks/>
+          </p:cNvSpPr>
+          <p:nvPr/>
+        </p:nvSpPr>
+        <p:spPr>
+          <a:xfrm>
+            <a:off x="838200" y="1986409"/>
+            <a:ext cx="7772400" cy="2594719"/>
+          </a:xfrm>
+          <a:prstGeom prst="rect">
+            <a:avLst/>
+          </a:prstGeom>
+        </p:spPr>
+        <p:txBody>
+          <a:bodyPr vert="horz" lIns="91440" tIns="45720" rIns="91440" bIns="45720" rtlCol="0" anchor="ctr">
+            <a:normAutofit/>
+          </a:bodyPr>
+          <a:lstStyle/>
+          <a:p>
+            <a:pPr lvl="0">
+              <a:spcBef>
+                <a:spcPct val="0"/>
+              </a:spcBef>
+              <a:buFont typeface="Arial" pitchFamily="34" charset="0"/>
+              <a:buChar char="•"/>
+            </a:pPr>
+            <a:r>
+              <a:rPr lang="ru-RU" sz="2000" dirty="0" smtClean="0"/>
+              <a:t>Обход в глубину запускается для каждой вершины графа.</a:t>
+            </a:r>
+          </a:p>
+          <a:p>
+            <a:pPr lvl="0">
+              <a:spcBef>
+                <a:spcPct val="0"/>
+              </a:spcBef>
+              <a:buFont typeface="Arial" pitchFamily="34" charset="0"/>
+              <a:buChar char="•"/>
+            </a:pPr>
+            <a:endParaRPr lang="ru-RU" sz="2000" dirty="0" smtClean="0"/>
+          </a:p>
+          <a:p>
+            <a:pPr lvl="0">
+              <a:spcBef>
+                <a:spcPct val="0"/>
+              </a:spcBef>
+              <a:buFont typeface="Arial" pitchFamily="34" charset="0"/>
+              <a:buChar char="•"/>
+            </a:pPr>
+            <a:r>
+              <a:rPr lang="ru-RU" sz="2000" dirty="0" smtClean="0"/>
+              <a:t>Если во время обхода происходит попытка обратиться к не белой вершине, которая не является непосредственным предком, по некоторой дуге </a:t>
+            </a:r>
+            <a:r>
+              <a:rPr lang="en-US" sz="2000" b="1" dirty="0" smtClean="0"/>
+              <a:t>e</a:t>
+            </a:r>
+            <a:r>
+              <a:rPr lang="ru-RU" sz="2000" dirty="0" smtClean="0"/>
+              <a:t>, то это говорит о найденном цикле</a:t>
+            </a:r>
+            <a:r>
+              <a:rPr lang="en-US" sz="2000" dirty="0" smtClean="0"/>
+              <a:t> (</a:t>
+            </a:r>
+            <a:r>
+              <a:rPr lang="ru-RU" sz="2000" dirty="0" smtClean="0"/>
+              <a:t>не обязательно контуре).</a:t>
+            </a:r>
+          </a:p>
+          <a:p>
+            <a:pPr lvl="0">
+              <a:spcBef>
+                <a:spcPct val="0"/>
+              </a:spcBef>
+              <a:buFont typeface="Arial" pitchFamily="34" charset="0"/>
+              <a:buChar char="•"/>
+            </a:pPr>
+            <a:endParaRPr lang="ru-RU" sz="2000" dirty="0" smtClean="0"/>
+          </a:p>
+          <a:p>
+            <a:pPr lvl="0">
+              <a:spcBef>
+                <a:spcPct val="0"/>
+              </a:spcBef>
+              <a:buFont typeface="Arial" pitchFamily="34" charset="0"/>
+              <a:buChar char="•"/>
+            </a:pPr>
+            <a:r>
+              <a:rPr lang="ru-RU" sz="2000" dirty="0" smtClean="0"/>
+              <a:t>Если </a:t>
+            </a:r>
+            <a:r>
+              <a:rPr lang="en-US" sz="2000" b="1" dirty="0" smtClean="0"/>
+              <a:t>e</a:t>
+            </a:r>
+            <a:r>
+              <a:rPr lang="ru-RU" sz="2000" dirty="0" smtClean="0"/>
+              <a:t> – обратная, то найден контур.</a:t>
+            </a:r>
+          </a:p>
+        </p:txBody>
+      </p:sp>
+      <p:sp>
+        <p:nvSpPr>
+          <p:cNvPr id="9" name="Заголовок 1"/>
+          <p:cNvSpPr txBox="1">
+            <a:spLocks/>
+          </p:cNvSpPr>
+          <p:nvPr/>
+        </p:nvSpPr>
+        <p:spPr>
+          <a:xfrm>
+            <a:off x="685800" y="404664"/>
+            <a:ext cx="7772400" cy="1470025"/>
+          </a:xfrm>
+          <a:prstGeom prst="rect">
+            <a:avLst/>
+          </a:prstGeom>
+        </p:spPr>
+        <p:txBody>
+          <a:bodyPr vert="horz" lIns="91440" tIns="45720" rIns="91440" bIns="45720" rtlCol="0" anchor="ctr">
+            <a:normAutofit/>
+          </a:bodyPr>
+          <a:lstStyle/>
+          <a:p>
+            <a:pPr marL="514350" indent="-514350">
+              <a:spcBef>
+                <a:spcPct val="0"/>
+              </a:spcBef>
+              <a:buFont typeface="+mj-lt"/>
+              <a:buAutoNum type="arabicPeriod" startAt="2"/>
+            </a:pPr>
+            <a:r>
+              <a:rPr lang="ru-RU" sz="2800" dirty="0" smtClean="0"/>
+              <a:t>Проверка любого графа на </a:t>
+            </a:r>
+            <a:r>
+              <a:rPr lang="ru-RU" sz="2800" b="1" dirty="0" smtClean="0"/>
+              <a:t>ацикличность</a:t>
+            </a:r>
+            <a:r>
+              <a:rPr lang="ru-RU" sz="2800" dirty="0" smtClean="0"/>
+              <a:t> или </a:t>
+            </a:r>
+            <a:r>
+              <a:rPr lang="ru-RU" sz="2800" b="1" dirty="0" err="1" smtClean="0"/>
+              <a:t>бесконтурность</a:t>
+            </a:r>
+            <a:r>
+              <a:rPr lang="ru-RU" sz="2800" dirty="0" smtClean="0"/>
+              <a:t>.</a:t>
+            </a:r>
+          </a:p>
+        </p:txBody>
+      </p:sp>
+    </p:spTree>
+  </p:cSld>
+  <p:clrMapOvr>
+    <a:masterClrMapping/>
+  </p:clrMapOvr>
+  <p:timing>
+    <p:tnLst>
+      <p:par>
+        <p:cTn id="1" dur="indefinite" restart="never" nodeType="tmRoot"/>
+      </p:par>
+    </p:tnLst>
+  </p:timing>
+</p:sld>
+</file>
+
+<file path=ppt/slides/slide58.xml><?xml version="1.0" encoding="utf-8"?>
+<p:sld xmlns:a="http://schemas.openxmlformats.org/drawingml/2006/main" xmlns:r="http://schemas.openxmlformats.org/officeDocument/2006/relationships" xmlns:p="http://schemas.openxmlformats.org/presentationml/2006/main">
+  <p:cSld>
+    <p:spTree>
+      <p:nvGrpSpPr>
+        <p:cNvPr id="1" name=""/>
+        <p:cNvGrpSpPr/>
+        <p:nvPr/>
+      </p:nvGrpSpPr>
+      <p:grpSpPr>
+        <a:xfrm>
+          <a:off x="0" y="0"/>
+          <a:ext cx="0" cy="0"/>
+          <a:chOff x="0" y="0"/>
+          <a:chExt cx="0" cy="0"/>
+        </a:xfrm>
+      </p:grpSpPr>
+      <p:sp>
+        <p:nvSpPr>
           <p:cNvPr id="2" name="Заголовок 1"/>
           <p:cNvSpPr>
             <a:spLocks noGrp="1"/>
@@ -40768,8 +40582,8 @@
         </p:nvSpPr>
         <p:spPr>
           <a:xfrm>
-            <a:off x="2555776" y="332656"/>
-            <a:ext cx="5902424" cy="5976663"/>
+            <a:off x="2555776" y="188640"/>
+            <a:ext cx="5902424" cy="6480720"/>
           </a:xfrm>
         </p:spPr>
         <p:txBody>
@@ -40780,7 +40594,7 @@
           <a:p>
             <a:pPr algn="l"/>
             <a:r>
-              <a:rPr lang="en-US" sz="1600" dirty="0" smtClean="0">
+              <a:rPr lang="en-US" sz="1300" dirty="0" smtClean="0">
                 <a:solidFill>
                   <a:schemeClr val="tx2">
                     <a:lumMod val="60000"/>
@@ -40791,7 +40605,7 @@
               <a:t>DFS</a:t>
             </a:r>
             <a:r>
-              <a:rPr lang="ru-RU" sz="1600" dirty="0" smtClean="0">
+              <a:rPr lang="ru-RU" sz="1300" dirty="0" smtClean="0">
                 <a:solidFill>
                   <a:schemeClr val="tx2">
                     <a:lumMod val="60000"/>
@@ -40802,7 +40616,7 @@
               <a:t> (</a:t>
             </a:r>
             <a:r>
-              <a:rPr lang="en-US" sz="1600" dirty="0" smtClean="0">
+              <a:rPr lang="en-US" sz="1300" dirty="0" smtClean="0">
                 <a:solidFill>
                   <a:schemeClr val="tx2">
                     <a:lumMod val="60000"/>
@@ -40813,7 +40627,7 @@
               <a:t>G</a:t>
             </a:r>
             <a:r>
-              <a:rPr lang="ru-RU" sz="1600" dirty="0" smtClean="0">
+              <a:rPr lang="ru-RU" sz="1300" dirty="0" smtClean="0">
                 <a:solidFill>
                   <a:schemeClr val="tx2">
                     <a:lumMod val="60000"/>
@@ -40824,7 +40638,7 @@
               <a:t>)</a:t>
             </a:r>
             <a:br>
-              <a:rPr lang="ru-RU" sz="1600" dirty="0" smtClean="0">
+              <a:rPr lang="ru-RU" sz="1300" dirty="0" smtClean="0">
                 <a:solidFill>
                   <a:schemeClr val="tx2">
                     <a:lumMod val="60000"/>
@@ -40834,7 +40648,7 @@
               </a:rPr>
             </a:br>
             <a:r>
-              <a:rPr lang="en-US" sz="1600" b="1" dirty="0" smtClean="0">
+              <a:rPr lang="en-US" sz="1300" b="1" dirty="0" smtClean="0">
                 <a:solidFill>
                   <a:schemeClr val="tx2">
                     <a:lumMod val="60000"/>
@@ -40845,7 +40659,7 @@
               <a:t>for</a:t>
             </a:r>
             <a:r>
-              <a:rPr lang="ru-RU" sz="1600" dirty="0" smtClean="0">
+              <a:rPr lang="ru-RU" sz="1300" dirty="0" smtClean="0">
                 <a:solidFill>
                   <a:schemeClr val="tx2">
                     <a:lumMod val="60000"/>
@@ -40856,7 +40670,7 @@
               <a:t> (для) каждой </a:t>
             </a:r>
             <a:r>
-              <a:rPr lang="ru-RU" sz="1600" dirty="0" err="1" smtClean="0">
+              <a:rPr lang="ru-RU" sz="1300" dirty="0" err="1" smtClean="0">
                 <a:solidFill>
                   <a:schemeClr val="tx2">
                     <a:lumMod val="60000"/>
@@ -40867,7 +40681,7 @@
               <a:t>u</a:t>
             </a:r>
             <a:r>
-              <a:rPr lang="ru-RU" sz="1600" dirty="0" smtClean="0">
+              <a:rPr lang="ru-RU" sz="1300" dirty="0" smtClean="0">
                 <a:solidFill>
                   <a:schemeClr val="tx2">
                     <a:lumMod val="60000"/>
@@ -40878,7 +40692,7 @@
               <a:t> ∈ V[G] </a:t>
             </a:r>
             <a:r>
-              <a:rPr lang="en-US" sz="1600" b="1" dirty="0" smtClean="0">
+              <a:rPr lang="en-US" sz="1300" b="1" dirty="0" smtClean="0">
                 <a:solidFill>
                   <a:schemeClr val="tx2">
                     <a:lumMod val="60000"/>
@@ -40889,7 +40703,7 @@
               <a:t>do</a:t>
             </a:r>
             <a:r>
-              <a:rPr lang="ru-RU" sz="1600" dirty="0" smtClean="0">
+              <a:rPr lang="ru-RU" sz="1300" dirty="0" smtClean="0">
                 <a:solidFill>
                   <a:schemeClr val="tx2">
                     <a:lumMod val="60000"/>
@@ -40900,7 +40714,7 @@
               <a:t/>
             </a:r>
             <a:br>
-              <a:rPr lang="ru-RU" sz="1600" dirty="0" smtClean="0">
+              <a:rPr lang="ru-RU" sz="1300" dirty="0" smtClean="0">
                 <a:solidFill>
                   <a:schemeClr val="tx2">
                     <a:lumMod val="60000"/>
@@ -40910,7 +40724,7 @@
               </a:rPr>
             </a:br>
             <a:r>
-              <a:rPr lang="ru-RU" sz="1600" dirty="0" smtClean="0">
+              <a:rPr lang="ru-RU" sz="1300" dirty="0" smtClean="0">
                 <a:solidFill>
                   <a:schemeClr val="tx2">
                     <a:lumMod val="60000"/>
@@ -40921,7 +40735,7 @@
               <a:t>	</a:t>
             </a:r>
             <a:r>
-              <a:rPr lang="en-US" sz="1600" dirty="0" smtClean="0">
+              <a:rPr lang="en-US" sz="1300" dirty="0" smtClean="0">
                 <a:solidFill>
                   <a:schemeClr val="tx2">
                     <a:lumMod val="60000"/>
@@ -40929,10 +40743,10 @@
                   </a:schemeClr>
                 </a:solidFill>
               </a:rPr>
-              <a:t>part[u] ⟵ ∞</a:t>
-            </a:r>
-            <a:r>
-              <a:rPr lang="ru-RU" sz="1600" dirty="0" smtClean="0">
+              <a:t>color[u] ⟵ WHITE</a:t>
+            </a:r>
+            <a:r>
+              <a:rPr lang="ru-RU" sz="1300" dirty="0" smtClean="0">
                 <a:solidFill>
                   <a:schemeClr val="tx2">
                     <a:lumMod val="60000"/>
@@ -40943,7 +40757,7 @@
               <a:t/>
             </a:r>
             <a:br>
-              <a:rPr lang="ru-RU" sz="1600" dirty="0" smtClean="0">
+              <a:rPr lang="ru-RU" sz="1300" dirty="0" smtClean="0">
                 <a:solidFill>
                   <a:schemeClr val="tx2">
                     <a:lumMod val="60000"/>
@@ -40953,7 +40767,157 @@
               </a:rPr>
             </a:br>
             <a:r>
-              <a:rPr lang="en-US" sz="1600" b="1" dirty="0" smtClean="0">
+              <a:rPr lang="en-US" sz="1300" dirty="0" smtClean="0">
+                <a:solidFill>
+                  <a:schemeClr val="tx2">
+                    <a:lumMod val="60000"/>
+                    <a:lumOff val="40000"/>
+                  </a:schemeClr>
+                </a:solidFill>
+              </a:rPr>
+              <a:t>	π[u] ⟵ NIL</a:t>
+            </a:r>
+            <a:r>
+              <a:rPr lang="ru-RU" sz="1300" dirty="0" smtClean="0">
+                <a:solidFill>
+                  <a:schemeClr val="tx2">
+                    <a:lumMod val="60000"/>
+                    <a:lumOff val="40000"/>
+                  </a:schemeClr>
+                </a:solidFill>
+              </a:rPr>
+              <a:t/>
+            </a:r>
+            <a:br>
+              <a:rPr lang="ru-RU" sz="1300" dirty="0" smtClean="0">
+                <a:solidFill>
+                  <a:schemeClr val="tx2">
+                    <a:lumMod val="60000"/>
+                    <a:lumOff val="40000"/>
+                  </a:schemeClr>
+                </a:solidFill>
+              </a:rPr>
+            </a:br>
+            <a:r>
+              <a:rPr lang="en-US" sz="1300" dirty="0" smtClean="0">
+                <a:solidFill>
+                  <a:schemeClr val="tx2">
+                    <a:lumMod val="60000"/>
+                    <a:lumOff val="40000"/>
+                  </a:schemeClr>
+                </a:solidFill>
+              </a:rPr>
+              <a:t>Q ⟵ ∅</a:t>
+            </a:r>
+            <a:r>
+              <a:rPr lang="ru-RU" sz="1300" dirty="0" smtClean="0">
+                <a:solidFill>
+                  <a:schemeClr val="tx2">
+                    <a:lumMod val="60000"/>
+                    <a:lumOff val="40000"/>
+                  </a:schemeClr>
+                </a:solidFill>
+              </a:rPr>
+              <a:t/>
+            </a:r>
+            <a:br>
+              <a:rPr lang="ru-RU" sz="1300" dirty="0" smtClean="0">
+                <a:solidFill>
+                  <a:schemeClr val="tx2">
+                    <a:lumMod val="60000"/>
+                    <a:lumOff val="40000"/>
+                  </a:schemeClr>
+                </a:solidFill>
+              </a:rPr>
+            </a:br>
+            <a:r>
+              <a:rPr lang="en-US" sz="1300" dirty="0" err="1" smtClean="0">
+                <a:solidFill>
+                  <a:schemeClr val="tx2">
+                    <a:lumMod val="60000"/>
+                    <a:lumOff val="40000"/>
+                  </a:schemeClr>
+                </a:solidFill>
+              </a:rPr>
+              <a:t>cycle_start</a:t>
+            </a:r>
+            <a:r>
+              <a:rPr lang="en-US" sz="1300" dirty="0" smtClean="0">
+                <a:solidFill>
+                  <a:schemeClr val="tx2">
+                    <a:lumMod val="60000"/>
+                    <a:lumOff val="40000"/>
+                  </a:schemeClr>
+                </a:solidFill>
+              </a:rPr>
+              <a:t> ⟵ NIL</a:t>
+            </a:r>
+            <a:r>
+              <a:rPr lang="ru-RU" sz="1300" dirty="0" smtClean="0">
+                <a:solidFill>
+                  <a:schemeClr val="tx2">
+                    <a:lumMod val="60000"/>
+                    <a:lumOff val="40000"/>
+                  </a:schemeClr>
+                </a:solidFill>
+              </a:rPr>
+              <a:t/>
+            </a:r>
+            <a:br>
+              <a:rPr lang="ru-RU" sz="1300" dirty="0" smtClean="0">
+                <a:solidFill>
+                  <a:schemeClr val="tx2">
+                    <a:lumMod val="60000"/>
+                    <a:lumOff val="40000"/>
+                  </a:schemeClr>
+                </a:solidFill>
+              </a:rPr>
+            </a:br>
+            <a:r>
+              <a:rPr lang="en-US" sz="1300" dirty="0" err="1" smtClean="0">
+                <a:solidFill>
+                  <a:schemeClr val="tx2">
+                    <a:lumMod val="60000"/>
+                    <a:lumOff val="40000"/>
+                  </a:schemeClr>
+                </a:solidFill>
+              </a:rPr>
+              <a:t>cycle_end</a:t>
+            </a:r>
+            <a:r>
+              <a:rPr lang="en-US" sz="1300" dirty="0" smtClean="0">
+                <a:solidFill>
+                  <a:schemeClr val="tx2">
+                    <a:lumMod val="60000"/>
+                    <a:lumOff val="40000"/>
+                  </a:schemeClr>
+                </a:solidFill>
+              </a:rPr>
+              <a:t> ⟵ NIL</a:t>
+            </a:r>
+            <a:r>
+              <a:rPr lang="ru-RU" sz="1300" dirty="0" smtClean="0">
+                <a:solidFill>
+                  <a:schemeClr val="tx2">
+                    <a:lumMod val="60000"/>
+                    <a:lumOff val="40000"/>
+                  </a:schemeClr>
+                </a:solidFill>
+              </a:rPr>
+              <a:t/>
+            </a:r>
+            <a:br>
+              <a:rPr lang="ru-RU" sz="1300" dirty="0" smtClean="0">
+                <a:solidFill>
+                  <a:schemeClr val="tx2">
+                    <a:lumMod val="60000"/>
+                    <a:lumOff val="40000"/>
+                  </a:schemeClr>
+                </a:solidFill>
+              </a:rPr>
+            </a:br>
+            <a:r>
+              <a:rPr lang="en-US" sz="1300" b="1" dirty="0" smtClean="0">
                 <a:solidFill>
                   <a:schemeClr val="tx2">
                     <a:lumMod val="60000"/>
@@ -40964,7 +40928,7 @@
               <a:t>for</a:t>
             </a:r>
             <a:r>
-              <a:rPr lang="ru-RU" sz="1600" dirty="0" smtClean="0">
+              <a:rPr lang="ru-RU" sz="1300" dirty="0" smtClean="0">
                 <a:solidFill>
                   <a:schemeClr val="tx2">
                     <a:lumMod val="60000"/>
@@ -40975,7 +40939,7 @@
               <a:t> (для) каждой </a:t>
             </a:r>
             <a:r>
-              <a:rPr lang="ru-RU" sz="1600" dirty="0" err="1" smtClean="0">
+              <a:rPr lang="ru-RU" sz="1300" dirty="0" err="1" smtClean="0">
                 <a:solidFill>
                   <a:schemeClr val="tx2">
                     <a:lumMod val="60000"/>
@@ -40986,7 +40950,7 @@
               <a:t>u</a:t>
             </a:r>
             <a:r>
-              <a:rPr lang="ru-RU" sz="1600" dirty="0" smtClean="0">
+              <a:rPr lang="ru-RU" sz="1300" dirty="0" smtClean="0">
                 <a:solidFill>
                   <a:schemeClr val="tx2">
                     <a:lumMod val="60000"/>
@@ -40997,7 +40961,7 @@
               <a:t> ∈ V[G] </a:t>
             </a:r>
             <a:r>
-              <a:rPr lang="en-US" sz="1600" b="1" dirty="0" smtClean="0">
+              <a:rPr lang="en-US" sz="1300" b="1" dirty="0" smtClean="0">
                 <a:solidFill>
                   <a:schemeClr val="tx2">
                     <a:lumMod val="60000"/>
@@ -41008,7 +40972,7 @@
               <a:t>do</a:t>
             </a:r>
             <a:r>
-              <a:rPr lang="ru-RU" sz="1600" dirty="0" smtClean="0">
+              <a:rPr lang="ru-RU" sz="1300" dirty="0" smtClean="0">
                 <a:solidFill>
                   <a:schemeClr val="tx2">
                     <a:lumMod val="60000"/>
@@ -41019,7 +40983,7 @@
               <a:t/>
             </a:r>
             <a:br>
-              <a:rPr lang="ru-RU" sz="1600" dirty="0" smtClean="0">
+              <a:rPr lang="ru-RU" sz="1300" dirty="0" smtClean="0">
                 <a:solidFill>
                   <a:schemeClr val="tx2">
                     <a:lumMod val="60000"/>
@@ -41029,7 +40993,7 @@
               </a:rPr>
             </a:br>
             <a:r>
-              <a:rPr lang="ru-RU" sz="1600" dirty="0" smtClean="0">
+              <a:rPr lang="ru-RU" sz="1300" dirty="0" smtClean="0">
                 <a:solidFill>
                   <a:schemeClr val="tx2">
                     <a:lumMod val="60000"/>
@@ -41040,7 +41004,7 @@
               <a:t>	</a:t>
             </a:r>
             <a:r>
-              <a:rPr lang="en-US" sz="1600" b="1" dirty="0" smtClean="0">
+              <a:rPr lang="en-US" sz="1300" b="1" dirty="0" smtClean="0">
                 <a:solidFill>
                   <a:schemeClr val="tx2">
                     <a:lumMod val="60000"/>
@@ -41051,7 +41015,7 @@
               <a:t>if</a:t>
             </a:r>
             <a:r>
-              <a:rPr lang="en-US" sz="1600" dirty="0" smtClean="0">
+              <a:rPr lang="en-US" sz="1300" dirty="0" smtClean="0">
                 <a:solidFill>
                   <a:schemeClr val="tx2">
                     <a:lumMod val="60000"/>
@@ -41059,10 +41023,10 @@
                   </a:schemeClr>
                 </a:solidFill>
               </a:rPr>
-              <a:t> part[u] = 0 </a:t>
-            </a:r>
-            <a:r>
-              <a:rPr lang="en-US" sz="1600" b="1" dirty="0" smtClean="0">
+              <a:t> color[u] = WHITE </a:t>
+            </a:r>
+            <a:r>
+              <a:rPr lang="en-US" sz="1300" b="1" dirty="0" smtClean="0">
                 <a:solidFill>
                   <a:schemeClr val="tx2">
                     <a:lumMod val="60000"/>
@@ -41073,7 +41037,7 @@
               <a:t>then</a:t>
             </a:r>
             <a:r>
-              <a:rPr lang="ru-RU" sz="1600" dirty="0" smtClean="0">
+              <a:rPr lang="ru-RU" sz="1300" dirty="0" smtClean="0">
                 <a:solidFill>
                   <a:schemeClr val="tx2">
                     <a:lumMod val="60000"/>
@@ -41084,7 +41048,7 @@
               <a:t/>
             </a:r>
             <a:br>
-              <a:rPr lang="ru-RU" sz="1600" dirty="0" smtClean="0">
+              <a:rPr lang="ru-RU" sz="1300" dirty="0" smtClean="0">
                 <a:solidFill>
                   <a:schemeClr val="tx2">
                     <a:lumMod val="60000"/>
@@ -41094,7 +41058,7 @@
               </a:rPr>
             </a:br>
             <a:r>
-              <a:rPr lang="en-US" sz="1600" dirty="0" smtClean="0">
+              <a:rPr lang="en-US" sz="1300" dirty="0" smtClean="0">
                 <a:solidFill>
                   <a:schemeClr val="tx2">
                     <a:lumMod val="60000"/>
@@ -41102,10 +41066,32 @@
                   </a:schemeClr>
                 </a:solidFill>
               </a:rPr>
-              <a:t>		part[u] ⟵ 1</a:t>
-            </a:r>
-            <a:r>
-              <a:rPr lang="ru-RU" sz="1600" dirty="0" smtClean="0">
+              <a:t>		</a:t>
+            </a:r>
+            <a:r>
+              <a:rPr lang="en-US" sz="1300" dirty="0" err="1" smtClean="0">
+                <a:solidFill>
+                  <a:schemeClr val="tx2">
+                    <a:lumMod val="60000"/>
+                    <a:lumOff val="40000"/>
+                  </a:schemeClr>
+                </a:solidFill>
+              </a:rPr>
+              <a:t>DFS_Visit</a:t>
+            </a:r>
+            <a:r>
+              <a:rPr lang="en-US" sz="1300" dirty="0" smtClean="0">
+                <a:solidFill>
+                  <a:schemeClr val="tx2">
+                    <a:lumMod val="60000"/>
+                    <a:lumOff val="40000"/>
+                  </a:schemeClr>
+                </a:solidFill>
+              </a:rPr>
+              <a:t>(u)</a:t>
+            </a:r>
+            <a:r>
+              <a:rPr lang="ru-RU" sz="1300" dirty="0" smtClean="0">
                 <a:solidFill>
                   <a:schemeClr val="tx2">
                     <a:lumMod val="60000"/>
@@ -41116,7 +41102,7 @@
               <a:t/>
             </a:r>
             <a:br>
-              <a:rPr lang="ru-RU" sz="1600" dirty="0" smtClean="0">
+              <a:rPr lang="ru-RU" sz="1300" dirty="0" smtClean="0">
                 <a:solidFill>
                   <a:schemeClr val="tx2">
                     <a:lumMod val="60000"/>
@@ -41126,7 +41112,408 @@
               </a:rPr>
             </a:br>
             <a:r>
-              <a:rPr lang="en-US" sz="1600" dirty="0" smtClean="0">
+              <a:rPr lang="en-US" sz="1300" b="1" dirty="0" smtClean="0">
+                <a:solidFill>
+                  <a:schemeClr val="tx2">
+                    <a:lumMod val="60000"/>
+                    <a:lumOff val="40000"/>
+                  </a:schemeClr>
+                </a:solidFill>
+              </a:rPr>
+              <a:t>If</a:t>
+            </a:r>
+            <a:r>
+              <a:rPr lang="en-US" sz="1300" dirty="0" smtClean="0">
+                <a:solidFill>
+                  <a:schemeClr val="tx2">
+                    <a:lumMod val="60000"/>
+                    <a:lumOff val="40000"/>
+                  </a:schemeClr>
+                </a:solidFill>
+              </a:rPr>
+              <a:t> </a:t>
+            </a:r>
+            <a:r>
+              <a:rPr lang="en-US" sz="1300" dirty="0" err="1" smtClean="0">
+                <a:solidFill>
+                  <a:schemeClr val="tx2">
+                    <a:lumMod val="60000"/>
+                    <a:lumOff val="40000"/>
+                  </a:schemeClr>
+                </a:solidFill>
+              </a:rPr>
+              <a:t>cycle_start</a:t>
+            </a:r>
+            <a:r>
+              <a:rPr lang="en-US" sz="1300" dirty="0" smtClean="0">
+                <a:solidFill>
+                  <a:schemeClr val="tx2">
+                    <a:lumMod val="60000"/>
+                    <a:lumOff val="40000"/>
+                  </a:schemeClr>
+                </a:solidFill>
+              </a:rPr>
+              <a:t> = NIL </a:t>
+            </a:r>
+            <a:r>
+              <a:rPr lang="en-US" sz="1300" b="1" dirty="0" smtClean="0">
+                <a:solidFill>
+                  <a:schemeClr val="tx2">
+                    <a:lumMod val="60000"/>
+                    <a:lumOff val="40000"/>
+                  </a:schemeClr>
+                </a:solidFill>
+              </a:rPr>
+              <a:t>then</a:t>
+            </a:r>
+            <a:r>
+              <a:rPr lang="ru-RU" sz="1300" dirty="0" smtClean="0">
+                <a:solidFill>
+                  <a:schemeClr val="tx2">
+                    <a:lumMod val="60000"/>
+                    <a:lumOff val="40000"/>
+                  </a:schemeClr>
+                </a:solidFill>
+              </a:rPr>
+              <a:t/>
+            </a:r>
+            <a:br>
+              <a:rPr lang="ru-RU" sz="1300" dirty="0" smtClean="0">
+                <a:solidFill>
+                  <a:schemeClr val="tx2">
+                    <a:lumMod val="60000"/>
+                    <a:lumOff val="40000"/>
+                  </a:schemeClr>
+                </a:solidFill>
+              </a:rPr>
+            </a:br>
+            <a:r>
+              <a:rPr lang="en-US" sz="1300" b="1" dirty="0" smtClean="0">
+                <a:solidFill>
+                  <a:schemeClr val="tx2">
+                    <a:lumMod val="60000"/>
+                    <a:lumOff val="40000"/>
+                  </a:schemeClr>
+                </a:solidFill>
+              </a:rPr>
+              <a:t>	write</a:t>
+            </a:r>
+            <a:r>
+              <a:rPr lang="en-US" sz="1300" dirty="0" smtClean="0">
+                <a:solidFill>
+                  <a:schemeClr val="tx2">
+                    <a:lumMod val="60000"/>
+                    <a:lumOff val="40000"/>
+                  </a:schemeClr>
+                </a:solidFill>
+              </a:rPr>
+              <a:t> “acyclic”</a:t>
+            </a:r>
+            <a:r>
+              <a:rPr lang="ru-RU" sz="1300" dirty="0" smtClean="0">
+                <a:solidFill>
+                  <a:schemeClr val="tx2">
+                    <a:lumMod val="60000"/>
+                    <a:lumOff val="40000"/>
+                  </a:schemeClr>
+                </a:solidFill>
+              </a:rPr>
+              <a:t/>
+            </a:r>
+            <a:br>
+              <a:rPr lang="ru-RU" sz="1300" dirty="0" smtClean="0">
+                <a:solidFill>
+                  <a:schemeClr val="tx2">
+                    <a:lumMod val="60000"/>
+                    <a:lumOff val="40000"/>
+                  </a:schemeClr>
+                </a:solidFill>
+              </a:rPr>
+            </a:br>
+            <a:r>
+              <a:rPr lang="en-US" sz="1300" b="1" dirty="0" smtClean="0">
+                <a:solidFill>
+                  <a:schemeClr val="tx2">
+                    <a:lumMod val="60000"/>
+                    <a:lumOff val="40000"/>
+                  </a:schemeClr>
+                </a:solidFill>
+              </a:rPr>
+              <a:t>else</a:t>
+            </a:r>
+            <a:r>
+              <a:rPr lang="ru-RU" sz="1300" dirty="0" smtClean="0">
+                <a:solidFill>
+                  <a:schemeClr val="tx2">
+                    <a:lumMod val="60000"/>
+                    <a:lumOff val="40000"/>
+                  </a:schemeClr>
+                </a:solidFill>
+              </a:rPr>
+              <a:t/>
+            </a:r>
+            <a:br>
+              <a:rPr lang="ru-RU" sz="1300" dirty="0" smtClean="0">
+                <a:solidFill>
+                  <a:schemeClr val="tx2">
+                    <a:lumMod val="60000"/>
+                    <a:lumOff val="40000"/>
+                  </a:schemeClr>
+                </a:solidFill>
+              </a:rPr>
+            </a:br>
+            <a:r>
+              <a:rPr lang="en-US" sz="1300" dirty="0" smtClean="0">
+                <a:solidFill>
+                  <a:schemeClr val="tx2">
+                    <a:lumMod val="60000"/>
+                    <a:lumOff val="40000"/>
+                  </a:schemeClr>
+                </a:solidFill>
+              </a:rPr>
+              <a:t>	</a:t>
+            </a:r>
+            <a:r>
+              <a:rPr lang="en-US" sz="1300" b="1" dirty="0" smtClean="0">
+                <a:solidFill>
+                  <a:schemeClr val="tx2">
+                    <a:lumMod val="60000"/>
+                    <a:lumOff val="40000"/>
+                  </a:schemeClr>
+                </a:solidFill>
+              </a:rPr>
+              <a:t>write</a:t>
+            </a:r>
+            <a:r>
+              <a:rPr lang="en-US" sz="1300" dirty="0" smtClean="0">
+                <a:solidFill>
+                  <a:schemeClr val="tx2">
+                    <a:lumMod val="60000"/>
+                    <a:lumOff val="40000"/>
+                  </a:schemeClr>
+                </a:solidFill>
+              </a:rPr>
+              <a:t> “cyclic”</a:t>
+            </a:r>
+            <a:r>
+              <a:rPr lang="ru-RU" sz="1300" dirty="0" smtClean="0">
+                <a:solidFill>
+                  <a:schemeClr val="tx2">
+                    <a:lumMod val="60000"/>
+                    <a:lumOff val="40000"/>
+                  </a:schemeClr>
+                </a:solidFill>
+              </a:rPr>
+              <a:t/>
+            </a:r>
+            <a:br>
+              <a:rPr lang="ru-RU" sz="1300" dirty="0" smtClean="0">
+                <a:solidFill>
+                  <a:schemeClr val="tx2">
+                    <a:lumMod val="60000"/>
+                    <a:lumOff val="40000"/>
+                  </a:schemeClr>
+                </a:solidFill>
+              </a:rPr>
+            </a:br>
+            <a:r>
+              <a:rPr lang="ru-RU" sz="1300" dirty="0" smtClean="0">
+                <a:solidFill>
+                  <a:schemeClr val="tx2">
+                    <a:lumMod val="60000"/>
+                    <a:lumOff val="40000"/>
+                  </a:schemeClr>
+                </a:solidFill>
+              </a:rPr>
+              <a:t>	в очередь (</a:t>
+            </a:r>
+            <a:r>
+              <a:rPr lang="en-US" sz="1300" dirty="0" smtClean="0">
+                <a:solidFill>
+                  <a:schemeClr val="tx2">
+                    <a:lumMod val="60000"/>
+                    <a:lumOff val="40000"/>
+                  </a:schemeClr>
+                </a:solidFill>
+              </a:rPr>
+              <a:t>Q</a:t>
+            </a:r>
+            <a:r>
+              <a:rPr lang="ru-RU" sz="1300" dirty="0" smtClean="0">
+                <a:solidFill>
+                  <a:schemeClr val="tx2">
+                    <a:lumMod val="60000"/>
+                    <a:lumOff val="40000"/>
+                  </a:schemeClr>
+                </a:solidFill>
+              </a:rPr>
+              <a:t>, </a:t>
+            </a:r>
+            <a:r>
+              <a:rPr lang="en-US" sz="1300" dirty="0" smtClean="0">
+                <a:solidFill>
+                  <a:schemeClr val="tx2">
+                    <a:lumMod val="60000"/>
+                    <a:lumOff val="40000"/>
+                  </a:schemeClr>
+                </a:solidFill>
+              </a:rPr>
+              <a:t>cycle</a:t>
+            </a:r>
+            <a:r>
+              <a:rPr lang="ru-RU" sz="1300" dirty="0" smtClean="0">
+                <a:solidFill>
+                  <a:schemeClr val="tx2">
+                    <a:lumMod val="60000"/>
+                    <a:lumOff val="40000"/>
+                  </a:schemeClr>
+                </a:solidFill>
+              </a:rPr>
+              <a:t>_</a:t>
+            </a:r>
+            <a:r>
+              <a:rPr lang="en-US" sz="1300" dirty="0" smtClean="0">
+                <a:solidFill>
+                  <a:schemeClr val="tx2">
+                    <a:lumMod val="60000"/>
+                    <a:lumOff val="40000"/>
+                  </a:schemeClr>
+                </a:solidFill>
+              </a:rPr>
+              <a:t>start</a:t>
+            </a:r>
+            <a:r>
+              <a:rPr lang="ru-RU" sz="1300" dirty="0" smtClean="0">
+                <a:solidFill>
+                  <a:schemeClr val="tx2">
+                    <a:lumMod val="60000"/>
+                    <a:lumOff val="40000"/>
+                  </a:schemeClr>
+                </a:solidFill>
+              </a:rPr>
+              <a:t>)</a:t>
+            </a:r>
+            <a:br>
+              <a:rPr lang="ru-RU" sz="1300" dirty="0" smtClean="0">
+                <a:solidFill>
+                  <a:schemeClr val="tx2">
+                    <a:lumMod val="60000"/>
+                    <a:lumOff val="40000"/>
+                  </a:schemeClr>
+                </a:solidFill>
+              </a:rPr>
+            </a:br>
+            <a:r>
+              <a:rPr lang="ru-RU" sz="1300" dirty="0" smtClean="0">
+                <a:solidFill>
+                  <a:schemeClr val="tx2">
+                    <a:lumMod val="60000"/>
+                    <a:lumOff val="40000"/>
+                  </a:schemeClr>
+                </a:solidFill>
+              </a:rPr>
+              <a:t>	</a:t>
+            </a:r>
+            <a:r>
+              <a:rPr lang="en-US" sz="1300" b="1" dirty="0" smtClean="0">
+                <a:solidFill>
+                  <a:schemeClr val="tx2">
+                    <a:lumMod val="60000"/>
+                    <a:lumOff val="40000"/>
+                  </a:schemeClr>
+                </a:solidFill>
+              </a:rPr>
+              <a:t>while</a:t>
+            </a:r>
+            <a:r>
+              <a:rPr lang="en-US" sz="1300" dirty="0" smtClean="0">
+                <a:solidFill>
+                  <a:schemeClr val="tx2">
+                    <a:lumMod val="60000"/>
+                    <a:lumOff val="40000"/>
+                  </a:schemeClr>
+                </a:solidFill>
+              </a:rPr>
+              <a:t> </a:t>
+            </a:r>
+            <a:r>
+              <a:rPr lang="en-US" sz="1300" dirty="0" err="1" smtClean="0">
+                <a:solidFill>
+                  <a:schemeClr val="tx2">
+                    <a:lumMod val="60000"/>
+                    <a:lumOff val="40000"/>
+                  </a:schemeClr>
+                </a:solidFill>
+              </a:rPr>
+              <a:t>cycle_start</a:t>
+            </a:r>
+            <a:r>
+              <a:rPr lang="en-US" sz="1300" dirty="0" smtClean="0">
+                <a:solidFill>
+                  <a:schemeClr val="tx2">
+                    <a:lumMod val="60000"/>
+                    <a:lumOff val="40000"/>
+                  </a:schemeClr>
+                </a:solidFill>
+              </a:rPr>
+              <a:t> != </a:t>
+            </a:r>
+            <a:r>
+              <a:rPr lang="en-US" sz="1300" dirty="0" err="1" smtClean="0">
+                <a:solidFill>
+                  <a:schemeClr val="tx2">
+                    <a:lumMod val="60000"/>
+                    <a:lumOff val="40000"/>
+                  </a:schemeClr>
+                </a:solidFill>
+              </a:rPr>
+              <a:t>cycle_end</a:t>
+            </a:r>
+            <a:r>
+              <a:rPr lang="en-US" sz="1300" dirty="0" smtClean="0">
+                <a:solidFill>
+                  <a:schemeClr val="tx2">
+                    <a:lumMod val="60000"/>
+                    <a:lumOff val="40000"/>
+                  </a:schemeClr>
+                </a:solidFill>
+              </a:rPr>
+              <a:t> </a:t>
+            </a:r>
+            <a:r>
+              <a:rPr lang="en-US" sz="1300" b="1" dirty="0" smtClean="0">
+                <a:solidFill>
+                  <a:schemeClr val="tx2">
+                    <a:lumMod val="60000"/>
+                    <a:lumOff val="40000"/>
+                  </a:schemeClr>
+                </a:solidFill>
+              </a:rPr>
+              <a:t>do</a:t>
+            </a:r>
+            <a:r>
+              <a:rPr lang="ru-RU" sz="1300" dirty="0" smtClean="0">
+                <a:solidFill>
+                  <a:schemeClr val="tx2">
+                    <a:lumMod val="60000"/>
+                    <a:lumOff val="40000"/>
+                  </a:schemeClr>
+                </a:solidFill>
+              </a:rPr>
+              <a:t/>
+            </a:r>
+            <a:br>
+              <a:rPr lang="ru-RU" sz="1300" dirty="0" smtClean="0">
+                <a:solidFill>
+                  <a:schemeClr val="tx2">
+                    <a:lumMod val="60000"/>
+                    <a:lumOff val="40000"/>
+                  </a:schemeClr>
+                </a:solidFill>
+              </a:rPr>
+            </a:br>
+            <a:r>
+              <a:rPr lang="en-US" sz="1300" dirty="0" smtClean="0">
                 <a:solidFill>
                   <a:schemeClr val="tx2">
                     <a:lumMod val="60000"/>
@@ -41137,7 +41524,7 @@
               <a:t>		</a:t>
             </a:r>
             <a:r>
-              <a:rPr lang="en-US" sz="1600" dirty="0" err="1" smtClean="0">
+              <a:rPr lang="en-US" sz="1300" dirty="0" err="1" smtClean="0">
                 <a:solidFill>
                   <a:schemeClr val="tx2">
                     <a:lumMod val="60000"/>
@@ -41145,10 +41532,10 @@
                   </a:schemeClr>
                 </a:solidFill>
               </a:rPr>
-              <a:t>DFS_Visit</a:t>
-            </a:r>
-            <a:r>
-              <a:rPr lang="en-US" sz="1600" dirty="0" smtClean="0">
+              <a:t>cycle_start</a:t>
+            </a:r>
+            <a:r>
+              <a:rPr lang="en-US" sz="1300" dirty="0" smtClean="0">
                 <a:solidFill>
                   <a:schemeClr val="tx2">
                     <a:lumMod val="60000"/>
@@ -41156,10 +41543,32 @@
                   </a:schemeClr>
                 </a:solidFill>
               </a:rPr>
-              <a:t>(u)</a:t>
-            </a:r>
-            <a:r>
-              <a:rPr lang="ru-RU" sz="1600" dirty="0" smtClean="0">
+              <a:t> ⟵ π[</a:t>
+            </a:r>
+            <a:r>
+              <a:rPr lang="en-US" sz="1300" dirty="0" err="1" smtClean="0">
+                <a:solidFill>
+                  <a:schemeClr val="tx2">
+                    <a:lumMod val="60000"/>
+                    <a:lumOff val="40000"/>
+                  </a:schemeClr>
+                </a:solidFill>
+              </a:rPr>
+              <a:t>cycle_start</a:t>
+            </a:r>
+            <a:r>
+              <a:rPr lang="en-US" sz="1300" dirty="0" smtClean="0">
+                <a:solidFill>
+                  <a:schemeClr val="tx2">
+                    <a:lumMod val="60000"/>
+                    <a:lumOff val="40000"/>
+                  </a:schemeClr>
+                </a:solidFill>
+              </a:rPr>
+              <a:t>]</a:t>
+            </a:r>
+            <a:r>
+              <a:rPr lang="ru-RU" sz="1300" dirty="0" smtClean="0">
                 <a:solidFill>
                   <a:schemeClr val="tx2">
                     <a:lumMod val="60000"/>
@@ -41170,7 +41579,7 @@
               <a:t/>
             </a:r>
             <a:br>
-              <a:rPr lang="ru-RU" sz="1600" dirty="0" smtClean="0">
+              <a:rPr lang="ru-RU" sz="1300" dirty="0" smtClean="0">
                 <a:solidFill>
                   <a:schemeClr val="tx2">
                     <a:lumMod val="60000"/>
@@ -41180,7 +41589,7 @@
               </a:rPr>
             </a:br>
             <a:r>
-              <a:rPr lang="ru-RU" sz="1600" dirty="0" smtClean="0">
+              <a:rPr lang="en-US" sz="1300" dirty="0" smtClean="0">
                 <a:solidFill>
                   <a:schemeClr val="tx2">
                     <a:lumMod val="60000"/>
@@ -41188,10 +41597,87 @@
                   </a:schemeClr>
                 </a:solidFill>
               </a:rPr>
-              <a:t/>
+              <a:t>		</a:t>
+            </a:r>
+            <a:r>
+              <a:rPr lang="ru-RU" sz="1300" dirty="0" smtClean="0">
+                <a:solidFill>
+                  <a:schemeClr val="tx2">
+                    <a:lumMod val="60000"/>
+                    <a:lumOff val="40000"/>
+                  </a:schemeClr>
+                </a:solidFill>
+              </a:rPr>
+              <a:t>в очередь (</a:t>
+            </a:r>
+            <a:r>
+              <a:rPr lang="en-US" sz="1300" dirty="0" smtClean="0">
+                <a:solidFill>
+                  <a:schemeClr val="tx2">
+                    <a:lumMod val="60000"/>
+                    <a:lumOff val="40000"/>
+                  </a:schemeClr>
+                </a:solidFill>
+              </a:rPr>
+              <a:t>Q</a:t>
+            </a:r>
+            <a:r>
+              <a:rPr lang="ru-RU" sz="1300" dirty="0" smtClean="0">
+                <a:solidFill>
+                  <a:schemeClr val="tx2">
+                    <a:lumMod val="60000"/>
+                    <a:lumOff val="40000"/>
+                  </a:schemeClr>
+                </a:solidFill>
+              </a:rPr>
+              <a:t>, </a:t>
+            </a:r>
+            <a:r>
+              <a:rPr lang="en-US" sz="1300" dirty="0" smtClean="0">
+                <a:solidFill>
+                  <a:schemeClr val="tx2">
+                    <a:lumMod val="60000"/>
+                    <a:lumOff val="40000"/>
+                  </a:schemeClr>
+                </a:solidFill>
+              </a:rPr>
+              <a:t>cycle</a:t>
+            </a:r>
+            <a:r>
+              <a:rPr lang="ru-RU" sz="1300" dirty="0" smtClean="0">
+                <a:solidFill>
+                  <a:schemeClr val="tx2">
+                    <a:lumMod val="60000"/>
+                    <a:lumOff val="40000"/>
+                  </a:schemeClr>
+                </a:solidFill>
+              </a:rPr>
+              <a:t>_</a:t>
+            </a:r>
+            <a:r>
+              <a:rPr lang="en-US" sz="1300" dirty="0" smtClean="0">
+                <a:solidFill>
+                  <a:schemeClr val="tx2">
+                    <a:lumMod val="60000"/>
+                    <a:lumOff val="40000"/>
+                  </a:schemeClr>
+                </a:solidFill>
+              </a:rPr>
+              <a:t>start</a:t>
+            </a:r>
+            <a:r>
+              <a:rPr lang="ru-RU" sz="1300" dirty="0" smtClean="0">
+                <a:solidFill>
+                  <a:schemeClr val="tx2">
+                    <a:lumMod val="60000"/>
+                    <a:lumOff val="40000"/>
+                  </a:schemeClr>
+                </a:solidFill>
+              </a:rPr>
+              <a:t>)</a:t>
             </a:r>
             <a:br>
-              <a:rPr lang="ru-RU" sz="1600" dirty="0" smtClean="0">
+              <a:rPr lang="ru-RU" sz="1300" dirty="0" smtClean="0">
                 <a:solidFill>
                   <a:schemeClr val="tx2">
                     <a:lumMod val="60000"/>
@@ -41201,281 +41687,493 @@
               </a:rPr>
             </a:br>
             <a:r>
-              <a:rPr lang="ru-RU" sz="1600" dirty="0" smtClean="0">
+              <a:rPr lang="en-US" sz="1300" dirty="0" smtClean="0"/>
+              <a:t>DFS</a:t>
+            </a:r>
+            <a:r>
+              <a:rPr lang="ru-RU" sz="1300" dirty="0" smtClean="0"/>
+              <a:t>_</a:t>
+            </a:r>
+            <a:r>
+              <a:rPr lang="en-US" sz="1300" dirty="0" smtClean="0"/>
+              <a:t>Visit</a:t>
+            </a:r>
+            <a:r>
+              <a:rPr lang="ru-RU" sz="1300" dirty="0" smtClean="0"/>
+              <a:t> (</a:t>
+            </a:r>
+            <a:r>
+              <a:rPr lang="en-US" sz="1300" dirty="0" smtClean="0"/>
+              <a:t>u</a:t>
+            </a:r>
+            <a:r>
+              <a:rPr lang="ru-RU" sz="1300" dirty="0" smtClean="0"/>
+              <a:t>)</a:t>
+            </a:r>
+            <a:br>
+              <a:rPr lang="ru-RU" sz="1300" dirty="0" smtClean="0"/>
+            </a:br>
+            <a:r>
+              <a:rPr lang="en-US" sz="1300" dirty="0" smtClean="0"/>
+              <a:t>color[u] ⟵ GRAY</a:t>
+            </a:r>
+            <a:r>
+              <a:rPr lang="ru-RU" sz="1300" dirty="0" smtClean="0"/>
+              <a:t/>
+            </a:r>
+            <a:br>
+              <a:rPr lang="ru-RU" sz="1300" dirty="0" smtClean="0"/>
+            </a:br>
+            <a:r>
+              <a:rPr lang="en-US" sz="1300" b="1" dirty="0" smtClean="0"/>
+              <a:t>for</a:t>
+            </a:r>
+            <a:r>
+              <a:rPr lang="ru-RU" sz="1300" dirty="0" smtClean="0"/>
+              <a:t> (для) каждой </a:t>
+            </a:r>
+            <a:r>
+              <a:rPr lang="ru-RU" sz="1300" dirty="0" err="1" smtClean="0"/>
+              <a:t>u</a:t>
+            </a:r>
+            <a:r>
+              <a:rPr lang="ru-RU" sz="1300" dirty="0" smtClean="0"/>
+              <a:t> ∈ </a:t>
+            </a:r>
+            <a:r>
+              <a:rPr lang="en-US" sz="1300" dirty="0" err="1" smtClean="0"/>
+              <a:t>Adj</a:t>
+            </a:r>
+            <a:r>
+              <a:rPr lang="en-US" sz="1300" dirty="0" smtClean="0"/>
+              <a:t>[u] </a:t>
+            </a:r>
+            <a:r>
+              <a:rPr lang="en-US" sz="1300" b="1" dirty="0" smtClean="0"/>
+              <a:t>do</a:t>
+            </a:r>
+            <a:r>
+              <a:rPr lang="ru-RU" sz="1300" dirty="0" smtClean="0"/>
+              <a:t/>
+            </a:r>
+            <a:br>
+              <a:rPr lang="ru-RU" sz="1300" dirty="0" smtClean="0"/>
+            </a:br>
+            <a:r>
+              <a:rPr lang="en-US" sz="1300" dirty="0" smtClean="0"/>
+              <a:t>	</a:t>
+            </a:r>
+            <a:r>
+              <a:rPr lang="en-US" sz="1300" b="1" dirty="0" smtClean="0"/>
+              <a:t>if</a:t>
+            </a:r>
+            <a:r>
+              <a:rPr lang="en-US" sz="1300" dirty="0" smtClean="0"/>
+              <a:t> color[v] = WHITE </a:t>
+            </a:r>
+            <a:r>
+              <a:rPr lang="en-US" sz="1300" b="1" dirty="0" smtClean="0"/>
+              <a:t>then</a:t>
+            </a:r>
+            <a:r>
+              <a:rPr lang="ru-RU" sz="1300" dirty="0" smtClean="0"/>
+              <a:t/>
+            </a:r>
+            <a:br>
+              <a:rPr lang="ru-RU" sz="1300" dirty="0" smtClean="0"/>
+            </a:br>
+            <a:r>
+              <a:rPr lang="en-US" sz="1300" dirty="0" smtClean="0"/>
+              <a:t>		π[v] ⟵ u</a:t>
+            </a:r>
+            <a:r>
+              <a:rPr lang="ru-RU" sz="1300" dirty="0" smtClean="0"/>
+              <a:t/>
+            </a:r>
+            <a:br>
+              <a:rPr lang="ru-RU" sz="1300" dirty="0" smtClean="0"/>
+            </a:br>
+            <a:r>
+              <a:rPr lang="en-US" sz="1300" dirty="0" smtClean="0"/>
+              <a:t>		</a:t>
+            </a:r>
+            <a:r>
+              <a:rPr lang="en-US" sz="1300" b="1" dirty="0" smtClean="0"/>
+              <a:t>If</a:t>
+            </a:r>
+            <a:r>
+              <a:rPr lang="en-US" sz="1300" dirty="0" smtClean="0"/>
+              <a:t> </a:t>
+            </a:r>
+            <a:r>
+              <a:rPr lang="en-US" sz="1300" dirty="0" err="1" smtClean="0"/>
+              <a:t>DFS_Visit</a:t>
+            </a:r>
+            <a:r>
+              <a:rPr lang="en-US" sz="1300" dirty="0" smtClean="0"/>
+              <a:t>(v) </a:t>
+            </a:r>
+            <a:r>
+              <a:rPr lang="en-US" sz="1300" b="1" dirty="0" smtClean="0"/>
+              <a:t>then</a:t>
+            </a:r>
+            <a:r>
+              <a:rPr lang="ru-RU" sz="1300" dirty="0" smtClean="0"/>
+              <a:t/>
+            </a:r>
+            <a:br>
+              <a:rPr lang="ru-RU" sz="1300" dirty="0" smtClean="0"/>
+            </a:br>
+            <a:r>
+              <a:rPr lang="en-US" sz="1300" dirty="0" smtClean="0"/>
+              <a:t>			</a:t>
+            </a:r>
+            <a:r>
+              <a:rPr lang="en-US" sz="1300" b="1" dirty="0" smtClean="0"/>
+              <a:t>return</a:t>
+            </a:r>
+            <a:r>
+              <a:rPr lang="en-US" sz="1300" dirty="0" smtClean="0"/>
+              <a:t> true</a:t>
+            </a:r>
+            <a:r>
+              <a:rPr lang="ru-RU" sz="1300" dirty="0" smtClean="0"/>
+              <a:t/>
+            </a:r>
+            <a:br>
+              <a:rPr lang="ru-RU" sz="1300" dirty="0" smtClean="0"/>
+            </a:br>
+            <a:r>
+              <a:rPr lang="ru-RU" sz="1300" dirty="0" smtClean="0"/>
+              <a:t>	</a:t>
+            </a:r>
+            <a:r>
+              <a:rPr lang="en-US" sz="1300" b="1" dirty="0" smtClean="0"/>
+              <a:t>if </a:t>
+            </a:r>
+            <a:r>
+              <a:rPr lang="en-US" sz="1300" dirty="0" smtClean="0"/>
+              <a:t>color[v] = GRAY </a:t>
+            </a:r>
+            <a:r>
+              <a:rPr lang="en-US" sz="1300" b="1" dirty="0" smtClean="0"/>
+              <a:t>then</a:t>
+            </a:r>
+            <a:r>
+              <a:rPr lang="ru-RU" sz="1300" dirty="0" smtClean="0"/>
+              <a:t/>
+            </a:r>
+            <a:br>
+              <a:rPr lang="ru-RU" sz="1300" dirty="0" smtClean="0"/>
+            </a:br>
+            <a:r>
+              <a:rPr lang="en-US" sz="1300" dirty="0" smtClean="0"/>
+              <a:t>		</a:t>
+            </a:r>
+            <a:r>
+              <a:rPr lang="en-US" sz="1300" dirty="0" err="1" smtClean="0"/>
+              <a:t>cycle_start</a:t>
+            </a:r>
+            <a:r>
+              <a:rPr lang="en-US" sz="1300" dirty="0" smtClean="0"/>
+              <a:t> ⟵ v</a:t>
+            </a:r>
+            <a:r>
+              <a:rPr lang="ru-RU" sz="1300" dirty="0" smtClean="0"/>
+              <a:t/>
+            </a:r>
+            <a:br>
+              <a:rPr lang="ru-RU" sz="1300" dirty="0" smtClean="0"/>
+            </a:br>
+            <a:r>
+              <a:rPr lang="en-US" sz="1300" dirty="0" smtClean="0"/>
+              <a:t>		</a:t>
+            </a:r>
+            <a:r>
+              <a:rPr lang="en-US" sz="1300" dirty="0" err="1" smtClean="0"/>
+              <a:t>cycle_end</a:t>
+            </a:r>
+            <a:r>
+              <a:rPr lang="en-US" sz="1300" dirty="0" smtClean="0"/>
+              <a:t> ⟵ u</a:t>
+            </a:r>
+            <a:r>
+              <a:rPr lang="ru-RU" sz="1300" dirty="0" smtClean="0"/>
+              <a:t/>
+            </a:r>
+            <a:br>
+              <a:rPr lang="ru-RU" sz="1300" dirty="0" smtClean="0"/>
+            </a:br>
+            <a:r>
+              <a:rPr lang="en-US" sz="1300" dirty="0" smtClean="0"/>
+              <a:t>		</a:t>
+            </a:r>
+            <a:r>
+              <a:rPr lang="en-US" sz="1300" b="1" dirty="0" smtClean="0"/>
+              <a:t>return</a:t>
+            </a:r>
+            <a:r>
+              <a:rPr lang="en-US" sz="1300" dirty="0" smtClean="0"/>
+              <a:t> true</a:t>
+            </a:r>
+            <a:r>
+              <a:rPr lang="ru-RU" sz="1300" dirty="0" smtClean="0"/>
+              <a:t/>
+            </a:r>
+            <a:br>
+              <a:rPr lang="ru-RU" sz="1300" dirty="0" smtClean="0"/>
+            </a:br>
+            <a:r>
+              <a:rPr lang="en-US" sz="1300" dirty="0" smtClean="0"/>
+              <a:t>color[u] ⟵ BLACK</a:t>
+            </a:r>
+            <a:r>
+              <a:rPr lang="ru-RU" sz="1300" dirty="0" smtClean="0"/>
+              <a:t/>
+            </a:r>
+            <a:br>
+              <a:rPr lang="ru-RU" sz="1300" dirty="0" smtClean="0"/>
+            </a:br>
+            <a:r>
+              <a:rPr lang="en-US" sz="1300" b="1" dirty="0" smtClean="0"/>
+              <a:t>return</a:t>
+            </a:r>
+            <a:r>
+              <a:rPr lang="en-US" sz="1300" dirty="0" smtClean="0"/>
+              <a:t> false</a:t>
+            </a:r>
+            <a:endParaRPr lang="ru-RU" sz="1200" dirty="0"/>
+          </a:p>
+        </p:txBody>
+      </p:sp>
+    </p:spTree>
+  </p:cSld>
+  <p:clrMapOvr>
+    <a:masterClrMapping/>
+  </p:clrMapOvr>
+  <p:timing>
+    <p:tnLst>
+      <p:par>
+        <p:cTn id="1" dur="indefinite" restart="never" nodeType="tmRoot"/>
+      </p:par>
+    </p:tnLst>
+  </p:timing>
+</p:sld>
+</file>
+
+<file path=ppt/slides/slide59.xml><?xml version="1.0" encoding="utf-8"?>
+<p:sld xmlns:a="http://schemas.openxmlformats.org/drawingml/2006/main" xmlns:r="http://schemas.openxmlformats.org/officeDocument/2006/relationships" xmlns:p="http://schemas.openxmlformats.org/presentationml/2006/main">
+  <p:cSld>
+    <p:spTree>
+      <p:nvGrpSpPr>
+        <p:cNvPr id="1" name=""/>
+        <p:cNvGrpSpPr/>
+        <p:nvPr/>
+      </p:nvGrpSpPr>
+      <p:grpSpPr>
+        <a:xfrm>
+          <a:off x="0" y="0"/>
+          <a:ext cx="0" cy="0"/>
+          <a:chOff x="0" y="0"/>
+          <a:chExt cx="0" cy="0"/>
+        </a:xfrm>
+      </p:grpSpPr>
+      <p:sp>
+        <p:nvSpPr>
+          <p:cNvPr id="9" name="Заголовок 1"/>
+          <p:cNvSpPr txBox="1">
+            <a:spLocks/>
+          </p:cNvSpPr>
+          <p:nvPr/>
+        </p:nvSpPr>
+        <p:spPr>
+          <a:xfrm>
+            <a:off x="685800" y="476672"/>
+            <a:ext cx="7772400" cy="936104"/>
+          </a:xfrm>
+          <a:prstGeom prst="rect">
+            <a:avLst/>
+          </a:prstGeom>
+        </p:spPr>
+        <p:txBody>
+          <a:bodyPr vert="horz" lIns="91440" tIns="45720" rIns="91440" bIns="45720" rtlCol="0" anchor="ctr">
+            <a:normAutofit/>
+          </a:bodyPr>
+          <a:lstStyle/>
+          <a:p>
+            <a:pPr marL="514350" indent="-514350">
+              <a:spcBef>
+                <a:spcPct val="0"/>
+              </a:spcBef>
+              <a:buFont typeface="+mj-lt"/>
+              <a:buAutoNum type="arabicPeriod" startAt="3"/>
+            </a:pPr>
+            <a:r>
+              <a:rPr lang="ru-RU" sz="2800" dirty="0" smtClean="0"/>
+              <a:t>Проверка любого графа на </a:t>
+            </a:r>
+            <a:r>
+              <a:rPr lang="ru-RU" sz="2800" dirty="0" err="1" smtClean="0"/>
+              <a:t>двудольность</a:t>
+            </a:r>
+            <a:r>
+              <a:rPr lang="ru-RU" sz="2800" dirty="0" smtClean="0"/>
+              <a:t>.</a:t>
+            </a:r>
+          </a:p>
+        </p:txBody>
+      </p:sp>
+      <p:sp>
+        <p:nvSpPr>
+          <p:cNvPr id="4" name="Заголовок 1"/>
+          <p:cNvSpPr txBox="1">
+            <a:spLocks/>
+          </p:cNvSpPr>
+          <p:nvPr/>
+        </p:nvSpPr>
+        <p:spPr>
+          <a:xfrm>
+            <a:off x="838200" y="1268761"/>
+            <a:ext cx="7772400" cy="1008111"/>
+          </a:xfrm>
+          <a:prstGeom prst="rect">
+            <a:avLst/>
+          </a:prstGeom>
+        </p:spPr>
+        <p:txBody>
+          <a:bodyPr vert="horz" lIns="91440" tIns="45720" rIns="91440" bIns="45720" rtlCol="0" anchor="ctr">
+            <a:normAutofit/>
+          </a:bodyPr>
+          <a:lstStyle/>
+          <a:p>
+            <a:r>
+              <a:rPr lang="ru-RU" sz="2000" b="1" dirty="0" smtClean="0">
                 <a:solidFill>
-                  <a:schemeClr val="tx2">
-                    <a:lumMod val="60000"/>
-                    <a:lumOff val="40000"/>
+                  <a:schemeClr val="bg1">
+                    <a:lumMod val="65000"/>
                   </a:schemeClr>
                 </a:solidFill>
               </a:rPr>
-              <a:t/>
-            </a:r>
-            <a:br>
-              <a:rPr lang="ru-RU" sz="1600" dirty="0" smtClean="0">
+              <a:t>Теорема</a:t>
+            </a:r>
+            <a:r>
+              <a:rPr lang="ru-RU" sz="2000" dirty="0" smtClean="0">
                 <a:solidFill>
-                  <a:schemeClr val="tx2">
-                    <a:lumMod val="60000"/>
-                    <a:lumOff val="40000"/>
+                  <a:schemeClr val="bg1">
+                    <a:lumMod val="65000"/>
                   </a:schemeClr>
                 </a:solidFill>
               </a:rPr>
-            </a:br>
-            <a:r>
-              <a:rPr lang="ru-RU" sz="1600" dirty="0" smtClean="0">
-                <a:solidFill>
-                  <a:schemeClr val="tx2">
-                    <a:lumMod val="60000"/>
-                    <a:lumOff val="40000"/>
-                  </a:schemeClr>
-                </a:solidFill>
-              </a:rPr>
-              <a:t/>
-            </a:r>
-            <a:br>
-              <a:rPr lang="ru-RU" sz="1600" dirty="0" smtClean="0">
-                <a:solidFill>
-                  <a:schemeClr val="tx2">
-                    <a:lumMod val="60000"/>
-                    <a:lumOff val="40000"/>
-                  </a:schemeClr>
-                </a:solidFill>
-              </a:rPr>
-            </a:br>
-            <a:r>
-              <a:rPr lang="ru-RU" sz="1600" dirty="0" smtClean="0"/>
-              <a:t/>
-            </a:r>
-            <a:br>
-              <a:rPr lang="ru-RU" sz="1600" dirty="0" smtClean="0"/>
-            </a:br>
-            <a:r>
-              <a:rPr lang="en-US" sz="1600" dirty="0" smtClean="0"/>
-              <a:t>DFS</a:t>
-            </a:r>
-            <a:r>
-              <a:rPr lang="ru-RU" sz="1600" dirty="0" smtClean="0"/>
-              <a:t>_</a:t>
-            </a:r>
-            <a:r>
-              <a:rPr lang="en-US" sz="1600" dirty="0" smtClean="0"/>
-              <a:t>Visit</a:t>
-            </a:r>
-            <a:r>
-              <a:rPr lang="ru-RU" sz="1600" dirty="0" smtClean="0"/>
-              <a:t> (</a:t>
-            </a:r>
-            <a:r>
-              <a:rPr lang="en-US" sz="1600" dirty="0" smtClean="0"/>
-              <a:t>u</a:t>
-            </a:r>
-            <a:r>
-              <a:rPr lang="ru-RU" sz="1600" dirty="0" smtClean="0"/>
-              <a:t>)</a:t>
-            </a:r>
-            <a:br>
-              <a:rPr lang="ru-RU" sz="1600" dirty="0" smtClean="0"/>
-            </a:br>
-            <a:r>
-              <a:rPr lang="en-US" sz="1600" b="1" dirty="0" smtClean="0"/>
-              <a:t>for</a:t>
-            </a:r>
-            <a:r>
-              <a:rPr lang="ru-RU" sz="1600" dirty="0" smtClean="0"/>
-              <a:t> (для) каждой </a:t>
-            </a:r>
-            <a:r>
-              <a:rPr lang="en-US" sz="1600" dirty="0" smtClean="0"/>
-              <a:t>v</a:t>
-            </a:r>
-            <a:r>
-              <a:rPr lang="ru-RU" sz="1600" dirty="0" smtClean="0"/>
-              <a:t> ∈ </a:t>
-            </a:r>
-            <a:r>
-              <a:rPr lang="en-US" sz="1600" dirty="0" err="1" smtClean="0"/>
-              <a:t>Adj</a:t>
-            </a:r>
-            <a:r>
-              <a:rPr lang="en-US" sz="1600" dirty="0" smtClean="0"/>
-              <a:t>[u] </a:t>
-            </a:r>
-            <a:r>
-              <a:rPr lang="en-US" sz="1600" b="1" dirty="0" smtClean="0"/>
-              <a:t>do</a:t>
-            </a:r>
-            <a:r>
-              <a:rPr lang="ru-RU" sz="1600" dirty="0" smtClean="0"/>
-              <a:t/>
-            </a:r>
-            <a:br>
-              <a:rPr lang="ru-RU" sz="1600" dirty="0" smtClean="0"/>
-            </a:br>
-            <a:r>
-              <a:rPr lang="en-US" sz="1600" dirty="0" smtClean="0"/>
-              <a:t>	</a:t>
-            </a:r>
-            <a:r>
-              <a:rPr lang="en-US" sz="1600" b="1" dirty="0" smtClean="0"/>
-              <a:t>if</a:t>
-            </a:r>
-            <a:r>
-              <a:rPr lang="en-US" sz="1600" dirty="0" smtClean="0"/>
-              <a:t> part[v] = ∞ </a:t>
-            </a:r>
-            <a:r>
-              <a:rPr lang="en-US" sz="1600" b="1" dirty="0" smtClean="0"/>
-              <a:t>then</a:t>
-            </a:r>
-            <a:r>
-              <a:rPr lang="ru-RU" sz="1600" dirty="0" smtClean="0"/>
-              <a:t/>
-            </a:r>
-            <a:br>
-              <a:rPr lang="ru-RU" sz="1600" dirty="0" smtClean="0"/>
-            </a:br>
-            <a:r>
-              <a:rPr lang="en-US" sz="1600" b="1" dirty="0" smtClean="0"/>
-              <a:t>		</a:t>
-            </a:r>
-            <a:r>
-              <a:rPr lang="en-US" sz="1600" dirty="0" smtClean="0"/>
-              <a:t>part[v] ⟵ (part[u] +1) mod 2</a:t>
-            </a:r>
-            <a:r>
-              <a:rPr lang="ru-RU" sz="1600" dirty="0" smtClean="0"/>
-              <a:t/>
-            </a:r>
-            <a:br>
-              <a:rPr lang="ru-RU" sz="1600" dirty="0" smtClean="0"/>
-            </a:br>
-            <a:r>
-              <a:rPr lang="en-US" sz="1600" dirty="0" smtClean="0"/>
-              <a:t>		</a:t>
-            </a:r>
-            <a:r>
-              <a:rPr lang="en-US" sz="1600" b="1" dirty="0" smtClean="0"/>
-              <a:t>If</a:t>
-            </a:r>
-            <a:r>
-              <a:rPr lang="en-US" sz="1600" dirty="0" smtClean="0"/>
-              <a:t> !(</a:t>
-            </a:r>
-            <a:r>
-              <a:rPr lang="en-US" sz="1600" dirty="0" err="1" smtClean="0"/>
-              <a:t>DFS_Visit</a:t>
-            </a:r>
-            <a:r>
-              <a:rPr lang="en-US" sz="1600" dirty="0" smtClean="0"/>
-              <a:t>(v)) </a:t>
-            </a:r>
-            <a:r>
-              <a:rPr lang="en-US" sz="1600" b="1" dirty="0" smtClean="0"/>
-              <a:t>then</a:t>
-            </a:r>
-            <a:r>
-              <a:rPr lang="ru-RU" sz="1600" dirty="0" smtClean="0"/>
-              <a:t/>
-            </a:r>
-            <a:br>
-              <a:rPr lang="ru-RU" sz="1600" dirty="0" smtClean="0"/>
-            </a:br>
-            <a:r>
-              <a:rPr lang="en-US" sz="1600" dirty="0" smtClean="0"/>
-              <a:t>			</a:t>
-            </a:r>
-            <a:r>
-              <a:rPr lang="en-US" sz="1600" b="1" dirty="0" smtClean="0"/>
-              <a:t>return</a:t>
-            </a:r>
-            <a:r>
-              <a:rPr lang="en-US" sz="1600" dirty="0" smtClean="0"/>
-              <a:t> false</a:t>
-            </a:r>
-            <a:r>
-              <a:rPr lang="ru-RU" sz="1600" dirty="0" smtClean="0"/>
-              <a:t/>
-            </a:r>
-            <a:br>
-              <a:rPr lang="ru-RU" sz="1600" dirty="0" smtClean="0"/>
-            </a:br>
-            <a:r>
-              <a:rPr lang="en-US" sz="1600" dirty="0" smtClean="0"/>
-              <a:t>	</a:t>
-            </a:r>
-            <a:r>
-              <a:rPr lang="en-US" sz="1600" b="1" dirty="0" smtClean="0"/>
-              <a:t>else</a:t>
-            </a:r>
-            <a:r>
-              <a:rPr lang="ru-RU" sz="1600" b="1" dirty="0" smtClean="0"/>
-              <a:t/>
-            </a:r>
-            <a:br>
-              <a:rPr lang="ru-RU" sz="1600" b="1" dirty="0" smtClean="0"/>
-            </a:br>
-            <a:r>
-              <a:rPr lang="ru-RU" sz="1600" b="1" dirty="0" smtClean="0"/>
-              <a:t>		</a:t>
-            </a:r>
-            <a:r>
-              <a:rPr lang="en-US" sz="1600" b="1" dirty="0" smtClean="0"/>
-              <a:t> if</a:t>
-            </a:r>
-            <a:r>
-              <a:rPr lang="en-US" sz="1600" dirty="0" smtClean="0"/>
-              <a:t> part[v] = part[u] </a:t>
-            </a:r>
-            <a:r>
-              <a:rPr lang="en-US" sz="1600" b="1" dirty="0" smtClean="0"/>
-              <a:t>then </a:t>
-            </a:r>
-            <a:r>
-              <a:rPr lang="ru-RU" sz="1600" dirty="0" smtClean="0"/>
-              <a:t/>
-            </a:r>
-            <a:br>
-              <a:rPr lang="ru-RU" sz="1600" dirty="0" smtClean="0"/>
-            </a:br>
-            <a:r>
-              <a:rPr lang="en-US" sz="1600" dirty="0" smtClean="0"/>
-              <a:t>		</a:t>
-            </a:r>
-            <a:r>
-              <a:rPr lang="ru-RU" sz="1600" dirty="0" smtClean="0"/>
-              <a:t>	</a:t>
-            </a:r>
-            <a:r>
-              <a:rPr lang="en-US" sz="1600" b="1" dirty="0" smtClean="0"/>
-              <a:t>return</a:t>
-            </a:r>
-            <a:r>
-              <a:rPr lang="en-US" sz="1600" dirty="0" smtClean="0"/>
-              <a:t> false</a:t>
-            </a:r>
-            <a:r>
-              <a:rPr lang="ru-RU" sz="1600" dirty="0" smtClean="0"/>
-              <a:t/>
-            </a:r>
-            <a:br>
-              <a:rPr lang="ru-RU" sz="1600" dirty="0" smtClean="0"/>
-            </a:br>
-            <a:r>
-              <a:rPr lang="en-US" sz="1600" b="1" dirty="0" smtClean="0"/>
-              <a:t>return</a:t>
-            </a:r>
-            <a:r>
-              <a:rPr lang="en-US" sz="1600" dirty="0" smtClean="0"/>
-              <a:t> true</a:t>
-            </a:r>
-            <a:r>
-              <a:rPr lang="ru-RU" sz="1600" dirty="0" smtClean="0"/>
-              <a:t/>
-            </a:r>
-            <a:br>
-              <a:rPr lang="ru-RU" sz="1600" dirty="0" smtClean="0"/>
-            </a:br>
-            <a:endParaRPr lang="ru-RU" sz="1600" dirty="0"/>
+              <a:t>: Граф является двудольным тогда и только тогда, когда все его циклы имеют чётную длину.</a:t>
+            </a:r>
+            <a:endParaRPr lang="ru-RU" sz="2000" b="1" dirty="0" smtClean="0">
+              <a:solidFill>
+                <a:schemeClr val="bg1">
+                  <a:lumMod val="65000"/>
+                </a:schemeClr>
+              </a:solidFill>
+            </a:endParaRPr>
+          </a:p>
+        </p:txBody>
+      </p:sp>
+      <p:sp>
+        <p:nvSpPr>
+          <p:cNvPr id="5" name="Заголовок 1"/>
+          <p:cNvSpPr txBox="1">
+            <a:spLocks/>
+          </p:cNvSpPr>
+          <p:nvPr/>
+        </p:nvSpPr>
+        <p:spPr>
+          <a:xfrm>
+            <a:off x="838200" y="2420888"/>
+            <a:ext cx="7772400" cy="3744417"/>
+          </a:xfrm>
+          <a:prstGeom prst="rect">
+            <a:avLst/>
+          </a:prstGeom>
+        </p:spPr>
+        <p:txBody>
+          <a:bodyPr vert="horz" lIns="91440" tIns="45720" rIns="91440" bIns="45720" rtlCol="0" anchor="ctr">
+            <a:normAutofit fontScale="92500" lnSpcReduction="10000"/>
+          </a:bodyPr>
+          <a:lstStyle/>
+          <a:p>
+            <a:r>
+              <a:rPr lang="ru-RU" sz="2000" b="1" dirty="0" smtClean="0"/>
+              <a:t>Алгоритм:</a:t>
+            </a:r>
+            <a:endParaRPr lang="ru-RU" sz="2000" dirty="0" smtClean="0"/>
+          </a:p>
+          <a:p>
+            <a:pPr>
+              <a:buFont typeface="Arial" pitchFamily="34" charset="0"/>
+              <a:buChar char="•"/>
+            </a:pPr>
+            <a:r>
+              <a:rPr lang="ru-RU" sz="2000" dirty="0" smtClean="0"/>
+              <a:t>Производится серия обходов в глубину(т.е. запускается обход в глубину из каждой </a:t>
+            </a:r>
+            <a:r>
+              <a:rPr lang="ru-RU" sz="2000" dirty="0" err="1" smtClean="0"/>
+              <a:t>непосещённой</a:t>
+            </a:r>
+            <a:r>
+              <a:rPr lang="ru-RU" sz="2000" dirty="0" smtClean="0"/>
+              <a:t> вершины). При этом граф воспринимается как не ориентированный.</a:t>
+            </a:r>
+          </a:p>
+          <a:p>
+            <a:pPr>
+              <a:buFont typeface="Arial" pitchFamily="34" charset="0"/>
+              <a:buChar char="•"/>
+            </a:pPr>
+            <a:endParaRPr lang="ru-RU" sz="2000" dirty="0" smtClean="0"/>
+          </a:p>
+          <a:p>
+            <a:pPr>
+              <a:buFont typeface="Arial" pitchFamily="34" charset="0"/>
+              <a:buChar char="•"/>
+            </a:pPr>
+            <a:r>
+              <a:rPr lang="ru-RU" sz="2000" dirty="0" smtClean="0"/>
+              <a:t>Вершина, из которой начинается обход, помещается в первую долю.</a:t>
+            </a:r>
+          </a:p>
+          <a:p>
+            <a:pPr>
+              <a:buFont typeface="Arial" pitchFamily="34" charset="0"/>
+              <a:buChar char="•"/>
+            </a:pPr>
+            <a:endParaRPr lang="ru-RU" sz="2000" dirty="0" smtClean="0"/>
+          </a:p>
+          <a:p>
+            <a:pPr>
+              <a:buFont typeface="Arial" pitchFamily="34" charset="0"/>
+              <a:buChar char="•"/>
+            </a:pPr>
+            <a:r>
+              <a:rPr lang="ru-RU" sz="2000" dirty="0" smtClean="0"/>
+              <a:t>Новая вершина в процессе обхода помещается в долю, отличную от доли текущей вершины.</a:t>
+            </a:r>
+          </a:p>
+          <a:p>
+            <a:pPr>
+              <a:buFont typeface="Arial" pitchFamily="34" charset="0"/>
+              <a:buChar char="•"/>
+            </a:pPr>
+            <a:endParaRPr lang="ru-RU" sz="2000" dirty="0" smtClean="0"/>
+          </a:p>
+          <a:p>
+            <a:pPr>
+              <a:buFont typeface="Arial" pitchFamily="34" charset="0"/>
+              <a:buChar char="•"/>
+            </a:pPr>
+            <a:r>
+              <a:rPr lang="ru-RU" sz="2000" dirty="0" smtClean="0"/>
+              <a:t>Если же обход направляется по ребру в вершину, которая уже посещена, то проверяется, находятся ли начало ребра и конец в разных долях. Если находятся в одной, то граф двудольным не является.</a:t>
+            </a:r>
+            <a:endParaRPr lang="ru-RU" sz="2000" dirty="0"/>
           </a:p>
         </p:txBody>
       </p:sp>
@@ -42793,6 +43491,761 @@
               <a:t>2</a:t>
             </a:r>
             <a:endParaRPr lang="ru-RU" dirty="0"/>
+          </a:p>
+        </p:txBody>
+      </p:sp>
+    </p:spTree>
+  </p:cSld>
+  <p:clrMapOvr>
+    <a:masterClrMapping/>
+  </p:clrMapOvr>
+  <p:timing>
+    <p:tnLst>
+      <p:par>
+        <p:cTn id="1" dur="indefinite" restart="never" nodeType="tmRoot"/>
+      </p:par>
+    </p:tnLst>
+  </p:timing>
+</p:sld>
+</file>
+
+<file path=ppt/slides/slide60.xml><?xml version="1.0" encoding="utf-8"?>
+<p:sld xmlns:a="http://schemas.openxmlformats.org/drawingml/2006/main" xmlns:r="http://schemas.openxmlformats.org/officeDocument/2006/relationships" xmlns:p="http://schemas.openxmlformats.org/presentationml/2006/main">
+  <p:cSld>
+    <p:spTree>
+      <p:nvGrpSpPr>
+        <p:cNvPr id="1" name=""/>
+        <p:cNvGrpSpPr/>
+        <p:nvPr/>
+      </p:nvGrpSpPr>
+      <p:grpSpPr>
+        <a:xfrm>
+          <a:off x="0" y="0"/>
+          <a:ext cx="0" cy="0"/>
+          <a:chOff x="0" y="0"/>
+          <a:chExt cx="0" cy="0"/>
+        </a:xfrm>
+      </p:grpSpPr>
+      <p:sp>
+        <p:nvSpPr>
+          <p:cNvPr id="2" name="Заголовок 1"/>
+          <p:cNvSpPr>
+            <a:spLocks noGrp="1"/>
+          </p:cNvSpPr>
+          <p:nvPr>
+            <p:ph type="ctrTitle"/>
+          </p:nvPr>
+        </p:nvSpPr>
+        <p:spPr>
+          <a:xfrm>
+            <a:off x="2555776" y="332656"/>
+            <a:ext cx="5902424" cy="5976663"/>
+          </a:xfrm>
+        </p:spPr>
+        <p:txBody>
+          <a:bodyPr>
+            <a:noAutofit/>
+          </a:bodyPr>
+          <a:lstStyle/>
+          <a:p>
+            <a:pPr algn="l"/>
+            <a:r>
+              <a:rPr lang="en-US" sz="1600" dirty="0" smtClean="0">
+                <a:solidFill>
+                  <a:schemeClr val="tx2">
+                    <a:lumMod val="60000"/>
+                    <a:lumOff val="40000"/>
+                  </a:schemeClr>
+                </a:solidFill>
+              </a:rPr>
+              <a:t>DFS</a:t>
+            </a:r>
+            <a:r>
+              <a:rPr lang="ru-RU" sz="1600" dirty="0" smtClean="0">
+                <a:solidFill>
+                  <a:schemeClr val="tx2">
+                    <a:lumMod val="60000"/>
+                    <a:lumOff val="40000"/>
+                  </a:schemeClr>
+                </a:solidFill>
+              </a:rPr>
+              <a:t> (</a:t>
+            </a:r>
+            <a:r>
+              <a:rPr lang="en-US" sz="1600" dirty="0" smtClean="0">
+                <a:solidFill>
+                  <a:schemeClr val="tx2">
+                    <a:lumMod val="60000"/>
+                    <a:lumOff val="40000"/>
+                  </a:schemeClr>
+                </a:solidFill>
+              </a:rPr>
+              <a:t>G</a:t>
+            </a:r>
+            <a:r>
+              <a:rPr lang="ru-RU" sz="1600" dirty="0" smtClean="0">
+                <a:solidFill>
+                  <a:schemeClr val="tx2">
+                    <a:lumMod val="60000"/>
+                    <a:lumOff val="40000"/>
+                  </a:schemeClr>
+                </a:solidFill>
+              </a:rPr>
+              <a:t>)</a:t>
+            </a:r>
+            <a:br>
+              <a:rPr lang="ru-RU" sz="1600" dirty="0" smtClean="0">
+                <a:solidFill>
+                  <a:schemeClr val="tx2">
+                    <a:lumMod val="60000"/>
+                    <a:lumOff val="40000"/>
+                  </a:schemeClr>
+                </a:solidFill>
+              </a:rPr>
+            </a:br>
+            <a:r>
+              <a:rPr lang="en-US" sz="1600" b="1" dirty="0" smtClean="0">
+                <a:solidFill>
+                  <a:schemeClr val="tx2">
+                    <a:lumMod val="60000"/>
+                    <a:lumOff val="40000"/>
+                  </a:schemeClr>
+                </a:solidFill>
+              </a:rPr>
+              <a:t>for</a:t>
+            </a:r>
+            <a:r>
+              <a:rPr lang="ru-RU" sz="1600" dirty="0" smtClean="0">
+                <a:solidFill>
+                  <a:schemeClr val="tx2">
+                    <a:lumMod val="60000"/>
+                    <a:lumOff val="40000"/>
+                  </a:schemeClr>
+                </a:solidFill>
+              </a:rPr>
+              <a:t> (для) каждой </a:t>
+            </a:r>
+            <a:r>
+              <a:rPr lang="ru-RU" sz="1600" dirty="0" err="1" smtClean="0">
+                <a:solidFill>
+                  <a:schemeClr val="tx2">
+                    <a:lumMod val="60000"/>
+                    <a:lumOff val="40000"/>
+                  </a:schemeClr>
+                </a:solidFill>
+              </a:rPr>
+              <a:t>u</a:t>
+            </a:r>
+            <a:r>
+              <a:rPr lang="ru-RU" sz="1600" dirty="0" smtClean="0">
+                <a:solidFill>
+                  <a:schemeClr val="tx2">
+                    <a:lumMod val="60000"/>
+                    <a:lumOff val="40000"/>
+                  </a:schemeClr>
+                </a:solidFill>
+              </a:rPr>
+              <a:t> ∈ V[G] </a:t>
+            </a:r>
+            <a:r>
+              <a:rPr lang="en-US" sz="1600" b="1" dirty="0" smtClean="0">
+                <a:solidFill>
+                  <a:schemeClr val="tx2">
+                    <a:lumMod val="60000"/>
+                    <a:lumOff val="40000"/>
+                  </a:schemeClr>
+                </a:solidFill>
+              </a:rPr>
+              <a:t>do</a:t>
+            </a:r>
+            <a:r>
+              <a:rPr lang="ru-RU" sz="1600" dirty="0" smtClean="0">
+                <a:solidFill>
+                  <a:schemeClr val="tx2">
+                    <a:lumMod val="60000"/>
+                    <a:lumOff val="40000"/>
+                  </a:schemeClr>
+                </a:solidFill>
+              </a:rPr>
+              <a:t/>
+            </a:r>
+            <a:br>
+              <a:rPr lang="ru-RU" sz="1600" dirty="0" smtClean="0">
+                <a:solidFill>
+                  <a:schemeClr val="tx2">
+                    <a:lumMod val="60000"/>
+                    <a:lumOff val="40000"/>
+                  </a:schemeClr>
+                </a:solidFill>
+              </a:rPr>
+            </a:br>
+            <a:r>
+              <a:rPr lang="ru-RU" sz="1600" dirty="0" smtClean="0">
+                <a:solidFill>
+                  <a:schemeClr val="tx2">
+                    <a:lumMod val="60000"/>
+                    <a:lumOff val="40000"/>
+                  </a:schemeClr>
+                </a:solidFill>
+              </a:rPr>
+              <a:t>	</a:t>
+            </a:r>
+            <a:r>
+              <a:rPr lang="en-US" sz="1600" dirty="0" smtClean="0">
+                <a:solidFill>
+                  <a:schemeClr val="tx2">
+                    <a:lumMod val="60000"/>
+                    <a:lumOff val="40000"/>
+                  </a:schemeClr>
+                </a:solidFill>
+              </a:rPr>
+              <a:t>part[u] ⟵ ∞</a:t>
+            </a:r>
+            <a:r>
+              <a:rPr lang="ru-RU" sz="1600" dirty="0" smtClean="0">
+                <a:solidFill>
+                  <a:schemeClr val="tx2">
+                    <a:lumMod val="60000"/>
+                    <a:lumOff val="40000"/>
+                  </a:schemeClr>
+                </a:solidFill>
+              </a:rPr>
+              <a:t/>
+            </a:r>
+            <a:br>
+              <a:rPr lang="ru-RU" sz="1600" dirty="0" smtClean="0">
+                <a:solidFill>
+                  <a:schemeClr val="tx2">
+                    <a:lumMod val="60000"/>
+                    <a:lumOff val="40000"/>
+                  </a:schemeClr>
+                </a:solidFill>
+              </a:rPr>
+            </a:br>
+            <a:r>
+              <a:rPr lang="en-US" sz="1600" b="1" dirty="0" smtClean="0">
+                <a:solidFill>
+                  <a:schemeClr val="tx2">
+                    <a:lumMod val="60000"/>
+                    <a:lumOff val="40000"/>
+                  </a:schemeClr>
+                </a:solidFill>
+              </a:rPr>
+              <a:t>for</a:t>
+            </a:r>
+            <a:r>
+              <a:rPr lang="ru-RU" sz="1600" dirty="0" smtClean="0">
+                <a:solidFill>
+                  <a:schemeClr val="tx2">
+                    <a:lumMod val="60000"/>
+                    <a:lumOff val="40000"/>
+                  </a:schemeClr>
+                </a:solidFill>
+              </a:rPr>
+              <a:t> (для) каждой </a:t>
+            </a:r>
+            <a:r>
+              <a:rPr lang="ru-RU" sz="1600" dirty="0" err="1" smtClean="0">
+                <a:solidFill>
+                  <a:schemeClr val="tx2">
+                    <a:lumMod val="60000"/>
+                    <a:lumOff val="40000"/>
+                  </a:schemeClr>
+                </a:solidFill>
+              </a:rPr>
+              <a:t>u</a:t>
+            </a:r>
+            <a:r>
+              <a:rPr lang="ru-RU" sz="1600" dirty="0" smtClean="0">
+                <a:solidFill>
+                  <a:schemeClr val="tx2">
+                    <a:lumMod val="60000"/>
+                    <a:lumOff val="40000"/>
+                  </a:schemeClr>
+                </a:solidFill>
+              </a:rPr>
+              <a:t> ∈ V[G] </a:t>
+            </a:r>
+            <a:r>
+              <a:rPr lang="en-US" sz="1600" b="1" dirty="0" smtClean="0">
+                <a:solidFill>
+                  <a:schemeClr val="tx2">
+                    <a:lumMod val="60000"/>
+                    <a:lumOff val="40000"/>
+                  </a:schemeClr>
+                </a:solidFill>
+              </a:rPr>
+              <a:t>do</a:t>
+            </a:r>
+            <a:r>
+              <a:rPr lang="ru-RU" sz="1600" dirty="0" smtClean="0">
+                <a:solidFill>
+                  <a:schemeClr val="tx2">
+                    <a:lumMod val="60000"/>
+                    <a:lumOff val="40000"/>
+                  </a:schemeClr>
+                </a:solidFill>
+              </a:rPr>
+              <a:t/>
+            </a:r>
+            <a:br>
+              <a:rPr lang="ru-RU" sz="1600" dirty="0" smtClean="0">
+                <a:solidFill>
+                  <a:schemeClr val="tx2">
+                    <a:lumMod val="60000"/>
+                    <a:lumOff val="40000"/>
+                  </a:schemeClr>
+                </a:solidFill>
+              </a:rPr>
+            </a:br>
+            <a:r>
+              <a:rPr lang="ru-RU" sz="1600" dirty="0" smtClean="0">
+                <a:solidFill>
+                  <a:schemeClr val="tx2">
+                    <a:lumMod val="60000"/>
+                    <a:lumOff val="40000"/>
+                  </a:schemeClr>
+                </a:solidFill>
+              </a:rPr>
+              <a:t>	</a:t>
+            </a:r>
+            <a:r>
+              <a:rPr lang="en-US" sz="1600" b="1" dirty="0" smtClean="0">
+                <a:solidFill>
+                  <a:schemeClr val="tx2">
+                    <a:lumMod val="60000"/>
+                    <a:lumOff val="40000"/>
+                  </a:schemeClr>
+                </a:solidFill>
+              </a:rPr>
+              <a:t>if</a:t>
+            </a:r>
+            <a:r>
+              <a:rPr lang="en-US" sz="1600" dirty="0" smtClean="0">
+                <a:solidFill>
+                  <a:schemeClr val="tx2">
+                    <a:lumMod val="60000"/>
+                    <a:lumOff val="40000"/>
+                  </a:schemeClr>
+                </a:solidFill>
+              </a:rPr>
+              <a:t> part[u] = 0 </a:t>
+            </a:r>
+            <a:r>
+              <a:rPr lang="en-US" sz="1600" b="1" dirty="0" smtClean="0">
+                <a:solidFill>
+                  <a:schemeClr val="tx2">
+                    <a:lumMod val="60000"/>
+                    <a:lumOff val="40000"/>
+                  </a:schemeClr>
+                </a:solidFill>
+              </a:rPr>
+              <a:t>then</a:t>
+            </a:r>
+            <a:r>
+              <a:rPr lang="ru-RU" sz="1600" dirty="0" smtClean="0">
+                <a:solidFill>
+                  <a:schemeClr val="tx2">
+                    <a:lumMod val="60000"/>
+                    <a:lumOff val="40000"/>
+                  </a:schemeClr>
+                </a:solidFill>
+              </a:rPr>
+              <a:t/>
+            </a:r>
+            <a:br>
+              <a:rPr lang="ru-RU" sz="1600" dirty="0" smtClean="0">
+                <a:solidFill>
+                  <a:schemeClr val="tx2">
+                    <a:lumMod val="60000"/>
+                    <a:lumOff val="40000"/>
+                  </a:schemeClr>
+                </a:solidFill>
+              </a:rPr>
+            </a:br>
+            <a:r>
+              <a:rPr lang="en-US" sz="1600" dirty="0" smtClean="0">
+                <a:solidFill>
+                  <a:schemeClr val="tx2">
+                    <a:lumMod val="60000"/>
+                    <a:lumOff val="40000"/>
+                  </a:schemeClr>
+                </a:solidFill>
+              </a:rPr>
+              <a:t>		part[u] ⟵ 1</a:t>
+            </a:r>
+            <a:r>
+              <a:rPr lang="ru-RU" sz="1600" dirty="0" smtClean="0">
+                <a:solidFill>
+                  <a:schemeClr val="tx2">
+                    <a:lumMod val="60000"/>
+                    <a:lumOff val="40000"/>
+                  </a:schemeClr>
+                </a:solidFill>
+              </a:rPr>
+              <a:t/>
+            </a:r>
+            <a:br>
+              <a:rPr lang="ru-RU" sz="1600" dirty="0" smtClean="0">
+                <a:solidFill>
+                  <a:schemeClr val="tx2">
+                    <a:lumMod val="60000"/>
+                    <a:lumOff val="40000"/>
+                  </a:schemeClr>
+                </a:solidFill>
+              </a:rPr>
+            </a:br>
+            <a:r>
+              <a:rPr lang="en-US" sz="1600" dirty="0" smtClean="0">
+                <a:solidFill>
+                  <a:schemeClr val="tx2">
+                    <a:lumMod val="60000"/>
+                    <a:lumOff val="40000"/>
+                  </a:schemeClr>
+                </a:solidFill>
+              </a:rPr>
+              <a:t>		</a:t>
+            </a:r>
+            <a:r>
+              <a:rPr lang="en-US" sz="1600" dirty="0" err="1" smtClean="0">
+                <a:solidFill>
+                  <a:schemeClr val="tx2">
+                    <a:lumMod val="60000"/>
+                    <a:lumOff val="40000"/>
+                  </a:schemeClr>
+                </a:solidFill>
+              </a:rPr>
+              <a:t>DFS_Visit</a:t>
+            </a:r>
+            <a:r>
+              <a:rPr lang="en-US" sz="1600" dirty="0" smtClean="0">
+                <a:solidFill>
+                  <a:schemeClr val="tx2">
+                    <a:lumMod val="60000"/>
+                    <a:lumOff val="40000"/>
+                  </a:schemeClr>
+                </a:solidFill>
+              </a:rPr>
+              <a:t>(u)</a:t>
+            </a:r>
+            <a:r>
+              <a:rPr lang="ru-RU" sz="1600" dirty="0" smtClean="0">
+                <a:solidFill>
+                  <a:schemeClr val="tx2">
+                    <a:lumMod val="60000"/>
+                    <a:lumOff val="40000"/>
+                  </a:schemeClr>
+                </a:solidFill>
+              </a:rPr>
+              <a:t/>
+            </a:r>
+            <a:br>
+              <a:rPr lang="ru-RU" sz="1600" dirty="0" smtClean="0">
+                <a:solidFill>
+                  <a:schemeClr val="tx2">
+                    <a:lumMod val="60000"/>
+                    <a:lumOff val="40000"/>
+                  </a:schemeClr>
+                </a:solidFill>
+              </a:rPr>
+            </a:br>
+            <a:r>
+              <a:rPr lang="ru-RU" sz="1600" dirty="0" smtClean="0">
+                <a:solidFill>
+                  <a:schemeClr val="tx2">
+                    <a:lumMod val="60000"/>
+                    <a:lumOff val="40000"/>
+                  </a:schemeClr>
+                </a:solidFill>
+              </a:rPr>
+              <a:t/>
+            </a:r>
+            <a:br>
+              <a:rPr lang="ru-RU" sz="1600" dirty="0" smtClean="0">
+                <a:solidFill>
+                  <a:schemeClr val="tx2">
+                    <a:lumMod val="60000"/>
+                    <a:lumOff val="40000"/>
+                  </a:schemeClr>
+                </a:solidFill>
+              </a:rPr>
+            </a:br>
+            <a:r>
+              <a:rPr lang="ru-RU" sz="1600" dirty="0" smtClean="0">
+                <a:solidFill>
+                  <a:schemeClr val="tx2">
+                    <a:lumMod val="60000"/>
+                    <a:lumOff val="40000"/>
+                  </a:schemeClr>
+                </a:solidFill>
+              </a:rPr>
+              <a:t/>
+            </a:r>
+            <a:br>
+              <a:rPr lang="ru-RU" sz="1600" dirty="0" smtClean="0">
+                <a:solidFill>
+                  <a:schemeClr val="tx2">
+                    <a:lumMod val="60000"/>
+                    <a:lumOff val="40000"/>
+                  </a:schemeClr>
+                </a:solidFill>
+              </a:rPr>
+            </a:br>
+            <a:r>
+              <a:rPr lang="ru-RU" sz="1600" dirty="0" smtClean="0">
+                <a:solidFill>
+                  <a:schemeClr val="tx2">
+                    <a:lumMod val="60000"/>
+                    <a:lumOff val="40000"/>
+                  </a:schemeClr>
+                </a:solidFill>
+              </a:rPr>
+              <a:t/>
+            </a:r>
+            <a:br>
+              <a:rPr lang="ru-RU" sz="1600" dirty="0" smtClean="0">
+                <a:solidFill>
+                  <a:schemeClr val="tx2">
+                    <a:lumMod val="60000"/>
+                    <a:lumOff val="40000"/>
+                  </a:schemeClr>
+                </a:solidFill>
+              </a:rPr>
+            </a:br>
+            <a:r>
+              <a:rPr lang="ru-RU" sz="1600" dirty="0" smtClean="0"/>
+              <a:t/>
+            </a:r>
+            <a:br>
+              <a:rPr lang="ru-RU" sz="1600" dirty="0" smtClean="0"/>
+            </a:br>
+            <a:r>
+              <a:rPr lang="en-US" sz="1600" dirty="0" smtClean="0"/>
+              <a:t>DFS</a:t>
+            </a:r>
+            <a:r>
+              <a:rPr lang="ru-RU" sz="1600" dirty="0" smtClean="0"/>
+              <a:t>_</a:t>
+            </a:r>
+            <a:r>
+              <a:rPr lang="en-US" sz="1600" dirty="0" smtClean="0"/>
+              <a:t>Visit</a:t>
+            </a:r>
+            <a:r>
+              <a:rPr lang="ru-RU" sz="1600" dirty="0" smtClean="0"/>
+              <a:t> (</a:t>
+            </a:r>
+            <a:r>
+              <a:rPr lang="en-US" sz="1600" dirty="0" smtClean="0"/>
+              <a:t>u</a:t>
+            </a:r>
+            <a:r>
+              <a:rPr lang="ru-RU" sz="1600" dirty="0" smtClean="0"/>
+              <a:t>)</a:t>
+            </a:r>
+            <a:br>
+              <a:rPr lang="ru-RU" sz="1600" dirty="0" smtClean="0"/>
+            </a:br>
+            <a:r>
+              <a:rPr lang="en-US" sz="1600" b="1" dirty="0" smtClean="0"/>
+              <a:t>for</a:t>
+            </a:r>
+            <a:r>
+              <a:rPr lang="ru-RU" sz="1600" dirty="0" smtClean="0"/>
+              <a:t> (для) каждой </a:t>
+            </a:r>
+            <a:r>
+              <a:rPr lang="en-US" sz="1600" dirty="0" smtClean="0"/>
+              <a:t>v</a:t>
+            </a:r>
+            <a:r>
+              <a:rPr lang="ru-RU" sz="1600" dirty="0" smtClean="0"/>
+              <a:t> ∈ </a:t>
+            </a:r>
+            <a:r>
+              <a:rPr lang="en-US" sz="1600" dirty="0" err="1" smtClean="0"/>
+              <a:t>Adj</a:t>
+            </a:r>
+            <a:r>
+              <a:rPr lang="en-US" sz="1600" dirty="0" smtClean="0"/>
+              <a:t>[u] </a:t>
+            </a:r>
+            <a:r>
+              <a:rPr lang="en-US" sz="1600" b="1" dirty="0" smtClean="0"/>
+              <a:t>do</a:t>
+            </a:r>
+            <a:r>
+              <a:rPr lang="ru-RU" sz="1600" dirty="0" smtClean="0"/>
+              <a:t/>
+            </a:r>
+            <a:br>
+              <a:rPr lang="ru-RU" sz="1600" dirty="0" smtClean="0"/>
+            </a:br>
+            <a:r>
+              <a:rPr lang="en-US" sz="1600" dirty="0" smtClean="0"/>
+              <a:t>	</a:t>
+            </a:r>
+            <a:r>
+              <a:rPr lang="en-US" sz="1600" b="1" dirty="0" smtClean="0"/>
+              <a:t>if</a:t>
+            </a:r>
+            <a:r>
+              <a:rPr lang="en-US" sz="1600" dirty="0" smtClean="0"/>
+              <a:t> part[v] = ∞ </a:t>
+            </a:r>
+            <a:r>
+              <a:rPr lang="en-US" sz="1600" b="1" dirty="0" smtClean="0"/>
+              <a:t>then</a:t>
+            </a:r>
+            <a:r>
+              <a:rPr lang="ru-RU" sz="1600" dirty="0" smtClean="0"/>
+              <a:t/>
+            </a:r>
+            <a:br>
+              <a:rPr lang="ru-RU" sz="1600" dirty="0" smtClean="0"/>
+            </a:br>
+            <a:r>
+              <a:rPr lang="en-US" sz="1600" b="1" dirty="0" smtClean="0"/>
+              <a:t>		</a:t>
+            </a:r>
+            <a:r>
+              <a:rPr lang="en-US" sz="1600" dirty="0" smtClean="0"/>
+              <a:t>part[v] ⟵ (part[u] +1) mod 2</a:t>
+            </a:r>
+            <a:r>
+              <a:rPr lang="ru-RU" sz="1600" dirty="0" smtClean="0"/>
+              <a:t/>
+            </a:r>
+            <a:br>
+              <a:rPr lang="ru-RU" sz="1600" dirty="0" smtClean="0"/>
+            </a:br>
+            <a:r>
+              <a:rPr lang="en-US" sz="1600" dirty="0" smtClean="0"/>
+              <a:t>		</a:t>
+            </a:r>
+            <a:r>
+              <a:rPr lang="en-US" sz="1600" b="1" dirty="0" smtClean="0"/>
+              <a:t>If</a:t>
+            </a:r>
+            <a:r>
+              <a:rPr lang="en-US" sz="1600" dirty="0" smtClean="0"/>
+              <a:t> !(</a:t>
+            </a:r>
+            <a:r>
+              <a:rPr lang="en-US" sz="1600" dirty="0" err="1" smtClean="0"/>
+              <a:t>DFS_Visit</a:t>
+            </a:r>
+            <a:r>
+              <a:rPr lang="en-US" sz="1600" dirty="0" smtClean="0"/>
+              <a:t>(v)) </a:t>
+            </a:r>
+            <a:r>
+              <a:rPr lang="en-US" sz="1600" b="1" dirty="0" smtClean="0"/>
+              <a:t>then</a:t>
+            </a:r>
+            <a:r>
+              <a:rPr lang="ru-RU" sz="1600" dirty="0" smtClean="0"/>
+              <a:t/>
+            </a:r>
+            <a:br>
+              <a:rPr lang="ru-RU" sz="1600" dirty="0" smtClean="0"/>
+            </a:br>
+            <a:r>
+              <a:rPr lang="en-US" sz="1600" dirty="0" smtClean="0"/>
+              <a:t>			</a:t>
+            </a:r>
+            <a:r>
+              <a:rPr lang="en-US" sz="1600" b="1" dirty="0" smtClean="0"/>
+              <a:t>return</a:t>
+            </a:r>
+            <a:r>
+              <a:rPr lang="en-US" sz="1600" dirty="0" smtClean="0"/>
+              <a:t> false</a:t>
+            </a:r>
+            <a:r>
+              <a:rPr lang="ru-RU" sz="1600" dirty="0" smtClean="0"/>
+              <a:t/>
+            </a:r>
+            <a:br>
+              <a:rPr lang="ru-RU" sz="1600" dirty="0" smtClean="0"/>
+            </a:br>
+            <a:r>
+              <a:rPr lang="en-US" sz="1600" dirty="0" smtClean="0"/>
+              <a:t>	</a:t>
+            </a:r>
+            <a:r>
+              <a:rPr lang="en-US" sz="1600" b="1" dirty="0" smtClean="0"/>
+              <a:t>else</a:t>
+            </a:r>
+            <a:r>
+              <a:rPr lang="ru-RU" sz="1600" b="1" dirty="0" smtClean="0"/>
+              <a:t/>
+            </a:r>
+            <a:br>
+              <a:rPr lang="ru-RU" sz="1600" b="1" dirty="0" smtClean="0"/>
+            </a:br>
+            <a:r>
+              <a:rPr lang="ru-RU" sz="1600" b="1" dirty="0" smtClean="0"/>
+              <a:t>		</a:t>
+            </a:r>
+            <a:r>
+              <a:rPr lang="en-US" sz="1600" b="1" dirty="0" smtClean="0"/>
+              <a:t> if</a:t>
+            </a:r>
+            <a:r>
+              <a:rPr lang="en-US" sz="1600" dirty="0" smtClean="0"/>
+              <a:t> part[v] = part[u] </a:t>
+            </a:r>
+            <a:r>
+              <a:rPr lang="en-US" sz="1600" b="1" dirty="0" smtClean="0"/>
+              <a:t>then </a:t>
+            </a:r>
+            <a:r>
+              <a:rPr lang="ru-RU" sz="1600" dirty="0" smtClean="0"/>
+              <a:t/>
+            </a:r>
+            <a:br>
+              <a:rPr lang="ru-RU" sz="1600" dirty="0" smtClean="0"/>
+            </a:br>
+            <a:r>
+              <a:rPr lang="en-US" sz="1600" dirty="0" smtClean="0"/>
+              <a:t>		</a:t>
+            </a:r>
+            <a:r>
+              <a:rPr lang="ru-RU" sz="1600" dirty="0" smtClean="0"/>
+              <a:t>	</a:t>
+            </a:r>
+            <a:r>
+              <a:rPr lang="en-US" sz="1600" b="1" dirty="0" smtClean="0"/>
+              <a:t>return</a:t>
+            </a:r>
+            <a:r>
+              <a:rPr lang="en-US" sz="1600" dirty="0" smtClean="0"/>
+              <a:t> false</a:t>
+            </a:r>
+            <a:r>
+              <a:rPr lang="ru-RU" sz="1600" dirty="0" smtClean="0"/>
+              <a:t/>
+            </a:r>
+            <a:br>
+              <a:rPr lang="ru-RU" sz="1600" dirty="0" smtClean="0"/>
+            </a:br>
+            <a:r>
+              <a:rPr lang="en-US" sz="1600" b="1" dirty="0" smtClean="0"/>
+              <a:t>return</a:t>
+            </a:r>
+            <a:r>
+              <a:rPr lang="en-US" sz="1600" dirty="0" smtClean="0"/>
+              <a:t> true</a:t>
+            </a:r>
+            <a:r>
+              <a:rPr lang="ru-RU" sz="1600" dirty="0" smtClean="0"/>
+              <a:t/>
+            </a:r>
+            <a:br>
+              <a:rPr lang="ru-RU" sz="1600" dirty="0" smtClean="0"/>
+            </a:br>
+            <a:endParaRPr lang="ru-RU" sz="1600" dirty="0"/>
           </a:p>
         </p:txBody>
       </p:sp>

--- a/Презентации/Лекция 1.pptx
+++ b/Презентации/Лекция 1.pptx
@@ -360,7 +360,7 @@
             <a:fld id="{5B106E36-FD25-4E2D-B0AA-010F637433A0}" type="datetimeFigureOut">
               <a:rPr lang="ru-RU" smtClean="0"/>
               <a:pPr/>
-              <a:t>22.03.2021</a:t>
+              <a:t>29.03.2021</a:t>
             </a:fld>
             <a:endParaRPr lang="ru-RU"/>
           </a:p>
@@ -527,7 +527,7 @@
             <a:fld id="{5B106E36-FD25-4E2D-B0AA-010F637433A0}" type="datetimeFigureOut">
               <a:rPr lang="ru-RU" smtClean="0"/>
               <a:pPr/>
-              <a:t>22.03.2021</a:t>
+              <a:t>29.03.2021</a:t>
             </a:fld>
             <a:endParaRPr lang="ru-RU"/>
           </a:p>
@@ -704,7 +704,7 @@
             <a:fld id="{5B106E36-FD25-4E2D-B0AA-010F637433A0}" type="datetimeFigureOut">
               <a:rPr lang="ru-RU" smtClean="0"/>
               <a:pPr/>
-              <a:t>22.03.2021</a:t>
+              <a:t>29.03.2021</a:t>
             </a:fld>
             <a:endParaRPr lang="ru-RU"/>
           </a:p>
@@ -871,7 +871,7 @@
             <a:fld id="{5B106E36-FD25-4E2D-B0AA-010F637433A0}" type="datetimeFigureOut">
               <a:rPr lang="ru-RU" smtClean="0"/>
               <a:pPr/>
-              <a:t>22.03.2021</a:t>
+              <a:t>29.03.2021</a:t>
             </a:fld>
             <a:endParaRPr lang="ru-RU"/>
           </a:p>
@@ -1114,7 +1114,7 @@
             <a:fld id="{5B106E36-FD25-4E2D-B0AA-010F637433A0}" type="datetimeFigureOut">
               <a:rPr lang="ru-RU" smtClean="0"/>
               <a:pPr/>
-              <a:t>22.03.2021</a:t>
+              <a:t>29.03.2021</a:t>
             </a:fld>
             <a:endParaRPr lang="ru-RU"/>
           </a:p>
@@ -1399,7 +1399,7 @@
             <a:fld id="{5B106E36-FD25-4E2D-B0AA-010F637433A0}" type="datetimeFigureOut">
               <a:rPr lang="ru-RU" smtClean="0"/>
               <a:pPr/>
-              <a:t>22.03.2021</a:t>
+              <a:t>29.03.2021</a:t>
             </a:fld>
             <a:endParaRPr lang="ru-RU"/>
           </a:p>
@@ -1818,7 +1818,7 @@
             <a:fld id="{5B106E36-FD25-4E2D-B0AA-010F637433A0}" type="datetimeFigureOut">
               <a:rPr lang="ru-RU" smtClean="0"/>
               <a:pPr/>
-              <a:t>22.03.2021</a:t>
+              <a:t>29.03.2021</a:t>
             </a:fld>
             <a:endParaRPr lang="ru-RU"/>
           </a:p>
@@ -1933,7 +1933,7 @@
             <a:fld id="{5B106E36-FD25-4E2D-B0AA-010F637433A0}" type="datetimeFigureOut">
               <a:rPr lang="ru-RU" smtClean="0"/>
               <a:pPr/>
-              <a:t>22.03.2021</a:t>
+              <a:t>29.03.2021</a:t>
             </a:fld>
             <a:endParaRPr lang="ru-RU"/>
           </a:p>
@@ -2025,7 +2025,7 @@
             <a:fld id="{5B106E36-FD25-4E2D-B0AA-010F637433A0}" type="datetimeFigureOut">
               <a:rPr lang="ru-RU" smtClean="0"/>
               <a:pPr/>
-              <a:t>22.03.2021</a:t>
+              <a:t>29.03.2021</a:t>
             </a:fld>
             <a:endParaRPr lang="ru-RU"/>
           </a:p>
@@ -2299,7 +2299,7 @@
             <a:fld id="{5B106E36-FD25-4E2D-B0AA-010F637433A0}" type="datetimeFigureOut">
               <a:rPr lang="ru-RU" smtClean="0"/>
               <a:pPr/>
-              <a:t>22.03.2021</a:t>
+              <a:t>29.03.2021</a:t>
             </a:fld>
             <a:endParaRPr lang="ru-RU"/>
           </a:p>
@@ -2549,7 +2549,7 @@
             <a:fld id="{5B106E36-FD25-4E2D-B0AA-010F637433A0}" type="datetimeFigureOut">
               <a:rPr lang="ru-RU" smtClean="0"/>
               <a:pPr/>
-              <a:t>22.03.2021</a:t>
+              <a:t>29.03.2021</a:t>
             </a:fld>
             <a:endParaRPr lang="ru-RU"/>
           </a:p>
@@ -2759,7 +2759,7 @@
             <a:fld id="{5B106E36-FD25-4E2D-B0AA-010F637433A0}" type="datetimeFigureOut">
               <a:rPr lang="ru-RU" smtClean="0"/>
               <a:pPr/>
-              <a:t>22.03.2021</a:t>
+              <a:t>29.03.2021</a:t>
             </a:fld>
             <a:endParaRPr lang="ru-RU"/>
           </a:p>
@@ -37466,40 +37466,7 @@
                   </a:schemeClr>
                 </a:solidFill>
               </a:rPr>
-              <a:t>(</a:t>
-            </a:r>
-            <a:r>
-              <a:rPr lang="en-US" sz="1600" dirty="0" smtClean="0">
-                <a:solidFill>
-                  <a:schemeClr val="tx2">
-                    <a:lumMod val="60000"/>
-                    <a:lumOff val="40000"/>
-                  </a:schemeClr>
-                </a:solidFill>
-              </a:rPr>
-              <a:t>G, </a:t>
-            </a:r>
-            <a:r>
-              <a:rPr lang="en-US" sz="1600" dirty="0" smtClean="0">
-                <a:solidFill>
-                  <a:schemeClr val="tx2">
-                    <a:lumMod val="60000"/>
-                    <a:lumOff val="40000"/>
-                  </a:schemeClr>
-                </a:solidFill>
-              </a:rPr>
-              <a:t>u, color, d</a:t>
-            </a:r>
-            <a:r>
-              <a:rPr lang="en-US" sz="1600" dirty="0" smtClean="0">
-                <a:solidFill>
-                  <a:schemeClr val="tx2">
-                    <a:lumMod val="60000"/>
-                    <a:lumOff val="40000"/>
-                  </a:schemeClr>
-                </a:solidFill>
-              </a:rPr>
-              <a:t>, π) </a:t>
+              <a:t>(G, u, color, d, π) </a:t>
             </a:r>
             <a:r>
               <a:rPr lang="ru-RU" sz="1600" dirty="0" smtClean="0"/>
@@ -37533,19 +37500,11 @@
             </a:r>
             <a:r>
               <a:rPr lang="en-US" sz="1600" dirty="0" smtClean="0"/>
-              <a:t>s, color, d</a:t>
-            </a:r>
-            <a:r>
-              <a:rPr lang="en-US" sz="1600" dirty="0" smtClean="0"/>
-              <a:t>, π</a:t>
+              <a:t>s, color, d, π</a:t>
             </a:r>
             <a:r>
               <a:rPr lang="ru-RU" sz="1600" dirty="0" smtClean="0"/>
               <a:t>)</a:t>
-            </a:r>
-            <a:r>
-              <a:rPr lang="ru-RU" sz="1600" dirty="0" smtClean="0"/>
-              <a:t/>
             </a:r>
             <a:br>
               <a:rPr lang="ru-RU" sz="1600" dirty="0" smtClean="0"/>
@@ -44171,29 +44130,7 @@
                   </a:schemeClr>
                 </a:solidFill>
               </a:rPr>
-              <a:t>(G</a:t>
-            </a:r>
-            <a:r>
-              <a:rPr lang="en-US" sz="1600" dirty="0" smtClean="0">
-                <a:solidFill>
-                  <a:schemeClr val="tx2">
-                    <a:lumMod val="60000"/>
-                    <a:lumOff val="40000"/>
-                  </a:schemeClr>
-                </a:solidFill>
-              </a:rPr>
-              <a:t>, </a:t>
-            </a:r>
-            <a:r>
-              <a:rPr lang="en-US" sz="1600" dirty="0" smtClean="0">
-                <a:solidFill>
-                  <a:schemeClr val="tx2">
-                    <a:lumMod val="60000"/>
-                    <a:lumOff val="40000"/>
-                  </a:schemeClr>
-                </a:solidFill>
-              </a:rPr>
-              <a:t>u, color) </a:t>
+              <a:t>(G, u, color) </a:t>
             </a:r>
             <a:r>
               <a:rPr lang="ru-RU" sz="1600" dirty="0" smtClean="0"/>
@@ -44222,18 +44159,7 @@
                   </a:schemeClr>
                 </a:solidFill>
               </a:rPr>
-              <a:t> </a:t>
-            </a:r>
-            <a:r>
-              <a:rPr lang="ru-RU" sz="1600" dirty="0" smtClean="0">
-                <a:solidFill>
-                  <a:schemeClr val="tx2">
-                    <a:lumMod val="60000"/>
-                    <a:lumOff val="40000"/>
-                  </a:schemeClr>
-                </a:solidFill>
-              </a:rPr>
-              <a:t>(для) каждой </a:t>
+              <a:t> (для) каждой </a:t>
             </a:r>
             <a:r>
               <a:rPr lang="ru-RU" sz="1600" dirty="0" err="1" smtClean="0">
@@ -44363,18 +44289,7 @@
                   </a:schemeClr>
                 </a:solidFill>
               </a:rPr>
-              <a:t>		</a:t>
-            </a:r>
-            <a:r>
-              <a:rPr lang="en-US" sz="1600" dirty="0" smtClean="0">
-                <a:solidFill>
-                  <a:schemeClr val="tx2">
-                    <a:lumMod val="60000"/>
-                    <a:lumOff val="40000"/>
-                  </a:schemeClr>
-                </a:solidFill>
-              </a:rPr>
-              <a:t>NOT CONNECTED GRAPH</a:t>
+              <a:t>		NOT CONNECTED GRAPH</a:t>
             </a:r>
             <a:r>
               <a:rPr lang="ru-RU" sz="1600" dirty="0" smtClean="0"/>
@@ -44414,20 +44329,12 @@
               <a:rPr lang="ru-RU" sz="1600" dirty="0" smtClean="0"/>
               <a:t>)</a:t>
             </a:r>
-            <a:r>
-              <a:rPr lang="ru-RU" sz="1600" dirty="0" smtClean="0"/>
-              <a:t/>
-            </a:r>
             <a:br>
               <a:rPr lang="ru-RU" sz="1600" dirty="0" smtClean="0"/>
             </a:br>
             <a:r>
               <a:rPr lang="en-US" sz="1600" dirty="0" smtClean="0"/>
-              <a:t>color[s] ⟵ </a:t>
-            </a:r>
-            <a:r>
-              <a:rPr lang="en-US" sz="1600" dirty="0" smtClean="0"/>
-              <a:t>BLACK</a:t>
+              <a:t>color[s] ⟵ BLACK</a:t>
             </a:r>
             <a:r>
               <a:rPr lang="ru-RU" sz="1600" dirty="0" smtClean="0"/>
@@ -44438,11 +44345,7 @@
             </a:br>
             <a:r>
               <a:rPr lang="en-US" sz="1600" dirty="0" smtClean="0"/>
-              <a:t>Q </a:t>
-            </a:r>
-            <a:r>
-              <a:rPr lang="en-US" sz="1600" dirty="0" smtClean="0"/>
-              <a:t>⟵ ∅</a:t>
+              <a:t>Q ⟵ ∅</a:t>
             </a:r>
             <a:r>
               <a:rPr lang="ru-RU" sz="1600" dirty="0" smtClean="0"/>
@@ -44588,11 +44491,7 @@
             </a:br>
             <a:r>
               <a:rPr lang="en-US" sz="1600" dirty="0" smtClean="0"/>
-              <a:t>			color[v] ⟵ </a:t>
-            </a:r>
-            <a:r>
-              <a:rPr lang="en-US" sz="1600" dirty="0" smtClean="0"/>
-              <a:t>BLACK</a:t>
+              <a:t>			color[v] ⟵ BLACK</a:t>
             </a:r>
             <a:r>
               <a:rPr lang="ru-RU" sz="1600" dirty="0" smtClean="0"/>
@@ -44611,11 +44510,7 @@
             </a:r>
             <a:r>
               <a:rPr lang="en-US" sz="1600" dirty="0" smtClean="0"/>
-              <a:t>Q, v</a:t>
-            </a:r>
-            <a:r>
-              <a:rPr lang="en-US" sz="1600" dirty="0" smtClean="0"/>
-              <a:t>)</a:t>
+              <a:t>Q, v)</a:t>
             </a:r>
             <a:endParaRPr lang="ru-RU" sz="1600" dirty="0"/>
           </a:p>
@@ -45148,18 +45043,7 @@
                   </a:schemeClr>
                 </a:solidFill>
               </a:rPr>
-              <a:t>color[u] ⟵ </a:t>
-            </a:r>
-            <a:r>
-              <a:rPr lang="en-US" sz="1600" dirty="0" smtClean="0">
-                <a:solidFill>
-                  <a:schemeClr val="tx2">
-                    <a:lumMod val="60000"/>
-                    <a:lumOff val="40000"/>
-                  </a:schemeClr>
-                </a:solidFill>
-              </a:rPr>
-              <a:t>WHITE</a:t>
+              <a:t>color[u] ⟵ WHITE</a:t>
             </a:r>
             <a:br>
               <a:rPr lang="en-US" sz="1600" dirty="0" smtClean="0">
@@ -45180,40 +45064,7 @@
                   </a:schemeClr>
                 </a:solidFill>
               </a:rPr>
-              <a:t>	</a:t>
-            </a:r>
-            <a:r>
-              <a:rPr lang="en-US" sz="1600" dirty="0" smtClean="0">
-                <a:solidFill>
-                  <a:schemeClr val="tx2">
-                    <a:lumMod val="60000"/>
-                    <a:lumOff val="40000"/>
-                  </a:schemeClr>
-                </a:solidFill>
-              </a:rPr>
-              <a:t>d[u]</a:t>
-            </a:r>
-            <a:r>
-              <a:rPr lang="en-US" sz="1600" dirty="0" smtClean="0">
-                <a:solidFill>
-                  <a:schemeClr val="tx2">
-                    <a:lumMod val="60000"/>
-                    <a:lumOff val="40000"/>
-                  </a:schemeClr>
-                </a:solidFill>
-              </a:rPr>
-              <a:t> ⟵ </a:t>
-            </a:r>
-            <a:r>
-              <a:rPr lang="en-US" sz="1600" dirty="0" smtClean="0">
-                <a:solidFill>
-                  <a:schemeClr val="tx2">
-                    <a:lumMod val="60000"/>
-                    <a:lumOff val="40000"/>
-                  </a:schemeClr>
-                </a:solidFill>
-              </a:rPr>
-              <a:t>0</a:t>
+              <a:t>	d[u] ⟵ 0</a:t>
             </a:r>
             <a:br>
               <a:rPr lang="en-US" sz="1600" dirty="0" smtClean="0">
@@ -45234,18 +45085,7 @@
                   </a:schemeClr>
                 </a:solidFill>
               </a:rPr>
-              <a:t>	</a:t>
-            </a:r>
-            <a:r>
-              <a:rPr lang="en-US" sz="1600" dirty="0" smtClean="0">
-                <a:solidFill>
-                  <a:schemeClr val="tx2">
-                    <a:lumMod val="60000"/>
-                    <a:lumOff val="40000"/>
-                  </a:schemeClr>
-                </a:solidFill>
-              </a:rPr>
-              <a:t>count</a:t>
+              <a:t>	count</a:t>
             </a:r>
             <a:r>
               <a:rPr lang="en-US" sz="1600" dirty="0" smtClean="0"/>
@@ -45261,17 +45101,6 @@
                 </a:solidFill>
               </a:rPr>
               <a:t>⟵ 0 </a:t>
-            </a:r>
-            <a:r>
-              <a:rPr lang="en-US" sz="1600" dirty="0" smtClean="0">
-                <a:solidFill>
-                  <a:schemeClr val="tx2">
-                    <a:lumMod val="60000"/>
-                    <a:lumOff val="40000"/>
-                  </a:schemeClr>
-                </a:solidFill>
-              </a:rPr>
-              <a:t/>
             </a:r>
             <a:br>
               <a:rPr lang="en-US" sz="1600" dirty="0" smtClean="0">
@@ -45303,18 +45132,7 @@
                   </a:schemeClr>
                 </a:solidFill>
               </a:rPr>
-              <a:t> </a:t>
-            </a:r>
-            <a:r>
-              <a:rPr lang="ru-RU" sz="1600" dirty="0" smtClean="0">
-                <a:solidFill>
-                  <a:schemeClr val="tx2">
-                    <a:lumMod val="60000"/>
-                    <a:lumOff val="40000"/>
-                  </a:schemeClr>
-                </a:solidFill>
-              </a:rPr>
-              <a:t>(для) каждой </a:t>
+              <a:t> (для) каждой </a:t>
             </a:r>
             <a:r>
               <a:rPr lang="ru-RU" sz="1600" dirty="0" err="1" smtClean="0">
@@ -45444,18 +45262,7 @@
                   </a:schemeClr>
                 </a:solidFill>
               </a:rPr>
-              <a:t>		</a:t>
-            </a:r>
-            <a:r>
-              <a:rPr lang="en-US" sz="1600" dirty="0" smtClean="0">
-                <a:solidFill>
-                  <a:schemeClr val="tx2">
-                    <a:lumMod val="60000"/>
-                    <a:lumOff val="40000"/>
-                  </a:schemeClr>
-                </a:solidFill>
-              </a:rPr>
-              <a:t> </a:t>
+              <a:t>		 </a:t>
             </a:r>
             <a:r>
               <a:rPr lang="en-US" sz="1600" dirty="0" err="1" smtClean="0">
@@ -45477,18 +45284,7 @@
                   </a:schemeClr>
                 </a:solidFill>
               </a:rPr>
-              <a:t>(G, </a:t>
-            </a:r>
-            <a:r>
-              <a:rPr lang="en-US" sz="1600" dirty="0" smtClean="0">
-                <a:solidFill>
-                  <a:schemeClr val="tx2">
-                    <a:lumMod val="60000"/>
-                    <a:lumOff val="40000"/>
-                  </a:schemeClr>
-                </a:solidFill>
-              </a:rPr>
-              <a:t>u, color, d, count) </a:t>
+              <a:t>(G, u, color, d, count) </a:t>
             </a:r>
             <a:br>
               <a:rPr lang="en-US" sz="1600" dirty="0" smtClean="0">
@@ -45509,40 +45305,7 @@
                   </a:schemeClr>
                 </a:solidFill>
               </a:rPr>
-              <a:t>	</a:t>
-            </a:r>
-            <a:r>
-              <a:rPr lang="en-US" sz="1600" dirty="0" smtClean="0">
-                <a:solidFill>
-                  <a:schemeClr val="tx2">
-                    <a:lumMod val="60000"/>
-                    <a:lumOff val="40000"/>
-                  </a:schemeClr>
-                </a:solidFill>
-              </a:rPr>
-              <a:t>	count</a:t>
-            </a:r>
-            <a:r>
-              <a:rPr lang="en-US" sz="1600" dirty="0" smtClean="0">
-                <a:solidFill>
-                  <a:schemeClr val="tx2">
-                    <a:lumMod val="60000"/>
-                    <a:lumOff val="40000"/>
-                  </a:schemeClr>
-                </a:solidFill>
-              </a:rPr>
-              <a:t> ⟵ </a:t>
-            </a:r>
-            <a:r>
-              <a:rPr lang="en-US" sz="1600" dirty="0" smtClean="0">
-                <a:solidFill>
-                  <a:schemeClr val="tx2">
-                    <a:lumMod val="60000"/>
-                    <a:lumOff val="40000"/>
-                  </a:schemeClr>
-                </a:solidFill>
-              </a:rPr>
-              <a:t>count+1</a:t>
+              <a:t>		count ⟵ count+1</a:t>
             </a:r>
             <a:r>
               <a:rPr lang="ru-RU" sz="1600" dirty="0" smtClean="0"/>
@@ -45582,20 +45345,12 @@
               <a:rPr lang="ru-RU" sz="1600" dirty="0" smtClean="0"/>
               <a:t>)</a:t>
             </a:r>
-            <a:r>
-              <a:rPr lang="ru-RU" sz="1600" dirty="0" smtClean="0"/>
-              <a:t/>
-            </a:r>
             <a:br>
               <a:rPr lang="ru-RU" sz="1600" dirty="0" smtClean="0"/>
             </a:br>
             <a:r>
               <a:rPr lang="en-US" sz="1600" dirty="0" smtClean="0"/>
-              <a:t>color[s] ⟵ </a:t>
-            </a:r>
-            <a:r>
-              <a:rPr lang="en-US" sz="1600" dirty="0" smtClean="0"/>
-              <a:t>BLACK</a:t>
+              <a:t>color[s] ⟵ BLACK</a:t>
             </a:r>
             <a:r>
               <a:rPr lang="ru-RU" sz="1600" dirty="0" smtClean="0"/>
@@ -45606,11 +45361,7 @@
             </a:br>
             <a:r>
               <a:rPr lang="en-US" sz="1600" dirty="0" smtClean="0"/>
-              <a:t>Q </a:t>
-            </a:r>
-            <a:r>
-              <a:rPr lang="en-US" sz="1600" dirty="0" smtClean="0"/>
-              <a:t>⟵ ∅</a:t>
+              <a:t>Q ⟵ ∅</a:t>
             </a:r>
             <a:r>
               <a:rPr lang="ru-RU" sz="1600" dirty="0" smtClean="0"/>
@@ -45756,30 +45507,14 @@
             </a:br>
             <a:r>
               <a:rPr lang="en-US" sz="1600" dirty="0" smtClean="0"/>
-              <a:t>			color[v] ⟵ </a:t>
-            </a:r>
-            <a:r>
-              <a:rPr lang="en-US" sz="1600" dirty="0" smtClean="0"/>
-              <a:t>BLACK</a:t>
+              <a:t>			color[v] ⟵ BLACK</a:t>
             </a:r>
             <a:br>
               <a:rPr lang="en-US" sz="1600" dirty="0" smtClean="0"/>
             </a:br>
             <a:r>
               <a:rPr lang="en-US" sz="1600" dirty="0" smtClean="0"/>
-              <a:t>			</a:t>
-            </a:r>
-            <a:r>
-              <a:rPr lang="en-US" sz="1600" dirty="0" smtClean="0"/>
-              <a:t>d[v]</a:t>
-            </a:r>
-            <a:r>
-              <a:rPr lang="en-US" sz="1600" dirty="0" smtClean="0"/>
-              <a:t> ⟵ </a:t>
-            </a:r>
-            <a:r>
-              <a:rPr lang="en-US" sz="1600" dirty="0" smtClean="0"/>
-              <a:t>count</a:t>
+              <a:t>			d[v] ⟵ count</a:t>
             </a:r>
             <a:r>
               <a:rPr lang="ru-RU" sz="1600" dirty="0" smtClean="0"/>
@@ -45798,11 +45533,7 @@
             </a:r>
             <a:r>
               <a:rPr lang="en-US" sz="1600" dirty="0" smtClean="0"/>
-              <a:t>Q, v</a:t>
-            </a:r>
-            <a:r>
-              <a:rPr lang="en-US" sz="1600" dirty="0" smtClean="0"/>
-              <a:t>)</a:t>
+              <a:t>Q, v)</a:t>
             </a:r>
             <a:endParaRPr lang="ru-RU" sz="1600" dirty="0"/>
           </a:p>
@@ -48066,18 +47797,7 @@
                   </a:schemeClr>
                 </a:solidFill>
               </a:rPr>
-              <a:t>color[u] ⟵ </a:t>
-            </a:r>
-            <a:r>
-              <a:rPr lang="en-US" sz="1600" dirty="0" smtClean="0">
-                <a:solidFill>
-                  <a:schemeClr val="tx2">
-                    <a:lumMod val="60000"/>
-                    <a:lumOff val="40000"/>
-                  </a:schemeClr>
-                </a:solidFill>
-              </a:rPr>
-              <a:t>WHITE</a:t>
+              <a:t>color[u] ⟵ WHITE</a:t>
             </a:r>
             <a:br>
               <a:rPr lang="en-US" sz="1600" dirty="0" smtClean="0">
@@ -48098,40 +47818,7 @@
                   </a:schemeClr>
                 </a:solidFill>
               </a:rPr>
-              <a:t>	</a:t>
-            </a:r>
-            <a:r>
-              <a:rPr lang="en-US" sz="1600" dirty="0" smtClean="0">
-                <a:solidFill>
-                  <a:schemeClr val="tx2">
-                    <a:lumMod val="60000"/>
-                    <a:lumOff val="40000"/>
-                  </a:schemeClr>
-                </a:solidFill>
-              </a:rPr>
-              <a:t>d[u]</a:t>
-            </a:r>
-            <a:r>
-              <a:rPr lang="en-US" sz="1600" dirty="0" smtClean="0">
-                <a:solidFill>
-                  <a:schemeClr val="tx2">
-                    <a:lumMod val="60000"/>
-                    <a:lumOff val="40000"/>
-                  </a:schemeClr>
-                </a:solidFill>
-              </a:rPr>
-              <a:t> ⟵ </a:t>
-            </a:r>
-            <a:r>
-              <a:rPr lang="en-US" sz="1600" dirty="0" smtClean="0">
-                <a:solidFill>
-                  <a:schemeClr val="tx2">
-                    <a:lumMod val="60000"/>
-                    <a:lumOff val="40000"/>
-                  </a:schemeClr>
-                </a:solidFill>
-              </a:rPr>
-              <a:t>0</a:t>
+              <a:t>	d[u] ⟵ 0</a:t>
             </a:r>
             <a:br>
               <a:rPr lang="en-US" sz="1600" dirty="0" smtClean="0">
@@ -48163,18 +47850,7 @@
                   </a:schemeClr>
                 </a:solidFill>
               </a:rPr>
-              <a:t> </a:t>
-            </a:r>
-            <a:r>
-              <a:rPr lang="ru-RU" sz="1600" dirty="0" smtClean="0">
-                <a:solidFill>
-                  <a:schemeClr val="tx2">
-                    <a:lumMod val="60000"/>
-                    <a:lumOff val="40000"/>
-                  </a:schemeClr>
-                </a:solidFill>
-              </a:rPr>
-              <a:t>(для) каждой </a:t>
+              <a:t> (для) каждой </a:t>
             </a:r>
             <a:r>
               <a:rPr lang="ru-RU" sz="1600" dirty="0" err="1" smtClean="0">
@@ -48304,18 +47980,7 @@
                   </a:schemeClr>
                 </a:solidFill>
               </a:rPr>
-              <a:t>		</a:t>
-            </a:r>
-            <a:r>
-              <a:rPr lang="en-US" sz="1600" dirty="0" smtClean="0">
-                <a:solidFill>
-                  <a:schemeClr val="tx2">
-                    <a:lumMod val="60000"/>
-                    <a:lumOff val="40000"/>
-                  </a:schemeClr>
-                </a:solidFill>
-              </a:rPr>
-              <a:t> </a:t>
+              <a:t>		 </a:t>
             </a:r>
             <a:r>
               <a:rPr lang="en-US" sz="1600" dirty="0" err="1" smtClean="0">
@@ -48337,18 +48002,7 @@
                   </a:schemeClr>
                 </a:solidFill>
               </a:rPr>
-              <a:t>(G, </a:t>
-            </a:r>
-            <a:r>
-              <a:rPr lang="en-US" sz="1600" dirty="0" smtClean="0">
-                <a:solidFill>
-                  <a:schemeClr val="tx2">
-                    <a:lumMod val="60000"/>
-                    <a:lumOff val="40000"/>
-                  </a:schemeClr>
-                </a:solidFill>
-              </a:rPr>
-              <a:t>u, color, d</a:t>
+              <a:t>(G, u, color, d</a:t>
             </a:r>
             <a:r>
               <a:rPr lang="ru-RU" sz="1600" dirty="0" smtClean="0">
@@ -48413,20 +48067,12 @@
               <a:rPr lang="ru-RU" sz="1600" dirty="0" smtClean="0"/>
               <a:t>)</a:t>
             </a:r>
-            <a:r>
-              <a:rPr lang="ru-RU" sz="1600" dirty="0" smtClean="0"/>
-              <a:t/>
-            </a:r>
             <a:br>
               <a:rPr lang="ru-RU" sz="1600" dirty="0" smtClean="0"/>
             </a:br>
             <a:r>
               <a:rPr lang="en-US" sz="1600" dirty="0" smtClean="0"/>
-              <a:t>color[s] ⟵ </a:t>
-            </a:r>
-            <a:r>
-              <a:rPr lang="en-US" sz="1600" dirty="0" smtClean="0"/>
-              <a:t>BLACK</a:t>
+              <a:t>color[s] ⟵ BLACK</a:t>
             </a:r>
             <a:r>
               <a:rPr lang="ru-RU" sz="1600" dirty="0" smtClean="0"/>
@@ -48437,11 +48083,7 @@
             </a:br>
             <a:r>
               <a:rPr lang="en-US" sz="1600" dirty="0" smtClean="0"/>
-              <a:t>Q </a:t>
-            </a:r>
-            <a:r>
-              <a:rPr lang="en-US" sz="1600" dirty="0" smtClean="0"/>
-              <a:t>⟵ ∅</a:t>
+              <a:t>Q ⟵ ∅</a:t>
             </a:r>
             <a:r>
               <a:rPr lang="ru-RU" sz="1600" dirty="0" smtClean="0"/>
@@ -48587,30 +48229,14 @@
             </a:br>
             <a:r>
               <a:rPr lang="en-US" sz="1600" dirty="0" smtClean="0"/>
-              <a:t>			color[v] ⟵ </a:t>
-            </a:r>
-            <a:r>
-              <a:rPr lang="en-US" sz="1600" dirty="0" smtClean="0"/>
-              <a:t>BLACK</a:t>
+              <a:t>			color[v] ⟵ BLACK</a:t>
             </a:r>
             <a:br>
               <a:rPr lang="en-US" sz="1600" dirty="0" smtClean="0"/>
             </a:br>
             <a:r>
               <a:rPr lang="en-US" sz="1600" dirty="0" smtClean="0"/>
-              <a:t>			</a:t>
-            </a:r>
-            <a:r>
-              <a:rPr lang="en-US" sz="1600" dirty="0" smtClean="0"/>
-              <a:t>d[v]</a:t>
-            </a:r>
-            <a:r>
-              <a:rPr lang="en-US" sz="1600" dirty="0" smtClean="0"/>
-              <a:t> ⟵ </a:t>
-            </a:r>
-            <a:r>
-              <a:rPr lang="en-US" sz="1600" dirty="0" smtClean="0"/>
-              <a:t>d[v]+1</a:t>
+              <a:t>			d[v] ⟵ d[v]+1</a:t>
             </a:r>
             <a:r>
               <a:rPr lang="ru-RU" sz="1600" dirty="0" smtClean="0"/>
@@ -48629,11 +48255,7 @@
             </a:r>
             <a:r>
               <a:rPr lang="en-US" sz="1600" dirty="0" smtClean="0"/>
-              <a:t>Q, v</a:t>
-            </a:r>
-            <a:r>
-              <a:rPr lang="en-US" sz="1600" dirty="0" smtClean="0"/>
-              <a:t>)</a:t>
+              <a:t>Q, v)</a:t>
             </a:r>
             <a:endParaRPr lang="ru-RU" sz="1600" dirty="0"/>
           </a:p>
@@ -48838,11 +48460,7 @@
             </a:r>
             <a:r>
               <a:rPr lang="ru-RU" sz="2800" dirty="0" smtClean="0"/>
-              <a:t> </a:t>
-            </a:r>
-            <a:r>
-              <a:rPr lang="ru-RU" sz="2800" dirty="0" smtClean="0"/>
-              <a:t>графе.</a:t>
+              <a:t> графе.</a:t>
             </a:r>
           </a:p>
         </p:txBody>
@@ -50485,17 +50103,6 @@
               </a:rPr>
               <a:t>)</a:t>
             </a:r>
-            <a:r>
-              <a:rPr lang="ru-RU" sz="1600" dirty="0" smtClean="0">
-                <a:solidFill>
-                  <a:schemeClr val="tx2">
-                    <a:lumMod val="60000"/>
-                    <a:lumOff val="40000"/>
-                  </a:schemeClr>
-                </a:solidFill>
-              </a:rPr>
-              <a:t/>
-            </a:r>
             <a:br>
               <a:rPr lang="ru-RU" sz="1600" dirty="0" smtClean="0">
                 <a:solidFill>
@@ -50666,73 +50273,7 @@
                   </a:schemeClr>
                 </a:solidFill>
               </a:rPr>
-              <a:t>(</a:t>
-            </a:r>
-            <a:r>
-              <a:rPr lang="en-US" sz="1600" dirty="0" smtClean="0">
-                <a:solidFill>
-                  <a:schemeClr val="tx2">
-                    <a:lumMod val="60000"/>
-                    <a:lumOff val="40000"/>
-                  </a:schemeClr>
-                </a:solidFill>
-              </a:rPr>
-              <a:t>G, </a:t>
-            </a:r>
-            <a:r>
-              <a:rPr lang="en-US" sz="1600" dirty="0" smtClean="0">
-                <a:solidFill>
-                  <a:schemeClr val="tx2">
-                    <a:lumMod val="60000"/>
-                    <a:lumOff val="40000"/>
-                  </a:schemeClr>
-                </a:solidFill>
-              </a:rPr>
-              <a:t>s</a:t>
-            </a:r>
-            <a:r>
-              <a:rPr lang="en-US" sz="1600" dirty="0" smtClean="0">
-                <a:solidFill>
-                  <a:schemeClr val="tx2">
-                    <a:lumMod val="60000"/>
-                    <a:lumOff val="40000"/>
-                  </a:schemeClr>
-                </a:solidFill>
-              </a:rPr>
-              <a:t>, color,</a:t>
-            </a:r>
-            <a:r>
-              <a:rPr lang="en-US" sz="1600" dirty="0" smtClean="0">
-                <a:solidFill>
-                  <a:schemeClr val="tx2">
-                    <a:lumMod val="60000"/>
-                    <a:lumOff val="40000"/>
-                  </a:schemeClr>
-                </a:solidFill>
-              </a:rPr>
-              <a:t> </a:t>
-            </a:r>
-            <a:r>
-              <a:rPr lang="en-US" sz="1600" dirty="0" smtClean="0">
-                <a:solidFill>
-                  <a:schemeClr val="tx2">
-                    <a:lumMod val="60000"/>
-                    <a:lumOff val="40000"/>
-                  </a:schemeClr>
-                </a:solidFill>
-              </a:rPr>
-              <a:t>π) </a:t>
-            </a:r>
-            <a:r>
-              <a:rPr lang="en-US" sz="1600" dirty="0" smtClean="0">
-                <a:solidFill>
-                  <a:schemeClr val="tx2">
-                    <a:lumMod val="60000"/>
-                    <a:lumOff val="40000"/>
-                  </a:schemeClr>
-                </a:solidFill>
-              </a:rPr>
-              <a:t/>
+              <a:t>(G, s, color, π) </a:t>
             </a:r>
             <a:br>
               <a:rPr lang="en-US" sz="1600" dirty="0" smtClean="0">
@@ -50753,18 +50294,7 @@
                   </a:schemeClr>
                 </a:solidFill>
               </a:rPr>
-              <a:t>PATH⟵ </a:t>
-            </a:r>
-            <a:r>
-              <a:rPr lang="en-US" sz="1600" dirty="0" smtClean="0">
-                <a:solidFill>
-                  <a:schemeClr val="tx2">
-                    <a:lumMod val="60000"/>
-                    <a:lumOff val="40000"/>
-                  </a:schemeClr>
-                </a:solidFill>
-              </a:rPr>
-              <a:t>∅</a:t>
+              <a:t>PATH⟵ ∅</a:t>
             </a:r>
             <a:r>
               <a:rPr lang="en-US" sz="1600" dirty="0" smtClean="0"/>
@@ -50800,29 +50330,7 @@
                   </a:schemeClr>
                 </a:solidFill>
               </a:rPr>
-              <a:t>parent </a:t>
-            </a:r>
-            <a:r>
-              <a:rPr lang="en-US" sz="1600" dirty="0" smtClean="0">
-                <a:solidFill>
-                  <a:schemeClr val="tx2">
-                    <a:lumMod val="60000"/>
-                    <a:lumOff val="40000"/>
-                  </a:schemeClr>
-                </a:solidFill>
-              </a:rPr>
-              <a:t>⟵ </a:t>
-            </a:r>
-            <a:r>
-              <a:rPr lang="en-US" sz="1600" dirty="0" smtClean="0">
-                <a:solidFill>
-                  <a:schemeClr val="tx2">
-                    <a:lumMod val="60000"/>
-                    <a:lumOff val="40000"/>
-                  </a:schemeClr>
-                </a:solidFill>
-              </a:rPr>
-              <a:t>t</a:t>
+              <a:t>parent ⟵ t</a:t>
             </a:r>
             <a:br>
               <a:rPr lang="en-US" sz="1600" dirty="0" smtClean="0">
@@ -50886,29 +50394,7 @@
                   </a:schemeClr>
                 </a:solidFill>
               </a:rPr>
-              <a:t>PATH, (parent,</a:t>
-            </a:r>
-            <a:r>
-              <a:rPr lang="en-US" sz="1600" dirty="0" smtClean="0">
-                <a:solidFill>
-                  <a:schemeClr val="tx2">
-                    <a:lumMod val="60000"/>
-                    <a:lumOff val="40000"/>
-                  </a:schemeClr>
-                </a:solidFill>
-              </a:rPr>
-              <a:t> π[parent </a:t>
-            </a:r>
-            <a:r>
-              <a:rPr lang="en-US" sz="1600" dirty="0" smtClean="0">
-                <a:solidFill>
-                  <a:schemeClr val="tx2">
-                    <a:lumMod val="60000"/>
-                    <a:lumOff val="40000"/>
-                  </a:schemeClr>
-                </a:solidFill>
-              </a:rPr>
-              <a:t>]))</a:t>
+              <a:t>PATH, (parent, π[parent ]))</a:t>
             </a:r>
             <a:br>
               <a:rPr lang="en-US" sz="1600" dirty="0" smtClean="0">
@@ -50929,29 +50415,7 @@
                   </a:schemeClr>
                 </a:solidFill>
               </a:rPr>
-              <a:t>	parent </a:t>
-            </a:r>
-            <a:r>
-              <a:rPr lang="en-US" sz="1600" dirty="0" smtClean="0">
-                <a:solidFill>
-                  <a:schemeClr val="tx2">
-                    <a:lumMod val="60000"/>
-                    <a:lumOff val="40000"/>
-                  </a:schemeClr>
-                </a:solidFill>
-              </a:rPr>
-              <a:t>⟵ </a:t>
-            </a:r>
-            <a:r>
-              <a:rPr lang="en-US" sz="1600" dirty="0" smtClean="0">
-                <a:solidFill>
-                  <a:schemeClr val="tx2">
-                    <a:lumMod val="60000"/>
-                    <a:lumOff val="40000"/>
-                  </a:schemeClr>
-                </a:solidFill>
-              </a:rPr>
-              <a:t>π[parent ]</a:t>
+              <a:t>	parent ⟵ π[parent ]</a:t>
             </a:r>
             <a:r>
               <a:rPr lang="ru-RU" sz="1600" dirty="0" smtClean="0"/>
@@ -50985,34 +50449,18 @@
             </a:r>
             <a:r>
               <a:rPr lang="en-US" sz="1600" dirty="0" smtClean="0"/>
-              <a:t>s, color,</a:t>
-            </a:r>
-            <a:r>
-              <a:rPr lang="en-US" sz="1600" dirty="0" smtClean="0"/>
-              <a:t> </a:t>
-            </a:r>
-            <a:r>
-              <a:rPr lang="en-US" sz="1600" dirty="0" smtClean="0"/>
-              <a:t>π</a:t>
+              <a:t>s, color, π</a:t>
             </a:r>
             <a:r>
               <a:rPr lang="ru-RU" sz="1600" dirty="0" smtClean="0"/>
               <a:t>)</a:t>
-            </a:r>
-            <a:r>
-              <a:rPr lang="ru-RU" sz="1600" dirty="0" smtClean="0"/>
-              <a:t/>
             </a:r>
             <a:br>
               <a:rPr lang="ru-RU" sz="1600" dirty="0" smtClean="0"/>
             </a:br>
             <a:r>
               <a:rPr lang="en-US" sz="1600" dirty="0" smtClean="0"/>
-              <a:t>color[s] ⟵ </a:t>
-            </a:r>
-            <a:r>
-              <a:rPr lang="en-US" sz="1600" dirty="0" smtClean="0"/>
-              <a:t>BLACK</a:t>
+              <a:t>color[s] ⟵ BLACK</a:t>
             </a:r>
             <a:r>
               <a:rPr lang="ru-RU" sz="1600" dirty="0" smtClean="0"/>
@@ -51023,11 +50471,7 @@
             </a:br>
             <a:r>
               <a:rPr lang="en-US" sz="1600" dirty="0" smtClean="0"/>
-              <a:t>Q </a:t>
-            </a:r>
-            <a:r>
-              <a:rPr lang="en-US" sz="1600" dirty="0" smtClean="0"/>
-              <a:t>⟵ ∅</a:t>
+              <a:t>Q ⟵ ∅</a:t>
             </a:r>
             <a:r>
               <a:rPr lang="ru-RU" sz="1600" dirty="0" smtClean="0"/>
@@ -51173,11 +50617,7 @@
             </a:br>
             <a:r>
               <a:rPr lang="en-US" sz="1600" dirty="0" smtClean="0"/>
-              <a:t>			color[v] ⟵ </a:t>
-            </a:r>
-            <a:r>
-              <a:rPr lang="en-US" sz="1600" dirty="0" smtClean="0"/>
-              <a:t>BLACK</a:t>
+              <a:t>			color[v] ⟵ BLACK</a:t>
             </a:r>
             <a:r>
               <a:rPr lang="ru-RU" sz="1600" dirty="0" smtClean="0"/>
@@ -51207,11 +50647,7 @@
             </a:r>
             <a:r>
               <a:rPr lang="en-US" sz="1600" dirty="0" smtClean="0"/>
-              <a:t>Q, v</a:t>
-            </a:r>
-            <a:r>
-              <a:rPr lang="en-US" sz="1600" dirty="0" smtClean="0"/>
-              <a:t>)</a:t>
+              <a:t>Q, v)</a:t>
             </a:r>
             <a:endParaRPr lang="ru-RU" sz="1600" dirty="0"/>
           </a:p>
@@ -51657,29 +51093,7 @@
                   </a:schemeClr>
                 </a:solidFill>
               </a:rPr>
-              <a:t>color[u] ⟵ </a:t>
-            </a:r>
-            <a:r>
-              <a:rPr lang="en-US" sz="1600" dirty="0" smtClean="0">
-                <a:solidFill>
-                  <a:schemeClr val="tx2">
-                    <a:lumMod val="60000"/>
-                    <a:lumOff val="40000"/>
-                  </a:schemeClr>
-                </a:solidFill>
-              </a:rPr>
-              <a:t>WHITE</a:t>
-            </a:r>
-            <a:r>
-              <a:rPr lang="en-US" sz="1600" dirty="0" smtClean="0">
-                <a:solidFill>
-                  <a:schemeClr val="tx2">
-                    <a:lumMod val="60000"/>
-                    <a:lumOff val="40000"/>
-                  </a:schemeClr>
-                </a:solidFill>
-              </a:rPr>
-              <a:t/>
+              <a:t>color[u] ⟵ WHITE</a:t>
             </a:r>
             <a:br>
               <a:rPr lang="en-US" sz="1600" dirty="0" smtClean="0">
@@ -51711,18 +51125,7 @@
                   </a:schemeClr>
                 </a:solidFill>
               </a:rPr>
-              <a:t> </a:t>
-            </a:r>
-            <a:r>
-              <a:rPr lang="ru-RU" sz="1600" dirty="0" smtClean="0">
-                <a:solidFill>
-                  <a:schemeClr val="tx2">
-                    <a:lumMod val="60000"/>
-                    <a:lumOff val="40000"/>
-                  </a:schemeClr>
-                </a:solidFill>
-              </a:rPr>
-              <a:t>(для) каждой </a:t>
+              <a:t> (для) каждой </a:t>
             </a:r>
             <a:r>
               <a:rPr lang="ru-RU" sz="1600" dirty="0" err="1" smtClean="0">
@@ -51852,18 +51255,7 @@
                   </a:schemeClr>
                 </a:solidFill>
               </a:rPr>
-              <a:t>		</a:t>
-            </a:r>
-            <a:r>
-              <a:rPr lang="en-US" sz="1600" dirty="0" smtClean="0">
-                <a:solidFill>
-                  <a:schemeClr val="tx2">
-                    <a:lumMod val="60000"/>
-                    <a:lumOff val="40000"/>
-                  </a:schemeClr>
-                </a:solidFill>
-              </a:rPr>
-              <a:t> </a:t>
+              <a:t>		 </a:t>
             </a:r>
             <a:r>
               <a:rPr lang="en-US" sz="1600" dirty="0" err="1" smtClean="0">
@@ -51885,18 +51277,7 @@
                   </a:schemeClr>
                 </a:solidFill>
               </a:rPr>
-              <a:t>(G, </a:t>
-            </a:r>
-            <a:r>
-              <a:rPr lang="en-US" sz="1600" dirty="0" smtClean="0">
-                <a:solidFill>
-                  <a:schemeClr val="tx2">
-                    <a:lumMod val="60000"/>
-                    <a:lumOff val="40000"/>
-                  </a:schemeClr>
-                </a:solidFill>
-              </a:rPr>
-              <a:t>u, color) </a:t>
+              <a:t>(G, u, color) </a:t>
             </a:r>
             <a:br>
               <a:rPr lang="en-US" sz="1600" dirty="0" smtClean="0">
@@ -51939,20 +51320,12 @@
               <a:rPr lang="ru-RU" sz="1600" dirty="0" smtClean="0"/>
               <a:t>)</a:t>
             </a:r>
-            <a:r>
-              <a:rPr lang="ru-RU" sz="1600" dirty="0" smtClean="0"/>
-              <a:t/>
-            </a:r>
             <a:br>
               <a:rPr lang="ru-RU" sz="1600" dirty="0" smtClean="0"/>
             </a:br>
             <a:r>
               <a:rPr lang="en-US" sz="1600" dirty="0" smtClean="0"/>
-              <a:t>color[s] ⟵ </a:t>
-            </a:r>
-            <a:r>
-              <a:rPr lang="en-US" sz="1600" dirty="0" smtClean="0"/>
-              <a:t>BLACK</a:t>
+              <a:t>color[s] ⟵ BLACK</a:t>
             </a:r>
             <a:r>
               <a:rPr lang="ru-RU" sz="1600" dirty="0" smtClean="0"/>
@@ -51963,11 +51336,7 @@
             </a:br>
             <a:r>
               <a:rPr lang="en-US" sz="1600" dirty="0" smtClean="0"/>
-              <a:t>Q </a:t>
-            </a:r>
-            <a:r>
-              <a:rPr lang="en-US" sz="1600" dirty="0" smtClean="0"/>
-              <a:t>⟵ ∅</a:t>
+              <a:t>Q ⟵ ∅</a:t>
             </a:r>
             <a:r>
               <a:rPr lang="ru-RU" sz="1600" dirty="0" smtClean="0"/>
@@ -52113,11 +51482,7 @@
             </a:br>
             <a:r>
               <a:rPr lang="en-US" sz="1600" dirty="0" smtClean="0"/>
-              <a:t>			color[v] ⟵ </a:t>
-            </a:r>
-            <a:r>
-              <a:rPr lang="en-US" sz="1600" dirty="0" smtClean="0"/>
-              <a:t>BLACK</a:t>
+              <a:t>			color[v] ⟵ BLACK</a:t>
             </a:r>
             <a:br>
               <a:rPr lang="en-US" sz="1600" dirty="0" smtClean="0"/>
@@ -52132,33 +51497,21 @@
             </a:r>
             <a:r>
               <a:rPr lang="en-US" sz="1600" dirty="0" smtClean="0"/>
-              <a:t>Q, v</a:t>
-            </a:r>
-            <a:r>
-              <a:rPr lang="en-US" sz="1600" dirty="0" smtClean="0"/>
-              <a:t>)</a:t>
+              <a:t>Q, v)</a:t>
             </a:r>
             <a:br>
               <a:rPr lang="en-US" sz="1600" dirty="0" smtClean="0"/>
             </a:br>
             <a:r>
               <a:rPr lang="en-US" sz="1600" dirty="0" smtClean="0"/>
-              <a:t>	</a:t>
-            </a:r>
-            <a:r>
-              <a:rPr lang="en-US" sz="1600" dirty="0" smtClean="0"/>
-              <a:t>	else</a:t>
+              <a:t>		else</a:t>
             </a:r>
             <a:br>
               <a:rPr lang="en-US" sz="1600" dirty="0" smtClean="0"/>
             </a:br>
             <a:r>
               <a:rPr lang="en-US" sz="1600" dirty="0" smtClean="0"/>
-              <a:t>	</a:t>
-            </a:r>
-            <a:r>
-              <a:rPr lang="en-US" sz="1600" dirty="0" smtClean="0"/>
-              <a:t>		THERE IS A LOOP</a:t>
+              <a:t>			THERE IS A LOOP</a:t>
             </a:r>
             <a:endParaRPr lang="ru-RU" sz="1600" dirty="0"/>
           </a:p>
@@ -54747,7 +54100,6 @@
               <a:rPr lang="ru-RU" sz="2000" dirty="0" smtClean="0"/>
               <a:t>Во время обхода в ширину каждой вершине назначается номер волны и список всех предков.</a:t>
             </a:r>
-            <a:endParaRPr lang="ru-RU" sz="2000" dirty="0" smtClean="0"/>
           </a:p>
           <a:p>
             <a:pPr lvl="0">
@@ -54782,11 +54134,7 @@
             </a:pPr>
             <a:r>
               <a:rPr lang="ru-RU" sz="2000" dirty="0" smtClean="0"/>
-              <a:t>Если во время обхода происходит попытка обратиться к не белой вершине (что говорит о цикле), то для вершин образующих просматриваемое ребро ищется общий предок с минимальным номером волны. Из номеров волны </a:t>
-            </a:r>
-            <a:r>
-              <a:rPr lang="ru-RU" sz="2000" dirty="0" smtClean="0"/>
-              <a:t>получившихся трех вершин определяется длина цикла.</a:t>
+              <a:t>Если во время обхода происходит попытка обратиться к не белой вершине (что говорит о цикле), то для вершин образующих просматриваемое ребро ищется общий предок с минимальным номером волны. Из номеров волны получившихся трех вершин определяется длина цикла.</a:t>
             </a:r>
           </a:p>
         </p:txBody>
@@ -54930,7 +54278,6 @@
               <a:rPr lang="ru-RU" sz="2000" dirty="0" smtClean="0"/>
               <a:t>Во время обхода в ширину каждой вершине назначается номер волны.</a:t>
             </a:r>
-            <a:endParaRPr lang="ru-RU" sz="2000" dirty="0" smtClean="0"/>
           </a:p>
           <a:p>
             <a:pPr lvl="0">
@@ -54965,13 +54312,8 @@
             </a:pPr>
             <a:r>
               <a:rPr lang="ru-RU" sz="2000" dirty="0" smtClean="0"/>
-              <a:t>Если во время обхода происходит попытка обратиться к не белой вершине (что говорит о цикле), то просматриваемое ребро помещаются в специальный </a:t>
-            </a:r>
-            <a:r>
-              <a:rPr lang="ru-RU" sz="2000" dirty="0" smtClean="0"/>
-              <a:t>список.</a:t>
-            </a:r>
-            <a:endParaRPr lang="ru-RU" sz="2000" dirty="0" smtClean="0"/>
+              <a:t>Если во время обхода происходит попытка обратиться к не белой вершине (что говорит о цикле), то просматриваемое ребро помещаются в специальный список.</a:t>
+            </a:r>
           </a:p>
           <a:p>
             <a:pPr lvl="0">
@@ -55005,11 +54347,7 @@
             </a:r>
             <a:r>
               <a:rPr lang="ru-RU" sz="2000" smtClean="0"/>
-              <a:t>выше алгоритма)</a:t>
-            </a:r>
-            <a:r>
-              <a:rPr lang="ru-RU" sz="2000" smtClean="0"/>
-              <a:t>.</a:t>
+              <a:t>выше алгоритма).</a:t>
             </a:r>
             <a:endParaRPr lang="ru-RU" sz="2000" dirty="0" smtClean="0"/>
           </a:p>

--- a/Презентации/Лекция 1.pptx
+++ b/Презентации/Лекция 1.pptx
@@ -360,7 +360,7 @@
             <a:fld id="{5B106E36-FD25-4E2D-B0AA-010F637433A0}" type="datetimeFigureOut">
               <a:rPr lang="ru-RU" smtClean="0"/>
               <a:pPr/>
-              <a:t>29.03.2021</a:t>
+              <a:t>22.03.2021</a:t>
             </a:fld>
             <a:endParaRPr lang="ru-RU"/>
           </a:p>
@@ -527,7 +527,7 @@
             <a:fld id="{5B106E36-FD25-4E2D-B0AA-010F637433A0}" type="datetimeFigureOut">
               <a:rPr lang="ru-RU" smtClean="0"/>
               <a:pPr/>
-              <a:t>29.03.2021</a:t>
+              <a:t>22.03.2021</a:t>
             </a:fld>
             <a:endParaRPr lang="ru-RU"/>
           </a:p>
@@ -704,7 +704,7 @@
             <a:fld id="{5B106E36-FD25-4E2D-B0AA-010F637433A0}" type="datetimeFigureOut">
               <a:rPr lang="ru-RU" smtClean="0"/>
               <a:pPr/>
-              <a:t>29.03.2021</a:t>
+              <a:t>22.03.2021</a:t>
             </a:fld>
             <a:endParaRPr lang="ru-RU"/>
           </a:p>
@@ -871,7 +871,7 @@
             <a:fld id="{5B106E36-FD25-4E2D-B0AA-010F637433A0}" type="datetimeFigureOut">
               <a:rPr lang="ru-RU" smtClean="0"/>
               <a:pPr/>
-              <a:t>29.03.2021</a:t>
+              <a:t>22.03.2021</a:t>
             </a:fld>
             <a:endParaRPr lang="ru-RU"/>
           </a:p>
@@ -1114,7 +1114,7 @@
             <a:fld id="{5B106E36-FD25-4E2D-B0AA-010F637433A0}" type="datetimeFigureOut">
               <a:rPr lang="ru-RU" smtClean="0"/>
               <a:pPr/>
-              <a:t>29.03.2021</a:t>
+              <a:t>22.03.2021</a:t>
             </a:fld>
             <a:endParaRPr lang="ru-RU"/>
           </a:p>
@@ -1399,7 +1399,7 @@
             <a:fld id="{5B106E36-FD25-4E2D-B0AA-010F637433A0}" type="datetimeFigureOut">
               <a:rPr lang="ru-RU" smtClean="0"/>
               <a:pPr/>
-              <a:t>29.03.2021</a:t>
+              <a:t>22.03.2021</a:t>
             </a:fld>
             <a:endParaRPr lang="ru-RU"/>
           </a:p>
@@ -1818,7 +1818,7 @@
             <a:fld id="{5B106E36-FD25-4E2D-B0AA-010F637433A0}" type="datetimeFigureOut">
               <a:rPr lang="ru-RU" smtClean="0"/>
               <a:pPr/>
-              <a:t>29.03.2021</a:t>
+              <a:t>22.03.2021</a:t>
             </a:fld>
             <a:endParaRPr lang="ru-RU"/>
           </a:p>
@@ -1933,7 +1933,7 @@
             <a:fld id="{5B106E36-FD25-4E2D-B0AA-010F637433A0}" type="datetimeFigureOut">
               <a:rPr lang="ru-RU" smtClean="0"/>
               <a:pPr/>
-              <a:t>29.03.2021</a:t>
+              <a:t>22.03.2021</a:t>
             </a:fld>
             <a:endParaRPr lang="ru-RU"/>
           </a:p>
@@ -2025,7 +2025,7 @@
             <a:fld id="{5B106E36-FD25-4E2D-B0AA-010F637433A0}" type="datetimeFigureOut">
               <a:rPr lang="ru-RU" smtClean="0"/>
               <a:pPr/>
-              <a:t>29.03.2021</a:t>
+              <a:t>22.03.2021</a:t>
             </a:fld>
             <a:endParaRPr lang="ru-RU"/>
           </a:p>
@@ -2299,7 +2299,7 @@
             <a:fld id="{5B106E36-FD25-4E2D-B0AA-010F637433A0}" type="datetimeFigureOut">
               <a:rPr lang="ru-RU" smtClean="0"/>
               <a:pPr/>
-              <a:t>29.03.2021</a:t>
+              <a:t>22.03.2021</a:t>
             </a:fld>
             <a:endParaRPr lang="ru-RU"/>
           </a:p>
@@ -2549,7 +2549,7 @@
             <a:fld id="{5B106E36-FD25-4E2D-B0AA-010F637433A0}" type="datetimeFigureOut">
               <a:rPr lang="ru-RU" smtClean="0"/>
               <a:pPr/>
-              <a:t>29.03.2021</a:t>
+              <a:t>22.03.2021</a:t>
             </a:fld>
             <a:endParaRPr lang="ru-RU"/>
           </a:p>
@@ -2759,7 +2759,7 @@
             <a:fld id="{5B106E36-FD25-4E2D-B0AA-010F637433A0}" type="datetimeFigureOut">
               <a:rPr lang="ru-RU" smtClean="0"/>
               <a:pPr/>
-              <a:t>29.03.2021</a:t>
+              <a:t>22.03.2021</a:t>
             </a:fld>
             <a:endParaRPr lang="ru-RU"/>
           </a:p>
@@ -37466,7 +37466,40 @@
                   </a:schemeClr>
                 </a:solidFill>
               </a:rPr>
-              <a:t>(G, u, color, d, π) </a:t>
+              <a:t>(</a:t>
+            </a:r>
+            <a:r>
+              <a:rPr lang="en-US" sz="1600" dirty="0" smtClean="0">
+                <a:solidFill>
+                  <a:schemeClr val="tx2">
+                    <a:lumMod val="60000"/>
+                    <a:lumOff val="40000"/>
+                  </a:schemeClr>
+                </a:solidFill>
+              </a:rPr>
+              <a:t>G, </a:t>
+            </a:r>
+            <a:r>
+              <a:rPr lang="en-US" sz="1600" dirty="0" smtClean="0">
+                <a:solidFill>
+                  <a:schemeClr val="tx2">
+                    <a:lumMod val="60000"/>
+                    <a:lumOff val="40000"/>
+                  </a:schemeClr>
+                </a:solidFill>
+              </a:rPr>
+              <a:t>u, color, d</a:t>
+            </a:r>
+            <a:r>
+              <a:rPr lang="en-US" sz="1600" dirty="0" smtClean="0">
+                <a:solidFill>
+                  <a:schemeClr val="tx2">
+                    <a:lumMod val="60000"/>
+                    <a:lumOff val="40000"/>
+                  </a:schemeClr>
+                </a:solidFill>
+              </a:rPr>
+              <a:t>, π) </a:t>
             </a:r>
             <a:r>
               <a:rPr lang="ru-RU" sz="1600" dirty="0" smtClean="0"/>
@@ -37500,11 +37533,19 @@
             </a:r>
             <a:r>
               <a:rPr lang="en-US" sz="1600" dirty="0" smtClean="0"/>
-              <a:t>s, color, d, π</a:t>
+              <a:t>s, color, d</a:t>
+            </a:r>
+            <a:r>
+              <a:rPr lang="en-US" sz="1600" dirty="0" smtClean="0"/>
+              <a:t>, π</a:t>
             </a:r>
             <a:r>
               <a:rPr lang="ru-RU" sz="1600" dirty="0" smtClean="0"/>
               <a:t>)</a:t>
+            </a:r>
+            <a:r>
+              <a:rPr lang="ru-RU" sz="1600" dirty="0" smtClean="0"/>
+              <a:t/>
             </a:r>
             <a:br>
               <a:rPr lang="ru-RU" sz="1600" dirty="0" smtClean="0"/>
@@ -44130,7 +44171,29 @@
                   </a:schemeClr>
                 </a:solidFill>
               </a:rPr>
-              <a:t>(G, u, color) </a:t>
+              <a:t>(G</a:t>
+            </a:r>
+            <a:r>
+              <a:rPr lang="en-US" sz="1600" dirty="0" smtClean="0">
+                <a:solidFill>
+                  <a:schemeClr val="tx2">
+                    <a:lumMod val="60000"/>
+                    <a:lumOff val="40000"/>
+                  </a:schemeClr>
+                </a:solidFill>
+              </a:rPr>
+              <a:t>, </a:t>
+            </a:r>
+            <a:r>
+              <a:rPr lang="en-US" sz="1600" dirty="0" smtClean="0">
+                <a:solidFill>
+                  <a:schemeClr val="tx2">
+                    <a:lumMod val="60000"/>
+                    <a:lumOff val="40000"/>
+                  </a:schemeClr>
+                </a:solidFill>
+              </a:rPr>
+              <a:t>u, color) </a:t>
             </a:r>
             <a:r>
               <a:rPr lang="ru-RU" sz="1600" dirty="0" smtClean="0"/>
@@ -44159,7 +44222,18 @@
                   </a:schemeClr>
                 </a:solidFill>
               </a:rPr>
-              <a:t> (для) каждой </a:t>
+              <a:t> </a:t>
+            </a:r>
+            <a:r>
+              <a:rPr lang="ru-RU" sz="1600" dirty="0" smtClean="0">
+                <a:solidFill>
+                  <a:schemeClr val="tx2">
+                    <a:lumMod val="60000"/>
+                    <a:lumOff val="40000"/>
+                  </a:schemeClr>
+                </a:solidFill>
+              </a:rPr>
+              <a:t>(для) каждой </a:t>
             </a:r>
             <a:r>
               <a:rPr lang="ru-RU" sz="1600" dirty="0" err="1" smtClean="0">
@@ -44289,7 +44363,18 @@
                   </a:schemeClr>
                 </a:solidFill>
               </a:rPr>
-              <a:t>		NOT CONNECTED GRAPH</a:t>
+              <a:t>		</a:t>
+            </a:r>
+            <a:r>
+              <a:rPr lang="en-US" sz="1600" dirty="0" smtClean="0">
+                <a:solidFill>
+                  <a:schemeClr val="tx2">
+                    <a:lumMod val="60000"/>
+                    <a:lumOff val="40000"/>
+                  </a:schemeClr>
+                </a:solidFill>
+              </a:rPr>
+              <a:t>NOT CONNECTED GRAPH</a:t>
             </a:r>
             <a:r>
               <a:rPr lang="ru-RU" sz="1600" dirty="0" smtClean="0"/>
@@ -44329,12 +44414,20 @@
               <a:rPr lang="ru-RU" sz="1600" dirty="0" smtClean="0"/>
               <a:t>)</a:t>
             </a:r>
+            <a:r>
+              <a:rPr lang="ru-RU" sz="1600" dirty="0" smtClean="0"/>
+              <a:t/>
+            </a:r>
             <a:br>
               <a:rPr lang="ru-RU" sz="1600" dirty="0" smtClean="0"/>
             </a:br>
             <a:r>
               <a:rPr lang="en-US" sz="1600" dirty="0" smtClean="0"/>
-              <a:t>color[s] ⟵ BLACK</a:t>
+              <a:t>color[s] ⟵ </a:t>
+            </a:r>
+            <a:r>
+              <a:rPr lang="en-US" sz="1600" dirty="0" smtClean="0"/>
+              <a:t>BLACK</a:t>
             </a:r>
             <a:r>
               <a:rPr lang="ru-RU" sz="1600" dirty="0" smtClean="0"/>
@@ -44345,7 +44438,11 @@
             </a:br>
             <a:r>
               <a:rPr lang="en-US" sz="1600" dirty="0" smtClean="0"/>
-              <a:t>Q ⟵ ∅</a:t>
+              <a:t>Q </a:t>
+            </a:r>
+            <a:r>
+              <a:rPr lang="en-US" sz="1600" dirty="0" smtClean="0"/>
+              <a:t>⟵ ∅</a:t>
             </a:r>
             <a:r>
               <a:rPr lang="ru-RU" sz="1600" dirty="0" smtClean="0"/>
@@ -44491,7 +44588,11 @@
             </a:br>
             <a:r>
               <a:rPr lang="en-US" sz="1600" dirty="0" smtClean="0"/>
-              <a:t>			color[v] ⟵ BLACK</a:t>
+              <a:t>			color[v] ⟵ </a:t>
+            </a:r>
+            <a:r>
+              <a:rPr lang="en-US" sz="1600" dirty="0" smtClean="0"/>
+              <a:t>BLACK</a:t>
             </a:r>
             <a:r>
               <a:rPr lang="ru-RU" sz="1600" dirty="0" smtClean="0"/>
@@ -44510,7 +44611,11 @@
             </a:r>
             <a:r>
               <a:rPr lang="en-US" sz="1600" dirty="0" smtClean="0"/>
-              <a:t>Q, v)</a:t>
+              <a:t>Q, v</a:t>
+            </a:r>
+            <a:r>
+              <a:rPr lang="en-US" sz="1600" dirty="0" smtClean="0"/>
+              <a:t>)</a:t>
             </a:r>
             <a:endParaRPr lang="ru-RU" sz="1600" dirty="0"/>
           </a:p>
@@ -45043,7 +45148,18 @@
                   </a:schemeClr>
                 </a:solidFill>
               </a:rPr>
-              <a:t>color[u] ⟵ WHITE</a:t>
+              <a:t>color[u] ⟵ </a:t>
+            </a:r>
+            <a:r>
+              <a:rPr lang="en-US" sz="1600" dirty="0" smtClean="0">
+                <a:solidFill>
+                  <a:schemeClr val="tx2">
+                    <a:lumMod val="60000"/>
+                    <a:lumOff val="40000"/>
+                  </a:schemeClr>
+                </a:solidFill>
+              </a:rPr>
+              <a:t>WHITE</a:t>
             </a:r>
             <a:br>
               <a:rPr lang="en-US" sz="1600" dirty="0" smtClean="0">
@@ -45064,7 +45180,40 @@
                   </a:schemeClr>
                 </a:solidFill>
               </a:rPr>
-              <a:t>	d[u] ⟵ 0</a:t>
+              <a:t>	</a:t>
+            </a:r>
+            <a:r>
+              <a:rPr lang="en-US" sz="1600" dirty="0" smtClean="0">
+                <a:solidFill>
+                  <a:schemeClr val="tx2">
+                    <a:lumMod val="60000"/>
+                    <a:lumOff val="40000"/>
+                  </a:schemeClr>
+                </a:solidFill>
+              </a:rPr>
+              <a:t>d[u]</a:t>
+            </a:r>
+            <a:r>
+              <a:rPr lang="en-US" sz="1600" dirty="0" smtClean="0">
+                <a:solidFill>
+                  <a:schemeClr val="tx2">
+                    <a:lumMod val="60000"/>
+                    <a:lumOff val="40000"/>
+                  </a:schemeClr>
+                </a:solidFill>
+              </a:rPr>
+              <a:t> ⟵ </a:t>
+            </a:r>
+            <a:r>
+              <a:rPr lang="en-US" sz="1600" dirty="0" smtClean="0">
+                <a:solidFill>
+                  <a:schemeClr val="tx2">
+                    <a:lumMod val="60000"/>
+                    <a:lumOff val="40000"/>
+                  </a:schemeClr>
+                </a:solidFill>
+              </a:rPr>
+              <a:t>0</a:t>
             </a:r>
             <a:br>
               <a:rPr lang="en-US" sz="1600" dirty="0" smtClean="0">
@@ -45085,7 +45234,18 @@
                   </a:schemeClr>
                 </a:solidFill>
               </a:rPr>
-              <a:t>	count</a:t>
+              <a:t>	</a:t>
+            </a:r>
+            <a:r>
+              <a:rPr lang="en-US" sz="1600" dirty="0" smtClean="0">
+                <a:solidFill>
+                  <a:schemeClr val="tx2">
+                    <a:lumMod val="60000"/>
+                    <a:lumOff val="40000"/>
+                  </a:schemeClr>
+                </a:solidFill>
+              </a:rPr>
+              <a:t>count</a:t>
             </a:r>
             <a:r>
               <a:rPr lang="en-US" sz="1600" dirty="0" smtClean="0"/>
@@ -45101,6 +45261,17 @@
                 </a:solidFill>
               </a:rPr>
               <a:t>⟵ 0 </a:t>
+            </a:r>
+            <a:r>
+              <a:rPr lang="en-US" sz="1600" dirty="0" smtClean="0">
+                <a:solidFill>
+                  <a:schemeClr val="tx2">
+                    <a:lumMod val="60000"/>
+                    <a:lumOff val="40000"/>
+                  </a:schemeClr>
+                </a:solidFill>
+              </a:rPr>
+              <a:t/>
             </a:r>
             <a:br>
               <a:rPr lang="en-US" sz="1600" dirty="0" smtClean="0">
@@ -45132,7 +45303,18 @@
                   </a:schemeClr>
                 </a:solidFill>
               </a:rPr>
-              <a:t> (для) каждой </a:t>
+              <a:t> </a:t>
+            </a:r>
+            <a:r>
+              <a:rPr lang="ru-RU" sz="1600" dirty="0" smtClean="0">
+                <a:solidFill>
+                  <a:schemeClr val="tx2">
+                    <a:lumMod val="60000"/>
+                    <a:lumOff val="40000"/>
+                  </a:schemeClr>
+                </a:solidFill>
+              </a:rPr>
+              <a:t>(для) каждой </a:t>
             </a:r>
             <a:r>
               <a:rPr lang="ru-RU" sz="1600" dirty="0" err="1" smtClean="0">
@@ -45262,7 +45444,18 @@
                   </a:schemeClr>
                 </a:solidFill>
               </a:rPr>
-              <a:t>		 </a:t>
+              <a:t>		</a:t>
+            </a:r>
+            <a:r>
+              <a:rPr lang="en-US" sz="1600" dirty="0" smtClean="0">
+                <a:solidFill>
+                  <a:schemeClr val="tx2">
+                    <a:lumMod val="60000"/>
+                    <a:lumOff val="40000"/>
+                  </a:schemeClr>
+                </a:solidFill>
+              </a:rPr>
+              <a:t> </a:t>
             </a:r>
             <a:r>
               <a:rPr lang="en-US" sz="1600" dirty="0" err="1" smtClean="0">
@@ -45284,7 +45477,18 @@
                   </a:schemeClr>
                 </a:solidFill>
               </a:rPr>
-              <a:t>(G, u, color, d, count) </a:t>
+              <a:t>(G, </a:t>
+            </a:r>
+            <a:r>
+              <a:rPr lang="en-US" sz="1600" dirty="0" smtClean="0">
+                <a:solidFill>
+                  <a:schemeClr val="tx2">
+                    <a:lumMod val="60000"/>
+                    <a:lumOff val="40000"/>
+                  </a:schemeClr>
+                </a:solidFill>
+              </a:rPr>
+              <a:t>u, color, d, count) </a:t>
             </a:r>
             <a:br>
               <a:rPr lang="en-US" sz="1600" dirty="0" smtClean="0">
@@ -45305,7 +45509,40 @@
                   </a:schemeClr>
                 </a:solidFill>
               </a:rPr>
-              <a:t>		count ⟵ count+1</a:t>
+              <a:t>	</a:t>
+            </a:r>
+            <a:r>
+              <a:rPr lang="en-US" sz="1600" dirty="0" smtClean="0">
+                <a:solidFill>
+                  <a:schemeClr val="tx2">
+                    <a:lumMod val="60000"/>
+                    <a:lumOff val="40000"/>
+                  </a:schemeClr>
+                </a:solidFill>
+              </a:rPr>
+              <a:t>	count</a:t>
+            </a:r>
+            <a:r>
+              <a:rPr lang="en-US" sz="1600" dirty="0" smtClean="0">
+                <a:solidFill>
+                  <a:schemeClr val="tx2">
+                    <a:lumMod val="60000"/>
+                    <a:lumOff val="40000"/>
+                  </a:schemeClr>
+                </a:solidFill>
+              </a:rPr>
+              <a:t> ⟵ </a:t>
+            </a:r>
+            <a:r>
+              <a:rPr lang="en-US" sz="1600" dirty="0" smtClean="0">
+                <a:solidFill>
+                  <a:schemeClr val="tx2">
+                    <a:lumMod val="60000"/>
+                    <a:lumOff val="40000"/>
+                  </a:schemeClr>
+                </a:solidFill>
+              </a:rPr>
+              <a:t>count+1</a:t>
             </a:r>
             <a:r>
               <a:rPr lang="ru-RU" sz="1600" dirty="0" smtClean="0"/>
@@ -45345,12 +45582,20 @@
               <a:rPr lang="ru-RU" sz="1600" dirty="0" smtClean="0"/>
               <a:t>)</a:t>
             </a:r>
+            <a:r>
+              <a:rPr lang="ru-RU" sz="1600" dirty="0" smtClean="0"/>
+              <a:t/>
+            </a:r>
             <a:br>
               <a:rPr lang="ru-RU" sz="1600" dirty="0" smtClean="0"/>
             </a:br>
             <a:r>
               <a:rPr lang="en-US" sz="1600" dirty="0" smtClean="0"/>
-              <a:t>color[s] ⟵ BLACK</a:t>
+              <a:t>color[s] ⟵ </a:t>
+            </a:r>
+            <a:r>
+              <a:rPr lang="en-US" sz="1600" dirty="0" smtClean="0"/>
+              <a:t>BLACK</a:t>
             </a:r>
             <a:r>
               <a:rPr lang="ru-RU" sz="1600" dirty="0" smtClean="0"/>
@@ -45361,7 +45606,11 @@
             </a:br>
             <a:r>
               <a:rPr lang="en-US" sz="1600" dirty="0" smtClean="0"/>
-              <a:t>Q ⟵ ∅</a:t>
+              <a:t>Q </a:t>
+            </a:r>
+            <a:r>
+              <a:rPr lang="en-US" sz="1600" dirty="0" smtClean="0"/>
+              <a:t>⟵ ∅</a:t>
             </a:r>
             <a:r>
               <a:rPr lang="ru-RU" sz="1600" dirty="0" smtClean="0"/>
@@ -45507,14 +45756,30 @@
             </a:br>
             <a:r>
               <a:rPr lang="en-US" sz="1600" dirty="0" smtClean="0"/>
-              <a:t>			color[v] ⟵ BLACK</a:t>
+              <a:t>			color[v] ⟵ </a:t>
+            </a:r>
+            <a:r>
+              <a:rPr lang="en-US" sz="1600" dirty="0" smtClean="0"/>
+              <a:t>BLACK</a:t>
             </a:r>
             <a:br>
               <a:rPr lang="en-US" sz="1600" dirty="0" smtClean="0"/>
             </a:br>
             <a:r>
               <a:rPr lang="en-US" sz="1600" dirty="0" smtClean="0"/>
-              <a:t>			d[v] ⟵ count</a:t>
+              <a:t>			</a:t>
+            </a:r>
+            <a:r>
+              <a:rPr lang="en-US" sz="1600" dirty="0" smtClean="0"/>
+              <a:t>d[v]</a:t>
+            </a:r>
+            <a:r>
+              <a:rPr lang="en-US" sz="1600" dirty="0" smtClean="0"/>
+              <a:t> ⟵ </a:t>
+            </a:r>
+            <a:r>
+              <a:rPr lang="en-US" sz="1600" dirty="0" smtClean="0"/>
+              <a:t>count</a:t>
             </a:r>
             <a:r>
               <a:rPr lang="ru-RU" sz="1600" dirty="0" smtClean="0"/>
@@ -45533,7 +45798,11 @@
             </a:r>
             <a:r>
               <a:rPr lang="en-US" sz="1600" dirty="0" smtClean="0"/>
-              <a:t>Q, v)</a:t>
+              <a:t>Q, v</a:t>
+            </a:r>
+            <a:r>
+              <a:rPr lang="en-US" sz="1600" dirty="0" smtClean="0"/>
+              <a:t>)</a:t>
             </a:r>
             <a:endParaRPr lang="ru-RU" sz="1600" dirty="0"/>
           </a:p>
@@ -47797,7 +48066,18 @@
                   </a:schemeClr>
                 </a:solidFill>
               </a:rPr>
-              <a:t>color[u] ⟵ WHITE</a:t>
+              <a:t>color[u] ⟵ </a:t>
+            </a:r>
+            <a:r>
+              <a:rPr lang="en-US" sz="1600" dirty="0" smtClean="0">
+                <a:solidFill>
+                  <a:schemeClr val="tx2">
+                    <a:lumMod val="60000"/>
+                    <a:lumOff val="40000"/>
+                  </a:schemeClr>
+                </a:solidFill>
+              </a:rPr>
+              <a:t>WHITE</a:t>
             </a:r>
             <a:br>
               <a:rPr lang="en-US" sz="1600" dirty="0" smtClean="0">
@@ -47818,7 +48098,40 @@
                   </a:schemeClr>
                 </a:solidFill>
               </a:rPr>
-              <a:t>	d[u] ⟵ 0</a:t>
+              <a:t>	</a:t>
+            </a:r>
+            <a:r>
+              <a:rPr lang="en-US" sz="1600" dirty="0" smtClean="0">
+                <a:solidFill>
+                  <a:schemeClr val="tx2">
+                    <a:lumMod val="60000"/>
+                    <a:lumOff val="40000"/>
+                  </a:schemeClr>
+                </a:solidFill>
+              </a:rPr>
+              <a:t>d[u]</a:t>
+            </a:r>
+            <a:r>
+              <a:rPr lang="en-US" sz="1600" dirty="0" smtClean="0">
+                <a:solidFill>
+                  <a:schemeClr val="tx2">
+                    <a:lumMod val="60000"/>
+                    <a:lumOff val="40000"/>
+                  </a:schemeClr>
+                </a:solidFill>
+              </a:rPr>
+              <a:t> ⟵ </a:t>
+            </a:r>
+            <a:r>
+              <a:rPr lang="en-US" sz="1600" dirty="0" smtClean="0">
+                <a:solidFill>
+                  <a:schemeClr val="tx2">
+                    <a:lumMod val="60000"/>
+                    <a:lumOff val="40000"/>
+                  </a:schemeClr>
+                </a:solidFill>
+              </a:rPr>
+              <a:t>0</a:t>
             </a:r>
             <a:br>
               <a:rPr lang="en-US" sz="1600" dirty="0" smtClean="0">
@@ -47850,7 +48163,18 @@
                   </a:schemeClr>
                 </a:solidFill>
               </a:rPr>
-              <a:t> (для) каждой </a:t>
+              <a:t> </a:t>
+            </a:r>
+            <a:r>
+              <a:rPr lang="ru-RU" sz="1600" dirty="0" smtClean="0">
+                <a:solidFill>
+                  <a:schemeClr val="tx2">
+                    <a:lumMod val="60000"/>
+                    <a:lumOff val="40000"/>
+                  </a:schemeClr>
+                </a:solidFill>
+              </a:rPr>
+              <a:t>(для) каждой </a:t>
             </a:r>
             <a:r>
               <a:rPr lang="ru-RU" sz="1600" dirty="0" err="1" smtClean="0">
@@ -47980,7 +48304,18 @@
                   </a:schemeClr>
                 </a:solidFill>
               </a:rPr>
-              <a:t>		 </a:t>
+              <a:t>		</a:t>
+            </a:r>
+            <a:r>
+              <a:rPr lang="en-US" sz="1600" dirty="0" smtClean="0">
+                <a:solidFill>
+                  <a:schemeClr val="tx2">
+                    <a:lumMod val="60000"/>
+                    <a:lumOff val="40000"/>
+                  </a:schemeClr>
+                </a:solidFill>
+              </a:rPr>
+              <a:t> </a:t>
             </a:r>
             <a:r>
               <a:rPr lang="en-US" sz="1600" dirty="0" err="1" smtClean="0">
@@ -48002,7 +48337,18 @@
                   </a:schemeClr>
                 </a:solidFill>
               </a:rPr>
-              <a:t>(G, u, color, d</a:t>
+              <a:t>(G, </a:t>
+            </a:r>
+            <a:r>
+              <a:rPr lang="en-US" sz="1600" dirty="0" smtClean="0">
+                <a:solidFill>
+                  <a:schemeClr val="tx2">
+                    <a:lumMod val="60000"/>
+                    <a:lumOff val="40000"/>
+                  </a:schemeClr>
+                </a:solidFill>
+              </a:rPr>
+              <a:t>u, color, d</a:t>
             </a:r>
             <a:r>
               <a:rPr lang="ru-RU" sz="1600" dirty="0" smtClean="0">
@@ -48067,12 +48413,20 @@
               <a:rPr lang="ru-RU" sz="1600" dirty="0" smtClean="0"/>
               <a:t>)</a:t>
             </a:r>
+            <a:r>
+              <a:rPr lang="ru-RU" sz="1600" dirty="0" smtClean="0"/>
+              <a:t/>
+            </a:r>
             <a:br>
               <a:rPr lang="ru-RU" sz="1600" dirty="0" smtClean="0"/>
             </a:br>
             <a:r>
               <a:rPr lang="en-US" sz="1600" dirty="0" smtClean="0"/>
-              <a:t>color[s] ⟵ BLACK</a:t>
+              <a:t>color[s] ⟵ </a:t>
+            </a:r>
+            <a:r>
+              <a:rPr lang="en-US" sz="1600" dirty="0" smtClean="0"/>
+              <a:t>BLACK</a:t>
             </a:r>
             <a:r>
               <a:rPr lang="ru-RU" sz="1600" dirty="0" smtClean="0"/>
@@ -48083,7 +48437,11 @@
             </a:br>
             <a:r>
               <a:rPr lang="en-US" sz="1600" dirty="0" smtClean="0"/>
-              <a:t>Q ⟵ ∅</a:t>
+              <a:t>Q </a:t>
+            </a:r>
+            <a:r>
+              <a:rPr lang="en-US" sz="1600" dirty="0" smtClean="0"/>
+              <a:t>⟵ ∅</a:t>
             </a:r>
             <a:r>
               <a:rPr lang="ru-RU" sz="1600" dirty="0" smtClean="0"/>
@@ -48229,14 +48587,30 @@
             </a:br>
             <a:r>
               <a:rPr lang="en-US" sz="1600" dirty="0" smtClean="0"/>
-              <a:t>			color[v] ⟵ BLACK</a:t>
+              <a:t>			color[v] ⟵ </a:t>
+            </a:r>
+            <a:r>
+              <a:rPr lang="en-US" sz="1600" dirty="0" smtClean="0"/>
+              <a:t>BLACK</a:t>
             </a:r>
             <a:br>
               <a:rPr lang="en-US" sz="1600" dirty="0" smtClean="0"/>
             </a:br>
             <a:r>
               <a:rPr lang="en-US" sz="1600" dirty="0" smtClean="0"/>
-              <a:t>			d[v] ⟵ d[v]+1</a:t>
+              <a:t>			</a:t>
+            </a:r>
+            <a:r>
+              <a:rPr lang="en-US" sz="1600" dirty="0" smtClean="0"/>
+              <a:t>d[v]</a:t>
+            </a:r>
+            <a:r>
+              <a:rPr lang="en-US" sz="1600" dirty="0" smtClean="0"/>
+              <a:t> ⟵ </a:t>
+            </a:r>
+            <a:r>
+              <a:rPr lang="en-US" sz="1600" dirty="0" smtClean="0"/>
+              <a:t>d[v]+1</a:t>
             </a:r>
             <a:r>
               <a:rPr lang="ru-RU" sz="1600" dirty="0" smtClean="0"/>
@@ -48255,7 +48629,11 @@
             </a:r>
             <a:r>
               <a:rPr lang="en-US" sz="1600" dirty="0" smtClean="0"/>
-              <a:t>Q, v)</a:t>
+              <a:t>Q, v</a:t>
+            </a:r>
+            <a:r>
+              <a:rPr lang="en-US" sz="1600" dirty="0" smtClean="0"/>
+              <a:t>)</a:t>
             </a:r>
             <a:endParaRPr lang="ru-RU" sz="1600" dirty="0"/>
           </a:p>
@@ -48460,7 +48838,11 @@
             </a:r>
             <a:r>
               <a:rPr lang="ru-RU" sz="2800" dirty="0" smtClean="0"/>
-              <a:t> графе.</a:t>
+              <a:t> </a:t>
+            </a:r>
+            <a:r>
+              <a:rPr lang="ru-RU" sz="2800" dirty="0" smtClean="0"/>
+              <a:t>графе.</a:t>
             </a:r>
           </a:p>
         </p:txBody>
@@ -50103,6 +50485,17 @@
               </a:rPr>
               <a:t>)</a:t>
             </a:r>
+            <a:r>
+              <a:rPr lang="ru-RU" sz="1600" dirty="0" smtClean="0">
+                <a:solidFill>
+                  <a:schemeClr val="tx2">
+                    <a:lumMod val="60000"/>
+                    <a:lumOff val="40000"/>
+                  </a:schemeClr>
+                </a:solidFill>
+              </a:rPr>
+              <a:t/>
+            </a:r>
             <a:br>
               <a:rPr lang="ru-RU" sz="1600" dirty="0" smtClean="0">
                 <a:solidFill>
@@ -50273,7 +50666,73 @@
                   </a:schemeClr>
                 </a:solidFill>
               </a:rPr>
-              <a:t>(G, s, color, π) </a:t>
+              <a:t>(</a:t>
+            </a:r>
+            <a:r>
+              <a:rPr lang="en-US" sz="1600" dirty="0" smtClean="0">
+                <a:solidFill>
+                  <a:schemeClr val="tx2">
+                    <a:lumMod val="60000"/>
+                    <a:lumOff val="40000"/>
+                  </a:schemeClr>
+                </a:solidFill>
+              </a:rPr>
+              <a:t>G, </a:t>
+            </a:r>
+            <a:r>
+              <a:rPr lang="en-US" sz="1600" dirty="0" smtClean="0">
+                <a:solidFill>
+                  <a:schemeClr val="tx2">
+                    <a:lumMod val="60000"/>
+                    <a:lumOff val="40000"/>
+                  </a:schemeClr>
+                </a:solidFill>
+              </a:rPr>
+              <a:t>s</a:t>
+            </a:r>
+            <a:r>
+              <a:rPr lang="en-US" sz="1600" dirty="0" smtClean="0">
+                <a:solidFill>
+                  <a:schemeClr val="tx2">
+                    <a:lumMod val="60000"/>
+                    <a:lumOff val="40000"/>
+                  </a:schemeClr>
+                </a:solidFill>
+              </a:rPr>
+              <a:t>, color,</a:t>
+            </a:r>
+            <a:r>
+              <a:rPr lang="en-US" sz="1600" dirty="0" smtClean="0">
+                <a:solidFill>
+                  <a:schemeClr val="tx2">
+                    <a:lumMod val="60000"/>
+                    <a:lumOff val="40000"/>
+                  </a:schemeClr>
+                </a:solidFill>
+              </a:rPr>
+              <a:t> </a:t>
+            </a:r>
+            <a:r>
+              <a:rPr lang="en-US" sz="1600" dirty="0" smtClean="0">
+                <a:solidFill>
+                  <a:schemeClr val="tx2">
+                    <a:lumMod val="60000"/>
+                    <a:lumOff val="40000"/>
+                  </a:schemeClr>
+                </a:solidFill>
+              </a:rPr>
+              <a:t>π) </a:t>
+            </a:r>
+            <a:r>
+              <a:rPr lang="en-US" sz="1600" dirty="0" smtClean="0">
+                <a:solidFill>
+                  <a:schemeClr val="tx2">
+                    <a:lumMod val="60000"/>
+                    <a:lumOff val="40000"/>
+                  </a:schemeClr>
+                </a:solidFill>
+              </a:rPr>
+              <a:t/>
             </a:r>
             <a:br>
               <a:rPr lang="en-US" sz="1600" dirty="0" smtClean="0">
@@ -50294,7 +50753,18 @@
                   </a:schemeClr>
                 </a:solidFill>
               </a:rPr>
-              <a:t>PATH⟵ ∅</a:t>
+              <a:t>PATH⟵ </a:t>
+            </a:r>
+            <a:r>
+              <a:rPr lang="en-US" sz="1600" dirty="0" smtClean="0">
+                <a:solidFill>
+                  <a:schemeClr val="tx2">
+                    <a:lumMod val="60000"/>
+                    <a:lumOff val="40000"/>
+                  </a:schemeClr>
+                </a:solidFill>
+              </a:rPr>
+              <a:t>∅</a:t>
             </a:r>
             <a:r>
               <a:rPr lang="en-US" sz="1600" dirty="0" smtClean="0"/>
@@ -50330,7 +50800,29 @@
                   </a:schemeClr>
                 </a:solidFill>
               </a:rPr>
-              <a:t>parent ⟵ t</a:t>
+              <a:t>parent </a:t>
+            </a:r>
+            <a:r>
+              <a:rPr lang="en-US" sz="1600" dirty="0" smtClean="0">
+                <a:solidFill>
+                  <a:schemeClr val="tx2">
+                    <a:lumMod val="60000"/>
+                    <a:lumOff val="40000"/>
+                  </a:schemeClr>
+                </a:solidFill>
+              </a:rPr>
+              <a:t>⟵ </a:t>
+            </a:r>
+            <a:r>
+              <a:rPr lang="en-US" sz="1600" dirty="0" smtClean="0">
+                <a:solidFill>
+                  <a:schemeClr val="tx2">
+                    <a:lumMod val="60000"/>
+                    <a:lumOff val="40000"/>
+                  </a:schemeClr>
+                </a:solidFill>
+              </a:rPr>
+              <a:t>t</a:t>
             </a:r>
             <a:br>
               <a:rPr lang="en-US" sz="1600" dirty="0" smtClean="0">
@@ -50394,7 +50886,29 @@
                   </a:schemeClr>
                 </a:solidFill>
               </a:rPr>
-              <a:t>PATH, (parent, π[parent ]))</a:t>
+              <a:t>PATH, (parent,</a:t>
+            </a:r>
+            <a:r>
+              <a:rPr lang="en-US" sz="1600" dirty="0" smtClean="0">
+                <a:solidFill>
+                  <a:schemeClr val="tx2">
+                    <a:lumMod val="60000"/>
+                    <a:lumOff val="40000"/>
+                  </a:schemeClr>
+                </a:solidFill>
+              </a:rPr>
+              <a:t> π[parent </a:t>
+            </a:r>
+            <a:r>
+              <a:rPr lang="en-US" sz="1600" dirty="0" smtClean="0">
+                <a:solidFill>
+                  <a:schemeClr val="tx2">
+                    <a:lumMod val="60000"/>
+                    <a:lumOff val="40000"/>
+                  </a:schemeClr>
+                </a:solidFill>
+              </a:rPr>
+              <a:t>]))</a:t>
             </a:r>
             <a:br>
               <a:rPr lang="en-US" sz="1600" dirty="0" smtClean="0">
@@ -50415,7 +50929,29 @@
                   </a:schemeClr>
                 </a:solidFill>
               </a:rPr>
-              <a:t>	parent ⟵ π[parent ]</a:t>
+              <a:t>	parent </a:t>
+            </a:r>
+            <a:r>
+              <a:rPr lang="en-US" sz="1600" dirty="0" smtClean="0">
+                <a:solidFill>
+                  <a:schemeClr val="tx2">
+                    <a:lumMod val="60000"/>
+                    <a:lumOff val="40000"/>
+                  </a:schemeClr>
+                </a:solidFill>
+              </a:rPr>
+              <a:t>⟵ </a:t>
+            </a:r>
+            <a:r>
+              <a:rPr lang="en-US" sz="1600" dirty="0" smtClean="0">
+                <a:solidFill>
+                  <a:schemeClr val="tx2">
+                    <a:lumMod val="60000"/>
+                    <a:lumOff val="40000"/>
+                  </a:schemeClr>
+                </a:solidFill>
+              </a:rPr>
+              <a:t>π[parent ]</a:t>
             </a:r>
             <a:r>
               <a:rPr lang="ru-RU" sz="1600" dirty="0" smtClean="0"/>
@@ -50449,18 +50985,34 @@
             </a:r>
             <a:r>
               <a:rPr lang="en-US" sz="1600" dirty="0" smtClean="0"/>
-              <a:t>s, color, π</a:t>
+              <a:t>s, color,</a:t>
+            </a:r>
+            <a:r>
+              <a:rPr lang="en-US" sz="1600" dirty="0" smtClean="0"/>
+              <a:t> </a:t>
+            </a:r>
+            <a:r>
+              <a:rPr lang="en-US" sz="1600" dirty="0" smtClean="0"/>
+              <a:t>π</a:t>
             </a:r>
             <a:r>
               <a:rPr lang="ru-RU" sz="1600" dirty="0" smtClean="0"/>
               <a:t>)</a:t>
+            </a:r>
+            <a:r>
+              <a:rPr lang="ru-RU" sz="1600" dirty="0" smtClean="0"/>
+              <a:t/>
             </a:r>
             <a:br>
               <a:rPr lang="ru-RU" sz="1600" dirty="0" smtClean="0"/>
             </a:br>
             <a:r>
               <a:rPr lang="en-US" sz="1600" dirty="0" smtClean="0"/>
-              <a:t>color[s] ⟵ BLACK</a:t>
+              <a:t>color[s] ⟵ </a:t>
+            </a:r>
+            <a:r>
+              <a:rPr lang="en-US" sz="1600" dirty="0" smtClean="0"/>
+              <a:t>BLACK</a:t>
             </a:r>
             <a:r>
               <a:rPr lang="ru-RU" sz="1600" dirty="0" smtClean="0"/>
@@ -50471,7 +51023,11 @@
             </a:br>
             <a:r>
               <a:rPr lang="en-US" sz="1600" dirty="0" smtClean="0"/>
-              <a:t>Q ⟵ ∅</a:t>
+              <a:t>Q </a:t>
+            </a:r>
+            <a:r>
+              <a:rPr lang="en-US" sz="1600" dirty="0" smtClean="0"/>
+              <a:t>⟵ ∅</a:t>
             </a:r>
             <a:r>
               <a:rPr lang="ru-RU" sz="1600" dirty="0" smtClean="0"/>
@@ -50617,7 +51173,11 @@
             </a:br>
             <a:r>
               <a:rPr lang="en-US" sz="1600" dirty="0" smtClean="0"/>
-              <a:t>			color[v] ⟵ BLACK</a:t>
+              <a:t>			color[v] ⟵ </a:t>
+            </a:r>
+            <a:r>
+              <a:rPr lang="en-US" sz="1600" dirty="0" smtClean="0"/>
+              <a:t>BLACK</a:t>
             </a:r>
             <a:r>
               <a:rPr lang="ru-RU" sz="1600" dirty="0" smtClean="0"/>
@@ -50647,7 +51207,11 @@
             </a:r>
             <a:r>
               <a:rPr lang="en-US" sz="1600" dirty="0" smtClean="0"/>
-              <a:t>Q, v)</a:t>
+              <a:t>Q, v</a:t>
+            </a:r>
+            <a:r>
+              <a:rPr lang="en-US" sz="1600" dirty="0" smtClean="0"/>
+              <a:t>)</a:t>
             </a:r>
             <a:endParaRPr lang="ru-RU" sz="1600" dirty="0"/>
           </a:p>
@@ -51093,7 +51657,29 @@
                   </a:schemeClr>
                 </a:solidFill>
               </a:rPr>
-              <a:t>color[u] ⟵ WHITE</a:t>
+              <a:t>color[u] ⟵ </a:t>
+            </a:r>
+            <a:r>
+              <a:rPr lang="en-US" sz="1600" dirty="0" smtClean="0">
+                <a:solidFill>
+                  <a:schemeClr val="tx2">
+                    <a:lumMod val="60000"/>
+                    <a:lumOff val="40000"/>
+                  </a:schemeClr>
+                </a:solidFill>
+              </a:rPr>
+              <a:t>WHITE</a:t>
+            </a:r>
+            <a:r>
+              <a:rPr lang="en-US" sz="1600" dirty="0" smtClean="0">
+                <a:solidFill>
+                  <a:schemeClr val="tx2">
+                    <a:lumMod val="60000"/>
+                    <a:lumOff val="40000"/>
+                  </a:schemeClr>
+                </a:solidFill>
+              </a:rPr>
+              <a:t/>
             </a:r>
             <a:br>
               <a:rPr lang="en-US" sz="1600" dirty="0" smtClean="0">
@@ -51125,7 +51711,18 @@
                   </a:schemeClr>
                 </a:solidFill>
               </a:rPr>
-              <a:t> (для) каждой </a:t>
+              <a:t> </a:t>
+            </a:r>
+            <a:r>
+              <a:rPr lang="ru-RU" sz="1600" dirty="0" smtClean="0">
+                <a:solidFill>
+                  <a:schemeClr val="tx2">
+                    <a:lumMod val="60000"/>
+                    <a:lumOff val="40000"/>
+                  </a:schemeClr>
+                </a:solidFill>
+              </a:rPr>
+              <a:t>(для) каждой </a:t>
             </a:r>
             <a:r>
               <a:rPr lang="ru-RU" sz="1600" dirty="0" err="1" smtClean="0">
@@ -51255,7 +51852,18 @@
                   </a:schemeClr>
                 </a:solidFill>
               </a:rPr>
-              <a:t>		 </a:t>
+              <a:t>		</a:t>
+            </a:r>
+            <a:r>
+              <a:rPr lang="en-US" sz="1600" dirty="0" smtClean="0">
+                <a:solidFill>
+                  <a:schemeClr val="tx2">
+                    <a:lumMod val="60000"/>
+                    <a:lumOff val="40000"/>
+                  </a:schemeClr>
+                </a:solidFill>
+              </a:rPr>
+              <a:t> </a:t>
             </a:r>
             <a:r>
               <a:rPr lang="en-US" sz="1600" dirty="0" err="1" smtClean="0">
@@ -51277,7 +51885,18 @@
                   </a:schemeClr>
                 </a:solidFill>
               </a:rPr>
-              <a:t>(G, u, color) </a:t>
+              <a:t>(G, </a:t>
+            </a:r>
+            <a:r>
+              <a:rPr lang="en-US" sz="1600" dirty="0" smtClean="0">
+                <a:solidFill>
+                  <a:schemeClr val="tx2">
+                    <a:lumMod val="60000"/>
+                    <a:lumOff val="40000"/>
+                  </a:schemeClr>
+                </a:solidFill>
+              </a:rPr>
+              <a:t>u, color) </a:t>
             </a:r>
             <a:br>
               <a:rPr lang="en-US" sz="1600" dirty="0" smtClean="0">
@@ -51320,12 +51939,20 @@
               <a:rPr lang="ru-RU" sz="1600" dirty="0" smtClean="0"/>
               <a:t>)</a:t>
             </a:r>
+            <a:r>
+              <a:rPr lang="ru-RU" sz="1600" dirty="0" smtClean="0"/>
+              <a:t/>
+            </a:r>
             <a:br>
               <a:rPr lang="ru-RU" sz="1600" dirty="0" smtClean="0"/>
             </a:br>
             <a:r>
               <a:rPr lang="en-US" sz="1600" dirty="0" smtClean="0"/>
-              <a:t>color[s] ⟵ BLACK</a:t>
+              <a:t>color[s] ⟵ </a:t>
+            </a:r>
+            <a:r>
+              <a:rPr lang="en-US" sz="1600" dirty="0" smtClean="0"/>
+              <a:t>BLACK</a:t>
             </a:r>
             <a:r>
               <a:rPr lang="ru-RU" sz="1600" dirty="0" smtClean="0"/>
@@ -51336,7 +51963,11 @@
             </a:br>
             <a:r>
               <a:rPr lang="en-US" sz="1600" dirty="0" smtClean="0"/>
-              <a:t>Q ⟵ ∅</a:t>
+              <a:t>Q </a:t>
+            </a:r>
+            <a:r>
+              <a:rPr lang="en-US" sz="1600" dirty="0" smtClean="0"/>
+              <a:t>⟵ ∅</a:t>
             </a:r>
             <a:r>
               <a:rPr lang="ru-RU" sz="1600" dirty="0" smtClean="0"/>
@@ -51482,7 +52113,11 @@
             </a:br>
             <a:r>
               <a:rPr lang="en-US" sz="1600" dirty="0" smtClean="0"/>
-              <a:t>			color[v] ⟵ BLACK</a:t>
+              <a:t>			color[v] ⟵ </a:t>
+            </a:r>
+            <a:r>
+              <a:rPr lang="en-US" sz="1600" dirty="0" smtClean="0"/>
+              <a:t>BLACK</a:t>
             </a:r>
             <a:br>
               <a:rPr lang="en-US" sz="1600" dirty="0" smtClean="0"/>
@@ -51497,21 +52132,33 @@
             </a:r>
             <a:r>
               <a:rPr lang="en-US" sz="1600" dirty="0" smtClean="0"/>
-              <a:t>Q, v)</a:t>
+              <a:t>Q, v</a:t>
+            </a:r>
+            <a:r>
+              <a:rPr lang="en-US" sz="1600" dirty="0" smtClean="0"/>
+              <a:t>)</a:t>
             </a:r>
             <a:br>
               <a:rPr lang="en-US" sz="1600" dirty="0" smtClean="0"/>
             </a:br>
             <a:r>
               <a:rPr lang="en-US" sz="1600" dirty="0" smtClean="0"/>
-              <a:t>		else</a:t>
+              <a:t>	</a:t>
+            </a:r>
+            <a:r>
+              <a:rPr lang="en-US" sz="1600" dirty="0" smtClean="0"/>
+              <a:t>	else</a:t>
             </a:r>
             <a:br>
               <a:rPr lang="en-US" sz="1600" dirty="0" smtClean="0"/>
             </a:br>
             <a:r>
               <a:rPr lang="en-US" sz="1600" dirty="0" smtClean="0"/>
-              <a:t>			THERE IS A LOOP</a:t>
+              <a:t>	</a:t>
+            </a:r>
+            <a:r>
+              <a:rPr lang="en-US" sz="1600" dirty="0" smtClean="0"/>
+              <a:t>		THERE IS A LOOP</a:t>
             </a:r>
             <a:endParaRPr lang="ru-RU" sz="1600" dirty="0"/>
           </a:p>
@@ -54100,6 +54747,7 @@
               <a:rPr lang="ru-RU" sz="2000" dirty="0" smtClean="0"/>
               <a:t>Во время обхода в ширину каждой вершине назначается номер волны и список всех предков.</a:t>
             </a:r>
+            <a:endParaRPr lang="ru-RU" sz="2000" dirty="0" smtClean="0"/>
           </a:p>
           <a:p>
             <a:pPr lvl="0">
@@ -54134,7 +54782,11 @@
             </a:pPr>
             <a:r>
               <a:rPr lang="ru-RU" sz="2000" dirty="0" smtClean="0"/>
-              <a:t>Если во время обхода происходит попытка обратиться к не белой вершине (что говорит о цикле), то для вершин образующих просматриваемое ребро ищется общий предок с минимальным номером волны. Из номеров волны получившихся трех вершин определяется длина цикла.</a:t>
+              <a:t>Если во время обхода происходит попытка обратиться к не белой вершине (что говорит о цикле), то для вершин образующих просматриваемое ребро ищется общий предок с минимальным номером волны. Из номеров волны </a:t>
+            </a:r>
+            <a:r>
+              <a:rPr lang="ru-RU" sz="2000" dirty="0" smtClean="0"/>
+              <a:t>получившихся трех вершин определяется длина цикла.</a:t>
             </a:r>
           </a:p>
         </p:txBody>
@@ -54278,6 +54930,7 @@
               <a:rPr lang="ru-RU" sz="2000" dirty="0" smtClean="0"/>
               <a:t>Во время обхода в ширину каждой вершине назначается номер волны.</a:t>
             </a:r>
+            <a:endParaRPr lang="ru-RU" sz="2000" dirty="0" smtClean="0"/>
           </a:p>
           <a:p>
             <a:pPr lvl="0">
@@ -54312,8 +54965,13 @@
             </a:pPr>
             <a:r>
               <a:rPr lang="ru-RU" sz="2000" dirty="0" smtClean="0"/>
-              <a:t>Если во время обхода происходит попытка обратиться к не белой вершине (что говорит о цикле), то просматриваемое ребро помещаются в специальный список.</a:t>
-            </a:r>
+              <a:t>Если во время обхода происходит попытка обратиться к не белой вершине (что говорит о цикле), то просматриваемое ребро помещаются в специальный </a:t>
+            </a:r>
+            <a:r>
+              <a:rPr lang="ru-RU" sz="2000" dirty="0" smtClean="0"/>
+              <a:t>список.</a:t>
+            </a:r>
+            <a:endParaRPr lang="ru-RU" sz="2000" dirty="0" smtClean="0"/>
           </a:p>
           <a:p>
             <a:pPr lvl="0">
@@ -54347,7 +55005,11 @@
             </a:r>
             <a:r>
               <a:rPr lang="ru-RU" sz="2000" smtClean="0"/>
-              <a:t>выше алгоритма).</a:t>
+              <a:t>выше алгоритма)</a:t>
+            </a:r>
+            <a:r>
+              <a:rPr lang="ru-RU" sz="2000" smtClean="0"/>
+              <a:t>.</a:t>
             </a:r>
             <a:endParaRPr lang="ru-RU" sz="2000" dirty="0" smtClean="0"/>
           </a:p>

--- a/Презентации/Лекция 1.pptx
+++ b/Презентации/Лекция 1.pptx
@@ -175,6 +175,22 @@
       </a:defRPr>
     </a:lvl9pPr>
   </p:defaultTextStyle>
+  <p:extLst>
+    <p:ext uri="{EFAFB233-063F-42B5-8137-9DF3F51BA10A}">
+      <p15:sldGuideLst xmlns:p15="http://schemas.microsoft.com/office/powerpoint/2012/main">
+        <p15:guide id="1" orient="horz" pos="2160">
+          <p15:clr>
+            <a:srgbClr val="A4A3A4"/>
+          </p15:clr>
+        </p15:guide>
+        <p15:guide id="2" pos="2880">
+          <p15:clr>
+            <a:srgbClr val="A4A3A4"/>
+          </p15:clr>
+        </p15:guide>
+      </p15:sldGuideLst>
+    </p:ext>
+  </p:extLst>
 </p:presentation>
 </file>
 
@@ -360,7 +376,7 @@
             <a:fld id="{5B106E36-FD25-4E2D-B0AA-010F637433A0}" type="datetimeFigureOut">
               <a:rPr lang="ru-RU" smtClean="0"/>
               <a:pPr/>
-              <a:t>22.03.2021</a:t>
+              <a:t>11.02.2022</a:t>
             </a:fld>
             <a:endParaRPr lang="ru-RU"/>
           </a:p>
@@ -527,7 +543,7 @@
             <a:fld id="{5B106E36-FD25-4E2D-B0AA-010F637433A0}" type="datetimeFigureOut">
               <a:rPr lang="ru-RU" smtClean="0"/>
               <a:pPr/>
-              <a:t>22.03.2021</a:t>
+              <a:t>11.02.2022</a:t>
             </a:fld>
             <a:endParaRPr lang="ru-RU"/>
           </a:p>
@@ -704,7 +720,7 @@
             <a:fld id="{5B106E36-FD25-4E2D-B0AA-010F637433A0}" type="datetimeFigureOut">
               <a:rPr lang="ru-RU" smtClean="0"/>
               <a:pPr/>
-              <a:t>22.03.2021</a:t>
+              <a:t>11.02.2022</a:t>
             </a:fld>
             <a:endParaRPr lang="ru-RU"/>
           </a:p>
@@ -871,7 +887,7 @@
             <a:fld id="{5B106E36-FD25-4E2D-B0AA-010F637433A0}" type="datetimeFigureOut">
               <a:rPr lang="ru-RU" smtClean="0"/>
               <a:pPr/>
-              <a:t>22.03.2021</a:t>
+              <a:t>11.02.2022</a:t>
             </a:fld>
             <a:endParaRPr lang="ru-RU"/>
           </a:p>
@@ -1114,7 +1130,7 @@
             <a:fld id="{5B106E36-FD25-4E2D-B0AA-010F637433A0}" type="datetimeFigureOut">
               <a:rPr lang="ru-RU" smtClean="0"/>
               <a:pPr/>
-              <a:t>22.03.2021</a:t>
+              <a:t>11.02.2022</a:t>
             </a:fld>
             <a:endParaRPr lang="ru-RU"/>
           </a:p>
@@ -1399,7 +1415,7 @@
             <a:fld id="{5B106E36-FD25-4E2D-B0AA-010F637433A0}" type="datetimeFigureOut">
               <a:rPr lang="ru-RU" smtClean="0"/>
               <a:pPr/>
-              <a:t>22.03.2021</a:t>
+              <a:t>11.02.2022</a:t>
             </a:fld>
             <a:endParaRPr lang="ru-RU"/>
           </a:p>
@@ -1818,7 +1834,7 @@
             <a:fld id="{5B106E36-FD25-4E2D-B0AA-010F637433A0}" type="datetimeFigureOut">
               <a:rPr lang="ru-RU" smtClean="0"/>
               <a:pPr/>
-              <a:t>22.03.2021</a:t>
+              <a:t>11.02.2022</a:t>
             </a:fld>
             <a:endParaRPr lang="ru-RU"/>
           </a:p>
@@ -1933,7 +1949,7 @@
             <a:fld id="{5B106E36-FD25-4E2D-B0AA-010F637433A0}" type="datetimeFigureOut">
               <a:rPr lang="ru-RU" smtClean="0"/>
               <a:pPr/>
-              <a:t>22.03.2021</a:t>
+              <a:t>11.02.2022</a:t>
             </a:fld>
             <a:endParaRPr lang="ru-RU"/>
           </a:p>
@@ -2025,7 +2041,7 @@
             <a:fld id="{5B106E36-FD25-4E2D-B0AA-010F637433A0}" type="datetimeFigureOut">
               <a:rPr lang="ru-RU" smtClean="0"/>
               <a:pPr/>
-              <a:t>22.03.2021</a:t>
+              <a:t>11.02.2022</a:t>
             </a:fld>
             <a:endParaRPr lang="ru-RU"/>
           </a:p>
@@ -2299,7 +2315,7 @@
             <a:fld id="{5B106E36-FD25-4E2D-B0AA-010F637433A0}" type="datetimeFigureOut">
               <a:rPr lang="ru-RU" smtClean="0"/>
               <a:pPr/>
-              <a:t>22.03.2021</a:t>
+              <a:t>11.02.2022</a:t>
             </a:fld>
             <a:endParaRPr lang="ru-RU"/>
           </a:p>
@@ -2549,7 +2565,7 @@
             <a:fld id="{5B106E36-FD25-4E2D-B0AA-010F637433A0}" type="datetimeFigureOut">
               <a:rPr lang="ru-RU" smtClean="0"/>
               <a:pPr/>
-              <a:t>22.03.2021</a:t>
+              <a:t>11.02.2022</a:t>
             </a:fld>
             <a:endParaRPr lang="ru-RU"/>
           </a:p>
@@ -2759,7 +2775,7 @@
             <a:fld id="{5B106E36-FD25-4E2D-B0AA-010F637433A0}" type="datetimeFigureOut">
               <a:rPr lang="ru-RU" smtClean="0"/>
               <a:pPr/>
-              <a:t>22.03.2021</a:t>
+              <a:t>11.02.2022</a:t>
             </a:fld>
             <a:endParaRPr lang="ru-RU"/>
           </a:p>
@@ -25234,7 +25250,7 @@
         <p:spPr>
           <a:xfrm>
             <a:off x="1403648" y="6228020"/>
-            <a:ext cx="3005438" cy="369332"/>
+            <a:ext cx="3140090" cy="369332"/>
           </a:xfrm>
           <a:prstGeom prst="rect">
             <a:avLst/>
@@ -25249,7 +25265,11 @@
           <a:p>
             <a:r>
               <a:rPr lang="ru-RU" dirty="0" smtClean="0"/>
-              <a:t>Вершина 6 становится серой</a:t>
+              <a:t>Вершина 6 становится </a:t>
+            </a:r>
+            <a:r>
+              <a:rPr lang="ru-RU" dirty="0" smtClean="0"/>
+              <a:t>черной</a:t>
             </a:r>
             <a:endParaRPr lang="ru-RU" dirty="0"/>
           </a:p>
@@ -37466,40 +37486,7 @@
                   </a:schemeClr>
                 </a:solidFill>
               </a:rPr>
-              <a:t>(</a:t>
-            </a:r>
-            <a:r>
-              <a:rPr lang="en-US" sz="1600" dirty="0" smtClean="0">
-                <a:solidFill>
-                  <a:schemeClr val="tx2">
-                    <a:lumMod val="60000"/>
-                    <a:lumOff val="40000"/>
-                  </a:schemeClr>
-                </a:solidFill>
-              </a:rPr>
-              <a:t>G, </a:t>
-            </a:r>
-            <a:r>
-              <a:rPr lang="en-US" sz="1600" dirty="0" smtClean="0">
-                <a:solidFill>
-                  <a:schemeClr val="tx2">
-                    <a:lumMod val="60000"/>
-                    <a:lumOff val="40000"/>
-                  </a:schemeClr>
-                </a:solidFill>
-              </a:rPr>
-              <a:t>u, color, d</a:t>
-            </a:r>
-            <a:r>
-              <a:rPr lang="en-US" sz="1600" dirty="0" smtClean="0">
-                <a:solidFill>
-                  <a:schemeClr val="tx2">
-                    <a:lumMod val="60000"/>
-                    <a:lumOff val="40000"/>
-                  </a:schemeClr>
-                </a:solidFill>
-              </a:rPr>
-              <a:t>, π) </a:t>
+              <a:t>(G, u, color, d, π) </a:t>
             </a:r>
             <a:r>
               <a:rPr lang="ru-RU" sz="1600" dirty="0" smtClean="0"/>
@@ -37533,19 +37520,11 @@
             </a:r>
             <a:r>
               <a:rPr lang="en-US" sz="1600" dirty="0" smtClean="0"/>
-              <a:t>s, color, d</a:t>
-            </a:r>
-            <a:r>
-              <a:rPr lang="en-US" sz="1600" dirty="0" smtClean="0"/>
-              <a:t>, π</a:t>
+              <a:t>s, color, d, π</a:t>
             </a:r>
             <a:r>
               <a:rPr lang="ru-RU" sz="1600" dirty="0" smtClean="0"/>
               <a:t>)</a:t>
-            </a:r>
-            <a:r>
-              <a:rPr lang="ru-RU" sz="1600" dirty="0" smtClean="0"/>
-              <a:t/>
             </a:r>
             <a:br>
               <a:rPr lang="ru-RU" sz="1600" dirty="0" smtClean="0"/>
@@ -37930,7 +37909,15 @@
           <a:p>
             <a:r>
               <a:rPr lang="ru-RU" dirty="0" smtClean="0"/>
-              <a:t>Поиск наименьшего общего предка в дереве (</a:t>
+              <a:t>Поиск наименьшего общего предка в дереве </a:t>
+            </a:r>
+            <a:r>
+              <a:rPr lang="en-US" dirty="0" smtClean="0"/>
+              <a:t>BFS </a:t>
+            </a:r>
+            <a:r>
+              <a:rPr lang="ru-RU" dirty="0" smtClean="0"/>
+              <a:t>(</a:t>
             </a:r>
             <a:r>
               <a:rPr lang="ru-RU" dirty="0" err="1" smtClean="0"/>
@@ -44171,29 +44158,7 @@
                   </a:schemeClr>
                 </a:solidFill>
               </a:rPr>
-              <a:t>(G</a:t>
-            </a:r>
-            <a:r>
-              <a:rPr lang="en-US" sz="1600" dirty="0" smtClean="0">
-                <a:solidFill>
-                  <a:schemeClr val="tx2">
-                    <a:lumMod val="60000"/>
-                    <a:lumOff val="40000"/>
-                  </a:schemeClr>
-                </a:solidFill>
-              </a:rPr>
-              <a:t>, </a:t>
-            </a:r>
-            <a:r>
-              <a:rPr lang="en-US" sz="1600" dirty="0" smtClean="0">
-                <a:solidFill>
-                  <a:schemeClr val="tx2">
-                    <a:lumMod val="60000"/>
-                    <a:lumOff val="40000"/>
-                  </a:schemeClr>
-                </a:solidFill>
-              </a:rPr>
-              <a:t>u, color) </a:t>
+              <a:t>(G, u, color) </a:t>
             </a:r>
             <a:r>
               <a:rPr lang="ru-RU" sz="1600" dirty="0" smtClean="0"/>
@@ -44222,18 +44187,7 @@
                   </a:schemeClr>
                 </a:solidFill>
               </a:rPr>
-              <a:t> </a:t>
-            </a:r>
-            <a:r>
-              <a:rPr lang="ru-RU" sz="1600" dirty="0" smtClean="0">
-                <a:solidFill>
-                  <a:schemeClr val="tx2">
-                    <a:lumMod val="60000"/>
-                    <a:lumOff val="40000"/>
-                  </a:schemeClr>
-                </a:solidFill>
-              </a:rPr>
-              <a:t>(для) каждой </a:t>
+              <a:t> (для) каждой </a:t>
             </a:r>
             <a:r>
               <a:rPr lang="ru-RU" sz="1600" dirty="0" err="1" smtClean="0">
@@ -44363,18 +44317,7 @@
                   </a:schemeClr>
                 </a:solidFill>
               </a:rPr>
-              <a:t>		</a:t>
-            </a:r>
-            <a:r>
-              <a:rPr lang="en-US" sz="1600" dirty="0" smtClean="0">
-                <a:solidFill>
-                  <a:schemeClr val="tx2">
-                    <a:lumMod val="60000"/>
-                    <a:lumOff val="40000"/>
-                  </a:schemeClr>
-                </a:solidFill>
-              </a:rPr>
-              <a:t>NOT CONNECTED GRAPH</a:t>
+              <a:t>		NOT CONNECTED GRAPH</a:t>
             </a:r>
             <a:r>
               <a:rPr lang="ru-RU" sz="1600" dirty="0" smtClean="0"/>
@@ -44414,20 +44357,12 @@
               <a:rPr lang="ru-RU" sz="1600" dirty="0" smtClean="0"/>
               <a:t>)</a:t>
             </a:r>
-            <a:r>
-              <a:rPr lang="ru-RU" sz="1600" dirty="0" smtClean="0"/>
-              <a:t/>
-            </a:r>
             <a:br>
               <a:rPr lang="ru-RU" sz="1600" dirty="0" smtClean="0"/>
             </a:br>
             <a:r>
               <a:rPr lang="en-US" sz="1600" dirty="0" smtClean="0"/>
-              <a:t>color[s] ⟵ </a:t>
-            </a:r>
-            <a:r>
-              <a:rPr lang="en-US" sz="1600" dirty="0" smtClean="0"/>
-              <a:t>BLACK</a:t>
+              <a:t>color[s] ⟵ BLACK</a:t>
             </a:r>
             <a:r>
               <a:rPr lang="ru-RU" sz="1600" dirty="0" smtClean="0"/>
@@ -44438,11 +44373,7 @@
             </a:br>
             <a:r>
               <a:rPr lang="en-US" sz="1600" dirty="0" smtClean="0"/>
-              <a:t>Q </a:t>
-            </a:r>
-            <a:r>
-              <a:rPr lang="en-US" sz="1600" dirty="0" smtClean="0"/>
-              <a:t>⟵ ∅</a:t>
+              <a:t>Q ⟵ ∅</a:t>
             </a:r>
             <a:r>
               <a:rPr lang="ru-RU" sz="1600" dirty="0" smtClean="0"/>
@@ -44588,11 +44519,7 @@
             </a:br>
             <a:r>
               <a:rPr lang="en-US" sz="1600" dirty="0" smtClean="0"/>
-              <a:t>			color[v] ⟵ </a:t>
-            </a:r>
-            <a:r>
-              <a:rPr lang="en-US" sz="1600" dirty="0" smtClean="0"/>
-              <a:t>BLACK</a:t>
+              <a:t>			color[v] ⟵ BLACK</a:t>
             </a:r>
             <a:r>
               <a:rPr lang="ru-RU" sz="1600" dirty="0" smtClean="0"/>
@@ -44611,11 +44538,7 @@
             </a:r>
             <a:r>
               <a:rPr lang="en-US" sz="1600" dirty="0" smtClean="0"/>
-              <a:t>Q, v</a:t>
-            </a:r>
-            <a:r>
-              <a:rPr lang="en-US" sz="1600" dirty="0" smtClean="0"/>
-              <a:t>)</a:t>
+              <a:t>Q, v)</a:t>
             </a:r>
             <a:endParaRPr lang="ru-RU" sz="1600" dirty="0"/>
           </a:p>
@@ -45148,18 +45071,7 @@
                   </a:schemeClr>
                 </a:solidFill>
               </a:rPr>
-              <a:t>color[u] ⟵ </a:t>
-            </a:r>
-            <a:r>
-              <a:rPr lang="en-US" sz="1600" dirty="0" smtClean="0">
-                <a:solidFill>
-                  <a:schemeClr val="tx2">
-                    <a:lumMod val="60000"/>
-                    <a:lumOff val="40000"/>
-                  </a:schemeClr>
-                </a:solidFill>
-              </a:rPr>
-              <a:t>WHITE</a:t>
+              <a:t>color[u] ⟵ WHITE</a:t>
             </a:r>
             <a:br>
               <a:rPr lang="en-US" sz="1600" dirty="0" smtClean="0">
@@ -45180,40 +45092,7 @@
                   </a:schemeClr>
                 </a:solidFill>
               </a:rPr>
-              <a:t>	</a:t>
-            </a:r>
-            <a:r>
-              <a:rPr lang="en-US" sz="1600" dirty="0" smtClean="0">
-                <a:solidFill>
-                  <a:schemeClr val="tx2">
-                    <a:lumMod val="60000"/>
-                    <a:lumOff val="40000"/>
-                  </a:schemeClr>
-                </a:solidFill>
-              </a:rPr>
-              <a:t>d[u]</a:t>
-            </a:r>
-            <a:r>
-              <a:rPr lang="en-US" sz="1600" dirty="0" smtClean="0">
-                <a:solidFill>
-                  <a:schemeClr val="tx2">
-                    <a:lumMod val="60000"/>
-                    <a:lumOff val="40000"/>
-                  </a:schemeClr>
-                </a:solidFill>
-              </a:rPr>
-              <a:t> ⟵ </a:t>
-            </a:r>
-            <a:r>
-              <a:rPr lang="en-US" sz="1600" dirty="0" smtClean="0">
-                <a:solidFill>
-                  <a:schemeClr val="tx2">
-                    <a:lumMod val="60000"/>
-                    <a:lumOff val="40000"/>
-                  </a:schemeClr>
-                </a:solidFill>
-              </a:rPr>
-              <a:t>0</a:t>
+              <a:t>	d[u] ⟵ 0</a:t>
             </a:r>
             <a:br>
               <a:rPr lang="en-US" sz="1600" dirty="0" smtClean="0">
@@ -45234,18 +45113,7 @@
                   </a:schemeClr>
                 </a:solidFill>
               </a:rPr>
-              <a:t>	</a:t>
-            </a:r>
-            <a:r>
-              <a:rPr lang="en-US" sz="1600" dirty="0" smtClean="0">
-                <a:solidFill>
-                  <a:schemeClr val="tx2">
-                    <a:lumMod val="60000"/>
-                    <a:lumOff val="40000"/>
-                  </a:schemeClr>
-                </a:solidFill>
-              </a:rPr>
-              <a:t>count</a:t>
+              <a:t>	count</a:t>
             </a:r>
             <a:r>
               <a:rPr lang="en-US" sz="1600" dirty="0" smtClean="0"/>
@@ -45261,17 +45129,6 @@
                 </a:solidFill>
               </a:rPr>
               <a:t>⟵ 0 </a:t>
-            </a:r>
-            <a:r>
-              <a:rPr lang="en-US" sz="1600" dirty="0" smtClean="0">
-                <a:solidFill>
-                  <a:schemeClr val="tx2">
-                    <a:lumMod val="60000"/>
-                    <a:lumOff val="40000"/>
-                  </a:schemeClr>
-                </a:solidFill>
-              </a:rPr>
-              <a:t/>
             </a:r>
             <a:br>
               <a:rPr lang="en-US" sz="1600" dirty="0" smtClean="0">
@@ -45303,18 +45160,7 @@
                   </a:schemeClr>
                 </a:solidFill>
               </a:rPr>
-              <a:t> </a:t>
-            </a:r>
-            <a:r>
-              <a:rPr lang="ru-RU" sz="1600" dirty="0" smtClean="0">
-                <a:solidFill>
-                  <a:schemeClr val="tx2">
-                    <a:lumMod val="60000"/>
-                    <a:lumOff val="40000"/>
-                  </a:schemeClr>
-                </a:solidFill>
-              </a:rPr>
-              <a:t>(для) каждой </a:t>
+              <a:t> (для) каждой </a:t>
             </a:r>
             <a:r>
               <a:rPr lang="ru-RU" sz="1600" dirty="0" err="1" smtClean="0">
@@ -45444,18 +45290,7 @@
                   </a:schemeClr>
                 </a:solidFill>
               </a:rPr>
-              <a:t>		</a:t>
-            </a:r>
-            <a:r>
-              <a:rPr lang="en-US" sz="1600" dirty="0" smtClean="0">
-                <a:solidFill>
-                  <a:schemeClr val="tx2">
-                    <a:lumMod val="60000"/>
-                    <a:lumOff val="40000"/>
-                  </a:schemeClr>
-                </a:solidFill>
-              </a:rPr>
-              <a:t> </a:t>
+              <a:t>		 </a:t>
             </a:r>
             <a:r>
               <a:rPr lang="en-US" sz="1600" dirty="0" err="1" smtClean="0">
@@ -45477,18 +45312,7 @@
                   </a:schemeClr>
                 </a:solidFill>
               </a:rPr>
-              <a:t>(G, </a:t>
-            </a:r>
-            <a:r>
-              <a:rPr lang="en-US" sz="1600" dirty="0" smtClean="0">
-                <a:solidFill>
-                  <a:schemeClr val="tx2">
-                    <a:lumMod val="60000"/>
-                    <a:lumOff val="40000"/>
-                  </a:schemeClr>
-                </a:solidFill>
-              </a:rPr>
-              <a:t>u, color, d, count) </a:t>
+              <a:t>(G, u, color, d, count) </a:t>
             </a:r>
             <a:br>
               <a:rPr lang="en-US" sz="1600" dirty="0" smtClean="0">
@@ -45509,40 +45333,7 @@
                   </a:schemeClr>
                 </a:solidFill>
               </a:rPr>
-              <a:t>	</a:t>
-            </a:r>
-            <a:r>
-              <a:rPr lang="en-US" sz="1600" dirty="0" smtClean="0">
-                <a:solidFill>
-                  <a:schemeClr val="tx2">
-                    <a:lumMod val="60000"/>
-                    <a:lumOff val="40000"/>
-                  </a:schemeClr>
-                </a:solidFill>
-              </a:rPr>
-              <a:t>	count</a:t>
-            </a:r>
-            <a:r>
-              <a:rPr lang="en-US" sz="1600" dirty="0" smtClean="0">
-                <a:solidFill>
-                  <a:schemeClr val="tx2">
-                    <a:lumMod val="60000"/>
-                    <a:lumOff val="40000"/>
-                  </a:schemeClr>
-                </a:solidFill>
-              </a:rPr>
-              <a:t> ⟵ </a:t>
-            </a:r>
-            <a:r>
-              <a:rPr lang="en-US" sz="1600" dirty="0" smtClean="0">
-                <a:solidFill>
-                  <a:schemeClr val="tx2">
-                    <a:lumMod val="60000"/>
-                    <a:lumOff val="40000"/>
-                  </a:schemeClr>
-                </a:solidFill>
-              </a:rPr>
-              <a:t>count+1</a:t>
+              <a:t>		count ⟵ count+1</a:t>
             </a:r>
             <a:r>
               <a:rPr lang="ru-RU" sz="1600" dirty="0" smtClean="0"/>
@@ -45582,20 +45373,12 @@
               <a:rPr lang="ru-RU" sz="1600" dirty="0" smtClean="0"/>
               <a:t>)</a:t>
             </a:r>
-            <a:r>
-              <a:rPr lang="ru-RU" sz="1600" dirty="0" smtClean="0"/>
-              <a:t/>
-            </a:r>
             <a:br>
               <a:rPr lang="ru-RU" sz="1600" dirty="0" smtClean="0"/>
             </a:br>
             <a:r>
               <a:rPr lang="en-US" sz="1600" dirty="0" smtClean="0"/>
-              <a:t>color[s] ⟵ </a:t>
-            </a:r>
-            <a:r>
-              <a:rPr lang="en-US" sz="1600" dirty="0" smtClean="0"/>
-              <a:t>BLACK</a:t>
+              <a:t>color[s] ⟵ BLACK</a:t>
             </a:r>
             <a:r>
               <a:rPr lang="ru-RU" sz="1600" dirty="0" smtClean="0"/>
@@ -45606,11 +45389,7 @@
             </a:br>
             <a:r>
               <a:rPr lang="en-US" sz="1600" dirty="0" smtClean="0"/>
-              <a:t>Q </a:t>
-            </a:r>
-            <a:r>
-              <a:rPr lang="en-US" sz="1600" dirty="0" smtClean="0"/>
-              <a:t>⟵ ∅</a:t>
+              <a:t>Q ⟵ ∅</a:t>
             </a:r>
             <a:r>
               <a:rPr lang="ru-RU" sz="1600" dirty="0" smtClean="0"/>
@@ -45756,30 +45535,14 @@
             </a:br>
             <a:r>
               <a:rPr lang="en-US" sz="1600" dirty="0" smtClean="0"/>
-              <a:t>			color[v] ⟵ </a:t>
-            </a:r>
-            <a:r>
-              <a:rPr lang="en-US" sz="1600" dirty="0" smtClean="0"/>
-              <a:t>BLACK</a:t>
+              <a:t>			color[v] ⟵ BLACK</a:t>
             </a:r>
             <a:br>
               <a:rPr lang="en-US" sz="1600" dirty="0" smtClean="0"/>
             </a:br>
             <a:r>
               <a:rPr lang="en-US" sz="1600" dirty="0" smtClean="0"/>
-              <a:t>			</a:t>
-            </a:r>
-            <a:r>
-              <a:rPr lang="en-US" sz="1600" dirty="0" smtClean="0"/>
-              <a:t>d[v]</a:t>
-            </a:r>
-            <a:r>
-              <a:rPr lang="en-US" sz="1600" dirty="0" smtClean="0"/>
-              <a:t> ⟵ </a:t>
-            </a:r>
-            <a:r>
-              <a:rPr lang="en-US" sz="1600" dirty="0" smtClean="0"/>
-              <a:t>count</a:t>
+              <a:t>			d[v] ⟵ count</a:t>
             </a:r>
             <a:r>
               <a:rPr lang="ru-RU" sz="1600" dirty="0" smtClean="0"/>
@@ -45798,11 +45561,7 @@
             </a:r>
             <a:r>
               <a:rPr lang="en-US" sz="1600" dirty="0" smtClean="0"/>
-              <a:t>Q, v</a:t>
-            </a:r>
-            <a:r>
-              <a:rPr lang="en-US" sz="1600" dirty="0" smtClean="0"/>
-              <a:t>)</a:t>
+              <a:t>Q, v)</a:t>
             </a:r>
             <a:endParaRPr lang="ru-RU" sz="1600" dirty="0"/>
           </a:p>
@@ -46273,7 +46032,7 @@
         </p:spPr>
         <p:txBody>
           <a:bodyPr vert="horz" lIns="91440" tIns="45720" rIns="91440" bIns="45720" rtlCol="0" anchor="ctr">
-            <a:normAutofit/>
+            <a:normAutofit fontScale="92500" lnSpcReduction="20000"/>
           </a:bodyPr>
           <a:lstStyle/>
           <a:p>
@@ -46286,47 +46045,51 @@
             </a:pPr>
             <a:r>
               <a:rPr lang="ru-RU" sz="2800" dirty="0" smtClean="0"/>
-              <a:t>Поиск (из заданной</a:t>
+              <a:t>Поиск </a:t>
+            </a:r>
+            <a:r>
+              <a:rPr lang="ru-RU" sz="2800" b="1" dirty="0" smtClean="0"/>
+              <a:t>кратчайших </a:t>
+            </a:r>
+            <a:r>
+              <a:rPr lang="ru-RU" sz="2800" b="1" dirty="0" smtClean="0"/>
+              <a:t>расстояний</a:t>
+            </a:r>
+            <a:r>
+              <a:rPr lang="ru-RU" sz="2800" dirty="0" smtClean="0"/>
+              <a:t> и </a:t>
+            </a:r>
+            <a:r>
+              <a:rPr lang="ru-RU" sz="2800" b="1" dirty="0" smtClean="0"/>
+              <a:t>кратчайших путей </a:t>
+            </a:r>
+            <a:r>
+              <a:rPr lang="ru-RU" sz="2800" dirty="0" smtClean="0"/>
+              <a:t>в невзвешенном </a:t>
+            </a:r>
+            <a:r>
+              <a:rPr lang="ru-RU" sz="2800" dirty="0" err="1" smtClean="0"/>
+              <a:t>НЕориентированном</a:t>
+            </a:r>
+            <a:r>
+              <a:rPr lang="ru-RU" sz="2800" dirty="0" smtClean="0"/>
+              <a:t> </a:t>
+            </a:r>
+            <a:r>
+              <a:rPr lang="ru-RU" sz="2800" dirty="0" smtClean="0"/>
+              <a:t>графе</a:t>
             </a:r>
             <a:r>
               <a:rPr lang="en-US" sz="2800" dirty="0" smtClean="0"/>
               <a:t> </a:t>
             </a:r>
             <a:r>
+              <a:rPr lang="ru-RU" sz="2800" b="1" dirty="0" smtClean="0"/>
+              <a:t>от заданной вершины до всех остальных вершин</a:t>
+            </a:r>
+            <a:r>
               <a:rPr lang="ru-RU" sz="2800" dirty="0" smtClean="0"/>
-              <a:t>вершины) </a:t>
-            </a:r>
-            <a:r>
-              <a:rPr lang="ru-RU" sz="2800" b="1" dirty="0" smtClean="0"/>
-              <a:t>кратчайших расстояний</a:t>
-            </a:r>
-            <a:r>
-              <a:rPr lang="ru-RU" sz="2800" dirty="0" smtClean="0"/>
-              <a:t> и </a:t>
-            </a:r>
-            <a:r>
-              <a:rPr lang="ru-RU" sz="2800" b="1" dirty="0" smtClean="0"/>
-              <a:t>кратчайших путей </a:t>
-            </a:r>
-            <a:r>
-              <a:rPr lang="ru-RU" sz="2800" dirty="0" smtClean="0"/>
-              <a:t>в </a:t>
-            </a:r>
-            <a:r>
-              <a:rPr lang="ru-RU" sz="2800" dirty="0" err="1" smtClean="0"/>
-              <a:t>невзвешенном</a:t>
-            </a:r>
-            <a:r>
-              <a:rPr lang="ru-RU" sz="2800" dirty="0" smtClean="0"/>
-              <a:t> </a:t>
-            </a:r>
-            <a:r>
-              <a:rPr lang="ru-RU" sz="2800" dirty="0" err="1" smtClean="0"/>
-              <a:t>НЕориентированном</a:t>
-            </a:r>
-            <a:r>
-              <a:rPr lang="ru-RU" sz="2800" dirty="0" smtClean="0"/>
-              <a:t> графе.</a:t>
+              <a:t>.</a:t>
             </a:r>
             <a:endParaRPr lang="ru-RU" sz="2800" b="1" dirty="0" smtClean="0"/>
           </a:p>
@@ -47628,7 +47391,7 @@
         </p:spPr>
         <p:txBody>
           <a:bodyPr vert="horz" lIns="91440" tIns="45720" rIns="91440" bIns="45720" rtlCol="0" anchor="ctr">
-            <a:normAutofit/>
+            <a:normAutofit fontScale="92500" lnSpcReduction="20000"/>
           </a:bodyPr>
           <a:lstStyle/>
           <a:p>
@@ -47640,50 +47403,46 @@
               <a:buAutoNum type="arabicPeriod" startAt="3"/>
             </a:pPr>
             <a:r>
-              <a:rPr lang="ru-RU" sz="2800" dirty="0" smtClean="0"/>
-              <a:t>Поиск (из заданной</a:t>
-            </a:r>
-            <a:r>
-              <a:rPr lang="en-US" sz="2800" dirty="0" smtClean="0"/>
+              <a:rPr lang="ru-RU" sz="2800" dirty="0"/>
+              <a:t>Поиск </a:t>
+            </a:r>
+            <a:r>
+              <a:rPr lang="ru-RU" sz="2800" b="1" dirty="0"/>
+              <a:t>кратчайших расстояний</a:t>
+            </a:r>
+            <a:r>
+              <a:rPr lang="ru-RU" sz="2800" dirty="0"/>
+              <a:t> и </a:t>
+            </a:r>
+            <a:r>
+              <a:rPr lang="ru-RU" sz="2800" b="1" dirty="0"/>
+              <a:t>кратчайших путей </a:t>
+            </a:r>
+            <a:r>
+              <a:rPr lang="ru-RU" sz="2800" dirty="0"/>
+              <a:t>в невзвешенном </a:t>
+            </a:r>
+            <a:r>
+              <a:rPr lang="ru-RU" sz="2800" dirty="0" err="1"/>
+              <a:t>НЕориентированном</a:t>
+            </a:r>
+            <a:r>
+              <a:rPr lang="ru-RU" sz="2800" dirty="0"/>
+              <a:t> графе</a:t>
+            </a:r>
+            <a:r>
+              <a:rPr lang="en-US" sz="2800" dirty="0"/>
               <a:t> </a:t>
             </a:r>
             <a:r>
-              <a:rPr lang="ru-RU" sz="2800" dirty="0" smtClean="0"/>
-              <a:t>вершины) </a:t>
-            </a:r>
-            <a:r>
-              <a:rPr lang="ru-RU" sz="2800" b="1" dirty="0" smtClean="0"/>
-              <a:t>кратчайших расстояний</a:t>
-            </a:r>
-            <a:r>
-              <a:rPr lang="ru-RU" sz="2800" dirty="0" smtClean="0"/>
-              <a:t> и </a:t>
-            </a:r>
-            <a:r>
-              <a:rPr lang="ru-RU" sz="2800" b="1" dirty="0" smtClean="0"/>
-              <a:t>кратчайших путей </a:t>
-            </a:r>
-            <a:r>
-              <a:rPr lang="ru-RU" sz="2800" dirty="0" smtClean="0"/>
-              <a:t>в </a:t>
-            </a:r>
-            <a:r>
-              <a:rPr lang="ru-RU" sz="2800" dirty="0" err="1" smtClean="0"/>
-              <a:t>невзвешенном</a:t>
-            </a:r>
-            <a:r>
-              <a:rPr lang="ru-RU" sz="2800" dirty="0" smtClean="0"/>
-              <a:t> </a:t>
-            </a:r>
-            <a:r>
-              <a:rPr lang="ru-RU" sz="2800" dirty="0" err="1" smtClean="0"/>
-              <a:t>НЕориентированном</a:t>
-            </a:r>
-            <a:r>
-              <a:rPr lang="ru-RU" sz="2800" dirty="0" smtClean="0"/>
-              <a:t> графе.</a:t>
-            </a:r>
-            <a:endParaRPr lang="ru-RU" sz="2800" b="1" dirty="0" smtClean="0"/>
+              <a:rPr lang="ru-RU" sz="2800" b="1" dirty="0"/>
+              <a:t>от заданной вершины до всех остальных вершин</a:t>
+            </a:r>
+            <a:r>
+              <a:rPr lang="ru-RU" sz="2800" dirty="0"/>
+              <a:t>.</a:t>
+            </a:r>
+            <a:endParaRPr lang="ru-RU" sz="2800" b="1" dirty="0"/>
           </a:p>
         </p:txBody>
       </p:sp>
@@ -47798,7 +47557,7 @@
         </p:spPr>
         <p:txBody>
           <a:bodyPr vert="horz" lIns="91440" tIns="45720" rIns="91440" bIns="45720" rtlCol="0" anchor="ctr">
-            <a:normAutofit/>
+            <a:normAutofit fontScale="92500" lnSpcReduction="20000"/>
           </a:bodyPr>
           <a:lstStyle/>
           <a:p>
@@ -47810,19 +47569,11 @@
               <a:buAutoNum type="arabicPeriod" startAt="3"/>
             </a:pPr>
             <a:r>
-              <a:rPr lang="ru-RU" sz="2800" dirty="0" smtClean="0"/>
-              <a:t>Поиск (из заданной</a:t>
-            </a:r>
-            <a:r>
-              <a:rPr lang="en-US" sz="2800" dirty="0" smtClean="0"/>
-              <a:t> </a:t>
-            </a:r>
-            <a:r>
-              <a:rPr lang="ru-RU" sz="2800" dirty="0" smtClean="0"/>
-              <a:t>вершины) </a:t>
-            </a:r>
-            <a:r>
-              <a:rPr lang="ru-RU" sz="2800" b="1" dirty="0" smtClean="0">
+              <a:rPr lang="ru-RU" sz="2800" dirty="0"/>
+              <a:t>Поиск </a:t>
+            </a:r>
+            <a:r>
+              <a:rPr lang="ru-RU" sz="2800" b="1" dirty="0">
                 <a:solidFill>
                   <a:srgbClr val="00B050"/>
                 </a:solidFill>
@@ -47830,34 +47581,38 @@
               <a:t>кратчайших расстояний</a:t>
             </a:r>
             <a:r>
-              <a:rPr lang="ru-RU" sz="2800" dirty="0" smtClean="0"/>
+              <a:rPr lang="ru-RU" sz="2800" dirty="0"/>
               <a:t> и </a:t>
             </a:r>
             <a:r>
-              <a:rPr lang="ru-RU" sz="2800" b="1" dirty="0" smtClean="0"/>
+              <a:rPr lang="ru-RU" sz="2800" b="1" dirty="0"/>
               <a:t>кратчайших путей </a:t>
             </a:r>
             <a:r>
-              <a:rPr lang="ru-RU" sz="2800" dirty="0" smtClean="0"/>
-              <a:t>в </a:t>
-            </a:r>
-            <a:r>
-              <a:rPr lang="ru-RU" sz="2800" dirty="0" err="1" smtClean="0"/>
-              <a:t>невзвешенном</a:t>
-            </a:r>
-            <a:r>
-              <a:rPr lang="ru-RU" sz="2800" dirty="0" smtClean="0"/>
+              <a:rPr lang="ru-RU" sz="2800" dirty="0"/>
+              <a:t>в невзвешенном </a:t>
+            </a:r>
+            <a:r>
+              <a:rPr lang="ru-RU" sz="2800" dirty="0" err="1"/>
+              <a:t>НЕориентированном</a:t>
+            </a:r>
+            <a:r>
+              <a:rPr lang="ru-RU" sz="2800" dirty="0"/>
+              <a:t> графе</a:t>
+            </a:r>
+            <a:r>
+              <a:rPr lang="en-US" sz="2800" dirty="0"/>
               <a:t> </a:t>
             </a:r>
             <a:r>
-              <a:rPr lang="ru-RU" sz="2800" dirty="0" err="1" smtClean="0"/>
-              <a:t>НЕориентированном</a:t>
-            </a:r>
-            <a:r>
-              <a:rPr lang="ru-RU" sz="2800" dirty="0" smtClean="0"/>
-              <a:t> графе.</a:t>
-            </a:r>
-            <a:endParaRPr lang="ru-RU" sz="2800" b="1" dirty="0" smtClean="0"/>
+              <a:rPr lang="ru-RU" sz="2800" b="1" dirty="0"/>
+              <a:t>от заданной вершины до всех остальных вершин</a:t>
+            </a:r>
+            <a:r>
+              <a:rPr lang="ru-RU" sz="2800" dirty="0"/>
+              <a:t>.</a:t>
+            </a:r>
+            <a:endParaRPr lang="ru-RU" sz="2800" b="1" dirty="0"/>
           </a:p>
         </p:txBody>
       </p:sp>
@@ -48066,18 +47821,7 @@
                   </a:schemeClr>
                 </a:solidFill>
               </a:rPr>
-              <a:t>color[u] ⟵ </a:t>
-            </a:r>
-            <a:r>
-              <a:rPr lang="en-US" sz="1600" dirty="0" smtClean="0">
-                <a:solidFill>
-                  <a:schemeClr val="tx2">
-                    <a:lumMod val="60000"/>
-                    <a:lumOff val="40000"/>
-                  </a:schemeClr>
-                </a:solidFill>
-              </a:rPr>
-              <a:t>WHITE</a:t>
+              <a:t>color[u] ⟵ WHITE</a:t>
             </a:r>
             <a:br>
               <a:rPr lang="en-US" sz="1600" dirty="0" smtClean="0">
@@ -48098,40 +47842,7 @@
                   </a:schemeClr>
                 </a:solidFill>
               </a:rPr>
-              <a:t>	</a:t>
-            </a:r>
-            <a:r>
-              <a:rPr lang="en-US" sz="1600" dirty="0" smtClean="0">
-                <a:solidFill>
-                  <a:schemeClr val="tx2">
-                    <a:lumMod val="60000"/>
-                    <a:lumOff val="40000"/>
-                  </a:schemeClr>
-                </a:solidFill>
-              </a:rPr>
-              <a:t>d[u]</a:t>
-            </a:r>
-            <a:r>
-              <a:rPr lang="en-US" sz="1600" dirty="0" smtClean="0">
-                <a:solidFill>
-                  <a:schemeClr val="tx2">
-                    <a:lumMod val="60000"/>
-                    <a:lumOff val="40000"/>
-                  </a:schemeClr>
-                </a:solidFill>
-              </a:rPr>
-              <a:t> ⟵ </a:t>
-            </a:r>
-            <a:r>
-              <a:rPr lang="en-US" sz="1600" dirty="0" smtClean="0">
-                <a:solidFill>
-                  <a:schemeClr val="tx2">
-                    <a:lumMod val="60000"/>
-                    <a:lumOff val="40000"/>
-                  </a:schemeClr>
-                </a:solidFill>
-              </a:rPr>
-              <a:t>0</a:t>
+              <a:t>	d[u] ⟵ 0</a:t>
             </a:r>
             <a:br>
               <a:rPr lang="en-US" sz="1600" dirty="0" smtClean="0">
@@ -48163,18 +47874,7 @@
                   </a:schemeClr>
                 </a:solidFill>
               </a:rPr>
-              <a:t> </a:t>
-            </a:r>
-            <a:r>
-              <a:rPr lang="ru-RU" sz="1600" dirty="0" smtClean="0">
-                <a:solidFill>
-                  <a:schemeClr val="tx2">
-                    <a:lumMod val="60000"/>
-                    <a:lumOff val="40000"/>
-                  </a:schemeClr>
-                </a:solidFill>
-              </a:rPr>
-              <a:t>(для) каждой </a:t>
+              <a:t> (для) каждой </a:t>
             </a:r>
             <a:r>
               <a:rPr lang="ru-RU" sz="1600" dirty="0" err="1" smtClean="0">
@@ -48304,18 +48004,7 @@
                   </a:schemeClr>
                 </a:solidFill>
               </a:rPr>
-              <a:t>		</a:t>
-            </a:r>
-            <a:r>
-              <a:rPr lang="en-US" sz="1600" dirty="0" smtClean="0">
-                <a:solidFill>
-                  <a:schemeClr val="tx2">
-                    <a:lumMod val="60000"/>
-                    <a:lumOff val="40000"/>
-                  </a:schemeClr>
-                </a:solidFill>
-              </a:rPr>
-              <a:t> </a:t>
+              <a:t>		 </a:t>
             </a:r>
             <a:r>
               <a:rPr lang="en-US" sz="1600" dirty="0" err="1" smtClean="0">
@@ -48337,18 +48026,7 @@
                   </a:schemeClr>
                 </a:solidFill>
               </a:rPr>
-              <a:t>(G, </a:t>
-            </a:r>
-            <a:r>
-              <a:rPr lang="en-US" sz="1600" dirty="0" smtClean="0">
-                <a:solidFill>
-                  <a:schemeClr val="tx2">
-                    <a:lumMod val="60000"/>
-                    <a:lumOff val="40000"/>
-                  </a:schemeClr>
-                </a:solidFill>
-              </a:rPr>
-              <a:t>u, color, d</a:t>
+              <a:t>(G, u, color, d</a:t>
             </a:r>
             <a:r>
               <a:rPr lang="ru-RU" sz="1600" dirty="0" smtClean="0">
@@ -48413,20 +48091,12 @@
               <a:rPr lang="ru-RU" sz="1600" dirty="0" smtClean="0"/>
               <a:t>)</a:t>
             </a:r>
-            <a:r>
-              <a:rPr lang="ru-RU" sz="1600" dirty="0" smtClean="0"/>
-              <a:t/>
-            </a:r>
             <a:br>
               <a:rPr lang="ru-RU" sz="1600" dirty="0" smtClean="0"/>
             </a:br>
             <a:r>
               <a:rPr lang="en-US" sz="1600" dirty="0" smtClean="0"/>
-              <a:t>color[s] ⟵ </a:t>
-            </a:r>
-            <a:r>
-              <a:rPr lang="en-US" sz="1600" dirty="0" smtClean="0"/>
-              <a:t>BLACK</a:t>
+              <a:t>color[s] ⟵ BLACK</a:t>
             </a:r>
             <a:r>
               <a:rPr lang="ru-RU" sz="1600" dirty="0" smtClean="0"/>
@@ -48437,11 +48107,7 @@
             </a:br>
             <a:r>
               <a:rPr lang="en-US" sz="1600" dirty="0" smtClean="0"/>
-              <a:t>Q </a:t>
-            </a:r>
-            <a:r>
-              <a:rPr lang="en-US" sz="1600" dirty="0" smtClean="0"/>
-              <a:t>⟵ ∅</a:t>
+              <a:t>Q ⟵ ∅</a:t>
             </a:r>
             <a:r>
               <a:rPr lang="ru-RU" sz="1600" dirty="0" smtClean="0"/>
@@ -48587,30 +48253,14 @@
             </a:br>
             <a:r>
               <a:rPr lang="en-US" sz="1600" dirty="0" smtClean="0"/>
-              <a:t>			color[v] ⟵ </a:t>
-            </a:r>
-            <a:r>
-              <a:rPr lang="en-US" sz="1600" dirty="0" smtClean="0"/>
-              <a:t>BLACK</a:t>
+              <a:t>			color[v] ⟵ BLACK</a:t>
             </a:r>
             <a:br>
               <a:rPr lang="en-US" sz="1600" dirty="0" smtClean="0"/>
             </a:br>
             <a:r>
               <a:rPr lang="en-US" sz="1600" dirty="0" smtClean="0"/>
-              <a:t>			</a:t>
-            </a:r>
-            <a:r>
-              <a:rPr lang="en-US" sz="1600" dirty="0" smtClean="0"/>
-              <a:t>d[v]</a:t>
-            </a:r>
-            <a:r>
-              <a:rPr lang="en-US" sz="1600" dirty="0" smtClean="0"/>
-              <a:t> ⟵ </a:t>
-            </a:r>
-            <a:r>
-              <a:rPr lang="en-US" sz="1600" dirty="0" smtClean="0"/>
-              <a:t>d[v]+1</a:t>
+              <a:t>			d[v] ⟵ d[v]+1</a:t>
             </a:r>
             <a:r>
               <a:rPr lang="ru-RU" sz="1600" dirty="0" smtClean="0"/>
@@ -48629,11 +48279,7 @@
             </a:r>
             <a:r>
               <a:rPr lang="en-US" sz="1600" dirty="0" smtClean="0"/>
-              <a:t>Q, v</a:t>
-            </a:r>
-            <a:r>
-              <a:rPr lang="en-US" sz="1600" dirty="0" smtClean="0"/>
-              <a:t>)</a:t>
+              <a:t>Q, v)</a:t>
             </a:r>
             <a:endParaRPr lang="ru-RU" sz="1600" dirty="0"/>
           </a:p>
@@ -48838,11 +48484,7 @@
             </a:r>
             <a:r>
               <a:rPr lang="ru-RU" sz="2800" dirty="0" smtClean="0"/>
-              <a:t> </a:t>
-            </a:r>
-            <a:r>
-              <a:rPr lang="ru-RU" sz="2800" dirty="0" smtClean="0"/>
-              <a:t>графе.</a:t>
+              <a:t> графе.</a:t>
             </a:r>
           </a:p>
         </p:txBody>
@@ -50485,17 +50127,6 @@
               </a:rPr>
               <a:t>)</a:t>
             </a:r>
-            <a:r>
-              <a:rPr lang="ru-RU" sz="1600" dirty="0" smtClean="0">
-                <a:solidFill>
-                  <a:schemeClr val="tx2">
-                    <a:lumMod val="60000"/>
-                    <a:lumOff val="40000"/>
-                  </a:schemeClr>
-                </a:solidFill>
-              </a:rPr>
-              <a:t/>
-            </a:r>
             <a:br>
               <a:rPr lang="ru-RU" sz="1600" dirty="0" smtClean="0">
                 <a:solidFill>
@@ -50666,73 +50297,7 @@
                   </a:schemeClr>
                 </a:solidFill>
               </a:rPr>
-              <a:t>(</a:t>
-            </a:r>
-            <a:r>
-              <a:rPr lang="en-US" sz="1600" dirty="0" smtClean="0">
-                <a:solidFill>
-                  <a:schemeClr val="tx2">
-                    <a:lumMod val="60000"/>
-                    <a:lumOff val="40000"/>
-                  </a:schemeClr>
-                </a:solidFill>
-              </a:rPr>
-              <a:t>G, </a:t>
-            </a:r>
-            <a:r>
-              <a:rPr lang="en-US" sz="1600" dirty="0" smtClean="0">
-                <a:solidFill>
-                  <a:schemeClr val="tx2">
-                    <a:lumMod val="60000"/>
-                    <a:lumOff val="40000"/>
-                  </a:schemeClr>
-                </a:solidFill>
-              </a:rPr>
-              <a:t>s</a:t>
-            </a:r>
-            <a:r>
-              <a:rPr lang="en-US" sz="1600" dirty="0" smtClean="0">
-                <a:solidFill>
-                  <a:schemeClr val="tx2">
-                    <a:lumMod val="60000"/>
-                    <a:lumOff val="40000"/>
-                  </a:schemeClr>
-                </a:solidFill>
-              </a:rPr>
-              <a:t>, color,</a:t>
-            </a:r>
-            <a:r>
-              <a:rPr lang="en-US" sz="1600" dirty="0" smtClean="0">
-                <a:solidFill>
-                  <a:schemeClr val="tx2">
-                    <a:lumMod val="60000"/>
-                    <a:lumOff val="40000"/>
-                  </a:schemeClr>
-                </a:solidFill>
-              </a:rPr>
-              <a:t> </a:t>
-            </a:r>
-            <a:r>
-              <a:rPr lang="en-US" sz="1600" dirty="0" smtClean="0">
-                <a:solidFill>
-                  <a:schemeClr val="tx2">
-                    <a:lumMod val="60000"/>
-                    <a:lumOff val="40000"/>
-                  </a:schemeClr>
-                </a:solidFill>
-              </a:rPr>
-              <a:t>π) </a:t>
-            </a:r>
-            <a:r>
-              <a:rPr lang="en-US" sz="1600" dirty="0" smtClean="0">
-                <a:solidFill>
-                  <a:schemeClr val="tx2">
-                    <a:lumMod val="60000"/>
-                    <a:lumOff val="40000"/>
-                  </a:schemeClr>
-                </a:solidFill>
-              </a:rPr>
-              <a:t/>
+              <a:t>(G, s, color, π) </a:t>
             </a:r>
             <a:br>
               <a:rPr lang="en-US" sz="1600" dirty="0" smtClean="0">
@@ -50753,18 +50318,7 @@
                   </a:schemeClr>
                 </a:solidFill>
               </a:rPr>
-              <a:t>PATH⟵ </a:t>
-            </a:r>
-            <a:r>
-              <a:rPr lang="en-US" sz="1600" dirty="0" smtClean="0">
-                <a:solidFill>
-                  <a:schemeClr val="tx2">
-                    <a:lumMod val="60000"/>
-                    <a:lumOff val="40000"/>
-                  </a:schemeClr>
-                </a:solidFill>
-              </a:rPr>
-              <a:t>∅</a:t>
+              <a:t>PATH⟵ ∅</a:t>
             </a:r>
             <a:r>
               <a:rPr lang="en-US" sz="1600" dirty="0" smtClean="0"/>
@@ -50800,29 +50354,7 @@
                   </a:schemeClr>
                 </a:solidFill>
               </a:rPr>
-              <a:t>parent </a:t>
-            </a:r>
-            <a:r>
-              <a:rPr lang="en-US" sz="1600" dirty="0" smtClean="0">
-                <a:solidFill>
-                  <a:schemeClr val="tx2">
-                    <a:lumMod val="60000"/>
-                    <a:lumOff val="40000"/>
-                  </a:schemeClr>
-                </a:solidFill>
-              </a:rPr>
-              <a:t>⟵ </a:t>
-            </a:r>
-            <a:r>
-              <a:rPr lang="en-US" sz="1600" dirty="0" smtClean="0">
-                <a:solidFill>
-                  <a:schemeClr val="tx2">
-                    <a:lumMod val="60000"/>
-                    <a:lumOff val="40000"/>
-                  </a:schemeClr>
-                </a:solidFill>
-              </a:rPr>
-              <a:t>t</a:t>
+              <a:t>parent ⟵ t</a:t>
             </a:r>
             <a:br>
               <a:rPr lang="en-US" sz="1600" dirty="0" smtClean="0">
@@ -50886,7 +50418,7 @@
                   </a:schemeClr>
                 </a:solidFill>
               </a:rPr>
-              <a:t>PATH, (parent,</a:t>
+              <a:t>PATH, </a:t>
             </a:r>
             <a:r>
               <a:rPr lang="en-US" sz="1600" dirty="0" smtClean="0">
@@ -50897,7 +50429,29 @@
                   </a:schemeClr>
                 </a:solidFill>
               </a:rPr>
-              <a:t> π[parent </a:t>
+              <a:t>(π[parent ]</a:t>
+            </a:r>
+            <a:r>
+              <a:rPr lang="ru-RU" sz="1600" dirty="0" smtClean="0">
+                <a:solidFill>
+                  <a:schemeClr val="tx2">
+                    <a:lumMod val="60000"/>
+                    <a:lumOff val="40000"/>
+                  </a:schemeClr>
+                </a:solidFill>
+              </a:rPr>
+              <a:t>, </a:t>
+            </a:r>
+            <a:r>
+              <a:rPr lang="en-US" sz="1600" dirty="0">
+                <a:solidFill>
+                  <a:schemeClr val="tx2">
+                    <a:lumMod val="60000"/>
+                    <a:lumOff val="40000"/>
+                  </a:schemeClr>
+                </a:solidFill>
+              </a:rPr>
+              <a:t>parent))</a:t>
             </a:r>
             <a:r>
               <a:rPr lang="en-US" sz="1600" dirty="0" smtClean="0">
@@ -50908,7 +50462,7 @@
                   </a:schemeClr>
                 </a:solidFill>
               </a:rPr>
-              <a:t>]))</a:t>
+              <a:t/>
             </a:r>
             <a:br>
               <a:rPr lang="en-US" sz="1600" dirty="0" smtClean="0">
@@ -50929,29 +50483,7 @@
                   </a:schemeClr>
                 </a:solidFill>
               </a:rPr>
-              <a:t>	parent </a:t>
-            </a:r>
-            <a:r>
-              <a:rPr lang="en-US" sz="1600" dirty="0" smtClean="0">
-                <a:solidFill>
-                  <a:schemeClr val="tx2">
-                    <a:lumMod val="60000"/>
-                    <a:lumOff val="40000"/>
-                  </a:schemeClr>
-                </a:solidFill>
-              </a:rPr>
-              <a:t>⟵ </a:t>
-            </a:r>
-            <a:r>
-              <a:rPr lang="en-US" sz="1600" dirty="0" smtClean="0">
-                <a:solidFill>
-                  <a:schemeClr val="tx2">
-                    <a:lumMod val="60000"/>
-                    <a:lumOff val="40000"/>
-                  </a:schemeClr>
-                </a:solidFill>
-              </a:rPr>
-              <a:t>π[parent ]</a:t>
+              <a:t>	parent ⟵ π[parent ]</a:t>
             </a:r>
             <a:r>
               <a:rPr lang="ru-RU" sz="1600" dirty="0" smtClean="0"/>
@@ -50985,34 +50517,18 @@
             </a:r>
             <a:r>
               <a:rPr lang="en-US" sz="1600" dirty="0" smtClean="0"/>
-              <a:t>s, color,</a:t>
-            </a:r>
-            <a:r>
-              <a:rPr lang="en-US" sz="1600" dirty="0" smtClean="0"/>
-              <a:t> </a:t>
-            </a:r>
-            <a:r>
-              <a:rPr lang="en-US" sz="1600" dirty="0" smtClean="0"/>
-              <a:t>π</a:t>
+              <a:t>s, color, π</a:t>
             </a:r>
             <a:r>
               <a:rPr lang="ru-RU" sz="1600" dirty="0" smtClean="0"/>
               <a:t>)</a:t>
-            </a:r>
-            <a:r>
-              <a:rPr lang="ru-RU" sz="1600" dirty="0" smtClean="0"/>
-              <a:t/>
             </a:r>
             <a:br>
               <a:rPr lang="ru-RU" sz="1600" dirty="0" smtClean="0"/>
             </a:br>
             <a:r>
               <a:rPr lang="en-US" sz="1600" dirty="0" smtClean="0"/>
-              <a:t>color[s] ⟵ </a:t>
-            </a:r>
-            <a:r>
-              <a:rPr lang="en-US" sz="1600" dirty="0" smtClean="0"/>
-              <a:t>BLACK</a:t>
+              <a:t>color[s] ⟵ BLACK</a:t>
             </a:r>
             <a:r>
               <a:rPr lang="ru-RU" sz="1600" dirty="0" smtClean="0"/>
@@ -51023,11 +50539,7 @@
             </a:br>
             <a:r>
               <a:rPr lang="en-US" sz="1600" dirty="0" smtClean="0"/>
-              <a:t>Q </a:t>
-            </a:r>
-            <a:r>
-              <a:rPr lang="en-US" sz="1600" dirty="0" smtClean="0"/>
-              <a:t>⟵ ∅</a:t>
+              <a:t>Q ⟵ ∅</a:t>
             </a:r>
             <a:r>
               <a:rPr lang="ru-RU" sz="1600" dirty="0" smtClean="0"/>
@@ -51173,11 +50685,7 @@
             </a:br>
             <a:r>
               <a:rPr lang="en-US" sz="1600" dirty="0" smtClean="0"/>
-              <a:t>			color[v] ⟵ </a:t>
-            </a:r>
-            <a:r>
-              <a:rPr lang="en-US" sz="1600" dirty="0" smtClean="0"/>
-              <a:t>BLACK</a:t>
+              <a:t>			color[v] ⟵ BLACK</a:t>
             </a:r>
             <a:r>
               <a:rPr lang="ru-RU" sz="1600" dirty="0" smtClean="0"/>
@@ -51207,11 +50715,7 @@
             </a:r>
             <a:r>
               <a:rPr lang="en-US" sz="1600" dirty="0" smtClean="0"/>
-              <a:t>Q, v</a:t>
-            </a:r>
-            <a:r>
-              <a:rPr lang="en-US" sz="1600" dirty="0" smtClean="0"/>
-              <a:t>)</a:t>
+              <a:t>Q, v)</a:t>
             </a:r>
             <a:endParaRPr lang="ru-RU" sz="1600" dirty="0"/>
           </a:p>
@@ -51657,29 +51161,7 @@
                   </a:schemeClr>
                 </a:solidFill>
               </a:rPr>
-              <a:t>color[u] ⟵ </a:t>
-            </a:r>
-            <a:r>
-              <a:rPr lang="en-US" sz="1600" dirty="0" smtClean="0">
-                <a:solidFill>
-                  <a:schemeClr val="tx2">
-                    <a:lumMod val="60000"/>
-                    <a:lumOff val="40000"/>
-                  </a:schemeClr>
-                </a:solidFill>
-              </a:rPr>
-              <a:t>WHITE</a:t>
-            </a:r>
-            <a:r>
-              <a:rPr lang="en-US" sz="1600" dirty="0" smtClean="0">
-                <a:solidFill>
-                  <a:schemeClr val="tx2">
-                    <a:lumMod val="60000"/>
-                    <a:lumOff val="40000"/>
-                  </a:schemeClr>
-                </a:solidFill>
-              </a:rPr>
-              <a:t/>
+              <a:t>color[u] ⟵ WHITE</a:t>
             </a:r>
             <a:br>
               <a:rPr lang="en-US" sz="1600" dirty="0" smtClean="0">
@@ -51711,18 +51193,7 @@
                   </a:schemeClr>
                 </a:solidFill>
               </a:rPr>
-              <a:t> </a:t>
-            </a:r>
-            <a:r>
-              <a:rPr lang="ru-RU" sz="1600" dirty="0" smtClean="0">
-                <a:solidFill>
-                  <a:schemeClr val="tx2">
-                    <a:lumMod val="60000"/>
-                    <a:lumOff val="40000"/>
-                  </a:schemeClr>
-                </a:solidFill>
-              </a:rPr>
-              <a:t>(для) каждой </a:t>
+              <a:t> (для) каждой </a:t>
             </a:r>
             <a:r>
               <a:rPr lang="ru-RU" sz="1600" dirty="0" err="1" smtClean="0">
@@ -51852,18 +51323,7 @@
                   </a:schemeClr>
                 </a:solidFill>
               </a:rPr>
-              <a:t>		</a:t>
-            </a:r>
-            <a:r>
-              <a:rPr lang="en-US" sz="1600" dirty="0" smtClean="0">
-                <a:solidFill>
-                  <a:schemeClr val="tx2">
-                    <a:lumMod val="60000"/>
-                    <a:lumOff val="40000"/>
-                  </a:schemeClr>
-                </a:solidFill>
-              </a:rPr>
-              <a:t> </a:t>
+              <a:t>		 </a:t>
             </a:r>
             <a:r>
               <a:rPr lang="en-US" sz="1600" dirty="0" err="1" smtClean="0">
@@ -51885,18 +51345,7 @@
                   </a:schemeClr>
                 </a:solidFill>
               </a:rPr>
-              <a:t>(G, </a:t>
-            </a:r>
-            <a:r>
-              <a:rPr lang="en-US" sz="1600" dirty="0" smtClean="0">
-                <a:solidFill>
-                  <a:schemeClr val="tx2">
-                    <a:lumMod val="60000"/>
-                    <a:lumOff val="40000"/>
-                  </a:schemeClr>
-                </a:solidFill>
-              </a:rPr>
-              <a:t>u, color) </a:t>
+              <a:t>(G, u, color) </a:t>
             </a:r>
             <a:br>
               <a:rPr lang="en-US" sz="1600" dirty="0" smtClean="0">
@@ -51939,20 +51388,12 @@
               <a:rPr lang="ru-RU" sz="1600" dirty="0" smtClean="0"/>
               <a:t>)</a:t>
             </a:r>
-            <a:r>
-              <a:rPr lang="ru-RU" sz="1600" dirty="0" smtClean="0"/>
-              <a:t/>
-            </a:r>
             <a:br>
               <a:rPr lang="ru-RU" sz="1600" dirty="0" smtClean="0"/>
             </a:br>
             <a:r>
               <a:rPr lang="en-US" sz="1600" dirty="0" smtClean="0"/>
-              <a:t>color[s] ⟵ </a:t>
-            </a:r>
-            <a:r>
-              <a:rPr lang="en-US" sz="1600" dirty="0" smtClean="0"/>
-              <a:t>BLACK</a:t>
+              <a:t>color[s] ⟵ BLACK</a:t>
             </a:r>
             <a:r>
               <a:rPr lang="ru-RU" sz="1600" dirty="0" smtClean="0"/>
@@ -51963,11 +51404,7 @@
             </a:br>
             <a:r>
               <a:rPr lang="en-US" sz="1600" dirty="0" smtClean="0"/>
-              <a:t>Q </a:t>
-            </a:r>
-            <a:r>
-              <a:rPr lang="en-US" sz="1600" dirty="0" smtClean="0"/>
-              <a:t>⟵ ∅</a:t>
+              <a:t>Q ⟵ ∅</a:t>
             </a:r>
             <a:r>
               <a:rPr lang="ru-RU" sz="1600" dirty="0" smtClean="0"/>
@@ -52113,11 +51550,7 @@
             </a:br>
             <a:r>
               <a:rPr lang="en-US" sz="1600" dirty="0" smtClean="0"/>
-              <a:t>			color[v] ⟵ </a:t>
-            </a:r>
-            <a:r>
-              <a:rPr lang="en-US" sz="1600" dirty="0" smtClean="0"/>
-              <a:t>BLACK</a:t>
+              <a:t>			color[v] ⟵ BLACK</a:t>
             </a:r>
             <a:br>
               <a:rPr lang="en-US" sz="1600" dirty="0" smtClean="0"/>
@@ -52132,33 +51565,25 @@
             </a:r>
             <a:r>
               <a:rPr lang="en-US" sz="1600" dirty="0" smtClean="0"/>
-              <a:t>Q, v</a:t>
-            </a:r>
-            <a:r>
-              <a:rPr lang="en-US" sz="1600" dirty="0" smtClean="0"/>
-              <a:t>)</a:t>
+              <a:t>Q, v)</a:t>
             </a:r>
             <a:br>
               <a:rPr lang="en-US" sz="1600" dirty="0" smtClean="0"/>
             </a:br>
             <a:r>
               <a:rPr lang="en-US" sz="1600" dirty="0" smtClean="0"/>
-              <a:t>	</a:t>
-            </a:r>
-            <a:r>
-              <a:rPr lang="en-US" sz="1600" dirty="0" smtClean="0"/>
-              <a:t>	else</a:t>
+              <a:t>		else</a:t>
             </a:r>
             <a:br>
               <a:rPr lang="en-US" sz="1600" dirty="0" smtClean="0"/>
             </a:br>
             <a:r>
               <a:rPr lang="en-US" sz="1600" dirty="0" smtClean="0"/>
-              <a:t>	</a:t>
+              <a:t>			THERE IS A </a:t>
             </a:r>
             <a:r>
               <a:rPr lang="en-US" sz="1600" dirty="0" smtClean="0"/>
-              <a:t>		THERE IS A LOOP</a:t>
+              <a:t>CYCLE</a:t>
             </a:r>
             <a:endParaRPr lang="ru-RU" sz="1600" dirty="0"/>
           </a:p>
@@ -52275,6 +51700,17 @@
 <file path=ppt/slides/slide55.xml><?xml version="1.0" encoding="utf-8"?>
 <p:sld xmlns:a="http://schemas.openxmlformats.org/drawingml/2006/main" xmlns:r="http://schemas.openxmlformats.org/officeDocument/2006/relationships" xmlns:p="http://schemas.openxmlformats.org/presentationml/2006/main">
   <p:cSld>
+    <p:bg>
+      <p:bgPr>
+        <a:solidFill>
+          <a:schemeClr val="accent2">
+            <a:lumMod val="40000"/>
+            <a:lumOff val="60000"/>
+          </a:schemeClr>
+        </a:solidFill>
+        <a:effectLst/>
+      </p:bgPr>
+    </p:bg>
     <p:spTree>
       <p:nvGrpSpPr>
         <p:cNvPr id="1" name=""/>
@@ -54747,7 +54183,6 @@
               <a:rPr lang="ru-RU" sz="2000" dirty="0" smtClean="0"/>
               <a:t>Во время обхода в ширину каждой вершине назначается номер волны и список всех предков.</a:t>
             </a:r>
-            <a:endParaRPr lang="ru-RU" sz="2000" dirty="0" smtClean="0"/>
           </a:p>
           <a:p>
             <a:pPr lvl="0">
@@ -54782,11 +54217,7 @@
             </a:pPr>
             <a:r>
               <a:rPr lang="ru-RU" sz="2000" dirty="0" smtClean="0"/>
-              <a:t>Если во время обхода происходит попытка обратиться к не белой вершине (что говорит о цикле), то для вершин образующих просматриваемое ребро ищется общий предок с минимальным номером волны. Из номеров волны </a:t>
-            </a:r>
-            <a:r>
-              <a:rPr lang="ru-RU" sz="2000" dirty="0" smtClean="0"/>
-              <a:t>получившихся трех вершин определяется длина цикла.</a:t>
+              <a:t>Если во время обхода происходит попытка обратиться к не белой вершине (что говорит о цикле), то для вершин образующих просматриваемое ребро ищется общий предок с минимальным номером волны. Из номеров волны получившихся трех вершин определяется длина цикла.</a:t>
             </a:r>
           </a:p>
         </p:txBody>
@@ -54930,7 +54361,6 @@
               <a:rPr lang="ru-RU" sz="2000" dirty="0" smtClean="0"/>
               <a:t>Во время обхода в ширину каждой вершине назначается номер волны.</a:t>
             </a:r>
-            <a:endParaRPr lang="ru-RU" sz="2000" dirty="0" smtClean="0"/>
           </a:p>
           <a:p>
             <a:pPr lvl="0">
@@ -54965,13 +54395,8 @@
             </a:pPr>
             <a:r>
               <a:rPr lang="ru-RU" sz="2000" dirty="0" smtClean="0"/>
-              <a:t>Если во время обхода происходит попытка обратиться к не белой вершине (что говорит о цикле), то просматриваемое ребро помещаются в специальный </a:t>
-            </a:r>
-            <a:r>
-              <a:rPr lang="ru-RU" sz="2000" dirty="0" smtClean="0"/>
-              <a:t>список.</a:t>
-            </a:r>
-            <a:endParaRPr lang="ru-RU" sz="2000" dirty="0" smtClean="0"/>
+              <a:t>Если во время обхода происходит попытка обратиться к не белой вершине (что говорит о цикле), то просматриваемое ребро помещаются в специальный список.</a:t>
+            </a:r>
           </a:p>
           <a:p>
             <a:pPr lvl="0">
@@ -55005,11 +54430,7 @@
             </a:r>
             <a:r>
               <a:rPr lang="ru-RU" sz="2000" smtClean="0"/>
-              <a:t>выше алгоритма)</a:t>
-            </a:r>
-            <a:r>
-              <a:rPr lang="ru-RU" sz="2000" smtClean="0"/>
-              <a:t>.</a:t>
+              <a:t>выше алгоритма).</a:t>
             </a:r>
             <a:endParaRPr lang="ru-RU" sz="2000" dirty="0" smtClean="0"/>
           </a:p>

--- a/Презентации/Лекция 1.pptx
+++ b/Презентации/Лекция 1.pptx
@@ -376,7 +376,7 @@
             <a:fld id="{5B106E36-FD25-4E2D-B0AA-010F637433A0}" type="datetimeFigureOut">
               <a:rPr lang="ru-RU" smtClean="0"/>
               <a:pPr/>
-              <a:t>11.02.2022</a:t>
+              <a:t>18.02.2022</a:t>
             </a:fld>
             <a:endParaRPr lang="ru-RU"/>
           </a:p>
@@ -543,7 +543,7 @@
             <a:fld id="{5B106E36-FD25-4E2D-B0AA-010F637433A0}" type="datetimeFigureOut">
               <a:rPr lang="ru-RU" smtClean="0"/>
               <a:pPr/>
-              <a:t>11.02.2022</a:t>
+              <a:t>18.02.2022</a:t>
             </a:fld>
             <a:endParaRPr lang="ru-RU"/>
           </a:p>
@@ -720,7 +720,7 @@
             <a:fld id="{5B106E36-FD25-4E2D-B0AA-010F637433A0}" type="datetimeFigureOut">
               <a:rPr lang="ru-RU" smtClean="0"/>
               <a:pPr/>
-              <a:t>11.02.2022</a:t>
+              <a:t>18.02.2022</a:t>
             </a:fld>
             <a:endParaRPr lang="ru-RU"/>
           </a:p>
@@ -887,7 +887,7 @@
             <a:fld id="{5B106E36-FD25-4E2D-B0AA-010F637433A0}" type="datetimeFigureOut">
               <a:rPr lang="ru-RU" smtClean="0"/>
               <a:pPr/>
-              <a:t>11.02.2022</a:t>
+              <a:t>18.02.2022</a:t>
             </a:fld>
             <a:endParaRPr lang="ru-RU"/>
           </a:p>
@@ -1130,7 +1130,7 @@
             <a:fld id="{5B106E36-FD25-4E2D-B0AA-010F637433A0}" type="datetimeFigureOut">
               <a:rPr lang="ru-RU" smtClean="0"/>
               <a:pPr/>
-              <a:t>11.02.2022</a:t>
+              <a:t>18.02.2022</a:t>
             </a:fld>
             <a:endParaRPr lang="ru-RU"/>
           </a:p>
@@ -1415,7 +1415,7 @@
             <a:fld id="{5B106E36-FD25-4E2D-B0AA-010F637433A0}" type="datetimeFigureOut">
               <a:rPr lang="ru-RU" smtClean="0"/>
               <a:pPr/>
-              <a:t>11.02.2022</a:t>
+              <a:t>18.02.2022</a:t>
             </a:fld>
             <a:endParaRPr lang="ru-RU"/>
           </a:p>
@@ -1834,7 +1834,7 @@
             <a:fld id="{5B106E36-FD25-4E2D-B0AA-010F637433A0}" type="datetimeFigureOut">
               <a:rPr lang="ru-RU" smtClean="0"/>
               <a:pPr/>
-              <a:t>11.02.2022</a:t>
+              <a:t>18.02.2022</a:t>
             </a:fld>
             <a:endParaRPr lang="ru-RU"/>
           </a:p>
@@ -1949,7 +1949,7 @@
             <a:fld id="{5B106E36-FD25-4E2D-B0AA-010F637433A0}" type="datetimeFigureOut">
               <a:rPr lang="ru-RU" smtClean="0"/>
               <a:pPr/>
-              <a:t>11.02.2022</a:t>
+              <a:t>18.02.2022</a:t>
             </a:fld>
             <a:endParaRPr lang="ru-RU"/>
           </a:p>
@@ -2041,7 +2041,7 @@
             <a:fld id="{5B106E36-FD25-4E2D-B0AA-010F637433A0}" type="datetimeFigureOut">
               <a:rPr lang="ru-RU" smtClean="0"/>
               <a:pPr/>
-              <a:t>11.02.2022</a:t>
+              <a:t>18.02.2022</a:t>
             </a:fld>
             <a:endParaRPr lang="ru-RU"/>
           </a:p>
@@ -2315,7 +2315,7 @@
             <a:fld id="{5B106E36-FD25-4E2D-B0AA-010F637433A0}" type="datetimeFigureOut">
               <a:rPr lang="ru-RU" smtClean="0"/>
               <a:pPr/>
-              <a:t>11.02.2022</a:t>
+              <a:t>18.02.2022</a:t>
             </a:fld>
             <a:endParaRPr lang="ru-RU"/>
           </a:p>
@@ -2565,7 +2565,7 @@
             <a:fld id="{5B106E36-FD25-4E2D-B0AA-010F637433A0}" type="datetimeFigureOut">
               <a:rPr lang="ru-RU" smtClean="0"/>
               <a:pPr/>
-              <a:t>11.02.2022</a:t>
+              <a:t>18.02.2022</a:t>
             </a:fld>
             <a:endParaRPr lang="ru-RU"/>
           </a:p>
@@ -2775,7 +2775,7 @@
             <a:fld id="{5B106E36-FD25-4E2D-B0AA-010F637433A0}" type="datetimeFigureOut">
               <a:rPr lang="ru-RU" smtClean="0"/>
               <a:pPr/>
-              <a:t>11.02.2022</a:t>
+              <a:t>18.02.2022</a:t>
             </a:fld>
             <a:endParaRPr lang="ru-RU"/>
           </a:p>
@@ -3132,6 +3132,17 @@
 <file path=ppt/slides/slide1.xml><?xml version="1.0" encoding="utf-8"?>
 <p:sld xmlns:a="http://schemas.openxmlformats.org/drawingml/2006/main" xmlns:r="http://schemas.openxmlformats.org/officeDocument/2006/relationships" xmlns:p="http://schemas.openxmlformats.org/presentationml/2006/main">
   <p:cSld>
+    <p:bg>
+      <p:bgPr>
+        <a:solidFill>
+          <a:schemeClr val="accent4">
+            <a:lumMod val="40000"/>
+            <a:lumOff val="60000"/>
+          </a:schemeClr>
+        </a:solidFill>
+        <a:effectLst/>
+      </p:bgPr>
+    </p:bg>
     <p:spTree>
       <p:nvGrpSpPr>
         <p:cNvPr id="1" name=""/>
@@ -25265,11 +25276,7 @@
           <a:p>
             <a:r>
               <a:rPr lang="ru-RU" dirty="0" smtClean="0"/>
-              <a:t>Вершина 6 становится </a:t>
-            </a:r>
-            <a:r>
-              <a:rPr lang="ru-RU" dirty="0" smtClean="0"/>
-              <a:t>черной</a:t>
+              <a:t>Вершина 6 становится черной</a:t>
             </a:r>
             <a:endParaRPr lang="ru-RU" dirty="0"/>
           </a:p>
@@ -46049,11 +46056,7 @@
             </a:r>
             <a:r>
               <a:rPr lang="ru-RU" sz="2800" b="1" dirty="0" smtClean="0"/>
-              <a:t>кратчайших </a:t>
-            </a:r>
-            <a:r>
-              <a:rPr lang="ru-RU" sz="2800" b="1" dirty="0" smtClean="0"/>
-              <a:t>расстояний</a:t>
+              <a:t>кратчайших расстояний</a:t>
             </a:r>
             <a:r>
               <a:rPr lang="ru-RU" sz="2800" dirty="0" smtClean="0"/>
@@ -46073,11 +46076,7 @@
             </a:r>
             <a:r>
               <a:rPr lang="ru-RU" sz="2800" dirty="0" smtClean="0"/>
-              <a:t> </a:t>
-            </a:r>
-            <a:r>
-              <a:rPr lang="ru-RU" sz="2800" dirty="0" smtClean="0"/>
-              <a:t>графе</a:t>
+              <a:t> графе</a:t>
             </a:r>
             <a:r>
               <a:rPr lang="en-US" sz="2800" dirty="0" smtClean="0"/>
@@ -50418,18 +50417,7 @@
                   </a:schemeClr>
                 </a:solidFill>
               </a:rPr>
-              <a:t>PATH, </a:t>
-            </a:r>
-            <a:r>
-              <a:rPr lang="en-US" sz="1600" dirty="0" smtClean="0">
-                <a:solidFill>
-                  <a:schemeClr val="tx2">
-                    <a:lumMod val="60000"/>
-                    <a:lumOff val="40000"/>
-                  </a:schemeClr>
-                </a:solidFill>
-              </a:rPr>
-              <a:t>(π[parent ]</a:t>
+              <a:t>PATH, (π[parent ]</a:t>
             </a:r>
             <a:r>
               <a:rPr lang="ru-RU" sz="1600" dirty="0" smtClean="0">
@@ -51579,11 +51567,7 @@
             </a:br>
             <a:r>
               <a:rPr lang="en-US" sz="1600" dirty="0" smtClean="0"/>
-              <a:t>			THERE IS A </a:t>
-            </a:r>
-            <a:r>
-              <a:rPr lang="en-US" sz="1600" dirty="0" smtClean="0"/>
-              <a:t>CYCLE</a:t>
+              <a:t>			THERE IS A CYCLE</a:t>
             </a:r>
             <a:endParaRPr lang="ru-RU" sz="1600" dirty="0"/>
           </a:p>

--- a/Презентации/Лекция 1.pptx
+++ b/Презентации/Лекция 1.pptx
@@ -55,28 +55,29 @@
     <p:sldId id="471" r:id="rId49"/>
     <p:sldId id="457" r:id="rId50"/>
     <p:sldId id="472" r:id="rId51"/>
-    <p:sldId id="319" r:id="rId52"/>
-    <p:sldId id="454" r:id="rId53"/>
-    <p:sldId id="473" r:id="rId54"/>
-    <p:sldId id="467" r:id="rId55"/>
-    <p:sldId id="460" r:id="rId56"/>
-    <p:sldId id="468" r:id="rId57"/>
-    <p:sldId id="458" r:id="rId58"/>
-    <p:sldId id="459" r:id="rId59"/>
-    <p:sldId id="462" r:id="rId60"/>
-    <p:sldId id="463" r:id="rId61"/>
-    <p:sldId id="474" r:id="rId62"/>
-    <p:sldId id="475" r:id="rId63"/>
-    <p:sldId id="461" r:id="rId64"/>
-    <p:sldId id="301" r:id="rId65"/>
-    <p:sldId id="464" r:id="rId66"/>
-    <p:sldId id="310" r:id="rId67"/>
-    <p:sldId id="321" r:id="rId68"/>
-    <p:sldId id="322" r:id="rId69"/>
-    <p:sldId id="324" r:id="rId70"/>
-    <p:sldId id="339" r:id="rId71"/>
-    <p:sldId id="465" r:id="rId72"/>
-    <p:sldId id="466" r:id="rId73"/>
+    <p:sldId id="478" r:id="rId52"/>
+    <p:sldId id="479" r:id="rId53"/>
+    <p:sldId id="319" r:id="rId54"/>
+    <p:sldId id="454" r:id="rId55"/>
+    <p:sldId id="473" r:id="rId56"/>
+    <p:sldId id="467" r:id="rId57"/>
+    <p:sldId id="460" r:id="rId58"/>
+    <p:sldId id="468" r:id="rId59"/>
+    <p:sldId id="459" r:id="rId60"/>
+    <p:sldId id="462" r:id="rId61"/>
+    <p:sldId id="463" r:id="rId62"/>
+    <p:sldId id="474" r:id="rId63"/>
+    <p:sldId id="475" r:id="rId64"/>
+    <p:sldId id="461" r:id="rId65"/>
+    <p:sldId id="301" r:id="rId66"/>
+    <p:sldId id="464" r:id="rId67"/>
+    <p:sldId id="310" r:id="rId68"/>
+    <p:sldId id="321" r:id="rId69"/>
+    <p:sldId id="322" r:id="rId70"/>
+    <p:sldId id="324" r:id="rId71"/>
+    <p:sldId id="339" r:id="rId72"/>
+    <p:sldId id="465" r:id="rId73"/>
+    <p:sldId id="466" r:id="rId74"/>
   </p:sldIdLst>
   <p:sldSz cx="9144000" cy="6858000" type="screen4x3"/>
   <p:notesSz cx="6858000" cy="9144000"/>
@@ -376,7 +377,7 @@
             <a:fld id="{5B106E36-FD25-4E2D-B0AA-010F637433A0}" type="datetimeFigureOut">
               <a:rPr lang="ru-RU" smtClean="0"/>
               <a:pPr/>
-              <a:t>18.02.2022</a:t>
+              <a:t>25.02.2022</a:t>
             </a:fld>
             <a:endParaRPr lang="ru-RU"/>
           </a:p>
@@ -543,7 +544,7 @@
             <a:fld id="{5B106E36-FD25-4E2D-B0AA-010F637433A0}" type="datetimeFigureOut">
               <a:rPr lang="ru-RU" smtClean="0"/>
               <a:pPr/>
-              <a:t>18.02.2022</a:t>
+              <a:t>25.02.2022</a:t>
             </a:fld>
             <a:endParaRPr lang="ru-RU"/>
           </a:p>
@@ -720,7 +721,7 @@
             <a:fld id="{5B106E36-FD25-4E2D-B0AA-010F637433A0}" type="datetimeFigureOut">
               <a:rPr lang="ru-RU" smtClean="0"/>
               <a:pPr/>
-              <a:t>18.02.2022</a:t>
+              <a:t>25.02.2022</a:t>
             </a:fld>
             <a:endParaRPr lang="ru-RU"/>
           </a:p>
@@ -887,7 +888,7 @@
             <a:fld id="{5B106E36-FD25-4E2D-B0AA-010F637433A0}" type="datetimeFigureOut">
               <a:rPr lang="ru-RU" smtClean="0"/>
               <a:pPr/>
-              <a:t>18.02.2022</a:t>
+              <a:t>25.02.2022</a:t>
             </a:fld>
             <a:endParaRPr lang="ru-RU"/>
           </a:p>
@@ -1130,7 +1131,7 @@
             <a:fld id="{5B106E36-FD25-4E2D-B0AA-010F637433A0}" type="datetimeFigureOut">
               <a:rPr lang="ru-RU" smtClean="0"/>
               <a:pPr/>
-              <a:t>18.02.2022</a:t>
+              <a:t>25.02.2022</a:t>
             </a:fld>
             <a:endParaRPr lang="ru-RU"/>
           </a:p>
@@ -1415,7 +1416,7 @@
             <a:fld id="{5B106E36-FD25-4E2D-B0AA-010F637433A0}" type="datetimeFigureOut">
               <a:rPr lang="ru-RU" smtClean="0"/>
               <a:pPr/>
-              <a:t>18.02.2022</a:t>
+              <a:t>25.02.2022</a:t>
             </a:fld>
             <a:endParaRPr lang="ru-RU"/>
           </a:p>
@@ -1834,7 +1835,7 @@
             <a:fld id="{5B106E36-FD25-4E2D-B0AA-010F637433A0}" type="datetimeFigureOut">
               <a:rPr lang="ru-RU" smtClean="0"/>
               <a:pPr/>
-              <a:t>18.02.2022</a:t>
+              <a:t>25.02.2022</a:t>
             </a:fld>
             <a:endParaRPr lang="ru-RU"/>
           </a:p>
@@ -1949,7 +1950,7 @@
             <a:fld id="{5B106E36-FD25-4E2D-B0AA-010F637433A0}" type="datetimeFigureOut">
               <a:rPr lang="ru-RU" smtClean="0"/>
               <a:pPr/>
-              <a:t>18.02.2022</a:t>
+              <a:t>25.02.2022</a:t>
             </a:fld>
             <a:endParaRPr lang="ru-RU"/>
           </a:p>
@@ -2041,7 +2042,7 @@
             <a:fld id="{5B106E36-FD25-4E2D-B0AA-010F637433A0}" type="datetimeFigureOut">
               <a:rPr lang="ru-RU" smtClean="0"/>
               <a:pPr/>
-              <a:t>18.02.2022</a:t>
+              <a:t>25.02.2022</a:t>
             </a:fld>
             <a:endParaRPr lang="ru-RU"/>
           </a:p>
@@ -2315,7 +2316,7 @@
             <a:fld id="{5B106E36-FD25-4E2D-B0AA-010F637433A0}" type="datetimeFigureOut">
               <a:rPr lang="ru-RU" smtClean="0"/>
               <a:pPr/>
-              <a:t>18.02.2022</a:t>
+              <a:t>25.02.2022</a:t>
             </a:fld>
             <a:endParaRPr lang="ru-RU"/>
           </a:p>
@@ -2565,7 +2566,7 @@
             <a:fld id="{5B106E36-FD25-4E2D-B0AA-010F637433A0}" type="datetimeFigureOut">
               <a:rPr lang="ru-RU" smtClean="0"/>
               <a:pPr/>
-              <a:t>18.02.2022</a:t>
+              <a:t>25.02.2022</a:t>
             </a:fld>
             <a:endParaRPr lang="ru-RU"/>
           </a:p>
@@ -2775,7 +2776,7 @@
             <a:fld id="{5B106E36-FD25-4E2D-B0AA-010F637433A0}" type="datetimeFigureOut">
               <a:rPr lang="ru-RU" smtClean="0"/>
               <a:pPr/>
-              <a:t>18.02.2022</a:t>
+              <a:t>25.02.2022</a:t>
             </a:fld>
             <a:endParaRPr lang="ru-RU"/>
           </a:p>
@@ -44703,7 +44704,18 @@
                   </a:schemeClr>
                 </a:solidFill>
               </a:rPr>
-              <a:t>, то граф связен.</a:t>
+              <a:t>, то граф </a:t>
+            </a:r>
+            <a:r>
+              <a:rPr lang="ru-RU" sz="2000" dirty="0" smtClean="0">
+                <a:solidFill>
+                  <a:schemeClr val="tx2">
+                    <a:lumMod val="60000"/>
+                    <a:lumOff val="40000"/>
+                  </a:schemeClr>
+                </a:solidFill>
+              </a:rPr>
+              <a:t>связен, иначе - нет.</a:t>
             </a:r>
             <a:endParaRPr kumimoji="0" lang="ru-RU" sz="2000" b="0" i="0" u="none" strike="noStrike" kern="1200" cap="none" spc="0" normalizeH="0" baseline="0" noProof="0" dirty="0" smtClean="0">
               <a:ln>
@@ -45684,17 +45696,6 @@
 <file path=ppt/slides/slide44.xml><?xml version="1.0" encoding="utf-8"?>
 <p:sld xmlns:a="http://schemas.openxmlformats.org/drawingml/2006/main" xmlns:r="http://schemas.openxmlformats.org/officeDocument/2006/relationships" xmlns:p="http://schemas.openxmlformats.org/presentationml/2006/main">
   <p:cSld>
-    <p:bg>
-      <p:bgPr>
-        <a:solidFill>
-          <a:schemeClr val="accent2">
-            <a:lumMod val="40000"/>
-            <a:lumOff val="60000"/>
-          </a:schemeClr>
-        </a:solidFill>
-        <a:effectLst/>
-      </p:bgPr>
-    </p:bg>
     <p:spTree>
       <p:nvGrpSpPr>
         <p:cNvPr id="1" name=""/>
@@ -45711,156 +45712,6 @@
       </p:grpSpPr>
       <p:sp>
         <p:nvSpPr>
-          <p:cNvPr id="90" name="Заголовок 1"/>
-          <p:cNvSpPr txBox="1">
-            <a:spLocks/>
-          </p:cNvSpPr>
-          <p:nvPr/>
-        </p:nvSpPr>
-        <p:spPr>
-          <a:xfrm>
-            <a:off x="832048" y="3568154"/>
-            <a:ext cx="7772400" cy="1514599"/>
-          </a:xfrm>
-          <a:prstGeom prst="rect">
-            <a:avLst/>
-          </a:prstGeom>
-        </p:spPr>
-        <p:txBody>
-          <a:bodyPr vert="horz" lIns="91440" tIns="45720" rIns="91440" bIns="45720" rtlCol="0" anchor="ctr">
-            <a:normAutofit/>
-          </a:bodyPr>
-          <a:lstStyle/>
-          <a:p>
-            <a:pPr>
-              <a:spcBef>
-                <a:spcPct val="0"/>
-              </a:spcBef>
-            </a:pPr>
-            <a:r>
-              <a:rPr lang="ru-RU" sz="2000" b="1" dirty="0" smtClean="0">
-                <a:solidFill>
-                  <a:schemeClr val="tx2">
-                    <a:lumMod val="60000"/>
-                    <a:lumOff val="40000"/>
-                  </a:schemeClr>
-                </a:solidFill>
-              </a:rPr>
-              <a:t>Алгоритм:</a:t>
-            </a:r>
-            <a:endParaRPr lang="ru-RU" sz="2000" dirty="0" smtClean="0">
-              <a:solidFill>
-                <a:schemeClr val="tx2">
-                  <a:lumMod val="60000"/>
-                  <a:lumOff val="40000"/>
-                </a:schemeClr>
-              </a:solidFill>
-            </a:endParaRPr>
-          </a:p>
-          <a:p>
-            <a:pPr lvl="0">
-              <a:spcBef>
-                <a:spcPct val="0"/>
-              </a:spcBef>
-              <a:buFont typeface="Arial" pitchFamily="34" charset="0"/>
-              <a:buChar char="•"/>
-            </a:pPr>
-            <a:r>
-              <a:rPr lang="ru-RU" sz="2000" dirty="0" smtClean="0">
-                <a:solidFill>
-                  <a:schemeClr val="tx2">
-                    <a:lumMod val="60000"/>
-                    <a:lumOff val="40000"/>
-                  </a:schemeClr>
-                </a:solidFill>
-              </a:rPr>
-              <a:t>Если обход в ширину обошел все вершины за один запуск, то граф связен.</a:t>
-            </a:r>
-            <a:endParaRPr kumimoji="0" lang="ru-RU" sz="2000" b="0" i="0" u="none" strike="noStrike" kern="1200" cap="none" spc="0" normalizeH="0" baseline="0" noProof="0" dirty="0" smtClean="0">
-              <a:ln>
-                <a:noFill/>
-              </a:ln>
-              <a:solidFill>
-                <a:schemeClr val="tx2">
-                  <a:lumMod val="60000"/>
-                  <a:lumOff val="40000"/>
-                </a:schemeClr>
-              </a:solidFill>
-              <a:effectLst/>
-              <a:uLnTx/>
-              <a:uFillTx/>
-              <a:latin typeface="+mj-lt"/>
-              <a:ea typeface="+mj-ea"/>
-              <a:cs typeface="+mj-cs"/>
-            </a:endParaRPr>
-          </a:p>
-        </p:txBody>
-      </p:sp>
-      <p:sp>
-        <p:nvSpPr>
-          <p:cNvPr id="91" name="Заголовок 1"/>
-          <p:cNvSpPr txBox="1">
-            <a:spLocks/>
-          </p:cNvSpPr>
-          <p:nvPr/>
-        </p:nvSpPr>
-        <p:spPr>
-          <a:xfrm>
-            <a:off x="821432" y="5010745"/>
-            <a:ext cx="7772400" cy="1730623"/>
-          </a:xfrm>
-          <a:prstGeom prst="rect">
-            <a:avLst/>
-          </a:prstGeom>
-        </p:spPr>
-        <p:txBody>
-          <a:bodyPr vert="horz" lIns="91440" tIns="45720" rIns="91440" bIns="45720" rtlCol="0" anchor="ctr">
-            <a:normAutofit/>
-          </a:bodyPr>
-          <a:lstStyle/>
-          <a:p>
-            <a:pPr>
-              <a:spcBef>
-                <a:spcPct val="0"/>
-              </a:spcBef>
-            </a:pPr>
-            <a:r>
-              <a:rPr lang="ru-RU" sz="2000" b="1" dirty="0" smtClean="0"/>
-              <a:t>Алгоритм:</a:t>
-            </a:r>
-            <a:endParaRPr lang="ru-RU" sz="2000" dirty="0" smtClean="0"/>
-          </a:p>
-          <a:p>
-            <a:pPr lvl="0">
-              <a:spcBef>
-                <a:spcPct val="0"/>
-              </a:spcBef>
-              <a:buFont typeface="Arial" pitchFamily="34" charset="0"/>
-              <a:buChar char="•"/>
-            </a:pPr>
-            <a:r>
-              <a:rPr lang="ru-RU" sz="2000" dirty="0" smtClean="0"/>
-              <a:t>Для каждого запуска обхода в ширину все пройденные вершины помещаются в отдельное множество соответствующее обходимой компоненте.</a:t>
-            </a:r>
-            <a:endParaRPr kumimoji="0" lang="ru-RU" sz="2000" b="0" i="0" u="none" strike="noStrike" kern="1200" cap="none" spc="0" normalizeH="0" baseline="0" noProof="0" dirty="0" smtClean="0">
-              <a:ln>
-                <a:noFill/>
-              </a:ln>
-              <a:solidFill>
-                <a:schemeClr val="tx1"/>
-              </a:solidFill>
-              <a:effectLst/>
-              <a:uLnTx/>
-              <a:uFillTx/>
-              <a:latin typeface="+mj-lt"/>
-              <a:ea typeface="+mj-ea"/>
-              <a:cs typeface="+mj-cs"/>
-            </a:endParaRPr>
-          </a:p>
-        </p:txBody>
-      </p:sp>
-      <p:sp>
-        <p:nvSpPr>
           <p:cNvPr id="92" name="Заголовок 1"/>
           <p:cNvSpPr txBox="1">
             <a:spLocks/>
@@ -45902,11 +45753,7 @@
               <a:t> и поиск </a:t>
             </a:r>
             <a:r>
-              <a:rPr lang="ru-RU" sz="2800" b="1" dirty="0" smtClean="0">
-                <a:solidFill>
-                  <a:srgbClr val="00B050"/>
-                </a:solidFill>
-              </a:rPr>
+              <a:rPr lang="ru-RU" sz="2800" b="1" dirty="0" smtClean="0"/>
               <a:t>компонент связности</a:t>
             </a:r>
             <a:r>
@@ -45926,7 +45773,7 @@
         </p:nvSpPr>
         <p:spPr>
           <a:xfrm>
-            <a:off x="827584" y="1914401"/>
+            <a:off x="827584" y="2850505"/>
             <a:ext cx="7772400" cy="1730623"/>
           </a:xfrm>
           <a:prstGeom prst="rect">
@@ -45958,7 +45805,23 @@
             </a:pPr>
             <a:r>
               <a:rPr lang="ru-RU" sz="2000" dirty="0" smtClean="0"/>
-              <a:t>Задачу можно решить Для решения поставленных задач следует проводить обход </a:t>
+              <a:t>Для </a:t>
+            </a:r>
+            <a:r>
+              <a:rPr lang="ru-RU" sz="2000" dirty="0" smtClean="0"/>
+              <a:t>решения поставленных задач следует </a:t>
+            </a:r>
+            <a:r>
+              <a:rPr lang="ru-RU" sz="2000" dirty="0" smtClean="0"/>
+              <a:t>совершать те же действия что и для </a:t>
+            </a:r>
+            <a:r>
+              <a:rPr lang="ru-RU" sz="2000" dirty="0" err="1" smtClean="0"/>
+              <a:t>НЕориентированного</a:t>
+            </a:r>
+            <a:r>
+              <a:rPr lang="ru-RU" sz="2000" dirty="0" smtClean="0"/>
+              <a:t> графа. При этом переходы по дугам могут осуществляться как в прямом, так и в обратном направлении (т.к. производится поиск цепи, а не пути).</a:t>
             </a:r>
             <a:endParaRPr kumimoji="0" lang="ru-RU" sz="2000" b="0" i="0" u="none" strike="noStrike" kern="1200" cap="none" spc="0" normalizeH="0" baseline="0" noProof="0" dirty="0" smtClean="0">
               <a:ln>
@@ -50754,7 +50617,7 @@
       </p:grpSpPr>
       <p:sp>
         <p:nvSpPr>
-          <p:cNvPr id="9" name="Заголовок 1"/>
+          <p:cNvPr id="38" name="Заголовок 1"/>
           <p:cNvSpPr txBox="1">
             <a:spLocks/>
           </p:cNvSpPr>
@@ -50762,7 +50625,7 @@
         </p:nvSpPr>
         <p:spPr>
           <a:xfrm>
-            <a:off x="685800" y="404664"/>
+            <a:off x="685800" y="188640"/>
             <a:ext cx="7772400" cy="1470025"/>
           </a:xfrm>
           <a:prstGeom prst="rect">
@@ -50775,7 +50638,7 @@
           </a:bodyPr>
           <a:lstStyle/>
           <a:p>
-            <a:pPr marL="514350" indent="-514350">
+            <a:pPr marL="514350" lvl="0" indent="-514350">
               <a:spcBef>
                 <a:spcPct val="0"/>
               </a:spcBef>
@@ -50784,28 +50647,50 @@
             </a:pPr>
             <a:r>
               <a:rPr lang="ru-RU" sz="2800" dirty="0" smtClean="0"/>
-              <a:t>Проверка </a:t>
-            </a:r>
-            <a:r>
-              <a:rPr lang="ru-RU" sz="2800" dirty="0" err="1" smtClean="0"/>
-              <a:t>НЕориентированного</a:t>
+              <a:t>Поиск </a:t>
+            </a:r>
+            <a:r>
+              <a:rPr lang="ru-RU" sz="2800" b="1" dirty="0" smtClean="0"/>
+              <a:t>кратчайших расстояний</a:t>
             </a:r>
             <a:r>
               <a:rPr lang="ru-RU" sz="2800" dirty="0" smtClean="0"/>
-              <a:t> графа на </a:t>
+              <a:t> и </a:t>
             </a:r>
             <a:r>
               <a:rPr lang="ru-RU" sz="2800" b="1" dirty="0" smtClean="0"/>
-              <a:t>ацикличность</a:t>
+              <a:t>кратчайших путей </a:t>
+            </a:r>
+            <a:r>
+              <a:rPr lang="ru-RU" sz="2800" dirty="0" smtClean="0"/>
+              <a:t>в невзвешенном </a:t>
+            </a:r>
+            <a:r>
+              <a:rPr lang="ru-RU" sz="2800" dirty="0" smtClean="0"/>
+              <a:t>орграфе</a:t>
+            </a:r>
+            <a:r>
+              <a:rPr lang="en-US" sz="2800" dirty="0" smtClean="0"/>
+              <a:t> </a:t>
+            </a:r>
+            <a:r>
+              <a:rPr lang="ru-RU" sz="2800" b="1" dirty="0" smtClean="0"/>
+              <a:t>от заданной вершины до всех остальных вершин</a:t>
             </a:r>
             <a:r>
               <a:rPr lang="ru-RU" sz="2800" dirty="0" smtClean="0"/>
               <a:t>.</a:t>
             </a:r>
+            <a:endParaRPr lang="ru-RU" sz="2800" b="1" dirty="0" smtClean="0"/>
           </a:p>
         </p:txBody>
       </p:sp>
     </p:spTree>
+    <p:extLst>
+      <p:ext uri="{BB962C8B-B14F-4D97-AF65-F5344CB8AC3E}">
+        <p14:creationId xmlns:p14="http://schemas.microsoft.com/office/powerpoint/2010/main" val="3885116896"/>
+      </p:ext>
+    </p:extLst>
   </p:cSld>
   <p:clrMapOvr>
     <a:masterClrMapping/>
@@ -50839,7 +50724,7 @@
       </p:grpSpPr>
       <p:sp>
         <p:nvSpPr>
-          <p:cNvPr id="9" name="Заголовок 1"/>
+          <p:cNvPr id="92" name="Заголовок 1"/>
           <p:cNvSpPr txBox="1">
             <a:spLocks/>
           </p:cNvSpPr>
@@ -50860,7 +50745,7 @@
           </a:bodyPr>
           <a:lstStyle/>
           <a:p>
-            <a:pPr marL="514350" indent="-514350">
+            <a:pPr marL="514350" lvl="0" indent="-514350">
               <a:spcBef>
                 <a:spcPct val="0"/>
               </a:spcBef>
@@ -50868,36 +50753,44 @@
               <a:buAutoNum type="arabicPeriod" startAt="4"/>
             </a:pPr>
             <a:r>
-              <a:rPr lang="ru-RU" sz="2800" dirty="0" smtClean="0"/>
-              <a:t>Проверка </a:t>
-            </a:r>
-            <a:r>
-              <a:rPr lang="ru-RU" sz="2800" dirty="0" err="1" smtClean="0"/>
-              <a:t>НЕориентированного</a:t>
-            </a:r>
-            <a:r>
-              <a:rPr lang="ru-RU" sz="2800" dirty="0" smtClean="0"/>
-              <a:t> графа на </a:t>
-            </a:r>
-            <a:r>
-              <a:rPr lang="ru-RU" sz="2800" b="1" dirty="0" smtClean="0">
-                <a:solidFill>
-                  <a:srgbClr val="00B050"/>
-                </a:solidFill>
-              </a:rPr>
-              <a:t>ацикличность</a:t>
-            </a:r>
-            <a:r>
-              <a:rPr lang="ru-RU" sz="2800" dirty="0" smtClean="0"/>
+              <a:rPr lang="ru-RU" sz="2800" dirty="0"/>
+              <a:t>Поиск </a:t>
+            </a:r>
+            <a:r>
+              <a:rPr lang="ru-RU" sz="2800" b="1" dirty="0"/>
+              <a:t>кратчайших расстояний</a:t>
+            </a:r>
+            <a:r>
+              <a:rPr lang="ru-RU" sz="2800" dirty="0"/>
+              <a:t> и </a:t>
+            </a:r>
+            <a:r>
+              <a:rPr lang="ru-RU" sz="2800" b="1" dirty="0"/>
+              <a:t>кратчайших путей </a:t>
+            </a:r>
+            <a:r>
+              <a:rPr lang="ru-RU" sz="2800" dirty="0"/>
+              <a:t>в невзвешенном орграфе</a:t>
+            </a:r>
+            <a:r>
+              <a:rPr lang="en-US" sz="2800" dirty="0"/>
+              <a:t> </a:t>
+            </a:r>
+            <a:r>
+              <a:rPr lang="ru-RU" sz="2800" b="1" dirty="0"/>
+              <a:t>от заданной вершины до всех остальных вершин</a:t>
+            </a:r>
+            <a:r>
+              <a:rPr lang="ru-RU" sz="2800" dirty="0"/>
               <a:t>.</a:t>
             </a:r>
-            <a:endParaRPr lang="ru-RU" sz="2800" b="1" dirty="0" smtClean="0"/>
-          </a:p>
-        </p:txBody>
-      </p:sp>
-      <p:sp>
-        <p:nvSpPr>
-          <p:cNvPr id="4" name="Заголовок 1"/>
+            <a:endParaRPr lang="ru-RU" sz="2800" b="1" dirty="0"/>
+          </a:p>
+        </p:txBody>
+      </p:sp>
+      <p:sp>
+        <p:nvSpPr>
+          <p:cNvPr id="93" name="Заголовок 1"/>
           <p:cNvSpPr txBox="1">
             <a:spLocks/>
           </p:cNvSpPr>
@@ -50905,8 +50798,8 @@
         </p:nvSpPr>
         <p:spPr>
           <a:xfrm>
-            <a:off x="1120080" y="2346449"/>
-            <a:ext cx="7772400" cy="1514599"/>
+            <a:off x="827584" y="2850505"/>
+            <a:ext cx="7772400" cy="1730623"/>
           </a:xfrm>
           <a:prstGeom prst="rect">
             <a:avLst/>
@@ -50934,17 +50827,50 @@
               <a:spcBef>
                 <a:spcPct val="0"/>
               </a:spcBef>
-              <a:buFont typeface="Arial" pitchFamily="34" charset="0"/>
-              <a:buChar char="•"/>
             </a:pPr>
             <a:r>
               <a:rPr lang="ru-RU" sz="2000" dirty="0" smtClean="0"/>
-              <a:t>Если во время обхода происходит попытка обратиться к не белой вершине (которая не является непосредственным предком), то это говорит о найденном цикле (но не обязательно контуре).</a:t>
-            </a:r>
+              <a:t>Для </a:t>
+            </a:r>
+            <a:r>
+              <a:rPr lang="ru-RU" sz="2000" dirty="0" smtClean="0"/>
+              <a:t>решения поставленных задач следует </a:t>
+            </a:r>
+            <a:r>
+              <a:rPr lang="ru-RU" sz="2000" dirty="0" smtClean="0"/>
+              <a:t>совершать те же действия что и для </a:t>
+            </a:r>
+            <a:r>
+              <a:rPr lang="ru-RU" sz="2000" dirty="0" err="1" smtClean="0"/>
+              <a:t>НЕориентированного</a:t>
+            </a:r>
+            <a:r>
+              <a:rPr lang="ru-RU" sz="2000" dirty="0" smtClean="0"/>
+              <a:t> графа.</a:t>
+            </a:r>
+            <a:endParaRPr kumimoji="0" lang="ru-RU" sz="2000" b="0" i="0" u="none" strike="noStrike" kern="1200" cap="none" spc="0" normalizeH="0" baseline="0" noProof="0" dirty="0" smtClean="0">
+              <a:ln>
+                <a:noFill/>
+              </a:ln>
+              <a:solidFill>
+                <a:schemeClr val="tx1"/>
+              </a:solidFill>
+              <a:effectLst/>
+              <a:uLnTx/>
+              <a:uFillTx/>
+              <a:latin typeface="+mj-lt"/>
+              <a:ea typeface="+mj-ea"/>
+              <a:cs typeface="+mj-cs"/>
+            </a:endParaRPr>
           </a:p>
         </p:txBody>
       </p:sp>
     </p:spTree>
+    <p:extLst>
+      <p:ext uri="{BB962C8B-B14F-4D97-AF65-F5344CB8AC3E}">
+        <p14:creationId xmlns:p14="http://schemas.microsoft.com/office/powerpoint/2010/main" val="1936017804"/>
+      </p:ext>
+    </p:extLst>
   </p:cSld>
   <p:clrMapOvr>
     <a:masterClrMapping/>
@@ -50960,635 +50886,6 @@
 </file>
 
 <file path=ppt/slides/slide53.xml><?xml version="1.0" encoding="utf-8"?>
-<p:sld xmlns:a="http://schemas.openxmlformats.org/drawingml/2006/main" xmlns:r="http://schemas.openxmlformats.org/officeDocument/2006/relationships" xmlns:p="http://schemas.openxmlformats.org/presentationml/2006/main">
-  <p:cSld>
-    <p:spTree>
-      <p:nvGrpSpPr>
-        <p:cNvPr id="1" name=""/>
-        <p:cNvGrpSpPr/>
-        <p:nvPr/>
-      </p:nvGrpSpPr>
-      <p:grpSpPr>
-        <a:xfrm>
-          <a:off x="0" y="0"/>
-          <a:ext cx="0" cy="0"/>
-          <a:chOff x="0" y="0"/>
-          <a:chExt cx="0" cy="0"/>
-        </a:xfrm>
-      </p:grpSpPr>
-      <p:sp>
-        <p:nvSpPr>
-          <p:cNvPr id="2" name="Заголовок 1"/>
-          <p:cNvSpPr>
-            <a:spLocks noGrp="1"/>
-          </p:cNvSpPr>
-          <p:nvPr>
-            <p:ph type="ctrTitle"/>
-          </p:nvPr>
-        </p:nvSpPr>
-        <p:spPr>
-          <a:xfrm>
-            <a:off x="2555776" y="332656"/>
-            <a:ext cx="5902424" cy="6264696"/>
-          </a:xfrm>
-        </p:spPr>
-        <p:txBody>
-          <a:bodyPr>
-            <a:noAutofit/>
-          </a:bodyPr>
-          <a:lstStyle/>
-          <a:p>
-            <a:pPr algn="l"/>
-            <a:r>
-              <a:rPr lang="en-US" sz="1600" dirty="0" smtClean="0">
-                <a:solidFill>
-                  <a:schemeClr val="tx2">
-                    <a:lumMod val="60000"/>
-                    <a:lumOff val="40000"/>
-                  </a:schemeClr>
-                </a:solidFill>
-              </a:rPr>
-              <a:t>BFS</a:t>
-            </a:r>
-            <a:r>
-              <a:rPr lang="ru-RU" sz="1600" dirty="0" smtClean="0">
-                <a:solidFill>
-                  <a:schemeClr val="tx2">
-                    <a:lumMod val="60000"/>
-                    <a:lumOff val="40000"/>
-                  </a:schemeClr>
-                </a:solidFill>
-              </a:rPr>
-              <a:t> (</a:t>
-            </a:r>
-            <a:r>
-              <a:rPr lang="en-US" sz="1600" dirty="0" smtClean="0">
-                <a:solidFill>
-                  <a:schemeClr val="tx2">
-                    <a:lumMod val="60000"/>
-                    <a:lumOff val="40000"/>
-                  </a:schemeClr>
-                </a:solidFill>
-              </a:rPr>
-              <a:t>G</a:t>
-            </a:r>
-            <a:r>
-              <a:rPr lang="ru-RU" sz="1600" dirty="0" smtClean="0">
-                <a:solidFill>
-                  <a:schemeClr val="tx2">
-                    <a:lumMod val="60000"/>
-                    <a:lumOff val="40000"/>
-                  </a:schemeClr>
-                </a:solidFill>
-              </a:rPr>
-              <a:t>)</a:t>
-            </a:r>
-            <a:br>
-              <a:rPr lang="ru-RU" sz="1600" dirty="0" smtClean="0">
-                <a:solidFill>
-                  <a:schemeClr val="tx2">
-                    <a:lumMod val="60000"/>
-                    <a:lumOff val="40000"/>
-                  </a:schemeClr>
-                </a:solidFill>
-              </a:rPr>
-            </a:br>
-            <a:r>
-              <a:rPr lang="en-US" sz="1600" b="1" dirty="0" smtClean="0">
-                <a:solidFill>
-                  <a:schemeClr val="tx2">
-                    <a:lumMod val="60000"/>
-                    <a:lumOff val="40000"/>
-                  </a:schemeClr>
-                </a:solidFill>
-              </a:rPr>
-              <a:t>for</a:t>
-            </a:r>
-            <a:r>
-              <a:rPr lang="ru-RU" sz="1600" dirty="0" smtClean="0">
-                <a:solidFill>
-                  <a:schemeClr val="tx2">
-                    <a:lumMod val="60000"/>
-                    <a:lumOff val="40000"/>
-                  </a:schemeClr>
-                </a:solidFill>
-              </a:rPr>
-              <a:t> (для) каждой </a:t>
-            </a:r>
-            <a:r>
-              <a:rPr lang="ru-RU" sz="1600" dirty="0" err="1" smtClean="0">
-                <a:solidFill>
-                  <a:schemeClr val="tx2">
-                    <a:lumMod val="60000"/>
-                    <a:lumOff val="40000"/>
-                  </a:schemeClr>
-                </a:solidFill>
-              </a:rPr>
-              <a:t>u</a:t>
-            </a:r>
-            <a:r>
-              <a:rPr lang="ru-RU" sz="1600" dirty="0" smtClean="0">
-                <a:solidFill>
-                  <a:schemeClr val="tx2">
-                    <a:lumMod val="60000"/>
-                    <a:lumOff val="40000"/>
-                  </a:schemeClr>
-                </a:solidFill>
-              </a:rPr>
-              <a:t> ∈ V[G] </a:t>
-            </a:r>
-            <a:r>
-              <a:rPr lang="en-US" sz="1600" b="1" dirty="0" smtClean="0">
-                <a:solidFill>
-                  <a:schemeClr val="tx2">
-                    <a:lumMod val="60000"/>
-                    <a:lumOff val="40000"/>
-                  </a:schemeClr>
-                </a:solidFill>
-              </a:rPr>
-              <a:t>do</a:t>
-            </a:r>
-            <a:r>
-              <a:rPr lang="ru-RU" sz="1600" dirty="0" smtClean="0">
-                <a:solidFill>
-                  <a:schemeClr val="tx2">
-                    <a:lumMod val="60000"/>
-                    <a:lumOff val="40000"/>
-                  </a:schemeClr>
-                </a:solidFill>
-              </a:rPr>
-              <a:t/>
-            </a:r>
-            <a:br>
-              <a:rPr lang="ru-RU" sz="1600" dirty="0" smtClean="0">
-                <a:solidFill>
-                  <a:schemeClr val="tx2">
-                    <a:lumMod val="60000"/>
-                    <a:lumOff val="40000"/>
-                  </a:schemeClr>
-                </a:solidFill>
-              </a:rPr>
-            </a:br>
-            <a:r>
-              <a:rPr lang="ru-RU" sz="1600" dirty="0" smtClean="0">
-                <a:solidFill>
-                  <a:schemeClr val="tx2">
-                    <a:lumMod val="60000"/>
-                    <a:lumOff val="40000"/>
-                  </a:schemeClr>
-                </a:solidFill>
-              </a:rPr>
-              <a:t>	</a:t>
-            </a:r>
-            <a:r>
-              <a:rPr lang="en-US" sz="1600" dirty="0" smtClean="0">
-                <a:solidFill>
-                  <a:schemeClr val="tx2">
-                    <a:lumMod val="60000"/>
-                    <a:lumOff val="40000"/>
-                  </a:schemeClr>
-                </a:solidFill>
-              </a:rPr>
-              <a:t>color[u] ⟵ WHITE</a:t>
-            </a:r>
-            <a:br>
-              <a:rPr lang="en-US" sz="1600" dirty="0" smtClean="0">
-                <a:solidFill>
-                  <a:schemeClr val="tx2">
-                    <a:lumMod val="60000"/>
-                    <a:lumOff val="40000"/>
-                  </a:schemeClr>
-                </a:solidFill>
-              </a:rPr>
-            </a:br>
-            <a:r>
-              <a:rPr lang="en-US" sz="1600" b="1" dirty="0" smtClean="0">
-                <a:solidFill>
-                  <a:schemeClr val="tx2">
-                    <a:lumMod val="60000"/>
-                    <a:lumOff val="40000"/>
-                  </a:schemeClr>
-                </a:solidFill>
-              </a:rPr>
-              <a:t>for</a:t>
-            </a:r>
-            <a:r>
-              <a:rPr lang="ru-RU" sz="1600" dirty="0" smtClean="0">
-                <a:solidFill>
-                  <a:schemeClr val="tx2">
-                    <a:lumMod val="60000"/>
-                    <a:lumOff val="40000"/>
-                  </a:schemeClr>
-                </a:solidFill>
-              </a:rPr>
-              <a:t> (для) каждой </a:t>
-            </a:r>
-            <a:r>
-              <a:rPr lang="ru-RU" sz="1600" dirty="0" err="1" smtClean="0">
-                <a:solidFill>
-                  <a:schemeClr val="tx2">
-                    <a:lumMod val="60000"/>
-                    <a:lumOff val="40000"/>
-                  </a:schemeClr>
-                </a:solidFill>
-              </a:rPr>
-              <a:t>u</a:t>
-            </a:r>
-            <a:r>
-              <a:rPr lang="ru-RU" sz="1600" dirty="0" smtClean="0">
-                <a:solidFill>
-                  <a:schemeClr val="tx2">
-                    <a:lumMod val="60000"/>
-                    <a:lumOff val="40000"/>
-                  </a:schemeClr>
-                </a:solidFill>
-              </a:rPr>
-              <a:t> ∈ V[G] </a:t>
-            </a:r>
-            <a:r>
-              <a:rPr lang="en-US" sz="1600" b="1" dirty="0" smtClean="0">
-                <a:solidFill>
-                  <a:schemeClr val="tx2">
-                    <a:lumMod val="60000"/>
-                    <a:lumOff val="40000"/>
-                  </a:schemeClr>
-                </a:solidFill>
-              </a:rPr>
-              <a:t>do</a:t>
-            </a:r>
-            <a:r>
-              <a:rPr lang="ru-RU" sz="1600" dirty="0" smtClean="0">
-                <a:solidFill>
-                  <a:schemeClr val="tx2">
-                    <a:lumMod val="60000"/>
-                    <a:lumOff val="40000"/>
-                  </a:schemeClr>
-                </a:solidFill>
-              </a:rPr>
-              <a:t/>
-            </a:r>
-            <a:br>
-              <a:rPr lang="ru-RU" sz="1600" dirty="0" smtClean="0">
-                <a:solidFill>
-                  <a:schemeClr val="tx2">
-                    <a:lumMod val="60000"/>
-                    <a:lumOff val="40000"/>
-                  </a:schemeClr>
-                </a:solidFill>
-              </a:rPr>
-            </a:br>
-            <a:r>
-              <a:rPr lang="ru-RU" sz="1600" dirty="0" smtClean="0">
-                <a:solidFill>
-                  <a:schemeClr val="tx2">
-                    <a:lumMod val="60000"/>
-                    <a:lumOff val="40000"/>
-                  </a:schemeClr>
-                </a:solidFill>
-              </a:rPr>
-              <a:t>	</a:t>
-            </a:r>
-            <a:r>
-              <a:rPr lang="en-US" sz="1600" b="1" dirty="0" smtClean="0">
-                <a:solidFill>
-                  <a:schemeClr val="tx2">
-                    <a:lumMod val="60000"/>
-                    <a:lumOff val="40000"/>
-                  </a:schemeClr>
-                </a:solidFill>
-              </a:rPr>
-              <a:t>if</a:t>
-            </a:r>
-            <a:r>
-              <a:rPr lang="en-US" sz="1600" dirty="0" smtClean="0">
-                <a:solidFill>
-                  <a:schemeClr val="tx2">
-                    <a:lumMod val="60000"/>
-                    <a:lumOff val="40000"/>
-                  </a:schemeClr>
-                </a:solidFill>
-              </a:rPr>
-              <a:t> color[u] = WHITE </a:t>
-            </a:r>
-            <a:r>
-              <a:rPr lang="en-US" sz="1600" b="1" dirty="0" smtClean="0">
-                <a:solidFill>
-                  <a:schemeClr val="tx2">
-                    <a:lumMod val="60000"/>
-                    <a:lumOff val="40000"/>
-                  </a:schemeClr>
-                </a:solidFill>
-              </a:rPr>
-              <a:t>then</a:t>
-            </a:r>
-            <a:r>
-              <a:rPr lang="ru-RU" sz="1600" dirty="0" smtClean="0">
-                <a:solidFill>
-                  <a:schemeClr val="tx2">
-                    <a:lumMod val="60000"/>
-                    <a:lumOff val="40000"/>
-                  </a:schemeClr>
-                </a:solidFill>
-              </a:rPr>
-              <a:t/>
-            </a:r>
-            <a:br>
-              <a:rPr lang="ru-RU" sz="1600" dirty="0" smtClean="0">
-                <a:solidFill>
-                  <a:schemeClr val="tx2">
-                    <a:lumMod val="60000"/>
-                    <a:lumOff val="40000"/>
-                  </a:schemeClr>
-                </a:solidFill>
-              </a:rPr>
-            </a:br>
-            <a:r>
-              <a:rPr lang="en-US" sz="1600" dirty="0" smtClean="0">
-                <a:solidFill>
-                  <a:schemeClr val="tx2">
-                    <a:lumMod val="60000"/>
-                    <a:lumOff val="40000"/>
-                  </a:schemeClr>
-                </a:solidFill>
-              </a:rPr>
-              <a:t>		 </a:t>
-            </a:r>
-            <a:r>
-              <a:rPr lang="en-US" sz="1600" dirty="0" err="1" smtClean="0">
-                <a:solidFill>
-                  <a:schemeClr val="tx2">
-                    <a:lumMod val="60000"/>
-                    <a:lumOff val="40000"/>
-                  </a:schemeClr>
-                </a:solidFill>
-              </a:rPr>
-              <a:t>BFS_Visit</a:t>
-            </a:r>
-            <a:r>
-              <a:rPr lang="en-US" sz="1600" dirty="0" smtClean="0">
-                <a:solidFill>
-                  <a:schemeClr val="tx2">
-                    <a:lumMod val="60000"/>
-                    <a:lumOff val="40000"/>
-                  </a:schemeClr>
-                </a:solidFill>
-              </a:rPr>
-              <a:t>(G, u, color) </a:t>
-            </a:r>
-            <a:br>
-              <a:rPr lang="en-US" sz="1600" dirty="0" smtClean="0">
-                <a:solidFill>
-                  <a:schemeClr val="tx2">
-                    <a:lumMod val="60000"/>
-                    <a:lumOff val="40000"/>
-                  </a:schemeClr>
-                </a:solidFill>
-              </a:rPr>
-            </a:br>
-            <a:r>
-              <a:rPr lang="ru-RU" sz="1600" dirty="0" smtClean="0"/>
-              <a:t/>
-            </a:r>
-            <a:br>
-              <a:rPr lang="ru-RU" sz="1600" dirty="0" smtClean="0"/>
-            </a:br>
-            <a:r>
-              <a:rPr lang="en-US" sz="1600" dirty="0" err="1" smtClean="0"/>
-              <a:t>BFS_Visit</a:t>
-            </a:r>
-            <a:r>
-              <a:rPr lang="ru-RU" sz="1600" dirty="0" smtClean="0"/>
-              <a:t> (</a:t>
-            </a:r>
-            <a:r>
-              <a:rPr lang="en-US" sz="1600" dirty="0" smtClean="0"/>
-              <a:t>G</a:t>
-            </a:r>
-            <a:r>
-              <a:rPr lang="ru-RU" sz="1600" dirty="0" smtClean="0"/>
-              <a:t>, </a:t>
-            </a:r>
-            <a:r>
-              <a:rPr lang="en-US" sz="1600" dirty="0" smtClean="0"/>
-              <a:t>s, color</a:t>
-            </a:r>
-            <a:r>
-              <a:rPr lang="ru-RU" sz="1600" dirty="0" smtClean="0"/>
-              <a:t>)</a:t>
-            </a:r>
-            <a:br>
-              <a:rPr lang="ru-RU" sz="1600" dirty="0" smtClean="0"/>
-            </a:br>
-            <a:r>
-              <a:rPr lang="en-US" sz="1600" dirty="0" smtClean="0"/>
-              <a:t>color[s] ⟵ BLACK</a:t>
-            </a:r>
-            <a:r>
-              <a:rPr lang="ru-RU" sz="1600" dirty="0" smtClean="0"/>
-              <a:t/>
-            </a:r>
-            <a:br>
-              <a:rPr lang="ru-RU" sz="1600" dirty="0" smtClean="0"/>
-            </a:br>
-            <a:r>
-              <a:rPr lang="en-US" sz="1600" dirty="0" smtClean="0"/>
-              <a:t>Q ⟵ ∅</a:t>
-            </a:r>
-            <a:r>
-              <a:rPr lang="ru-RU" sz="1600" dirty="0" smtClean="0"/>
-              <a:t/>
-            </a:r>
-            <a:br>
-              <a:rPr lang="ru-RU" sz="1600" dirty="0" smtClean="0"/>
-            </a:br>
-            <a:r>
-              <a:rPr lang="ru-RU" sz="1600" dirty="0" smtClean="0"/>
-              <a:t>В очередь(</a:t>
-            </a:r>
-            <a:r>
-              <a:rPr lang="en-US" sz="1600" dirty="0" smtClean="0"/>
-              <a:t>Q, s)</a:t>
-            </a:r>
-            <a:r>
-              <a:rPr lang="ru-RU" sz="1600" dirty="0" smtClean="0"/>
-              <a:t/>
-            </a:r>
-            <a:br>
-              <a:rPr lang="ru-RU" sz="1600" dirty="0" smtClean="0"/>
-            </a:br>
-            <a:r>
-              <a:rPr lang="en-US" sz="1600" b="1" dirty="0" smtClean="0"/>
-              <a:t>while</a:t>
-            </a:r>
-            <a:r>
-              <a:rPr lang="en-US" sz="1600" dirty="0" smtClean="0"/>
-              <a:t> Q ≠ ∅ </a:t>
-            </a:r>
-            <a:r>
-              <a:rPr lang="en-US" sz="1600" b="1" dirty="0" smtClean="0"/>
-              <a:t>do</a:t>
-            </a:r>
-            <a:r>
-              <a:rPr lang="ru-RU" sz="1600" dirty="0" smtClean="0"/>
-              <a:t/>
-            </a:r>
-            <a:br>
-              <a:rPr lang="ru-RU" sz="1600" dirty="0" smtClean="0"/>
-            </a:br>
-            <a:r>
-              <a:rPr lang="en-US" sz="1600" dirty="0" smtClean="0"/>
-              <a:t>	u ⟵ </a:t>
-            </a:r>
-            <a:r>
-              <a:rPr lang="ru-RU" sz="1600" dirty="0" smtClean="0"/>
-              <a:t>из очереди(</a:t>
-            </a:r>
-            <a:r>
-              <a:rPr lang="en-US" sz="1600" dirty="0" smtClean="0"/>
-              <a:t>Q</a:t>
-            </a:r>
-            <a:r>
-              <a:rPr lang="ru-RU" sz="1600" dirty="0" smtClean="0"/>
-              <a:t>)</a:t>
-            </a:r>
-            <a:br>
-              <a:rPr lang="ru-RU" sz="1600" dirty="0" smtClean="0"/>
-            </a:br>
-            <a:r>
-              <a:rPr lang="ru-RU" sz="1600" dirty="0" smtClean="0"/>
-              <a:t>	</a:t>
-            </a:r>
-            <a:r>
-              <a:rPr lang="en-US" sz="1600" b="1" dirty="0" smtClean="0"/>
-              <a:t>for</a:t>
-            </a:r>
-            <a:r>
-              <a:rPr lang="en-US" sz="1600" dirty="0" smtClean="0"/>
-              <a:t> </a:t>
-            </a:r>
-            <a:r>
-              <a:rPr lang="ru-RU" sz="1600" dirty="0" smtClean="0"/>
-              <a:t>(для) каждой </a:t>
-            </a:r>
-            <a:r>
-              <a:rPr lang="en-US" sz="1600" dirty="0" smtClean="0"/>
-              <a:t>v </a:t>
-            </a:r>
-            <a:r>
-              <a:rPr lang="ru-RU" sz="1600" dirty="0" smtClean="0"/>
-              <a:t>∈ </a:t>
-            </a:r>
-            <a:r>
-              <a:rPr lang="en-US" sz="1600" dirty="0" err="1" smtClean="0"/>
-              <a:t>Adj</a:t>
-            </a:r>
-            <a:r>
-              <a:rPr lang="ru-RU" sz="1600" dirty="0" smtClean="0"/>
-              <a:t>[</a:t>
-            </a:r>
-            <a:r>
-              <a:rPr lang="en-US" sz="1600" dirty="0" smtClean="0"/>
-              <a:t>u</a:t>
-            </a:r>
-            <a:r>
-              <a:rPr lang="ru-RU" sz="1600" dirty="0" smtClean="0"/>
-              <a:t>] </a:t>
-            </a:r>
-            <a:r>
-              <a:rPr lang="en-US" sz="1600" b="1" dirty="0" smtClean="0"/>
-              <a:t>do</a:t>
-            </a:r>
-            <a:r>
-              <a:rPr lang="ru-RU" sz="1600" dirty="0" smtClean="0"/>
-              <a:t/>
-            </a:r>
-            <a:br>
-              <a:rPr lang="ru-RU" sz="1600" dirty="0" smtClean="0"/>
-            </a:br>
-            <a:r>
-              <a:rPr lang="ru-RU" sz="1600" dirty="0" smtClean="0"/>
-              <a:t>		</a:t>
-            </a:r>
-            <a:r>
-              <a:rPr lang="en-US" sz="1600" b="1" dirty="0" smtClean="0"/>
-              <a:t>If</a:t>
-            </a:r>
-            <a:r>
-              <a:rPr lang="en-US" sz="1600" dirty="0" smtClean="0"/>
-              <a:t> color[v] </a:t>
-            </a:r>
-            <a:r>
-              <a:rPr lang="ru-RU" sz="1600" dirty="0" smtClean="0"/>
-              <a:t>=</a:t>
-            </a:r>
-            <a:r>
-              <a:rPr lang="en-US" sz="1600" dirty="0" smtClean="0"/>
-              <a:t> WHITE </a:t>
-            </a:r>
-            <a:r>
-              <a:rPr lang="en-US" sz="1600" b="1" dirty="0" smtClean="0"/>
-              <a:t>than</a:t>
-            </a:r>
-            <a:r>
-              <a:rPr lang="ru-RU" sz="1600" dirty="0" smtClean="0"/>
-              <a:t/>
-            </a:r>
-            <a:br>
-              <a:rPr lang="ru-RU" sz="1600" dirty="0" smtClean="0"/>
-            </a:br>
-            <a:r>
-              <a:rPr lang="en-US" sz="1600" dirty="0" smtClean="0"/>
-              <a:t>			color[v] ⟵ BLACK</a:t>
-            </a:r>
-            <a:br>
-              <a:rPr lang="en-US" sz="1600" dirty="0" smtClean="0"/>
-            </a:br>
-            <a:r>
-              <a:rPr lang="en-US" sz="1600" dirty="0" smtClean="0"/>
-              <a:t>			</a:t>
-            </a:r>
-            <a:r>
-              <a:rPr lang="ru-RU" sz="1600" dirty="0" smtClean="0"/>
-              <a:t>В очередь(</a:t>
-            </a:r>
-            <a:r>
-              <a:rPr lang="en-US" sz="1600" dirty="0" smtClean="0"/>
-              <a:t>Q, v)</a:t>
-            </a:r>
-            <a:br>
-              <a:rPr lang="en-US" sz="1600" dirty="0" smtClean="0"/>
-            </a:br>
-            <a:r>
-              <a:rPr lang="en-US" sz="1600" dirty="0" smtClean="0"/>
-              <a:t>		else</a:t>
-            </a:r>
-            <a:br>
-              <a:rPr lang="en-US" sz="1600" dirty="0" smtClean="0"/>
-            </a:br>
-            <a:r>
-              <a:rPr lang="en-US" sz="1600" dirty="0" smtClean="0"/>
-              <a:t>			THERE IS A CYCLE</a:t>
-            </a:r>
-            <a:endParaRPr lang="ru-RU" sz="1600" dirty="0"/>
-          </a:p>
-        </p:txBody>
-      </p:sp>
-    </p:spTree>
-  </p:cSld>
-  <p:clrMapOvr>
-    <a:masterClrMapping/>
-  </p:clrMapOvr>
-  <p:timing>
-    <p:tnLst>
-      <p:par>
-        <p:cTn id="1" dur="indefinite" restart="never" nodeType="tmRoot"/>
-      </p:par>
-    </p:tnLst>
-  </p:timing>
-</p:sld>
-</file>
-
-<file path=ppt/slides/slide54.xml><?xml version="1.0" encoding="utf-8"?>
 <p:sld xmlns:a="http://schemas.openxmlformats.org/drawingml/2006/main" xmlns:r="http://schemas.openxmlformats.org/officeDocument/2006/relationships" xmlns:p="http://schemas.openxmlformats.org/presentationml/2006/main">
   <p:cSld>
     <p:bg>
@@ -51648,7 +50945,15 @@
             </a:pPr>
             <a:r>
               <a:rPr lang="ru-RU" sz="2800" dirty="0" smtClean="0"/>
-              <a:t>Проверка орграфа на </a:t>
+              <a:t>Проверка </a:t>
+            </a:r>
+            <a:r>
+              <a:rPr lang="ru-RU" sz="2800" dirty="0" err="1" smtClean="0"/>
+              <a:t>НЕориентированного</a:t>
+            </a:r>
+            <a:r>
+              <a:rPr lang="ru-RU" sz="2800" dirty="0" smtClean="0"/>
+              <a:t> графа на </a:t>
             </a:r>
             <a:r>
               <a:rPr lang="ru-RU" sz="2800" b="1" dirty="0" smtClean="0"/>
@@ -51656,13 +50961,147 @@
             </a:r>
             <a:r>
               <a:rPr lang="ru-RU" sz="2800" dirty="0" smtClean="0"/>
-              <a:t> и </a:t>
-            </a:r>
-            <a:r>
-              <a:rPr lang="ru-RU" sz="2800" b="1" dirty="0" err="1" smtClean="0"/>
-              <a:t>бесконтурность</a:t>
+              <a:t>.</a:t>
+            </a:r>
+          </a:p>
+        </p:txBody>
+      </p:sp>
+    </p:spTree>
+  </p:cSld>
+  <p:clrMapOvr>
+    <a:masterClrMapping/>
+  </p:clrMapOvr>
+  <p:timing>
+    <p:tnLst>
+      <p:par>
+        <p:cTn id="1" dur="indefinite" restart="never" nodeType="tmRoot"/>
+      </p:par>
+    </p:tnLst>
+  </p:timing>
+</p:sld>
+</file>
+
+<file path=ppt/slides/slide54.xml><?xml version="1.0" encoding="utf-8"?>
+<p:sld xmlns:a="http://schemas.openxmlformats.org/drawingml/2006/main" xmlns:r="http://schemas.openxmlformats.org/officeDocument/2006/relationships" xmlns:p="http://schemas.openxmlformats.org/presentationml/2006/main">
+  <p:cSld>
+    <p:spTree>
+      <p:nvGrpSpPr>
+        <p:cNvPr id="1" name=""/>
+        <p:cNvGrpSpPr/>
+        <p:nvPr/>
+      </p:nvGrpSpPr>
+      <p:grpSpPr>
+        <a:xfrm>
+          <a:off x="0" y="0"/>
+          <a:ext cx="0" cy="0"/>
+          <a:chOff x="0" y="0"/>
+          <a:chExt cx="0" cy="0"/>
+        </a:xfrm>
+      </p:grpSpPr>
+      <p:sp>
+        <p:nvSpPr>
+          <p:cNvPr id="9" name="Заголовок 1"/>
+          <p:cNvSpPr txBox="1">
+            <a:spLocks/>
+          </p:cNvSpPr>
+          <p:nvPr/>
+        </p:nvSpPr>
+        <p:spPr>
+          <a:xfrm>
+            <a:off x="685800" y="404664"/>
+            <a:ext cx="7772400" cy="1470025"/>
+          </a:xfrm>
+          <a:prstGeom prst="rect">
+            <a:avLst/>
+          </a:prstGeom>
+        </p:spPr>
+        <p:txBody>
+          <a:bodyPr vert="horz" lIns="91440" tIns="45720" rIns="91440" bIns="45720" rtlCol="0" anchor="ctr">
+            <a:normAutofit/>
+          </a:bodyPr>
+          <a:lstStyle/>
+          <a:p>
+            <a:pPr marL="514350" indent="-514350">
+              <a:spcBef>
+                <a:spcPct val="0"/>
+              </a:spcBef>
+              <a:buFont typeface="+mj-lt"/>
+              <a:buAutoNum type="arabicPeriod" startAt="5"/>
+            </a:pPr>
+            <a:r>
+              <a:rPr lang="ru-RU" sz="2800" dirty="0" smtClean="0"/>
+              <a:t>Проверка </a:t>
+            </a:r>
+            <a:r>
+              <a:rPr lang="ru-RU" sz="2800" dirty="0" err="1" smtClean="0"/>
+              <a:t>НЕориентированного</a:t>
+            </a:r>
+            <a:r>
+              <a:rPr lang="ru-RU" sz="2800" dirty="0" smtClean="0"/>
+              <a:t> графа на </a:t>
+            </a:r>
+            <a:r>
+              <a:rPr lang="ru-RU" sz="2800" b="1" dirty="0" smtClean="0">
+                <a:solidFill>
+                  <a:srgbClr val="00B050"/>
+                </a:solidFill>
+              </a:rPr>
+              <a:t>ацикличность</a:t>
+            </a:r>
+            <a:r>
+              <a:rPr lang="ru-RU" sz="2800" dirty="0" smtClean="0"/>
+              <a:t>.</a:t>
             </a:r>
             <a:endParaRPr lang="ru-RU" sz="2800" b="1" dirty="0" smtClean="0"/>
+          </a:p>
+        </p:txBody>
+      </p:sp>
+      <p:sp>
+        <p:nvSpPr>
+          <p:cNvPr id="4" name="Заголовок 1"/>
+          <p:cNvSpPr txBox="1">
+            <a:spLocks/>
+          </p:cNvSpPr>
+          <p:nvPr/>
+        </p:nvSpPr>
+        <p:spPr>
+          <a:xfrm>
+            <a:off x="1120080" y="2346449"/>
+            <a:ext cx="7772400" cy="1514599"/>
+          </a:xfrm>
+          <a:prstGeom prst="rect">
+            <a:avLst/>
+          </a:prstGeom>
+        </p:spPr>
+        <p:txBody>
+          <a:bodyPr vert="horz" lIns="91440" tIns="45720" rIns="91440" bIns="45720" rtlCol="0" anchor="ctr">
+            <a:normAutofit/>
+          </a:bodyPr>
+          <a:lstStyle/>
+          <a:p>
+            <a:pPr>
+              <a:spcBef>
+                <a:spcPct val="0"/>
+              </a:spcBef>
+            </a:pPr>
+            <a:r>
+              <a:rPr lang="ru-RU" sz="2000" b="1" dirty="0" smtClean="0"/>
+              <a:t>Алгоритм:</a:t>
+            </a:r>
+            <a:endParaRPr lang="ru-RU" sz="2000" dirty="0" smtClean="0"/>
+          </a:p>
+          <a:p>
+            <a:pPr lvl="0">
+              <a:spcBef>
+                <a:spcPct val="0"/>
+              </a:spcBef>
+              <a:buFont typeface="Arial" pitchFamily="34" charset="0"/>
+              <a:buChar char="•"/>
+            </a:pPr>
+            <a:r>
+              <a:rPr lang="ru-RU" sz="2000" dirty="0" smtClean="0"/>
+              <a:t>Если во время обхода происходит попытка обратиться к не белой вершине (которая не является непосредственным предком), то это говорит о найденном цикле (но не обязательно контуре).</a:t>
+            </a:r>
           </a:p>
         </p:txBody>
       </p:sp>
@@ -51682,6 +51121,728 @@
 </file>
 
 <file path=ppt/slides/slide55.xml><?xml version="1.0" encoding="utf-8"?>
+<p:sld xmlns:a="http://schemas.openxmlformats.org/drawingml/2006/main" xmlns:r="http://schemas.openxmlformats.org/officeDocument/2006/relationships" xmlns:p="http://schemas.openxmlformats.org/presentationml/2006/main">
+  <p:cSld>
+    <p:spTree>
+      <p:nvGrpSpPr>
+        <p:cNvPr id="1" name=""/>
+        <p:cNvGrpSpPr/>
+        <p:nvPr/>
+      </p:nvGrpSpPr>
+      <p:grpSpPr>
+        <a:xfrm>
+          <a:off x="0" y="0"/>
+          <a:ext cx="0" cy="0"/>
+          <a:chOff x="0" y="0"/>
+          <a:chExt cx="0" cy="0"/>
+        </a:xfrm>
+      </p:grpSpPr>
+      <p:sp>
+        <p:nvSpPr>
+          <p:cNvPr id="2" name="Заголовок 1"/>
+          <p:cNvSpPr>
+            <a:spLocks noGrp="1"/>
+          </p:cNvSpPr>
+          <p:nvPr>
+            <p:ph type="ctrTitle"/>
+          </p:nvPr>
+        </p:nvSpPr>
+        <p:spPr>
+          <a:xfrm>
+            <a:off x="2555776" y="332656"/>
+            <a:ext cx="5902424" cy="6264696"/>
+          </a:xfrm>
+        </p:spPr>
+        <p:txBody>
+          <a:bodyPr>
+            <a:noAutofit/>
+          </a:bodyPr>
+          <a:lstStyle/>
+          <a:p>
+            <a:pPr algn="l"/>
+            <a:r>
+              <a:rPr lang="en-US" sz="1600" dirty="0" smtClean="0">
+                <a:solidFill>
+                  <a:schemeClr val="tx2">
+                    <a:lumMod val="60000"/>
+                    <a:lumOff val="40000"/>
+                  </a:schemeClr>
+                </a:solidFill>
+              </a:rPr>
+              <a:t>BFS</a:t>
+            </a:r>
+            <a:r>
+              <a:rPr lang="ru-RU" sz="1600" dirty="0" smtClean="0">
+                <a:solidFill>
+                  <a:schemeClr val="tx2">
+                    <a:lumMod val="60000"/>
+                    <a:lumOff val="40000"/>
+                  </a:schemeClr>
+                </a:solidFill>
+              </a:rPr>
+              <a:t> (</a:t>
+            </a:r>
+            <a:r>
+              <a:rPr lang="en-US" sz="1600" dirty="0" smtClean="0">
+                <a:solidFill>
+                  <a:schemeClr val="tx2">
+                    <a:lumMod val="60000"/>
+                    <a:lumOff val="40000"/>
+                  </a:schemeClr>
+                </a:solidFill>
+              </a:rPr>
+              <a:t>G</a:t>
+            </a:r>
+            <a:r>
+              <a:rPr lang="ru-RU" sz="1600" dirty="0" smtClean="0">
+                <a:solidFill>
+                  <a:schemeClr val="tx2">
+                    <a:lumMod val="60000"/>
+                    <a:lumOff val="40000"/>
+                  </a:schemeClr>
+                </a:solidFill>
+              </a:rPr>
+              <a:t>)</a:t>
+            </a:r>
+            <a:br>
+              <a:rPr lang="ru-RU" sz="1600" dirty="0" smtClean="0">
+                <a:solidFill>
+                  <a:schemeClr val="tx2">
+                    <a:lumMod val="60000"/>
+                    <a:lumOff val="40000"/>
+                  </a:schemeClr>
+                </a:solidFill>
+              </a:rPr>
+            </a:br>
+            <a:r>
+              <a:rPr lang="en-US" sz="1600" b="1" dirty="0" smtClean="0">
+                <a:solidFill>
+                  <a:schemeClr val="tx2">
+                    <a:lumMod val="60000"/>
+                    <a:lumOff val="40000"/>
+                  </a:schemeClr>
+                </a:solidFill>
+              </a:rPr>
+              <a:t>for</a:t>
+            </a:r>
+            <a:r>
+              <a:rPr lang="ru-RU" sz="1600" dirty="0" smtClean="0">
+                <a:solidFill>
+                  <a:schemeClr val="tx2">
+                    <a:lumMod val="60000"/>
+                    <a:lumOff val="40000"/>
+                  </a:schemeClr>
+                </a:solidFill>
+              </a:rPr>
+              <a:t> (для) каждой </a:t>
+            </a:r>
+            <a:r>
+              <a:rPr lang="ru-RU" sz="1600" dirty="0" err="1" smtClean="0">
+                <a:solidFill>
+                  <a:schemeClr val="tx2">
+                    <a:lumMod val="60000"/>
+                    <a:lumOff val="40000"/>
+                  </a:schemeClr>
+                </a:solidFill>
+              </a:rPr>
+              <a:t>u</a:t>
+            </a:r>
+            <a:r>
+              <a:rPr lang="ru-RU" sz="1600" dirty="0" smtClean="0">
+                <a:solidFill>
+                  <a:schemeClr val="tx2">
+                    <a:lumMod val="60000"/>
+                    <a:lumOff val="40000"/>
+                  </a:schemeClr>
+                </a:solidFill>
+              </a:rPr>
+              <a:t> ∈ V[G] </a:t>
+            </a:r>
+            <a:r>
+              <a:rPr lang="en-US" sz="1600" b="1" dirty="0" smtClean="0">
+                <a:solidFill>
+                  <a:schemeClr val="tx2">
+                    <a:lumMod val="60000"/>
+                    <a:lumOff val="40000"/>
+                  </a:schemeClr>
+                </a:solidFill>
+              </a:rPr>
+              <a:t>do</a:t>
+            </a:r>
+            <a:r>
+              <a:rPr lang="ru-RU" sz="1600" dirty="0" smtClean="0">
+                <a:solidFill>
+                  <a:schemeClr val="tx2">
+                    <a:lumMod val="60000"/>
+                    <a:lumOff val="40000"/>
+                  </a:schemeClr>
+                </a:solidFill>
+              </a:rPr>
+              <a:t/>
+            </a:r>
+            <a:br>
+              <a:rPr lang="ru-RU" sz="1600" dirty="0" smtClean="0">
+                <a:solidFill>
+                  <a:schemeClr val="tx2">
+                    <a:lumMod val="60000"/>
+                    <a:lumOff val="40000"/>
+                  </a:schemeClr>
+                </a:solidFill>
+              </a:rPr>
+            </a:br>
+            <a:r>
+              <a:rPr lang="ru-RU" sz="1600" dirty="0" smtClean="0">
+                <a:solidFill>
+                  <a:schemeClr val="tx2">
+                    <a:lumMod val="60000"/>
+                    <a:lumOff val="40000"/>
+                  </a:schemeClr>
+                </a:solidFill>
+              </a:rPr>
+              <a:t>	</a:t>
+            </a:r>
+            <a:r>
+              <a:rPr lang="en-US" sz="1600" dirty="0" smtClean="0">
+                <a:solidFill>
+                  <a:schemeClr val="tx2">
+                    <a:lumMod val="60000"/>
+                    <a:lumOff val="40000"/>
+                  </a:schemeClr>
+                </a:solidFill>
+              </a:rPr>
+              <a:t>color[u] ⟵ WHITE</a:t>
+            </a:r>
+            <a:br>
+              <a:rPr lang="en-US" sz="1600" dirty="0" smtClean="0">
+                <a:solidFill>
+                  <a:schemeClr val="tx2">
+                    <a:lumMod val="60000"/>
+                    <a:lumOff val="40000"/>
+                  </a:schemeClr>
+                </a:solidFill>
+              </a:rPr>
+            </a:br>
+            <a:r>
+              <a:rPr lang="en-US" sz="1600" b="1" dirty="0" smtClean="0">
+                <a:solidFill>
+                  <a:schemeClr val="tx2">
+                    <a:lumMod val="60000"/>
+                    <a:lumOff val="40000"/>
+                  </a:schemeClr>
+                </a:solidFill>
+              </a:rPr>
+              <a:t>for</a:t>
+            </a:r>
+            <a:r>
+              <a:rPr lang="ru-RU" sz="1600" dirty="0" smtClean="0">
+                <a:solidFill>
+                  <a:schemeClr val="tx2">
+                    <a:lumMod val="60000"/>
+                    <a:lumOff val="40000"/>
+                  </a:schemeClr>
+                </a:solidFill>
+              </a:rPr>
+              <a:t> (для) каждой </a:t>
+            </a:r>
+            <a:r>
+              <a:rPr lang="ru-RU" sz="1600" dirty="0" err="1" smtClean="0">
+                <a:solidFill>
+                  <a:schemeClr val="tx2">
+                    <a:lumMod val="60000"/>
+                    <a:lumOff val="40000"/>
+                  </a:schemeClr>
+                </a:solidFill>
+              </a:rPr>
+              <a:t>u</a:t>
+            </a:r>
+            <a:r>
+              <a:rPr lang="ru-RU" sz="1600" dirty="0" smtClean="0">
+                <a:solidFill>
+                  <a:schemeClr val="tx2">
+                    <a:lumMod val="60000"/>
+                    <a:lumOff val="40000"/>
+                  </a:schemeClr>
+                </a:solidFill>
+              </a:rPr>
+              <a:t> ∈ V[G] </a:t>
+            </a:r>
+            <a:r>
+              <a:rPr lang="en-US" sz="1600" b="1" dirty="0" smtClean="0">
+                <a:solidFill>
+                  <a:schemeClr val="tx2">
+                    <a:lumMod val="60000"/>
+                    <a:lumOff val="40000"/>
+                  </a:schemeClr>
+                </a:solidFill>
+              </a:rPr>
+              <a:t>do</a:t>
+            </a:r>
+            <a:r>
+              <a:rPr lang="ru-RU" sz="1600" dirty="0" smtClean="0">
+                <a:solidFill>
+                  <a:schemeClr val="tx2">
+                    <a:lumMod val="60000"/>
+                    <a:lumOff val="40000"/>
+                  </a:schemeClr>
+                </a:solidFill>
+              </a:rPr>
+              <a:t/>
+            </a:r>
+            <a:br>
+              <a:rPr lang="ru-RU" sz="1600" dirty="0" smtClean="0">
+                <a:solidFill>
+                  <a:schemeClr val="tx2">
+                    <a:lumMod val="60000"/>
+                    <a:lumOff val="40000"/>
+                  </a:schemeClr>
+                </a:solidFill>
+              </a:rPr>
+            </a:br>
+            <a:r>
+              <a:rPr lang="ru-RU" sz="1600" dirty="0" smtClean="0">
+                <a:solidFill>
+                  <a:schemeClr val="tx2">
+                    <a:lumMod val="60000"/>
+                    <a:lumOff val="40000"/>
+                  </a:schemeClr>
+                </a:solidFill>
+              </a:rPr>
+              <a:t>	</a:t>
+            </a:r>
+            <a:r>
+              <a:rPr lang="en-US" sz="1600" b="1" dirty="0" smtClean="0">
+                <a:solidFill>
+                  <a:schemeClr val="tx2">
+                    <a:lumMod val="60000"/>
+                    <a:lumOff val="40000"/>
+                  </a:schemeClr>
+                </a:solidFill>
+              </a:rPr>
+              <a:t>if</a:t>
+            </a:r>
+            <a:r>
+              <a:rPr lang="en-US" sz="1600" dirty="0" smtClean="0">
+                <a:solidFill>
+                  <a:schemeClr val="tx2">
+                    <a:lumMod val="60000"/>
+                    <a:lumOff val="40000"/>
+                  </a:schemeClr>
+                </a:solidFill>
+              </a:rPr>
+              <a:t> color[u] = WHITE </a:t>
+            </a:r>
+            <a:r>
+              <a:rPr lang="en-US" sz="1600" b="1" dirty="0" smtClean="0">
+                <a:solidFill>
+                  <a:schemeClr val="tx2">
+                    <a:lumMod val="60000"/>
+                    <a:lumOff val="40000"/>
+                  </a:schemeClr>
+                </a:solidFill>
+              </a:rPr>
+              <a:t>then</a:t>
+            </a:r>
+            <a:r>
+              <a:rPr lang="ru-RU" sz="1600" dirty="0" smtClean="0">
+                <a:solidFill>
+                  <a:schemeClr val="tx2">
+                    <a:lumMod val="60000"/>
+                    <a:lumOff val="40000"/>
+                  </a:schemeClr>
+                </a:solidFill>
+              </a:rPr>
+              <a:t/>
+            </a:r>
+            <a:br>
+              <a:rPr lang="ru-RU" sz="1600" dirty="0" smtClean="0">
+                <a:solidFill>
+                  <a:schemeClr val="tx2">
+                    <a:lumMod val="60000"/>
+                    <a:lumOff val="40000"/>
+                  </a:schemeClr>
+                </a:solidFill>
+              </a:rPr>
+            </a:br>
+            <a:r>
+              <a:rPr lang="en-US" sz="1600" dirty="0" smtClean="0">
+                <a:solidFill>
+                  <a:schemeClr val="tx2">
+                    <a:lumMod val="60000"/>
+                    <a:lumOff val="40000"/>
+                  </a:schemeClr>
+                </a:solidFill>
+              </a:rPr>
+              <a:t>		 </a:t>
+            </a:r>
+            <a:r>
+              <a:rPr lang="en-US" sz="1600" dirty="0" err="1" smtClean="0">
+                <a:solidFill>
+                  <a:schemeClr val="tx2">
+                    <a:lumMod val="60000"/>
+                    <a:lumOff val="40000"/>
+                  </a:schemeClr>
+                </a:solidFill>
+              </a:rPr>
+              <a:t>BFS_Visit</a:t>
+            </a:r>
+            <a:r>
+              <a:rPr lang="en-US" sz="1600" dirty="0" smtClean="0">
+                <a:solidFill>
+                  <a:schemeClr val="tx2">
+                    <a:lumMod val="60000"/>
+                    <a:lumOff val="40000"/>
+                  </a:schemeClr>
+                </a:solidFill>
+              </a:rPr>
+              <a:t>(G, u, color) </a:t>
+            </a:r>
+            <a:br>
+              <a:rPr lang="en-US" sz="1600" dirty="0" smtClean="0">
+                <a:solidFill>
+                  <a:schemeClr val="tx2">
+                    <a:lumMod val="60000"/>
+                    <a:lumOff val="40000"/>
+                  </a:schemeClr>
+                </a:solidFill>
+              </a:rPr>
+            </a:br>
+            <a:r>
+              <a:rPr lang="ru-RU" sz="1600" dirty="0" smtClean="0"/>
+              <a:t/>
+            </a:r>
+            <a:br>
+              <a:rPr lang="ru-RU" sz="1600" dirty="0" smtClean="0"/>
+            </a:br>
+            <a:r>
+              <a:rPr lang="en-US" sz="1600" dirty="0" err="1" smtClean="0"/>
+              <a:t>BFS_Visit</a:t>
+            </a:r>
+            <a:r>
+              <a:rPr lang="ru-RU" sz="1600" dirty="0" smtClean="0"/>
+              <a:t> (</a:t>
+            </a:r>
+            <a:r>
+              <a:rPr lang="en-US" sz="1600" dirty="0" smtClean="0"/>
+              <a:t>G</a:t>
+            </a:r>
+            <a:r>
+              <a:rPr lang="ru-RU" sz="1600" dirty="0" smtClean="0"/>
+              <a:t>, </a:t>
+            </a:r>
+            <a:r>
+              <a:rPr lang="en-US" sz="1600" dirty="0" smtClean="0"/>
+              <a:t>s, color</a:t>
+            </a:r>
+            <a:r>
+              <a:rPr lang="ru-RU" sz="1600" dirty="0" smtClean="0"/>
+              <a:t>)</a:t>
+            </a:r>
+            <a:br>
+              <a:rPr lang="ru-RU" sz="1600" dirty="0" smtClean="0"/>
+            </a:br>
+            <a:r>
+              <a:rPr lang="en-US" sz="1600" dirty="0" smtClean="0"/>
+              <a:t>color[s] ⟵ BLACK</a:t>
+            </a:r>
+            <a:r>
+              <a:rPr lang="ru-RU" sz="1600" dirty="0" smtClean="0"/>
+              <a:t/>
+            </a:r>
+            <a:br>
+              <a:rPr lang="ru-RU" sz="1600" dirty="0" smtClean="0"/>
+            </a:br>
+            <a:r>
+              <a:rPr lang="en-US" sz="1600" dirty="0" smtClean="0"/>
+              <a:t>Q ⟵ ∅</a:t>
+            </a:r>
+            <a:r>
+              <a:rPr lang="ru-RU" sz="1600" dirty="0" smtClean="0"/>
+              <a:t/>
+            </a:r>
+            <a:br>
+              <a:rPr lang="ru-RU" sz="1600" dirty="0" smtClean="0"/>
+            </a:br>
+            <a:r>
+              <a:rPr lang="ru-RU" sz="1600" dirty="0" smtClean="0"/>
+              <a:t>В очередь(</a:t>
+            </a:r>
+            <a:r>
+              <a:rPr lang="en-US" sz="1600" dirty="0" smtClean="0"/>
+              <a:t>Q, s)</a:t>
+            </a:r>
+            <a:r>
+              <a:rPr lang="ru-RU" sz="1600" dirty="0" smtClean="0"/>
+              <a:t/>
+            </a:r>
+            <a:br>
+              <a:rPr lang="ru-RU" sz="1600" dirty="0" smtClean="0"/>
+            </a:br>
+            <a:r>
+              <a:rPr lang="en-US" sz="1600" b="1" dirty="0" smtClean="0"/>
+              <a:t>while</a:t>
+            </a:r>
+            <a:r>
+              <a:rPr lang="en-US" sz="1600" dirty="0" smtClean="0"/>
+              <a:t> Q ≠ ∅ </a:t>
+            </a:r>
+            <a:r>
+              <a:rPr lang="en-US" sz="1600" b="1" dirty="0" smtClean="0"/>
+              <a:t>do</a:t>
+            </a:r>
+            <a:r>
+              <a:rPr lang="ru-RU" sz="1600" dirty="0" smtClean="0"/>
+              <a:t/>
+            </a:r>
+            <a:br>
+              <a:rPr lang="ru-RU" sz="1600" dirty="0" smtClean="0"/>
+            </a:br>
+            <a:r>
+              <a:rPr lang="en-US" sz="1600" dirty="0" smtClean="0"/>
+              <a:t>	u ⟵ </a:t>
+            </a:r>
+            <a:r>
+              <a:rPr lang="ru-RU" sz="1600" dirty="0" smtClean="0"/>
+              <a:t>из очереди(</a:t>
+            </a:r>
+            <a:r>
+              <a:rPr lang="en-US" sz="1600" dirty="0" smtClean="0"/>
+              <a:t>Q</a:t>
+            </a:r>
+            <a:r>
+              <a:rPr lang="ru-RU" sz="1600" dirty="0" smtClean="0"/>
+              <a:t>)</a:t>
+            </a:r>
+            <a:br>
+              <a:rPr lang="ru-RU" sz="1600" dirty="0" smtClean="0"/>
+            </a:br>
+            <a:r>
+              <a:rPr lang="ru-RU" sz="1600" dirty="0" smtClean="0"/>
+              <a:t>	</a:t>
+            </a:r>
+            <a:r>
+              <a:rPr lang="en-US" sz="1600" b="1" dirty="0" smtClean="0"/>
+              <a:t>for</a:t>
+            </a:r>
+            <a:r>
+              <a:rPr lang="en-US" sz="1600" dirty="0" smtClean="0"/>
+              <a:t> </a:t>
+            </a:r>
+            <a:r>
+              <a:rPr lang="ru-RU" sz="1600" dirty="0" smtClean="0"/>
+              <a:t>(для) каждой </a:t>
+            </a:r>
+            <a:r>
+              <a:rPr lang="en-US" sz="1600" dirty="0" smtClean="0"/>
+              <a:t>v </a:t>
+            </a:r>
+            <a:r>
+              <a:rPr lang="ru-RU" sz="1600" dirty="0" smtClean="0"/>
+              <a:t>∈ </a:t>
+            </a:r>
+            <a:r>
+              <a:rPr lang="en-US" sz="1600" dirty="0" err="1" smtClean="0"/>
+              <a:t>Adj</a:t>
+            </a:r>
+            <a:r>
+              <a:rPr lang="ru-RU" sz="1600" dirty="0" smtClean="0"/>
+              <a:t>[</a:t>
+            </a:r>
+            <a:r>
+              <a:rPr lang="en-US" sz="1600" dirty="0" smtClean="0"/>
+              <a:t>u</a:t>
+            </a:r>
+            <a:r>
+              <a:rPr lang="ru-RU" sz="1600" dirty="0" smtClean="0"/>
+              <a:t>] </a:t>
+            </a:r>
+            <a:r>
+              <a:rPr lang="en-US" sz="1600" b="1" dirty="0" smtClean="0"/>
+              <a:t>do</a:t>
+            </a:r>
+            <a:r>
+              <a:rPr lang="ru-RU" sz="1600" dirty="0" smtClean="0"/>
+              <a:t/>
+            </a:r>
+            <a:br>
+              <a:rPr lang="ru-RU" sz="1600" dirty="0" smtClean="0"/>
+            </a:br>
+            <a:r>
+              <a:rPr lang="ru-RU" sz="1600" dirty="0" smtClean="0"/>
+              <a:t>		</a:t>
+            </a:r>
+            <a:r>
+              <a:rPr lang="en-US" sz="1600" b="1" dirty="0" smtClean="0"/>
+              <a:t>If</a:t>
+            </a:r>
+            <a:r>
+              <a:rPr lang="en-US" sz="1600" dirty="0" smtClean="0"/>
+              <a:t> color[v] </a:t>
+            </a:r>
+            <a:r>
+              <a:rPr lang="ru-RU" sz="1600" dirty="0" smtClean="0"/>
+              <a:t>=</a:t>
+            </a:r>
+            <a:r>
+              <a:rPr lang="en-US" sz="1600" dirty="0" smtClean="0"/>
+              <a:t> WHITE </a:t>
+            </a:r>
+            <a:r>
+              <a:rPr lang="en-US" sz="1600" b="1" dirty="0" smtClean="0"/>
+              <a:t>than</a:t>
+            </a:r>
+            <a:r>
+              <a:rPr lang="ru-RU" sz="1600" dirty="0" smtClean="0"/>
+              <a:t/>
+            </a:r>
+            <a:br>
+              <a:rPr lang="ru-RU" sz="1600" dirty="0" smtClean="0"/>
+            </a:br>
+            <a:r>
+              <a:rPr lang="en-US" sz="1600" dirty="0" smtClean="0"/>
+              <a:t>			color[v] ⟵ BLACK</a:t>
+            </a:r>
+            <a:br>
+              <a:rPr lang="en-US" sz="1600" dirty="0" smtClean="0"/>
+            </a:br>
+            <a:r>
+              <a:rPr lang="en-US" sz="1600" dirty="0" smtClean="0"/>
+              <a:t>			</a:t>
+            </a:r>
+            <a:r>
+              <a:rPr lang="ru-RU" sz="1600" dirty="0" smtClean="0"/>
+              <a:t>В очередь(</a:t>
+            </a:r>
+            <a:r>
+              <a:rPr lang="en-US" sz="1600" dirty="0" smtClean="0"/>
+              <a:t>Q, v)</a:t>
+            </a:r>
+            <a:br>
+              <a:rPr lang="en-US" sz="1600" dirty="0" smtClean="0"/>
+            </a:br>
+            <a:r>
+              <a:rPr lang="en-US" sz="1600" dirty="0" smtClean="0"/>
+              <a:t>		else</a:t>
+            </a:r>
+            <a:br>
+              <a:rPr lang="en-US" sz="1600" dirty="0" smtClean="0"/>
+            </a:br>
+            <a:r>
+              <a:rPr lang="en-US" sz="1600" dirty="0" smtClean="0"/>
+              <a:t>			THERE IS A CYCLE</a:t>
+            </a:r>
+            <a:endParaRPr lang="ru-RU" sz="1600" dirty="0"/>
+          </a:p>
+        </p:txBody>
+      </p:sp>
+    </p:spTree>
+  </p:cSld>
+  <p:clrMapOvr>
+    <a:masterClrMapping/>
+  </p:clrMapOvr>
+  <p:timing>
+    <p:tnLst>
+      <p:par>
+        <p:cTn id="1" dur="indefinite" restart="never" nodeType="tmRoot"/>
+      </p:par>
+    </p:tnLst>
+  </p:timing>
+</p:sld>
+</file>
+
+<file path=ppt/slides/slide56.xml><?xml version="1.0" encoding="utf-8"?>
+<p:sld xmlns:a="http://schemas.openxmlformats.org/drawingml/2006/main" xmlns:r="http://schemas.openxmlformats.org/officeDocument/2006/relationships" xmlns:p="http://schemas.openxmlformats.org/presentationml/2006/main">
+  <p:cSld>
+    <p:bg>
+      <p:bgPr>
+        <a:solidFill>
+          <a:schemeClr val="tx2">
+            <a:lumMod val="20000"/>
+            <a:lumOff val="80000"/>
+          </a:schemeClr>
+        </a:solidFill>
+        <a:effectLst/>
+      </p:bgPr>
+    </p:bg>
+    <p:spTree>
+      <p:nvGrpSpPr>
+        <p:cNvPr id="1" name=""/>
+        <p:cNvGrpSpPr/>
+        <p:nvPr/>
+      </p:nvGrpSpPr>
+      <p:grpSpPr>
+        <a:xfrm>
+          <a:off x="0" y="0"/>
+          <a:ext cx="0" cy="0"/>
+          <a:chOff x="0" y="0"/>
+          <a:chExt cx="0" cy="0"/>
+        </a:xfrm>
+      </p:grpSpPr>
+      <p:sp>
+        <p:nvSpPr>
+          <p:cNvPr id="9" name="Заголовок 1"/>
+          <p:cNvSpPr txBox="1">
+            <a:spLocks/>
+          </p:cNvSpPr>
+          <p:nvPr/>
+        </p:nvSpPr>
+        <p:spPr>
+          <a:xfrm>
+            <a:off x="685800" y="404664"/>
+            <a:ext cx="7772400" cy="1470025"/>
+          </a:xfrm>
+          <a:prstGeom prst="rect">
+            <a:avLst/>
+          </a:prstGeom>
+        </p:spPr>
+        <p:txBody>
+          <a:bodyPr vert="horz" lIns="91440" tIns="45720" rIns="91440" bIns="45720" rtlCol="0" anchor="ctr">
+            <a:normAutofit/>
+          </a:bodyPr>
+          <a:lstStyle/>
+          <a:p>
+            <a:pPr marL="514350" indent="-514350">
+              <a:spcBef>
+                <a:spcPct val="0"/>
+              </a:spcBef>
+              <a:buFont typeface="+mj-lt"/>
+              <a:buAutoNum type="arabicPeriod" startAt="6"/>
+            </a:pPr>
+            <a:r>
+              <a:rPr lang="ru-RU" sz="2800" dirty="0" smtClean="0"/>
+              <a:t>Проверка орграфа на </a:t>
+            </a:r>
+            <a:r>
+              <a:rPr lang="ru-RU" sz="2800" b="1" dirty="0" smtClean="0"/>
+              <a:t>ацикличность</a:t>
+            </a:r>
+            <a:r>
+              <a:rPr lang="ru-RU" sz="2800" dirty="0" smtClean="0"/>
+              <a:t> и </a:t>
+            </a:r>
+            <a:r>
+              <a:rPr lang="ru-RU" sz="2800" b="1" dirty="0" err="1" smtClean="0"/>
+              <a:t>бесконтурность</a:t>
+            </a:r>
+            <a:endParaRPr lang="ru-RU" sz="2800" b="1" dirty="0" smtClean="0"/>
+          </a:p>
+        </p:txBody>
+      </p:sp>
+    </p:spTree>
+  </p:cSld>
+  <p:clrMapOvr>
+    <a:masterClrMapping/>
+  </p:clrMapOvr>
+  <p:timing>
+    <p:tnLst>
+      <p:par>
+        <p:cTn id="1" dur="indefinite" restart="never" nodeType="tmRoot"/>
+      </p:par>
+    </p:tnLst>
+  </p:timing>
+</p:sld>
+</file>
+
+<file path=ppt/slides/slide57.xml><?xml version="1.0" encoding="utf-8"?>
 <p:sld xmlns:a="http://schemas.openxmlformats.org/drawingml/2006/main" xmlns:r="http://schemas.openxmlformats.org/officeDocument/2006/relationships" xmlns:p="http://schemas.openxmlformats.org/presentationml/2006/main">
   <p:cSld>
     <p:bg>
@@ -51737,7 +51898,7 @@
                 <a:spcPct val="0"/>
               </a:spcBef>
               <a:buFont typeface="+mj-lt"/>
-              <a:buAutoNum type="arabicPeriod" startAt="5"/>
+              <a:buAutoNum type="arabicPeriod" startAt="6"/>
             </a:pPr>
             <a:r>
               <a:rPr lang="ru-RU" sz="2800" dirty="0" smtClean="0"/>
@@ -51830,7 +51991,7 @@
 </p:sld>
 </file>
 
-<file path=ppt/slides/slide56.xml><?xml version="1.0" encoding="utf-8"?>
+<file path=ppt/slides/slide58.xml><?xml version="1.0" encoding="utf-8"?>
 <p:sld xmlns:a="http://schemas.openxmlformats.org/drawingml/2006/main" xmlns:r="http://schemas.openxmlformats.org/officeDocument/2006/relationships" xmlns:p="http://schemas.openxmlformats.org/presentationml/2006/main">
   <p:cSld>
     <p:spTree>
@@ -51875,7 +52036,7 @@
                 <a:spcPct val="0"/>
               </a:spcBef>
               <a:buFont typeface="+mj-lt"/>
-              <a:buAutoNum type="arabicPeriod" startAt="5"/>
+              <a:buAutoNum type="arabicPeriod" startAt="6"/>
             </a:pPr>
             <a:r>
               <a:rPr lang="ru-RU" sz="2800" dirty="0" smtClean="0"/>
@@ -52003,108 +52164,7 @@
 </p:sld>
 </file>
 
-<file path=ppt/slides/slide57.xml><?xml version="1.0" encoding="utf-8"?>
-<p:sld xmlns:a="http://schemas.openxmlformats.org/drawingml/2006/main" xmlns:r="http://schemas.openxmlformats.org/officeDocument/2006/relationships" xmlns:p="http://schemas.openxmlformats.org/presentationml/2006/main">
-  <p:cSld>
-    <p:bg>
-      <p:bgPr>
-        <a:solidFill>
-          <a:schemeClr val="tx2">
-            <a:lumMod val="20000"/>
-            <a:lumOff val="80000"/>
-          </a:schemeClr>
-        </a:solidFill>
-        <a:effectLst/>
-      </p:bgPr>
-    </p:bg>
-    <p:spTree>
-      <p:nvGrpSpPr>
-        <p:cNvPr id="1" name=""/>
-        <p:cNvGrpSpPr/>
-        <p:nvPr/>
-      </p:nvGrpSpPr>
-      <p:grpSpPr>
-        <a:xfrm>
-          <a:off x="0" y="0"/>
-          <a:ext cx="0" cy="0"/>
-          <a:chOff x="0" y="0"/>
-          <a:chExt cx="0" cy="0"/>
-        </a:xfrm>
-      </p:grpSpPr>
-      <p:sp>
-        <p:nvSpPr>
-          <p:cNvPr id="9" name="Заголовок 1"/>
-          <p:cNvSpPr txBox="1">
-            <a:spLocks/>
-          </p:cNvSpPr>
-          <p:nvPr/>
-        </p:nvSpPr>
-        <p:spPr>
-          <a:xfrm>
-            <a:off x="685800" y="404664"/>
-            <a:ext cx="7772400" cy="1470025"/>
-          </a:xfrm>
-          <a:prstGeom prst="rect">
-            <a:avLst/>
-          </a:prstGeom>
-        </p:spPr>
-        <p:txBody>
-          <a:bodyPr vert="horz" lIns="91440" tIns="45720" rIns="91440" bIns="45720" rtlCol="0" anchor="ctr">
-            <a:normAutofit/>
-          </a:bodyPr>
-          <a:lstStyle/>
-          <a:p>
-            <a:pPr marL="514350" indent="-514350">
-              <a:spcBef>
-                <a:spcPct val="0"/>
-              </a:spcBef>
-              <a:buFont typeface="+mj-lt"/>
-              <a:buAutoNum type="arabicPeriod" startAt="6"/>
-            </a:pPr>
-            <a:r>
-              <a:rPr lang="ru-RU" sz="2800" dirty="0" smtClean="0"/>
-              <a:t>Проверка </a:t>
-            </a:r>
-            <a:r>
-              <a:rPr lang="ru-RU" sz="2800" dirty="0" err="1" smtClean="0"/>
-              <a:t>оргафа</a:t>
-            </a:r>
-            <a:r>
-              <a:rPr lang="ru-RU" sz="2800" dirty="0" smtClean="0"/>
-              <a:t> на </a:t>
-            </a:r>
-            <a:r>
-              <a:rPr lang="ru-RU" sz="2800" b="1" dirty="0" smtClean="0"/>
-              <a:t>ацикличность</a:t>
-            </a:r>
-            <a:r>
-              <a:rPr lang="ru-RU" sz="2800" dirty="0" smtClean="0"/>
-              <a:t> и </a:t>
-            </a:r>
-            <a:r>
-              <a:rPr lang="ru-RU" sz="2800" b="1" dirty="0" err="1" smtClean="0"/>
-              <a:t>бесконтурность</a:t>
-            </a:r>
-            <a:endParaRPr lang="ru-RU" sz="2800" b="1" dirty="0" smtClean="0"/>
-          </a:p>
-        </p:txBody>
-      </p:sp>
-    </p:spTree>
-  </p:cSld>
-  <p:clrMapOvr>
-    <a:masterClrMapping/>
-  </p:clrMapOvr>
-  <p:timing>
-    <p:tnLst>
-      <p:par>
-        <p:cTn id="1" dur="indefinite" restart="never" nodeType="tmRoot"/>
-      </p:par>
-    </p:tnLst>
-  </p:timing>
-</p:sld>
-</file>
-
-<file path=ppt/slides/slide58.xml><?xml version="1.0" encoding="utf-8"?>
+<file path=ppt/slides/slide59.xml><?xml version="1.0" encoding="utf-8"?>
 <p:sld xmlns:a="http://schemas.openxmlformats.org/drawingml/2006/main" xmlns:r="http://schemas.openxmlformats.org/officeDocument/2006/relationships" xmlns:p="http://schemas.openxmlformats.org/presentationml/2006/main">
   <p:cSld>
     <p:bg>
@@ -52248,110 +52308,6 @@
             <a:r>
               <a:rPr lang="ru-RU" sz="2000" dirty="0" smtClean="0"/>
               <a:t>Нужно определить дуга является обратной или перекрестной. Если дуга обратная, то найден контур.</a:t>
-            </a:r>
-          </a:p>
-        </p:txBody>
-      </p:sp>
-    </p:spTree>
-  </p:cSld>
-  <p:clrMapOvr>
-    <a:masterClrMapping/>
-  </p:clrMapOvr>
-  <p:timing>
-    <p:tnLst>
-      <p:par>
-        <p:cTn id="1" dur="indefinite" restart="never" nodeType="tmRoot"/>
-      </p:par>
-    </p:tnLst>
-  </p:timing>
-</p:sld>
-</file>
-
-<file path=ppt/slides/slide59.xml><?xml version="1.0" encoding="utf-8"?>
-<p:sld xmlns:a="http://schemas.openxmlformats.org/drawingml/2006/main" xmlns:r="http://schemas.openxmlformats.org/officeDocument/2006/relationships" xmlns:p="http://schemas.openxmlformats.org/presentationml/2006/main">
-  <p:cSld>
-    <p:bg>
-      <p:bgPr>
-        <a:solidFill>
-          <a:schemeClr val="tx2">
-            <a:lumMod val="20000"/>
-            <a:lumOff val="80000"/>
-          </a:schemeClr>
-        </a:solidFill>
-        <a:effectLst/>
-      </p:bgPr>
-    </p:bg>
-    <p:spTree>
-      <p:nvGrpSpPr>
-        <p:cNvPr id="1" name=""/>
-        <p:cNvGrpSpPr/>
-        <p:nvPr/>
-      </p:nvGrpSpPr>
-      <p:grpSpPr>
-        <a:xfrm>
-          <a:off x="0" y="0"/>
-          <a:ext cx="0" cy="0"/>
-          <a:chOff x="0" y="0"/>
-          <a:chExt cx="0" cy="0"/>
-        </a:xfrm>
-      </p:grpSpPr>
-      <p:sp>
-        <p:nvSpPr>
-          <p:cNvPr id="9" name="Заголовок 1"/>
-          <p:cNvSpPr txBox="1">
-            <a:spLocks/>
-          </p:cNvSpPr>
-          <p:nvPr/>
-        </p:nvSpPr>
-        <p:spPr>
-          <a:xfrm>
-            <a:off x="685800" y="404664"/>
-            <a:ext cx="7772400" cy="1470025"/>
-          </a:xfrm>
-          <a:prstGeom prst="rect">
-            <a:avLst/>
-          </a:prstGeom>
-        </p:spPr>
-        <p:txBody>
-          <a:bodyPr vert="horz" lIns="91440" tIns="45720" rIns="91440" bIns="45720" rtlCol="0" anchor="ctr">
-            <a:normAutofit/>
-          </a:bodyPr>
-          <a:lstStyle/>
-          <a:p>
-            <a:pPr marL="514350" indent="-514350">
-              <a:spcBef>
-                <a:spcPct val="0"/>
-              </a:spcBef>
-              <a:buFont typeface="+mj-lt"/>
-              <a:buAutoNum type="arabicPeriod" startAt="7"/>
-            </a:pPr>
-            <a:r>
-              <a:rPr lang="ru-RU" sz="2800" dirty="0" smtClean="0"/>
-              <a:t>Поиск </a:t>
-            </a:r>
-            <a:r>
-              <a:rPr lang="ru-RU" sz="2800" b="1" dirty="0" smtClean="0"/>
-              <a:t>кратчайшего цикла </a:t>
-            </a:r>
-            <a:r>
-              <a:rPr lang="ru-RU" sz="2800" dirty="0" smtClean="0"/>
-              <a:t>в </a:t>
-            </a:r>
-            <a:r>
-              <a:rPr lang="ru-RU" sz="2800" dirty="0" err="1" smtClean="0"/>
-              <a:t>невзвешенном</a:t>
-            </a:r>
-            <a:r>
-              <a:rPr lang="ru-RU" sz="2800" dirty="0" smtClean="0"/>
-              <a:t> </a:t>
-            </a:r>
-            <a:r>
-              <a:rPr lang="ru-RU" sz="2800" dirty="0" err="1" smtClean="0"/>
-              <a:t>НЕориентированном</a:t>
-            </a:r>
-            <a:r>
-              <a:rPr lang="ru-RU" sz="2800" dirty="0" smtClean="0"/>
-              <a:t> графе.</a:t>
             </a:r>
           </a:p>
         </p:txBody>
@@ -53819,6 +53775,17 @@
 <file path=ppt/slides/slide60.xml><?xml version="1.0" encoding="utf-8"?>
 <p:sld xmlns:a="http://schemas.openxmlformats.org/drawingml/2006/main" xmlns:r="http://schemas.openxmlformats.org/officeDocument/2006/relationships" xmlns:p="http://schemas.openxmlformats.org/presentationml/2006/main">
   <p:cSld>
+    <p:bg>
+      <p:bgPr>
+        <a:solidFill>
+          <a:schemeClr val="tx2">
+            <a:lumMod val="20000"/>
+            <a:lumOff val="80000"/>
+          </a:schemeClr>
+        </a:solidFill>
+        <a:effectLst/>
+      </p:bgPr>
+    </p:bg>
     <p:spTree>
       <p:nvGrpSpPr>
         <p:cNvPr id="1" name=""/>
@@ -53891,132 +53858,6 @@
               <a:rPr lang="ru-RU" sz="2800" dirty="0" smtClean="0"/>
               <a:t> графе.</a:t>
             </a:r>
-          </a:p>
-        </p:txBody>
-      </p:sp>
-      <p:sp>
-        <p:nvSpPr>
-          <p:cNvPr id="5" name="Заголовок 1"/>
-          <p:cNvSpPr txBox="1">
-            <a:spLocks/>
-          </p:cNvSpPr>
-          <p:nvPr/>
-        </p:nvSpPr>
-        <p:spPr>
-          <a:xfrm>
-            <a:off x="838200" y="1986409"/>
-            <a:ext cx="7772400" cy="2090663"/>
-          </a:xfrm>
-          <a:prstGeom prst="rect">
-            <a:avLst/>
-          </a:prstGeom>
-        </p:spPr>
-        <p:txBody>
-          <a:bodyPr vert="horz" lIns="91440" tIns="45720" rIns="91440" bIns="45720" rtlCol="0" anchor="ctr">
-            <a:normAutofit/>
-          </a:bodyPr>
-          <a:lstStyle/>
-          <a:p>
-            <a:pPr>
-              <a:spcBef>
-                <a:spcPct val="0"/>
-              </a:spcBef>
-            </a:pPr>
-            <a:r>
-              <a:rPr lang="ru-RU" sz="2000" b="1" dirty="0" smtClean="0"/>
-              <a:t>Алгоритм:</a:t>
-            </a:r>
-            <a:endParaRPr lang="ru-RU" sz="2000" dirty="0" smtClean="0"/>
-          </a:p>
-          <a:p>
-            <a:pPr lvl="0">
-              <a:spcBef>
-                <a:spcPct val="0"/>
-              </a:spcBef>
-              <a:buFont typeface="Arial" pitchFamily="34" charset="0"/>
-              <a:buChar char="•"/>
-            </a:pPr>
-            <a:r>
-              <a:rPr lang="ru-RU" sz="2000" dirty="0" smtClean="0"/>
-              <a:t>Обход в ширину запускается для каждой вершины графа.</a:t>
-            </a:r>
-          </a:p>
-          <a:p>
-            <a:pPr lvl="0">
-              <a:spcBef>
-                <a:spcPct val="0"/>
-              </a:spcBef>
-              <a:buFont typeface="Arial" pitchFamily="34" charset="0"/>
-              <a:buChar char="•"/>
-            </a:pPr>
-            <a:endParaRPr kumimoji="0" lang="ru-RU" sz="2000" b="0" i="0" u="none" strike="noStrike" kern="1200" cap="none" spc="0" normalizeH="0" baseline="0" noProof="0" dirty="0" smtClean="0">
-              <a:ln>
-                <a:noFill/>
-              </a:ln>
-              <a:solidFill>
-                <a:schemeClr val="tx1"/>
-              </a:solidFill>
-              <a:effectLst/>
-              <a:uLnTx/>
-              <a:uFillTx/>
-              <a:latin typeface="+mj-lt"/>
-              <a:ea typeface="+mj-ea"/>
-              <a:cs typeface="+mj-cs"/>
-            </a:endParaRPr>
-          </a:p>
-          <a:p>
-            <a:pPr lvl="0">
-              <a:spcBef>
-                <a:spcPct val="0"/>
-              </a:spcBef>
-              <a:buFont typeface="Arial" pitchFamily="34" charset="0"/>
-              <a:buChar char="•"/>
-            </a:pPr>
-            <a:r>
-              <a:rPr lang="ru-RU" sz="2000" dirty="0" smtClean="0"/>
-              <a:t>Для каждого обхода сохраняется первый найденный цикл.</a:t>
-            </a:r>
-          </a:p>
-          <a:p>
-            <a:pPr lvl="0">
-              <a:spcBef>
-                <a:spcPct val="0"/>
-              </a:spcBef>
-              <a:buFont typeface="Arial" pitchFamily="34" charset="0"/>
-              <a:buChar char="•"/>
-            </a:pPr>
-            <a:endParaRPr lang="ru-RU" sz="2000" dirty="0" smtClean="0">
-              <a:latin typeface="+mj-lt"/>
-              <a:ea typeface="+mj-ea"/>
-              <a:cs typeface="+mj-cs"/>
-            </a:endParaRPr>
-          </a:p>
-          <a:p>
-            <a:pPr lvl="0">
-              <a:spcBef>
-                <a:spcPct val="0"/>
-              </a:spcBef>
-              <a:buFont typeface="Arial" pitchFamily="34" charset="0"/>
-              <a:buChar char="•"/>
-            </a:pPr>
-            <a:r>
-              <a:rPr lang="ru-RU" sz="2000" dirty="0" smtClean="0"/>
-              <a:t>Наименьший из этих циклов и будет кратчайшим.</a:t>
-            </a:r>
-            <a:endParaRPr kumimoji="0" lang="ru-RU" sz="2000" b="0" i="0" u="none" strike="noStrike" kern="1200" cap="none" spc="0" normalizeH="0" baseline="0" noProof="0" dirty="0" smtClean="0">
-              <a:ln>
-                <a:noFill/>
-              </a:ln>
-              <a:solidFill>
-                <a:schemeClr val="tx1"/>
-              </a:solidFill>
-              <a:effectLst/>
-              <a:uLnTx/>
-              <a:uFillTx/>
-              <a:latin typeface="+mj-lt"/>
-              <a:ea typeface="+mj-ea"/>
-              <a:cs typeface="+mj-cs"/>
-            </a:endParaRPr>
           </a:p>
         </p:txBody>
       </p:sp>
@@ -54124,7 +53965,7 @@
         <p:spPr>
           <a:xfrm>
             <a:off x="838200" y="1986409"/>
-            <a:ext cx="7772400" cy="3458815"/>
+            <a:ext cx="7772400" cy="2090663"/>
           </a:xfrm>
           <a:prstGeom prst="rect">
             <a:avLst/>
@@ -54143,15 +53984,7 @@
             </a:pPr>
             <a:r>
               <a:rPr lang="ru-RU" sz="2000" b="1" dirty="0" smtClean="0"/>
-              <a:t>Алгоритм</a:t>
-            </a:r>
-            <a:r>
-              <a:rPr lang="en-US" sz="2000" b="1" dirty="0" smtClean="0"/>
-              <a:t>2</a:t>
-            </a:r>
-            <a:r>
-              <a:rPr lang="ru-RU" sz="2000" b="1" dirty="0" smtClean="0"/>
-              <a:t>:</a:t>
+              <a:t>Алгоритм:</a:t>
             </a:r>
             <a:endParaRPr lang="ru-RU" sz="2000" dirty="0" smtClean="0"/>
           </a:p>
@@ -54165,7 +53998,7 @@
             </a:pPr>
             <a:r>
               <a:rPr lang="ru-RU" sz="2000" dirty="0" smtClean="0"/>
-              <a:t>Во время обхода в ширину каждой вершине назначается номер волны и список всех предков.</a:t>
+              <a:t>Обход в ширину запускается для каждой вершины графа.</a:t>
             </a:r>
           </a:p>
           <a:p>
@@ -54201,8 +54034,49 @@
             </a:pPr>
             <a:r>
               <a:rPr lang="ru-RU" sz="2000" dirty="0" smtClean="0"/>
-              <a:t>Если во время обхода происходит попытка обратиться к не белой вершине (что говорит о цикле), то для вершин образующих просматриваемое ребро ищется общий предок с минимальным номером волны. Из номеров волны получившихся трех вершин определяется длина цикла.</a:t>
-            </a:r>
+              <a:t>Для каждого обхода сохраняется первый найденный цикл.</a:t>
+            </a:r>
+          </a:p>
+          <a:p>
+            <a:pPr lvl="0">
+              <a:spcBef>
+                <a:spcPct val="0"/>
+              </a:spcBef>
+              <a:buFont typeface="Arial" pitchFamily="34" charset="0"/>
+              <a:buChar char="•"/>
+            </a:pPr>
+            <a:endParaRPr lang="ru-RU" sz="2000" dirty="0" smtClean="0">
+              <a:latin typeface="+mj-lt"/>
+              <a:ea typeface="+mj-ea"/>
+              <a:cs typeface="+mj-cs"/>
+            </a:endParaRPr>
+          </a:p>
+          <a:p>
+            <a:pPr lvl="0">
+              <a:spcBef>
+                <a:spcPct val="0"/>
+              </a:spcBef>
+              <a:buFont typeface="Arial" pitchFamily="34" charset="0"/>
+              <a:buChar char="•"/>
+            </a:pPr>
+            <a:r>
+              <a:rPr lang="ru-RU" sz="2000" dirty="0" smtClean="0"/>
+              <a:t>Наименьший из этих циклов и будет кратчайшим.</a:t>
+            </a:r>
+            <a:endParaRPr kumimoji="0" lang="ru-RU" sz="2000" b="0" i="0" u="none" strike="noStrike" kern="1200" cap="none" spc="0" normalizeH="0" baseline="0" noProof="0" dirty="0" smtClean="0">
+              <a:ln>
+                <a:noFill/>
+              </a:ln>
+              <a:solidFill>
+                <a:schemeClr val="tx1"/>
+              </a:solidFill>
+              <a:effectLst/>
+              <a:uLnTx/>
+              <a:uFillTx/>
+              <a:latin typeface="+mj-lt"/>
+              <a:ea typeface="+mj-ea"/>
+              <a:cs typeface="+mj-cs"/>
+            </a:endParaRPr>
           </a:p>
         </p:txBody>
       </p:sp>
@@ -54329,7 +54203,15 @@
             </a:pPr>
             <a:r>
               <a:rPr lang="ru-RU" sz="2000" b="1" dirty="0" smtClean="0"/>
-              <a:t>Алгоритм3:</a:t>
+              <a:t>Алгоритм</a:t>
+            </a:r>
+            <a:r>
+              <a:rPr lang="en-US" sz="2000" b="1" dirty="0" smtClean="0"/>
+              <a:t>2</a:t>
+            </a:r>
+            <a:r>
+              <a:rPr lang="ru-RU" sz="2000" b="1" dirty="0" smtClean="0"/>
+              <a:t>:</a:t>
             </a:r>
             <a:endParaRPr lang="ru-RU" sz="2000" dirty="0" smtClean="0"/>
           </a:p>
@@ -54343,7 +54225,7 @@
             </a:pPr>
             <a:r>
               <a:rPr lang="ru-RU" sz="2000" dirty="0" smtClean="0"/>
-              <a:t>Во время обхода в ширину каждой вершине назначается номер волны.</a:t>
+              <a:t>Во время обхода в ширину каждой вершине назначается номер волны и список всех предков.</a:t>
             </a:r>
           </a:p>
           <a:p>
@@ -54379,44 +54261,8 @@
             </a:pPr>
             <a:r>
               <a:rPr lang="ru-RU" sz="2000" dirty="0" smtClean="0"/>
-              <a:t>Если во время обхода происходит попытка обратиться к не белой вершине (что говорит о цикле), то просматриваемое ребро помещаются в специальный список.</a:t>
-            </a:r>
-          </a:p>
-          <a:p>
-            <a:pPr lvl="0">
-              <a:spcBef>
-                <a:spcPct val="0"/>
-              </a:spcBef>
-              <a:buFont typeface="Arial" pitchFamily="34" charset="0"/>
-              <a:buChar char="•"/>
-            </a:pPr>
-            <a:endParaRPr lang="ru-RU" sz="2000" dirty="0" smtClean="0"/>
-          </a:p>
-          <a:p>
-            <a:pPr lvl="0">
-              <a:spcBef>
-                <a:spcPct val="0"/>
-              </a:spcBef>
-              <a:buFont typeface="Arial" pitchFamily="34" charset="0"/>
-              <a:buChar char="•"/>
-            </a:pPr>
-            <a:r>
-              <a:rPr lang="ru-RU" sz="2000" dirty="0" smtClean="0"/>
-              <a:t>После обхода, для вершин каждого ребра, из созданного списка, находится ближайший общий предок </a:t>
-            </a:r>
-            <a:r>
-              <a:rPr lang="ru-RU" sz="2000" smtClean="0"/>
-              <a:t>(например, </a:t>
-            </a:r>
-            <a:r>
-              <a:rPr lang="ru-RU" sz="2000" dirty="0" smtClean="0"/>
-              <a:t>с помощью описанного </a:t>
-            </a:r>
-            <a:r>
-              <a:rPr lang="ru-RU" sz="2000" smtClean="0"/>
-              <a:t>выше алгоритма).</a:t>
-            </a:r>
-            <a:endParaRPr lang="ru-RU" sz="2000" dirty="0" smtClean="0"/>
+              <a:t>Если во время обхода происходит попытка обратиться к не белой вершине (что говорит о цикле), то для вершин образующих просматриваемое ребро ищется общий предок с минимальным номером волны. Из номеров волны получившихся трех вершин определяется длина цикла.</a:t>
+            </a:r>
           </a:p>
         </p:txBody>
       </p:sp>
@@ -54436,6 +54282,220 @@
 </file>
 
 <file path=ppt/slides/slide63.xml><?xml version="1.0" encoding="utf-8"?>
+<p:sld xmlns:a="http://schemas.openxmlformats.org/drawingml/2006/main" xmlns:r="http://schemas.openxmlformats.org/officeDocument/2006/relationships" xmlns:p="http://schemas.openxmlformats.org/presentationml/2006/main">
+  <p:cSld>
+    <p:spTree>
+      <p:nvGrpSpPr>
+        <p:cNvPr id="1" name=""/>
+        <p:cNvGrpSpPr/>
+        <p:nvPr/>
+      </p:nvGrpSpPr>
+      <p:grpSpPr>
+        <a:xfrm>
+          <a:off x="0" y="0"/>
+          <a:ext cx="0" cy="0"/>
+          <a:chOff x="0" y="0"/>
+          <a:chExt cx="0" cy="0"/>
+        </a:xfrm>
+      </p:grpSpPr>
+      <p:sp>
+        <p:nvSpPr>
+          <p:cNvPr id="9" name="Заголовок 1"/>
+          <p:cNvSpPr txBox="1">
+            <a:spLocks/>
+          </p:cNvSpPr>
+          <p:nvPr/>
+        </p:nvSpPr>
+        <p:spPr>
+          <a:xfrm>
+            <a:off x="685800" y="404664"/>
+            <a:ext cx="7772400" cy="1470025"/>
+          </a:xfrm>
+          <a:prstGeom prst="rect">
+            <a:avLst/>
+          </a:prstGeom>
+        </p:spPr>
+        <p:txBody>
+          <a:bodyPr vert="horz" lIns="91440" tIns="45720" rIns="91440" bIns="45720" rtlCol="0" anchor="ctr">
+            <a:normAutofit/>
+          </a:bodyPr>
+          <a:lstStyle/>
+          <a:p>
+            <a:pPr marL="514350" indent="-514350">
+              <a:spcBef>
+                <a:spcPct val="0"/>
+              </a:spcBef>
+              <a:buFont typeface="+mj-lt"/>
+              <a:buAutoNum type="arabicPeriod" startAt="7"/>
+            </a:pPr>
+            <a:r>
+              <a:rPr lang="ru-RU" sz="2800" dirty="0" smtClean="0"/>
+              <a:t>Поиск </a:t>
+            </a:r>
+            <a:r>
+              <a:rPr lang="ru-RU" sz="2800" b="1" dirty="0" smtClean="0"/>
+              <a:t>кратчайшего цикла </a:t>
+            </a:r>
+            <a:r>
+              <a:rPr lang="ru-RU" sz="2800" dirty="0" smtClean="0"/>
+              <a:t>в </a:t>
+            </a:r>
+            <a:r>
+              <a:rPr lang="ru-RU" sz="2800" dirty="0" err="1" smtClean="0"/>
+              <a:t>невзвешенном</a:t>
+            </a:r>
+            <a:r>
+              <a:rPr lang="ru-RU" sz="2800" dirty="0" smtClean="0"/>
+              <a:t> </a:t>
+            </a:r>
+            <a:r>
+              <a:rPr lang="ru-RU" sz="2800" dirty="0" err="1" smtClean="0"/>
+              <a:t>НЕориентированном</a:t>
+            </a:r>
+            <a:r>
+              <a:rPr lang="ru-RU" sz="2800" dirty="0" smtClean="0"/>
+              <a:t> графе.</a:t>
+            </a:r>
+          </a:p>
+        </p:txBody>
+      </p:sp>
+      <p:sp>
+        <p:nvSpPr>
+          <p:cNvPr id="5" name="Заголовок 1"/>
+          <p:cNvSpPr txBox="1">
+            <a:spLocks/>
+          </p:cNvSpPr>
+          <p:nvPr/>
+        </p:nvSpPr>
+        <p:spPr>
+          <a:xfrm>
+            <a:off x="838200" y="1986409"/>
+            <a:ext cx="7772400" cy="3458815"/>
+          </a:xfrm>
+          <a:prstGeom prst="rect">
+            <a:avLst/>
+          </a:prstGeom>
+        </p:spPr>
+        <p:txBody>
+          <a:bodyPr vert="horz" lIns="91440" tIns="45720" rIns="91440" bIns="45720" rtlCol="0" anchor="ctr">
+            <a:normAutofit/>
+          </a:bodyPr>
+          <a:lstStyle/>
+          <a:p>
+            <a:pPr>
+              <a:spcBef>
+                <a:spcPct val="0"/>
+              </a:spcBef>
+            </a:pPr>
+            <a:r>
+              <a:rPr lang="ru-RU" sz="2000" b="1" dirty="0" smtClean="0"/>
+              <a:t>Алгоритм3:</a:t>
+            </a:r>
+            <a:endParaRPr lang="ru-RU" sz="2000" dirty="0" smtClean="0"/>
+          </a:p>
+          <a:p>
+            <a:pPr lvl="0">
+              <a:spcBef>
+                <a:spcPct val="0"/>
+              </a:spcBef>
+              <a:buFont typeface="Arial" pitchFamily="34" charset="0"/>
+              <a:buChar char="•"/>
+            </a:pPr>
+            <a:r>
+              <a:rPr lang="ru-RU" sz="2000" dirty="0" smtClean="0"/>
+              <a:t>Во время обхода в ширину каждой вершине назначается номер волны.</a:t>
+            </a:r>
+          </a:p>
+          <a:p>
+            <a:pPr lvl="0">
+              <a:spcBef>
+                <a:spcPct val="0"/>
+              </a:spcBef>
+              <a:buFont typeface="Arial" pitchFamily="34" charset="0"/>
+              <a:buChar char="•"/>
+            </a:pPr>
+            <a:endParaRPr kumimoji="0" lang="ru-RU" sz="2000" b="0" i="0" u="none" strike="noStrike" kern="1200" cap="none" spc="0" normalizeH="0" baseline="0" noProof="0" dirty="0" smtClean="0">
+              <a:ln>
+                <a:noFill/>
+              </a:ln>
+              <a:solidFill>
+                <a:schemeClr val="tx1"/>
+              </a:solidFill>
+              <a:effectLst/>
+              <a:uLnTx/>
+              <a:uFillTx/>
+              <a:latin typeface="+mj-lt"/>
+              <a:ea typeface="+mj-ea"/>
+              <a:cs typeface="+mj-cs"/>
+            </a:endParaRPr>
+          </a:p>
+          <a:p>
+            <a:pPr lvl="0">
+              <a:spcBef>
+                <a:spcPct val="0"/>
+              </a:spcBef>
+              <a:buFont typeface="Arial" pitchFamily="34" charset="0"/>
+              <a:buChar char="•"/>
+            </a:pPr>
+            <a:r>
+              <a:rPr lang="ru-RU" sz="2000" dirty="0" smtClean="0"/>
+              <a:t>Если во время обхода происходит попытка обратиться к не белой вершине (что говорит о цикле), то просматриваемое ребро помещаются в специальный список.</a:t>
+            </a:r>
+          </a:p>
+          <a:p>
+            <a:pPr lvl="0">
+              <a:spcBef>
+                <a:spcPct val="0"/>
+              </a:spcBef>
+              <a:buFont typeface="Arial" pitchFamily="34" charset="0"/>
+              <a:buChar char="•"/>
+            </a:pPr>
+            <a:endParaRPr lang="ru-RU" sz="2000" dirty="0" smtClean="0"/>
+          </a:p>
+          <a:p>
+            <a:pPr lvl="0">
+              <a:spcBef>
+                <a:spcPct val="0"/>
+              </a:spcBef>
+              <a:buFont typeface="Arial" pitchFamily="34" charset="0"/>
+              <a:buChar char="•"/>
+            </a:pPr>
+            <a:r>
+              <a:rPr lang="ru-RU" sz="2000" dirty="0" smtClean="0"/>
+              <a:t>После обхода, для вершин каждого ребра, из созданного списка, находится ближайший общий предок </a:t>
+            </a:r>
+            <a:r>
+              <a:rPr lang="ru-RU" sz="2000" smtClean="0"/>
+              <a:t>(например, </a:t>
+            </a:r>
+            <a:r>
+              <a:rPr lang="ru-RU" sz="2000" dirty="0" smtClean="0"/>
+              <a:t>с помощью описанного </a:t>
+            </a:r>
+            <a:r>
+              <a:rPr lang="ru-RU" sz="2000" smtClean="0"/>
+              <a:t>выше алгоритма).</a:t>
+            </a:r>
+            <a:endParaRPr lang="ru-RU" sz="2000" dirty="0" smtClean="0"/>
+          </a:p>
+        </p:txBody>
+      </p:sp>
+    </p:spTree>
+  </p:cSld>
+  <p:clrMapOvr>
+    <a:masterClrMapping/>
+  </p:clrMapOvr>
+  <p:timing>
+    <p:tnLst>
+      <p:par>
+        <p:cTn id="1" dur="indefinite" restart="never" nodeType="tmRoot"/>
+      </p:par>
+    </p:tnLst>
+  </p:timing>
+</p:sld>
+</file>
+
+<file path=ppt/slides/slide64.xml><?xml version="1.0" encoding="utf-8"?>
 <p:sld xmlns:a="http://schemas.openxmlformats.org/drawingml/2006/main" xmlns:r="http://schemas.openxmlformats.org/officeDocument/2006/relationships" xmlns:p="http://schemas.openxmlformats.org/presentationml/2006/main">
   <p:cSld>
     <p:bg>
@@ -54531,7 +54591,7 @@
 </p:sld>
 </file>
 
-<file path=ppt/slides/slide64.xml><?xml version="1.0" encoding="utf-8"?>
+<file path=ppt/slides/slide65.xml><?xml version="1.0" encoding="utf-8"?>
 <p:sld xmlns:a="http://schemas.openxmlformats.org/drawingml/2006/main" xmlns:r="http://schemas.openxmlformats.org/officeDocument/2006/relationships" xmlns:p="http://schemas.openxmlformats.org/presentationml/2006/main">
   <p:cSld>
     <p:spTree>
@@ -54742,7 +54802,7 @@
 </p:sld>
 </file>
 
-<file path=ppt/slides/slide65.xml><?xml version="1.0" encoding="utf-8"?>
+<file path=ppt/slides/slide66.xml><?xml version="1.0" encoding="utf-8"?>
 <p:sld xmlns:a="http://schemas.openxmlformats.org/drawingml/2006/main" xmlns:r="http://schemas.openxmlformats.org/officeDocument/2006/relationships" xmlns:p="http://schemas.openxmlformats.org/presentationml/2006/main">
   <p:cSld>
     <p:bg>
@@ -54773,1077 +54833,6 @@
       <p:sp>
         <p:nvSpPr>
           <p:cNvPr id="5" name="Заголовок 1"/>
-          <p:cNvSpPr txBox="1">
-            <a:spLocks/>
-          </p:cNvSpPr>
-          <p:nvPr/>
-        </p:nvSpPr>
-        <p:spPr>
-          <a:xfrm>
-            <a:off x="683568" y="404664"/>
-            <a:ext cx="7772400" cy="1470025"/>
-          </a:xfrm>
-          <a:prstGeom prst="rect">
-            <a:avLst/>
-          </a:prstGeom>
-        </p:spPr>
-        <p:txBody>
-          <a:bodyPr vert="horz" lIns="91440" tIns="45720" rIns="91440" bIns="45720" rtlCol="0" anchor="ctr">
-            <a:normAutofit/>
-          </a:bodyPr>
-          <a:lstStyle/>
-          <a:p>
-            <a:pPr marL="514350" indent="-514350">
-              <a:spcBef>
-                <a:spcPct val="0"/>
-              </a:spcBef>
-              <a:buFont typeface="+mj-lt"/>
-              <a:buAutoNum type="arabicPeriod" startAt="9"/>
-            </a:pPr>
-            <a:r>
-              <a:rPr lang="ru-RU" sz="2800" dirty="0" smtClean="0"/>
-              <a:t>Проверка </a:t>
-            </a:r>
-            <a:r>
-              <a:rPr lang="ru-RU" sz="2800" dirty="0" err="1" smtClean="0"/>
-              <a:t>НЕориентированного</a:t>
-            </a:r>
-            <a:r>
-              <a:rPr lang="ru-RU" sz="2800" dirty="0" smtClean="0"/>
-              <a:t> графа на </a:t>
-            </a:r>
-            <a:r>
-              <a:rPr lang="ru-RU" sz="2800" b="1" dirty="0" err="1" smtClean="0"/>
-              <a:t>двудольность</a:t>
-            </a:r>
-            <a:r>
-              <a:rPr lang="ru-RU" sz="2800" dirty="0" smtClean="0"/>
-              <a:t>.</a:t>
-            </a:r>
-          </a:p>
-        </p:txBody>
-      </p:sp>
-    </p:spTree>
-  </p:cSld>
-  <p:clrMapOvr>
-    <a:masterClrMapping/>
-  </p:clrMapOvr>
-  <p:timing>
-    <p:tnLst>
-      <p:par>
-        <p:cTn id="1" dur="indefinite" restart="never" nodeType="tmRoot"/>
-      </p:par>
-    </p:tnLst>
-  </p:timing>
-</p:sld>
-</file>
-
-<file path=ppt/slides/slide66.xml><?xml version="1.0" encoding="utf-8"?>
-<p:sld xmlns:a="http://schemas.openxmlformats.org/drawingml/2006/main" xmlns:r="http://schemas.openxmlformats.org/officeDocument/2006/relationships" xmlns:p="http://schemas.openxmlformats.org/presentationml/2006/main">
-  <p:cSld>
-    <p:spTree>
-      <p:nvGrpSpPr>
-        <p:cNvPr id="1" name=""/>
-        <p:cNvGrpSpPr/>
-        <p:nvPr/>
-      </p:nvGrpSpPr>
-      <p:grpSpPr>
-        <a:xfrm>
-          <a:off x="0" y="0"/>
-          <a:ext cx="0" cy="0"/>
-          <a:chOff x="0" y="0"/>
-          <a:chExt cx="0" cy="0"/>
-        </a:xfrm>
-      </p:grpSpPr>
-      <p:sp>
-        <p:nvSpPr>
-          <p:cNvPr id="6" name="Заголовок 1"/>
-          <p:cNvSpPr txBox="1">
-            <a:spLocks/>
-          </p:cNvSpPr>
-          <p:nvPr/>
-        </p:nvSpPr>
-        <p:spPr>
-          <a:xfrm>
-            <a:off x="838200" y="1700809"/>
-            <a:ext cx="7772400" cy="1512167"/>
-          </a:xfrm>
-          <a:prstGeom prst="rect">
-            <a:avLst/>
-          </a:prstGeom>
-        </p:spPr>
-        <p:txBody>
-          <a:bodyPr vert="horz" lIns="91440" tIns="45720" rIns="91440" bIns="45720" rtlCol="0" anchor="ctr">
-            <a:normAutofit/>
-          </a:bodyPr>
-          <a:lstStyle/>
-          <a:p>
-            <a:r>
-              <a:rPr lang="ru-RU" sz="2000" b="1" dirty="0" smtClean="0"/>
-              <a:t>Определение</a:t>
-            </a:r>
-            <a:r>
-              <a:rPr lang="ru-RU" sz="2000" dirty="0" smtClean="0"/>
-              <a:t>: Двудольный граф – это граф все вершины которого можно разделить на два множества, таких что ни какие две вершины, каждого из этих множеств не соединены ребром.</a:t>
-            </a:r>
-          </a:p>
-        </p:txBody>
-      </p:sp>
-      <p:cxnSp>
-        <p:nvCxnSpPr>
-          <p:cNvPr id="39" name="Прямая со стрелкой 38"/>
-          <p:cNvCxnSpPr>
-            <a:stCxn id="57" idx="3"/>
-            <a:endCxn id="63" idx="1"/>
-          </p:cNvCxnSpPr>
-          <p:nvPr/>
-        </p:nvCxnSpPr>
-        <p:spPr>
-          <a:xfrm>
-            <a:off x="3347864" y="3541658"/>
-            <a:ext cx="2218594" cy="422756"/>
-          </a:xfrm>
-          <a:prstGeom prst="straightConnector1">
-            <a:avLst/>
-          </a:prstGeom>
-          <a:ln w="38100">
-            <a:headEnd type="none" w="med" len="med"/>
-            <a:tailEnd type="none" w="med" len="med"/>
-          </a:ln>
-        </p:spPr>
-        <p:style>
-          <a:lnRef idx="1">
-            <a:schemeClr val="accent1"/>
-          </a:lnRef>
-          <a:fillRef idx="0">
-            <a:schemeClr val="accent1"/>
-          </a:fillRef>
-          <a:effectRef idx="0">
-            <a:schemeClr val="accent1"/>
-          </a:effectRef>
-          <a:fontRef idx="minor">
-            <a:schemeClr val="tx1"/>
-          </a:fontRef>
-        </p:style>
-      </p:cxnSp>
-      <p:cxnSp>
-        <p:nvCxnSpPr>
-          <p:cNvPr id="40" name="Прямая со стрелкой 39"/>
-          <p:cNvCxnSpPr>
-            <a:stCxn id="63" idx="1"/>
-            <a:endCxn id="60" idx="3"/>
-          </p:cNvCxnSpPr>
-          <p:nvPr/>
-        </p:nvCxnSpPr>
-        <p:spPr>
-          <a:xfrm flipH="1">
-            <a:off x="3334210" y="3964414"/>
-            <a:ext cx="2232248" cy="441340"/>
-          </a:xfrm>
-          <a:prstGeom prst="straightConnector1">
-            <a:avLst/>
-          </a:prstGeom>
-          <a:ln w="38100">
-            <a:headEnd type="none" w="med" len="med"/>
-            <a:tailEnd type="none" w="med" len="med"/>
-          </a:ln>
-        </p:spPr>
-        <p:style>
-          <a:lnRef idx="1">
-            <a:schemeClr val="accent1"/>
-          </a:lnRef>
-          <a:fillRef idx="0">
-            <a:schemeClr val="accent1"/>
-          </a:fillRef>
-          <a:effectRef idx="0">
-            <a:schemeClr val="accent1"/>
-          </a:effectRef>
-          <a:fontRef idx="minor">
-            <a:schemeClr val="tx1"/>
-          </a:fontRef>
-        </p:style>
-      </p:cxnSp>
-      <p:cxnSp>
-        <p:nvCxnSpPr>
-          <p:cNvPr id="41" name="Прямая со стрелкой 40"/>
-          <p:cNvCxnSpPr>
-            <a:stCxn id="57" idx="3"/>
-            <a:endCxn id="64" idx="1"/>
-          </p:cNvCxnSpPr>
-          <p:nvPr/>
-        </p:nvCxnSpPr>
-        <p:spPr>
-          <a:xfrm>
-            <a:off x="3347864" y="3541658"/>
-            <a:ext cx="2218594" cy="1142836"/>
-          </a:xfrm>
-          <a:prstGeom prst="straightConnector1">
-            <a:avLst/>
-          </a:prstGeom>
-          <a:ln w="38100">
-            <a:headEnd type="none" w="med" len="med"/>
-            <a:tailEnd type="none" w="med" len="med"/>
-          </a:ln>
-        </p:spPr>
-        <p:style>
-          <a:lnRef idx="1">
-            <a:schemeClr val="accent1"/>
-          </a:lnRef>
-          <a:fillRef idx="0">
-            <a:schemeClr val="accent1"/>
-          </a:fillRef>
-          <a:effectRef idx="0">
-            <a:schemeClr val="accent1"/>
-          </a:effectRef>
-          <a:fontRef idx="minor">
-            <a:schemeClr val="tx1"/>
-          </a:fontRef>
-        </p:style>
-      </p:cxnSp>
-      <p:cxnSp>
-        <p:nvCxnSpPr>
-          <p:cNvPr id="42" name="Прямая со стрелкой 41"/>
-          <p:cNvCxnSpPr>
-            <a:stCxn id="64" idx="1"/>
-            <a:endCxn id="58" idx="3"/>
-          </p:cNvCxnSpPr>
-          <p:nvPr/>
-        </p:nvCxnSpPr>
-        <p:spPr>
-          <a:xfrm flipH="1">
-            <a:off x="3267714" y="4684494"/>
-            <a:ext cx="2298744" cy="1296144"/>
-          </a:xfrm>
-          <a:prstGeom prst="straightConnector1">
-            <a:avLst/>
-          </a:prstGeom>
-          <a:ln w="38100">
-            <a:headEnd type="none" w="med" len="med"/>
-            <a:tailEnd type="none" w="med" len="med"/>
-          </a:ln>
-        </p:spPr>
-        <p:style>
-          <a:lnRef idx="1">
-            <a:schemeClr val="accent1"/>
-          </a:lnRef>
-          <a:fillRef idx="0">
-            <a:schemeClr val="accent1"/>
-          </a:fillRef>
-          <a:effectRef idx="0">
-            <a:schemeClr val="accent1"/>
-          </a:effectRef>
-          <a:fontRef idx="minor">
-            <a:schemeClr val="tx1"/>
-          </a:fontRef>
-        </p:style>
-      </p:cxnSp>
-      <p:cxnSp>
-        <p:nvCxnSpPr>
-          <p:cNvPr id="44" name="Прямая со стрелкой 43"/>
-          <p:cNvCxnSpPr>
-            <a:stCxn id="54" idx="6"/>
-            <a:endCxn id="59" idx="1"/>
-          </p:cNvCxnSpPr>
-          <p:nvPr/>
-        </p:nvCxnSpPr>
-        <p:spPr>
-          <a:xfrm flipV="1">
-            <a:off x="3275856" y="5548590"/>
-            <a:ext cx="2290602" cy="463406"/>
-          </a:xfrm>
-          <a:prstGeom prst="straightConnector1">
-            <a:avLst/>
-          </a:prstGeom>
-          <a:ln w="38100">
-            <a:headEnd type="none" w="med" len="med"/>
-            <a:tailEnd type="none" w="med" len="med"/>
-          </a:ln>
-        </p:spPr>
-        <p:style>
-          <a:lnRef idx="1">
-            <a:schemeClr val="accent1"/>
-          </a:lnRef>
-          <a:fillRef idx="0">
-            <a:schemeClr val="accent1"/>
-          </a:fillRef>
-          <a:effectRef idx="0">
-            <a:schemeClr val="accent1"/>
-          </a:effectRef>
-          <a:fontRef idx="minor">
-            <a:schemeClr val="tx1"/>
-          </a:fontRef>
-        </p:style>
-      </p:cxnSp>
-      <p:cxnSp>
-        <p:nvCxnSpPr>
-          <p:cNvPr id="45" name="Прямая соединительная линия 44"/>
-          <p:cNvCxnSpPr>
-            <a:stCxn id="64" idx="1"/>
-            <a:endCxn id="61" idx="3"/>
-          </p:cNvCxnSpPr>
-          <p:nvPr/>
-        </p:nvCxnSpPr>
-        <p:spPr>
-          <a:xfrm flipH="1">
-            <a:off x="3289510" y="4684494"/>
-            <a:ext cx="2276948" cy="513348"/>
-          </a:xfrm>
-          <a:prstGeom prst="line">
-            <a:avLst/>
-          </a:prstGeom>
-          <a:ln w="38100"/>
-        </p:spPr>
-        <p:style>
-          <a:lnRef idx="1">
-            <a:schemeClr val="accent1"/>
-          </a:lnRef>
-          <a:fillRef idx="0">
-            <a:schemeClr val="accent1"/>
-          </a:fillRef>
-          <a:effectRef idx="0">
-            <a:schemeClr val="accent1"/>
-          </a:effectRef>
-          <a:fontRef idx="minor">
-            <a:schemeClr val="tx1"/>
-          </a:fontRef>
-        </p:style>
-      </p:cxnSp>
-      <p:sp>
-        <p:nvSpPr>
-          <p:cNvPr id="49" name="Овал 48"/>
-          <p:cNvSpPr/>
-          <p:nvPr/>
-        </p:nvSpPr>
-        <p:spPr>
-          <a:xfrm>
-            <a:off x="3046178" y="3429000"/>
-            <a:ext cx="288032" cy="288032"/>
-          </a:xfrm>
-          <a:prstGeom prst="ellipse">
-            <a:avLst/>
-          </a:prstGeom>
-          <a:solidFill>
-            <a:schemeClr val="bg1"/>
-          </a:solidFill>
-        </p:spPr>
-        <p:style>
-          <a:lnRef idx="2">
-            <a:schemeClr val="accent1">
-              <a:shade val="50000"/>
-            </a:schemeClr>
-          </a:lnRef>
-          <a:fillRef idx="1">
-            <a:schemeClr val="accent1"/>
-          </a:fillRef>
-          <a:effectRef idx="0">
-            <a:schemeClr val="accent1"/>
-          </a:effectRef>
-          <a:fontRef idx="minor">
-            <a:schemeClr val="lt1"/>
-          </a:fontRef>
-        </p:style>
-        <p:txBody>
-          <a:bodyPr rtlCol="0" anchor="ctr"/>
-          <a:lstStyle/>
-          <a:p>
-            <a:pPr algn="ctr"/>
-            <a:endParaRPr lang="ru-RU"/>
-          </a:p>
-        </p:txBody>
-      </p:sp>
-      <p:sp>
-        <p:nvSpPr>
-          <p:cNvPr id="50" name="Овал 49"/>
-          <p:cNvSpPr/>
-          <p:nvPr/>
-        </p:nvSpPr>
-        <p:spPr>
-          <a:xfrm>
-            <a:off x="5580112" y="3851756"/>
-            <a:ext cx="288032" cy="288032"/>
-          </a:xfrm>
-          <a:prstGeom prst="ellipse">
-            <a:avLst/>
-          </a:prstGeom>
-          <a:solidFill>
-            <a:schemeClr val="bg1"/>
-          </a:solidFill>
-        </p:spPr>
-        <p:style>
-          <a:lnRef idx="2">
-            <a:schemeClr val="accent1">
-              <a:shade val="50000"/>
-            </a:schemeClr>
-          </a:lnRef>
-          <a:fillRef idx="1">
-            <a:schemeClr val="accent1"/>
-          </a:fillRef>
-          <a:effectRef idx="0">
-            <a:schemeClr val="accent1"/>
-          </a:effectRef>
-          <a:fontRef idx="minor">
-            <a:schemeClr val="lt1"/>
-          </a:fontRef>
-        </p:style>
-        <p:txBody>
-          <a:bodyPr rtlCol="0" anchor="ctr"/>
-          <a:lstStyle/>
-          <a:p>
-            <a:pPr algn="ctr"/>
-            <a:endParaRPr lang="ru-RU"/>
-          </a:p>
-        </p:txBody>
-      </p:sp>
-      <p:sp>
-        <p:nvSpPr>
-          <p:cNvPr id="51" name="Овал 50"/>
-          <p:cNvSpPr/>
-          <p:nvPr/>
-        </p:nvSpPr>
-        <p:spPr>
-          <a:xfrm>
-            <a:off x="3046178" y="4293096"/>
-            <a:ext cx="288032" cy="288032"/>
-          </a:xfrm>
-          <a:prstGeom prst="ellipse">
-            <a:avLst/>
-          </a:prstGeom>
-          <a:solidFill>
-            <a:schemeClr val="bg1"/>
-          </a:solidFill>
-        </p:spPr>
-        <p:style>
-          <a:lnRef idx="2">
-            <a:schemeClr val="accent1">
-              <a:shade val="50000"/>
-            </a:schemeClr>
-          </a:lnRef>
-          <a:fillRef idx="1">
-            <a:schemeClr val="accent1"/>
-          </a:fillRef>
-          <a:effectRef idx="0">
-            <a:schemeClr val="accent1"/>
-          </a:effectRef>
-          <a:fontRef idx="minor">
-            <a:schemeClr val="lt1"/>
-          </a:fontRef>
-        </p:style>
-        <p:txBody>
-          <a:bodyPr rtlCol="0" anchor="ctr"/>
-          <a:lstStyle/>
-          <a:p>
-            <a:pPr algn="ctr"/>
-            <a:endParaRPr lang="ru-RU"/>
-          </a:p>
-        </p:txBody>
-      </p:sp>
-      <p:sp>
-        <p:nvSpPr>
-          <p:cNvPr id="52" name="Овал 51"/>
-          <p:cNvSpPr/>
-          <p:nvPr/>
-        </p:nvSpPr>
-        <p:spPr>
-          <a:xfrm>
-            <a:off x="5580112" y="4571836"/>
-            <a:ext cx="288032" cy="288032"/>
-          </a:xfrm>
-          <a:prstGeom prst="ellipse">
-            <a:avLst/>
-          </a:prstGeom>
-          <a:solidFill>
-            <a:schemeClr val="bg1"/>
-          </a:solidFill>
-        </p:spPr>
-        <p:style>
-          <a:lnRef idx="2">
-            <a:schemeClr val="accent1">
-              <a:shade val="50000"/>
-            </a:schemeClr>
-          </a:lnRef>
-          <a:fillRef idx="1">
-            <a:schemeClr val="accent1"/>
-          </a:fillRef>
-          <a:effectRef idx="0">
-            <a:schemeClr val="accent1"/>
-          </a:effectRef>
-          <a:fontRef idx="minor">
-            <a:schemeClr val="lt1"/>
-          </a:fontRef>
-        </p:style>
-        <p:txBody>
-          <a:bodyPr rtlCol="0" anchor="ctr"/>
-          <a:lstStyle/>
-          <a:p>
-            <a:pPr algn="ctr"/>
-            <a:endParaRPr lang="ru-RU"/>
-          </a:p>
-        </p:txBody>
-      </p:sp>
-      <p:sp>
-        <p:nvSpPr>
-          <p:cNvPr id="54" name="Овал 53"/>
-          <p:cNvSpPr/>
-          <p:nvPr/>
-        </p:nvSpPr>
-        <p:spPr>
-          <a:xfrm>
-            <a:off x="2987824" y="5867980"/>
-            <a:ext cx="288032" cy="288032"/>
-          </a:xfrm>
-          <a:prstGeom prst="ellipse">
-            <a:avLst/>
-          </a:prstGeom>
-          <a:solidFill>
-            <a:schemeClr val="bg1"/>
-          </a:solidFill>
-        </p:spPr>
-        <p:style>
-          <a:lnRef idx="2">
-            <a:schemeClr val="accent1">
-              <a:shade val="50000"/>
-            </a:schemeClr>
-          </a:lnRef>
-          <a:fillRef idx="1">
-            <a:schemeClr val="accent1"/>
-          </a:fillRef>
-          <a:effectRef idx="0">
-            <a:schemeClr val="accent1"/>
-          </a:effectRef>
-          <a:fontRef idx="minor">
-            <a:schemeClr val="lt1"/>
-          </a:fontRef>
-        </p:style>
-        <p:txBody>
-          <a:bodyPr rtlCol="0" anchor="ctr"/>
-          <a:lstStyle/>
-          <a:p>
-            <a:pPr algn="ctr"/>
-            <a:endParaRPr lang="ru-RU" dirty="0"/>
-          </a:p>
-        </p:txBody>
-      </p:sp>
-      <p:sp>
-        <p:nvSpPr>
-          <p:cNvPr id="55" name="Овал 54"/>
-          <p:cNvSpPr/>
-          <p:nvPr/>
-        </p:nvSpPr>
-        <p:spPr>
-          <a:xfrm>
-            <a:off x="5580112" y="5435932"/>
-            <a:ext cx="288032" cy="288032"/>
-          </a:xfrm>
-          <a:prstGeom prst="ellipse">
-            <a:avLst/>
-          </a:prstGeom>
-          <a:solidFill>
-            <a:schemeClr val="bg1"/>
-          </a:solidFill>
-        </p:spPr>
-        <p:style>
-          <a:lnRef idx="2">
-            <a:schemeClr val="accent1">
-              <a:shade val="50000"/>
-            </a:schemeClr>
-          </a:lnRef>
-          <a:fillRef idx="1">
-            <a:schemeClr val="accent1"/>
-          </a:fillRef>
-          <a:effectRef idx="0">
-            <a:schemeClr val="accent1"/>
-          </a:effectRef>
-          <a:fontRef idx="minor">
-            <a:schemeClr val="lt1"/>
-          </a:fontRef>
-        </p:style>
-        <p:txBody>
-          <a:bodyPr rtlCol="0" anchor="ctr"/>
-          <a:lstStyle/>
-          <a:p>
-            <a:pPr algn="ctr"/>
-            <a:endParaRPr lang="ru-RU"/>
-          </a:p>
-        </p:txBody>
-      </p:sp>
-      <p:sp>
-        <p:nvSpPr>
-          <p:cNvPr id="56" name="Овал 55"/>
-          <p:cNvSpPr/>
-          <p:nvPr/>
-        </p:nvSpPr>
-        <p:spPr>
-          <a:xfrm>
-            <a:off x="3001478" y="5085184"/>
-            <a:ext cx="288032" cy="288032"/>
-          </a:xfrm>
-          <a:prstGeom prst="ellipse">
-            <a:avLst/>
-          </a:prstGeom>
-          <a:solidFill>
-            <a:schemeClr val="bg1"/>
-          </a:solidFill>
-        </p:spPr>
-        <p:style>
-          <a:lnRef idx="2">
-            <a:schemeClr val="accent1">
-              <a:shade val="50000"/>
-            </a:schemeClr>
-          </a:lnRef>
-          <a:fillRef idx="1">
-            <a:schemeClr val="accent1"/>
-          </a:fillRef>
-          <a:effectRef idx="0">
-            <a:schemeClr val="accent1"/>
-          </a:effectRef>
-          <a:fontRef idx="minor">
-            <a:schemeClr val="lt1"/>
-          </a:fontRef>
-        </p:style>
-        <p:txBody>
-          <a:bodyPr rtlCol="0" anchor="ctr"/>
-          <a:lstStyle/>
-          <a:p>
-            <a:pPr algn="ctr"/>
-            <a:endParaRPr lang="ru-RU"/>
-          </a:p>
-        </p:txBody>
-      </p:sp>
-      <p:sp>
-        <p:nvSpPr>
-          <p:cNvPr id="57" name="TextBox 56"/>
-          <p:cNvSpPr txBox="1"/>
-          <p:nvPr/>
-        </p:nvSpPr>
-        <p:spPr>
-          <a:xfrm>
-            <a:off x="3046178" y="3356992"/>
-            <a:ext cx="301686" cy="369332"/>
-          </a:xfrm>
-          <a:prstGeom prst="rect">
-            <a:avLst/>
-          </a:prstGeom>
-          <a:noFill/>
-        </p:spPr>
-        <p:txBody>
-          <a:bodyPr wrap="none" rtlCol="0">
-            <a:spAutoFit/>
-          </a:bodyPr>
-          <a:lstStyle/>
-          <a:p>
-            <a:r>
-              <a:rPr lang="ru-RU" dirty="0" smtClean="0"/>
-              <a:t>1</a:t>
-            </a:r>
-            <a:endParaRPr lang="ru-RU" dirty="0"/>
-          </a:p>
-        </p:txBody>
-      </p:sp>
-      <p:sp>
-        <p:nvSpPr>
-          <p:cNvPr id="58" name="TextBox 57"/>
-          <p:cNvSpPr txBox="1"/>
-          <p:nvPr/>
-        </p:nvSpPr>
-        <p:spPr>
-          <a:xfrm>
-            <a:off x="2966028" y="5795972"/>
-            <a:ext cx="301686" cy="369332"/>
-          </a:xfrm>
-          <a:prstGeom prst="rect">
-            <a:avLst/>
-          </a:prstGeom>
-          <a:noFill/>
-        </p:spPr>
-        <p:txBody>
-          <a:bodyPr wrap="none" rtlCol="0">
-            <a:spAutoFit/>
-          </a:bodyPr>
-          <a:lstStyle/>
-          <a:p>
-            <a:r>
-              <a:rPr lang="ru-RU" dirty="0" smtClean="0"/>
-              <a:t>7</a:t>
-            </a:r>
-            <a:endParaRPr lang="ru-RU" dirty="0"/>
-          </a:p>
-        </p:txBody>
-      </p:sp>
-      <p:sp>
-        <p:nvSpPr>
-          <p:cNvPr id="59" name="TextBox 58"/>
-          <p:cNvSpPr txBox="1"/>
-          <p:nvPr/>
-        </p:nvSpPr>
-        <p:spPr>
-          <a:xfrm>
-            <a:off x="5566458" y="5363924"/>
-            <a:ext cx="301686" cy="369332"/>
-          </a:xfrm>
-          <a:prstGeom prst="rect">
-            <a:avLst/>
-          </a:prstGeom>
-          <a:noFill/>
-        </p:spPr>
-        <p:txBody>
-          <a:bodyPr wrap="none" rtlCol="0">
-            <a:spAutoFit/>
-          </a:bodyPr>
-          <a:lstStyle/>
-          <a:p>
-            <a:r>
-              <a:rPr lang="ru-RU" dirty="0" smtClean="0"/>
-              <a:t>6</a:t>
-            </a:r>
-            <a:endParaRPr lang="ru-RU" dirty="0"/>
-          </a:p>
-        </p:txBody>
-      </p:sp>
-      <p:sp>
-        <p:nvSpPr>
-          <p:cNvPr id="60" name="TextBox 59"/>
-          <p:cNvSpPr txBox="1"/>
-          <p:nvPr/>
-        </p:nvSpPr>
-        <p:spPr>
-          <a:xfrm>
-            <a:off x="3032524" y="4221088"/>
-            <a:ext cx="301686" cy="369332"/>
-          </a:xfrm>
-          <a:prstGeom prst="rect">
-            <a:avLst/>
-          </a:prstGeom>
-          <a:noFill/>
-        </p:spPr>
-        <p:txBody>
-          <a:bodyPr wrap="none" rtlCol="0">
-            <a:spAutoFit/>
-          </a:bodyPr>
-          <a:lstStyle/>
-          <a:p>
-            <a:r>
-              <a:rPr lang="ru-RU" dirty="0" smtClean="0"/>
-              <a:t>3</a:t>
-            </a:r>
-            <a:endParaRPr lang="ru-RU" dirty="0"/>
-          </a:p>
-        </p:txBody>
-      </p:sp>
-      <p:sp>
-        <p:nvSpPr>
-          <p:cNvPr id="61" name="TextBox 60"/>
-          <p:cNvSpPr txBox="1"/>
-          <p:nvPr/>
-        </p:nvSpPr>
-        <p:spPr>
-          <a:xfrm>
-            <a:off x="2987824" y="5013176"/>
-            <a:ext cx="301686" cy="369332"/>
-          </a:xfrm>
-          <a:prstGeom prst="rect">
-            <a:avLst/>
-          </a:prstGeom>
-          <a:noFill/>
-        </p:spPr>
-        <p:txBody>
-          <a:bodyPr wrap="none" rtlCol="0">
-            <a:spAutoFit/>
-          </a:bodyPr>
-          <a:lstStyle/>
-          <a:p>
-            <a:r>
-              <a:rPr lang="ru-RU" dirty="0" smtClean="0"/>
-              <a:t>5</a:t>
-            </a:r>
-            <a:endParaRPr lang="ru-RU" dirty="0"/>
-          </a:p>
-        </p:txBody>
-      </p:sp>
-      <p:sp>
-        <p:nvSpPr>
-          <p:cNvPr id="63" name="TextBox 62"/>
-          <p:cNvSpPr txBox="1"/>
-          <p:nvPr/>
-        </p:nvSpPr>
-        <p:spPr>
-          <a:xfrm>
-            <a:off x="5566458" y="3779748"/>
-            <a:ext cx="301686" cy="369332"/>
-          </a:xfrm>
-          <a:prstGeom prst="rect">
-            <a:avLst/>
-          </a:prstGeom>
-          <a:noFill/>
-        </p:spPr>
-        <p:txBody>
-          <a:bodyPr wrap="none" rtlCol="0">
-            <a:spAutoFit/>
-          </a:bodyPr>
-          <a:lstStyle/>
-          <a:p>
-            <a:r>
-              <a:rPr lang="ru-RU" dirty="0" smtClean="0"/>
-              <a:t>2</a:t>
-            </a:r>
-            <a:endParaRPr lang="ru-RU" dirty="0"/>
-          </a:p>
-        </p:txBody>
-      </p:sp>
-      <p:sp>
-        <p:nvSpPr>
-          <p:cNvPr id="64" name="TextBox 63"/>
-          <p:cNvSpPr txBox="1"/>
-          <p:nvPr/>
-        </p:nvSpPr>
-        <p:spPr>
-          <a:xfrm>
-            <a:off x="5566458" y="4499828"/>
-            <a:ext cx="301686" cy="369332"/>
-          </a:xfrm>
-          <a:prstGeom prst="rect">
-            <a:avLst/>
-          </a:prstGeom>
-          <a:noFill/>
-        </p:spPr>
-        <p:txBody>
-          <a:bodyPr wrap="none" rtlCol="0">
-            <a:spAutoFit/>
-          </a:bodyPr>
-          <a:lstStyle/>
-          <a:p>
-            <a:r>
-              <a:rPr lang="ru-RU" dirty="0" smtClean="0"/>
-              <a:t>4</a:t>
-            </a:r>
-            <a:endParaRPr lang="ru-RU" dirty="0"/>
-          </a:p>
-        </p:txBody>
-      </p:sp>
-      <p:cxnSp>
-        <p:nvCxnSpPr>
-          <p:cNvPr id="85" name="Прямая со стрелкой 84"/>
-          <p:cNvCxnSpPr>
-            <a:stCxn id="64" idx="1"/>
-            <a:endCxn id="60" idx="3"/>
-          </p:cNvCxnSpPr>
-          <p:nvPr/>
-        </p:nvCxnSpPr>
-        <p:spPr>
-          <a:xfrm flipH="1" flipV="1">
-            <a:off x="3334210" y="4405754"/>
-            <a:ext cx="2232248" cy="278740"/>
-          </a:xfrm>
-          <a:prstGeom prst="straightConnector1">
-            <a:avLst/>
-          </a:prstGeom>
-          <a:ln w="38100">
-            <a:headEnd type="none" w="med" len="med"/>
-            <a:tailEnd type="none" w="med" len="med"/>
-          </a:ln>
-        </p:spPr>
-        <p:style>
-          <a:lnRef idx="1">
-            <a:schemeClr val="accent1"/>
-          </a:lnRef>
-          <a:fillRef idx="0">
-            <a:schemeClr val="accent1"/>
-          </a:fillRef>
-          <a:effectRef idx="0">
-            <a:schemeClr val="accent1"/>
-          </a:effectRef>
-          <a:fontRef idx="minor">
-            <a:schemeClr val="tx1"/>
-          </a:fontRef>
-        </p:style>
-      </p:cxnSp>
-      <p:cxnSp>
-        <p:nvCxnSpPr>
-          <p:cNvPr id="86" name="Прямая со стрелкой 85"/>
-          <p:cNvCxnSpPr>
-            <a:stCxn id="59" idx="1"/>
-            <a:endCxn id="60" idx="3"/>
-          </p:cNvCxnSpPr>
-          <p:nvPr/>
-        </p:nvCxnSpPr>
-        <p:spPr>
-          <a:xfrm flipH="1" flipV="1">
-            <a:off x="3334210" y="4405754"/>
-            <a:ext cx="2232248" cy="1142836"/>
-          </a:xfrm>
-          <a:prstGeom prst="straightConnector1">
-            <a:avLst/>
-          </a:prstGeom>
-          <a:ln w="38100">
-            <a:headEnd type="none" w="med" len="med"/>
-            <a:tailEnd type="none" w="med" len="med"/>
-          </a:ln>
-        </p:spPr>
-        <p:style>
-          <a:lnRef idx="1">
-            <a:schemeClr val="accent1"/>
-          </a:lnRef>
-          <a:fillRef idx="0">
-            <a:schemeClr val="accent1"/>
-          </a:fillRef>
-          <a:effectRef idx="0">
-            <a:schemeClr val="accent1"/>
-          </a:effectRef>
-          <a:fontRef idx="minor">
-            <a:schemeClr val="tx1"/>
-          </a:fontRef>
-        </p:style>
-      </p:cxnSp>
-      <p:cxnSp>
-        <p:nvCxnSpPr>
-          <p:cNvPr id="87" name="Прямая со стрелкой 86"/>
-          <p:cNvCxnSpPr>
-            <a:stCxn id="63" idx="1"/>
-            <a:endCxn id="61" idx="3"/>
-          </p:cNvCxnSpPr>
-          <p:nvPr/>
-        </p:nvCxnSpPr>
-        <p:spPr>
-          <a:xfrm flipH="1">
-            <a:off x="3289510" y="3964414"/>
-            <a:ext cx="2276948" cy="1233428"/>
-          </a:xfrm>
-          <a:prstGeom prst="straightConnector1">
-            <a:avLst/>
-          </a:prstGeom>
-          <a:ln w="38100">
-            <a:headEnd type="none" w="med" len="med"/>
-            <a:tailEnd type="none" w="med" len="med"/>
-          </a:ln>
-        </p:spPr>
-        <p:style>
-          <a:lnRef idx="1">
-            <a:schemeClr val="accent1"/>
-          </a:lnRef>
-          <a:fillRef idx="0">
-            <a:schemeClr val="accent1"/>
-          </a:fillRef>
-          <a:effectRef idx="0">
-            <a:schemeClr val="accent1"/>
-          </a:effectRef>
-          <a:fontRef idx="minor">
-            <a:schemeClr val="tx1"/>
-          </a:fontRef>
-        </p:style>
-      </p:cxnSp>
-      <p:cxnSp>
-        <p:nvCxnSpPr>
-          <p:cNvPr id="88" name="Прямая со стрелкой 87"/>
-          <p:cNvCxnSpPr>
-            <a:stCxn id="63" idx="1"/>
-            <a:endCxn id="58" idx="3"/>
-          </p:cNvCxnSpPr>
-          <p:nvPr/>
-        </p:nvCxnSpPr>
-        <p:spPr>
-          <a:xfrm flipH="1">
-            <a:off x="3267714" y="3964414"/>
-            <a:ext cx="2298744" cy="2016224"/>
-          </a:xfrm>
-          <a:prstGeom prst="straightConnector1">
-            <a:avLst/>
-          </a:prstGeom>
-          <a:ln w="38100">
-            <a:headEnd type="none" w="med" len="med"/>
-            <a:tailEnd type="none" w="med" len="med"/>
-          </a:ln>
-        </p:spPr>
-        <p:style>
-          <a:lnRef idx="1">
-            <a:schemeClr val="accent1"/>
-          </a:lnRef>
-          <a:fillRef idx="0">
-            <a:schemeClr val="accent1"/>
-          </a:fillRef>
-          <a:effectRef idx="0">
-            <a:schemeClr val="accent1"/>
-          </a:effectRef>
-          <a:fontRef idx="minor">
-            <a:schemeClr val="tx1"/>
-          </a:fontRef>
-        </p:style>
-      </p:cxnSp>
-      <p:cxnSp>
-        <p:nvCxnSpPr>
-          <p:cNvPr id="99" name="Прямая со стрелкой 98"/>
-          <p:cNvCxnSpPr>
-            <a:stCxn id="59" idx="1"/>
-            <a:endCxn id="56" idx="6"/>
-          </p:cNvCxnSpPr>
-          <p:nvPr/>
-        </p:nvCxnSpPr>
-        <p:spPr>
-          <a:xfrm flipH="1" flipV="1">
-            <a:off x="3289510" y="5229200"/>
-            <a:ext cx="2276948" cy="319390"/>
-          </a:xfrm>
-          <a:prstGeom prst="straightConnector1">
-            <a:avLst/>
-          </a:prstGeom>
-          <a:ln w="38100">
-            <a:headEnd type="none" w="med" len="med"/>
-            <a:tailEnd type="none" w="med" len="med"/>
-          </a:ln>
-        </p:spPr>
-        <p:style>
-          <a:lnRef idx="1">
-            <a:schemeClr val="accent1"/>
-          </a:lnRef>
-          <a:fillRef idx="0">
-            <a:schemeClr val="accent1"/>
-          </a:fillRef>
-          <a:effectRef idx="0">
-            <a:schemeClr val="accent1"/>
-          </a:effectRef>
-          <a:fontRef idx="minor">
-            <a:schemeClr val="tx1"/>
-          </a:fontRef>
-        </p:style>
-      </p:cxnSp>
-      <p:cxnSp>
-        <p:nvCxnSpPr>
-          <p:cNvPr id="103" name="Прямая со стрелкой 102"/>
-          <p:cNvCxnSpPr>
-            <a:stCxn id="57" idx="3"/>
-            <a:endCxn id="59" idx="1"/>
-          </p:cNvCxnSpPr>
-          <p:nvPr/>
-        </p:nvCxnSpPr>
-        <p:spPr>
-          <a:xfrm>
-            <a:off x="3347864" y="3541658"/>
-            <a:ext cx="2218594" cy="2006932"/>
-          </a:xfrm>
-          <a:prstGeom prst="straightConnector1">
-            <a:avLst/>
-          </a:prstGeom>
-          <a:ln w="38100">
-            <a:headEnd type="none" w="med" len="med"/>
-            <a:tailEnd type="none" w="med" len="med"/>
-          </a:ln>
-        </p:spPr>
-        <p:style>
-          <a:lnRef idx="1">
-            <a:schemeClr val="accent1"/>
-          </a:lnRef>
-          <a:fillRef idx="0">
-            <a:schemeClr val="accent1"/>
-          </a:fillRef>
-          <a:effectRef idx="0">
-            <a:schemeClr val="accent1"/>
-          </a:effectRef>
-          <a:fontRef idx="minor">
-            <a:schemeClr val="tx1"/>
-          </a:fontRef>
-        </p:style>
-      </p:cxnSp>
-      <p:sp>
-        <p:nvSpPr>
-          <p:cNvPr id="31" name="Заголовок 1"/>
           <p:cNvSpPr txBox="1">
             <a:spLocks/>
           </p:cNvSpPr>
@@ -55936,8 +54925,8 @@
         </p:nvSpPr>
         <p:spPr>
           <a:xfrm>
-            <a:off x="838200" y="1844825"/>
-            <a:ext cx="7772400" cy="1008111"/>
+            <a:off x="838200" y="1700809"/>
+            <a:ext cx="7772400" cy="1512167"/>
           </a:xfrm>
           <a:prstGeom prst="rect">
             <a:avLst/>
@@ -55951,19 +54940,970 @@
           <a:p>
             <a:r>
               <a:rPr lang="ru-RU" sz="2000" b="1" dirty="0" smtClean="0"/>
-              <a:t>Теорема</a:t>
+              <a:t>Определение</a:t>
             </a:r>
             <a:r>
               <a:rPr lang="ru-RU" sz="2000" dirty="0" smtClean="0"/>
-              <a:t>: Граф является двудольным тогда и только тогда, когда все его циклы имеют чётную длину.</a:t>
-            </a:r>
-            <a:endParaRPr lang="ru-RU" sz="2000" b="1" dirty="0" smtClean="0"/>
-          </a:p>
-        </p:txBody>
-      </p:sp>
-      <p:sp>
-        <p:nvSpPr>
-          <p:cNvPr id="4" name="Заголовок 1"/>
+              <a:t>: Двудольный граф – это граф все вершины которого можно разделить на два множества, таких что ни какие две вершины, каждого из этих множеств не соединены ребром.</a:t>
+            </a:r>
+          </a:p>
+        </p:txBody>
+      </p:sp>
+      <p:cxnSp>
+        <p:nvCxnSpPr>
+          <p:cNvPr id="39" name="Прямая со стрелкой 38"/>
+          <p:cNvCxnSpPr>
+            <a:stCxn id="57" idx="3"/>
+            <a:endCxn id="63" idx="1"/>
+          </p:cNvCxnSpPr>
+          <p:nvPr/>
+        </p:nvCxnSpPr>
+        <p:spPr>
+          <a:xfrm>
+            <a:off x="3347864" y="3541658"/>
+            <a:ext cx="2218594" cy="422756"/>
+          </a:xfrm>
+          <a:prstGeom prst="straightConnector1">
+            <a:avLst/>
+          </a:prstGeom>
+          <a:ln w="38100">
+            <a:headEnd type="none" w="med" len="med"/>
+            <a:tailEnd type="none" w="med" len="med"/>
+          </a:ln>
+        </p:spPr>
+        <p:style>
+          <a:lnRef idx="1">
+            <a:schemeClr val="accent1"/>
+          </a:lnRef>
+          <a:fillRef idx="0">
+            <a:schemeClr val="accent1"/>
+          </a:fillRef>
+          <a:effectRef idx="0">
+            <a:schemeClr val="accent1"/>
+          </a:effectRef>
+          <a:fontRef idx="minor">
+            <a:schemeClr val="tx1"/>
+          </a:fontRef>
+        </p:style>
+      </p:cxnSp>
+      <p:cxnSp>
+        <p:nvCxnSpPr>
+          <p:cNvPr id="40" name="Прямая со стрелкой 39"/>
+          <p:cNvCxnSpPr>
+            <a:stCxn id="63" idx="1"/>
+            <a:endCxn id="60" idx="3"/>
+          </p:cNvCxnSpPr>
+          <p:nvPr/>
+        </p:nvCxnSpPr>
+        <p:spPr>
+          <a:xfrm flipH="1">
+            <a:off x="3334210" y="3964414"/>
+            <a:ext cx="2232248" cy="441340"/>
+          </a:xfrm>
+          <a:prstGeom prst="straightConnector1">
+            <a:avLst/>
+          </a:prstGeom>
+          <a:ln w="38100">
+            <a:headEnd type="none" w="med" len="med"/>
+            <a:tailEnd type="none" w="med" len="med"/>
+          </a:ln>
+        </p:spPr>
+        <p:style>
+          <a:lnRef idx="1">
+            <a:schemeClr val="accent1"/>
+          </a:lnRef>
+          <a:fillRef idx="0">
+            <a:schemeClr val="accent1"/>
+          </a:fillRef>
+          <a:effectRef idx="0">
+            <a:schemeClr val="accent1"/>
+          </a:effectRef>
+          <a:fontRef idx="minor">
+            <a:schemeClr val="tx1"/>
+          </a:fontRef>
+        </p:style>
+      </p:cxnSp>
+      <p:cxnSp>
+        <p:nvCxnSpPr>
+          <p:cNvPr id="41" name="Прямая со стрелкой 40"/>
+          <p:cNvCxnSpPr>
+            <a:stCxn id="57" idx="3"/>
+            <a:endCxn id="64" idx="1"/>
+          </p:cNvCxnSpPr>
+          <p:nvPr/>
+        </p:nvCxnSpPr>
+        <p:spPr>
+          <a:xfrm>
+            <a:off x="3347864" y="3541658"/>
+            <a:ext cx="2218594" cy="1142836"/>
+          </a:xfrm>
+          <a:prstGeom prst="straightConnector1">
+            <a:avLst/>
+          </a:prstGeom>
+          <a:ln w="38100">
+            <a:headEnd type="none" w="med" len="med"/>
+            <a:tailEnd type="none" w="med" len="med"/>
+          </a:ln>
+        </p:spPr>
+        <p:style>
+          <a:lnRef idx="1">
+            <a:schemeClr val="accent1"/>
+          </a:lnRef>
+          <a:fillRef idx="0">
+            <a:schemeClr val="accent1"/>
+          </a:fillRef>
+          <a:effectRef idx="0">
+            <a:schemeClr val="accent1"/>
+          </a:effectRef>
+          <a:fontRef idx="minor">
+            <a:schemeClr val="tx1"/>
+          </a:fontRef>
+        </p:style>
+      </p:cxnSp>
+      <p:cxnSp>
+        <p:nvCxnSpPr>
+          <p:cNvPr id="42" name="Прямая со стрелкой 41"/>
+          <p:cNvCxnSpPr>
+            <a:stCxn id="64" idx="1"/>
+            <a:endCxn id="58" idx="3"/>
+          </p:cNvCxnSpPr>
+          <p:nvPr/>
+        </p:nvCxnSpPr>
+        <p:spPr>
+          <a:xfrm flipH="1">
+            <a:off x="3267714" y="4684494"/>
+            <a:ext cx="2298744" cy="1296144"/>
+          </a:xfrm>
+          <a:prstGeom prst="straightConnector1">
+            <a:avLst/>
+          </a:prstGeom>
+          <a:ln w="38100">
+            <a:headEnd type="none" w="med" len="med"/>
+            <a:tailEnd type="none" w="med" len="med"/>
+          </a:ln>
+        </p:spPr>
+        <p:style>
+          <a:lnRef idx="1">
+            <a:schemeClr val="accent1"/>
+          </a:lnRef>
+          <a:fillRef idx="0">
+            <a:schemeClr val="accent1"/>
+          </a:fillRef>
+          <a:effectRef idx="0">
+            <a:schemeClr val="accent1"/>
+          </a:effectRef>
+          <a:fontRef idx="minor">
+            <a:schemeClr val="tx1"/>
+          </a:fontRef>
+        </p:style>
+      </p:cxnSp>
+      <p:cxnSp>
+        <p:nvCxnSpPr>
+          <p:cNvPr id="44" name="Прямая со стрелкой 43"/>
+          <p:cNvCxnSpPr>
+            <a:stCxn id="54" idx="6"/>
+            <a:endCxn id="59" idx="1"/>
+          </p:cNvCxnSpPr>
+          <p:nvPr/>
+        </p:nvCxnSpPr>
+        <p:spPr>
+          <a:xfrm flipV="1">
+            <a:off x="3275856" y="5548590"/>
+            <a:ext cx="2290602" cy="463406"/>
+          </a:xfrm>
+          <a:prstGeom prst="straightConnector1">
+            <a:avLst/>
+          </a:prstGeom>
+          <a:ln w="38100">
+            <a:headEnd type="none" w="med" len="med"/>
+            <a:tailEnd type="none" w="med" len="med"/>
+          </a:ln>
+        </p:spPr>
+        <p:style>
+          <a:lnRef idx="1">
+            <a:schemeClr val="accent1"/>
+          </a:lnRef>
+          <a:fillRef idx="0">
+            <a:schemeClr val="accent1"/>
+          </a:fillRef>
+          <a:effectRef idx="0">
+            <a:schemeClr val="accent1"/>
+          </a:effectRef>
+          <a:fontRef idx="minor">
+            <a:schemeClr val="tx1"/>
+          </a:fontRef>
+        </p:style>
+      </p:cxnSp>
+      <p:cxnSp>
+        <p:nvCxnSpPr>
+          <p:cNvPr id="45" name="Прямая соединительная линия 44"/>
+          <p:cNvCxnSpPr>
+            <a:stCxn id="64" idx="1"/>
+            <a:endCxn id="61" idx="3"/>
+          </p:cNvCxnSpPr>
+          <p:nvPr/>
+        </p:nvCxnSpPr>
+        <p:spPr>
+          <a:xfrm flipH="1">
+            <a:off x="3289510" y="4684494"/>
+            <a:ext cx="2276948" cy="513348"/>
+          </a:xfrm>
+          <a:prstGeom prst="line">
+            <a:avLst/>
+          </a:prstGeom>
+          <a:ln w="38100"/>
+        </p:spPr>
+        <p:style>
+          <a:lnRef idx="1">
+            <a:schemeClr val="accent1"/>
+          </a:lnRef>
+          <a:fillRef idx="0">
+            <a:schemeClr val="accent1"/>
+          </a:fillRef>
+          <a:effectRef idx="0">
+            <a:schemeClr val="accent1"/>
+          </a:effectRef>
+          <a:fontRef idx="minor">
+            <a:schemeClr val="tx1"/>
+          </a:fontRef>
+        </p:style>
+      </p:cxnSp>
+      <p:sp>
+        <p:nvSpPr>
+          <p:cNvPr id="49" name="Овал 48"/>
+          <p:cNvSpPr/>
+          <p:nvPr/>
+        </p:nvSpPr>
+        <p:spPr>
+          <a:xfrm>
+            <a:off x="3046178" y="3429000"/>
+            <a:ext cx="288032" cy="288032"/>
+          </a:xfrm>
+          <a:prstGeom prst="ellipse">
+            <a:avLst/>
+          </a:prstGeom>
+          <a:solidFill>
+            <a:schemeClr val="bg1"/>
+          </a:solidFill>
+        </p:spPr>
+        <p:style>
+          <a:lnRef idx="2">
+            <a:schemeClr val="accent1">
+              <a:shade val="50000"/>
+            </a:schemeClr>
+          </a:lnRef>
+          <a:fillRef idx="1">
+            <a:schemeClr val="accent1"/>
+          </a:fillRef>
+          <a:effectRef idx="0">
+            <a:schemeClr val="accent1"/>
+          </a:effectRef>
+          <a:fontRef idx="minor">
+            <a:schemeClr val="lt1"/>
+          </a:fontRef>
+        </p:style>
+        <p:txBody>
+          <a:bodyPr rtlCol="0" anchor="ctr"/>
+          <a:lstStyle/>
+          <a:p>
+            <a:pPr algn="ctr"/>
+            <a:endParaRPr lang="ru-RU"/>
+          </a:p>
+        </p:txBody>
+      </p:sp>
+      <p:sp>
+        <p:nvSpPr>
+          <p:cNvPr id="50" name="Овал 49"/>
+          <p:cNvSpPr/>
+          <p:nvPr/>
+        </p:nvSpPr>
+        <p:spPr>
+          <a:xfrm>
+            <a:off x="5580112" y="3851756"/>
+            <a:ext cx="288032" cy="288032"/>
+          </a:xfrm>
+          <a:prstGeom prst="ellipse">
+            <a:avLst/>
+          </a:prstGeom>
+          <a:solidFill>
+            <a:schemeClr val="bg1"/>
+          </a:solidFill>
+        </p:spPr>
+        <p:style>
+          <a:lnRef idx="2">
+            <a:schemeClr val="accent1">
+              <a:shade val="50000"/>
+            </a:schemeClr>
+          </a:lnRef>
+          <a:fillRef idx="1">
+            <a:schemeClr val="accent1"/>
+          </a:fillRef>
+          <a:effectRef idx="0">
+            <a:schemeClr val="accent1"/>
+          </a:effectRef>
+          <a:fontRef idx="minor">
+            <a:schemeClr val="lt1"/>
+          </a:fontRef>
+        </p:style>
+        <p:txBody>
+          <a:bodyPr rtlCol="0" anchor="ctr"/>
+          <a:lstStyle/>
+          <a:p>
+            <a:pPr algn="ctr"/>
+            <a:endParaRPr lang="ru-RU"/>
+          </a:p>
+        </p:txBody>
+      </p:sp>
+      <p:sp>
+        <p:nvSpPr>
+          <p:cNvPr id="51" name="Овал 50"/>
+          <p:cNvSpPr/>
+          <p:nvPr/>
+        </p:nvSpPr>
+        <p:spPr>
+          <a:xfrm>
+            <a:off x="3046178" y="4293096"/>
+            <a:ext cx="288032" cy="288032"/>
+          </a:xfrm>
+          <a:prstGeom prst="ellipse">
+            <a:avLst/>
+          </a:prstGeom>
+          <a:solidFill>
+            <a:schemeClr val="bg1"/>
+          </a:solidFill>
+        </p:spPr>
+        <p:style>
+          <a:lnRef idx="2">
+            <a:schemeClr val="accent1">
+              <a:shade val="50000"/>
+            </a:schemeClr>
+          </a:lnRef>
+          <a:fillRef idx="1">
+            <a:schemeClr val="accent1"/>
+          </a:fillRef>
+          <a:effectRef idx="0">
+            <a:schemeClr val="accent1"/>
+          </a:effectRef>
+          <a:fontRef idx="minor">
+            <a:schemeClr val="lt1"/>
+          </a:fontRef>
+        </p:style>
+        <p:txBody>
+          <a:bodyPr rtlCol="0" anchor="ctr"/>
+          <a:lstStyle/>
+          <a:p>
+            <a:pPr algn="ctr"/>
+            <a:endParaRPr lang="ru-RU"/>
+          </a:p>
+        </p:txBody>
+      </p:sp>
+      <p:sp>
+        <p:nvSpPr>
+          <p:cNvPr id="52" name="Овал 51"/>
+          <p:cNvSpPr/>
+          <p:nvPr/>
+        </p:nvSpPr>
+        <p:spPr>
+          <a:xfrm>
+            <a:off x="5580112" y="4571836"/>
+            <a:ext cx="288032" cy="288032"/>
+          </a:xfrm>
+          <a:prstGeom prst="ellipse">
+            <a:avLst/>
+          </a:prstGeom>
+          <a:solidFill>
+            <a:schemeClr val="bg1"/>
+          </a:solidFill>
+        </p:spPr>
+        <p:style>
+          <a:lnRef idx="2">
+            <a:schemeClr val="accent1">
+              <a:shade val="50000"/>
+            </a:schemeClr>
+          </a:lnRef>
+          <a:fillRef idx="1">
+            <a:schemeClr val="accent1"/>
+          </a:fillRef>
+          <a:effectRef idx="0">
+            <a:schemeClr val="accent1"/>
+          </a:effectRef>
+          <a:fontRef idx="minor">
+            <a:schemeClr val="lt1"/>
+          </a:fontRef>
+        </p:style>
+        <p:txBody>
+          <a:bodyPr rtlCol="0" anchor="ctr"/>
+          <a:lstStyle/>
+          <a:p>
+            <a:pPr algn="ctr"/>
+            <a:endParaRPr lang="ru-RU"/>
+          </a:p>
+        </p:txBody>
+      </p:sp>
+      <p:sp>
+        <p:nvSpPr>
+          <p:cNvPr id="54" name="Овал 53"/>
+          <p:cNvSpPr/>
+          <p:nvPr/>
+        </p:nvSpPr>
+        <p:spPr>
+          <a:xfrm>
+            <a:off x="2987824" y="5867980"/>
+            <a:ext cx="288032" cy="288032"/>
+          </a:xfrm>
+          <a:prstGeom prst="ellipse">
+            <a:avLst/>
+          </a:prstGeom>
+          <a:solidFill>
+            <a:schemeClr val="bg1"/>
+          </a:solidFill>
+        </p:spPr>
+        <p:style>
+          <a:lnRef idx="2">
+            <a:schemeClr val="accent1">
+              <a:shade val="50000"/>
+            </a:schemeClr>
+          </a:lnRef>
+          <a:fillRef idx="1">
+            <a:schemeClr val="accent1"/>
+          </a:fillRef>
+          <a:effectRef idx="0">
+            <a:schemeClr val="accent1"/>
+          </a:effectRef>
+          <a:fontRef idx="minor">
+            <a:schemeClr val="lt1"/>
+          </a:fontRef>
+        </p:style>
+        <p:txBody>
+          <a:bodyPr rtlCol="0" anchor="ctr"/>
+          <a:lstStyle/>
+          <a:p>
+            <a:pPr algn="ctr"/>
+            <a:endParaRPr lang="ru-RU" dirty="0"/>
+          </a:p>
+        </p:txBody>
+      </p:sp>
+      <p:sp>
+        <p:nvSpPr>
+          <p:cNvPr id="55" name="Овал 54"/>
+          <p:cNvSpPr/>
+          <p:nvPr/>
+        </p:nvSpPr>
+        <p:spPr>
+          <a:xfrm>
+            <a:off x="5580112" y="5435932"/>
+            <a:ext cx="288032" cy="288032"/>
+          </a:xfrm>
+          <a:prstGeom prst="ellipse">
+            <a:avLst/>
+          </a:prstGeom>
+          <a:solidFill>
+            <a:schemeClr val="bg1"/>
+          </a:solidFill>
+        </p:spPr>
+        <p:style>
+          <a:lnRef idx="2">
+            <a:schemeClr val="accent1">
+              <a:shade val="50000"/>
+            </a:schemeClr>
+          </a:lnRef>
+          <a:fillRef idx="1">
+            <a:schemeClr val="accent1"/>
+          </a:fillRef>
+          <a:effectRef idx="0">
+            <a:schemeClr val="accent1"/>
+          </a:effectRef>
+          <a:fontRef idx="minor">
+            <a:schemeClr val="lt1"/>
+          </a:fontRef>
+        </p:style>
+        <p:txBody>
+          <a:bodyPr rtlCol="0" anchor="ctr"/>
+          <a:lstStyle/>
+          <a:p>
+            <a:pPr algn="ctr"/>
+            <a:endParaRPr lang="ru-RU"/>
+          </a:p>
+        </p:txBody>
+      </p:sp>
+      <p:sp>
+        <p:nvSpPr>
+          <p:cNvPr id="56" name="Овал 55"/>
+          <p:cNvSpPr/>
+          <p:nvPr/>
+        </p:nvSpPr>
+        <p:spPr>
+          <a:xfrm>
+            <a:off x="3001478" y="5085184"/>
+            <a:ext cx="288032" cy="288032"/>
+          </a:xfrm>
+          <a:prstGeom prst="ellipse">
+            <a:avLst/>
+          </a:prstGeom>
+          <a:solidFill>
+            <a:schemeClr val="bg1"/>
+          </a:solidFill>
+        </p:spPr>
+        <p:style>
+          <a:lnRef idx="2">
+            <a:schemeClr val="accent1">
+              <a:shade val="50000"/>
+            </a:schemeClr>
+          </a:lnRef>
+          <a:fillRef idx="1">
+            <a:schemeClr val="accent1"/>
+          </a:fillRef>
+          <a:effectRef idx="0">
+            <a:schemeClr val="accent1"/>
+          </a:effectRef>
+          <a:fontRef idx="minor">
+            <a:schemeClr val="lt1"/>
+          </a:fontRef>
+        </p:style>
+        <p:txBody>
+          <a:bodyPr rtlCol="0" anchor="ctr"/>
+          <a:lstStyle/>
+          <a:p>
+            <a:pPr algn="ctr"/>
+            <a:endParaRPr lang="ru-RU"/>
+          </a:p>
+        </p:txBody>
+      </p:sp>
+      <p:sp>
+        <p:nvSpPr>
+          <p:cNvPr id="57" name="TextBox 56"/>
+          <p:cNvSpPr txBox="1"/>
+          <p:nvPr/>
+        </p:nvSpPr>
+        <p:spPr>
+          <a:xfrm>
+            <a:off x="3046178" y="3356992"/>
+            <a:ext cx="301686" cy="369332"/>
+          </a:xfrm>
+          <a:prstGeom prst="rect">
+            <a:avLst/>
+          </a:prstGeom>
+          <a:noFill/>
+        </p:spPr>
+        <p:txBody>
+          <a:bodyPr wrap="none" rtlCol="0">
+            <a:spAutoFit/>
+          </a:bodyPr>
+          <a:lstStyle/>
+          <a:p>
+            <a:r>
+              <a:rPr lang="ru-RU" dirty="0" smtClean="0"/>
+              <a:t>1</a:t>
+            </a:r>
+            <a:endParaRPr lang="ru-RU" dirty="0"/>
+          </a:p>
+        </p:txBody>
+      </p:sp>
+      <p:sp>
+        <p:nvSpPr>
+          <p:cNvPr id="58" name="TextBox 57"/>
+          <p:cNvSpPr txBox="1"/>
+          <p:nvPr/>
+        </p:nvSpPr>
+        <p:spPr>
+          <a:xfrm>
+            <a:off x="2966028" y="5795972"/>
+            <a:ext cx="301686" cy="369332"/>
+          </a:xfrm>
+          <a:prstGeom prst="rect">
+            <a:avLst/>
+          </a:prstGeom>
+          <a:noFill/>
+        </p:spPr>
+        <p:txBody>
+          <a:bodyPr wrap="none" rtlCol="0">
+            <a:spAutoFit/>
+          </a:bodyPr>
+          <a:lstStyle/>
+          <a:p>
+            <a:r>
+              <a:rPr lang="ru-RU" dirty="0" smtClean="0"/>
+              <a:t>7</a:t>
+            </a:r>
+            <a:endParaRPr lang="ru-RU" dirty="0"/>
+          </a:p>
+        </p:txBody>
+      </p:sp>
+      <p:sp>
+        <p:nvSpPr>
+          <p:cNvPr id="59" name="TextBox 58"/>
+          <p:cNvSpPr txBox="1"/>
+          <p:nvPr/>
+        </p:nvSpPr>
+        <p:spPr>
+          <a:xfrm>
+            <a:off x="5566458" y="5363924"/>
+            <a:ext cx="301686" cy="369332"/>
+          </a:xfrm>
+          <a:prstGeom prst="rect">
+            <a:avLst/>
+          </a:prstGeom>
+          <a:noFill/>
+        </p:spPr>
+        <p:txBody>
+          <a:bodyPr wrap="none" rtlCol="0">
+            <a:spAutoFit/>
+          </a:bodyPr>
+          <a:lstStyle/>
+          <a:p>
+            <a:r>
+              <a:rPr lang="ru-RU" dirty="0" smtClean="0"/>
+              <a:t>6</a:t>
+            </a:r>
+            <a:endParaRPr lang="ru-RU" dirty="0"/>
+          </a:p>
+        </p:txBody>
+      </p:sp>
+      <p:sp>
+        <p:nvSpPr>
+          <p:cNvPr id="60" name="TextBox 59"/>
+          <p:cNvSpPr txBox="1"/>
+          <p:nvPr/>
+        </p:nvSpPr>
+        <p:spPr>
+          <a:xfrm>
+            <a:off x="3032524" y="4221088"/>
+            <a:ext cx="301686" cy="369332"/>
+          </a:xfrm>
+          <a:prstGeom prst="rect">
+            <a:avLst/>
+          </a:prstGeom>
+          <a:noFill/>
+        </p:spPr>
+        <p:txBody>
+          <a:bodyPr wrap="none" rtlCol="0">
+            <a:spAutoFit/>
+          </a:bodyPr>
+          <a:lstStyle/>
+          <a:p>
+            <a:r>
+              <a:rPr lang="ru-RU" dirty="0" smtClean="0"/>
+              <a:t>3</a:t>
+            </a:r>
+            <a:endParaRPr lang="ru-RU" dirty="0"/>
+          </a:p>
+        </p:txBody>
+      </p:sp>
+      <p:sp>
+        <p:nvSpPr>
+          <p:cNvPr id="61" name="TextBox 60"/>
+          <p:cNvSpPr txBox="1"/>
+          <p:nvPr/>
+        </p:nvSpPr>
+        <p:spPr>
+          <a:xfrm>
+            <a:off x="2987824" y="5013176"/>
+            <a:ext cx="301686" cy="369332"/>
+          </a:xfrm>
+          <a:prstGeom prst="rect">
+            <a:avLst/>
+          </a:prstGeom>
+          <a:noFill/>
+        </p:spPr>
+        <p:txBody>
+          <a:bodyPr wrap="none" rtlCol="0">
+            <a:spAutoFit/>
+          </a:bodyPr>
+          <a:lstStyle/>
+          <a:p>
+            <a:r>
+              <a:rPr lang="ru-RU" dirty="0" smtClean="0"/>
+              <a:t>5</a:t>
+            </a:r>
+            <a:endParaRPr lang="ru-RU" dirty="0"/>
+          </a:p>
+        </p:txBody>
+      </p:sp>
+      <p:sp>
+        <p:nvSpPr>
+          <p:cNvPr id="63" name="TextBox 62"/>
+          <p:cNvSpPr txBox="1"/>
+          <p:nvPr/>
+        </p:nvSpPr>
+        <p:spPr>
+          <a:xfrm>
+            <a:off x="5566458" y="3779748"/>
+            <a:ext cx="301686" cy="369332"/>
+          </a:xfrm>
+          <a:prstGeom prst="rect">
+            <a:avLst/>
+          </a:prstGeom>
+          <a:noFill/>
+        </p:spPr>
+        <p:txBody>
+          <a:bodyPr wrap="none" rtlCol="0">
+            <a:spAutoFit/>
+          </a:bodyPr>
+          <a:lstStyle/>
+          <a:p>
+            <a:r>
+              <a:rPr lang="ru-RU" dirty="0" smtClean="0"/>
+              <a:t>2</a:t>
+            </a:r>
+            <a:endParaRPr lang="ru-RU" dirty="0"/>
+          </a:p>
+        </p:txBody>
+      </p:sp>
+      <p:sp>
+        <p:nvSpPr>
+          <p:cNvPr id="64" name="TextBox 63"/>
+          <p:cNvSpPr txBox="1"/>
+          <p:nvPr/>
+        </p:nvSpPr>
+        <p:spPr>
+          <a:xfrm>
+            <a:off x="5566458" y="4499828"/>
+            <a:ext cx="301686" cy="369332"/>
+          </a:xfrm>
+          <a:prstGeom prst="rect">
+            <a:avLst/>
+          </a:prstGeom>
+          <a:noFill/>
+        </p:spPr>
+        <p:txBody>
+          <a:bodyPr wrap="none" rtlCol="0">
+            <a:spAutoFit/>
+          </a:bodyPr>
+          <a:lstStyle/>
+          <a:p>
+            <a:r>
+              <a:rPr lang="ru-RU" dirty="0" smtClean="0"/>
+              <a:t>4</a:t>
+            </a:r>
+            <a:endParaRPr lang="ru-RU" dirty="0"/>
+          </a:p>
+        </p:txBody>
+      </p:sp>
+      <p:cxnSp>
+        <p:nvCxnSpPr>
+          <p:cNvPr id="85" name="Прямая со стрелкой 84"/>
+          <p:cNvCxnSpPr>
+            <a:stCxn id="64" idx="1"/>
+            <a:endCxn id="60" idx="3"/>
+          </p:cNvCxnSpPr>
+          <p:nvPr/>
+        </p:nvCxnSpPr>
+        <p:spPr>
+          <a:xfrm flipH="1" flipV="1">
+            <a:off x="3334210" y="4405754"/>
+            <a:ext cx="2232248" cy="278740"/>
+          </a:xfrm>
+          <a:prstGeom prst="straightConnector1">
+            <a:avLst/>
+          </a:prstGeom>
+          <a:ln w="38100">
+            <a:headEnd type="none" w="med" len="med"/>
+            <a:tailEnd type="none" w="med" len="med"/>
+          </a:ln>
+        </p:spPr>
+        <p:style>
+          <a:lnRef idx="1">
+            <a:schemeClr val="accent1"/>
+          </a:lnRef>
+          <a:fillRef idx="0">
+            <a:schemeClr val="accent1"/>
+          </a:fillRef>
+          <a:effectRef idx="0">
+            <a:schemeClr val="accent1"/>
+          </a:effectRef>
+          <a:fontRef idx="minor">
+            <a:schemeClr val="tx1"/>
+          </a:fontRef>
+        </p:style>
+      </p:cxnSp>
+      <p:cxnSp>
+        <p:nvCxnSpPr>
+          <p:cNvPr id="86" name="Прямая со стрелкой 85"/>
+          <p:cNvCxnSpPr>
+            <a:stCxn id="59" idx="1"/>
+            <a:endCxn id="60" idx="3"/>
+          </p:cNvCxnSpPr>
+          <p:nvPr/>
+        </p:nvCxnSpPr>
+        <p:spPr>
+          <a:xfrm flipH="1" flipV="1">
+            <a:off x="3334210" y="4405754"/>
+            <a:ext cx="2232248" cy="1142836"/>
+          </a:xfrm>
+          <a:prstGeom prst="straightConnector1">
+            <a:avLst/>
+          </a:prstGeom>
+          <a:ln w="38100">
+            <a:headEnd type="none" w="med" len="med"/>
+            <a:tailEnd type="none" w="med" len="med"/>
+          </a:ln>
+        </p:spPr>
+        <p:style>
+          <a:lnRef idx="1">
+            <a:schemeClr val="accent1"/>
+          </a:lnRef>
+          <a:fillRef idx="0">
+            <a:schemeClr val="accent1"/>
+          </a:fillRef>
+          <a:effectRef idx="0">
+            <a:schemeClr val="accent1"/>
+          </a:effectRef>
+          <a:fontRef idx="minor">
+            <a:schemeClr val="tx1"/>
+          </a:fontRef>
+        </p:style>
+      </p:cxnSp>
+      <p:cxnSp>
+        <p:nvCxnSpPr>
+          <p:cNvPr id="87" name="Прямая со стрелкой 86"/>
+          <p:cNvCxnSpPr>
+            <a:stCxn id="63" idx="1"/>
+            <a:endCxn id="61" idx="3"/>
+          </p:cNvCxnSpPr>
+          <p:nvPr/>
+        </p:nvCxnSpPr>
+        <p:spPr>
+          <a:xfrm flipH="1">
+            <a:off x="3289510" y="3964414"/>
+            <a:ext cx="2276948" cy="1233428"/>
+          </a:xfrm>
+          <a:prstGeom prst="straightConnector1">
+            <a:avLst/>
+          </a:prstGeom>
+          <a:ln w="38100">
+            <a:headEnd type="none" w="med" len="med"/>
+            <a:tailEnd type="none" w="med" len="med"/>
+          </a:ln>
+        </p:spPr>
+        <p:style>
+          <a:lnRef idx="1">
+            <a:schemeClr val="accent1"/>
+          </a:lnRef>
+          <a:fillRef idx="0">
+            <a:schemeClr val="accent1"/>
+          </a:fillRef>
+          <a:effectRef idx="0">
+            <a:schemeClr val="accent1"/>
+          </a:effectRef>
+          <a:fontRef idx="minor">
+            <a:schemeClr val="tx1"/>
+          </a:fontRef>
+        </p:style>
+      </p:cxnSp>
+      <p:cxnSp>
+        <p:nvCxnSpPr>
+          <p:cNvPr id="88" name="Прямая со стрелкой 87"/>
+          <p:cNvCxnSpPr>
+            <a:stCxn id="63" idx="1"/>
+            <a:endCxn id="58" idx="3"/>
+          </p:cNvCxnSpPr>
+          <p:nvPr/>
+        </p:nvCxnSpPr>
+        <p:spPr>
+          <a:xfrm flipH="1">
+            <a:off x="3267714" y="3964414"/>
+            <a:ext cx="2298744" cy="2016224"/>
+          </a:xfrm>
+          <a:prstGeom prst="straightConnector1">
+            <a:avLst/>
+          </a:prstGeom>
+          <a:ln w="38100">
+            <a:headEnd type="none" w="med" len="med"/>
+            <a:tailEnd type="none" w="med" len="med"/>
+          </a:ln>
+        </p:spPr>
+        <p:style>
+          <a:lnRef idx="1">
+            <a:schemeClr val="accent1"/>
+          </a:lnRef>
+          <a:fillRef idx="0">
+            <a:schemeClr val="accent1"/>
+          </a:fillRef>
+          <a:effectRef idx="0">
+            <a:schemeClr val="accent1"/>
+          </a:effectRef>
+          <a:fontRef idx="minor">
+            <a:schemeClr val="tx1"/>
+          </a:fontRef>
+        </p:style>
+      </p:cxnSp>
+      <p:cxnSp>
+        <p:nvCxnSpPr>
+          <p:cNvPr id="99" name="Прямая со стрелкой 98"/>
+          <p:cNvCxnSpPr>
+            <a:stCxn id="59" idx="1"/>
+            <a:endCxn id="56" idx="6"/>
+          </p:cNvCxnSpPr>
+          <p:nvPr/>
+        </p:nvCxnSpPr>
+        <p:spPr>
+          <a:xfrm flipH="1" flipV="1">
+            <a:off x="3289510" y="5229200"/>
+            <a:ext cx="2276948" cy="319390"/>
+          </a:xfrm>
+          <a:prstGeom prst="straightConnector1">
+            <a:avLst/>
+          </a:prstGeom>
+          <a:ln w="38100">
+            <a:headEnd type="none" w="med" len="med"/>
+            <a:tailEnd type="none" w="med" len="med"/>
+          </a:ln>
+        </p:spPr>
+        <p:style>
+          <a:lnRef idx="1">
+            <a:schemeClr val="accent1"/>
+          </a:lnRef>
+          <a:fillRef idx="0">
+            <a:schemeClr val="accent1"/>
+          </a:fillRef>
+          <a:effectRef idx="0">
+            <a:schemeClr val="accent1"/>
+          </a:effectRef>
+          <a:fontRef idx="minor">
+            <a:schemeClr val="tx1"/>
+          </a:fontRef>
+        </p:style>
+      </p:cxnSp>
+      <p:cxnSp>
+        <p:nvCxnSpPr>
+          <p:cNvPr id="103" name="Прямая со стрелкой 102"/>
+          <p:cNvCxnSpPr>
+            <a:stCxn id="57" idx="3"/>
+            <a:endCxn id="59" idx="1"/>
+          </p:cNvCxnSpPr>
+          <p:nvPr/>
+        </p:nvCxnSpPr>
+        <p:spPr>
+          <a:xfrm>
+            <a:off x="3347864" y="3541658"/>
+            <a:ext cx="2218594" cy="2006932"/>
+          </a:xfrm>
+          <a:prstGeom prst="straightConnector1">
+            <a:avLst/>
+          </a:prstGeom>
+          <a:ln w="38100">
+            <a:headEnd type="none" w="med" len="med"/>
+            <a:tailEnd type="none" w="med" len="med"/>
+          </a:ln>
+        </p:spPr>
+        <p:style>
+          <a:lnRef idx="1">
+            <a:schemeClr val="accent1"/>
+          </a:lnRef>
+          <a:fillRef idx="0">
+            <a:schemeClr val="accent1"/>
+          </a:fillRef>
+          <a:effectRef idx="0">
+            <a:schemeClr val="accent1"/>
+          </a:effectRef>
+          <a:fontRef idx="minor">
+            <a:schemeClr val="tx1"/>
+          </a:fontRef>
+        </p:style>
+      </p:cxnSp>
+      <p:sp>
+        <p:nvSpPr>
+          <p:cNvPr id="31" name="Заголовок 1"/>
           <p:cNvSpPr txBox="1">
             <a:spLocks/>
           </p:cNvSpPr>
@@ -56056,8 +55996,8 @@
         </p:nvSpPr>
         <p:spPr>
           <a:xfrm>
-            <a:off x="838200" y="2780928"/>
-            <a:ext cx="7772400" cy="1656184"/>
+            <a:off x="838200" y="1844825"/>
+            <a:ext cx="7772400" cy="1008111"/>
           </a:xfrm>
           <a:prstGeom prst="rect">
             <a:avLst/>
@@ -56071,25 +56011,19 @@
           <a:p>
             <a:r>
               <a:rPr lang="ru-RU" sz="2000" b="1" dirty="0" smtClean="0"/>
-              <a:t>Алгоритм1:</a:t>
-            </a:r>
-            <a:endParaRPr lang="ru-RU" sz="2000" dirty="0" smtClean="0"/>
-          </a:p>
-          <a:p>
-            <a:pPr>
-              <a:buFont typeface="Arial" pitchFamily="34" charset="0"/>
-              <a:buChar char="•"/>
-            </a:pPr>
+              <a:t>Теорема</a:t>
+            </a:r>
             <a:r>
               <a:rPr lang="ru-RU" sz="2000" dirty="0" smtClean="0"/>
-              <a:t>В соответствии с теоремой, обходом в ширину, ищутся все циклы. По номерам волны можно понять их четность.</a:t>
-            </a:r>
-          </a:p>
-        </p:txBody>
-      </p:sp>
-      <p:sp>
-        <p:nvSpPr>
-          <p:cNvPr id="5" name="Заголовок 1"/>
+              <a:t>: Граф является двудольным тогда и только тогда, когда все его циклы имеют чётную длину.</a:t>
+            </a:r>
+            <a:endParaRPr lang="ru-RU" sz="2000" b="1" dirty="0" smtClean="0"/>
+          </a:p>
+        </p:txBody>
+      </p:sp>
+      <p:sp>
+        <p:nvSpPr>
+          <p:cNvPr id="4" name="Заголовок 1"/>
           <p:cNvSpPr txBox="1">
             <a:spLocks/>
           </p:cNvSpPr>
@@ -56137,59 +56071,6 @@
               <a:rPr lang="ru-RU" sz="2800" dirty="0" smtClean="0"/>
               <a:t>.</a:t>
             </a:r>
-          </a:p>
-        </p:txBody>
-      </p:sp>
-      <p:sp>
-        <p:nvSpPr>
-          <p:cNvPr id="7" name="Заголовок 1"/>
-          <p:cNvSpPr txBox="1">
-            <a:spLocks/>
-          </p:cNvSpPr>
-          <p:nvPr/>
-        </p:nvSpPr>
-        <p:spPr>
-          <a:xfrm>
-            <a:off x="838200" y="1844825"/>
-            <a:ext cx="7772400" cy="1008111"/>
-          </a:xfrm>
-          <a:prstGeom prst="rect">
-            <a:avLst/>
-          </a:prstGeom>
-        </p:spPr>
-        <p:txBody>
-          <a:bodyPr vert="horz" lIns="91440" tIns="45720" rIns="91440" bIns="45720" rtlCol="0" anchor="ctr">
-            <a:normAutofit/>
-          </a:bodyPr>
-          <a:lstStyle/>
-          <a:p>
-            <a:r>
-              <a:rPr lang="ru-RU" sz="2000" b="1" dirty="0" smtClean="0">
-                <a:solidFill>
-                  <a:schemeClr val="bg1">
-                    <a:lumMod val="65000"/>
-                  </a:schemeClr>
-                </a:solidFill>
-              </a:rPr>
-              <a:t>Теорема</a:t>
-            </a:r>
-            <a:r>
-              <a:rPr lang="ru-RU" sz="2000" dirty="0" smtClean="0">
-                <a:solidFill>
-                  <a:schemeClr val="bg1">
-                    <a:lumMod val="65000"/>
-                  </a:schemeClr>
-                </a:solidFill>
-              </a:rPr>
-              <a:t>: Граф является двудольным тогда и только тогда, когда все его циклы имеют чётную длину.</a:t>
-            </a:r>
-            <a:endParaRPr lang="ru-RU" sz="2000" b="1" dirty="0" smtClean="0">
-              <a:solidFill>
-                <a:schemeClr val="bg1">
-                  <a:lumMod val="65000"/>
-                </a:schemeClr>
-              </a:solidFill>
-            </a:endParaRPr>
           </a:p>
         </p:txBody>
       </p:sp>
@@ -56227,7 +56108,7 @@
       </p:grpSpPr>
       <p:sp>
         <p:nvSpPr>
-          <p:cNvPr id="5" name="Заголовок 1"/>
+          <p:cNvPr id="6" name="Заголовок 1"/>
           <p:cNvSpPr txBox="1">
             <a:spLocks/>
           </p:cNvSpPr>
@@ -56235,8 +56116,8 @@
         </p:nvSpPr>
         <p:spPr>
           <a:xfrm>
-            <a:off x="838200" y="1916832"/>
-            <a:ext cx="7772400" cy="3744417"/>
+            <a:off x="838200" y="2780928"/>
+            <a:ext cx="7772400" cy="1656184"/>
           </a:xfrm>
           <a:prstGeom prst="rect">
             <a:avLst/>
@@ -56244,27 +56125,14 @@
         </p:spPr>
         <p:txBody>
           <a:bodyPr vert="horz" lIns="91440" tIns="45720" rIns="91440" bIns="45720" rtlCol="0" anchor="ctr">
-            <a:normAutofit lnSpcReduction="10000"/>
+            <a:normAutofit/>
           </a:bodyPr>
           <a:lstStyle/>
           <a:p>
             <a:r>
               <a:rPr lang="ru-RU" sz="2000" b="1" dirty="0" smtClean="0"/>
-              <a:t>Алгоритм2:</a:t>
-            </a:r>
-            <a:endParaRPr lang="ru-RU" sz="2000" dirty="0" smtClean="0"/>
-          </a:p>
-          <a:p>
-            <a:endParaRPr lang="ru-RU" sz="2000" dirty="0" smtClean="0"/>
-          </a:p>
-          <a:p>
-            <a:pPr algn="ctr"/>
-            <a:r>
-              <a:rPr lang="ru-RU" sz="2000" dirty="0" smtClean="0"/>
-              <a:t>Во время обхода в ширину:</a:t>
-            </a:r>
-          </a:p>
-          <a:p>
+              <a:t>Алгоритм1:</a:t>
+            </a:r>
             <a:endParaRPr lang="ru-RU" sz="2000" dirty="0" smtClean="0"/>
           </a:p>
           <a:p>
@@ -56274,49 +56142,14 @@
             </a:pPr>
             <a:r>
               <a:rPr lang="ru-RU" sz="2000" dirty="0" smtClean="0"/>
-              <a:t>Вершина, из которой начинается обход, помещается в первую долю.</a:t>
-            </a:r>
-          </a:p>
-          <a:p>
-            <a:pPr>
-              <a:buFont typeface="Arial" pitchFamily="34" charset="0"/>
-              <a:buChar char="•"/>
-            </a:pPr>
-            <a:endParaRPr lang="ru-RU" sz="2000" dirty="0" smtClean="0"/>
-          </a:p>
-          <a:p>
-            <a:pPr>
-              <a:buFont typeface="Arial" pitchFamily="34" charset="0"/>
-              <a:buChar char="•"/>
-            </a:pPr>
-            <a:r>
-              <a:rPr lang="ru-RU" sz="2000" dirty="0" smtClean="0"/>
-              <a:t>Новая вершина в процессе обхода помещается в долю, отличную от доли текущей вершины.</a:t>
-            </a:r>
-          </a:p>
-          <a:p>
-            <a:pPr>
-              <a:buFont typeface="Arial" pitchFamily="34" charset="0"/>
-              <a:buChar char="•"/>
-            </a:pPr>
-            <a:endParaRPr lang="ru-RU" sz="2000" dirty="0" smtClean="0"/>
-          </a:p>
-          <a:p>
-            <a:pPr>
-              <a:buFont typeface="Arial" pitchFamily="34" charset="0"/>
-              <a:buChar char="•"/>
-            </a:pPr>
-            <a:r>
-              <a:rPr lang="ru-RU" sz="2000" dirty="0" smtClean="0"/>
-              <a:t>Если же обход направляется по ребру в вершину, которая уже посещена, то проверяется, находятся ли начало ребра и конец в разных долях. Если находятся в одной, то граф двудольным не является.</a:t>
-            </a:r>
-            <a:endParaRPr lang="ru-RU" sz="2000" dirty="0"/>
-          </a:p>
-        </p:txBody>
-      </p:sp>
-      <p:sp>
-        <p:nvSpPr>
-          <p:cNvPr id="6" name="Заголовок 1"/>
+              <a:t>В соответствии с теоремой, обходом в ширину, ищутся все циклы. По номерам волны можно понять их четность.</a:t>
+            </a:r>
+          </a:p>
+        </p:txBody>
+      </p:sp>
+      <p:sp>
+        <p:nvSpPr>
+          <p:cNvPr id="5" name="Заголовок 1"/>
           <p:cNvSpPr txBox="1">
             <a:spLocks/>
           </p:cNvSpPr>
@@ -56364,6 +56197,59 @@
               <a:rPr lang="ru-RU" sz="2800" dirty="0" smtClean="0"/>
               <a:t>.</a:t>
             </a:r>
+          </a:p>
+        </p:txBody>
+      </p:sp>
+      <p:sp>
+        <p:nvSpPr>
+          <p:cNvPr id="7" name="Заголовок 1"/>
+          <p:cNvSpPr txBox="1">
+            <a:spLocks/>
+          </p:cNvSpPr>
+          <p:nvPr/>
+        </p:nvSpPr>
+        <p:spPr>
+          <a:xfrm>
+            <a:off x="838200" y="1844825"/>
+            <a:ext cx="7772400" cy="1008111"/>
+          </a:xfrm>
+          <a:prstGeom prst="rect">
+            <a:avLst/>
+          </a:prstGeom>
+        </p:spPr>
+        <p:txBody>
+          <a:bodyPr vert="horz" lIns="91440" tIns="45720" rIns="91440" bIns="45720" rtlCol="0" anchor="ctr">
+            <a:normAutofit/>
+          </a:bodyPr>
+          <a:lstStyle/>
+          <a:p>
+            <a:r>
+              <a:rPr lang="ru-RU" sz="2000" b="1" dirty="0" smtClean="0">
+                <a:solidFill>
+                  <a:schemeClr val="bg1">
+                    <a:lumMod val="65000"/>
+                  </a:schemeClr>
+                </a:solidFill>
+              </a:rPr>
+              <a:t>Теорема</a:t>
+            </a:r>
+            <a:r>
+              <a:rPr lang="ru-RU" sz="2000" dirty="0" smtClean="0">
+                <a:solidFill>
+                  <a:schemeClr val="bg1">
+                    <a:lumMod val="65000"/>
+                  </a:schemeClr>
+                </a:solidFill>
+              </a:rPr>
+              <a:t>: Граф является двудольным тогда и только тогда, когда все его циклы имеют чётную длину.</a:t>
+            </a:r>
+            <a:endParaRPr lang="ru-RU" sz="2000" b="1" dirty="0" smtClean="0">
+              <a:solidFill>
+                <a:schemeClr val="bg1">
+                  <a:lumMod val="65000"/>
+                </a:schemeClr>
+              </a:solidFill>
+            </a:endParaRPr>
           </a:p>
         </p:txBody>
       </p:sp>
@@ -57813,733 +57699,143 @@
       </p:grpSpPr>
       <p:sp>
         <p:nvSpPr>
-          <p:cNvPr id="2" name="Заголовок 1"/>
-          <p:cNvSpPr>
-            <a:spLocks noGrp="1"/>
+          <p:cNvPr id="5" name="Заголовок 1"/>
+          <p:cNvSpPr txBox="1">
+            <a:spLocks/>
           </p:cNvSpPr>
-          <p:nvPr>
-            <p:ph type="ctrTitle"/>
-          </p:nvPr>
-        </p:nvSpPr>
-        <p:spPr>
-          <a:xfrm>
-            <a:off x="2555776" y="332656"/>
-            <a:ext cx="5902424" cy="6264696"/>
-          </a:xfrm>
-        </p:spPr>
-        <p:txBody>
-          <a:bodyPr>
-            <a:noAutofit/>
-          </a:bodyPr>
-          <a:lstStyle/>
-          <a:p>
-            <a:pPr algn="l"/>
-            <a:r>
-              <a:rPr lang="en-US" sz="1600" dirty="0" smtClean="0">
-                <a:solidFill>
-                  <a:schemeClr val="tx2">
-                    <a:lumMod val="60000"/>
-                    <a:lumOff val="40000"/>
-                  </a:schemeClr>
-                </a:solidFill>
-              </a:rPr>
-              <a:t>BFS</a:t>
-            </a:r>
-            <a:r>
-              <a:rPr lang="ru-RU" sz="1600" dirty="0" smtClean="0">
-                <a:solidFill>
-                  <a:schemeClr val="tx2">
-                    <a:lumMod val="60000"/>
-                    <a:lumOff val="40000"/>
-                  </a:schemeClr>
-                </a:solidFill>
-              </a:rPr>
-              <a:t> (</a:t>
-            </a:r>
-            <a:r>
-              <a:rPr lang="en-US" sz="1600" dirty="0" smtClean="0">
-                <a:solidFill>
-                  <a:schemeClr val="tx2">
-                    <a:lumMod val="60000"/>
-                    <a:lumOff val="40000"/>
-                  </a:schemeClr>
-                </a:solidFill>
-              </a:rPr>
-              <a:t>G</a:t>
-            </a:r>
-            <a:r>
-              <a:rPr lang="ru-RU" sz="1600" dirty="0" smtClean="0">
-                <a:solidFill>
-                  <a:schemeClr val="tx2">
-                    <a:lumMod val="60000"/>
-                    <a:lumOff val="40000"/>
-                  </a:schemeClr>
-                </a:solidFill>
-              </a:rPr>
-              <a:t>)</a:t>
-            </a:r>
-            <a:br>
-              <a:rPr lang="ru-RU" sz="1600" dirty="0" smtClean="0">
-                <a:solidFill>
-                  <a:schemeClr val="tx2">
-                    <a:lumMod val="60000"/>
-                    <a:lumOff val="40000"/>
-                  </a:schemeClr>
-                </a:solidFill>
-              </a:rPr>
-            </a:br>
-            <a:r>
-              <a:rPr lang="en-US" sz="1600" b="1" dirty="0" smtClean="0">
-                <a:solidFill>
-                  <a:schemeClr val="tx2">
-                    <a:lumMod val="60000"/>
-                    <a:lumOff val="40000"/>
-                  </a:schemeClr>
-                </a:solidFill>
-              </a:rPr>
-              <a:t>for</a:t>
-            </a:r>
-            <a:r>
-              <a:rPr lang="ru-RU" sz="1600" dirty="0" smtClean="0">
-                <a:solidFill>
-                  <a:schemeClr val="tx2">
-                    <a:lumMod val="60000"/>
-                    <a:lumOff val="40000"/>
-                  </a:schemeClr>
-                </a:solidFill>
-              </a:rPr>
-              <a:t> (для) каждой </a:t>
-            </a:r>
-            <a:r>
-              <a:rPr lang="ru-RU" sz="1600" dirty="0" err="1" smtClean="0">
-                <a:solidFill>
-                  <a:schemeClr val="tx2">
-                    <a:lumMod val="60000"/>
-                    <a:lumOff val="40000"/>
-                  </a:schemeClr>
-                </a:solidFill>
-              </a:rPr>
-              <a:t>u</a:t>
-            </a:r>
-            <a:r>
-              <a:rPr lang="ru-RU" sz="1600" dirty="0" smtClean="0">
-                <a:solidFill>
-                  <a:schemeClr val="tx2">
-                    <a:lumMod val="60000"/>
-                    <a:lumOff val="40000"/>
-                  </a:schemeClr>
-                </a:solidFill>
-              </a:rPr>
-              <a:t> ∈ V[G] </a:t>
-            </a:r>
-            <a:r>
-              <a:rPr lang="en-US" sz="1600" b="1" dirty="0" smtClean="0">
-                <a:solidFill>
-                  <a:schemeClr val="tx2">
-                    <a:lumMod val="60000"/>
-                    <a:lumOff val="40000"/>
-                  </a:schemeClr>
-                </a:solidFill>
-              </a:rPr>
-              <a:t>do</a:t>
-            </a:r>
-            <a:r>
-              <a:rPr lang="ru-RU" sz="1600" dirty="0" smtClean="0">
-                <a:solidFill>
-                  <a:schemeClr val="tx2">
-                    <a:lumMod val="60000"/>
-                    <a:lumOff val="40000"/>
-                  </a:schemeClr>
-                </a:solidFill>
-              </a:rPr>
-              <a:t/>
-            </a:r>
-            <a:br>
-              <a:rPr lang="ru-RU" sz="1600" dirty="0" smtClean="0">
-                <a:solidFill>
-                  <a:schemeClr val="tx2">
-                    <a:lumMod val="60000"/>
-                    <a:lumOff val="40000"/>
-                  </a:schemeClr>
-                </a:solidFill>
-              </a:rPr>
-            </a:br>
-            <a:r>
-              <a:rPr lang="ru-RU" sz="1600" dirty="0" smtClean="0">
-                <a:solidFill>
-                  <a:schemeClr val="tx2">
-                    <a:lumMod val="60000"/>
-                    <a:lumOff val="40000"/>
-                  </a:schemeClr>
-                </a:solidFill>
-              </a:rPr>
-              <a:t>	</a:t>
-            </a:r>
-            <a:r>
-              <a:rPr lang="en-US" sz="1600" dirty="0" smtClean="0">
-                <a:solidFill>
-                  <a:schemeClr val="tx2">
-                    <a:lumMod val="60000"/>
-                    <a:lumOff val="40000"/>
-                  </a:schemeClr>
-                </a:solidFill>
-              </a:rPr>
-              <a:t>color[u] ⟵ WHITE</a:t>
-            </a:r>
-            <a:br>
-              <a:rPr lang="en-US" sz="1600" dirty="0" smtClean="0">
-                <a:solidFill>
-                  <a:schemeClr val="tx2">
-                    <a:lumMod val="60000"/>
-                    <a:lumOff val="40000"/>
-                  </a:schemeClr>
-                </a:solidFill>
-              </a:rPr>
-            </a:br>
-            <a:r>
-              <a:rPr lang="ru-RU" sz="1600" dirty="0" smtClean="0">
-                <a:solidFill>
-                  <a:schemeClr val="tx2">
-                    <a:lumMod val="60000"/>
-                    <a:lumOff val="40000"/>
-                  </a:schemeClr>
-                </a:solidFill>
-              </a:rPr>
-              <a:t>	</a:t>
-            </a:r>
-            <a:r>
-              <a:rPr lang="en-US" sz="1600" dirty="0" smtClean="0">
-                <a:solidFill>
-                  <a:schemeClr val="tx2">
-                    <a:lumMod val="60000"/>
-                    <a:lumOff val="40000"/>
-                  </a:schemeClr>
-                </a:solidFill>
-              </a:rPr>
-              <a:t>part[u] ⟵ 0</a:t>
-            </a:r>
-            <a:r>
-              <a:rPr lang="ru-RU" sz="1600" dirty="0" smtClean="0">
-                <a:solidFill>
-                  <a:schemeClr val="tx2">
-                    <a:lumMod val="60000"/>
-                    <a:lumOff val="40000"/>
-                  </a:schemeClr>
-                </a:solidFill>
-              </a:rPr>
-              <a:t/>
-            </a:r>
-            <a:br>
-              <a:rPr lang="ru-RU" sz="1600" dirty="0" smtClean="0">
-                <a:solidFill>
-                  <a:schemeClr val="tx2">
-                    <a:lumMod val="60000"/>
-                    <a:lumOff val="40000"/>
-                  </a:schemeClr>
-                </a:solidFill>
-              </a:rPr>
-            </a:br>
-            <a:r>
-              <a:rPr lang="en-US" sz="1600" dirty="0" smtClean="0">
-                <a:solidFill>
-                  <a:schemeClr val="tx2">
-                    <a:lumMod val="60000"/>
-                    <a:lumOff val="40000"/>
-                  </a:schemeClr>
-                </a:solidFill>
-              </a:rPr>
-              <a:t>time ⟵ 0</a:t>
-            </a:r>
-            <a:r>
-              <a:rPr lang="ru-RU" sz="1600" dirty="0" smtClean="0">
-                <a:solidFill>
-                  <a:schemeClr val="tx2">
-                    <a:lumMod val="60000"/>
-                    <a:lumOff val="40000"/>
-                  </a:schemeClr>
-                </a:solidFill>
-              </a:rPr>
-              <a:t/>
-            </a:r>
-            <a:br>
-              <a:rPr lang="ru-RU" sz="1600" dirty="0" smtClean="0">
-                <a:solidFill>
-                  <a:schemeClr val="tx2">
-                    <a:lumMod val="60000"/>
-                    <a:lumOff val="40000"/>
-                  </a:schemeClr>
-                </a:solidFill>
-              </a:rPr>
-            </a:br>
-            <a:r>
-              <a:rPr lang="en-US" sz="1600" b="1" dirty="0" smtClean="0">
-                <a:solidFill>
-                  <a:schemeClr val="tx2">
-                    <a:lumMod val="60000"/>
-                    <a:lumOff val="40000"/>
-                  </a:schemeClr>
-                </a:solidFill>
-              </a:rPr>
-              <a:t>for</a:t>
-            </a:r>
-            <a:r>
-              <a:rPr lang="ru-RU" sz="1600" dirty="0" smtClean="0">
-                <a:solidFill>
-                  <a:schemeClr val="tx2">
-                    <a:lumMod val="60000"/>
-                    <a:lumOff val="40000"/>
-                  </a:schemeClr>
-                </a:solidFill>
-              </a:rPr>
-              <a:t> (для) каждой </a:t>
-            </a:r>
-            <a:r>
-              <a:rPr lang="ru-RU" sz="1600" dirty="0" err="1" smtClean="0">
-                <a:solidFill>
-                  <a:schemeClr val="tx2">
-                    <a:lumMod val="60000"/>
-                    <a:lumOff val="40000"/>
-                  </a:schemeClr>
-                </a:solidFill>
-              </a:rPr>
-              <a:t>u</a:t>
-            </a:r>
-            <a:r>
-              <a:rPr lang="ru-RU" sz="1600" dirty="0" smtClean="0">
-                <a:solidFill>
-                  <a:schemeClr val="tx2">
-                    <a:lumMod val="60000"/>
-                    <a:lumOff val="40000"/>
-                  </a:schemeClr>
-                </a:solidFill>
-              </a:rPr>
-              <a:t> ∈ V[G] </a:t>
-            </a:r>
-            <a:r>
-              <a:rPr lang="en-US" sz="1600" b="1" dirty="0" smtClean="0">
-                <a:solidFill>
-                  <a:schemeClr val="tx2">
-                    <a:lumMod val="60000"/>
-                    <a:lumOff val="40000"/>
-                  </a:schemeClr>
-                </a:solidFill>
-              </a:rPr>
-              <a:t>do</a:t>
-            </a:r>
-            <a:r>
-              <a:rPr lang="ru-RU" sz="1600" dirty="0" smtClean="0">
-                <a:solidFill>
-                  <a:schemeClr val="tx2">
-                    <a:lumMod val="60000"/>
-                    <a:lumOff val="40000"/>
-                  </a:schemeClr>
-                </a:solidFill>
-              </a:rPr>
-              <a:t/>
-            </a:r>
-            <a:br>
-              <a:rPr lang="ru-RU" sz="1600" dirty="0" smtClean="0">
-                <a:solidFill>
-                  <a:schemeClr val="tx2">
-                    <a:lumMod val="60000"/>
-                    <a:lumOff val="40000"/>
-                  </a:schemeClr>
-                </a:solidFill>
-              </a:rPr>
-            </a:br>
-            <a:r>
-              <a:rPr lang="ru-RU" sz="1600" dirty="0" smtClean="0">
-                <a:solidFill>
-                  <a:schemeClr val="tx2">
-                    <a:lumMod val="60000"/>
-                    <a:lumOff val="40000"/>
-                  </a:schemeClr>
-                </a:solidFill>
-              </a:rPr>
-              <a:t>	</a:t>
-            </a:r>
-            <a:r>
-              <a:rPr lang="en-US" sz="1600" b="1" dirty="0" smtClean="0">
-                <a:solidFill>
-                  <a:schemeClr val="tx2">
-                    <a:lumMod val="60000"/>
-                    <a:lumOff val="40000"/>
-                  </a:schemeClr>
-                </a:solidFill>
-              </a:rPr>
-              <a:t>if</a:t>
-            </a:r>
-            <a:r>
-              <a:rPr lang="en-US" sz="1600" dirty="0" smtClean="0">
-                <a:solidFill>
-                  <a:schemeClr val="tx2">
-                    <a:lumMod val="60000"/>
-                    <a:lumOff val="40000"/>
-                  </a:schemeClr>
-                </a:solidFill>
-              </a:rPr>
-              <a:t> color[u] = WHITE </a:t>
-            </a:r>
-            <a:r>
-              <a:rPr lang="en-US" sz="1600" b="1" dirty="0" smtClean="0">
-                <a:solidFill>
-                  <a:schemeClr val="tx2">
-                    <a:lumMod val="60000"/>
-                    <a:lumOff val="40000"/>
-                  </a:schemeClr>
-                </a:solidFill>
-              </a:rPr>
-              <a:t>then</a:t>
-            </a:r>
-            <a:r>
-              <a:rPr lang="ru-RU" sz="1600" dirty="0" smtClean="0">
-                <a:solidFill>
-                  <a:schemeClr val="tx2">
-                    <a:lumMod val="60000"/>
-                    <a:lumOff val="40000"/>
-                  </a:schemeClr>
-                </a:solidFill>
-              </a:rPr>
-              <a:t/>
-            </a:r>
-            <a:br>
-              <a:rPr lang="ru-RU" sz="1600" dirty="0" smtClean="0">
-                <a:solidFill>
-                  <a:schemeClr val="tx2">
-                    <a:lumMod val="60000"/>
-                    <a:lumOff val="40000"/>
-                  </a:schemeClr>
-                </a:solidFill>
-              </a:rPr>
-            </a:br>
-            <a:r>
-              <a:rPr lang="en-US" sz="1600" dirty="0" smtClean="0">
-                <a:solidFill>
-                  <a:schemeClr val="tx2">
-                    <a:lumMod val="60000"/>
-                    <a:lumOff val="40000"/>
-                  </a:schemeClr>
-                </a:solidFill>
-              </a:rPr>
-              <a:t>		</a:t>
-            </a:r>
-            <a:r>
-              <a:rPr lang="en-US" sz="1600" dirty="0" err="1" smtClean="0">
-                <a:solidFill>
-                  <a:schemeClr val="tx2">
-                    <a:lumMod val="60000"/>
-                    <a:lumOff val="40000"/>
-                  </a:schemeClr>
-                </a:solidFill>
-              </a:rPr>
-              <a:t>BFS_Visit</a:t>
-            </a:r>
-            <a:r>
-              <a:rPr lang="en-US" sz="1600" dirty="0" smtClean="0">
-                <a:solidFill>
-                  <a:schemeClr val="tx2">
-                    <a:lumMod val="60000"/>
-                    <a:lumOff val="40000"/>
-                  </a:schemeClr>
-                </a:solidFill>
-              </a:rPr>
-              <a:t>(G, u) </a:t>
-            </a:r>
-            <a:r>
-              <a:rPr lang="ru-RU" sz="1600" dirty="0" smtClean="0"/>
-              <a:t/>
-            </a:r>
-            <a:br>
-              <a:rPr lang="ru-RU" sz="1600" dirty="0" smtClean="0"/>
-            </a:br>
-            <a:r>
-              <a:rPr lang="ru-RU" sz="1600" dirty="0" smtClean="0"/>
-              <a:t/>
-            </a:r>
-            <a:br>
-              <a:rPr lang="ru-RU" sz="1600" dirty="0" smtClean="0"/>
-            </a:br>
-            <a:r>
-              <a:rPr lang="en-US" sz="1600" dirty="0" err="1" smtClean="0"/>
-              <a:t>BFS_Visit</a:t>
-            </a:r>
-            <a:r>
-              <a:rPr lang="ru-RU" sz="1600" dirty="0" smtClean="0"/>
-              <a:t> (</a:t>
-            </a:r>
-            <a:r>
-              <a:rPr lang="en-US" sz="1600" dirty="0" smtClean="0"/>
-              <a:t>G</a:t>
-            </a:r>
-            <a:r>
-              <a:rPr lang="ru-RU" sz="1600" dirty="0" smtClean="0"/>
-              <a:t>, </a:t>
-            </a:r>
-            <a:r>
-              <a:rPr lang="en-US" sz="1600" dirty="0" smtClean="0"/>
-              <a:t>s</a:t>
-            </a:r>
-            <a:r>
-              <a:rPr lang="ru-RU" sz="1600" dirty="0" smtClean="0"/>
-              <a:t>)</a:t>
-            </a:r>
-            <a:br>
-              <a:rPr lang="ru-RU" sz="1600" dirty="0" smtClean="0"/>
-            </a:br>
-            <a:r>
-              <a:rPr lang="en-US" sz="1600" dirty="0" smtClean="0"/>
-              <a:t>color[s] ⟵ GRAY</a:t>
-            </a:r>
-            <a:r>
-              <a:rPr lang="ru-RU" sz="1600" dirty="0" smtClean="0"/>
-              <a:t/>
-            </a:r>
-            <a:br>
-              <a:rPr lang="ru-RU" sz="1600" dirty="0" smtClean="0"/>
-            </a:br>
-            <a:r>
-              <a:rPr lang="en-US" sz="1600" dirty="0" smtClean="0"/>
-              <a:t>part[s] ⟵ 1</a:t>
-            </a:r>
-            <a:r>
-              <a:rPr lang="ru-RU" sz="1600" dirty="0" smtClean="0">
-                <a:solidFill>
-                  <a:schemeClr val="tx2">
-                    <a:lumMod val="60000"/>
-                    <a:lumOff val="40000"/>
-                  </a:schemeClr>
-                </a:solidFill>
-              </a:rPr>
-              <a:t/>
-            </a:r>
-            <a:br>
-              <a:rPr lang="ru-RU" sz="1600" dirty="0" smtClean="0">
-                <a:solidFill>
-                  <a:schemeClr val="tx2">
-                    <a:lumMod val="60000"/>
-                    <a:lumOff val="40000"/>
-                  </a:schemeClr>
-                </a:solidFill>
-              </a:rPr>
-            </a:br>
-            <a:r>
-              <a:rPr lang="en-US" sz="1600" dirty="0" smtClean="0"/>
-              <a:t>Q ⟵ ∅</a:t>
-            </a:r>
-            <a:r>
-              <a:rPr lang="ru-RU" sz="1600" dirty="0" smtClean="0"/>
-              <a:t/>
-            </a:r>
-            <a:br>
-              <a:rPr lang="ru-RU" sz="1600" dirty="0" smtClean="0"/>
-            </a:br>
-            <a:r>
-              <a:rPr lang="ru-RU" sz="1600" dirty="0" smtClean="0"/>
-              <a:t>В очередь(</a:t>
-            </a:r>
-            <a:r>
-              <a:rPr lang="en-US" sz="1600" dirty="0" smtClean="0"/>
-              <a:t>Q, s)</a:t>
-            </a:r>
-            <a:r>
-              <a:rPr lang="ru-RU" sz="1600" dirty="0" smtClean="0"/>
-              <a:t/>
-            </a:r>
-            <a:br>
-              <a:rPr lang="ru-RU" sz="1600" dirty="0" smtClean="0"/>
-            </a:br>
-            <a:r>
-              <a:rPr lang="en-US" sz="1600" b="1" dirty="0" smtClean="0"/>
-              <a:t>while</a:t>
-            </a:r>
-            <a:r>
-              <a:rPr lang="en-US" sz="1600" dirty="0" smtClean="0"/>
-              <a:t> Q ≠ ∅ </a:t>
-            </a:r>
-            <a:r>
-              <a:rPr lang="en-US" sz="1600" b="1" dirty="0" smtClean="0"/>
-              <a:t>do</a:t>
-            </a:r>
-            <a:r>
-              <a:rPr lang="ru-RU" sz="1600" dirty="0" smtClean="0"/>
-              <a:t/>
-            </a:r>
-            <a:br>
-              <a:rPr lang="ru-RU" sz="1600" dirty="0" smtClean="0"/>
-            </a:br>
-            <a:r>
-              <a:rPr lang="en-US" sz="1600" dirty="0" smtClean="0"/>
-              <a:t>	u ⟵ </a:t>
-            </a:r>
-            <a:r>
-              <a:rPr lang="ru-RU" sz="1600" dirty="0" smtClean="0"/>
-              <a:t>из очереди(</a:t>
-            </a:r>
-            <a:r>
-              <a:rPr lang="en-US" sz="1600" dirty="0" smtClean="0"/>
-              <a:t>Q</a:t>
-            </a:r>
-            <a:r>
-              <a:rPr lang="ru-RU" sz="1600" dirty="0" smtClean="0"/>
-              <a:t>)</a:t>
-            </a:r>
-            <a:br>
-              <a:rPr lang="ru-RU" sz="1600" dirty="0" smtClean="0"/>
-            </a:br>
-            <a:r>
-              <a:rPr lang="ru-RU" sz="1600" dirty="0" smtClean="0"/>
-              <a:t>	</a:t>
-            </a:r>
-            <a:r>
-              <a:rPr lang="en-US" sz="1600" b="1" dirty="0" smtClean="0"/>
-              <a:t>for</a:t>
-            </a:r>
-            <a:r>
-              <a:rPr lang="en-US" sz="1600" dirty="0" smtClean="0"/>
-              <a:t> </a:t>
-            </a:r>
-            <a:r>
-              <a:rPr lang="ru-RU" sz="1600" dirty="0" smtClean="0"/>
-              <a:t>(для) каждой </a:t>
-            </a:r>
-            <a:r>
-              <a:rPr lang="en-US" sz="1600" dirty="0" smtClean="0"/>
-              <a:t>v </a:t>
-            </a:r>
-            <a:r>
-              <a:rPr lang="ru-RU" sz="1600" dirty="0" smtClean="0"/>
-              <a:t>∈ </a:t>
-            </a:r>
-            <a:r>
-              <a:rPr lang="en-US" sz="1600" dirty="0" err="1" smtClean="0"/>
-              <a:t>Adj</a:t>
-            </a:r>
-            <a:r>
-              <a:rPr lang="ru-RU" sz="1600" dirty="0" smtClean="0"/>
-              <a:t>[</a:t>
-            </a:r>
-            <a:r>
-              <a:rPr lang="en-US" sz="1600" dirty="0" smtClean="0"/>
-              <a:t>u</a:t>
-            </a:r>
-            <a:r>
-              <a:rPr lang="ru-RU" sz="1600" dirty="0" smtClean="0"/>
-              <a:t>] </a:t>
-            </a:r>
-            <a:r>
-              <a:rPr lang="en-US" sz="1600" b="1" dirty="0" smtClean="0"/>
-              <a:t>do</a:t>
-            </a:r>
-            <a:r>
-              <a:rPr lang="ru-RU" sz="1600" dirty="0" smtClean="0"/>
-              <a:t/>
-            </a:r>
-            <a:br>
-              <a:rPr lang="ru-RU" sz="1600" dirty="0" smtClean="0"/>
-            </a:br>
-            <a:r>
-              <a:rPr lang="ru-RU" sz="1600" dirty="0" smtClean="0"/>
-              <a:t>		</a:t>
-            </a:r>
-            <a:r>
-              <a:rPr lang="en-US" sz="1600" b="1" dirty="0" smtClean="0"/>
-              <a:t>If</a:t>
-            </a:r>
-            <a:r>
-              <a:rPr lang="en-US" sz="1600" dirty="0" smtClean="0"/>
-              <a:t> color[v] </a:t>
-            </a:r>
-            <a:r>
-              <a:rPr lang="ru-RU" sz="1600" dirty="0" smtClean="0"/>
-              <a:t>=</a:t>
-            </a:r>
-            <a:r>
-              <a:rPr lang="en-US" sz="1600" dirty="0" smtClean="0"/>
-              <a:t> WHITE </a:t>
-            </a:r>
-            <a:r>
-              <a:rPr lang="en-US" sz="1600" b="1" dirty="0" smtClean="0"/>
-              <a:t>than</a:t>
-            </a:r>
-            <a:r>
-              <a:rPr lang="ru-RU" sz="1600" dirty="0" smtClean="0"/>
-              <a:t/>
-            </a:r>
-            <a:br>
-              <a:rPr lang="ru-RU" sz="1600" dirty="0" smtClean="0"/>
-            </a:br>
-            <a:r>
-              <a:rPr lang="en-US" sz="1600" dirty="0" smtClean="0"/>
-              <a:t>			color[v] ⟵ GRAY</a:t>
-            </a:r>
-            <a:r>
-              <a:rPr lang="ru-RU" sz="1600" dirty="0" smtClean="0"/>
-              <a:t/>
-            </a:r>
-            <a:br>
-              <a:rPr lang="ru-RU" sz="1600" dirty="0" smtClean="0"/>
-            </a:br>
-            <a:r>
-              <a:rPr lang="en-US" sz="1600" dirty="0" smtClean="0"/>
-              <a:t>			part[v] ⟵ (part[u] +1) mod 2</a:t>
-            </a:r>
-            <a:r>
-              <a:rPr lang="ru-RU" sz="1600" dirty="0" smtClean="0"/>
-              <a:t/>
-            </a:r>
-            <a:br>
-              <a:rPr lang="ru-RU" sz="1600" dirty="0" smtClean="0"/>
-            </a:br>
-            <a:r>
-              <a:rPr lang="en-US" sz="1600" dirty="0" smtClean="0"/>
-              <a:t>			</a:t>
-            </a:r>
-            <a:r>
-              <a:rPr lang="ru-RU" sz="1600" dirty="0" smtClean="0"/>
-              <a:t>В очередь(</a:t>
-            </a:r>
-            <a:r>
-              <a:rPr lang="en-US" sz="1600" dirty="0" smtClean="0"/>
-              <a:t>Q, v)</a:t>
-            </a:r>
-            <a:br>
-              <a:rPr lang="en-US" sz="1600" dirty="0" smtClean="0"/>
-            </a:br>
-            <a:r>
-              <a:rPr lang="en-US" sz="1600" dirty="0" smtClean="0"/>
-              <a:t>	</a:t>
-            </a:r>
-            <a:r>
-              <a:rPr lang="en-US" sz="1600" smtClean="0"/>
-              <a:t>	</a:t>
-            </a:r>
-            <a:r>
-              <a:rPr lang="en-US" sz="1600" b="1" smtClean="0"/>
-              <a:t>else</a:t>
-            </a:r>
-            <a:r>
-              <a:rPr lang="en-US" sz="1600" b="1" dirty="0" smtClean="0"/>
-              <a:t/>
-            </a:r>
-            <a:br>
-              <a:rPr lang="en-US" sz="1600" b="1" dirty="0" smtClean="0"/>
-            </a:br>
-            <a:r>
-              <a:rPr lang="en-US" sz="1600" b="1" dirty="0" smtClean="0"/>
-              <a:t>			return ERROR</a:t>
-            </a:r>
-            <a:r>
-              <a:rPr lang="en-US" sz="1600" dirty="0" smtClean="0"/>
-              <a:t/>
-            </a:r>
-            <a:br>
-              <a:rPr lang="en-US" sz="1600" dirty="0" smtClean="0"/>
-            </a:br>
-            <a:r>
-              <a:rPr lang="en-US" sz="1600" dirty="0" smtClean="0"/>
-              <a:t>	 color[v] ⟵ BLACK</a:t>
-            </a:r>
-            <a:endParaRPr lang="ru-RU" sz="1600" dirty="0"/>
+          <p:nvPr/>
+        </p:nvSpPr>
+        <p:spPr>
+          <a:xfrm>
+            <a:off x="838200" y="1916832"/>
+            <a:ext cx="7772400" cy="3744417"/>
+          </a:xfrm>
+          <a:prstGeom prst="rect">
+            <a:avLst/>
+          </a:prstGeom>
+        </p:spPr>
+        <p:txBody>
+          <a:bodyPr vert="horz" lIns="91440" tIns="45720" rIns="91440" bIns="45720" rtlCol="0" anchor="ctr">
+            <a:normAutofit lnSpcReduction="10000"/>
+          </a:bodyPr>
+          <a:lstStyle/>
+          <a:p>
+            <a:r>
+              <a:rPr lang="ru-RU" sz="2000" b="1" dirty="0" smtClean="0"/>
+              <a:t>Алгоритм2:</a:t>
+            </a:r>
+            <a:endParaRPr lang="ru-RU" sz="2000" dirty="0" smtClean="0"/>
+          </a:p>
+          <a:p>
+            <a:endParaRPr lang="ru-RU" sz="2000" dirty="0" smtClean="0"/>
+          </a:p>
+          <a:p>
+            <a:pPr algn="ctr"/>
+            <a:r>
+              <a:rPr lang="ru-RU" sz="2000" dirty="0" smtClean="0"/>
+              <a:t>Во время обхода в ширину:</a:t>
+            </a:r>
+          </a:p>
+          <a:p>
+            <a:endParaRPr lang="ru-RU" sz="2000" dirty="0" smtClean="0"/>
+          </a:p>
+          <a:p>
+            <a:pPr>
+              <a:buFont typeface="Arial" pitchFamily="34" charset="0"/>
+              <a:buChar char="•"/>
+            </a:pPr>
+            <a:r>
+              <a:rPr lang="ru-RU" sz="2000" dirty="0" smtClean="0"/>
+              <a:t>Вершина, из которой начинается обход, помещается в первую долю.</a:t>
+            </a:r>
+          </a:p>
+          <a:p>
+            <a:pPr>
+              <a:buFont typeface="Arial" pitchFamily="34" charset="0"/>
+              <a:buChar char="•"/>
+            </a:pPr>
+            <a:endParaRPr lang="ru-RU" sz="2000" dirty="0" smtClean="0"/>
+          </a:p>
+          <a:p>
+            <a:pPr>
+              <a:buFont typeface="Arial" pitchFamily="34" charset="0"/>
+              <a:buChar char="•"/>
+            </a:pPr>
+            <a:r>
+              <a:rPr lang="ru-RU" sz="2000" dirty="0" smtClean="0"/>
+              <a:t>Новая вершина в процессе обхода помещается в долю, отличную от доли текущей вершины.</a:t>
+            </a:r>
+          </a:p>
+          <a:p>
+            <a:pPr>
+              <a:buFont typeface="Arial" pitchFamily="34" charset="0"/>
+              <a:buChar char="•"/>
+            </a:pPr>
+            <a:endParaRPr lang="ru-RU" sz="2000" dirty="0" smtClean="0"/>
+          </a:p>
+          <a:p>
+            <a:pPr>
+              <a:buFont typeface="Arial" pitchFamily="34" charset="0"/>
+              <a:buChar char="•"/>
+            </a:pPr>
+            <a:r>
+              <a:rPr lang="ru-RU" sz="2000" dirty="0" smtClean="0"/>
+              <a:t>Если же обход направляется по ребру в вершину, которая уже посещена, то проверяется, находятся ли начало ребра и конец в разных долях. Если находятся в одной, то граф двудольным не является.</a:t>
+            </a:r>
+            <a:endParaRPr lang="ru-RU" sz="2000" dirty="0"/>
+          </a:p>
+        </p:txBody>
+      </p:sp>
+      <p:sp>
+        <p:nvSpPr>
+          <p:cNvPr id="6" name="Заголовок 1"/>
+          <p:cNvSpPr txBox="1">
+            <a:spLocks/>
+          </p:cNvSpPr>
+          <p:nvPr/>
+        </p:nvSpPr>
+        <p:spPr>
+          <a:xfrm>
+            <a:off x="683568" y="404664"/>
+            <a:ext cx="7772400" cy="1470025"/>
+          </a:xfrm>
+          <a:prstGeom prst="rect">
+            <a:avLst/>
+          </a:prstGeom>
+        </p:spPr>
+        <p:txBody>
+          <a:bodyPr vert="horz" lIns="91440" tIns="45720" rIns="91440" bIns="45720" rtlCol="0" anchor="ctr">
+            <a:normAutofit/>
+          </a:bodyPr>
+          <a:lstStyle/>
+          <a:p>
+            <a:pPr marL="514350" indent="-514350">
+              <a:spcBef>
+                <a:spcPct val="0"/>
+              </a:spcBef>
+              <a:buFont typeface="+mj-lt"/>
+              <a:buAutoNum type="arabicPeriod" startAt="9"/>
+            </a:pPr>
+            <a:r>
+              <a:rPr lang="ru-RU" sz="2800" dirty="0" smtClean="0"/>
+              <a:t>Проверка </a:t>
+            </a:r>
+            <a:r>
+              <a:rPr lang="ru-RU" sz="2800" dirty="0" err="1" smtClean="0"/>
+              <a:t>НЕориентированного</a:t>
+            </a:r>
+            <a:r>
+              <a:rPr lang="ru-RU" sz="2800" dirty="0" smtClean="0"/>
+              <a:t> графа на </a:t>
+            </a:r>
+            <a:r>
+              <a:rPr lang="ru-RU" sz="2800" b="1" dirty="0" err="1" smtClean="0"/>
+              <a:t>двудольность</a:t>
+            </a:r>
+            <a:r>
+              <a:rPr lang="ru-RU" sz="2800" dirty="0" smtClean="0"/>
+              <a:t>.</a:t>
+            </a:r>
           </a:p>
         </p:txBody>
       </p:sp>
@@ -58559,6 +57855,770 @@
 </file>
 
 <file path=ppt/slides/slide71.xml><?xml version="1.0" encoding="utf-8"?>
+<p:sld xmlns:a="http://schemas.openxmlformats.org/drawingml/2006/main" xmlns:r="http://schemas.openxmlformats.org/officeDocument/2006/relationships" xmlns:p="http://schemas.openxmlformats.org/presentationml/2006/main">
+  <p:cSld>
+    <p:spTree>
+      <p:nvGrpSpPr>
+        <p:cNvPr id="1" name=""/>
+        <p:cNvGrpSpPr/>
+        <p:nvPr/>
+      </p:nvGrpSpPr>
+      <p:grpSpPr>
+        <a:xfrm>
+          <a:off x="0" y="0"/>
+          <a:ext cx="0" cy="0"/>
+          <a:chOff x="0" y="0"/>
+          <a:chExt cx="0" cy="0"/>
+        </a:xfrm>
+      </p:grpSpPr>
+      <p:sp>
+        <p:nvSpPr>
+          <p:cNvPr id="2" name="Заголовок 1"/>
+          <p:cNvSpPr>
+            <a:spLocks noGrp="1"/>
+          </p:cNvSpPr>
+          <p:nvPr>
+            <p:ph type="ctrTitle"/>
+          </p:nvPr>
+        </p:nvSpPr>
+        <p:spPr>
+          <a:xfrm>
+            <a:off x="2555776" y="332656"/>
+            <a:ext cx="5902424" cy="6264696"/>
+          </a:xfrm>
+        </p:spPr>
+        <p:txBody>
+          <a:bodyPr>
+            <a:noAutofit/>
+          </a:bodyPr>
+          <a:lstStyle/>
+          <a:p>
+            <a:pPr algn="l"/>
+            <a:r>
+              <a:rPr lang="en-US" sz="1600" dirty="0" smtClean="0">
+                <a:solidFill>
+                  <a:schemeClr val="tx2">
+                    <a:lumMod val="60000"/>
+                    <a:lumOff val="40000"/>
+                  </a:schemeClr>
+                </a:solidFill>
+              </a:rPr>
+              <a:t>BFS</a:t>
+            </a:r>
+            <a:r>
+              <a:rPr lang="ru-RU" sz="1600" dirty="0" smtClean="0">
+                <a:solidFill>
+                  <a:schemeClr val="tx2">
+                    <a:lumMod val="60000"/>
+                    <a:lumOff val="40000"/>
+                  </a:schemeClr>
+                </a:solidFill>
+              </a:rPr>
+              <a:t> (</a:t>
+            </a:r>
+            <a:r>
+              <a:rPr lang="en-US" sz="1600" dirty="0" smtClean="0">
+                <a:solidFill>
+                  <a:schemeClr val="tx2">
+                    <a:lumMod val="60000"/>
+                    <a:lumOff val="40000"/>
+                  </a:schemeClr>
+                </a:solidFill>
+              </a:rPr>
+              <a:t>G</a:t>
+            </a:r>
+            <a:r>
+              <a:rPr lang="ru-RU" sz="1600" dirty="0" smtClean="0">
+                <a:solidFill>
+                  <a:schemeClr val="tx2">
+                    <a:lumMod val="60000"/>
+                    <a:lumOff val="40000"/>
+                  </a:schemeClr>
+                </a:solidFill>
+              </a:rPr>
+              <a:t>)</a:t>
+            </a:r>
+            <a:br>
+              <a:rPr lang="ru-RU" sz="1600" dirty="0" smtClean="0">
+                <a:solidFill>
+                  <a:schemeClr val="tx2">
+                    <a:lumMod val="60000"/>
+                    <a:lumOff val="40000"/>
+                  </a:schemeClr>
+                </a:solidFill>
+              </a:rPr>
+            </a:br>
+            <a:r>
+              <a:rPr lang="en-US" sz="1600" b="1" dirty="0" smtClean="0">
+                <a:solidFill>
+                  <a:schemeClr val="tx2">
+                    <a:lumMod val="60000"/>
+                    <a:lumOff val="40000"/>
+                  </a:schemeClr>
+                </a:solidFill>
+              </a:rPr>
+              <a:t>for</a:t>
+            </a:r>
+            <a:r>
+              <a:rPr lang="ru-RU" sz="1600" dirty="0" smtClean="0">
+                <a:solidFill>
+                  <a:schemeClr val="tx2">
+                    <a:lumMod val="60000"/>
+                    <a:lumOff val="40000"/>
+                  </a:schemeClr>
+                </a:solidFill>
+              </a:rPr>
+              <a:t> (для) каждой </a:t>
+            </a:r>
+            <a:r>
+              <a:rPr lang="ru-RU" sz="1600" dirty="0" err="1" smtClean="0">
+                <a:solidFill>
+                  <a:schemeClr val="tx2">
+                    <a:lumMod val="60000"/>
+                    <a:lumOff val="40000"/>
+                  </a:schemeClr>
+                </a:solidFill>
+              </a:rPr>
+              <a:t>u</a:t>
+            </a:r>
+            <a:r>
+              <a:rPr lang="ru-RU" sz="1600" dirty="0" smtClean="0">
+                <a:solidFill>
+                  <a:schemeClr val="tx2">
+                    <a:lumMod val="60000"/>
+                    <a:lumOff val="40000"/>
+                  </a:schemeClr>
+                </a:solidFill>
+              </a:rPr>
+              <a:t> ∈ V[G] </a:t>
+            </a:r>
+            <a:r>
+              <a:rPr lang="en-US" sz="1600" b="1" dirty="0" smtClean="0">
+                <a:solidFill>
+                  <a:schemeClr val="tx2">
+                    <a:lumMod val="60000"/>
+                    <a:lumOff val="40000"/>
+                  </a:schemeClr>
+                </a:solidFill>
+              </a:rPr>
+              <a:t>do</a:t>
+            </a:r>
+            <a:r>
+              <a:rPr lang="ru-RU" sz="1600" dirty="0" smtClean="0">
+                <a:solidFill>
+                  <a:schemeClr val="tx2">
+                    <a:lumMod val="60000"/>
+                    <a:lumOff val="40000"/>
+                  </a:schemeClr>
+                </a:solidFill>
+              </a:rPr>
+              <a:t/>
+            </a:r>
+            <a:br>
+              <a:rPr lang="ru-RU" sz="1600" dirty="0" smtClean="0">
+                <a:solidFill>
+                  <a:schemeClr val="tx2">
+                    <a:lumMod val="60000"/>
+                    <a:lumOff val="40000"/>
+                  </a:schemeClr>
+                </a:solidFill>
+              </a:rPr>
+            </a:br>
+            <a:r>
+              <a:rPr lang="ru-RU" sz="1600" dirty="0" smtClean="0">
+                <a:solidFill>
+                  <a:schemeClr val="tx2">
+                    <a:lumMod val="60000"/>
+                    <a:lumOff val="40000"/>
+                  </a:schemeClr>
+                </a:solidFill>
+              </a:rPr>
+              <a:t>	</a:t>
+            </a:r>
+            <a:r>
+              <a:rPr lang="en-US" sz="1600" dirty="0" smtClean="0">
+                <a:solidFill>
+                  <a:schemeClr val="tx2">
+                    <a:lumMod val="60000"/>
+                    <a:lumOff val="40000"/>
+                  </a:schemeClr>
+                </a:solidFill>
+              </a:rPr>
+              <a:t>color[u] ⟵ WHITE</a:t>
+            </a:r>
+            <a:br>
+              <a:rPr lang="en-US" sz="1600" dirty="0" smtClean="0">
+                <a:solidFill>
+                  <a:schemeClr val="tx2">
+                    <a:lumMod val="60000"/>
+                    <a:lumOff val="40000"/>
+                  </a:schemeClr>
+                </a:solidFill>
+              </a:rPr>
+            </a:br>
+            <a:r>
+              <a:rPr lang="ru-RU" sz="1600" dirty="0" smtClean="0">
+                <a:solidFill>
+                  <a:schemeClr val="tx2">
+                    <a:lumMod val="60000"/>
+                    <a:lumOff val="40000"/>
+                  </a:schemeClr>
+                </a:solidFill>
+              </a:rPr>
+              <a:t>	</a:t>
+            </a:r>
+            <a:r>
+              <a:rPr lang="en-US" sz="1600" dirty="0" smtClean="0">
+                <a:solidFill>
+                  <a:schemeClr val="tx2">
+                    <a:lumMod val="60000"/>
+                    <a:lumOff val="40000"/>
+                  </a:schemeClr>
+                </a:solidFill>
+              </a:rPr>
+              <a:t>part[u] ⟵ 0</a:t>
+            </a:r>
+            <a:r>
+              <a:rPr lang="ru-RU" sz="1600" dirty="0" smtClean="0">
+                <a:solidFill>
+                  <a:schemeClr val="tx2">
+                    <a:lumMod val="60000"/>
+                    <a:lumOff val="40000"/>
+                  </a:schemeClr>
+                </a:solidFill>
+              </a:rPr>
+              <a:t/>
+            </a:r>
+            <a:br>
+              <a:rPr lang="ru-RU" sz="1600" dirty="0" smtClean="0">
+                <a:solidFill>
+                  <a:schemeClr val="tx2">
+                    <a:lumMod val="60000"/>
+                    <a:lumOff val="40000"/>
+                  </a:schemeClr>
+                </a:solidFill>
+              </a:rPr>
+            </a:br>
+            <a:r>
+              <a:rPr lang="en-US" sz="1600" dirty="0" smtClean="0">
+                <a:solidFill>
+                  <a:schemeClr val="tx2">
+                    <a:lumMod val="60000"/>
+                    <a:lumOff val="40000"/>
+                  </a:schemeClr>
+                </a:solidFill>
+              </a:rPr>
+              <a:t>time ⟵ 0</a:t>
+            </a:r>
+            <a:r>
+              <a:rPr lang="ru-RU" sz="1600" dirty="0" smtClean="0">
+                <a:solidFill>
+                  <a:schemeClr val="tx2">
+                    <a:lumMod val="60000"/>
+                    <a:lumOff val="40000"/>
+                  </a:schemeClr>
+                </a:solidFill>
+              </a:rPr>
+              <a:t/>
+            </a:r>
+            <a:br>
+              <a:rPr lang="ru-RU" sz="1600" dirty="0" smtClean="0">
+                <a:solidFill>
+                  <a:schemeClr val="tx2">
+                    <a:lumMod val="60000"/>
+                    <a:lumOff val="40000"/>
+                  </a:schemeClr>
+                </a:solidFill>
+              </a:rPr>
+            </a:br>
+            <a:r>
+              <a:rPr lang="en-US" sz="1600" b="1" dirty="0" smtClean="0">
+                <a:solidFill>
+                  <a:schemeClr val="tx2">
+                    <a:lumMod val="60000"/>
+                    <a:lumOff val="40000"/>
+                  </a:schemeClr>
+                </a:solidFill>
+              </a:rPr>
+              <a:t>for</a:t>
+            </a:r>
+            <a:r>
+              <a:rPr lang="ru-RU" sz="1600" dirty="0" smtClean="0">
+                <a:solidFill>
+                  <a:schemeClr val="tx2">
+                    <a:lumMod val="60000"/>
+                    <a:lumOff val="40000"/>
+                  </a:schemeClr>
+                </a:solidFill>
+              </a:rPr>
+              <a:t> (для) каждой </a:t>
+            </a:r>
+            <a:r>
+              <a:rPr lang="ru-RU" sz="1600" dirty="0" err="1" smtClean="0">
+                <a:solidFill>
+                  <a:schemeClr val="tx2">
+                    <a:lumMod val="60000"/>
+                    <a:lumOff val="40000"/>
+                  </a:schemeClr>
+                </a:solidFill>
+              </a:rPr>
+              <a:t>u</a:t>
+            </a:r>
+            <a:r>
+              <a:rPr lang="ru-RU" sz="1600" dirty="0" smtClean="0">
+                <a:solidFill>
+                  <a:schemeClr val="tx2">
+                    <a:lumMod val="60000"/>
+                    <a:lumOff val="40000"/>
+                  </a:schemeClr>
+                </a:solidFill>
+              </a:rPr>
+              <a:t> ∈ V[G] </a:t>
+            </a:r>
+            <a:r>
+              <a:rPr lang="en-US" sz="1600" b="1" dirty="0" smtClean="0">
+                <a:solidFill>
+                  <a:schemeClr val="tx2">
+                    <a:lumMod val="60000"/>
+                    <a:lumOff val="40000"/>
+                  </a:schemeClr>
+                </a:solidFill>
+              </a:rPr>
+              <a:t>do</a:t>
+            </a:r>
+            <a:r>
+              <a:rPr lang="ru-RU" sz="1600" dirty="0" smtClean="0">
+                <a:solidFill>
+                  <a:schemeClr val="tx2">
+                    <a:lumMod val="60000"/>
+                    <a:lumOff val="40000"/>
+                  </a:schemeClr>
+                </a:solidFill>
+              </a:rPr>
+              <a:t/>
+            </a:r>
+            <a:br>
+              <a:rPr lang="ru-RU" sz="1600" dirty="0" smtClean="0">
+                <a:solidFill>
+                  <a:schemeClr val="tx2">
+                    <a:lumMod val="60000"/>
+                    <a:lumOff val="40000"/>
+                  </a:schemeClr>
+                </a:solidFill>
+              </a:rPr>
+            </a:br>
+            <a:r>
+              <a:rPr lang="ru-RU" sz="1600" dirty="0" smtClean="0">
+                <a:solidFill>
+                  <a:schemeClr val="tx2">
+                    <a:lumMod val="60000"/>
+                    <a:lumOff val="40000"/>
+                  </a:schemeClr>
+                </a:solidFill>
+              </a:rPr>
+              <a:t>	</a:t>
+            </a:r>
+            <a:r>
+              <a:rPr lang="en-US" sz="1600" b="1" dirty="0" smtClean="0">
+                <a:solidFill>
+                  <a:schemeClr val="tx2">
+                    <a:lumMod val="60000"/>
+                    <a:lumOff val="40000"/>
+                  </a:schemeClr>
+                </a:solidFill>
+              </a:rPr>
+              <a:t>if</a:t>
+            </a:r>
+            <a:r>
+              <a:rPr lang="en-US" sz="1600" dirty="0" smtClean="0">
+                <a:solidFill>
+                  <a:schemeClr val="tx2">
+                    <a:lumMod val="60000"/>
+                    <a:lumOff val="40000"/>
+                  </a:schemeClr>
+                </a:solidFill>
+              </a:rPr>
+              <a:t> color[u] = WHITE </a:t>
+            </a:r>
+            <a:r>
+              <a:rPr lang="en-US" sz="1600" b="1" dirty="0" smtClean="0">
+                <a:solidFill>
+                  <a:schemeClr val="tx2">
+                    <a:lumMod val="60000"/>
+                    <a:lumOff val="40000"/>
+                  </a:schemeClr>
+                </a:solidFill>
+              </a:rPr>
+              <a:t>then</a:t>
+            </a:r>
+            <a:r>
+              <a:rPr lang="ru-RU" sz="1600" dirty="0" smtClean="0">
+                <a:solidFill>
+                  <a:schemeClr val="tx2">
+                    <a:lumMod val="60000"/>
+                    <a:lumOff val="40000"/>
+                  </a:schemeClr>
+                </a:solidFill>
+              </a:rPr>
+              <a:t/>
+            </a:r>
+            <a:br>
+              <a:rPr lang="ru-RU" sz="1600" dirty="0" smtClean="0">
+                <a:solidFill>
+                  <a:schemeClr val="tx2">
+                    <a:lumMod val="60000"/>
+                    <a:lumOff val="40000"/>
+                  </a:schemeClr>
+                </a:solidFill>
+              </a:rPr>
+            </a:br>
+            <a:r>
+              <a:rPr lang="en-US" sz="1600" dirty="0" smtClean="0">
+                <a:solidFill>
+                  <a:schemeClr val="tx2">
+                    <a:lumMod val="60000"/>
+                    <a:lumOff val="40000"/>
+                  </a:schemeClr>
+                </a:solidFill>
+              </a:rPr>
+              <a:t>		</a:t>
+            </a:r>
+            <a:r>
+              <a:rPr lang="en-US" sz="1600" dirty="0" err="1" smtClean="0">
+                <a:solidFill>
+                  <a:schemeClr val="tx2">
+                    <a:lumMod val="60000"/>
+                    <a:lumOff val="40000"/>
+                  </a:schemeClr>
+                </a:solidFill>
+              </a:rPr>
+              <a:t>BFS_Visit</a:t>
+            </a:r>
+            <a:r>
+              <a:rPr lang="en-US" sz="1600" dirty="0" smtClean="0">
+                <a:solidFill>
+                  <a:schemeClr val="tx2">
+                    <a:lumMod val="60000"/>
+                    <a:lumOff val="40000"/>
+                  </a:schemeClr>
+                </a:solidFill>
+              </a:rPr>
+              <a:t>(G, u) </a:t>
+            </a:r>
+            <a:r>
+              <a:rPr lang="ru-RU" sz="1600" dirty="0" smtClean="0"/>
+              <a:t/>
+            </a:r>
+            <a:br>
+              <a:rPr lang="ru-RU" sz="1600" dirty="0" smtClean="0"/>
+            </a:br>
+            <a:r>
+              <a:rPr lang="ru-RU" sz="1600" dirty="0" smtClean="0"/>
+              <a:t/>
+            </a:r>
+            <a:br>
+              <a:rPr lang="ru-RU" sz="1600" dirty="0" smtClean="0"/>
+            </a:br>
+            <a:r>
+              <a:rPr lang="en-US" sz="1600" dirty="0" err="1" smtClean="0"/>
+              <a:t>BFS_Visit</a:t>
+            </a:r>
+            <a:r>
+              <a:rPr lang="ru-RU" sz="1600" dirty="0" smtClean="0"/>
+              <a:t> (</a:t>
+            </a:r>
+            <a:r>
+              <a:rPr lang="en-US" sz="1600" dirty="0" smtClean="0"/>
+              <a:t>G</a:t>
+            </a:r>
+            <a:r>
+              <a:rPr lang="ru-RU" sz="1600" dirty="0" smtClean="0"/>
+              <a:t>, </a:t>
+            </a:r>
+            <a:r>
+              <a:rPr lang="en-US" sz="1600" dirty="0" smtClean="0"/>
+              <a:t>s</a:t>
+            </a:r>
+            <a:r>
+              <a:rPr lang="ru-RU" sz="1600" dirty="0" smtClean="0"/>
+              <a:t>)</a:t>
+            </a:r>
+            <a:br>
+              <a:rPr lang="ru-RU" sz="1600" dirty="0" smtClean="0"/>
+            </a:br>
+            <a:r>
+              <a:rPr lang="en-US" sz="1600" dirty="0" smtClean="0"/>
+              <a:t>color[s] ⟵ GRAY</a:t>
+            </a:r>
+            <a:r>
+              <a:rPr lang="ru-RU" sz="1600" dirty="0" smtClean="0"/>
+              <a:t/>
+            </a:r>
+            <a:br>
+              <a:rPr lang="ru-RU" sz="1600" dirty="0" smtClean="0"/>
+            </a:br>
+            <a:r>
+              <a:rPr lang="en-US" sz="1600" dirty="0" smtClean="0"/>
+              <a:t>part[s] ⟵ 1</a:t>
+            </a:r>
+            <a:r>
+              <a:rPr lang="ru-RU" sz="1600" dirty="0" smtClean="0">
+                <a:solidFill>
+                  <a:schemeClr val="tx2">
+                    <a:lumMod val="60000"/>
+                    <a:lumOff val="40000"/>
+                  </a:schemeClr>
+                </a:solidFill>
+              </a:rPr>
+              <a:t/>
+            </a:r>
+            <a:br>
+              <a:rPr lang="ru-RU" sz="1600" dirty="0" smtClean="0">
+                <a:solidFill>
+                  <a:schemeClr val="tx2">
+                    <a:lumMod val="60000"/>
+                    <a:lumOff val="40000"/>
+                  </a:schemeClr>
+                </a:solidFill>
+              </a:rPr>
+            </a:br>
+            <a:r>
+              <a:rPr lang="en-US" sz="1600" dirty="0" smtClean="0"/>
+              <a:t>Q ⟵ ∅</a:t>
+            </a:r>
+            <a:r>
+              <a:rPr lang="ru-RU" sz="1600" dirty="0" smtClean="0"/>
+              <a:t/>
+            </a:r>
+            <a:br>
+              <a:rPr lang="ru-RU" sz="1600" dirty="0" smtClean="0"/>
+            </a:br>
+            <a:r>
+              <a:rPr lang="ru-RU" sz="1600" dirty="0" smtClean="0"/>
+              <a:t>В очередь(</a:t>
+            </a:r>
+            <a:r>
+              <a:rPr lang="en-US" sz="1600" dirty="0" smtClean="0"/>
+              <a:t>Q, s)</a:t>
+            </a:r>
+            <a:r>
+              <a:rPr lang="ru-RU" sz="1600" dirty="0" smtClean="0"/>
+              <a:t/>
+            </a:r>
+            <a:br>
+              <a:rPr lang="ru-RU" sz="1600" dirty="0" smtClean="0"/>
+            </a:br>
+            <a:r>
+              <a:rPr lang="en-US" sz="1600" b="1" dirty="0" smtClean="0"/>
+              <a:t>while</a:t>
+            </a:r>
+            <a:r>
+              <a:rPr lang="en-US" sz="1600" dirty="0" smtClean="0"/>
+              <a:t> Q ≠ ∅ </a:t>
+            </a:r>
+            <a:r>
+              <a:rPr lang="en-US" sz="1600" b="1" dirty="0" smtClean="0"/>
+              <a:t>do</a:t>
+            </a:r>
+            <a:r>
+              <a:rPr lang="ru-RU" sz="1600" dirty="0" smtClean="0"/>
+              <a:t/>
+            </a:r>
+            <a:br>
+              <a:rPr lang="ru-RU" sz="1600" dirty="0" smtClean="0"/>
+            </a:br>
+            <a:r>
+              <a:rPr lang="en-US" sz="1600" dirty="0" smtClean="0"/>
+              <a:t>	u ⟵ </a:t>
+            </a:r>
+            <a:r>
+              <a:rPr lang="ru-RU" sz="1600" dirty="0" smtClean="0"/>
+              <a:t>из очереди(</a:t>
+            </a:r>
+            <a:r>
+              <a:rPr lang="en-US" sz="1600" dirty="0" smtClean="0"/>
+              <a:t>Q</a:t>
+            </a:r>
+            <a:r>
+              <a:rPr lang="ru-RU" sz="1600" dirty="0" smtClean="0"/>
+              <a:t>)</a:t>
+            </a:r>
+            <a:br>
+              <a:rPr lang="ru-RU" sz="1600" dirty="0" smtClean="0"/>
+            </a:br>
+            <a:r>
+              <a:rPr lang="ru-RU" sz="1600" dirty="0" smtClean="0"/>
+              <a:t>	</a:t>
+            </a:r>
+            <a:r>
+              <a:rPr lang="en-US" sz="1600" b="1" dirty="0" smtClean="0"/>
+              <a:t>for</a:t>
+            </a:r>
+            <a:r>
+              <a:rPr lang="en-US" sz="1600" dirty="0" smtClean="0"/>
+              <a:t> </a:t>
+            </a:r>
+            <a:r>
+              <a:rPr lang="ru-RU" sz="1600" dirty="0" smtClean="0"/>
+              <a:t>(для) каждой </a:t>
+            </a:r>
+            <a:r>
+              <a:rPr lang="en-US" sz="1600" dirty="0" smtClean="0"/>
+              <a:t>v </a:t>
+            </a:r>
+            <a:r>
+              <a:rPr lang="ru-RU" sz="1600" dirty="0" smtClean="0"/>
+              <a:t>∈ </a:t>
+            </a:r>
+            <a:r>
+              <a:rPr lang="en-US" sz="1600" dirty="0" err="1" smtClean="0"/>
+              <a:t>Adj</a:t>
+            </a:r>
+            <a:r>
+              <a:rPr lang="ru-RU" sz="1600" dirty="0" smtClean="0"/>
+              <a:t>[</a:t>
+            </a:r>
+            <a:r>
+              <a:rPr lang="en-US" sz="1600" dirty="0" smtClean="0"/>
+              <a:t>u</a:t>
+            </a:r>
+            <a:r>
+              <a:rPr lang="ru-RU" sz="1600" dirty="0" smtClean="0"/>
+              <a:t>] </a:t>
+            </a:r>
+            <a:r>
+              <a:rPr lang="en-US" sz="1600" b="1" dirty="0" smtClean="0"/>
+              <a:t>do</a:t>
+            </a:r>
+            <a:r>
+              <a:rPr lang="ru-RU" sz="1600" dirty="0" smtClean="0"/>
+              <a:t/>
+            </a:r>
+            <a:br>
+              <a:rPr lang="ru-RU" sz="1600" dirty="0" smtClean="0"/>
+            </a:br>
+            <a:r>
+              <a:rPr lang="ru-RU" sz="1600" dirty="0" smtClean="0"/>
+              <a:t>		</a:t>
+            </a:r>
+            <a:r>
+              <a:rPr lang="en-US" sz="1600" b="1" dirty="0" smtClean="0"/>
+              <a:t>If</a:t>
+            </a:r>
+            <a:r>
+              <a:rPr lang="en-US" sz="1600" dirty="0" smtClean="0"/>
+              <a:t> color[v] </a:t>
+            </a:r>
+            <a:r>
+              <a:rPr lang="ru-RU" sz="1600" dirty="0" smtClean="0"/>
+              <a:t>=</a:t>
+            </a:r>
+            <a:r>
+              <a:rPr lang="en-US" sz="1600" dirty="0" smtClean="0"/>
+              <a:t> WHITE </a:t>
+            </a:r>
+            <a:r>
+              <a:rPr lang="en-US" sz="1600" b="1" dirty="0" smtClean="0"/>
+              <a:t>than</a:t>
+            </a:r>
+            <a:r>
+              <a:rPr lang="ru-RU" sz="1600" dirty="0" smtClean="0"/>
+              <a:t/>
+            </a:r>
+            <a:br>
+              <a:rPr lang="ru-RU" sz="1600" dirty="0" smtClean="0"/>
+            </a:br>
+            <a:r>
+              <a:rPr lang="en-US" sz="1600" dirty="0" smtClean="0"/>
+              <a:t>			color[v] ⟵ GRAY</a:t>
+            </a:r>
+            <a:r>
+              <a:rPr lang="ru-RU" sz="1600" dirty="0" smtClean="0"/>
+              <a:t/>
+            </a:r>
+            <a:br>
+              <a:rPr lang="ru-RU" sz="1600" dirty="0" smtClean="0"/>
+            </a:br>
+            <a:r>
+              <a:rPr lang="en-US" sz="1600" dirty="0" smtClean="0"/>
+              <a:t>			part[v] ⟵ (part[u] +1) mod 2</a:t>
+            </a:r>
+            <a:r>
+              <a:rPr lang="ru-RU" sz="1600" dirty="0" smtClean="0"/>
+              <a:t/>
+            </a:r>
+            <a:br>
+              <a:rPr lang="ru-RU" sz="1600" dirty="0" smtClean="0"/>
+            </a:br>
+            <a:r>
+              <a:rPr lang="en-US" sz="1600" dirty="0" smtClean="0"/>
+              <a:t>			</a:t>
+            </a:r>
+            <a:r>
+              <a:rPr lang="ru-RU" sz="1600" dirty="0" smtClean="0"/>
+              <a:t>В очередь(</a:t>
+            </a:r>
+            <a:r>
+              <a:rPr lang="en-US" sz="1600" dirty="0" smtClean="0"/>
+              <a:t>Q, v)</a:t>
+            </a:r>
+            <a:br>
+              <a:rPr lang="en-US" sz="1600" dirty="0" smtClean="0"/>
+            </a:br>
+            <a:r>
+              <a:rPr lang="en-US" sz="1600" dirty="0" smtClean="0"/>
+              <a:t>	</a:t>
+            </a:r>
+            <a:r>
+              <a:rPr lang="en-US" sz="1600" smtClean="0"/>
+              <a:t>	</a:t>
+            </a:r>
+            <a:r>
+              <a:rPr lang="en-US" sz="1600" b="1" smtClean="0"/>
+              <a:t>else</a:t>
+            </a:r>
+            <a:r>
+              <a:rPr lang="en-US" sz="1600" b="1" dirty="0" smtClean="0"/>
+              <a:t/>
+            </a:r>
+            <a:br>
+              <a:rPr lang="en-US" sz="1600" b="1" dirty="0" smtClean="0"/>
+            </a:br>
+            <a:r>
+              <a:rPr lang="en-US" sz="1600" b="1" dirty="0" smtClean="0"/>
+              <a:t>			return ERROR</a:t>
+            </a:r>
+            <a:r>
+              <a:rPr lang="en-US" sz="1600" dirty="0" smtClean="0"/>
+              <a:t/>
+            </a:r>
+            <a:br>
+              <a:rPr lang="en-US" sz="1600" dirty="0" smtClean="0"/>
+            </a:br>
+            <a:r>
+              <a:rPr lang="en-US" sz="1600" dirty="0" smtClean="0"/>
+              <a:t>	 color[v] ⟵ BLACK</a:t>
+            </a:r>
+            <a:endParaRPr lang="ru-RU" sz="1600" dirty="0"/>
+          </a:p>
+        </p:txBody>
+      </p:sp>
+    </p:spTree>
+  </p:cSld>
+  <p:clrMapOvr>
+    <a:masterClrMapping/>
+  </p:clrMapOvr>
+  <p:timing>
+    <p:tnLst>
+      <p:par>
+        <p:cTn id="1" dur="indefinite" restart="never" nodeType="tmRoot"/>
+      </p:par>
+    </p:tnLst>
+  </p:timing>
+</p:sld>
+</file>
+
+<file path=ppt/slides/slide72.xml><?xml version="1.0" encoding="utf-8"?>
 <p:sld xmlns:a="http://schemas.openxmlformats.org/drawingml/2006/main" xmlns:r="http://schemas.openxmlformats.org/officeDocument/2006/relationships" xmlns:p="http://schemas.openxmlformats.org/presentationml/2006/main">
   <p:cSld>
     <p:bg>
@@ -58646,7 +58706,7 @@
 </p:sld>
 </file>
 
-<file path=ppt/slides/slide72.xml><?xml version="1.0" encoding="utf-8"?>
+<file path=ppt/slides/slide73.xml><?xml version="1.0" encoding="utf-8"?>
 <p:sld xmlns:a="http://schemas.openxmlformats.org/drawingml/2006/main" xmlns:r="http://schemas.openxmlformats.org/officeDocument/2006/relationships" xmlns:p="http://schemas.openxmlformats.org/presentationml/2006/main">
   <p:cSld>
     <p:bg>

--- a/Презентации/Лекция 1.pptx
+++ b/Презентации/Лекция 1.pptx
@@ -63,21 +63,22 @@
     <p:sldId id="467" r:id="rId57"/>
     <p:sldId id="460" r:id="rId58"/>
     <p:sldId id="468" r:id="rId59"/>
-    <p:sldId id="459" r:id="rId60"/>
-    <p:sldId id="462" r:id="rId61"/>
-    <p:sldId id="463" r:id="rId62"/>
-    <p:sldId id="474" r:id="rId63"/>
-    <p:sldId id="475" r:id="rId64"/>
-    <p:sldId id="461" r:id="rId65"/>
-    <p:sldId id="301" r:id="rId66"/>
-    <p:sldId id="464" r:id="rId67"/>
-    <p:sldId id="310" r:id="rId68"/>
-    <p:sldId id="321" r:id="rId69"/>
-    <p:sldId id="322" r:id="rId70"/>
-    <p:sldId id="324" r:id="rId71"/>
-    <p:sldId id="339" r:id="rId72"/>
-    <p:sldId id="465" r:id="rId73"/>
-    <p:sldId id="466" r:id="rId74"/>
+    <p:sldId id="480" r:id="rId60"/>
+    <p:sldId id="459" r:id="rId61"/>
+    <p:sldId id="462" r:id="rId62"/>
+    <p:sldId id="463" r:id="rId63"/>
+    <p:sldId id="474" r:id="rId64"/>
+    <p:sldId id="475" r:id="rId65"/>
+    <p:sldId id="461" r:id="rId66"/>
+    <p:sldId id="301" r:id="rId67"/>
+    <p:sldId id="464" r:id="rId68"/>
+    <p:sldId id="310" r:id="rId69"/>
+    <p:sldId id="321" r:id="rId70"/>
+    <p:sldId id="322" r:id="rId71"/>
+    <p:sldId id="324" r:id="rId72"/>
+    <p:sldId id="339" r:id="rId73"/>
+    <p:sldId id="465" r:id="rId74"/>
+    <p:sldId id="466" r:id="rId75"/>
   </p:sldIdLst>
   <p:sldSz cx="9144000" cy="6858000" type="screen4x3"/>
   <p:notesSz cx="6858000" cy="9144000"/>
@@ -51100,8 +51101,13 @@
             </a:pPr>
             <a:r>
               <a:rPr lang="ru-RU" sz="2000" dirty="0" smtClean="0"/>
-              <a:t>Если во время обхода происходит попытка обратиться к не белой вершине (которая не является непосредственным предком), то это говорит о найденном цикле (но не обязательно контуре).</a:t>
-            </a:r>
+              <a:t>Если во время обхода происходит попытка обратиться к не белой вершине (которая не является непосредственным предком), то это говорит о найденном </a:t>
+            </a:r>
+            <a:r>
+              <a:rPr lang="ru-RU" sz="2000" dirty="0" smtClean="0"/>
+              <a:t>цикле.</a:t>
+            </a:r>
+            <a:endParaRPr lang="ru-RU" sz="2000" dirty="0" smtClean="0"/>
           </a:p>
         </p:txBody>
       </p:sp>
@@ -51845,17 +51851,6 @@
 <file path=ppt/slides/slide57.xml><?xml version="1.0" encoding="utf-8"?>
 <p:sld xmlns:a="http://schemas.openxmlformats.org/drawingml/2006/main" xmlns:r="http://schemas.openxmlformats.org/officeDocument/2006/relationships" xmlns:p="http://schemas.openxmlformats.org/presentationml/2006/main">
   <p:cSld>
-    <p:bg>
-      <p:bgPr>
-        <a:solidFill>
-          <a:schemeClr val="accent2">
-            <a:lumMod val="40000"/>
-            <a:lumOff val="60000"/>
-          </a:schemeClr>
-        </a:solidFill>
-        <a:effectLst/>
-      </p:bgPr>
-    </p:bg>
     <p:spTree>
       <p:nvGrpSpPr>
         <p:cNvPr id="1" name=""/>
@@ -51946,7 +51941,7 @@
         </p:spPr>
         <p:txBody>
           <a:bodyPr vert="horz" lIns="91440" tIns="45720" rIns="91440" bIns="45720" rtlCol="0" anchor="ctr">
-            <a:normAutofit/>
+            <a:normAutofit lnSpcReduction="10000"/>
           </a:bodyPr>
           <a:lstStyle/>
           <a:p>
@@ -51962,17 +51957,36 @@
             <a:endParaRPr lang="ru-RU" sz="2000" dirty="0" smtClean="0"/>
           </a:p>
           <a:p>
-            <a:pPr lvl="0">
+            <a:pPr>
               <a:spcBef>
                 <a:spcPct val="0"/>
               </a:spcBef>
-              <a:buFont typeface="Arial" pitchFamily="34" charset="0"/>
-              <a:buChar char="•"/>
             </a:pPr>
             <a:r>
+              <a:rPr lang="ru-RU" sz="2000" dirty="0"/>
+              <a:t>Для решения </a:t>
+            </a:r>
+            <a:r>
               <a:rPr lang="ru-RU" sz="2000" dirty="0" smtClean="0"/>
-              <a:t>Если во время обхода происходит попытка обратиться к не белой вершине (которая не является непосредственным предком), то это говорит о найденном цикле (но не обязательно контуре).</a:t>
-            </a:r>
+              <a:t>поставленной задачи </a:t>
+            </a:r>
+            <a:r>
+              <a:rPr lang="ru-RU" sz="2000" dirty="0"/>
+              <a:t>следует совершать те же действия что и для </a:t>
+            </a:r>
+            <a:r>
+              <a:rPr lang="ru-RU" sz="2000" dirty="0" err="1"/>
+              <a:t>НЕориентированного</a:t>
+            </a:r>
+            <a:r>
+              <a:rPr lang="ru-RU" sz="2000" dirty="0"/>
+              <a:t> графа. При этом переходы по дугам могут осуществляться как в прямом, так и в обратном направлении (т.к. производится поиск </a:t>
+            </a:r>
+            <a:r>
+              <a:rPr lang="ru-RU" sz="2000" dirty="0" smtClean="0"/>
+              <a:t>замкнутой цепи).</a:t>
+            </a:r>
+            <a:endParaRPr lang="ru-RU" sz="2000" dirty="0"/>
           </a:p>
         </p:txBody>
       </p:sp>
@@ -52067,41 +52081,6 @@
       </p:sp>
       <p:sp>
         <p:nvSpPr>
-          <p:cNvPr id="5" name="Прямоугольник 4"/>
-          <p:cNvSpPr/>
-          <p:nvPr/>
-        </p:nvSpPr>
-        <p:spPr>
-          <a:xfrm>
-            <a:off x="1115616" y="4005064"/>
-            <a:ext cx="7776864" cy="646331"/>
-          </a:xfrm>
-          <a:prstGeom prst="rect">
-            <a:avLst/>
-          </a:prstGeom>
-        </p:spPr>
-        <p:txBody>
-          <a:bodyPr wrap="square">
-            <a:spAutoFit/>
-          </a:bodyPr>
-          <a:lstStyle/>
-          <a:p>
-            <a:pPr lvl="0">
-              <a:spcBef>
-                <a:spcPct val="0"/>
-              </a:spcBef>
-              <a:buFont typeface="Arial" pitchFamily="34" charset="0"/>
-              <a:buChar char="•"/>
-            </a:pPr>
-            <a:r>
-              <a:rPr lang="ru-RU" dirty="0" smtClean="0"/>
-              <a:t>Нужно определить дуга является обратной или перекрестной. Если дуга обратная, то найден контур.</a:t>
-            </a:r>
-          </a:p>
-        </p:txBody>
-      </p:sp>
-      <p:sp>
-        <p:nvSpPr>
           <p:cNvPr id="6" name="Заголовок 1"/>
           <p:cNvSpPr txBox="1">
             <a:spLocks/>
@@ -52132,23 +52111,797 @@
               <a:rPr lang="ru-RU" sz="2000" b="1" dirty="0" smtClean="0"/>
               <a:t>Алгоритм:</a:t>
             </a:r>
-            <a:endParaRPr lang="ru-RU" sz="2000" dirty="0" smtClean="0"/>
-          </a:p>
-          <a:p>
-            <a:pPr lvl="0">
+          </a:p>
+          <a:p>
+            <a:pPr>
               <a:spcBef>
                 <a:spcPct val="0"/>
               </a:spcBef>
-              <a:buFont typeface="Arial" pitchFamily="34" charset="0"/>
-              <a:buChar char="•"/>
             </a:pPr>
             <a:r>
               <a:rPr lang="ru-RU" sz="2000" dirty="0" smtClean="0"/>
-              <a:t>Если во время обхода происходит попытка обратиться к не белой вершине (которая не является непосредственным предком), то это говорит о найденном цикле (но не обязательно контуре).</a:t>
-            </a:r>
-          </a:p>
-        </p:txBody>
-      </p:sp>
+              <a:t>Рассмотрим ситуацию возникшую при обходе в ширину. Просматривается дуга (4,5), а дуга (5,2) еще не </a:t>
+            </a:r>
+            <a:r>
+              <a:rPr lang="ru-RU" sz="2000" smtClean="0"/>
+              <a:t>была рассмотрена. </a:t>
+            </a:r>
+            <a:endParaRPr lang="ru-RU" sz="2000" dirty="0" smtClean="0"/>
+          </a:p>
+        </p:txBody>
+      </p:sp>
+      <p:cxnSp>
+        <p:nvCxnSpPr>
+          <p:cNvPr id="7" name="Прямая со стрелкой 6"/>
+          <p:cNvCxnSpPr/>
+          <p:nvPr/>
+        </p:nvCxnSpPr>
+        <p:spPr>
+          <a:xfrm flipH="1">
+            <a:off x="3953754" y="4897246"/>
+            <a:ext cx="588418" cy="444402"/>
+          </a:xfrm>
+          <a:prstGeom prst="straightConnector1">
+            <a:avLst/>
+          </a:prstGeom>
+          <a:ln w="38100">
+            <a:solidFill>
+              <a:schemeClr val="accent1"/>
+            </a:solidFill>
+            <a:headEnd type="none" w="med" len="med"/>
+            <a:tailEnd type="arrow" w="med" len="med"/>
+          </a:ln>
+        </p:spPr>
+        <p:style>
+          <a:lnRef idx="1">
+            <a:schemeClr val="accent1"/>
+          </a:lnRef>
+          <a:fillRef idx="0">
+            <a:schemeClr val="accent1"/>
+          </a:fillRef>
+          <a:effectRef idx="0">
+            <a:schemeClr val="accent1"/>
+          </a:effectRef>
+          <a:fontRef idx="minor">
+            <a:schemeClr val="tx1"/>
+          </a:fontRef>
+        </p:style>
+      </p:cxnSp>
+      <p:cxnSp>
+        <p:nvCxnSpPr>
+          <p:cNvPr id="8" name="Прямая со стрелкой 7"/>
+          <p:cNvCxnSpPr/>
+          <p:nvPr/>
+        </p:nvCxnSpPr>
+        <p:spPr>
+          <a:xfrm flipH="1">
+            <a:off x="3305682" y="5545318"/>
+            <a:ext cx="444402" cy="444402"/>
+          </a:xfrm>
+          <a:prstGeom prst="straightConnector1">
+            <a:avLst/>
+          </a:prstGeom>
+          <a:ln w="38100">
+            <a:solidFill>
+              <a:schemeClr val="accent1"/>
+            </a:solidFill>
+            <a:headEnd type="none" w="med" len="med"/>
+            <a:tailEnd type="arrow" w="med" len="med"/>
+          </a:ln>
+        </p:spPr>
+        <p:style>
+          <a:lnRef idx="1">
+            <a:schemeClr val="accent1"/>
+          </a:lnRef>
+          <a:fillRef idx="0">
+            <a:schemeClr val="accent1"/>
+          </a:fillRef>
+          <a:effectRef idx="0">
+            <a:schemeClr val="accent1"/>
+          </a:effectRef>
+          <a:fontRef idx="minor">
+            <a:schemeClr val="tx1"/>
+          </a:fontRef>
+        </p:style>
+      </p:cxnSp>
+      <p:cxnSp>
+        <p:nvCxnSpPr>
+          <p:cNvPr id="10" name="Прямая со стрелкой 9"/>
+          <p:cNvCxnSpPr/>
+          <p:nvPr/>
+        </p:nvCxnSpPr>
+        <p:spPr>
+          <a:xfrm>
+            <a:off x="4745842" y="4897246"/>
+            <a:ext cx="372394" cy="660426"/>
+          </a:xfrm>
+          <a:prstGeom prst="straightConnector1">
+            <a:avLst/>
+          </a:prstGeom>
+          <a:ln w="38100">
+            <a:solidFill>
+              <a:schemeClr val="accent1"/>
+            </a:solidFill>
+            <a:headEnd type="none" w="med" len="med"/>
+            <a:tailEnd type="arrow" w="med" len="med"/>
+          </a:ln>
+        </p:spPr>
+        <p:style>
+          <a:lnRef idx="1">
+            <a:schemeClr val="accent1"/>
+          </a:lnRef>
+          <a:fillRef idx="0">
+            <a:schemeClr val="accent1"/>
+          </a:fillRef>
+          <a:effectRef idx="0">
+            <a:schemeClr val="accent1"/>
+          </a:effectRef>
+          <a:fontRef idx="minor">
+            <a:schemeClr val="tx1"/>
+          </a:fontRef>
+        </p:style>
+      </p:cxnSp>
+      <p:cxnSp>
+        <p:nvCxnSpPr>
+          <p:cNvPr id="11" name="Прямая соединительная линия 10"/>
+          <p:cNvCxnSpPr>
+            <a:stCxn id="13" idx="5"/>
+            <a:endCxn id="23" idx="1"/>
+          </p:cNvCxnSpPr>
+          <p:nvPr/>
+        </p:nvCxnSpPr>
+        <p:spPr>
+          <a:xfrm>
+            <a:off x="5321906" y="5761342"/>
+            <a:ext cx="330213" cy="605471"/>
+          </a:xfrm>
+          <a:prstGeom prst="line">
+            <a:avLst/>
+          </a:prstGeom>
+          <a:ln w="38100">
+            <a:solidFill>
+              <a:schemeClr val="accent1"/>
+            </a:solidFill>
+            <a:headEnd type="none" w="med" len="med"/>
+            <a:tailEnd type="arrow" w="med" len="med"/>
+          </a:ln>
+        </p:spPr>
+        <p:style>
+          <a:lnRef idx="1">
+            <a:schemeClr val="accent1"/>
+          </a:lnRef>
+          <a:fillRef idx="0">
+            <a:schemeClr val="accent1"/>
+          </a:fillRef>
+          <a:effectRef idx="0">
+            <a:schemeClr val="accent1"/>
+          </a:effectRef>
+          <a:fontRef idx="minor">
+            <a:schemeClr val="tx1"/>
+          </a:fontRef>
+        </p:style>
+      </p:cxnSp>
+      <p:sp>
+        <p:nvSpPr>
+          <p:cNvPr id="12" name="Овал 11"/>
+          <p:cNvSpPr/>
+          <p:nvPr/>
+        </p:nvSpPr>
+        <p:spPr>
+          <a:xfrm>
+            <a:off x="4499991" y="4651395"/>
+            <a:ext cx="288032" cy="288032"/>
+          </a:xfrm>
+          <a:prstGeom prst="ellipse">
+            <a:avLst/>
+          </a:prstGeom>
+          <a:solidFill>
+            <a:schemeClr val="tx1"/>
+          </a:solidFill>
+        </p:spPr>
+        <p:style>
+          <a:lnRef idx="2">
+            <a:schemeClr val="accent1">
+              <a:shade val="50000"/>
+            </a:schemeClr>
+          </a:lnRef>
+          <a:fillRef idx="1">
+            <a:schemeClr val="accent1"/>
+          </a:fillRef>
+          <a:effectRef idx="0">
+            <a:schemeClr val="accent1"/>
+          </a:effectRef>
+          <a:fontRef idx="minor">
+            <a:schemeClr val="lt1"/>
+          </a:fontRef>
+        </p:style>
+        <p:txBody>
+          <a:bodyPr rtlCol="0" anchor="ctr"/>
+          <a:lstStyle/>
+          <a:p>
+            <a:pPr algn="ctr"/>
+            <a:endParaRPr lang="ru-RU"/>
+          </a:p>
+        </p:txBody>
+      </p:sp>
+      <p:sp>
+        <p:nvSpPr>
+          <p:cNvPr id="13" name="Овал 12"/>
+          <p:cNvSpPr/>
+          <p:nvPr/>
+        </p:nvSpPr>
+        <p:spPr>
+          <a:xfrm>
+            <a:off x="5076055" y="5515491"/>
+            <a:ext cx="288032" cy="288032"/>
+          </a:xfrm>
+          <a:prstGeom prst="ellipse">
+            <a:avLst/>
+          </a:prstGeom>
+          <a:solidFill>
+            <a:schemeClr val="tx1"/>
+          </a:solidFill>
+        </p:spPr>
+        <p:style>
+          <a:lnRef idx="2">
+            <a:schemeClr val="accent1">
+              <a:shade val="50000"/>
+            </a:schemeClr>
+          </a:lnRef>
+          <a:fillRef idx="1">
+            <a:schemeClr val="accent1"/>
+          </a:fillRef>
+          <a:effectRef idx="0">
+            <a:schemeClr val="accent1"/>
+          </a:effectRef>
+          <a:fontRef idx="minor">
+            <a:schemeClr val="lt1"/>
+          </a:fontRef>
+        </p:style>
+        <p:txBody>
+          <a:bodyPr rtlCol="0" anchor="ctr"/>
+          <a:lstStyle/>
+          <a:p>
+            <a:pPr algn="ctr"/>
+            <a:endParaRPr lang="ru-RU"/>
+          </a:p>
+        </p:txBody>
+      </p:sp>
+      <p:sp>
+        <p:nvSpPr>
+          <p:cNvPr id="14" name="Овал 13"/>
+          <p:cNvSpPr/>
+          <p:nvPr/>
+        </p:nvSpPr>
+        <p:spPr>
+          <a:xfrm>
+            <a:off x="3707903" y="5299467"/>
+            <a:ext cx="288032" cy="288032"/>
+          </a:xfrm>
+          <a:prstGeom prst="ellipse">
+            <a:avLst/>
+          </a:prstGeom>
+          <a:solidFill>
+            <a:schemeClr val="tx1"/>
+          </a:solidFill>
+        </p:spPr>
+        <p:style>
+          <a:lnRef idx="2">
+            <a:schemeClr val="accent1">
+              <a:shade val="50000"/>
+            </a:schemeClr>
+          </a:lnRef>
+          <a:fillRef idx="1">
+            <a:schemeClr val="accent1"/>
+          </a:fillRef>
+          <a:effectRef idx="0">
+            <a:schemeClr val="accent1"/>
+          </a:effectRef>
+          <a:fontRef idx="minor">
+            <a:schemeClr val="lt1"/>
+          </a:fontRef>
+        </p:style>
+        <p:txBody>
+          <a:bodyPr rtlCol="0" anchor="ctr"/>
+          <a:lstStyle/>
+          <a:p>
+            <a:pPr algn="ctr"/>
+            <a:endParaRPr lang="ru-RU"/>
+          </a:p>
+        </p:txBody>
+      </p:sp>
+      <p:sp>
+        <p:nvSpPr>
+          <p:cNvPr id="15" name="Овал 14"/>
+          <p:cNvSpPr/>
+          <p:nvPr/>
+        </p:nvSpPr>
+        <p:spPr>
+          <a:xfrm>
+            <a:off x="5665773" y="6254155"/>
+            <a:ext cx="288032" cy="288032"/>
+          </a:xfrm>
+          <a:prstGeom prst="ellipse">
+            <a:avLst/>
+          </a:prstGeom>
+          <a:solidFill>
+            <a:schemeClr val="bg1">
+              <a:lumMod val="75000"/>
+            </a:schemeClr>
+          </a:solidFill>
+        </p:spPr>
+        <p:style>
+          <a:lnRef idx="2">
+            <a:schemeClr val="accent1">
+              <a:shade val="50000"/>
+            </a:schemeClr>
+          </a:lnRef>
+          <a:fillRef idx="1">
+            <a:schemeClr val="accent1"/>
+          </a:fillRef>
+          <a:effectRef idx="0">
+            <a:schemeClr val="accent1"/>
+          </a:effectRef>
+          <a:fontRef idx="minor">
+            <a:schemeClr val="lt1"/>
+          </a:fontRef>
+        </p:style>
+        <p:txBody>
+          <a:bodyPr rtlCol="0" anchor="ctr"/>
+          <a:lstStyle/>
+          <a:p>
+            <a:pPr algn="ctr"/>
+            <a:endParaRPr lang="ru-RU"/>
+          </a:p>
+        </p:txBody>
+      </p:sp>
+      <p:sp>
+        <p:nvSpPr>
+          <p:cNvPr id="16" name="Овал 15"/>
+          <p:cNvSpPr/>
+          <p:nvPr/>
+        </p:nvSpPr>
+        <p:spPr>
+          <a:xfrm>
+            <a:off x="3059831" y="5947539"/>
+            <a:ext cx="288032" cy="288032"/>
+          </a:xfrm>
+          <a:prstGeom prst="ellipse">
+            <a:avLst/>
+          </a:prstGeom>
+          <a:solidFill>
+            <a:schemeClr val="bg1">
+              <a:lumMod val="75000"/>
+            </a:schemeClr>
+          </a:solidFill>
+        </p:spPr>
+        <p:style>
+          <a:lnRef idx="2">
+            <a:schemeClr val="accent1">
+              <a:shade val="50000"/>
+            </a:schemeClr>
+          </a:lnRef>
+          <a:fillRef idx="1">
+            <a:schemeClr val="accent1"/>
+          </a:fillRef>
+          <a:effectRef idx="0">
+            <a:schemeClr val="accent1"/>
+          </a:effectRef>
+          <a:fontRef idx="minor">
+            <a:schemeClr val="lt1"/>
+          </a:fontRef>
+        </p:style>
+        <p:txBody>
+          <a:bodyPr rtlCol="0" anchor="ctr"/>
+          <a:lstStyle/>
+          <a:p>
+            <a:pPr algn="ctr"/>
+            <a:endParaRPr lang="ru-RU"/>
+          </a:p>
+        </p:txBody>
+      </p:sp>
+      <p:sp>
+        <p:nvSpPr>
+          <p:cNvPr id="17" name="TextBox 16"/>
+          <p:cNvSpPr txBox="1"/>
+          <p:nvPr/>
+        </p:nvSpPr>
+        <p:spPr>
+          <a:xfrm>
+            <a:off x="4499991" y="4363363"/>
+            <a:ext cx="301686" cy="369332"/>
+          </a:xfrm>
+          <a:prstGeom prst="rect">
+            <a:avLst/>
+          </a:prstGeom>
+          <a:noFill/>
+        </p:spPr>
+        <p:txBody>
+          <a:bodyPr wrap="none" rtlCol="0">
+            <a:spAutoFit/>
+          </a:bodyPr>
+          <a:lstStyle/>
+          <a:p>
+            <a:r>
+              <a:rPr lang="en-US" dirty="0" smtClean="0"/>
+              <a:t>0</a:t>
+            </a:r>
+            <a:endParaRPr lang="ru-RU" dirty="0"/>
+          </a:p>
+        </p:txBody>
+      </p:sp>
+      <p:sp>
+        <p:nvSpPr>
+          <p:cNvPr id="18" name="TextBox 17"/>
+          <p:cNvSpPr txBox="1"/>
+          <p:nvPr/>
+        </p:nvSpPr>
+        <p:spPr>
+          <a:xfrm>
+            <a:off x="5062401" y="5227459"/>
+            <a:ext cx="301686" cy="369332"/>
+          </a:xfrm>
+          <a:prstGeom prst="rect">
+            <a:avLst/>
+          </a:prstGeom>
+          <a:noFill/>
+        </p:spPr>
+        <p:txBody>
+          <a:bodyPr wrap="none" rtlCol="0">
+            <a:spAutoFit/>
+          </a:bodyPr>
+          <a:lstStyle/>
+          <a:p>
+            <a:r>
+              <a:rPr lang="en-US" dirty="0" smtClean="0"/>
+              <a:t>1</a:t>
+            </a:r>
+            <a:endParaRPr lang="ru-RU" dirty="0"/>
+          </a:p>
+        </p:txBody>
+      </p:sp>
+      <p:sp>
+        <p:nvSpPr>
+          <p:cNvPr id="19" name="TextBox 18"/>
+          <p:cNvSpPr txBox="1"/>
+          <p:nvPr/>
+        </p:nvSpPr>
+        <p:spPr>
+          <a:xfrm>
+            <a:off x="3694249" y="5011435"/>
+            <a:ext cx="301686" cy="369332"/>
+          </a:xfrm>
+          <a:prstGeom prst="rect">
+            <a:avLst/>
+          </a:prstGeom>
+          <a:noFill/>
+        </p:spPr>
+        <p:txBody>
+          <a:bodyPr wrap="none" rtlCol="0">
+            <a:spAutoFit/>
+          </a:bodyPr>
+          <a:lstStyle/>
+          <a:p>
+            <a:r>
+              <a:rPr lang="en-US" dirty="0" smtClean="0"/>
+              <a:t>1</a:t>
+            </a:r>
+            <a:endParaRPr lang="ru-RU" dirty="0"/>
+          </a:p>
+        </p:txBody>
+      </p:sp>
+      <p:sp>
+        <p:nvSpPr>
+          <p:cNvPr id="20" name="TextBox 19"/>
+          <p:cNvSpPr txBox="1"/>
+          <p:nvPr/>
+        </p:nvSpPr>
+        <p:spPr>
+          <a:xfrm>
+            <a:off x="5652119" y="5966123"/>
+            <a:ext cx="301686" cy="369332"/>
+          </a:xfrm>
+          <a:prstGeom prst="rect">
+            <a:avLst/>
+          </a:prstGeom>
+          <a:noFill/>
+        </p:spPr>
+        <p:txBody>
+          <a:bodyPr wrap="none" rtlCol="0">
+            <a:spAutoFit/>
+          </a:bodyPr>
+          <a:lstStyle/>
+          <a:p>
+            <a:r>
+              <a:rPr lang="en-US" dirty="0" smtClean="0"/>
+              <a:t>2</a:t>
+            </a:r>
+            <a:endParaRPr lang="ru-RU" dirty="0"/>
+          </a:p>
+        </p:txBody>
+      </p:sp>
+      <p:sp>
+        <p:nvSpPr>
+          <p:cNvPr id="21" name="TextBox 20"/>
+          <p:cNvSpPr txBox="1"/>
+          <p:nvPr/>
+        </p:nvSpPr>
+        <p:spPr>
+          <a:xfrm>
+            <a:off x="3046177" y="5659507"/>
+            <a:ext cx="301686" cy="369332"/>
+          </a:xfrm>
+          <a:prstGeom prst="rect">
+            <a:avLst/>
+          </a:prstGeom>
+          <a:noFill/>
+        </p:spPr>
+        <p:txBody>
+          <a:bodyPr wrap="none" rtlCol="0">
+            <a:spAutoFit/>
+          </a:bodyPr>
+          <a:lstStyle/>
+          <a:p>
+            <a:r>
+              <a:rPr lang="en-US" dirty="0" smtClean="0"/>
+              <a:t>2</a:t>
+            </a:r>
+            <a:endParaRPr lang="ru-RU" dirty="0"/>
+          </a:p>
+        </p:txBody>
+      </p:sp>
+      <p:sp>
+        <p:nvSpPr>
+          <p:cNvPr id="22" name="TextBox 21"/>
+          <p:cNvSpPr txBox="1"/>
+          <p:nvPr/>
+        </p:nvSpPr>
+        <p:spPr>
+          <a:xfrm>
+            <a:off x="3046177" y="5875531"/>
+            <a:ext cx="301686" cy="369332"/>
+          </a:xfrm>
+          <a:prstGeom prst="rect">
+            <a:avLst/>
+          </a:prstGeom>
+          <a:noFill/>
+        </p:spPr>
+        <p:txBody>
+          <a:bodyPr wrap="none" rtlCol="0">
+            <a:spAutoFit/>
+          </a:bodyPr>
+          <a:lstStyle/>
+          <a:p>
+            <a:r>
+              <a:rPr lang="ru-RU" dirty="0" smtClean="0"/>
+              <a:t>4</a:t>
+            </a:r>
+            <a:endParaRPr lang="ru-RU" dirty="0"/>
+          </a:p>
+        </p:txBody>
+      </p:sp>
+      <p:sp>
+        <p:nvSpPr>
+          <p:cNvPr id="23" name="TextBox 22"/>
+          <p:cNvSpPr txBox="1"/>
+          <p:nvPr/>
+        </p:nvSpPr>
+        <p:spPr>
+          <a:xfrm>
+            <a:off x="5652119" y="6182147"/>
+            <a:ext cx="301686" cy="369332"/>
+          </a:xfrm>
+          <a:prstGeom prst="rect">
+            <a:avLst/>
+          </a:prstGeom>
+          <a:noFill/>
+        </p:spPr>
+        <p:txBody>
+          <a:bodyPr wrap="none" rtlCol="0">
+            <a:spAutoFit/>
+          </a:bodyPr>
+          <a:lstStyle/>
+          <a:p>
+            <a:r>
+              <a:rPr lang="ru-RU" dirty="0" smtClean="0"/>
+              <a:t>5</a:t>
+            </a:r>
+            <a:endParaRPr lang="ru-RU" dirty="0"/>
+          </a:p>
+        </p:txBody>
+      </p:sp>
+      <p:sp>
+        <p:nvSpPr>
+          <p:cNvPr id="24" name="TextBox 23"/>
+          <p:cNvSpPr txBox="1"/>
+          <p:nvPr/>
+        </p:nvSpPr>
+        <p:spPr>
+          <a:xfrm>
+            <a:off x="3694249" y="5227459"/>
+            <a:ext cx="301686" cy="369332"/>
+          </a:xfrm>
+          <a:prstGeom prst="rect">
+            <a:avLst/>
+          </a:prstGeom>
+          <a:noFill/>
+        </p:spPr>
+        <p:txBody>
+          <a:bodyPr wrap="none" rtlCol="0">
+            <a:spAutoFit/>
+          </a:bodyPr>
+          <a:lstStyle/>
+          <a:p>
+            <a:r>
+              <a:rPr lang="ru-RU" dirty="0" smtClean="0">
+                <a:solidFill>
+                  <a:schemeClr val="bg1"/>
+                </a:solidFill>
+              </a:rPr>
+              <a:t>2</a:t>
+            </a:r>
+            <a:endParaRPr lang="ru-RU" dirty="0">
+              <a:solidFill>
+                <a:schemeClr val="bg1"/>
+              </a:solidFill>
+            </a:endParaRPr>
+          </a:p>
+        </p:txBody>
+      </p:sp>
+      <p:sp>
+        <p:nvSpPr>
+          <p:cNvPr id="25" name="TextBox 24"/>
+          <p:cNvSpPr txBox="1"/>
+          <p:nvPr/>
+        </p:nvSpPr>
+        <p:spPr>
+          <a:xfrm>
+            <a:off x="5062401" y="5452775"/>
+            <a:ext cx="301686" cy="369332"/>
+          </a:xfrm>
+          <a:prstGeom prst="rect">
+            <a:avLst/>
+          </a:prstGeom>
+          <a:noFill/>
+        </p:spPr>
+        <p:txBody>
+          <a:bodyPr wrap="none" rtlCol="0">
+            <a:spAutoFit/>
+          </a:bodyPr>
+          <a:lstStyle/>
+          <a:p>
+            <a:r>
+              <a:rPr lang="ru-RU" dirty="0" smtClean="0">
+                <a:solidFill>
+                  <a:schemeClr val="bg1"/>
+                </a:solidFill>
+              </a:rPr>
+              <a:t>3</a:t>
+            </a:r>
+            <a:endParaRPr lang="ru-RU" dirty="0">
+              <a:solidFill>
+                <a:schemeClr val="bg1"/>
+              </a:solidFill>
+            </a:endParaRPr>
+          </a:p>
+        </p:txBody>
+      </p:sp>
+      <p:sp>
+        <p:nvSpPr>
+          <p:cNvPr id="26" name="TextBox 25"/>
+          <p:cNvSpPr txBox="1"/>
+          <p:nvPr/>
+        </p:nvSpPr>
+        <p:spPr>
+          <a:xfrm>
+            <a:off x="4499991" y="4579387"/>
+            <a:ext cx="301686" cy="369332"/>
+          </a:xfrm>
+          <a:prstGeom prst="rect">
+            <a:avLst/>
+          </a:prstGeom>
+          <a:noFill/>
+        </p:spPr>
+        <p:txBody>
+          <a:bodyPr wrap="none" rtlCol="0">
+            <a:spAutoFit/>
+          </a:bodyPr>
+          <a:lstStyle/>
+          <a:p>
+            <a:r>
+              <a:rPr lang="ru-RU" dirty="0" smtClean="0">
+                <a:solidFill>
+                  <a:schemeClr val="bg1"/>
+                </a:solidFill>
+              </a:rPr>
+              <a:t>1</a:t>
+            </a:r>
+            <a:endParaRPr lang="ru-RU" dirty="0">
+              <a:solidFill>
+                <a:schemeClr val="bg1"/>
+              </a:solidFill>
+            </a:endParaRPr>
+          </a:p>
+        </p:txBody>
+      </p:sp>
+      <p:cxnSp>
+        <p:nvCxnSpPr>
+          <p:cNvPr id="28" name="Скругленная соединительная линия 27"/>
+          <p:cNvCxnSpPr>
+            <a:stCxn id="15" idx="2"/>
+          </p:cNvCxnSpPr>
+          <p:nvPr/>
+        </p:nvCxnSpPr>
+        <p:spPr>
+          <a:xfrm rot="10800000">
+            <a:off x="3995937" y="5557673"/>
+            <a:ext cx="1669837" cy="840499"/>
+          </a:xfrm>
+          <a:prstGeom prst="curvedConnector3">
+            <a:avLst>
+              <a:gd name="adj1" fmla="val 50000"/>
+            </a:avLst>
+          </a:prstGeom>
+          <a:ln w="38100">
+            <a:tailEnd type="triangle"/>
+          </a:ln>
+        </p:spPr>
+        <p:style>
+          <a:lnRef idx="1">
+            <a:schemeClr val="accent1"/>
+          </a:lnRef>
+          <a:fillRef idx="0">
+            <a:schemeClr val="accent1"/>
+          </a:fillRef>
+          <a:effectRef idx="0">
+            <a:schemeClr val="accent1"/>
+          </a:effectRef>
+          <a:fontRef idx="minor">
+            <a:schemeClr val="tx1"/>
+          </a:fontRef>
+        </p:style>
+      </p:cxnSp>
+      <p:cxnSp>
+        <p:nvCxnSpPr>
+          <p:cNvPr id="27" name="Прямая со стрелкой 26"/>
+          <p:cNvCxnSpPr>
+            <a:stCxn id="16" idx="6"/>
+            <a:endCxn id="15" idx="2"/>
+          </p:cNvCxnSpPr>
+          <p:nvPr/>
+        </p:nvCxnSpPr>
+        <p:spPr>
+          <a:xfrm>
+            <a:off x="3347863" y="6091555"/>
+            <a:ext cx="2317910" cy="306616"/>
+          </a:xfrm>
+          <a:prstGeom prst="straightConnector1">
+            <a:avLst/>
+          </a:prstGeom>
+          <a:ln w="38100">
+            <a:solidFill>
+              <a:schemeClr val="accent6"/>
+            </a:solidFill>
+            <a:prstDash val="sysDot"/>
+            <a:headEnd type="none" w="med" len="med"/>
+            <a:tailEnd type="arrow" w="med" len="med"/>
+          </a:ln>
+        </p:spPr>
+        <p:style>
+          <a:lnRef idx="1">
+            <a:schemeClr val="accent1"/>
+          </a:lnRef>
+          <a:fillRef idx="0">
+            <a:schemeClr val="accent1"/>
+          </a:fillRef>
+          <a:effectRef idx="0">
+            <a:schemeClr val="accent1"/>
+          </a:effectRef>
+          <a:fontRef idx="minor">
+            <a:schemeClr val="tx1"/>
+          </a:fontRef>
+        </p:style>
+      </p:cxnSp>
     </p:spTree>
   </p:cSld>
   <p:clrMapOvr>
@@ -52167,17 +52920,6 @@
 <file path=ppt/slides/slide59.xml><?xml version="1.0" encoding="utf-8"?>
 <p:sld xmlns:a="http://schemas.openxmlformats.org/drawingml/2006/main" xmlns:r="http://schemas.openxmlformats.org/officeDocument/2006/relationships" xmlns:p="http://schemas.openxmlformats.org/presentationml/2006/main">
   <p:cSld>
-    <p:bg>
-      <p:bgPr>
-        <a:solidFill>
-          <a:schemeClr val="accent2">
-            <a:lumMod val="40000"/>
-            <a:lumOff val="60000"/>
-          </a:schemeClr>
-        </a:solidFill>
-        <a:effectLst/>
-      </p:bgPr>
-    </p:bg>
     <p:spTree>
       <p:nvGrpSpPr>
         <p:cNvPr id="1" name=""/>
@@ -52192,9 +52934,715 @@
           <a:chExt cx="0" cy="0"/>
         </a:xfrm>
       </p:grpSpPr>
-      <p:sp>
-        <p:nvSpPr>
-          <p:cNvPr id="9" name="Заголовок 1"/>
+      <p:cxnSp>
+        <p:nvCxnSpPr>
+          <p:cNvPr id="17" name="Прямая со стрелкой 16"/>
+          <p:cNvCxnSpPr/>
+          <p:nvPr/>
+        </p:nvCxnSpPr>
+        <p:spPr>
+          <a:xfrm flipH="1">
+            <a:off x="2729619" y="2576147"/>
+            <a:ext cx="588418" cy="444402"/>
+          </a:xfrm>
+          <a:prstGeom prst="straightConnector1">
+            <a:avLst/>
+          </a:prstGeom>
+          <a:ln w="38100">
+            <a:solidFill>
+              <a:schemeClr val="accent1"/>
+            </a:solidFill>
+            <a:headEnd type="none" w="med" len="med"/>
+            <a:tailEnd type="arrow" w="med" len="med"/>
+          </a:ln>
+        </p:spPr>
+        <p:style>
+          <a:lnRef idx="1">
+            <a:schemeClr val="accent1"/>
+          </a:lnRef>
+          <a:fillRef idx="0">
+            <a:schemeClr val="accent1"/>
+          </a:fillRef>
+          <a:effectRef idx="0">
+            <a:schemeClr val="accent1"/>
+          </a:effectRef>
+          <a:fontRef idx="minor">
+            <a:schemeClr val="tx1"/>
+          </a:fontRef>
+        </p:style>
+      </p:cxnSp>
+      <p:cxnSp>
+        <p:nvCxnSpPr>
+          <p:cNvPr id="20" name="Прямая со стрелкой 19"/>
+          <p:cNvCxnSpPr/>
+          <p:nvPr/>
+        </p:nvCxnSpPr>
+        <p:spPr>
+          <a:xfrm flipH="1">
+            <a:off x="2081547" y="3224219"/>
+            <a:ext cx="444402" cy="444402"/>
+          </a:xfrm>
+          <a:prstGeom prst="straightConnector1">
+            <a:avLst/>
+          </a:prstGeom>
+          <a:ln w="38100">
+            <a:solidFill>
+              <a:schemeClr val="accent1"/>
+            </a:solidFill>
+            <a:headEnd type="none" w="med" len="med"/>
+            <a:tailEnd type="arrow" w="med" len="med"/>
+          </a:ln>
+        </p:spPr>
+        <p:style>
+          <a:lnRef idx="1">
+            <a:schemeClr val="accent1"/>
+          </a:lnRef>
+          <a:fillRef idx="0">
+            <a:schemeClr val="accent1"/>
+          </a:fillRef>
+          <a:effectRef idx="0">
+            <a:schemeClr val="accent1"/>
+          </a:effectRef>
+          <a:fontRef idx="minor">
+            <a:schemeClr val="tx1"/>
+          </a:fontRef>
+        </p:style>
+      </p:cxnSp>
+      <p:cxnSp>
+        <p:nvCxnSpPr>
+          <p:cNvPr id="22" name="Прямая со стрелкой 21"/>
+          <p:cNvCxnSpPr/>
+          <p:nvPr/>
+        </p:nvCxnSpPr>
+        <p:spPr>
+          <a:xfrm>
+            <a:off x="3521707" y="2576147"/>
+            <a:ext cx="372394" cy="660426"/>
+          </a:xfrm>
+          <a:prstGeom prst="straightConnector1">
+            <a:avLst/>
+          </a:prstGeom>
+          <a:ln w="38100">
+            <a:solidFill>
+              <a:schemeClr val="accent1"/>
+            </a:solidFill>
+            <a:headEnd type="none" w="med" len="med"/>
+            <a:tailEnd type="arrow" w="med" len="med"/>
+          </a:ln>
+        </p:spPr>
+        <p:style>
+          <a:lnRef idx="1">
+            <a:schemeClr val="accent1"/>
+          </a:lnRef>
+          <a:fillRef idx="0">
+            <a:schemeClr val="accent1"/>
+          </a:fillRef>
+          <a:effectRef idx="0">
+            <a:schemeClr val="accent1"/>
+          </a:effectRef>
+          <a:fontRef idx="minor">
+            <a:schemeClr val="tx1"/>
+          </a:fontRef>
+        </p:style>
+      </p:cxnSp>
+      <p:cxnSp>
+        <p:nvCxnSpPr>
+          <p:cNvPr id="119" name="Прямая соединительная линия 118"/>
+          <p:cNvCxnSpPr>
+            <a:stCxn id="32" idx="5"/>
+            <a:endCxn id="56" idx="1"/>
+          </p:cNvCxnSpPr>
+          <p:nvPr/>
+        </p:nvCxnSpPr>
+        <p:spPr>
+          <a:xfrm>
+            <a:off x="4097771" y="3440243"/>
+            <a:ext cx="330213" cy="605471"/>
+          </a:xfrm>
+          <a:prstGeom prst="line">
+            <a:avLst/>
+          </a:prstGeom>
+          <a:ln w="38100">
+            <a:solidFill>
+              <a:schemeClr val="accent1"/>
+            </a:solidFill>
+            <a:headEnd type="none" w="med" len="med"/>
+            <a:tailEnd type="arrow" w="med" len="med"/>
+          </a:ln>
+        </p:spPr>
+        <p:style>
+          <a:lnRef idx="1">
+            <a:schemeClr val="accent1"/>
+          </a:lnRef>
+          <a:fillRef idx="0">
+            <a:schemeClr val="accent1"/>
+          </a:fillRef>
+          <a:effectRef idx="0">
+            <a:schemeClr val="accent1"/>
+          </a:effectRef>
+          <a:fontRef idx="minor">
+            <a:schemeClr val="tx1"/>
+          </a:fontRef>
+        </p:style>
+      </p:cxnSp>
+      <p:sp>
+        <p:nvSpPr>
+          <p:cNvPr id="28" name="Овал 27"/>
+          <p:cNvSpPr/>
+          <p:nvPr/>
+        </p:nvSpPr>
+        <p:spPr>
+          <a:xfrm>
+            <a:off x="3275856" y="2330296"/>
+            <a:ext cx="288032" cy="288032"/>
+          </a:xfrm>
+          <a:prstGeom prst="ellipse">
+            <a:avLst/>
+          </a:prstGeom>
+          <a:solidFill>
+            <a:schemeClr val="tx1"/>
+          </a:solidFill>
+        </p:spPr>
+        <p:style>
+          <a:lnRef idx="2">
+            <a:schemeClr val="accent1">
+              <a:shade val="50000"/>
+            </a:schemeClr>
+          </a:lnRef>
+          <a:fillRef idx="1">
+            <a:schemeClr val="accent1"/>
+          </a:fillRef>
+          <a:effectRef idx="0">
+            <a:schemeClr val="accent1"/>
+          </a:effectRef>
+          <a:fontRef idx="minor">
+            <a:schemeClr val="lt1"/>
+          </a:fontRef>
+        </p:style>
+        <p:txBody>
+          <a:bodyPr rtlCol="0" anchor="ctr"/>
+          <a:lstStyle/>
+          <a:p>
+            <a:pPr algn="ctr"/>
+            <a:endParaRPr lang="ru-RU"/>
+          </a:p>
+        </p:txBody>
+      </p:sp>
+      <p:sp>
+        <p:nvSpPr>
+          <p:cNvPr id="32" name="Овал 31"/>
+          <p:cNvSpPr/>
+          <p:nvPr/>
+        </p:nvSpPr>
+        <p:spPr>
+          <a:xfrm>
+            <a:off x="3851920" y="3194392"/>
+            <a:ext cx="288032" cy="288032"/>
+          </a:xfrm>
+          <a:prstGeom prst="ellipse">
+            <a:avLst/>
+          </a:prstGeom>
+          <a:solidFill>
+            <a:schemeClr val="tx1"/>
+          </a:solidFill>
+        </p:spPr>
+        <p:style>
+          <a:lnRef idx="2">
+            <a:schemeClr val="accent1">
+              <a:shade val="50000"/>
+            </a:schemeClr>
+          </a:lnRef>
+          <a:fillRef idx="1">
+            <a:schemeClr val="accent1"/>
+          </a:fillRef>
+          <a:effectRef idx="0">
+            <a:schemeClr val="accent1"/>
+          </a:effectRef>
+          <a:fontRef idx="minor">
+            <a:schemeClr val="lt1"/>
+          </a:fontRef>
+        </p:style>
+        <p:txBody>
+          <a:bodyPr rtlCol="0" anchor="ctr"/>
+          <a:lstStyle/>
+          <a:p>
+            <a:pPr algn="ctr"/>
+            <a:endParaRPr lang="ru-RU"/>
+          </a:p>
+        </p:txBody>
+      </p:sp>
+      <p:sp>
+        <p:nvSpPr>
+          <p:cNvPr id="35" name="Овал 34"/>
+          <p:cNvSpPr/>
+          <p:nvPr/>
+        </p:nvSpPr>
+        <p:spPr>
+          <a:xfrm>
+            <a:off x="2483768" y="2978368"/>
+            <a:ext cx="288032" cy="288032"/>
+          </a:xfrm>
+          <a:prstGeom prst="ellipse">
+            <a:avLst/>
+          </a:prstGeom>
+          <a:solidFill>
+            <a:schemeClr val="tx1"/>
+          </a:solidFill>
+        </p:spPr>
+        <p:style>
+          <a:lnRef idx="2">
+            <a:schemeClr val="accent1">
+              <a:shade val="50000"/>
+            </a:schemeClr>
+          </a:lnRef>
+          <a:fillRef idx="1">
+            <a:schemeClr val="accent1"/>
+          </a:fillRef>
+          <a:effectRef idx="0">
+            <a:schemeClr val="accent1"/>
+          </a:effectRef>
+          <a:fontRef idx="minor">
+            <a:schemeClr val="lt1"/>
+          </a:fontRef>
+        </p:style>
+        <p:txBody>
+          <a:bodyPr rtlCol="0" anchor="ctr"/>
+          <a:lstStyle/>
+          <a:p>
+            <a:pPr algn="ctr"/>
+            <a:endParaRPr lang="ru-RU"/>
+          </a:p>
+        </p:txBody>
+      </p:sp>
+      <p:sp>
+        <p:nvSpPr>
+          <p:cNvPr id="39" name="Овал 38"/>
+          <p:cNvSpPr/>
+          <p:nvPr/>
+        </p:nvSpPr>
+        <p:spPr>
+          <a:xfrm>
+            <a:off x="4441638" y="3933056"/>
+            <a:ext cx="288032" cy="288032"/>
+          </a:xfrm>
+          <a:prstGeom prst="ellipse">
+            <a:avLst/>
+          </a:prstGeom>
+          <a:solidFill>
+            <a:schemeClr val="tx1"/>
+          </a:solidFill>
+        </p:spPr>
+        <p:style>
+          <a:lnRef idx="2">
+            <a:schemeClr val="accent1">
+              <a:shade val="50000"/>
+            </a:schemeClr>
+          </a:lnRef>
+          <a:fillRef idx="1">
+            <a:schemeClr val="accent1"/>
+          </a:fillRef>
+          <a:effectRef idx="0">
+            <a:schemeClr val="accent1"/>
+          </a:effectRef>
+          <a:fontRef idx="minor">
+            <a:schemeClr val="lt1"/>
+          </a:fontRef>
+        </p:style>
+        <p:txBody>
+          <a:bodyPr rtlCol="0" anchor="ctr"/>
+          <a:lstStyle/>
+          <a:p>
+            <a:pPr algn="ctr"/>
+            <a:endParaRPr lang="ru-RU"/>
+          </a:p>
+        </p:txBody>
+      </p:sp>
+      <p:sp>
+        <p:nvSpPr>
+          <p:cNvPr id="41" name="Овал 40"/>
+          <p:cNvSpPr/>
+          <p:nvPr/>
+        </p:nvSpPr>
+        <p:spPr>
+          <a:xfrm>
+            <a:off x="1835696" y="3626440"/>
+            <a:ext cx="288032" cy="288032"/>
+          </a:xfrm>
+          <a:prstGeom prst="ellipse">
+            <a:avLst/>
+          </a:prstGeom>
+          <a:solidFill>
+            <a:schemeClr val="tx1"/>
+          </a:solidFill>
+        </p:spPr>
+        <p:style>
+          <a:lnRef idx="2">
+            <a:schemeClr val="accent1">
+              <a:shade val="50000"/>
+            </a:schemeClr>
+          </a:lnRef>
+          <a:fillRef idx="1">
+            <a:schemeClr val="accent1"/>
+          </a:fillRef>
+          <a:effectRef idx="0">
+            <a:schemeClr val="accent1"/>
+          </a:effectRef>
+          <a:fontRef idx="minor">
+            <a:schemeClr val="lt1"/>
+          </a:fontRef>
+        </p:style>
+        <p:txBody>
+          <a:bodyPr rtlCol="0" anchor="ctr"/>
+          <a:lstStyle/>
+          <a:p>
+            <a:pPr algn="ctr"/>
+            <a:endParaRPr lang="ru-RU"/>
+          </a:p>
+        </p:txBody>
+      </p:sp>
+      <p:sp>
+        <p:nvSpPr>
+          <p:cNvPr id="45" name="TextBox 44"/>
+          <p:cNvSpPr txBox="1"/>
+          <p:nvPr/>
+        </p:nvSpPr>
+        <p:spPr>
+          <a:xfrm>
+            <a:off x="3275856" y="2042264"/>
+            <a:ext cx="301686" cy="369332"/>
+          </a:xfrm>
+          <a:prstGeom prst="rect">
+            <a:avLst/>
+          </a:prstGeom>
+          <a:noFill/>
+        </p:spPr>
+        <p:txBody>
+          <a:bodyPr wrap="none" rtlCol="0">
+            <a:spAutoFit/>
+          </a:bodyPr>
+          <a:lstStyle/>
+          <a:p>
+            <a:r>
+              <a:rPr lang="en-US" dirty="0" smtClean="0"/>
+              <a:t>0</a:t>
+            </a:r>
+            <a:endParaRPr lang="ru-RU" dirty="0"/>
+          </a:p>
+        </p:txBody>
+      </p:sp>
+      <p:sp>
+        <p:nvSpPr>
+          <p:cNvPr id="46" name="TextBox 45"/>
+          <p:cNvSpPr txBox="1"/>
+          <p:nvPr/>
+        </p:nvSpPr>
+        <p:spPr>
+          <a:xfrm>
+            <a:off x="3838266" y="2906360"/>
+            <a:ext cx="301686" cy="369332"/>
+          </a:xfrm>
+          <a:prstGeom prst="rect">
+            <a:avLst/>
+          </a:prstGeom>
+          <a:noFill/>
+        </p:spPr>
+        <p:txBody>
+          <a:bodyPr wrap="none" rtlCol="0">
+            <a:spAutoFit/>
+          </a:bodyPr>
+          <a:lstStyle/>
+          <a:p>
+            <a:r>
+              <a:rPr lang="en-US" dirty="0" smtClean="0"/>
+              <a:t>1</a:t>
+            </a:r>
+            <a:endParaRPr lang="ru-RU" dirty="0"/>
+          </a:p>
+        </p:txBody>
+      </p:sp>
+      <p:sp>
+        <p:nvSpPr>
+          <p:cNvPr id="47" name="TextBox 46"/>
+          <p:cNvSpPr txBox="1"/>
+          <p:nvPr/>
+        </p:nvSpPr>
+        <p:spPr>
+          <a:xfrm>
+            <a:off x="2470114" y="2690336"/>
+            <a:ext cx="301686" cy="369332"/>
+          </a:xfrm>
+          <a:prstGeom prst="rect">
+            <a:avLst/>
+          </a:prstGeom>
+          <a:noFill/>
+        </p:spPr>
+        <p:txBody>
+          <a:bodyPr wrap="none" rtlCol="0">
+            <a:spAutoFit/>
+          </a:bodyPr>
+          <a:lstStyle/>
+          <a:p>
+            <a:r>
+              <a:rPr lang="en-US" dirty="0" smtClean="0"/>
+              <a:t>1</a:t>
+            </a:r>
+            <a:endParaRPr lang="ru-RU" dirty="0"/>
+          </a:p>
+        </p:txBody>
+      </p:sp>
+      <p:sp>
+        <p:nvSpPr>
+          <p:cNvPr id="49" name="TextBox 48"/>
+          <p:cNvSpPr txBox="1"/>
+          <p:nvPr/>
+        </p:nvSpPr>
+        <p:spPr>
+          <a:xfrm>
+            <a:off x="4427984" y="3645024"/>
+            <a:ext cx="301686" cy="369332"/>
+          </a:xfrm>
+          <a:prstGeom prst="rect">
+            <a:avLst/>
+          </a:prstGeom>
+          <a:noFill/>
+        </p:spPr>
+        <p:txBody>
+          <a:bodyPr wrap="none" rtlCol="0">
+            <a:spAutoFit/>
+          </a:bodyPr>
+          <a:lstStyle/>
+          <a:p>
+            <a:r>
+              <a:rPr lang="en-US" dirty="0" smtClean="0"/>
+              <a:t>2</a:t>
+            </a:r>
+            <a:endParaRPr lang="ru-RU" dirty="0"/>
+          </a:p>
+        </p:txBody>
+      </p:sp>
+      <p:sp>
+        <p:nvSpPr>
+          <p:cNvPr id="50" name="TextBox 49"/>
+          <p:cNvSpPr txBox="1"/>
+          <p:nvPr/>
+        </p:nvSpPr>
+        <p:spPr>
+          <a:xfrm>
+            <a:off x="1822042" y="3338408"/>
+            <a:ext cx="301686" cy="369332"/>
+          </a:xfrm>
+          <a:prstGeom prst="rect">
+            <a:avLst/>
+          </a:prstGeom>
+          <a:noFill/>
+        </p:spPr>
+        <p:txBody>
+          <a:bodyPr wrap="none" rtlCol="0">
+            <a:spAutoFit/>
+          </a:bodyPr>
+          <a:lstStyle/>
+          <a:p>
+            <a:r>
+              <a:rPr lang="en-US" dirty="0" smtClean="0"/>
+              <a:t>2</a:t>
+            </a:r>
+            <a:endParaRPr lang="ru-RU" dirty="0"/>
+          </a:p>
+        </p:txBody>
+      </p:sp>
+      <p:sp>
+        <p:nvSpPr>
+          <p:cNvPr id="55" name="TextBox 54"/>
+          <p:cNvSpPr txBox="1"/>
+          <p:nvPr/>
+        </p:nvSpPr>
+        <p:spPr>
+          <a:xfrm>
+            <a:off x="1822042" y="3554432"/>
+            <a:ext cx="301686" cy="369332"/>
+          </a:xfrm>
+          <a:prstGeom prst="rect">
+            <a:avLst/>
+          </a:prstGeom>
+          <a:noFill/>
+        </p:spPr>
+        <p:txBody>
+          <a:bodyPr wrap="none" rtlCol="0">
+            <a:spAutoFit/>
+          </a:bodyPr>
+          <a:lstStyle/>
+          <a:p>
+            <a:r>
+              <a:rPr lang="ru-RU" dirty="0" smtClean="0">
+                <a:solidFill>
+                  <a:schemeClr val="bg1"/>
+                </a:solidFill>
+              </a:rPr>
+              <a:t>6</a:t>
+            </a:r>
+            <a:endParaRPr lang="ru-RU" dirty="0">
+              <a:solidFill>
+                <a:schemeClr val="bg1"/>
+              </a:solidFill>
+            </a:endParaRPr>
+          </a:p>
+        </p:txBody>
+      </p:sp>
+      <p:sp>
+        <p:nvSpPr>
+          <p:cNvPr id="56" name="TextBox 55"/>
+          <p:cNvSpPr txBox="1"/>
+          <p:nvPr/>
+        </p:nvSpPr>
+        <p:spPr>
+          <a:xfrm>
+            <a:off x="4427984" y="3861048"/>
+            <a:ext cx="301686" cy="369332"/>
+          </a:xfrm>
+          <a:prstGeom prst="rect">
+            <a:avLst/>
+          </a:prstGeom>
+          <a:noFill/>
+        </p:spPr>
+        <p:txBody>
+          <a:bodyPr wrap="none" rtlCol="0">
+            <a:spAutoFit/>
+          </a:bodyPr>
+          <a:lstStyle/>
+          <a:p>
+            <a:r>
+              <a:rPr lang="ru-RU" dirty="0" smtClean="0">
+                <a:solidFill>
+                  <a:schemeClr val="bg1"/>
+                </a:solidFill>
+              </a:rPr>
+              <a:t>5</a:t>
+            </a:r>
+            <a:endParaRPr lang="ru-RU" dirty="0">
+              <a:solidFill>
+                <a:schemeClr val="bg1"/>
+              </a:solidFill>
+            </a:endParaRPr>
+          </a:p>
+        </p:txBody>
+      </p:sp>
+      <p:sp>
+        <p:nvSpPr>
+          <p:cNvPr id="58" name="TextBox 57"/>
+          <p:cNvSpPr txBox="1"/>
+          <p:nvPr/>
+        </p:nvSpPr>
+        <p:spPr>
+          <a:xfrm>
+            <a:off x="2470114" y="2906360"/>
+            <a:ext cx="301686" cy="369332"/>
+          </a:xfrm>
+          <a:prstGeom prst="rect">
+            <a:avLst/>
+          </a:prstGeom>
+          <a:noFill/>
+        </p:spPr>
+        <p:txBody>
+          <a:bodyPr wrap="none" rtlCol="0">
+            <a:spAutoFit/>
+          </a:bodyPr>
+          <a:lstStyle/>
+          <a:p>
+            <a:r>
+              <a:rPr lang="ru-RU" dirty="0" smtClean="0">
+                <a:solidFill>
+                  <a:schemeClr val="bg1"/>
+                </a:solidFill>
+              </a:rPr>
+              <a:t>3</a:t>
+            </a:r>
+            <a:endParaRPr lang="ru-RU" dirty="0">
+              <a:solidFill>
+                <a:schemeClr val="bg1"/>
+              </a:solidFill>
+            </a:endParaRPr>
+          </a:p>
+        </p:txBody>
+      </p:sp>
+      <p:sp>
+        <p:nvSpPr>
+          <p:cNvPr id="59" name="TextBox 58"/>
+          <p:cNvSpPr txBox="1"/>
+          <p:nvPr/>
+        </p:nvSpPr>
+        <p:spPr>
+          <a:xfrm>
+            <a:off x="3838266" y="3131676"/>
+            <a:ext cx="301686" cy="369332"/>
+          </a:xfrm>
+          <a:prstGeom prst="rect">
+            <a:avLst/>
+          </a:prstGeom>
+          <a:noFill/>
+        </p:spPr>
+        <p:txBody>
+          <a:bodyPr wrap="none" rtlCol="0">
+            <a:spAutoFit/>
+          </a:bodyPr>
+          <a:lstStyle/>
+          <a:p>
+            <a:r>
+              <a:rPr lang="ru-RU" dirty="0" smtClean="0">
+                <a:solidFill>
+                  <a:schemeClr val="bg1"/>
+                </a:solidFill>
+              </a:rPr>
+              <a:t>2</a:t>
+            </a:r>
+            <a:endParaRPr lang="ru-RU" dirty="0">
+              <a:solidFill>
+                <a:schemeClr val="bg1"/>
+              </a:solidFill>
+            </a:endParaRPr>
+          </a:p>
+        </p:txBody>
+      </p:sp>
+      <p:sp>
+        <p:nvSpPr>
+          <p:cNvPr id="60" name="TextBox 59"/>
+          <p:cNvSpPr txBox="1"/>
+          <p:nvPr/>
+        </p:nvSpPr>
+        <p:spPr>
+          <a:xfrm>
+            <a:off x="3275856" y="2258288"/>
+            <a:ext cx="301686" cy="369332"/>
+          </a:xfrm>
+          <a:prstGeom prst="rect">
+            <a:avLst/>
+          </a:prstGeom>
+          <a:noFill/>
+        </p:spPr>
+        <p:txBody>
+          <a:bodyPr wrap="none" rtlCol="0">
+            <a:spAutoFit/>
+          </a:bodyPr>
+          <a:lstStyle/>
+          <a:p>
+            <a:r>
+              <a:rPr lang="ru-RU" dirty="0" smtClean="0">
+                <a:solidFill>
+                  <a:schemeClr val="bg1"/>
+                </a:solidFill>
+              </a:rPr>
+              <a:t>1</a:t>
+            </a:r>
+            <a:endParaRPr lang="ru-RU" dirty="0">
+              <a:solidFill>
+                <a:schemeClr val="bg1"/>
+              </a:solidFill>
+            </a:endParaRPr>
+          </a:p>
+        </p:txBody>
+      </p:sp>
+      <p:sp>
+        <p:nvSpPr>
+          <p:cNvPr id="40" name="Заголовок 1"/>
           <p:cNvSpPr txBox="1">
             <a:spLocks/>
           </p:cNvSpPr>
@@ -52202,7 +53650,7 @@
         </p:nvSpPr>
         <p:spPr>
           <a:xfrm>
-            <a:off x="685800" y="404664"/>
+            <a:off x="685800" y="188640"/>
             <a:ext cx="7772400" cy="1470025"/>
           </a:xfrm>
           <a:prstGeom prst="rect">
@@ -52211,108 +53659,144 @@
         </p:spPr>
         <p:txBody>
           <a:bodyPr vert="horz" lIns="91440" tIns="45720" rIns="91440" bIns="45720" rtlCol="0" anchor="ctr">
-            <a:normAutofit/>
-          </a:bodyPr>
-          <a:lstStyle/>
-          <a:p>
-            <a:pPr marL="514350" indent="-514350">
+            <a:normAutofit fontScale="92500" lnSpcReduction="20000"/>
+          </a:bodyPr>
+          <a:lstStyle/>
+          <a:p>
+            <a:pPr marL="514350" lvl="0" indent="-514350">
               <a:spcBef>
                 <a:spcPct val="0"/>
               </a:spcBef>
               <a:buFont typeface="+mj-lt"/>
-              <a:buAutoNum type="arabicPeriod" startAt="6"/>
+              <a:buAutoNum type="arabicPeriod" startAt="3"/>
             </a:pPr>
             <a:r>
-              <a:rPr lang="ru-RU" sz="2800" dirty="0" smtClean="0"/>
-              <a:t>Проверка любого графа на </a:t>
-            </a:r>
-            <a:r>
-              <a:rPr lang="ru-RU" sz="2800" b="1" dirty="0" smtClean="0"/>
-              <a:t>ацикличность</a:t>
-            </a:r>
-            <a:r>
-              <a:rPr lang="ru-RU" sz="2800" dirty="0" smtClean="0"/>
+              <a:rPr lang="ru-RU" sz="2800" dirty="0"/>
+              <a:t>Поиск </a:t>
+            </a:r>
+            <a:r>
+              <a:rPr lang="ru-RU" sz="2800" b="1" dirty="0"/>
+              <a:t>кратчайших расстояний</a:t>
+            </a:r>
+            <a:r>
+              <a:rPr lang="ru-RU" sz="2800" dirty="0"/>
               <a:t> и </a:t>
             </a:r>
             <a:r>
-              <a:rPr lang="ru-RU" sz="2800" b="1" dirty="0" err="1" smtClean="0"/>
-              <a:t>бесконтурность</a:t>
-            </a:r>
-            <a:endParaRPr lang="ru-RU" sz="2800" b="1" dirty="0" smtClean="0"/>
-          </a:p>
-        </p:txBody>
-      </p:sp>
-      <p:sp>
-        <p:nvSpPr>
-          <p:cNvPr id="4" name="Заголовок 1"/>
-          <p:cNvSpPr txBox="1">
-            <a:spLocks/>
-          </p:cNvSpPr>
-          <p:nvPr/>
-        </p:nvSpPr>
-        <p:spPr>
-          <a:xfrm>
-            <a:off x="1120080" y="2346449"/>
-            <a:ext cx="7772400" cy="2450703"/>
-          </a:xfrm>
-          <a:prstGeom prst="rect">
-            <a:avLst/>
-          </a:prstGeom>
-        </p:spPr>
-        <p:txBody>
-          <a:bodyPr vert="horz" lIns="91440" tIns="45720" rIns="91440" bIns="45720" rtlCol="0" anchor="ctr">
-            <a:normAutofit/>
-          </a:bodyPr>
-          <a:lstStyle/>
-          <a:p>
-            <a:pPr>
-              <a:spcBef>
-                <a:spcPct val="0"/>
-              </a:spcBef>
-            </a:pPr>
-            <a:r>
-              <a:rPr lang="ru-RU" sz="2000" b="1" dirty="0" smtClean="0"/>
-              <a:t>Алгоритм:</a:t>
-            </a:r>
-            <a:endParaRPr lang="ru-RU" sz="2000" dirty="0" smtClean="0"/>
-          </a:p>
-          <a:p>
-            <a:pPr lvl="0">
-              <a:spcBef>
-                <a:spcPct val="0"/>
-              </a:spcBef>
-              <a:buFont typeface="Arial" pitchFamily="34" charset="0"/>
-              <a:buChar char="•"/>
-            </a:pPr>
-            <a:r>
-              <a:rPr lang="ru-RU" sz="2000" dirty="0" smtClean="0"/>
-              <a:t>Если во время обхода происходит попытка обратиться к не белой вершине (которая не является непосредственным предком), то это говорит о найденном цикле (но не обязательно контуре).</a:t>
-            </a:r>
-          </a:p>
-          <a:p>
-            <a:pPr lvl="0">
-              <a:spcBef>
-                <a:spcPct val="0"/>
-              </a:spcBef>
-            </a:pPr>
-            <a:endParaRPr lang="ru-RU" sz="2000" dirty="0" smtClean="0"/>
-          </a:p>
-          <a:p>
-            <a:pPr lvl="0">
-              <a:spcBef>
-                <a:spcPct val="0"/>
-              </a:spcBef>
-              <a:buFont typeface="Arial" pitchFamily="34" charset="0"/>
-              <a:buChar char="•"/>
-            </a:pPr>
-            <a:r>
-              <a:rPr lang="ru-RU" sz="2000" dirty="0" smtClean="0"/>
-              <a:t>Нужно определить дуга является обратной или перекрестной. Если дуга обратная, то найден контур.</a:t>
-            </a:r>
-          </a:p>
-        </p:txBody>
-      </p:sp>
+              <a:rPr lang="ru-RU" sz="2800" b="1" dirty="0"/>
+              <a:t>кратчайших путей </a:t>
+            </a:r>
+            <a:r>
+              <a:rPr lang="ru-RU" sz="2800" dirty="0"/>
+              <a:t>в невзвешенном </a:t>
+            </a:r>
+            <a:r>
+              <a:rPr lang="ru-RU" sz="2800" dirty="0" err="1"/>
+              <a:t>НЕориентированном</a:t>
+            </a:r>
+            <a:r>
+              <a:rPr lang="ru-RU" sz="2800" dirty="0"/>
+              <a:t> графе</a:t>
+            </a:r>
+            <a:r>
+              <a:rPr lang="en-US" sz="2800" dirty="0"/>
+              <a:t> </a:t>
+            </a:r>
+            <a:r>
+              <a:rPr lang="ru-RU" sz="2800" b="1" dirty="0"/>
+              <a:t>от заданной вершины до всех остальных вершин</a:t>
+            </a:r>
+            <a:r>
+              <a:rPr lang="ru-RU" sz="2800" dirty="0"/>
+              <a:t>.</a:t>
+            </a:r>
+            <a:endParaRPr lang="ru-RU" sz="2800" b="1" dirty="0"/>
+          </a:p>
+        </p:txBody>
+      </p:sp>
+      <p:cxnSp>
+        <p:nvCxnSpPr>
+          <p:cNvPr id="44" name="Прямая со стрелкой 43"/>
+          <p:cNvCxnSpPr>
+            <a:stCxn id="41" idx="6"/>
+            <a:endCxn id="39" idx="2"/>
+          </p:cNvCxnSpPr>
+          <p:nvPr/>
+        </p:nvCxnSpPr>
+        <p:spPr>
+          <a:xfrm>
+            <a:off x="2123728" y="3770456"/>
+            <a:ext cx="2317910" cy="306616"/>
+          </a:xfrm>
+          <a:prstGeom prst="straightConnector1">
+            <a:avLst/>
+          </a:prstGeom>
+          <a:ln w="38100">
+            <a:solidFill>
+              <a:schemeClr val="accent6"/>
+            </a:solidFill>
+            <a:prstDash val="sysDot"/>
+            <a:headEnd type="none" w="med" len="med"/>
+            <a:tailEnd type="arrow" w="med" len="med"/>
+          </a:ln>
+        </p:spPr>
+        <p:style>
+          <a:lnRef idx="1">
+            <a:schemeClr val="accent1"/>
+          </a:lnRef>
+          <a:fillRef idx="0">
+            <a:schemeClr val="accent1"/>
+          </a:fillRef>
+          <a:effectRef idx="0">
+            <a:schemeClr val="accent1"/>
+          </a:effectRef>
+          <a:fontRef idx="minor">
+            <a:schemeClr val="tx1"/>
+          </a:fontRef>
+        </p:style>
+      </p:cxnSp>
+      <p:cxnSp>
+        <p:nvCxnSpPr>
+          <p:cNvPr id="14" name="Скругленная соединительная линия 13"/>
+          <p:cNvCxnSpPr>
+            <a:stCxn id="39" idx="7"/>
+            <a:endCxn id="28" idx="6"/>
+          </p:cNvCxnSpPr>
+          <p:nvPr/>
+        </p:nvCxnSpPr>
+        <p:spPr>
+          <a:xfrm rot="16200000" flipV="1">
+            <a:off x="3375227" y="2662974"/>
+            <a:ext cx="1500925" cy="1123601"/>
+          </a:xfrm>
+          <a:prstGeom prst="curvedConnector2">
+            <a:avLst/>
+          </a:prstGeom>
+          <a:ln w="38100">
+            <a:tailEnd type="triangle"/>
+          </a:ln>
+        </p:spPr>
+        <p:style>
+          <a:lnRef idx="1">
+            <a:schemeClr val="accent1"/>
+          </a:lnRef>
+          <a:fillRef idx="0">
+            <a:schemeClr val="accent1"/>
+          </a:fillRef>
+          <a:effectRef idx="0">
+            <a:schemeClr val="accent1"/>
+          </a:effectRef>
+          <a:fontRef idx="minor">
+            <a:schemeClr val="tx1"/>
+          </a:fontRef>
+        </p:style>
+      </p:cxnSp>
     </p:spTree>
+    <p:extLst>
+      <p:ext uri="{BB962C8B-B14F-4D97-AF65-F5344CB8AC3E}">
+        <p14:creationId xmlns:p14="http://schemas.microsoft.com/office/powerpoint/2010/main" val="1648567470"/>
+      </p:ext>
+    </p:extLst>
   </p:cSld>
   <p:clrMapOvr>
     <a:masterClrMapping/>
@@ -53778,6 +55262,169 @@
     <p:bg>
       <p:bgPr>
         <a:solidFill>
+          <a:schemeClr val="accent2">
+            <a:lumMod val="40000"/>
+            <a:lumOff val="60000"/>
+          </a:schemeClr>
+        </a:solidFill>
+        <a:effectLst/>
+      </p:bgPr>
+    </p:bg>
+    <p:spTree>
+      <p:nvGrpSpPr>
+        <p:cNvPr id="1" name=""/>
+        <p:cNvGrpSpPr/>
+        <p:nvPr/>
+      </p:nvGrpSpPr>
+      <p:grpSpPr>
+        <a:xfrm>
+          <a:off x="0" y="0"/>
+          <a:ext cx="0" cy="0"/>
+          <a:chOff x="0" y="0"/>
+          <a:chExt cx="0" cy="0"/>
+        </a:xfrm>
+      </p:grpSpPr>
+      <p:sp>
+        <p:nvSpPr>
+          <p:cNvPr id="9" name="Заголовок 1"/>
+          <p:cNvSpPr txBox="1">
+            <a:spLocks/>
+          </p:cNvSpPr>
+          <p:nvPr/>
+        </p:nvSpPr>
+        <p:spPr>
+          <a:xfrm>
+            <a:off x="685800" y="404664"/>
+            <a:ext cx="7772400" cy="1470025"/>
+          </a:xfrm>
+          <a:prstGeom prst="rect">
+            <a:avLst/>
+          </a:prstGeom>
+        </p:spPr>
+        <p:txBody>
+          <a:bodyPr vert="horz" lIns="91440" tIns="45720" rIns="91440" bIns="45720" rtlCol="0" anchor="ctr">
+            <a:normAutofit/>
+          </a:bodyPr>
+          <a:lstStyle/>
+          <a:p>
+            <a:pPr marL="514350" indent="-514350">
+              <a:spcBef>
+                <a:spcPct val="0"/>
+              </a:spcBef>
+              <a:buFont typeface="+mj-lt"/>
+              <a:buAutoNum type="arabicPeriod" startAt="6"/>
+            </a:pPr>
+            <a:r>
+              <a:rPr lang="ru-RU" sz="2800" dirty="0" smtClean="0"/>
+              <a:t>Проверка любого графа на </a:t>
+            </a:r>
+            <a:r>
+              <a:rPr lang="ru-RU" sz="2800" b="1" dirty="0" smtClean="0"/>
+              <a:t>ацикличность</a:t>
+            </a:r>
+            <a:r>
+              <a:rPr lang="ru-RU" sz="2800" dirty="0" smtClean="0"/>
+              <a:t> и </a:t>
+            </a:r>
+            <a:r>
+              <a:rPr lang="ru-RU" sz="2800" b="1" dirty="0" err="1" smtClean="0"/>
+              <a:t>бесконтурность</a:t>
+            </a:r>
+            <a:endParaRPr lang="ru-RU" sz="2800" b="1" dirty="0" smtClean="0"/>
+          </a:p>
+        </p:txBody>
+      </p:sp>
+      <p:sp>
+        <p:nvSpPr>
+          <p:cNvPr id="4" name="Заголовок 1"/>
+          <p:cNvSpPr txBox="1">
+            <a:spLocks/>
+          </p:cNvSpPr>
+          <p:nvPr/>
+        </p:nvSpPr>
+        <p:spPr>
+          <a:xfrm>
+            <a:off x="1120080" y="2346449"/>
+            <a:ext cx="7772400" cy="2450703"/>
+          </a:xfrm>
+          <a:prstGeom prst="rect">
+            <a:avLst/>
+          </a:prstGeom>
+        </p:spPr>
+        <p:txBody>
+          <a:bodyPr vert="horz" lIns="91440" tIns="45720" rIns="91440" bIns="45720" rtlCol="0" anchor="ctr">
+            <a:normAutofit/>
+          </a:bodyPr>
+          <a:lstStyle/>
+          <a:p>
+            <a:pPr>
+              <a:spcBef>
+                <a:spcPct val="0"/>
+              </a:spcBef>
+            </a:pPr>
+            <a:r>
+              <a:rPr lang="ru-RU" sz="2000" b="1" dirty="0" smtClean="0"/>
+              <a:t>Алгоритм:</a:t>
+            </a:r>
+            <a:endParaRPr lang="ru-RU" sz="2000" dirty="0" smtClean="0"/>
+          </a:p>
+          <a:p>
+            <a:pPr lvl="0">
+              <a:spcBef>
+                <a:spcPct val="0"/>
+              </a:spcBef>
+              <a:buFont typeface="Arial" pitchFamily="34" charset="0"/>
+              <a:buChar char="•"/>
+            </a:pPr>
+            <a:r>
+              <a:rPr lang="ru-RU" sz="2000" dirty="0" smtClean="0"/>
+              <a:t>Если во время обхода происходит попытка обратиться к не белой вершине (которая не является непосредственным предком), то это говорит о найденном цикле (но не обязательно контуре).</a:t>
+            </a:r>
+          </a:p>
+          <a:p>
+            <a:pPr lvl="0">
+              <a:spcBef>
+                <a:spcPct val="0"/>
+              </a:spcBef>
+            </a:pPr>
+            <a:endParaRPr lang="ru-RU" sz="2000" dirty="0" smtClean="0"/>
+          </a:p>
+          <a:p>
+            <a:pPr lvl="0">
+              <a:spcBef>
+                <a:spcPct val="0"/>
+              </a:spcBef>
+              <a:buFont typeface="Arial" pitchFamily="34" charset="0"/>
+              <a:buChar char="•"/>
+            </a:pPr>
+            <a:r>
+              <a:rPr lang="ru-RU" sz="2000" dirty="0" smtClean="0"/>
+              <a:t>Нужно определить дуга является обратной или перекрестной. Если дуга обратная, то найден контур.</a:t>
+            </a:r>
+          </a:p>
+        </p:txBody>
+      </p:sp>
+    </p:spTree>
+  </p:cSld>
+  <p:clrMapOvr>
+    <a:masterClrMapping/>
+  </p:clrMapOvr>
+  <p:timing>
+    <p:tnLst>
+      <p:par>
+        <p:cTn id="1" dur="indefinite" restart="never" nodeType="tmRoot"/>
+      </p:par>
+    </p:tnLst>
+  </p:timing>
+</p:sld>
+</file>
+
+<file path=ppt/slides/slide61.xml><?xml version="1.0" encoding="utf-8"?>
+<p:sld xmlns:a="http://schemas.openxmlformats.org/drawingml/2006/main" xmlns:r="http://schemas.openxmlformats.org/officeDocument/2006/relationships" xmlns:p="http://schemas.openxmlformats.org/presentationml/2006/main">
+  <p:cSld>
+    <p:bg>
+      <p:bgPr>
+        <a:solidFill>
           <a:schemeClr val="tx2">
             <a:lumMod val="20000"/>
             <a:lumOff val="80000"/>
@@ -53858,225 +55505,6 @@
               <a:rPr lang="ru-RU" sz="2800" dirty="0" smtClean="0"/>
               <a:t> графе.</a:t>
             </a:r>
-          </a:p>
-        </p:txBody>
-      </p:sp>
-    </p:spTree>
-  </p:cSld>
-  <p:clrMapOvr>
-    <a:masterClrMapping/>
-  </p:clrMapOvr>
-  <p:timing>
-    <p:tnLst>
-      <p:par>
-        <p:cTn id="1" dur="indefinite" restart="never" nodeType="tmRoot"/>
-      </p:par>
-    </p:tnLst>
-  </p:timing>
-</p:sld>
-</file>
-
-<file path=ppt/slides/slide61.xml><?xml version="1.0" encoding="utf-8"?>
-<p:sld xmlns:a="http://schemas.openxmlformats.org/drawingml/2006/main" xmlns:r="http://schemas.openxmlformats.org/officeDocument/2006/relationships" xmlns:p="http://schemas.openxmlformats.org/presentationml/2006/main">
-  <p:cSld>
-    <p:spTree>
-      <p:nvGrpSpPr>
-        <p:cNvPr id="1" name=""/>
-        <p:cNvGrpSpPr/>
-        <p:nvPr/>
-      </p:nvGrpSpPr>
-      <p:grpSpPr>
-        <a:xfrm>
-          <a:off x="0" y="0"/>
-          <a:ext cx="0" cy="0"/>
-          <a:chOff x="0" y="0"/>
-          <a:chExt cx="0" cy="0"/>
-        </a:xfrm>
-      </p:grpSpPr>
-      <p:sp>
-        <p:nvSpPr>
-          <p:cNvPr id="9" name="Заголовок 1"/>
-          <p:cNvSpPr txBox="1">
-            <a:spLocks/>
-          </p:cNvSpPr>
-          <p:nvPr/>
-        </p:nvSpPr>
-        <p:spPr>
-          <a:xfrm>
-            <a:off x="685800" y="404664"/>
-            <a:ext cx="7772400" cy="1470025"/>
-          </a:xfrm>
-          <a:prstGeom prst="rect">
-            <a:avLst/>
-          </a:prstGeom>
-        </p:spPr>
-        <p:txBody>
-          <a:bodyPr vert="horz" lIns="91440" tIns="45720" rIns="91440" bIns="45720" rtlCol="0" anchor="ctr">
-            <a:normAutofit/>
-          </a:bodyPr>
-          <a:lstStyle/>
-          <a:p>
-            <a:pPr marL="514350" indent="-514350">
-              <a:spcBef>
-                <a:spcPct val="0"/>
-              </a:spcBef>
-              <a:buFont typeface="+mj-lt"/>
-              <a:buAutoNum type="arabicPeriod" startAt="7"/>
-            </a:pPr>
-            <a:r>
-              <a:rPr lang="ru-RU" sz="2800" dirty="0" smtClean="0"/>
-              <a:t>Поиск </a:t>
-            </a:r>
-            <a:r>
-              <a:rPr lang="ru-RU" sz="2800" b="1" dirty="0" smtClean="0"/>
-              <a:t>кратчайшего цикла </a:t>
-            </a:r>
-            <a:r>
-              <a:rPr lang="ru-RU" sz="2800" dirty="0" smtClean="0"/>
-              <a:t>в </a:t>
-            </a:r>
-            <a:r>
-              <a:rPr lang="ru-RU" sz="2800" dirty="0" err="1" smtClean="0"/>
-              <a:t>невзвешенном</a:t>
-            </a:r>
-            <a:r>
-              <a:rPr lang="ru-RU" sz="2800" dirty="0" smtClean="0"/>
-              <a:t> </a:t>
-            </a:r>
-            <a:r>
-              <a:rPr lang="ru-RU" sz="2800" dirty="0" err="1" smtClean="0"/>
-              <a:t>НЕориентированном</a:t>
-            </a:r>
-            <a:r>
-              <a:rPr lang="ru-RU" sz="2800" dirty="0" smtClean="0"/>
-              <a:t> графе.</a:t>
-            </a:r>
-          </a:p>
-        </p:txBody>
-      </p:sp>
-      <p:sp>
-        <p:nvSpPr>
-          <p:cNvPr id="5" name="Заголовок 1"/>
-          <p:cNvSpPr txBox="1">
-            <a:spLocks/>
-          </p:cNvSpPr>
-          <p:nvPr/>
-        </p:nvSpPr>
-        <p:spPr>
-          <a:xfrm>
-            <a:off x="838200" y="1986409"/>
-            <a:ext cx="7772400" cy="2090663"/>
-          </a:xfrm>
-          <a:prstGeom prst="rect">
-            <a:avLst/>
-          </a:prstGeom>
-        </p:spPr>
-        <p:txBody>
-          <a:bodyPr vert="horz" lIns="91440" tIns="45720" rIns="91440" bIns="45720" rtlCol="0" anchor="ctr">
-            <a:normAutofit/>
-          </a:bodyPr>
-          <a:lstStyle/>
-          <a:p>
-            <a:pPr>
-              <a:spcBef>
-                <a:spcPct val="0"/>
-              </a:spcBef>
-            </a:pPr>
-            <a:r>
-              <a:rPr lang="ru-RU" sz="2000" b="1" dirty="0" smtClean="0"/>
-              <a:t>Алгоритм:</a:t>
-            </a:r>
-            <a:endParaRPr lang="ru-RU" sz="2000" dirty="0" smtClean="0"/>
-          </a:p>
-          <a:p>
-            <a:pPr lvl="0">
-              <a:spcBef>
-                <a:spcPct val="0"/>
-              </a:spcBef>
-              <a:buFont typeface="Arial" pitchFamily="34" charset="0"/>
-              <a:buChar char="•"/>
-            </a:pPr>
-            <a:r>
-              <a:rPr lang="ru-RU" sz="2000" dirty="0" smtClean="0"/>
-              <a:t>Обход в ширину запускается для каждой вершины графа.</a:t>
-            </a:r>
-          </a:p>
-          <a:p>
-            <a:pPr lvl="0">
-              <a:spcBef>
-                <a:spcPct val="0"/>
-              </a:spcBef>
-              <a:buFont typeface="Arial" pitchFamily="34" charset="0"/>
-              <a:buChar char="•"/>
-            </a:pPr>
-            <a:endParaRPr kumimoji="0" lang="ru-RU" sz="2000" b="0" i="0" u="none" strike="noStrike" kern="1200" cap="none" spc="0" normalizeH="0" baseline="0" noProof="0" dirty="0" smtClean="0">
-              <a:ln>
-                <a:noFill/>
-              </a:ln>
-              <a:solidFill>
-                <a:schemeClr val="tx1"/>
-              </a:solidFill>
-              <a:effectLst/>
-              <a:uLnTx/>
-              <a:uFillTx/>
-              <a:latin typeface="+mj-lt"/>
-              <a:ea typeface="+mj-ea"/>
-              <a:cs typeface="+mj-cs"/>
-            </a:endParaRPr>
-          </a:p>
-          <a:p>
-            <a:pPr lvl="0">
-              <a:spcBef>
-                <a:spcPct val="0"/>
-              </a:spcBef>
-              <a:buFont typeface="Arial" pitchFamily="34" charset="0"/>
-              <a:buChar char="•"/>
-            </a:pPr>
-            <a:r>
-              <a:rPr lang="ru-RU" sz="2000" dirty="0" smtClean="0"/>
-              <a:t>Для каждого обхода сохраняется первый найденный цикл.</a:t>
-            </a:r>
-          </a:p>
-          <a:p>
-            <a:pPr lvl="0">
-              <a:spcBef>
-                <a:spcPct val="0"/>
-              </a:spcBef>
-              <a:buFont typeface="Arial" pitchFamily="34" charset="0"/>
-              <a:buChar char="•"/>
-            </a:pPr>
-            <a:endParaRPr lang="ru-RU" sz="2000" dirty="0" smtClean="0">
-              <a:latin typeface="+mj-lt"/>
-              <a:ea typeface="+mj-ea"/>
-              <a:cs typeface="+mj-cs"/>
-            </a:endParaRPr>
-          </a:p>
-          <a:p>
-            <a:pPr lvl="0">
-              <a:spcBef>
-                <a:spcPct val="0"/>
-              </a:spcBef>
-              <a:buFont typeface="Arial" pitchFamily="34" charset="0"/>
-              <a:buChar char="•"/>
-            </a:pPr>
-            <a:r>
-              <a:rPr lang="ru-RU" sz="2000" dirty="0" smtClean="0"/>
-              <a:t>Наименьший из этих циклов и будет кратчайшим.</a:t>
-            </a:r>
-            <a:endParaRPr kumimoji="0" lang="ru-RU" sz="2000" b="0" i="0" u="none" strike="noStrike" kern="1200" cap="none" spc="0" normalizeH="0" baseline="0" noProof="0" dirty="0" smtClean="0">
-              <a:ln>
-                <a:noFill/>
-              </a:ln>
-              <a:solidFill>
-                <a:schemeClr val="tx1"/>
-              </a:solidFill>
-              <a:effectLst/>
-              <a:uLnTx/>
-              <a:uFillTx/>
-              <a:latin typeface="+mj-lt"/>
-              <a:ea typeface="+mj-ea"/>
-              <a:cs typeface="+mj-cs"/>
-            </a:endParaRPr>
           </a:p>
         </p:txBody>
       </p:sp>
@@ -54184,7 +55612,7 @@
         <p:spPr>
           <a:xfrm>
             <a:off x="838200" y="1986409"/>
-            <a:ext cx="7772400" cy="3458815"/>
+            <a:ext cx="7772400" cy="2090663"/>
           </a:xfrm>
           <a:prstGeom prst="rect">
             <a:avLst/>
@@ -54203,15 +55631,7 @@
             </a:pPr>
             <a:r>
               <a:rPr lang="ru-RU" sz="2000" b="1" dirty="0" smtClean="0"/>
-              <a:t>Алгоритм</a:t>
-            </a:r>
-            <a:r>
-              <a:rPr lang="en-US" sz="2000" b="1" dirty="0" smtClean="0"/>
-              <a:t>2</a:t>
-            </a:r>
-            <a:r>
-              <a:rPr lang="ru-RU" sz="2000" b="1" dirty="0" smtClean="0"/>
-              <a:t>:</a:t>
+              <a:t>Алгоритм:</a:t>
             </a:r>
             <a:endParaRPr lang="ru-RU" sz="2000" dirty="0" smtClean="0"/>
           </a:p>
@@ -54225,7 +55645,7 @@
             </a:pPr>
             <a:r>
               <a:rPr lang="ru-RU" sz="2000" dirty="0" smtClean="0"/>
-              <a:t>Во время обхода в ширину каждой вершине назначается номер волны и список всех предков.</a:t>
+              <a:t>Обход в ширину запускается для каждой вершины графа.</a:t>
             </a:r>
           </a:p>
           <a:p>
@@ -54261,8 +55681,49 @@
             </a:pPr>
             <a:r>
               <a:rPr lang="ru-RU" sz="2000" dirty="0" smtClean="0"/>
-              <a:t>Если во время обхода происходит попытка обратиться к не белой вершине (что говорит о цикле), то для вершин образующих просматриваемое ребро ищется общий предок с минимальным номером волны. Из номеров волны получившихся трех вершин определяется длина цикла.</a:t>
-            </a:r>
+              <a:t>Для каждого обхода сохраняется первый найденный цикл.</a:t>
+            </a:r>
+          </a:p>
+          <a:p>
+            <a:pPr lvl="0">
+              <a:spcBef>
+                <a:spcPct val="0"/>
+              </a:spcBef>
+              <a:buFont typeface="Arial" pitchFamily="34" charset="0"/>
+              <a:buChar char="•"/>
+            </a:pPr>
+            <a:endParaRPr lang="ru-RU" sz="2000" dirty="0" smtClean="0">
+              <a:latin typeface="+mj-lt"/>
+              <a:ea typeface="+mj-ea"/>
+              <a:cs typeface="+mj-cs"/>
+            </a:endParaRPr>
+          </a:p>
+          <a:p>
+            <a:pPr lvl="0">
+              <a:spcBef>
+                <a:spcPct val="0"/>
+              </a:spcBef>
+              <a:buFont typeface="Arial" pitchFamily="34" charset="0"/>
+              <a:buChar char="•"/>
+            </a:pPr>
+            <a:r>
+              <a:rPr lang="ru-RU" sz="2000" dirty="0" smtClean="0"/>
+              <a:t>Наименьший из этих циклов и будет кратчайшим.</a:t>
+            </a:r>
+            <a:endParaRPr kumimoji="0" lang="ru-RU" sz="2000" b="0" i="0" u="none" strike="noStrike" kern="1200" cap="none" spc="0" normalizeH="0" baseline="0" noProof="0" dirty="0" smtClean="0">
+              <a:ln>
+                <a:noFill/>
+              </a:ln>
+              <a:solidFill>
+                <a:schemeClr val="tx1"/>
+              </a:solidFill>
+              <a:effectLst/>
+              <a:uLnTx/>
+              <a:uFillTx/>
+              <a:latin typeface="+mj-lt"/>
+              <a:ea typeface="+mj-ea"/>
+              <a:cs typeface="+mj-cs"/>
+            </a:endParaRPr>
           </a:p>
         </p:txBody>
       </p:sp>
@@ -54389,7 +55850,15 @@
             </a:pPr>
             <a:r>
               <a:rPr lang="ru-RU" sz="2000" b="1" dirty="0" smtClean="0"/>
-              <a:t>Алгоритм3:</a:t>
+              <a:t>Алгоритм</a:t>
+            </a:r>
+            <a:r>
+              <a:rPr lang="en-US" sz="2000" b="1" dirty="0" smtClean="0"/>
+              <a:t>2</a:t>
+            </a:r>
+            <a:r>
+              <a:rPr lang="ru-RU" sz="2000" b="1" dirty="0" smtClean="0"/>
+              <a:t>:</a:t>
             </a:r>
             <a:endParaRPr lang="ru-RU" sz="2000" dirty="0" smtClean="0"/>
           </a:p>
@@ -54403,7 +55872,7 @@
             </a:pPr>
             <a:r>
               <a:rPr lang="ru-RU" sz="2000" dirty="0" smtClean="0"/>
-              <a:t>Во время обхода в ширину каждой вершине назначается номер волны.</a:t>
+              <a:t>Во время обхода в ширину каждой вершине назначается номер волны и список всех предков.</a:t>
             </a:r>
           </a:p>
           <a:p>
@@ -54439,44 +55908,8 @@
             </a:pPr>
             <a:r>
               <a:rPr lang="ru-RU" sz="2000" dirty="0" smtClean="0"/>
-              <a:t>Если во время обхода происходит попытка обратиться к не белой вершине (что говорит о цикле), то просматриваемое ребро помещаются в специальный список.</a:t>
-            </a:r>
-          </a:p>
-          <a:p>
-            <a:pPr lvl="0">
-              <a:spcBef>
-                <a:spcPct val="0"/>
-              </a:spcBef>
-              <a:buFont typeface="Arial" pitchFamily="34" charset="0"/>
-              <a:buChar char="•"/>
-            </a:pPr>
-            <a:endParaRPr lang="ru-RU" sz="2000" dirty="0" smtClean="0"/>
-          </a:p>
-          <a:p>
-            <a:pPr lvl="0">
-              <a:spcBef>
-                <a:spcPct val="0"/>
-              </a:spcBef>
-              <a:buFont typeface="Arial" pitchFamily="34" charset="0"/>
-              <a:buChar char="•"/>
-            </a:pPr>
-            <a:r>
-              <a:rPr lang="ru-RU" sz="2000" dirty="0" smtClean="0"/>
-              <a:t>После обхода, для вершин каждого ребра, из созданного списка, находится ближайший общий предок </a:t>
-            </a:r>
-            <a:r>
-              <a:rPr lang="ru-RU" sz="2000" smtClean="0"/>
-              <a:t>(например, </a:t>
-            </a:r>
-            <a:r>
-              <a:rPr lang="ru-RU" sz="2000" dirty="0" smtClean="0"/>
-              <a:t>с помощью описанного </a:t>
-            </a:r>
-            <a:r>
-              <a:rPr lang="ru-RU" sz="2000" smtClean="0"/>
-              <a:t>выше алгоритма).</a:t>
-            </a:r>
-            <a:endParaRPr lang="ru-RU" sz="2000" dirty="0" smtClean="0"/>
+              <a:t>Если во время обхода происходит попытка обратиться к не белой вершине (что говорит о цикле), то для вершин образующих просматриваемое ребро ищется общий предок с минимальным номером волны. Из номеров волны получившихся трех вершин определяется длина цикла.</a:t>
+            </a:r>
           </a:p>
         </p:txBody>
       </p:sp>
@@ -54496,6 +55929,220 @@
 </file>
 
 <file path=ppt/slides/slide64.xml><?xml version="1.0" encoding="utf-8"?>
+<p:sld xmlns:a="http://schemas.openxmlformats.org/drawingml/2006/main" xmlns:r="http://schemas.openxmlformats.org/officeDocument/2006/relationships" xmlns:p="http://schemas.openxmlformats.org/presentationml/2006/main">
+  <p:cSld>
+    <p:spTree>
+      <p:nvGrpSpPr>
+        <p:cNvPr id="1" name=""/>
+        <p:cNvGrpSpPr/>
+        <p:nvPr/>
+      </p:nvGrpSpPr>
+      <p:grpSpPr>
+        <a:xfrm>
+          <a:off x="0" y="0"/>
+          <a:ext cx="0" cy="0"/>
+          <a:chOff x="0" y="0"/>
+          <a:chExt cx="0" cy="0"/>
+        </a:xfrm>
+      </p:grpSpPr>
+      <p:sp>
+        <p:nvSpPr>
+          <p:cNvPr id="9" name="Заголовок 1"/>
+          <p:cNvSpPr txBox="1">
+            <a:spLocks/>
+          </p:cNvSpPr>
+          <p:nvPr/>
+        </p:nvSpPr>
+        <p:spPr>
+          <a:xfrm>
+            <a:off x="685800" y="404664"/>
+            <a:ext cx="7772400" cy="1470025"/>
+          </a:xfrm>
+          <a:prstGeom prst="rect">
+            <a:avLst/>
+          </a:prstGeom>
+        </p:spPr>
+        <p:txBody>
+          <a:bodyPr vert="horz" lIns="91440" tIns="45720" rIns="91440" bIns="45720" rtlCol="0" anchor="ctr">
+            <a:normAutofit/>
+          </a:bodyPr>
+          <a:lstStyle/>
+          <a:p>
+            <a:pPr marL="514350" indent="-514350">
+              <a:spcBef>
+                <a:spcPct val="0"/>
+              </a:spcBef>
+              <a:buFont typeface="+mj-lt"/>
+              <a:buAutoNum type="arabicPeriod" startAt="7"/>
+            </a:pPr>
+            <a:r>
+              <a:rPr lang="ru-RU" sz="2800" dirty="0" smtClean="0"/>
+              <a:t>Поиск </a:t>
+            </a:r>
+            <a:r>
+              <a:rPr lang="ru-RU" sz="2800" b="1" dirty="0" smtClean="0"/>
+              <a:t>кратчайшего цикла </a:t>
+            </a:r>
+            <a:r>
+              <a:rPr lang="ru-RU" sz="2800" dirty="0" smtClean="0"/>
+              <a:t>в </a:t>
+            </a:r>
+            <a:r>
+              <a:rPr lang="ru-RU" sz="2800" dirty="0" err="1" smtClean="0"/>
+              <a:t>невзвешенном</a:t>
+            </a:r>
+            <a:r>
+              <a:rPr lang="ru-RU" sz="2800" dirty="0" smtClean="0"/>
+              <a:t> </a:t>
+            </a:r>
+            <a:r>
+              <a:rPr lang="ru-RU" sz="2800" dirty="0" err="1" smtClean="0"/>
+              <a:t>НЕориентированном</a:t>
+            </a:r>
+            <a:r>
+              <a:rPr lang="ru-RU" sz="2800" dirty="0" smtClean="0"/>
+              <a:t> графе.</a:t>
+            </a:r>
+          </a:p>
+        </p:txBody>
+      </p:sp>
+      <p:sp>
+        <p:nvSpPr>
+          <p:cNvPr id="5" name="Заголовок 1"/>
+          <p:cNvSpPr txBox="1">
+            <a:spLocks/>
+          </p:cNvSpPr>
+          <p:nvPr/>
+        </p:nvSpPr>
+        <p:spPr>
+          <a:xfrm>
+            <a:off x="838200" y="1986409"/>
+            <a:ext cx="7772400" cy="3458815"/>
+          </a:xfrm>
+          <a:prstGeom prst="rect">
+            <a:avLst/>
+          </a:prstGeom>
+        </p:spPr>
+        <p:txBody>
+          <a:bodyPr vert="horz" lIns="91440" tIns="45720" rIns="91440" bIns="45720" rtlCol="0" anchor="ctr">
+            <a:normAutofit/>
+          </a:bodyPr>
+          <a:lstStyle/>
+          <a:p>
+            <a:pPr>
+              <a:spcBef>
+                <a:spcPct val="0"/>
+              </a:spcBef>
+            </a:pPr>
+            <a:r>
+              <a:rPr lang="ru-RU" sz="2000" b="1" dirty="0" smtClean="0"/>
+              <a:t>Алгоритм3:</a:t>
+            </a:r>
+            <a:endParaRPr lang="ru-RU" sz="2000" dirty="0" smtClean="0"/>
+          </a:p>
+          <a:p>
+            <a:pPr lvl="0">
+              <a:spcBef>
+                <a:spcPct val="0"/>
+              </a:spcBef>
+              <a:buFont typeface="Arial" pitchFamily="34" charset="0"/>
+              <a:buChar char="•"/>
+            </a:pPr>
+            <a:r>
+              <a:rPr lang="ru-RU" sz="2000" dirty="0" smtClean="0"/>
+              <a:t>Во время обхода в ширину каждой вершине назначается номер волны.</a:t>
+            </a:r>
+          </a:p>
+          <a:p>
+            <a:pPr lvl="0">
+              <a:spcBef>
+                <a:spcPct val="0"/>
+              </a:spcBef>
+              <a:buFont typeface="Arial" pitchFamily="34" charset="0"/>
+              <a:buChar char="•"/>
+            </a:pPr>
+            <a:endParaRPr kumimoji="0" lang="ru-RU" sz="2000" b="0" i="0" u="none" strike="noStrike" kern="1200" cap="none" spc="0" normalizeH="0" baseline="0" noProof="0" dirty="0" smtClean="0">
+              <a:ln>
+                <a:noFill/>
+              </a:ln>
+              <a:solidFill>
+                <a:schemeClr val="tx1"/>
+              </a:solidFill>
+              <a:effectLst/>
+              <a:uLnTx/>
+              <a:uFillTx/>
+              <a:latin typeface="+mj-lt"/>
+              <a:ea typeface="+mj-ea"/>
+              <a:cs typeface="+mj-cs"/>
+            </a:endParaRPr>
+          </a:p>
+          <a:p>
+            <a:pPr lvl="0">
+              <a:spcBef>
+                <a:spcPct val="0"/>
+              </a:spcBef>
+              <a:buFont typeface="Arial" pitchFamily="34" charset="0"/>
+              <a:buChar char="•"/>
+            </a:pPr>
+            <a:r>
+              <a:rPr lang="ru-RU" sz="2000" dirty="0" smtClean="0"/>
+              <a:t>Если во время обхода происходит попытка обратиться к не белой вершине (что говорит о цикле), то просматриваемое ребро помещаются в специальный список.</a:t>
+            </a:r>
+          </a:p>
+          <a:p>
+            <a:pPr lvl="0">
+              <a:spcBef>
+                <a:spcPct val="0"/>
+              </a:spcBef>
+              <a:buFont typeface="Arial" pitchFamily="34" charset="0"/>
+              <a:buChar char="•"/>
+            </a:pPr>
+            <a:endParaRPr lang="ru-RU" sz="2000" dirty="0" smtClean="0"/>
+          </a:p>
+          <a:p>
+            <a:pPr lvl="0">
+              <a:spcBef>
+                <a:spcPct val="0"/>
+              </a:spcBef>
+              <a:buFont typeface="Arial" pitchFamily="34" charset="0"/>
+              <a:buChar char="•"/>
+            </a:pPr>
+            <a:r>
+              <a:rPr lang="ru-RU" sz="2000" dirty="0" smtClean="0"/>
+              <a:t>После обхода, для вершин каждого ребра, из созданного списка, находится ближайший общий предок </a:t>
+            </a:r>
+            <a:r>
+              <a:rPr lang="ru-RU" sz="2000" smtClean="0"/>
+              <a:t>(например, </a:t>
+            </a:r>
+            <a:r>
+              <a:rPr lang="ru-RU" sz="2000" dirty="0" smtClean="0"/>
+              <a:t>с помощью описанного </a:t>
+            </a:r>
+            <a:r>
+              <a:rPr lang="ru-RU" sz="2000" smtClean="0"/>
+              <a:t>выше алгоритма).</a:t>
+            </a:r>
+            <a:endParaRPr lang="ru-RU" sz="2000" dirty="0" smtClean="0"/>
+          </a:p>
+        </p:txBody>
+      </p:sp>
+    </p:spTree>
+  </p:cSld>
+  <p:clrMapOvr>
+    <a:masterClrMapping/>
+  </p:clrMapOvr>
+  <p:timing>
+    <p:tnLst>
+      <p:par>
+        <p:cTn id="1" dur="indefinite" restart="never" nodeType="tmRoot"/>
+      </p:par>
+    </p:tnLst>
+  </p:timing>
+</p:sld>
+</file>
+
+<file path=ppt/slides/slide65.xml><?xml version="1.0" encoding="utf-8"?>
 <p:sld xmlns:a="http://schemas.openxmlformats.org/drawingml/2006/main" xmlns:r="http://schemas.openxmlformats.org/officeDocument/2006/relationships" xmlns:p="http://schemas.openxmlformats.org/presentationml/2006/main">
   <p:cSld>
     <p:bg>
@@ -54591,7 +56238,7 @@
 </p:sld>
 </file>
 
-<file path=ppt/slides/slide65.xml><?xml version="1.0" encoding="utf-8"?>
+<file path=ppt/slides/slide66.xml><?xml version="1.0" encoding="utf-8"?>
 <p:sld xmlns:a="http://schemas.openxmlformats.org/drawingml/2006/main" xmlns:r="http://schemas.openxmlformats.org/officeDocument/2006/relationships" xmlns:p="http://schemas.openxmlformats.org/presentationml/2006/main">
   <p:cSld>
     <p:spTree>
@@ -54802,7 +56449,7 @@
 </p:sld>
 </file>
 
-<file path=ppt/slides/slide66.xml><?xml version="1.0" encoding="utf-8"?>
+<file path=ppt/slides/slide67.xml><?xml version="1.0" encoding="utf-8"?>
 <p:sld xmlns:a="http://schemas.openxmlformats.org/drawingml/2006/main" xmlns:r="http://schemas.openxmlformats.org/officeDocument/2006/relationships" xmlns:p="http://schemas.openxmlformats.org/presentationml/2006/main">
   <p:cSld>
     <p:bg>
@@ -54833,1077 +56480,6 @@
       <p:sp>
         <p:nvSpPr>
           <p:cNvPr id="5" name="Заголовок 1"/>
-          <p:cNvSpPr txBox="1">
-            <a:spLocks/>
-          </p:cNvSpPr>
-          <p:nvPr/>
-        </p:nvSpPr>
-        <p:spPr>
-          <a:xfrm>
-            <a:off x="683568" y="404664"/>
-            <a:ext cx="7772400" cy="1470025"/>
-          </a:xfrm>
-          <a:prstGeom prst="rect">
-            <a:avLst/>
-          </a:prstGeom>
-        </p:spPr>
-        <p:txBody>
-          <a:bodyPr vert="horz" lIns="91440" tIns="45720" rIns="91440" bIns="45720" rtlCol="0" anchor="ctr">
-            <a:normAutofit/>
-          </a:bodyPr>
-          <a:lstStyle/>
-          <a:p>
-            <a:pPr marL="514350" indent="-514350">
-              <a:spcBef>
-                <a:spcPct val="0"/>
-              </a:spcBef>
-              <a:buFont typeface="+mj-lt"/>
-              <a:buAutoNum type="arabicPeriod" startAt="9"/>
-            </a:pPr>
-            <a:r>
-              <a:rPr lang="ru-RU" sz="2800" dirty="0" smtClean="0"/>
-              <a:t>Проверка </a:t>
-            </a:r>
-            <a:r>
-              <a:rPr lang="ru-RU" sz="2800" dirty="0" err="1" smtClean="0"/>
-              <a:t>НЕориентированного</a:t>
-            </a:r>
-            <a:r>
-              <a:rPr lang="ru-RU" sz="2800" dirty="0" smtClean="0"/>
-              <a:t> графа на </a:t>
-            </a:r>
-            <a:r>
-              <a:rPr lang="ru-RU" sz="2800" b="1" dirty="0" err="1" smtClean="0"/>
-              <a:t>двудольность</a:t>
-            </a:r>
-            <a:r>
-              <a:rPr lang="ru-RU" sz="2800" dirty="0" smtClean="0"/>
-              <a:t>.</a:t>
-            </a:r>
-          </a:p>
-        </p:txBody>
-      </p:sp>
-    </p:spTree>
-  </p:cSld>
-  <p:clrMapOvr>
-    <a:masterClrMapping/>
-  </p:clrMapOvr>
-  <p:timing>
-    <p:tnLst>
-      <p:par>
-        <p:cTn id="1" dur="indefinite" restart="never" nodeType="tmRoot"/>
-      </p:par>
-    </p:tnLst>
-  </p:timing>
-</p:sld>
-</file>
-
-<file path=ppt/slides/slide67.xml><?xml version="1.0" encoding="utf-8"?>
-<p:sld xmlns:a="http://schemas.openxmlformats.org/drawingml/2006/main" xmlns:r="http://schemas.openxmlformats.org/officeDocument/2006/relationships" xmlns:p="http://schemas.openxmlformats.org/presentationml/2006/main">
-  <p:cSld>
-    <p:spTree>
-      <p:nvGrpSpPr>
-        <p:cNvPr id="1" name=""/>
-        <p:cNvGrpSpPr/>
-        <p:nvPr/>
-      </p:nvGrpSpPr>
-      <p:grpSpPr>
-        <a:xfrm>
-          <a:off x="0" y="0"/>
-          <a:ext cx="0" cy="0"/>
-          <a:chOff x="0" y="0"/>
-          <a:chExt cx="0" cy="0"/>
-        </a:xfrm>
-      </p:grpSpPr>
-      <p:sp>
-        <p:nvSpPr>
-          <p:cNvPr id="6" name="Заголовок 1"/>
-          <p:cNvSpPr txBox="1">
-            <a:spLocks/>
-          </p:cNvSpPr>
-          <p:nvPr/>
-        </p:nvSpPr>
-        <p:spPr>
-          <a:xfrm>
-            <a:off x="838200" y="1700809"/>
-            <a:ext cx="7772400" cy="1512167"/>
-          </a:xfrm>
-          <a:prstGeom prst="rect">
-            <a:avLst/>
-          </a:prstGeom>
-        </p:spPr>
-        <p:txBody>
-          <a:bodyPr vert="horz" lIns="91440" tIns="45720" rIns="91440" bIns="45720" rtlCol="0" anchor="ctr">
-            <a:normAutofit/>
-          </a:bodyPr>
-          <a:lstStyle/>
-          <a:p>
-            <a:r>
-              <a:rPr lang="ru-RU" sz="2000" b="1" dirty="0" smtClean="0"/>
-              <a:t>Определение</a:t>
-            </a:r>
-            <a:r>
-              <a:rPr lang="ru-RU" sz="2000" dirty="0" smtClean="0"/>
-              <a:t>: Двудольный граф – это граф все вершины которого можно разделить на два множества, таких что ни какие две вершины, каждого из этих множеств не соединены ребром.</a:t>
-            </a:r>
-          </a:p>
-        </p:txBody>
-      </p:sp>
-      <p:cxnSp>
-        <p:nvCxnSpPr>
-          <p:cNvPr id="39" name="Прямая со стрелкой 38"/>
-          <p:cNvCxnSpPr>
-            <a:stCxn id="57" idx="3"/>
-            <a:endCxn id="63" idx="1"/>
-          </p:cNvCxnSpPr>
-          <p:nvPr/>
-        </p:nvCxnSpPr>
-        <p:spPr>
-          <a:xfrm>
-            <a:off x="3347864" y="3541658"/>
-            <a:ext cx="2218594" cy="422756"/>
-          </a:xfrm>
-          <a:prstGeom prst="straightConnector1">
-            <a:avLst/>
-          </a:prstGeom>
-          <a:ln w="38100">
-            <a:headEnd type="none" w="med" len="med"/>
-            <a:tailEnd type="none" w="med" len="med"/>
-          </a:ln>
-        </p:spPr>
-        <p:style>
-          <a:lnRef idx="1">
-            <a:schemeClr val="accent1"/>
-          </a:lnRef>
-          <a:fillRef idx="0">
-            <a:schemeClr val="accent1"/>
-          </a:fillRef>
-          <a:effectRef idx="0">
-            <a:schemeClr val="accent1"/>
-          </a:effectRef>
-          <a:fontRef idx="minor">
-            <a:schemeClr val="tx1"/>
-          </a:fontRef>
-        </p:style>
-      </p:cxnSp>
-      <p:cxnSp>
-        <p:nvCxnSpPr>
-          <p:cNvPr id="40" name="Прямая со стрелкой 39"/>
-          <p:cNvCxnSpPr>
-            <a:stCxn id="63" idx="1"/>
-            <a:endCxn id="60" idx="3"/>
-          </p:cNvCxnSpPr>
-          <p:nvPr/>
-        </p:nvCxnSpPr>
-        <p:spPr>
-          <a:xfrm flipH="1">
-            <a:off x="3334210" y="3964414"/>
-            <a:ext cx="2232248" cy="441340"/>
-          </a:xfrm>
-          <a:prstGeom prst="straightConnector1">
-            <a:avLst/>
-          </a:prstGeom>
-          <a:ln w="38100">
-            <a:headEnd type="none" w="med" len="med"/>
-            <a:tailEnd type="none" w="med" len="med"/>
-          </a:ln>
-        </p:spPr>
-        <p:style>
-          <a:lnRef idx="1">
-            <a:schemeClr val="accent1"/>
-          </a:lnRef>
-          <a:fillRef idx="0">
-            <a:schemeClr val="accent1"/>
-          </a:fillRef>
-          <a:effectRef idx="0">
-            <a:schemeClr val="accent1"/>
-          </a:effectRef>
-          <a:fontRef idx="minor">
-            <a:schemeClr val="tx1"/>
-          </a:fontRef>
-        </p:style>
-      </p:cxnSp>
-      <p:cxnSp>
-        <p:nvCxnSpPr>
-          <p:cNvPr id="41" name="Прямая со стрелкой 40"/>
-          <p:cNvCxnSpPr>
-            <a:stCxn id="57" idx="3"/>
-            <a:endCxn id="64" idx="1"/>
-          </p:cNvCxnSpPr>
-          <p:nvPr/>
-        </p:nvCxnSpPr>
-        <p:spPr>
-          <a:xfrm>
-            <a:off x="3347864" y="3541658"/>
-            <a:ext cx="2218594" cy="1142836"/>
-          </a:xfrm>
-          <a:prstGeom prst="straightConnector1">
-            <a:avLst/>
-          </a:prstGeom>
-          <a:ln w="38100">
-            <a:headEnd type="none" w="med" len="med"/>
-            <a:tailEnd type="none" w="med" len="med"/>
-          </a:ln>
-        </p:spPr>
-        <p:style>
-          <a:lnRef idx="1">
-            <a:schemeClr val="accent1"/>
-          </a:lnRef>
-          <a:fillRef idx="0">
-            <a:schemeClr val="accent1"/>
-          </a:fillRef>
-          <a:effectRef idx="0">
-            <a:schemeClr val="accent1"/>
-          </a:effectRef>
-          <a:fontRef idx="minor">
-            <a:schemeClr val="tx1"/>
-          </a:fontRef>
-        </p:style>
-      </p:cxnSp>
-      <p:cxnSp>
-        <p:nvCxnSpPr>
-          <p:cNvPr id="42" name="Прямая со стрелкой 41"/>
-          <p:cNvCxnSpPr>
-            <a:stCxn id="64" idx="1"/>
-            <a:endCxn id="58" idx="3"/>
-          </p:cNvCxnSpPr>
-          <p:nvPr/>
-        </p:nvCxnSpPr>
-        <p:spPr>
-          <a:xfrm flipH="1">
-            <a:off x="3267714" y="4684494"/>
-            <a:ext cx="2298744" cy="1296144"/>
-          </a:xfrm>
-          <a:prstGeom prst="straightConnector1">
-            <a:avLst/>
-          </a:prstGeom>
-          <a:ln w="38100">
-            <a:headEnd type="none" w="med" len="med"/>
-            <a:tailEnd type="none" w="med" len="med"/>
-          </a:ln>
-        </p:spPr>
-        <p:style>
-          <a:lnRef idx="1">
-            <a:schemeClr val="accent1"/>
-          </a:lnRef>
-          <a:fillRef idx="0">
-            <a:schemeClr val="accent1"/>
-          </a:fillRef>
-          <a:effectRef idx="0">
-            <a:schemeClr val="accent1"/>
-          </a:effectRef>
-          <a:fontRef idx="minor">
-            <a:schemeClr val="tx1"/>
-          </a:fontRef>
-        </p:style>
-      </p:cxnSp>
-      <p:cxnSp>
-        <p:nvCxnSpPr>
-          <p:cNvPr id="44" name="Прямая со стрелкой 43"/>
-          <p:cNvCxnSpPr>
-            <a:stCxn id="54" idx="6"/>
-            <a:endCxn id="59" idx="1"/>
-          </p:cNvCxnSpPr>
-          <p:nvPr/>
-        </p:nvCxnSpPr>
-        <p:spPr>
-          <a:xfrm flipV="1">
-            <a:off x="3275856" y="5548590"/>
-            <a:ext cx="2290602" cy="463406"/>
-          </a:xfrm>
-          <a:prstGeom prst="straightConnector1">
-            <a:avLst/>
-          </a:prstGeom>
-          <a:ln w="38100">
-            <a:headEnd type="none" w="med" len="med"/>
-            <a:tailEnd type="none" w="med" len="med"/>
-          </a:ln>
-        </p:spPr>
-        <p:style>
-          <a:lnRef idx="1">
-            <a:schemeClr val="accent1"/>
-          </a:lnRef>
-          <a:fillRef idx="0">
-            <a:schemeClr val="accent1"/>
-          </a:fillRef>
-          <a:effectRef idx="0">
-            <a:schemeClr val="accent1"/>
-          </a:effectRef>
-          <a:fontRef idx="minor">
-            <a:schemeClr val="tx1"/>
-          </a:fontRef>
-        </p:style>
-      </p:cxnSp>
-      <p:cxnSp>
-        <p:nvCxnSpPr>
-          <p:cNvPr id="45" name="Прямая соединительная линия 44"/>
-          <p:cNvCxnSpPr>
-            <a:stCxn id="64" idx="1"/>
-            <a:endCxn id="61" idx="3"/>
-          </p:cNvCxnSpPr>
-          <p:nvPr/>
-        </p:nvCxnSpPr>
-        <p:spPr>
-          <a:xfrm flipH="1">
-            <a:off x="3289510" y="4684494"/>
-            <a:ext cx="2276948" cy="513348"/>
-          </a:xfrm>
-          <a:prstGeom prst="line">
-            <a:avLst/>
-          </a:prstGeom>
-          <a:ln w="38100"/>
-        </p:spPr>
-        <p:style>
-          <a:lnRef idx="1">
-            <a:schemeClr val="accent1"/>
-          </a:lnRef>
-          <a:fillRef idx="0">
-            <a:schemeClr val="accent1"/>
-          </a:fillRef>
-          <a:effectRef idx="0">
-            <a:schemeClr val="accent1"/>
-          </a:effectRef>
-          <a:fontRef idx="minor">
-            <a:schemeClr val="tx1"/>
-          </a:fontRef>
-        </p:style>
-      </p:cxnSp>
-      <p:sp>
-        <p:nvSpPr>
-          <p:cNvPr id="49" name="Овал 48"/>
-          <p:cNvSpPr/>
-          <p:nvPr/>
-        </p:nvSpPr>
-        <p:spPr>
-          <a:xfrm>
-            <a:off x="3046178" y="3429000"/>
-            <a:ext cx="288032" cy="288032"/>
-          </a:xfrm>
-          <a:prstGeom prst="ellipse">
-            <a:avLst/>
-          </a:prstGeom>
-          <a:solidFill>
-            <a:schemeClr val="bg1"/>
-          </a:solidFill>
-        </p:spPr>
-        <p:style>
-          <a:lnRef idx="2">
-            <a:schemeClr val="accent1">
-              <a:shade val="50000"/>
-            </a:schemeClr>
-          </a:lnRef>
-          <a:fillRef idx="1">
-            <a:schemeClr val="accent1"/>
-          </a:fillRef>
-          <a:effectRef idx="0">
-            <a:schemeClr val="accent1"/>
-          </a:effectRef>
-          <a:fontRef idx="minor">
-            <a:schemeClr val="lt1"/>
-          </a:fontRef>
-        </p:style>
-        <p:txBody>
-          <a:bodyPr rtlCol="0" anchor="ctr"/>
-          <a:lstStyle/>
-          <a:p>
-            <a:pPr algn="ctr"/>
-            <a:endParaRPr lang="ru-RU"/>
-          </a:p>
-        </p:txBody>
-      </p:sp>
-      <p:sp>
-        <p:nvSpPr>
-          <p:cNvPr id="50" name="Овал 49"/>
-          <p:cNvSpPr/>
-          <p:nvPr/>
-        </p:nvSpPr>
-        <p:spPr>
-          <a:xfrm>
-            <a:off x="5580112" y="3851756"/>
-            <a:ext cx="288032" cy="288032"/>
-          </a:xfrm>
-          <a:prstGeom prst="ellipse">
-            <a:avLst/>
-          </a:prstGeom>
-          <a:solidFill>
-            <a:schemeClr val="bg1"/>
-          </a:solidFill>
-        </p:spPr>
-        <p:style>
-          <a:lnRef idx="2">
-            <a:schemeClr val="accent1">
-              <a:shade val="50000"/>
-            </a:schemeClr>
-          </a:lnRef>
-          <a:fillRef idx="1">
-            <a:schemeClr val="accent1"/>
-          </a:fillRef>
-          <a:effectRef idx="0">
-            <a:schemeClr val="accent1"/>
-          </a:effectRef>
-          <a:fontRef idx="minor">
-            <a:schemeClr val="lt1"/>
-          </a:fontRef>
-        </p:style>
-        <p:txBody>
-          <a:bodyPr rtlCol="0" anchor="ctr"/>
-          <a:lstStyle/>
-          <a:p>
-            <a:pPr algn="ctr"/>
-            <a:endParaRPr lang="ru-RU"/>
-          </a:p>
-        </p:txBody>
-      </p:sp>
-      <p:sp>
-        <p:nvSpPr>
-          <p:cNvPr id="51" name="Овал 50"/>
-          <p:cNvSpPr/>
-          <p:nvPr/>
-        </p:nvSpPr>
-        <p:spPr>
-          <a:xfrm>
-            <a:off x="3046178" y="4293096"/>
-            <a:ext cx="288032" cy="288032"/>
-          </a:xfrm>
-          <a:prstGeom prst="ellipse">
-            <a:avLst/>
-          </a:prstGeom>
-          <a:solidFill>
-            <a:schemeClr val="bg1"/>
-          </a:solidFill>
-        </p:spPr>
-        <p:style>
-          <a:lnRef idx="2">
-            <a:schemeClr val="accent1">
-              <a:shade val="50000"/>
-            </a:schemeClr>
-          </a:lnRef>
-          <a:fillRef idx="1">
-            <a:schemeClr val="accent1"/>
-          </a:fillRef>
-          <a:effectRef idx="0">
-            <a:schemeClr val="accent1"/>
-          </a:effectRef>
-          <a:fontRef idx="minor">
-            <a:schemeClr val="lt1"/>
-          </a:fontRef>
-        </p:style>
-        <p:txBody>
-          <a:bodyPr rtlCol="0" anchor="ctr"/>
-          <a:lstStyle/>
-          <a:p>
-            <a:pPr algn="ctr"/>
-            <a:endParaRPr lang="ru-RU"/>
-          </a:p>
-        </p:txBody>
-      </p:sp>
-      <p:sp>
-        <p:nvSpPr>
-          <p:cNvPr id="52" name="Овал 51"/>
-          <p:cNvSpPr/>
-          <p:nvPr/>
-        </p:nvSpPr>
-        <p:spPr>
-          <a:xfrm>
-            <a:off x="5580112" y="4571836"/>
-            <a:ext cx="288032" cy="288032"/>
-          </a:xfrm>
-          <a:prstGeom prst="ellipse">
-            <a:avLst/>
-          </a:prstGeom>
-          <a:solidFill>
-            <a:schemeClr val="bg1"/>
-          </a:solidFill>
-        </p:spPr>
-        <p:style>
-          <a:lnRef idx="2">
-            <a:schemeClr val="accent1">
-              <a:shade val="50000"/>
-            </a:schemeClr>
-          </a:lnRef>
-          <a:fillRef idx="1">
-            <a:schemeClr val="accent1"/>
-          </a:fillRef>
-          <a:effectRef idx="0">
-            <a:schemeClr val="accent1"/>
-          </a:effectRef>
-          <a:fontRef idx="minor">
-            <a:schemeClr val="lt1"/>
-          </a:fontRef>
-        </p:style>
-        <p:txBody>
-          <a:bodyPr rtlCol="0" anchor="ctr"/>
-          <a:lstStyle/>
-          <a:p>
-            <a:pPr algn="ctr"/>
-            <a:endParaRPr lang="ru-RU"/>
-          </a:p>
-        </p:txBody>
-      </p:sp>
-      <p:sp>
-        <p:nvSpPr>
-          <p:cNvPr id="54" name="Овал 53"/>
-          <p:cNvSpPr/>
-          <p:nvPr/>
-        </p:nvSpPr>
-        <p:spPr>
-          <a:xfrm>
-            <a:off x="2987824" y="5867980"/>
-            <a:ext cx="288032" cy="288032"/>
-          </a:xfrm>
-          <a:prstGeom prst="ellipse">
-            <a:avLst/>
-          </a:prstGeom>
-          <a:solidFill>
-            <a:schemeClr val="bg1"/>
-          </a:solidFill>
-        </p:spPr>
-        <p:style>
-          <a:lnRef idx="2">
-            <a:schemeClr val="accent1">
-              <a:shade val="50000"/>
-            </a:schemeClr>
-          </a:lnRef>
-          <a:fillRef idx="1">
-            <a:schemeClr val="accent1"/>
-          </a:fillRef>
-          <a:effectRef idx="0">
-            <a:schemeClr val="accent1"/>
-          </a:effectRef>
-          <a:fontRef idx="minor">
-            <a:schemeClr val="lt1"/>
-          </a:fontRef>
-        </p:style>
-        <p:txBody>
-          <a:bodyPr rtlCol="0" anchor="ctr"/>
-          <a:lstStyle/>
-          <a:p>
-            <a:pPr algn="ctr"/>
-            <a:endParaRPr lang="ru-RU" dirty="0"/>
-          </a:p>
-        </p:txBody>
-      </p:sp>
-      <p:sp>
-        <p:nvSpPr>
-          <p:cNvPr id="55" name="Овал 54"/>
-          <p:cNvSpPr/>
-          <p:nvPr/>
-        </p:nvSpPr>
-        <p:spPr>
-          <a:xfrm>
-            <a:off x="5580112" y="5435932"/>
-            <a:ext cx="288032" cy="288032"/>
-          </a:xfrm>
-          <a:prstGeom prst="ellipse">
-            <a:avLst/>
-          </a:prstGeom>
-          <a:solidFill>
-            <a:schemeClr val="bg1"/>
-          </a:solidFill>
-        </p:spPr>
-        <p:style>
-          <a:lnRef idx="2">
-            <a:schemeClr val="accent1">
-              <a:shade val="50000"/>
-            </a:schemeClr>
-          </a:lnRef>
-          <a:fillRef idx="1">
-            <a:schemeClr val="accent1"/>
-          </a:fillRef>
-          <a:effectRef idx="0">
-            <a:schemeClr val="accent1"/>
-          </a:effectRef>
-          <a:fontRef idx="minor">
-            <a:schemeClr val="lt1"/>
-          </a:fontRef>
-        </p:style>
-        <p:txBody>
-          <a:bodyPr rtlCol="0" anchor="ctr"/>
-          <a:lstStyle/>
-          <a:p>
-            <a:pPr algn="ctr"/>
-            <a:endParaRPr lang="ru-RU"/>
-          </a:p>
-        </p:txBody>
-      </p:sp>
-      <p:sp>
-        <p:nvSpPr>
-          <p:cNvPr id="56" name="Овал 55"/>
-          <p:cNvSpPr/>
-          <p:nvPr/>
-        </p:nvSpPr>
-        <p:spPr>
-          <a:xfrm>
-            <a:off x="3001478" y="5085184"/>
-            <a:ext cx="288032" cy="288032"/>
-          </a:xfrm>
-          <a:prstGeom prst="ellipse">
-            <a:avLst/>
-          </a:prstGeom>
-          <a:solidFill>
-            <a:schemeClr val="bg1"/>
-          </a:solidFill>
-        </p:spPr>
-        <p:style>
-          <a:lnRef idx="2">
-            <a:schemeClr val="accent1">
-              <a:shade val="50000"/>
-            </a:schemeClr>
-          </a:lnRef>
-          <a:fillRef idx="1">
-            <a:schemeClr val="accent1"/>
-          </a:fillRef>
-          <a:effectRef idx="0">
-            <a:schemeClr val="accent1"/>
-          </a:effectRef>
-          <a:fontRef idx="minor">
-            <a:schemeClr val="lt1"/>
-          </a:fontRef>
-        </p:style>
-        <p:txBody>
-          <a:bodyPr rtlCol="0" anchor="ctr"/>
-          <a:lstStyle/>
-          <a:p>
-            <a:pPr algn="ctr"/>
-            <a:endParaRPr lang="ru-RU"/>
-          </a:p>
-        </p:txBody>
-      </p:sp>
-      <p:sp>
-        <p:nvSpPr>
-          <p:cNvPr id="57" name="TextBox 56"/>
-          <p:cNvSpPr txBox="1"/>
-          <p:nvPr/>
-        </p:nvSpPr>
-        <p:spPr>
-          <a:xfrm>
-            <a:off x="3046178" y="3356992"/>
-            <a:ext cx="301686" cy="369332"/>
-          </a:xfrm>
-          <a:prstGeom prst="rect">
-            <a:avLst/>
-          </a:prstGeom>
-          <a:noFill/>
-        </p:spPr>
-        <p:txBody>
-          <a:bodyPr wrap="none" rtlCol="0">
-            <a:spAutoFit/>
-          </a:bodyPr>
-          <a:lstStyle/>
-          <a:p>
-            <a:r>
-              <a:rPr lang="ru-RU" dirty="0" smtClean="0"/>
-              <a:t>1</a:t>
-            </a:r>
-            <a:endParaRPr lang="ru-RU" dirty="0"/>
-          </a:p>
-        </p:txBody>
-      </p:sp>
-      <p:sp>
-        <p:nvSpPr>
-          <p:cNvPr id="58" name="TextBox 57"/>
-          <p:cNvSpPr txBox="1"/>
-          <p:nvPr/>
-        </p:nvSpPr>
-        <p:spPr>
-          <a:xfrm>
-            <a:off x="2966028" y="5795972"/>
-            <a:ext cx="301686" cy="369332"/>
-          </a:xfrm>
-          <a:prstGeom prst="rect">
-            <a:avLst/>
-          </a:prstGeom>
-          <a:noFill/>
-        </p:spPr>
-        <p:txBody>
-          <a:bodyPr wrap="none" rtlCol="0">
-            <a:spAutoFit/>
-          </a:bodyPr>
-          <a:lstStyle/>
-          <a:p>
-            <a:r>
-              <a:rPr lang="ru-RU" dirty="0" smtClean="0"/>
-              <a:t>7</a:t>
-            </a:r>
-            <a:endParaRPr lang="ru-RU" dirty="0"/>
-          </a:p>
-        </p:txBody>
-      </p:sp>
-      <p:sp>
-        <p:nvSpPr>
-          <p:cNvPr id="59" name="TextBox 58"/>
-          <p:cNvSpPr txBox="1"/>
-          <p:nvPr/>
-        </p:nvSpPr>
-        <p:spPr>
-          <a:xfrm>
-            <a:off x="5566458" y="5363924"/>
-            <a:ext cx="301686" cy="369332"/>
-          </a:xfrm>
-          <a:prstGeom prst="rect">
-            <a:avLst/>
-          </a:prstGeom>
-          <a:noFill/>
-        </p:spPr>
-        <p:txBody>
-          <a:bodyPr wrap="none" rtlCol="0">
-            <a:spAutoFit/>
-          </a:bodyPr>
-          <a:lstStyle/>
-          <a:p>
-            <a:r>
-              <a:rPr lang="ru-RU" dirty="0" smtClean="0"/>
-              <a:t>6</a:t>
-            </a:r>
-            <a:endParaRPr lang="ru-RU" dirty="0"/>
-          </a:p>
-        </p:txBody>
-      </p:sp>
-      <p:sp>
-        <p:nvSpPr>
-          <p:cNvPr id="60" name="TextBox 59"/>
-          <p:cNvSpPr txBox="1"/>
-          <p:nvPr/>
-        </p:nvSpPr>
-        <p:spPr>
-          <a:xfrm>
-            <a:off x="3032524" y="4221088"/>
-            <a:ext cx="301686" cy="369332"/>
-          </a:xfrm>
-          <a:prstGeom prst="rect">
-            <a:avLst/>
-          </a:prstGeom>
-          <a:noFill/>
-        </p:spPr>
-        <p:txBody>
-          <a:bodyPr wrap="none" rtlCol="0">
-            <a:spAutoFit/>
-          </a:bodyPr>
-          <a:lstStyle/>
-          <a:p>
-            <a:r>
-              <a:rPr lang="ru-RU" dirty="0" smtClean="0"/>
-              <a:t>3</a:t>
-            </a:r>
-            <a:endParaRPr lang="ru-RU" dirty="0"/>
-          </a:p>
-        </p:txBody>
-      </p:sp>
-      <p:sp>
-        <p:nvSpPr>
-          <p:cNvPr id="61" name="TextBox 60"/>
-          <p:cNvSpPr txBox="1"/>
-          <p:nvPr/>
-        </p:nvSpPr>
-        <p:spPr>
-          <a:xfrm>
-            <a:off x="2987824" y="5013176"/>
-            <a:ext cx="301686" cy="369332"/>
-          </a:xfrm>
-          <a:prstGeom prst="rect">
-            <a:avLst/>
-          </a:prstGeom>
-          <a:noFill/>
-        </p:spPr>
-        <p:txBody>
-          <a:bodyPr wrap="none" rtlCol="0">
-            <a:spAutoFit/>
-          </a:bodyPr>
-          <a:lstStyle/>
-          <a:p>
-            <a:r>
-              <a:rPr lang="ru-RU" dirty="0" smtClean="0"/>
-              <a:t>5</a:t>
-            </a:r>
-            <a:endParaRPr lang="ru-RU" dirty="0"/>
-          </a:p>
-        </p:txBody>
-      </p:sp>
-      <p:sp>
-        <p:nvSpPr>
-          <p:cNvPr id="63" name="TextBox 62"/>
-          <p:cNvSpPr txBox="1"/>
-          <p:nvPr/>
-        </p:nvSpPr>
-        <p:spPr>
-          <a:xfrm>
-            <a:off x="5566458" y="3779748"/>
-            <a:ext cx="301686" cy="369332"/>
-          </a:xfrm>
-          <a:prstGeom prst="rect">
-            <a:avLst/>
-          </a:prstGeom>
-          <a:noFill/>
-        </p:spPr>
-        <p:txBody>
-          <a:bodyPr wrap="none" rtlCol="0">
-            <a:spAutoFit/>
-          </a:bodyPr>
-          <a:lstStyle/>
-          <a:p>
-            <a:r>
-              <a:rPr lang="ru-RU" dirty="0" smtClean="0"/>
-              <a:t>2</a:t>
-            </a:r>
-            <a:endParaRPr lang="ru-RU" dirty="0"/>
-          </a:p>
-        </p:txBody>
-      </p:sp>
-      <p:sp>
-        <p:nvSpPr>
-          <p:cNvPr id="64" name="TextBox 63"/>
-          <p:cNvSpPr txBox="1"/>
-          <p:nvPr/>
-        </p:nvSpPr>
-        <p:spPr>
-          <a:xfrm>
-            <a:off x="5566458" y="4499828"/>
-            <a:ext cx="301686" cy="369332"/>
-          </a:xfrm>
-          <a:prstGeom prst="rect">
-            <a:avLst/>
-          </a:prstGeom>
-          <a:noFill/>
-        </p:spPr>
-        <p:txBody>
-          <a:bodyPr wrap="none" rtlCol="0">
-            <a:spAutoFit/>
-          </a:bodyPr>
-          <a:lstStyle/>
-          <a:p>
-            <a:r>
-              <a:rPr lang="ru-RU" dirty="0" smtClean="0"/>
-              <a:t>4</a:t>
-            </a:r>
-            <a:endParaRPr lang="ru-RU" dirty="0"/>
-          </a:p>
-        </p:txBody>
-      </p:sp>
-      <p:cxnSp>
-        <p:nvCxnSpPr>
-          <p:cNvPr id="85" name="Прямая со стрелкой 84"/>
-          <p:cNvCxnSpPr>
-            <a:stCxn id="64" idx="1"/>
-            <a:endCxn id="60" idx="3"/>
-          </p:cNvCxnSpPr>
-          <p:nvPr/>
-        </p:nvCxnSpPr>
-        <p:spPr>
-          <a:xfrm flipH="1" flipV="1">
-            <a:off x="3334210" y="4405754"/>
-            <a:ext cx="2232248" cy="278740"/>
-          </a:xfrm>
-          <a:prstGeom prst="straightConnector1">
-            <a:avLst/>
-          </a:prstGeom>
-          <a:ln w="38100">
-            <a:headEnd type="none" w="med" len="med"/>
-            <a:tailEnd type="none" w="med" len="med"/>
-          </a:ln>
-        </p:spPr>
-        <p:style>
-          <a:lnRef idx="1">
-            <a:schemeClr val="accent1"/>
-          </a:lnRef>
-          <a:fillRef idx="0">
-            <a:schemeClr val="accent1"/>
-          </a:fillRef>
-          <a:effectRef idx="0">
-            <a:schemeClr val="accent1"/>
-          </a:effectRef>
-          <a:fontRef idx="minor">
-            <a:schemeClr val="tx1"/>
-          </a:fontRef>
-        </p:style>
-      </p:cxnSp>
-      <p:cxnSp>
-        <p:nvCxnSpPr>
-          <p:cNvPr id="86" name="Прямая со стрелкой 85"/>
-          <p:cNvCxnSpPr>
-            <a:stCxn id="59" idx="1"/>
-            <a:endCxn id="60" idx="3"/>
-          </p:cNvCxnSpPr>
-          <p:nvPr/>
-        </p:nvCxnSpPr>
-        <p:spPr>
-          <a:xfrm flipH="1" flipV="1">
-            <a:off x="3334210" y="4405754"/>
-            <a:ext cx="2232248" cy="1142836"/>
-          </a:xfrm>
-          <a:prstGeom prst="straightConnector1">
-            <a:avLst/>
-          </a:prstGeom>
-          <a:ln w="38100">
-            <a:headEnd type="none" w="med" len="med"/>
-            <a:tailEnd type="none" w="med" len="med"/>
-          </a:ln>
-        </p:spPr>
-        <p:style>
-          <a:lnRef idx="1">
-            <a:schemeClr val="accent1"/>
-          </a:lnRef>
-          <a:fillRef idx="0">
-            <a:schemeClr val="accent1"/>
-          </a:fillRef>
-          <a:effectRef idx="0">
-            <a:schemeClr val="accent1"/>
-          </a:effectRef>
-          <a:fontRef idx="minor">
-            <a:schemeClr val="tx1"/>
-          </a:fontRef>
-        </p:style>
-      </p:cxnSp>
-      <p:cxnSp>
-        <p:nvCxnSpPr>
-          <p:cNvPr id="87" name="Прямая со стрелкой 86"/>
-          <p:cNvCxnSpPr>
-            <a:stCxn id="63" idx="1"/>
-            <a:endCxn id="61" idx="3"/>
-          </p:cNvCxnSpPr>
-          <p:nvPr/>
-        </p:nvCxnSpPr>
-        <p:spPr>
-          <a:xfrm flipH="1">
-            <a:off x="3289510" y="3964414"/>
-            <a:ext cx="2276948" cy="1233428"/>
-          </a:xfrm>
-          <a:prstGeom prst="straightConnector1">
-            <a:avLst/>
-          </a:prstGeom>
-          <a:ln w="38100">
-            <a:headEnd type="none" w="med" len="med"/>
-            <a:tailEnd type="none" w="med" len="med"/>
-          </a:ln>
-        </p:spPr>
-        <p:style>
-          <a:lnRef idx="1">
-            <a:schemeClr val="accent1"/>
-          </a:lnRef>
-          <a:fillRef idx="0">
-            <a:schemeClr val="accent1"/>
-          </a:fillRef>
-          <a:effectRef idx="0">
-            <a:schemeClr val="accent1"/>
-          </a:effectRef>
-          <a:fontRef idx="minor">
-            <a:schemeClr val="tx1"/>
-          </a:fontRef>
-        </p:style>
-      </p:cxnSp>
-      <p:cxnSp>
-        <p:nvCxnSpPr>
-          <p:cNvPr id="88" name="Прямая со стрелкой 87"/>
-          <p:cNvCxnSpPr>
-            <a:stCxn id="63" idx="1"/>
-            <a:endCxn id="58" idx="3"/>
-          </p:cNvCxnSpPr>
-          <p:nvPr/>
-        </p:nvCxnSpPr>
-        <p:spPr>
-          <a:xfrm flipH="1">
-            <a:off x="3267714" y="3964414"/>
-            <a:ext cx="2298744" cy="2016224"/>
-          </a:xfrm>
-          <a:prstGeom prst="straightConnector1">
-            <a:avLst/>
-          </a:prstGeom>
-          <a:ln w="38100">
-            <a:headEnd type="none" w="med" len="med"/>
-            <a:tailEnd type="none" w="med" len="med"/>
-          </a:ln>
-        </p:spPr>
-        <p:style>
-          <a:lnRef idx="1">
-            <a:schemeClr val="accent1"/>
-          </a:lnRef>
-          <a:fillRef idx="0">
-            <a:schemeClr val="accent1"/>
-          </a:fillRef>
-          <a:effectRef idx="0">
-            <a:schemeClr val="accent1"/>
-          </a:effectRef>
-          <a:fontRef idx="minor">
-            <a:schemeClr val="tx1"/>
-          </a:fontRef>
-        </p:style>
-      </p:cxnSp>
-      <p:cxnSp>
-        <p:nvCxnSpPr>
-          <p:cNvPr id="99" name="Прямая со стрелкой 98"/>
-          <p:cNvCxnSpPr>
-            <a:stCxn id="59" idx="1"/>
-            <a:endCxn id="56" idx="6"/>
-          </p:cNvCxnSpPr>
-          <p:nvPr/>
-        </p:nvCxnSpPr>
-        <p:spPr>
-          <a:xfrm flipH="1" flipV="1">
-            <a:off x="3289510" y="5229200"/>
-            <a:ext cx="2276948" cy="319390"/>
-          </a:xfrm>
-          <a:prstGeom prst="straightConnector1">
-            <a:avLst/>
-          </a:prstGeom>
-          <a:ln w="38100">
-            <a:headEnd type="none" w="med" len="med"/>
-            <a:tailEnd type="none" w="med" len="med"/>
-          </a:ln>
-        </p:spPr>
-        <p:style>
-          <a:lnRef idx="1">
-            <a:schemeClr val="accent1"/>
-          </a:lnRef>
-          <a:fillRef idx="0">
-            <a:schemeClr val="accent1"/>
-          </a:fillRef>
-          <a:effectRef idx="0">
-            <a:schemeClr val="accent1"/>
-          </a:effectRef>
-          <a:fontRef idx="minor">
-            <a:schemeClr val="tx1"/>
-          </a:fontRef>
-        </p:style>
-      </p:cxnSp>
-      <p:cxnSp>
-        <p:nvCxnSpPr>
-          <p:cNvPr id="103" name="Прямая со стрелкой 102"/>
-          <p:cNvCxnSpPr>
-            <a:stCxn id="57" idx="3"/>
-            <a:endCxn id="59" idx="1"/>
-          </p:cNvCxnSpPr>
-          <p:nvPr/>
-        </p:nvCxnSpPr>
-        <p:spPr>
-          <a:xfrm>
-            <a:off x="3347864" y="3541658"/>
-            <a:ext cx="2218594" cy="2006932"/>
-          </a:xfrm>
-          <a:prstGeom prst="straightConnector1">
-            <a:avLst/>
-          </a:prstGeom>
-          <a:ln w="38100">
-            <a:headEnd type="none" w="med" len="med"/>
-            <a:tailEnd type="none" w="med" len="med"/>
-          </a:ln>
-        </p:spPr>
-        <p:style>
-          <a:lnRef idx="1">
-            <a:schemeClr val="accent1"/>
-          </a:lnRef>
-          <a:fillRef idx="0">
-            <a:schemeClr val="accent1"/>
-          </a:fillRef>
-          <a:effectRef idx="0">
-            <a:schemeClr val="accent1"/>
-          </a:effectRef>
-          <a:fontRef idx="minor">
-            <a:schemeClr val="tx1"/>
-          </a:fontRef>
-        </p:style>
-      </p:cxnSp>
-      <p:sp>
-        <p:nvSpPr>
-          <p:cNvPr id="31" name="Заголовок 1"/>
           <p:cNvSpPr txBox="1">
             <a:spLocks/>
           </p:cNvSpPr>
@@ -55996,8 +56572,8 @@
         </p:nvSpPr>
         <p:spPr>
           <a:xfrm>
-            <a:off x="838200" y="1844825"/>
-            <a:ext cx="7772400" cy="1008111"/>
+            <a:off x="838200" y="1700809"/>
+            <a:ext cx="7772400" cy="1512167"/>
           </a:xfrm>
           <a:prstGeom prst="rect">
             <a:avLst/>
@@ -56011,19 +56587,970 @@
           <a:p>
             <a:r>
               <a:rPr lang="ru-RU" sz="2000" b="1" dirty="0" smtClean="0"/>
-              <a:t>Теорема</a:t>
+              <a:t>Определение</a:t>
             </a:r>
             <a:r>
               <a:rPr lang="ru-RU" sz="2000" dirty="0" smtClean="0"/>
-              <a:t>: Граф является двудольным тогда и только тогда, когда все его циклы имеют чётную длину.</a:t>
-            </a:r>
-            <a:endParaRPr lang="ru-RU" sz="2000" b="1" dirty="0" smtClean="0"/>
-          </a:p>
-        </p:txBody>
-      </p:sp>
-      <p:sp>
-        <p:nvSpPr>
-          <p:cNvPr id="4" name="Заголовок 1"/>
+              <a:t>: Двудольный граф – это граф все вершины которого можно разделить на два множества, таких что ни какие две вершины, каждого из этих множеств не соединены ребром.</a:t>
+            </a:r>
+          </a:p>
+        </p:txBody>
+      </p:sp>
+      <p:cxnSp>
+        <p:nvCxnSpPr>
+          <p:cNvPr id="39" name="Прямая со стрелкой 38"/>
+          <p:cNvCxnSpPr>
+            <a:stCxn id="57" idx="3"/>
+            <a:endCxn id="63" idx="1"/>
+          </p:cNvCxnSpPr>
+          <p:nvPr/>
+        </p:nvCxnSpPr>
+        <p:spPr>
+          <a:xfrm>
+            <a:off x="3347864" y="3541658"/>
+            <a:ext cx="2218594" cy="422756"/>
+          </a:xfrm>
+          <a:prstGeom prst="straightConnector1">
+            <a:avLst/>
+          </a:prstGeom>
+          <a:ln w="38100">
+            <a:headEnd type="none" w="med" len="med"/>
+            <a:tailEnd type="none" w="med" len="med"/>
+          </a:ln>
+        </p:spPr>
+        <p:style>
+          <a:lnRef idx="1">
+            <a:schemeClr val="accent1"/>
+          </a:lnRef>
+          <a:fillRef idx="0">
+            <a:schemeClr val="accent1"/>
+          </a:fillRef>
+          <a:effectRef idx="0">
+            <a:schemeClr val="accent1"/>
+          </a:effectRef>
+          <a:fontRef idx="minor">
+            <a:schemeClr val="tx1"/>
+          </a:fontRef>
+        </p:style>
+      </p:cxnSp>
+      <p:cxnSp>
+        <p:nvCxnSpPr>
+          <p:cNvPr id="40" name="Прямая со стрелкой 39"/>
+          <p:cNvCxnSpPr>
+            <a:stCxn id="63" idx="1"/>
+            <a:endCxn id="60" idx="3"/>
+          </p:cNvCxnSpPr>
+          <p:nvPr/>
+        </p:nvCxnSpPr>
+        <p:spPr>
+          <a:xfrm flipH="1">
+            <a:off x="3334210" y="3964414"/>
+            <a:ext cx="2232248" cy="441340"/>
+          </a:xfrm>
+          <a:prstGeom prst="straightConnector1">
+            <a:avLst/>
+          </a:prstGeom>
+          <a:ln w="38100">
+            <a:headEnd type="none" w="med" len="med"/>
+            <a:tailEnd type="none" w="med" len="med"/>
+          </a:ln>
+        </p:spPr>
+        <p:style>
+          <a:lnRef idx="1">
+            <a:schemeClr val="accent1"/>
+          </a:lnRef>
+          <a:fillRef idx="0">
+            <a:schemeClr val="accent1"/>
+          </a:fillRef>
+          <a:effectRef idx="0">
+            <a:schemeClr val="accent1"/>
+          </a:effectRef>
+          <a:fontRef idx="minor">
+            <a:schemeClr val="tx1"/>
+          </a:fontRef>
+        </p:style>
+      </p:cxnSp>
+      <p:cxnSp>
+        <p:nvCxnSpPr>
+          <p:cNvPr id="41" name="Прямая со стрелкой 40"/>
+          <p:cNvCxnSpPr>
+            <a:stCxn id="57" idx="3"/>
+            <a:endCxn id="64" idx="1"/>
+          </p:cNvCxnSpPr>
+          <p:nvPr/>
+        </p:nvCxnSpPr>
+        <p:spPr>
+          <a:xfrm>
+            <a:off x="3347864" y="3541658"/>
+            <a:ext cx="2218594" cy="1142836"/>
+          </a:xfrm>
+          <a:prstGeom prst="straightConnector1">
+            <a:avLst/>
+          </a:prstGeom>
+          <a:ln w="38100">
+            <a:headEnd type="none" w="med" len="med"/>
+            <a:tailEnd type="none" w="med" len="med"/>
+          </a:ln>
+        </p:spPr>
+        <p:style>
+          <a:lnRef idx="1">
+            <a:schemeClr val="accent1"/>
+          </a:lnRef>
+          <a:fillRef idx="0">
+            <a:schemeClr val="accent1"/>
+          </a:fillRef>
+          <a:effectRef idx="0">
+            <a:schemeClr val="accent1"/>
+          </a:effectRef>
+          <a:fontRef idx="minor">
+            <a:schemeClr val="tx1"/>
+          </a:fontRef>
+        </p:style>
+      </p:cxnSp>
+      <p:cxnSp>
+        <p:nvCxnSpPr>
+          <p:cNvPr id="42" name="Прямая со стрелкой 41"/>
+          <p:cNvCxnSpPr>
+            <a:stCxn id="64" idx="1"/>
+            <a:endCxn id="58" idx="3"/>
+          </p:cNvCxnSpPr>
+          <p:nvPr/>
+        </p:nvCxnSpPr>
+        <p:spPr>
+          <a:xfrm flipH="1">
+            <a:off x="3267714" y="4684494"/>
+            <a:ext cx="2298744" cy="1296144"/>
+          </a:xfrm>
+          <a:prstGeom prst="straightConnector1">
+            <a:avLst/>
+          </a:prstGeom>
+          <a:ln w="38100">
+            <a:headEnd type="none" w="med" len="med"/>
+            <a:tailEnd type="none" w="med" len="med"/>
+          </a:ln>
+        </p:spPr>
+        <p:style>
+          <a:lnRef idx="1">
+            <a:schemeClr val="accent1"/>
+          </a:lnRef>
+          <a:fillRef idx="0">
+            <a:schemeClr val="accent1"/>
+          </a:fillRef>
+          <a:effectRef idx="0">
+            <a:schemeClr val="accent1"/>
+          </a:effectRef>
+          <a:fontRef idx="minor">
+            <a:schemeClr val="tx1"/>
+          </a:fontRef>
+        </p:style>
+      </p:cxnSp>
+      <p:cxnSp>
+        <p:nvCxnSpPr>
+          <p:cNvPr id="44" name="Прямая со стрелкой 43"/>
+          <p:cNvCxnSpPr>
+            <a:stCxn id="54" idx="6"/>
+            <a:endCxn id="59" idx="1"/>
+          </p:cNvCxnSpPr>
+          <p:nvPr/>
+        </p:nvCxnSpPr>
+        <p:spPr>
+          <a:xfrm flipV="1">
+            <a:off x="3275856" y="5548590"/>
+            <a:ext cx="2290602" cy="463406"/>
+          </a:xfrm>
+          <a:prstGeom prst="straightConnector1">
+            <a:avLst/>
+          </a:prstGeom>
+          <a:ln w="38100">
+            <a:headEnd type="none" w="med" len="med"/>
+            <a:tailEnd type="none" w="med" len="med"/>
+          </a:ln>
+        </p:spPr>
+        <p:style>
+          <a:lnRef idx="1">
+            <a:schemeClr val="accent1"/>
+          </a:lnRef>
+          <a:fillRef idx="0">
+            <a:schemeClr val="accent1"/>
+          </a:fillRef>
+          <a:effectRef idx="0">
+            <a:schemeClr val="accent1"/>
+          </a:effectRef>
+          <a:fontRef idx="minor">
+            <a:schemeClr val="tx1"/>
+          </a:fontRef>
+        </p:style>
+      </p:cxnSp>
+      <p:cxnSp>
+        <p:nvCxnSpPr>
+          <p:cNvPr id="45" name="Прямая соединительная линия 44"/>
+          <p:cNvCxnSpPr>
+            <a:stCxn id="64" idx="1"/>
+            <a:endCxn id="61" idx="3"/>
+          </p:cNvCxnSpPr>
+          <p:nvPr/>
+        </p:nvCxnSpPr>
+        <p:spPr>
+          <a:xfrm flipH="1">
+            <a:off x="3289510" y="4684494"/>
+            <a:ext cx="2276948" cy="513348"/>
+          </a:xfrm>
+          <a:prstGeom prst="line">
+            <a:avLst/>
+          </a:prstGeom>
+          <a:ln w="38100"/>
+        </p:spPr>
+        <p:style>
+          <a:lnRef idx="1">
+            <a:schemeClr val="accent1"/>
+          </a:lnRef>
+          <a:fillRef idx="0">
+            <a:schemeClr val="accent1"/>
+          </a:fillRef>
+          <a:effectRef idx="0">
+            <a:schemeClr val="accent1"/>
+          </a:effectRef>
+          <a:fontRef idx="minor">
+            <a:schemeClr val="tx1"/>
+          </a:fontRef>
+        </p:style>
+      </p:cxnSp>
+      <p:sp>
+        <p:nvSpPr>
+          <p:cNvPr id="49" name="Овал 48"/>
+          <p:cNvSpPr/>
+          <p:nvPr/>
+        </p:nvSpPr>
+        <p:spPr>
+          <a:xfrm>
+            <a:off x="3046178" y="3429000"/>
+            <a:ext cx="288032" cy="288032"/>
+          </a:xfrm>
+          <a:prstGeom prst="ellipse">
+            <a:avLst/>
+          </a:prstGeom>
+          <a:solidFill>
+            <a:schemeClr val="bg1"/>
+          </a:solidFill>
+        </p:spPr>
+        <p:style>
+          <a:lnRef idx="2">
+            <a:schemeClr val="accent1">
+              <a:shade val="50000"/>
+            </a:schemeClr>
+          </a:lnRef>
+          <a:fillRef idx="1">
+            <a:schemeClr val="accent1"/>
+          </a:fillRef>
+          <a:effectRef idx="0">
+            <a:schemeClr val="accent1"/>
+          </a:effectRef>
+          <a:fontRef idx="minor">
+            <a:schemeClr val="lt1"/>
+          </a:fontRef>
+        </p:style>
+        <p:txBody>
+          <a:bodyPr rtlCol="0" anchor="ctr"/>
+          <a:lstStyle/>
+          <a:p>
+            <a:pPr algn="ctr"/>
+            <a:endParaRPr lang="ru-RU"/>
+          </a:p>
+        </p:txBody>
+      </p:sp>
+      <p:sp>
+        <p:nvSpPr>
+          <p:cNvPr id="50" name="Овал 49"/>
+          <p:cNvSpPr/>
+          <p:nvPr/>
+        </p:nvSpPr>
+        <p:spPr>
+          <a:xfrm>
+            <a:off x="5580112" y="3851756"/>
+            <a:ext cx="288032" cy="288032"/>
+          </a:xfrm>
+          <a:prstGeom prst="ellipse">
+            <a:avLst/>
+          </a:prstGeom>
+          <a:solidFill>
+            <a:schemeClr val="bg1"/>
+          </a:solidFill>
+        </p:spPr>
+        <p:style>
+          <a:lnRef idx="2">
+            <a:schemeClr val="accent1">
+              <a:shade val="50000"/>
+            </a:schemeClr>
+          </a:lnRef>
+          <a:fillRef idx="1">
+            <a:schemeClr val="accent1"/>
+          </a:fillRef>
+          <a:effectRef idx="0">
+            <a:schemeClr val="accent1"/>
+          </a:effectRef>
+          <a:fontRef idx="minor">
+            <a:schemeClr val="lt1"/>
+          </a:fontRef>
+        </p:style>
+        <p:txBody>
+          <a:bodyPr rtlCol="0" anchor="ctr"/>
+          <a:lstStyle/>
+          <a:p>
+            <a:pPr algn="ctr"/>
+            <a:endParaRPr lang="ru-RU"/>
+          </a:p>
+        </p:txBody>
+      </p:sp>
+      <p:sp>
+        <p:nvSpPr>
+          <p:cNvPr id="51" name="Овал 50"/>
+          <p:cNvSpPr/>
+          <p:nvPr/>
+        </p:nvSpPr>
+        <p:spPr>
+          <a:xfrm>
+            <a:off x="3046178" y="4293096"/>
+            <a:ext cx="288032" cy="288032"/>
+          </a:xfrm>
+          <a:prstGeom prst="ellipse">
+            <a:avLst/>
+          </a:prstGeom>
+          <a:solidFill>
+            <a:schemeClr val="bg1"/>
+          </a:solidFill>
+        </p:spPr>
+        <p:style>
+          <a:lnRef idx="2">
+            <a:schemeClr val="accent1">
+              <a:shade val="50000"/>
+            </a:schemeClr>
+          </a:lnRef>
+          <a:fillRef idx="1">
+            <a:schemeClr val="accent1"/>
+          </a:fillRef>
+          <a:effectRef idx="0">
+            <a:schemeClr val="accent1"/>
+          </a:effectRef>
+          <a:fontRef idx="minor">
+            <a:schemeClr val="lt1"/>
+          </a:fontRef>
+        </p:style>
+        <p:txBody>
+          <a:bodyPr rtlCol="0" anchor="ctr"/>
+          <a:lstStyle/>
+          <a:p>
+            <a:pPr algn="ctr"/>
+            <a:endParaRPr lang="ru-RU"/>
+          </a:p>
+        </p:txBody>
+      </p:sp>
+      <p:sp>
+        <p:nvSpPr>
+          <p:cNvPr id="52" name="Овал 51"/>
+          <p:cNvSpPr/>
+          <p:nvPr/>
+        </p:nvSpPr>
+        <p:spPr>
+          <a:xfrm>
+            <a:off x="5580112" y="4571836"/>
+            <a:ext cx="288032" cy="288032"/>
+          </a:xfrm>
+          <a:prstGeom prst="ellipse">
+            <a:avLst/>
+          </a:prstGeom>
+          <a:solidFill>
+            <a:schemeClr val="bg1"/>
+          </a:solidFill>
+        </p:spPr>
+        <p:style>
+          <a:lnRef idx="2">
+            <a:schemeClr val="accent1">
+              <a:shade val="50000"/>
+            </a:schemeClr>
+          </a:lnRef>
+          <a:fillRef idx="1">
+            <a:schemeClr val="accent1"/>
+          </a:fillRef>
+          <a:effectRef idx="0">
+            <a:schemeClr val="accent1"/>
+          </a:effectRef>
+          <a:fontRef idx="minor">
+            <a:schemeClr val="lt1"/>
+          </a:fontRef>
+        </p:style>
+        <p:txBody>
+          <a:bodyPr rtlCol="0" anchor="ctr"/>
+          <a:lstStyle/>
+          <a:p>
+            <a:pPr algn="ctr"/>
+            <a:endParaRPr lang="ru-RU"/>
+          </a:p>
+        </p:txBody>
+      </p:sp>
+      <p:sp>
+        <p:nvSpPr>
+          <p:cNvPr id="54" name="Овал 53"/>
+          <p:cNvSpPr/>
+          <p:nvPr/>
+        </p:nvSpPr>
+        <p:spPr>
+          <a:xfrm>
+            <a:off x="2987824" y="5867980"/>
+            <a:ext cx="288032" cy="288032"/>
+          </a:xfrm>
+          <a:prstGeom prst="ellipse">
+            <a:avLst/>
+          </a:prstGeom>
+          <a:solidFill>
+            <a:schemeClr val="bg1"/>
+          </a:solidFill>
+        </p:spPr>
+        <p:style>
+          <a:lnRef idx="2">
+            <a:schemeClr val="accent1">
+              <a:shade val="50000"/>
+            </a:schemeClr>
+          </a:lnRef>
+          <a:fillRef idx="1">
+            <a:schemeClr val="accent1"/>
+          </a:fillRef>
+          <a:effectRef idx="0">
+            <a:schemeClr val="accent1"/>
+          </a:effectRef>
+          <a:fontRef idx="minor">
+            <a:schemeClr val="lt1"/>
+          </a:fontRef>
+        </p:style>
+        <p:txBody>
+          <a:bodyPr rtlCol="0" anchor="ctr"/>
+          <a:lstStyle/>
+          <a:p>
+            <a:pPr algn="ctr"/>
+            <a:endParaRPr lang="ru-RU" dirty="0"/>
+          </a:p>
+        </p:txBody>
+      </p:sp>
+      <p:sp>
+        <p:nvSpPr>
+          <p:cNvPr id="55" name="Овал 54"/>
+          <p:cNvSpPr/>
+          <p:nvPr/>
+        </p:nvSpPr>
+        <p:spPr>
+          <a:xfrm>
+            <a:off x="5580112" y="5435932"/>
+            <a:ext cx="288032" cy="288032"/>
+          </a:xfrm>
+          <a:prstGeom prst="ellipse">
+            <a:avLst/>
+          </a:prstGeom>
+          <a:solidFill>
+            <a:schemeClr val="bg1"/>
+          </a:solidFill>
+        </p:spPr>
+        <p:style>
+          <a:lnRef idx="2">
+            <a:schemeClr val="accent1">
+              <a:shade val="50000"/>
+            </a:schemeClr>
+          </a:lnRef>
+          <a:fillRef idx="1">
+            <a:schemeClr val="accent1"/>
+          </a:fillRef>
+          <a:effectRef idx="0">
+            <a:schemeClr val="accent1"/>
+          </a:effectRef>
+          <a:fontRef idx="minor">
+            <a:schemeClr val="lt1"/>
+          </a:fontRef>
+        </p:style>
+        <p:txBody>
+          <a:bodyPr rtlCol="0" anchor="ctr"/>
+          <a:lstStyle/>
+          <a:p>
+            <a:pPr algn="ctr"/>
+            <a:endParaRPr lang="ru-RU"/>
+          </a:p>
+        </p:txBody>
+      </p:sp>
+      <p:sp>
+        <p:nvSpPr>
+          <p:cNvPr id="56" name="Овал 55"/>
+          <p:cNvSpPr/>
+          <p:nvPr/>
+        </p:nvSpPr>
+        <p:spPr>
+          <a:xfrm>
+            <a:off x="3001478" y="5085184"/>
+            <a:ext cx="288032" cy="288032"/>
+          </a:xfrm>
+          <a:prstGeom prst="ellipse">
+            <a:avLst/>
+          </a:prstGeom>
+          <a:solidFill>
+            <a:schemeClr val="bg1"/>
+          </a:solidFill>
+        </p:spPr>
+        <p:style>
+          <a:lnRef idx="2">
+            <a:schemeClr val="accent1">
+              <a:shade val="50000"/>
+            </a:schemeClr>
+          </a:lnRef>
+          <a:fillRef idx="1">
+            <a:schemeClr val="accent1"/>
+          </a:fillRef>
+          <a:effectRef idx="0">
+            <a:schemeClr val="accent1"/>
+          </a:effectRef>
+          <a:fontRef idx="minor">
+            <a:schemeClr val="lt1"/>
+          </a:fontRef>
+        </p:style>
+        <p:txBody>
+          <a:bodyPr rtlCol="0" anchor="ctr"/>
+          <a:lstStyle/>
+          <a:p>
+            <a:pPr algn="ctr"/>
+            <a:endParaRPr lang="ru-RU"/>
+          </a:p>
+        </p:txBody>
+      </p:sp>
+      <p:sp>
+        <p:nvSpPr>
+          <p:cNvPr id="57" name="TextBox 56"/>
+          <p:cNvSpPr txBox="1"/>
+          <p:nvPr/>
+        </p:nvSpPr>
+        <p:spPr>
+          <a:xfrm>
+            <a:off x="3046178" y="3356992"/>
+            <a:ext cx="301686" cy="369332"/>
+          </a:xfrm>
+          <a:prstGeom prst="rect">
+            <a:avLst/>
+          </a:prstGeom>
+          <a:noFill/>
+        </p:spPr>
+        <p:txBody>
+          <a:bodyPr wrap="none" rtlCol="0">
+            <a:spAutoFit/>
+          </a:bodyPr>
+          <a:lstStyle/>
+          <a:p>
+            <a:r>
+              <a:rPr lang="ru-RU" dirty="0" smtClean="0"/>
+              <a:t>1</a:t>
+            </a:r>
+            <a:endParaRPr lang="ru-RU" dirty="0"/>
+          </a:p>
+        </p:txBody>
+      </p:sp>
+      <p:sp>
+        <p:nvSpPr>
+          <p:cNvPr id="58" name="TextBox 57"/>
+          <p:cNvSpPr txBox="1"/>
+          <p:nvPr/>
+        </p:nvSpPr>
+        <p:spPr>
+          <a:xfrm>
+            <a:off x="2966028" y="5795972"/>
+            <a:ext cx="301686" cy="369332"/>
+          </a:xfrm>
+          <a:prstGeom prst="rect">
+            <a:avLst/>
+          </a:prstGeom>
+          <a:noFill/>
+        </p:spPr>
+        <p:txBody>
+          <a:bodyPr wrap="none" rtlCol="0">
+            <a:spAutoFit/>
+          </a:bodyPr>
+          <a:lstStyle/>
+          <a:p>
+            <a:r>
+              <a:rPr lang="ru-RU" dirty="0" smtClean="0"/>
+              <a:t>7</a:t>
+            </a:r>
+            <a:endParaRPr lang="ru-RU" dirty="0"/>
+          </a:p>
+        </p:txBody>
+      </p:sp>
+      <p:sp>
+        <p:nvSpPr>
+          <p:cNvPr id="59" name="TextBox 58"/>
+          <p:cNvSpPr txBox="1"/>
+          <p:nvPr/>
+        </p:nvSpPr>
+        <p:spPr>
+          <a:xfrm>
+            <a:off x="5566458" y="5363924"/>
+            <a:ext cx="301686" cy="369332"/>
+          </a:xfrm>
+          <a:prstGeom prst="rect">
+            <a:avLst/>
+          </a:prstGeom>
+          <a:noFill/>
+        </p:spPr>
+        <p:txBody>
+          <a:bodyPr wrap="none" rtlCol="0">
+            <a:spAutoFit/>
+          </a:bodyPr>
+          <a:lstStyle/>
+          <a:p>
+            <a:r>
+              <a:rPr lang="ru-RU" dirty="0" smtClean="0"/>
+              <a:t>6</a:t>
+            </a:r>
+            <a:endParaRPr lang="ru-RU" dirty="0"/>
+          </a:p>
+        </p:txBody>
+      </p:sp>
+      <p:sp>
+        <p:nvSpPr>
+          <p:cNvPr id="60" name="TextBox 59"/>
+          <p:cNvSpPr txBox="1"/>
+          <p:nvPr/>
+        </p:nvSpPr>
+        <p:spPr>
+          <a:xfrm>
+            <a:off x="3032524" y="4221088"/>
+            <a:ext cx="301686" cy="369332"/>
+          </a:xfrm>
+          <a:prstGeom prst="rect">
+            <a:avLst/>
+          </a:prstGeom>
+          <a:noFill/>
+        </p:spPr>
+        <p:txBody>
+          <a:bodyPr wrap="none" rtlCol="0">
+            <a:spAutoFit/>
+          </a:bodyPr>
+          <a:lstStyle/>
+          <a:p>
+            <a:r>
+              <a:rPr lang="ru-RU" dirty="0" smtClean="0"/>
+              <a:t>3</a:t>
+            </a:r>
+            <a:endParaRPr lang="ru-RU" dirty="0"/>
+          </a:p>
+        </p:txBody>
+      </p:sp>
+      <p:sp>
+        <p:nvSpPr>
+          <p:cNvPr id="61" name="TextBox 60"/>
+          <p:cNvSpPr txBox="1"/>
+          <p:nvPr/>
+        </p:nvSpPr>
+        <p:spPr>
+          <a:xfrm>
+            <a:off x="2987824" y="5013176"/>
+            <a:ext cx="301686" cy="369332"/>
+          </a:xfrm>
+          <a:prstGeom prst="rect">
+            <a:avLst/>
+          </a:prstGeom>
+          <a:noFill/>
+        </p:spPr>
+        <p:txBody>
+          <a:bodyPr wrap="none" rtlCol="0">
+            <a:spAutoFit/>
+          </a:bodyPr>
+          <a:lstStyle/>
+          <a:p>
+            <a:r>
+              <a:rPr lang="ru-RU" dirty="0" smtClean="0"/>
+              <a:t>5</a:t>
+            </a:r>
+            <a:endParaRPr lang="ru-RU" dirty="0"/>
+          </a:p>
+        </p:txBody>
+      </p:sp>
+      <p:sp>
+        <p:nvSpPr>
+          <p:cNvPr id="63" name="TextBox 62"/>
+          <p:cNvSpPr txBox="1"/>
+          <p:nvPr/>
+        </p:nvSpPr>
+        <p:spPr>
+          <a:xfrm>
+            <a:off x="5566458" y="3779748"/>
+            <a:ext cx="301686" cy="369332"/>
+          </a:xfrm>
+          <a:prstGeom prst="rect">
+            <a:avLst/>
+          </a:prstGeom>
+          <a:noFill/>
+        </p:spPr>
+        <p:txBody>
+          <a:bodyPr wrap="none" rtlCol="0">
+            <a:spAutoFit/>
+          </a:bodyPr>
+          <a:lstStyle/>
+          <a:p>
+            <a:r>
+              <a:rPr lang="ru-RU" dirty="0" smtClean="0"/>
+              <a:t>2</a:t>
+            </a:r>
+            <a:endParaRPr lang="ru-RU" dirty="0"/>
+          </a:p>
+        </p:txBody>
+      </p:sp>
+      <p:sp>
+        <p:nvSpPr>
+          <p:cNvPr id="64" name="TextBox 63"/>
+          <p:cNvSpPr txBox="1"/>
+          <p:nvPr/>
+        </p:nvSpPr>
+        <p:spPr>
+          <a:xfrm>
+            <a:off x="5566458" y="4499828"/>
+            <a:ext cx="301686" cy="369332"/>
+          </a:xfrm>
+          <a:prstGeom prst="rect">
+            <a:avLst/>
+          </a:prstGeom>
+          <a:noFill/>
+        </p:spPr>
+        <p:txBody>
+          <a:bodyPr wrap="none" rtlCol="0">
+            <a:spAutoFit/>
+          </a:bodyPr>
+          <a:lstStyle/>
+          <a:p>
+            <a:r>
+              <a:rPr lang="ru-RU" dirty="0" smtClean="0"/>
+              <a:t>4</a:t>
+            </a:r>
+            <a:endParaRPr lang="ru-RU" dirty="0"/>
+          </a:p>
+        </p:txBody>
+      </p:sp>
+      <p:cxnSp>
+        <p:nvCxnSpPr>
+          <p:cNvPr id="85" name="Прямая со стрелкой 84"/>
+          <p:cNvCxnSpPr>
+            <a:stCxn id="64" idx="1"/>
+            <a:endCxn id="60" idx="3"/>
+          </p:cNvCxnSpPr>
+          <p:nvPr/>
+        </p:nvCxnSpPr>
+        <p:spPr>
+          <a:xfrm flipH="1" flipV="1">
+            <a:off x="3334210" y="4405754"/>
+            <a:ext cx="2232248" cy="278740"/>
+          </a:xfrm>
+          <a:prstGeom prst="straightConnector1">
+            <a:avLst/>
+          </a:prstGeom>
+          <a:ln w="38100">
+            <a:headEnd type="none" w="med" len="med"/>
+            <a:tailEnd type="none" w="med" len="med"/>
+          </a:ln>
+        </p:spPr>
+        <p:style>
+          <a:lnRef idx="1">
+            <a:schemeClr val="accent1"/>
+          </a:lnRef>
+          <a:fillRef idx="0">
+            <a:schemeClr val="accent1"/>
+          </a:fillRef>
+          <a:effectRef idx="0">
+            <a:schemeClr val="accent1"/>
+          </a:effectRef>
+          <a:fontRef idx="minor">
+            <a:schemeClr val="tx1"/>
+          </a:fontRef>
+        </p:style>
+      </p:cxnSp>
+      <p:cxnSp>
+        <p:nvCxnSpPr>
+          <p:cNvPr id="86" name="Прямая со стрелкой 85"/>
+          <p:cNvCxnSpPr>
+            <a:stCxn id="59" idx="1"/>
+            <a:endCxn id="60" idx="3"/>
+          </p:cNvCxnSpPr>
+          <p:nvPr/>
+        </p:nvCxnSpPr>
+        <p:spPr>
+          <a:xfrm flipH="1" flipV="1">
+            <a:off x="3334210" y="4405754"/>
+            <a:ext cx="2232248" cy="1142836"/>
+          </a:xfrm>
+          <a:prstGeom prst="straightConnector1">
+            <a:avLst/>
+          </a:prstGeom>
+          <a:ln w="38100">
+            <a:headEnd type="none" w="med" len="med"/>
+            <a:tailEnd type="none" w="med" len="med"/>
+          </a:ln>
+        </p:spPr>
+        <p:style>
+          <a:lnRef idx="1">
+            <a:schemeClr val="accent1"/>
+          </a:lnRef>
+          <a:fillRef idx="0">
+            <a:schemeClr val="accent1"/>
+          </a:fillRef>
+          <a:effectRef idx="0">
+            <a:schemeClr val="accent1"/>
+          </a:effectRef>
+          <a:fontRef idx="minor">
+            <a:schemeClr val="tx1"/>
+          </a:fontRef>
+        </p:style>
+      </p:cxnSp>
+      <p:cxnSp>
+        <p:nvCxnSpPr>
+          <p:cNvPr id="87" name="Прямая со стрелкой 86"/>
+          <p:cNvCxnSpPr>
+            <a:stCxn id="63" idx="1"/>
+            <a:endCxn id="61" idx="3"/>
+          </p:cNvCxnSpPr>
+          <p:nvPr/>
+        </p:nvCxnSpPr>
+        <p:spPr>
+          <a:xfrm flipH="1">
+            <a:off x="3289510" y="3964414"/>
+            <a:ext cx="2276948" cy="1233428"/>
+          </a:xfrm>
+          <a:prstGeom prst="straightConnector1">
+            <a:avLst/>
+          </a:prstGeom>
+          <a:ln w="38100">
+            <a:headEnd type="none" w="med" len="med"/>
+            <a:tailEnd type="none" w="med" len="med"/>
+          </a:ln>
+        </p:spPr>
+        <p:style>
+          <a:lnRef idx="1">
+            <a:schemeClr val="accent1"/>
+          </a:lnRef>
+          <a:fillRef idx="0">
+            <a:schemeClr val="accent1"/>
+          </a:fillRef>
+          <a:effectRef idx="0">
+            <a:schemeClr val="accent1"/>
+          </a:effectRef>
+          <a:fontRef idx="minor">
+            <a:schemeClr val="tx1"/>
+          </a:fontRef>
+        </p:style>
+      </p:cxnSp>
+      <p:cxnSp>
+        <p:nvCxnSpPr>
+          <p:cNvPr id="88" name="Прямая со стрелкой 87"/>
+          <p:cNvCxnSpPr>
+            <a:stCxn id="63" idx="1"/>
+            <a:endCxn id="58" idx="3"/>
+          </p:cNvCxnSpPr>
+          <p:nvPr/>
+        </p:nvCxnSpPr>
+        <p:spPr>
+          <a:xfrm flipH="1">
+            <a:off x="3267714" y="3964414"/>
+            <a:ext cx="2298744" cy="2016224"/>
+          </a:xfrm>
+          <a:prstGeom prst="straightConnector1">
+            <a:avLst/>
+          </a:prstGeom>
+          <a:ln w="38100">
+            <a:headEnd type="none" w="med" len="med"/>
+            <a:tailEnd type="none" w="med" len="med"/>
+          </a:ln>
+        </p:spPr>
+        <p:style>
+          <a:lnRef idx="1">
+            <a:schemeClr val="accent1"/>
+          </a:lnRef>
+          <a:fillRef idx="0">
+            <a:schemeClr val="accent1"/>
+          </a:fillRef>
+          <a:effectRef idx="0">
+            <a:schemeClr val="accent1"/>
+          </a:effectRef>
+          <a:fontRef idx="minor">
+            <a:schemeClr val="tx1"/>
+          </a:fontRef>
+        </p:style>
+      </p:cxnSp>
+      <p:cxnSp>
+        <p:nvCxnSpPr>
+          <p:cNvPr id="99" name="Прямая со стрелкой 98"/>
+          <p:cNvCxnSpPr>
+            <a:stCxn id="59" idx="1"/>
+            <a:endCxn id="56" idx="6"/>
+          </p:cNvCxnSpPr>
+          <p:nvPr/>
+        </p:nvCxnSpPr>
+        <p:spPr>
+          <a:xfrm flipH="1" flipV="1">
+            <a:off x="3289510" y="5229200"/>
+            <a:ext cx="2276948" cy="319390"/>
+          </a:xfrm>
+          <a:prstGeom prst="straightConnector1">
+            <a:avLst/>
+          </a:prstGeom>
+          <a:ln w="38100">
+            <a:headEnd type="none" w="med" len="med"/>
+            <a:tailEnd type="none" w="med" len="med"/>
+          </a:ln>
+        </p:spPr>
+        <p:style>
+          <a:lnRef idx="1">
+            <a:schemeClr val="accent1"/>
+          </a:lnRef>
+          <a:fillRef idx="0">
+            <a:schemeClr val="accent1"/>
+          </a:fillRef>
+          <a:effectRef idx="0">
+            <a:schemeClr val="accent1"/>
+          </a:effectRef>
+          <a:fontRef idx="minor">
+            <a:schemeClr val="tx1"/>
+          </a:fontRef>
+        </p:style>
+      </p:cxnSp>
+      <p:cxnSp>
+        <p:nvCxnSpPr>
+          <p:cNvPr id="103" name="Прямая со стрелкой 102"/>
+          <p:cNvCxnSpPr>
+            <a:stCxn id="57" idx="3"/>
+            <a:endCxn id="59" idx="1"/>
+          </p:cNvCxnSpPr>
+          <p:nvPr/>
+        </p:nvCxnSpPr>
+        <p:spPr>
+          <a:xfrm>
+            <a:off x="3347864" y="3541658"/>
+            <a:ext cx="2218594" cy="2006932"/>
+          </a:xfrm>
+          <a:prstGeom prst="straightConnector1">
+            <a:avLst/>
+          </a:prstGeom>
+          <a:ln w="38100">
+            <a:headEnd type="none" w="med" len="med"/>
+            <a:tailEnd type="none" w="med" len="med"/>
+          </a:ln>
+        </p:spPr>
+        <p:style>
+          <a:lnRef idx="1">
+            <a:schemeClr val="accent1"/>
+          </a:lnRef>
+          <a:fillRef idx="0">
+            <a:schemeClr val="accent1"/>
+          </a:fillRef>
+          <a:effectRef idx="0">
+            <a:schemeClr val="accent1"/>
+          </a:effectRef>
+          <a:fontRef idx="minor">
+            <a:schemeClr val="tx1"/>
+          </a:fontRef>
+        </p:style>
+      </p:cxnSp>
+      <p:sp>
+        <p:nvSpPr>
+          <p:cNvPr id="31" name="Заголовок 1"/>
           <p:cNvSpPr txBox="1">
             <a:spLocks/>
           </p:cNvSpPr>
@@ -56116,8 +57643,8 @@
         </p:nvSpPr>
         <p:spPr>
           <a:xfrm>
-            <a:off x="838200" y="2780928"/>
-            <a:ext cx="7772400" cy="1656184"/>
+            <a:off x="838200" y="1844825"/>
+            <a:ext cx="7772400" cy="1008111"/>
           </a:xfrm>
           <a:prstGeom prst="rect">
             <a:avLst/>
@@ -56131,25 +57658,19 @@
           <a:p>
             <a:r>
               <a:rPr lang="ru-RU" sz="2000" b="1" dirty="0" smtClean="0"/>
-              <a:t>Алгоритм1:</a:t>
-            </a:r>
-            <a:endParaRPr lang="ru-RU" sz="2000" dirty="0" smtClean="0"/>
-          </a:p>
-          <a:p>
-            <a:pPr>
-              <a:buFont typeface="Arial" pitchFamily="34" charset="0"/>
-              <a:buChar char="•"/>
-            </a:pPr>
+              <a:t>Теорема</a:t>
+            </a:r>
             <a:r>
               <a:rPr lang="ru-RU" sz="2000" dirty="0" smtClean="0"/>
-              <a:t>В соответствии с теоремой, обходом в ширину, ищутся все циклы. По номерам волны можно понять их четность.</a:t>
-            </a:r>
-          </a:p>
-        </p:txBody>
-      </p:sp>
-      <p:sp>
-        <p:nvSpPr>
-          <p:cNvPr id="5" name="Заголовок 1"/>
+              <a:t>: Граф является двудольным тогда и только тогда, когда все его циклы имеют чётную длину.</a:t>
+            </a:r>
+            <a:endParaRPr lang="ru-RU" sz="2000" b="1" dirty="0" smtClean="0"/>
+          </a:p>
+        </p:txBody>
+      </p:sp>
+      <p:sp>
+        <p:nvSpPr>
+          <p:cNvPr id="4" name="Заголовок 1"/>
           <p:cNvSpPr txBox="1">
             <a:spLocks/>
           </p:cNvSpPr>
@@ -56197,59 +57718,6 @@
               <a:rPr lang="ru-RU" sz="2800" dirty="0" smtClean="0"/>
               <a:t>.</a:t>
             </a:r>
-          </a:p>
-        </p:txBody>
-      </p:sp>
-      <p:sp>
-        <p:nvSpPr>
-          <p:cNvPr id="7" name="Заголовок 1"/>
-          <p:cNvSpPr txBox="1">
-            <a:spLocks/>
-          </p:cNvSpPr>
-          <p:nvPr/>
-        </p:nvSpPr>
-        <p:spPr>
-          <a:xfrm>
-            <a:off x="838200" y="1844825"/>
-            <a:ext cx="7772400" cy="1008111"/>
-          </a:xfrm>
-          <a:prstGeom prst="rect">
-            <a:avLst/>
-          </a:prstGeom>
-        </p:spPr>
-        <p:txBody>
-          <a:bodyPr vert="horz" lIns="91440" tIns="45720" rIns="91440" bIns="45720" rtlCol="0" anchor="ctr">
-            <a:normAutofit/>
-          </a:bodyPr>
-          <a:lstStyle/>
-          <a:p>
-            <a:r>
-              <a:rPr lang="ru-RU" sz="2000" b="1" dirty="0" smtClean="0">
-                <a:solidFill>
-                  <a:schemeClr val="bg1">
-                    <a:lumMod val="65000"/>
-                  </a:schemeClr>
-                </a:solidFill>
-              </a:rPr>
-              <a:t>Теорема</a:t>
-            </a:r>
-            <a:r>
-              <a:rPr lang="ru-RU" sz="2000" dirty="0" smtClean="0">
-                <a:solidFill>
-                  <a:schemeClr val="bg1">
-                    <a:lumMod val="65000"/>
-                  </a:schemeClr>
-                </a:solidFill>
-              </a:rPr>
-              <a:t>: Граф является двудольным тогда и только тогда, когда все его циклы имеют чётную длину.</a:t>
-            </a:r>
-            <a:endParaRPr lang="ru-RU" sz="2000" b="1" dirty="0" smtClean="0">
-              <a:solidFill>
-                <a:schemeClr val="bg1">
-                  <a:lumMod val="65000"/>
-                </a:schemeClr>
-              </a:solidFill>
-            </a:endParaRPr>
           </a:p>
         </p:txBody>
       </p:sp>
@@ -57699,7 +59167,7 @@
       </p:grpSpPr>
       <p:sp>
         <p:nvSpPr>
-          <p:cNvPr id="5" name="Заголовок 1"/>
+          <p:cNvPr id="6" name="Заголовок 1"/>
           <p:cNvSpPr txBox="1">
             <a:spLocks/>
           </p:cNvSpPr>
@@ -57707,8 +59175,8 @@
         </p:nvSpPr>
         <p:spPr>
           <a:xfrm>
-            <a:off x="838200" y="1916832"/>
-            <a:ext cx="7772400" cy="3744417"/>
+            <a:off x="838200" y="2780928"/>
+            <a:ext cx="7772400" cy="1656184"/>
           </a:xfrm>
           <a:prstGeom prst="rect">
             <a:avLst/>
@@ -57716,27 +59184,14 @@
         </p:spPr>
         <p:txBody>
           <a:bodyPr vert="horz" lIns="91440" tIns="45720" rIns="91440" bIns="45720" rtlCol="0" anchor="ctr">
-            <a:normAutofit lnSpcReduction="10000"/>
+            <a:normAutofit/>
           </a:bodyPr>
           <a:lstStyle/>
           <a:p>
             <a:r>
               <a:rPr lang="ru-RU" sz="2000" b="1" dirty="0" smtClean="0"/>
-              <a:t>Алгоритм2:</a:t>
-            </a:r>
-            <a:endParaRPr lang="ru-RU" sz="2000" dirty="0" smtClean="0"/>
-          </a:p>
-          <a:p>
-            <a:endParaRPr lang="ru-RU" sz="2000" dirty="0" smtClean="0"/>
-          </a:p>
-          <a:p>
-            <a:pPr algn="ctr"/>
-            <a:r>
-              <a:rPr lang="ru-RU" sz="2000" dirty="0" smtClean="0"/>
-              <a:t>Во время обхода в ширину:</a:t>
-            </a:r>
-          </a:p>
-          <a:p>
+              <a:t>Алгоритм1:</a:t>
+            </a:r>
             <a:endParaRPr lang="ru-RU" sz="2000" dirty="0" smtClean="0"/>
           </a:p>
           <a:p>
@@ -57746,49 +59201,14 @@
             </a:pPr>
             <a:r>
               <a:rPr lang="ru-RU" sz="2000" dirty="0" smtClean="0"/>
-              <a:t>Вершина, из которой начинается обход, помещается в первую долю.</a:t>
-            </a:r>
-          </a:p>
-          <a:p>
-            <a:pPr>
-              <a:buFont typeface="Arial" pitchFamily="34" charset="0"/>
-              <a:buChar char="•"/>
-            </a:pPr>
-            <a:endParaRPr lang="ru-RU" sz="2000" dirty="0" smtClean="0"/>
-          </a:p>
-          <a:p>
-            <a:pPr>
-              <a:buFont typeface="Arial" pitchFamily="34" charset="0"/>
-              <a:buChar char="•"/>
-            </a:pPr>
-            <a:r>
-              <a:rPr lang="ru-RU" sz="2000" dirty="0" smtClean="0"/>
-              <a:t>Новая вершина в процессе обхода помещается в долю, отличную от доли текущей вершины.</a:t>
-            </a:r>
-          </a:p>
-          <a:p>
-            <a:pPr>
-              <a:buFont typeface="Arial" pitchFamily="34" charset="0"/>
-              <a:buChar char="•"/>
-            </a:pPr>
-            <a:endParaRPr lang="ru-RU" sz="2000" dirty="0" smtClean="0"/>
-          </a:p>
-          <a:p>
-            <a:pPr>
-              <a:buFont typeface="Arial" pitchFamily="34" charset="0"/>
-              <a:buChar char="•"/>
-            </a:pPr>
-            <a:r>
-              <a:rPr lang="ru-RU" sz="2000" dirty="0" smtClean="0"/>
-              <a:t>Если же обход направляется по ребру в вершину, которая уже посещена, то проверяется, находятся ли начало ребра и конец в разных долях. Если находятся в одной, то граф двудольным не является.</a:t>
-            </a:r>
-            <a:endParaRPr lang="ru-RU" sz="2000" dirty="0"/>
-          </a:p>
-        </p:txBody>
-      </p:sp>
-      <p:sp>
-        <p:nvSpPr>
-          <p:cNvPr id="6" name="Заголовок 1"/>
+              <a:t>В соответствии с теоремой, обходом в ширину, ищутся все циклы. По номерам волны можно понять их четность.</a:t>
+            </a:r>
+          </a:p>
+        </p:txBody>
+      </p:sp>
+      <p:sp>
+        <p:nvSpPr>
+          <p:cNvPr id="5" name="Заголовок 1"/>
           <p:cNvSpPr txBox="1">
             <a:spLocks/>
           </p:cNvSpPr>
@@ -57836,6 +59256,59 @@
               <a:rPr lang="ru-RU" sz="2800" dirty="0" smtClean="0"/>
               <a:t>.</a:t>
             </a:r>
+          </a:p>
+        </p:txBody>
+      </p:sp>
+      <p:sp>
+        <p:nvSpPr>
+          <p:cNvPr id="7" name="Заголовок 1"/>
+          <p:cNvSpPr txBox="1">
+            <a:spLocks/>
+          </p:cNvSpPr>
+          <p:nvPr/>
+        </p:nvSpPr>
+        <p:spPr>
+          <a:xfrm>
+            <a:off x="838200" y="1844825"/>
+            <a:ext cx="7772400" cy="1008111"/>
+          </a:xfrm>
+          <a:prstGeom prst="rect">
+            <a:avLst/>
+          </a:prstGeom>
+        </p:spPr>
+        <p:txBody>
+          <a:bodyPr vert="horz" lIns="91440" tIns="45720" rIns="91440" bIns="45720" rtlCol="0" anchor="ctr">
+            <a:normAutofit/>
+          </a:bodyPr>
+          <a:lstStyle/>
+          <a:p>
+            <a:r>
+              <a:rPr lang="ru-RU" sz="2000" b="1" dirty="0" smtClean="0">
+                <a:solidFill>
+                  <a:schemeClr val="bg1">
+                    <a:lumMod val="65000"/>
+                  </a:schemeClr>
+                </a:solidFill>
+              </a:rPr>
+              <a:t>Теорема</a:t>
+            </a:r>
+            <a:r>
+              <a:rPr lang="ru-RU" sz="2000" dirty="0" smtClean="0">
+                <a:solidFill>
+                  <a:schemeClr val="bg1">
+                    <a:lumMod val="65000"/>
+                  </a:schemeClr>
+                </a:solidFill>
+              </a:rPr>
+              <a:t>: Граф является двудольным тогда и только тогда, когда все его циклы имеют чётную длину.</a:t>
+            </a:r>
+            <a:endParaRPr lang="ru-RU" sz="2000" b="1" dirty="0" smtClean="0">
+              <a:solidFill>
+                <a:schemeClr val="bg1">
+                  <a:lumMod val="65000"/>
+                </a:schemeClr>
+              </a:solidFill>
+            </a:endParaRPr>
           </a:p>
         </p:txBody>
       </p:sp>
@@ -57873,733 +59346,143 @@
       </p:grpSpPr>
       <p:sp>
         <p:nvSpPr>
-          <p:cNvPr id="2" name="Заголовок 1"/>
-          <p:cNvSpPr>
-            <a:spLocks noGrp="1"/>
+          <p:cNvPr id="5" name="Заголовок 1"/>
+          <p:cNvSpPr txBox="1">
+            <a:spLocks/>
           </p:cNvSpPr>
-          <p:nvPr>
-            <p:ph type="ctrTitle"/>
-          </p:nvPr>
-        </p:nvSpPr>
-        <p:spPr>
-          <a:xfrm>
-            <a:off x="2555776" y="332656"/>
-            <a:ext cx="5902424" cy="6264696"/>
-          </a:xfrm>
-        </p:spPr>
-        <p:txBody>
-          <a:bodyPr>
-            <a:noAutofit/>
-          </a:bodyPr>
-          <a:lstStyle/>
-          <a:p>
-            <a:pPr algn="l"/>
-            <a:r>
-              <a:rPr lang="en-US" sz="1600" dirty="0" smtClean="0">
-                <a:solidFill>
-                  <a:schemeClr val="tx2">
-                    <a:lumMod val="60000"/>
-                    <a:lumOff val="40000"/>
-                  </a:schemeClr>
-                </a:solidFill>
-              </a:rPr>
-              <a:t>BFS</a:t>
-            </a:r>
-            <a:r>
-              <a:rPr lang="ru-RU" sz="1600" dirty="0" smtClean="0">
-                <a:solidFill>
-                  <a:schemeClr val="tx2">
-                    <a:lumMod val="60000"/>
-                    <a:lumOff val="40000"/>
-                  </a:schemeClr>
-                </a:solidFill>
-              </a:rPr>
-              <a:t> (</a:t>
-            </a:r>
-            <a:r>
-              <a:rPr lang="en-US" sz="1600" dirty="0" smtClean="0">
-                <a:solidFill>
-                  <a:schemeClr val="tx2">
-                    <a:lumMod val="60000"/>
-                    <a:lumOff val="40000"/>
-                  </a:schemeClr>
-                </a:solidFill>
-              </a:rPr>
-              <a:t>G</a:t>
-            </a:r>
-            <a:r>
-              <a:rPr lang="ru-RU" sz="1600" dirty="0" smtClean="0">
-                <a:solidFill>
-                  <a:schemeClr val="tx2">
-                    <a:lumMod val="60000"/>
-                    <a:lumOff val="40000"/>
-                  </a:schemeClr>
-                </a:solidFill>
-              </a:rPr>
-              <a:t>)</a:t>
-            </a:r>
-            <a:br>
-              <a:rPr lang="ru-RU" sz="1600" dirty="0" smtClean="0">
-                <a:solidFill>
-                  <a:schemeClr val="tx2">
-                    <a:lumMod val="60000"/>
-                    <a:lumOff val="40000"/>
-                  </a:schemeClr>
-                </a:solidFill>
-              </a:rPr>
-            </a:br>
-            <a:r>
-              <a:rPr lang="en-US" sz="1600" b="1" dirty="0" smtClean="0">
-                <a:solidFill>
-                  <a:schemeClr val="tx2">
-                    <a:lumMod val="60000"/>
-                    <a:lumOff val="40000"/>
-                  </a:schemeClr>
-                </a:solidFill>
-              </a:rPr>
-              <a:t>for</a:t>
-            </a:r>
-            <a:r>
-              <a:rPr lang="ru-RU" sz="1600" dirty="0" smtClean="0">
-                <a:solidFill>
-                  <a:schemeClr val="tx2">
-                    <a:lumMod val="60000"/>
-                    <a:lumOff val="40000"/>
-                  </a:schemeClr>
-                </a:solidFill>
-              </a:rPr>
-              <a:t> (для) каждой </a:t>
-            </a:r>
-            <a:r>
-              <a:rPr lang="ru-RU" sz="1600" dirty="0" err="1" smtClean="0">
-                <a:solidFill>
-                  <a:schemeClr val="tx2">
-                    <a:lumMod val="60000"/>
-                    <a:lumOff val="40000"/>
-                  </a:schemeClr>
-                </a:solidFill>
-              </a:rPr>
-              <a:t>u</a:t>
-            </a:r>
-            <a:r>
-              <a:rPr lang="ru-RU" sz="1600" dirty="0" smtClean="0">
-                <a:solidFill>
-                  <a:schemeClr val="tx2">
-                    <a:lumMod val="60000"/>
-                    <a:lumOff val="40000"/>
-                  </a:schemeClr>
-                </a:solidFill>
-              </a:rPr>
-              <a:t> ∈ V[G] </a:t>
-            </a:r>
-            <a:r>
-              <a:rPr lang="en-US" sz="1600" b="1" dirty="0" smtClean="0">
-                <a:solidFill>
-                  <a:schemeClr val="tx2">
-                    <a:lumMod val="60000"/>
-                    <a:lumOff val="40000"/>
-                  </a:schemeClr>
-                </a:solidFill>
-              </a:rPr>
-              <a:t>do</a:t>
-            </a:r>
-            <a:r>
-              <a:rPr lang="ru-RU" sz="1600" dirty="0" smtClean="0">
-                <a:solidFill>
-                  <a:schemeClr val="tx2">
-                    <a:lumMod val="60000"/>
-                    <a:lumOff val="40000"/>
-                  </a:schemeClr>
-                </a:solidFill>
-              </a:rPr>
-              <a:t/>
-            </a:r>
-            <a:br>
-              <a:rPr lang="ru-RU" sz="1600" dirty="0" smtClean="0">
-                <a:solidFill>
-                  <a:schemeClr val="tx2">
-                    <a:lumMod val="60000"/>
-                    <a:lumOff val="40000"/>
-                  </a:schemeClr>
-                </a:solidFill>
-              </a:rPr>
-            </a:br>
-            <a:r>
-              <a:rPr lang="ru-RU" sz="1600" dirty="0" smtClean="0">
-                <a:solidFill>
-                  <a:schemeClr val="tx2">
-                    <a:lumMod val="60000"/>
-                    <a:lumOff val="40000"/>
-                  </a:schemeClr>
-                </a:solidFill>
-              </a:rPr>
-              <a:t>	</a:t>
-            </a:r>
-            <a:r>
-              <a:rPr lang="en-US" sz="1600" dirty="0" smtClean="0">
-                <a:solidFill>
-                  <a:schemeClr val="tx2">
-                    <a:lumMod val="60000"/>
-                    <a:lumOff val="40000"/>
-                  </a:schemeClr>
-                </a:solidFill>
-              </a:rPr>
-              <a:t>color[u] ⟵ WHITE</a:t>
-            </a:r>
-            <a:br>
-              <a:rPr lang="en-US" sz="1600" dirty="0" smtClean="0">
-                <a:solidFill>
-                  <a:schemeClr val="tx2">
-                    <a:lumMod val="60000"/>
-                    <a:lumOff val="40000"/>
-                  </a:schemeClr>
-                </a:solidFill>
-              </a:rPr>
-            </a:br>
-            <a:r>
-              <a:rPr lang="ru-RU" sz="1600" dirty="0" smtClean="0">
-                <a:solidFill>
-                  <a:schemeClr val="tx2">
-                    <a:lumMod val="60000"/>
-                    <a:lumOff val="40000"/>
-                  </a:schemeClr>
-                </a:solidFill>
-              </a:rPr>
-              <a:t>	</a:t>
-            </a:r>
-            <a:r>
-              <a:rPr lang="en-US" sz="1600" dirty="0" smtClean="0">
-                <a:solidFill>
-                  <a:schemeClr val="tx2">
-                    <a:lumMod val="60000"/>
-                    <a:lumOff val="40000"/>
-                  </a:schemeClr>
-                </a:solidFill>
-              </a:rPr>
-              <a:t>part[u] ⟵ 0</a:t>
-            </a:r>
-            <a:r>
-              <a:rPr lang="ru-RU" sz="1600" dirty="0" smtClean="0">
-                <a:solidFill>
-                  <a:schemeClr val="tx2">
-                    <a:lumMod val="60000"/>
-                    <a:lumOff val="40000"/>
-                  </a:schemeClr>
-                </a:solidFill>
-              </a:rPr>
-              <a:t/>
-            </a:r>
-            <a:br>
-              <a:rPr lang="ru-RU" sz="1600" dirty="0" smtClean="0">
-                <a:solidFill>
-                  <a:schemeClr val="tx2">
-                    <a:lumMod val="60000"/>
-                    <a:lumOff val="40000"/>
-                  </a:schemeClr>
-                </a:solidFill>
-              </a:rPr>
-            </a:br>
-            <a:r>
-              <a:rPr lang="en-US" sz="1600" dirty="0" smtClean="0">
-                <a:solidFill>
-                  <a:schemeClr val="tx2">
-                    <a:lumMod val="60000"/>
-                    <a:lumOff val="40000"/>
-                  </a:schemeClr>
-                </a:solidFill>
-              </a:rPr>
-              <a:t>time ⟵ 0</a:t>
-            </a:r>
-            <a:r>
-              <a:rPr lang="ru-RU" sz="1600" dirty="0" smtClean="0">
-                <a:solidFill>
-                  <a:schemeClr val="tx2">
-                    <a:lumMod val="60000"/>
-                    <a:lumOff val="40000"/>
-                  </a:schemeClr>
-                </a:solidFill>
-              </a:rPr>
-              <a:t/>
-            </a:r>
-            <a:br>
-              <a:rPr lang="ru-RU" sz="1600" dirty="0" smtClean="0">
-                <a:solidFill>
-                  <a:schemeClr val="tx2">
-                    <a:lumMod val="60000"/>
-                    <a:lumOff val="40000"/>
-                  </a:schemeClr>
-                </a:solidFill>
-              </a:rPr>
-            </a:br>
-            <a:r>
-              <a:rPr lang="en-US" sz="1600" b="1" dirty="0" smtClean="0">
-                <a:solidFill>
-                  <a:schemeClr val="tx2">
-                    <a:lumMod val="60000"/>
-                    <a:lumOff val="40000"/>
-                  </a:schemeClr>
-                </a:solidFill>
-              </a:rPr>
-              <a:t>for</a:t>
-            </a:r>
-            <a:r>
-              <a:rPr lang="ru-RU" sz="1600" dirty="0" smtClean="0">
-                <a:solidFill>
-                  <a:schemeClr val="tx2">
-                    <a:lumMod val="60000"/>
-                    <a:lumOff val="40000"/>
-                  </a:schemeClr>
-                </a:solidFill>
-              </a:rPr>
-              <a:t> (для) каждой </a:t>
-            </a:r>
-            <a:r>
-              <a:rPr lang="ru-RU" sz="1600" dirty="0" err="1" smtClean="0">
-                <a:solidFill>
-                  <a:schemeClr val="tx2">
-                    <a:lumMod val="60000"/>
-                    <a:lumOff val="40000"/>
-                  </a:schemeClr>
-                </a:solidFill>
-              </a:rPr>
-              <a:t>u</a:t>
-            </a:r>
-            <a:r>
-              <a:rPr lang="ru-RU" sz="1600" dirty="0" smtClean="0">
-                <a:solidFill>
-                  <a:schemeClr val="tx2">
-                    <a:lumMod val="60000"/>
-                    <a:lumOff val="40000"/>
-                  </a:schemeClr>
-                </a:solidFill>
-              </a:rPr>
-              <a:t> ∈ V[G] </a:t>
-            </a:r>
-            <a:r>
-              <a:rPr lang="en-US" sz="1600" b="1" dirty="0" smtClean="0">
-                <a:solidFill>
-                  <a:schemeClr val="tx2">
-                    <a:lumMod val="60000"/>
-                    <a:lumOff val="40000"/>
-                  </a:schemeClr>
-                </a:solidFill>
-              </a:rPr>
-              <a:t>do</a:t>
-            </a:r>
-            <a:r>
-              <a:rPr lang="ru-RU" sz="1600" dirty="0" smtClean="0">
-                <a:solidFill>
-                  <a:schemeClr val="tx2">
-                    <a:lumMod val="60000"/>
-                    <a:lumOff val="40000"/>
-                  </a:schemeClr>
-                </a:solidFill>
-              </a:rPr>
-              <a:t/>
-            </a:r>
-            <a:br>
-              <a:rPr lang="ru-RU" sz="1600" dirty="0" smtClean="0">
-                <a:solidFill>
-                  <a:schemeClr val="tx2">
-                    <a:lumMod val="60000"/>
-                    <a:lumOff val="40000"/>
-                  </a:schemeClr>
-                </a:solidFill>
-              </a:rPr>
-            </a:br>
-            <a:r>
-              <a:rPr lang="ru-RU" sz="1600" dirty="0" smtClean="0">
-                <a:solidFill>
-                  <a:schemeClr val="tx2">
-                    <a:lumMod val="60000"/>
-                    <a:lumOff val="40000"/>
-                  </a:schemeClr>
-                </a:solidFill>
-              </a:rPr>
-              <a:t>	</a:t>
-            </a:r>
-            <a:r>
-              <a:rPr lang="en-US" sz="1600" b="1" dirty="0" smtClean="0">
-                <a:solidFill>
-                  <a:schemeClr val="tx2">
-                    <a:lumMod val="60000"/>
-                    <a:lumOff val="40000"/>
-                  </a:schemeClr>
-                </a:solidFill>
-              </a:rPr>
-              <a:t>if</a:t>
-            </a:r>
-            <a:r>
-              <a:rPr lang="en-US" sz="1600" dirty="0" smtClean="0">
-                <a:solidFill>
-                  <a:schemeClr val="tx2">
-                    <a:lumMod val="60000"/>
-                    <a:lumOff val="40000"/>
-                  </a:schemeClr>
-                </a:solidFill>
-              </a:rPr>
-              <a:t> color[u] = WHITE </a:t>
-            </a:r>
-            <a:r>
-              <a:rPr lang="en-US" sz="1600" b="1" dirty="0" smtClean="0">
-                <a:solidFill>
-                  <a:schemeClr val="tx2">
-                    <a:lumMod val="60000"/>
-                    <a:lumOff val="40000"/>
-                  </a:schemeClr>
-                </a:solidFill>
-              </a:rPr>
-              <a:t>then</a:t>
-            </a:r>
-            <a:r>
-              <a:rPr lang="ru-RU" sz="1600" dirty="0" smtClean="0">
-                <a:solidFill>
-                  <a:schemeClr val="tx2">
-                    <a:lumMod val="60000"/>
-                    <a:lumOff val="40000"/>
-                  </a:schemeClr>
-                </a:solidFill>
-              </a:rPr>
-              <a:t/>
-            </a:r>
-            <a:br>
-              <a:rPr lang="ru-RU" sz="1600" dirty="0" smtClean="0">
-                <a:solidFill>
-                  <a:schemeClr val="tx2">
-                    <a:lumMod val="60000"/>
-                    <a:lumOff val="40000"/>
-                  </a:schemeClr>
-                </a:solidFill>
-              </a:rPr>
-            </a:br>
-            <a:r>
-              <a:rPr lang="en-US" sz="1600" dirty="0" smtClean="0">
-                <a:solidFill>
-                  <a:schemeClr val="tx2">
-                    <a:lumMod val="60000"/>
-                    <a:lumOff val="40000"/>
-                  </a:schemeClr>
-                </a:solidFill>
-              </a:rPr>
-              <a:t>		</a:t>
-            </a:r>
-            <a:r>
-              <a:rPr lang="en-US" sz="1600" dirty="0" err="1" smtClean="0">
-                <a:solidFill>
-                  <a:schemeClr val="tx2">
-                    <a:lumMod val="60000"/>
-                    <a:lumOff val="40000"/>
-                  </a:schemeClr>
-                </a:solidFill>
-              </a:rPr>
-              <a:t>BFS_Visit</a:t>
-            </a:r>
-            <a:r>
-              <a:rPr lang="en-US" sz="1600" dirty="0" smtClean="0">
-                <a:solidFill>
-                  <a:schemeClr val="tx2">
-                    <a:lumMod val="60000"/>
-                    <a:lumOff val="40000"/>
-                  </a:schemeClr>
-                </a:solidFill>
-              </a:rPr>
-              <a:t>(G, u) </a:t>
-            </a:r>
-            <a:r>
-              <a:rPr lang="ru-RU" sz="1600" dirty="0" smtClean="0"/>
-              <a:t/>
-            </a:r>
-            <a:br>
-              <a:rPr lang="ru-RU" sz="1600" dirty="0" smtClean="0"/>
-            </a:br>
-            <a:r>
-              <a:rPr lang="ru-RU" sz="1600" dirty="0" smtClean="0"/>
-              <a:t/>
-            </a:r>
-            <a:br>
-              <a:rPr lang="ru-RU" sz="1600" dirty="0" smtClean="0"/>
-            </a:br>
-            <a:r>
-              <a:rPr lang="en-US" sz="1600" dirty="0" err="1" smtClean="0"/>
-              <a:t>BFS_Visit</a:t>
-            </a:r>
-            <a:r>
-              <a:rPr lang="ru-RU" sz="1600" dirty="0" smtClean="0"/>
-              <a:t> (</a:t>
-            </a:r>
-            <a:r>
-              <a:rPr lang="en-US" sz="1600" dirty="0" smtClean="0"/>
-              <a:t>G</a:t>
-            </a:r>
-            <a:r>
-              <a:rPr lang="ru-RU" sz="1600" dirty="0" smtClean="0"/>
-              <a:t>, </a:t>
-            </a:r>
-            <a:r>
-              <a:rPr lang="en-US" sz="1600" dirty="0" smtClean="0"/>
-              <a:t>s</a:t>
-            </a:r>
-            <a:r>
-              <a:rPr lang="ru-RU" sz="1600" dirty="0" smtClean="0"/>
-              <a:t>)</a:t>
-            </a:r>
-            <a:br>
-              <a:rPr lang="ru-RU" sz="1600" dirty="0" smtClean="0"/>
-            </a:br>
-            <a:r>
-              <a:rPr lang="en-US" sz="1600" dirty="0" smtClean="0"/>
-              <a:t>color[s] ⟵ GRAY</a:t>
-            </a:r>
-            <a:r>
-              <a:rPr lang="ru-RU" sz="1600" dirty="0" smtClean="0"/>
-              <a:t/>
-            </a:r>
-            <a:br>
-              <a:rPr lang="ru-RU" sz="1600" dirty="0" smtClean="0"/>
-            </a:br>
-            <a:r>
-              <a:rPr lang="en-US" sz="1600" dirty="0" smtClean="0"/>
-              <a:t>part[s] ⟵ 1</a:t>
-            </a:r>
-            <a:r>
-              <a:rPr lang="ru-RU" sz="1600" dirty="0" smtClean="0">
-                <a:solidFill>
-                  <a:schemeClr val="tx2">
-                    <a:lumMod val="60000"/>
-                    <a:lumOff val="40000"/>
-                  </a:schemeClr>
-                </a:solidFill>
-              </a:rPr>
-              <a:t/>
-            </a:r>
-            <a:br>
-              <a:rPr lang="ru-RU" sz="1600" dirty="0" smtClean="0">
-                <a:solidFill>
-                  <a:schemeClr val="tx2">
-                    <a:lumMod val="60000"/>
-                    <a:lumOff val="40000"/>
-                  </a:schemeClr>
-                </a:solidFill>
-              </a:rPr>
-            </a:br>
-            <a:r>
-              <a:rPr lang="en-US" sz="1600" dirty="0" smtClean="0"/>
-              <a:t>Q ⟵ ∅</a:t>
-            </a:r>
-            <a:r>
-              <a:rPr lang="ru-RU" sz="1600" dirty="0" smtClean="0"/>
-              <a:t/>
-            </a:r>
-            <a:br>
-              <a:rPr lang="ru-RU" sz="1600" dirty="0" smtClean="0"/>
-            </a:br>
-            <a:r>
-              <a:rPr lang="ru-RU" sz="1600" dirty="0" smtClean="0"/>
-              <a:t>В очередь(</a:t>
-            </a:r>
-            <a:r>
-              <a:rPr lang="en-US" sz="1600" dirty="0" smtClean="0"/>
-              <a:t>Q, s)</a:t>
-            </a:r>
-            <a:r>
-              <a:rPr lang="ru-RU" sz="1600" dirty="0" smtClean="0"/>
-              <a:t/>
-            </a:r>
-            <a:br>
-              <a:rPr lang="ru-RU" sz="1600" dirty="0" smtClean="0"/>
-            </a:br>
-            <a:r>
-              <a:rPr lang="en-US" sz="1600" b="1" dirty="0" smtClean="0"/>
-              <a:t>while</a:t>
-            </a:r>
-            <a:r>
-              <a:rPr lang="en-US" sz="1600" dirty="0" smtClean="0"/>
-              <a:t> Q ≠ ∅ </a:t>
-            </a:r>
-            <a:r>
-              <a:rPr lang="en-US" sz="1600" b="1" dirty="0" smtClean="0"/>
-              <a:t>do</a:t>
-            </a:r>
-            <a:r>
-              <a:rPr lang="ru-RU" sz="1600" dirty="0" smtClean="0"/>
-              <a:t/>
-            </a:r>
-            <a:br>
-              <a:rPr lang="ru-RU" sz="1600" dirty="0" smtClean="0"/>
-            </a:br>
-            <a:r>
-              <a:rPr lang="en-US" sz="1600" dirty="0" smtClean="0"/>
-              <a:t>	u ⟵ </a:t>
-            </a:r>
-            <a:r>
-              <a:rPr lang="ru-RU" sz="1600" dirty="0" smtClean="0"/>
-              <a:t>из очереди(</a:t>
-            </a:r>
-            <a:r>
-              <a:rPr lang="en-US" sz="1600" dirty="0" smtClean="0"/>
-              <a:t>Q</a:t>
-            </a:r>
-            <a:r>
-              <a:rPr lang="ru-RU" sz="1600" dirty="0" smtClean="0"/>
-              <a:t>)</a:t>
-            </a:r>
-            <a:br>
-              <a:rPr lang="ru-RU" sz="1600" dirty="0" smtClean="0"/>
-            </a:br>
-            <a:r>
-              <a:rPr lang="ru-RU" sz="1600" dirty="0" smtClean="0"/>
-              <a:t>	</a:t>
-            </a:r>
-            <a:r>
-              <a:rPr lang="en-US" sz="1600" b="1" dirty="0" smtClean="0"/>
-              <a:t>for</a:t>
-            </a:r>
-            <a:r>
-              <a:rPr lang="en-US" sz="1600" dirty="0" smtClean="0"/>
-              <a:t> </a:t>
-            </a:r>
-            <a:r>
-              <a:rPr lang="ru-RU" sz="1600" dirty="0" smtClean="0"/>
-              <a:t>(для) каждой </a:t>
-            </a:r>
-            <a:r>
-              <a:rPr lang="en-US" sz="1600" dirty="0" smtClean="0"/>
-              <a:t>v </a:t>
-            </a:r>
-            <a:r>
-              <a:rPr lang="ru-RU" sz="1600" dirty="0" smtClean="0"/>
-              <a:t>∈ </a:t>
-            </a:r>
-            <a:r>
-              <a:rPr lang="en-US" sz="1600" dirty="0" err="1" smtClean="0"/>
-              <a:t>Adj</a:t>
-            </a:r>
-            <a:r>
-              <a:rPr lang="ru-RU" sz="1600" dirty="0" smtClean="0"/>
-              <a:t>[</a:t>
-            </a:r>
-            <a:r>
-              <a:rPr lang="en-US" sz="1600" dirty="0" smtClean="0"/>
-              <a:t>u</a:t>
-            </a:r>
-            <a:r>
-              <a:rPr lang="ru-RU" sz="1600" dirty="0" smtClean="0"/>
-              <a:t>] </a:t>
-            </a:r>
-            <a:r>
-              <a:rPr lang="en-US" sz="1600" b="1" dirty="0" smtClean="0"/>
-              <a:t>do</a:t>
-            </a:r>
-            <a:r>
-              <a:rPr lang="ru-RU" sz="1600" dirty="0" smtClean="0"/>
-              <a:t/>
-            </a:r>
-            <a:br>
-              <a:rPr lang="ru-RU" sz="1600" dirty="0" smtClean="0"/>
-            </a:br>
-            <a:r>
-              <a:rPr lang="ru-RU" sz="1600" dirty="0" smtClean="0"/>
-              <a:t>		</a:t>
-            </a:r>
-            <a:r>
-              <a:rPr lang="en-US" sz="1600" b="1" dirty="0" smtClean="0"/>
-              <a:t>If</a:t>
-            </a:r>
-            <a:r>
-              <a:rPr lang="en-US" sz="1600" dirty="0" smtClean="0"/>
-              <a:t> color[v] </a:t>
-            </a:r>
-            <a:r>
-              <a:rPr lang="ru-RU" sz="1600" dirty="0" smtClean="0"/>
-              <a:t>=</a:t>
-            </a:r>
-            <a:r>
-              <a:rPr lang="en-US" sz="1600" dirty="0" smtClean="0"/>
-              <a:t> WHITE </a:t>
-            </a:r>
-            <a:r>
-              <a:rPr lang="en-US" sz="1600" b="1" dirty="0" smtClean="0"/>
-              <a:t>than</a:t>
-            </a:r>
-            <a:r>
-              <a:rPr lang="ru-RU" sz="1600" dirty="0" smtClean="0"/>
-              <a:t/>
-            </a:r>
-            <a:br>
-              <a:rPr lang="ru-RU" sz="1600" dirty="0" smtClean="0"/>
-            </a:br>
-            <a:r>
-              <a:rPr lang="en-US" sz="1600" dirty="0" smtClean="0"/>
-              <a:t>			color[v] ⟵ GRAY</a:t>
-            </a:r>
-            <a:r>
-              <a:rPr lang="ru-RU" sz="1600" dirty="0" smtClean="0"/>
-              <a:t/>
-            </a:r>
-            <a:br>
-              <a:rPr lang="ru-RU" sz="1600" dirty="0" smtClean="0"/>
-            </a:br>
-            <a:r>
-              <a:rPr lang="en-US" sz="1600" dirty="0" smtClean="0"/>
-              <a:t>			part[v] ⟵ (part[u] +1) mod 2</a:t>
-            </a:r>
-            <a:r>
-              <a:rPr lang="ru-RU" sz="1600" dirty="0" smtClean="0"/>
-              <a:t/>
-            </a:r>
-            <a:br>
-              <a:rPr lang="ru-RU" sz="1600" dirty="0" smtClean="0"/>
-            </a:br>
-            <a:r>
-              <a:rPr lang="en-US" sz="1600" dirty="0" smtClean="0"/>
-              <a:t>			</a:t>
-            </a:r>
-            <a:r>
-              <a:rPr lang="ru-RU" sz="1600" dirty="0" smtClean="0"/>
-              <a:t>В очередь(</a:t>
-            </a:r>
-            <a:r>
-              <a:rPr lang="en-US" sz="1600" dirty="0" smtClean="0"/>
-              <a:t>Q, v)</a:t>
-            </a:r>
-            <a:br>
-              <a:rPr lang="en-US" sz="1600" dirty="0" smtClean="0"/>
-            </a:br>
-            <a:r>
-              <a:rPr lang="en-US" sz="1600" dirty="0" smtClean="0"/>
-              <a:t>	</a:t>
-            </a:r>
-            <a:r>
-              <a:rPr lang="en-US" sz="1600" smtClean="0"/>
-              <a:t>	</a:t>
-            </a:r>
-            <a:r>
-              <a:rPr lang="en-US" sz="1600" b="1" smtClean="0"/>
-              <a:t>else</a:t>
-            </a:r>
-            <a:r>
-              <a:rPr lang="en-US" sz="1600" b="1" dirty="0" smtClean="0"/>
-              <a:t/>
-            </a:r>
-            <a:br>
-              <a:rPr lang="en-US" sz="1600" b="1" dirty="0" smtClean="0"/>
-            </a:br>
-            <a:r>
-              <a:rPr lang="en-US" sz="1600" b="1" dirty="0" smtClean="0"/>
-              <a:t>			return ERROR</a:t>
-            </a:r>
-            <a:r>
-              <a:rPr lang="en-US" sz="1600" dirty="0" smtClean="0"/>
-              <a:t/>
-            </a:r>
-            <a:br>
-              <a:rPr lang="en-US" sz="1600" dirty="0" smtClean="0"/>
-            </a:br>
-            <a:r>
-              <a:rPr lang="en-US" sz="1600" dirty="0" smtClean="0"/>
-              <a:t>	 color[v] ⟵ BLACK</a:t>
-            </a:r>
-            <a:endParaRPr lang="ru-RU" sz="1600" dirty="0"/>
+          <p:nvPr/>
+        </p:nvSpPr>
+        <p:spPr>
+          <a:xfrm>
+            <a:off x="838200" y="1916832"/>
+            <a:ext cx="7772400" cy="3744417"/>
+          </a:xfrm>
+          <a:prstGeom prst="rect">
+            <a:avLst/>
+          </a:prstGeom>
+        </p:spPr>
+        <p:txBody>
+          <a:bodyPr vert="horz" lIns="91440" tIns="45720" rIns="91440" bIns="45720" rtlCol="0" anchor="ctr">
+            <a:normAutofit lnSpcReduction="10000"/>
+          </a:bodyPr>
+          <a:lstStyle/>
+          <a:p>
+            <a:r>
+              <a:rPr lang="ru-RU" sz="2000" b="1" dirty="0" smtClean="0"/>
+              <a:t>Алгоритм2:</a:t>
+            </a:r>
+            <a:endParaRPr lang="ru-RU" sz="2000" dirty="0" smtClean="0"/>
+          </a:p>
+          <a:p>
+            <a:endParaRPr lang="ru-RU" sz="2000" dirty="0" smtClean="0"/>
+          </a:p>
+          <a:p>
+            <a:pPr algn="ctr"/>
+            <a:r>
+              <a:rPr lang="ru-RU" sz="2000" dirty="0" smtClean="0"/>
+              <a:t>Во время обхода в ширину:</a:t>
+            </a:r>
+          </a:p>
+          <a:p>
+            <a:endParaRPr lang="ru-RU" sz="2000" dirty="0" smtClean="0"/>
+          </a:p>
+          <a:p>
+            <a:pPr>
+              <a:buFont typeface="Arial" pitchFamily="34" charset="0"/>
+              <a:buChar char="•"/>
+            </a:pPr>
+            <a:r>
+              <a:rPr lang="ru-RU" sz="2000" dirty="0" smtClean="0"/>
+              <a:t>Вершина, из которой начинается обход, помещается в первую долю.</a:t>
+            </a:r>
+          </a:p>
+          <a:p>
+            <a:pPr>
+              <a:buFont typeface="Arial" pitchFamily="34" charset="0"/>
+              <a:buChar char="•"/>
+            </a:pPr>
+            <a:endParaRPr lang="ru-RU" sz="2000" dirty="0" smtClean="0"/>
+          </a:p>
+          <a:p>
+            <a:pPr>
+              <a:buFont typeface="Arial" pitchFamily="34" charset="0"/>
+              <a:buChar char="•"/>
+            </a:pPr>
+            <a:r>
+              <a:rPr lang="ru-RU" sz="2000" dirty="0" smtClean="0"/>
+              <a:t>Новая вершина в процессе обхода помещается в долю, отличную от доли текущей вершины.</a:t>
+            </a:r>
+          </a:p>
+          <a:p>
+            <a:pPr>
+              <a:buFont typeface="Arial" pitchFamily="34" charset="0"/>
+              <a:buChar char="•"/>
+            </a:pPr>
+            <a:endParaRPr lang="ru-RU" sz="2000" dirty="0" smtClean="0"/>
+          </a:p>
+          <a:p>
+            <a:pPr>
+              <a:buFont typeface="Arial" pitchFamily="34" charset="0"/>
+              <a:buChar char="•"/>
+            </a:pPr>
+            <a:r>
+              <a:rPr lang="ru-RU" sz="2000" dirty="0" smtClean="0"/>
+              <a:t>Если же обход направляется по ребру в вершину, которая уже посещена, то проверяется, находятся ли начало ребра и конец в разных долях. Если находятся в одной, то граф двудольным не является.</a:t>
+            </a:r>
+            <a:endParaRPr lang="ru-RU" sz="2000" dirty="0"/>
+          </a:p>
+        </p:txBody>
+      </p:sp>
+      <p:sp>
+        <p:nvSpPr>
+          <p:cNvPr id="6" name="Заголовок 1"/>
+          <p:cNvSpPr txBox="1">
+            <a:spLocks/>
+          </p:cNvSpPr>
+          <p:nvPr/>
+        </p:nvSpPr>
+        <p:spPr>
+          <a:xfrm>
+            <a:off x="683568" y="404664"/>
+            <a:ext cx="7772400" cy="1470025"/>
+          </a:xfrm>
+          <a:prstGeom prst="rect">
+            <a:avLst/>
+          </a:prstGeom>
+        </p:spPr>
+        <p:txBody>
+          <a:bodyPr vert="horz" lIns="91440" tIns="45720" rIns="91440" bIns="45720" rtlCol="0" anchor="ctr">
+            <a:normAutofit/>
+          </a:bodyPr>
+          <a:lstStyle/>
+          <a:p>
+            <a:pPr marL="514350" indent="-514350">
+              <a:spcBef>
+                <a:spcPct val="0"/>
+              </a:spcBef>
+              <a:buFont typeface="+mj-lt"/>
+              <a:buAutoNum type="arabicPeriod" startAt="9"/>
+            </a:pPr>
+            <a:r>
+              <a:rPr lang="ru-RU" sz="2800" dirty="0" smtClean="0"/>
+              <a:t>Проверка </a:t>
+            </a:r>
+            <a:r>
+              <a:rPr lang="ru-RU" sz="2800" dirty="0" err="1" smtClean="0"/>
+              <a:t>НЕориентированного</a:t>
+            </a:r>
+            <a:r>
+              <a:rPr lang="ru-RU" sz="2800" dirty="0" smtClean="0"/>
+              <a:t> графа на </a:t>
+            </a:r>
+            <a:r>
+              <a:rPr lang="ru-RU" sz="2800" b="1" dirty="0" err="1" smtClean="0"/>
+              <a:t>двудольность</a:t>
+            </a:r>
+            <a:r>
+              <a:rPr lang="ru-RU" sz="2800" dirty="0" smtClean="0"/>
+              <a:t>.</a:t>
+            </a:r>
           </a:p>
         </p:txBody>
       </p:sp>
@@ -58619,6 +59502,770 @@
 </file>
 
 <file path=ppt/slides/slide72.xml><?xml version="1.0" encoding="utf-8"?>
+<p:sld xmlns:a="http://schemas.openxmlformats.org/drawingml/2006/main" xmlns:r="http://schemas.openxmlformats.org/officeDocument/2006/relationships" xmlns:p="http://schemas.openxmlformats.org/presentationml/2006/main">
+  <p:cSld>
+    <p:spTree>
+      <p:nvGrpSpPr>
+        <p:cNvPr id="1" name=""/>
+        <p:cNvGrpSpPr/>
+        <p:nvPr/>
+      </p:nvGrpSpPr>
+      <p:grpSpPr>
+        <a:xfrm>
+          <a:off x="0" y="0"/>
+          <a:ext cx="0" cy="0"/>
+          <a:chOff x="0" y="0"/>
+          <a:chExt cx="0" cy="0"/>
+        </a:xfrm>
+      </p:grpSpPr>
+      <p:sp>
+        <p:nvSpPr>
+          <p:cNvPr id="2" name="Заголовок 1"/>
+          <p:cNvSpPr>
+            <a:spLocks noGrp="1"/>
+          </p:cNvSpPr>
+          <p:nvPr>
+            <p:ph type="ctrTitle"/>
+          </p:nvPr>
+        </p:nvSpPr>
+        <p:spPr>
+          <a:xfrm>
+            <a:off x="2555776" y="332656"/>
+            <a:ext cx="5902424" cy="6264696"/>
+          </a:xfrm>
+        </p:spPr>
+        <p:txBody>
+          <a:bodyPr>
+            <a:noAutofit/>
+          </a:bodyPr>
+          <a:lstStyle/>
+          <a:p>
+            <a:pPr algn="l"/>
+            <a:r>
+              <a:rPr lang="en-US" sz="1600" dirty="0" smtClean="0">
+                <a:solidFill>
+                  <a:schemeClr val="tx2">
+                    <a:lumMod val="60000"/>
+                    <a:lumOff val="40000"/>
+                  </a:schemeClr>
+                </a:solidFill>
+              </a:rPr>
+              <a:t>BFS</a:t>
+            </a:r>
+            <a:r>
+              <a:rPr lang="ru-RU" sz="1600" dirty="0" smtClean="0">
+                <a:solidFill>
+                  <a:schemeClr val="tx2">
+                    <a:lumMod val="60000"/>
+                    <a:lumOff val="40000"/>
+                  </a:schemeClr>
+                </a:solidFill>
+              </a:rPr>
+              <a:t> (</a:t>
+            </a:r>
+            <a:r>
+              <a:rPr lang="en-US" sz="1600" dirty="0" smtClean="0">
+                <a:solidFill>
+                  <a:schemeClr val="tx2">
+                    <a:lumMod val="60000"/>
+                    <a:lumOff val="40000"/>
+                  </a:schemeClr>
+                </a:solidFill>
+              </a:rPr>
+              <a:t>G</a:t>
+            </a:r>
+            <a:r>
+              <a:rPr lang="ru-RU" sz="1600" dirty="0" smtClean="0">
+                <a:solidFill>
+                  <a:schemeClr val="tx2">
+                    <a:lumMod val="60000"/>
+                    <a:lumOff val="40000"/>
+                  </a:schemeClr>
+                </a:solidFill>
+              </a:rPr>
+              <a:t>)</a:t>
+            </a:r>
+            <a:br>
+              <a:rPr lang="ru-RU" sz="1600" dirty="0" smtClean="0">
+                <a:solidFill>
+                  <a:schemeClr val="tx2">
+                    <a:lumMod val="60000"/>
+                    <a:lumOff val="40000"/>
+                  </a:schemeClr>
+                </a:solidFill>
+              </a:rPr>
+            </a:br>
+            <a:r>
+              <a:rPr lang="en-US" sz="1600" b="1" dirty="0" smtClean="0">
+                <a:solidFill>
+                  <a:schemeClr val="tx2">
+                    <a:lumMod val="60000"/>
+                    <a:lumOff val="40000"/>
+                  </a:schemeClr>
+                </a:solidFill>
+              </a:rPr>
+              <a:t>for</a:t>
+            </a:r>
+            <a:r>
+              <a:rPr lang="ru-RU" sz="1600" dirty="0" smtClean="0">
+                <a:solidFill>
+                  <a:schemeClr val="tx2">
+                    <a:lumMod val="60000"/>
+                    <a:lumOff val="40000"/>
+                  </a:schemeClr>
+                </a:solidFill>
+              </a:rPr>
+              <a:t> (для) каждой </a:t>
+            </a:r>
+            <a:r>
+              <a:rPr lang="ru-RU" sz="1600" dirty="0" err="1" smtClean="0">
+                <a:solidFill>
+                  <a:schemeClr val="tx2">
+                    <a:lumMod val="60000"/>
+                    <a:lumOff val="40000"/>
+                  </a:schemeClr>
+                </a:solidFill>
+              </a:rPr>
+              <a:t>u</a:t>
+            </a:r>
+            <a:r>
+              <a:rPr lang="ru-RU" sz="1600" dirty="0" smtClean="0">
+                <a:solidFill>
+                  <a:schemeClr val="tx2">
+                    <a:lumMod val="60000"/>
+                    <a:lumOff val="40000"/>
+                  </a:schemeClr>
+                </a:solidFill>
+              </a:rPr>
+              <a:t> ∈ V[G] </a:t>
+            </a:r>
+            <a:r>
+              <a:rPr lang="en-US" sz="1600" b="1" dirty="0" smtClean="0">
+                <a:solidFill>
+                  <a:schemeClr val="tx2">
+                    <a:lumMod val="60000"/>
+                    <a:lumOff val="40000"/>
+                  </a:schemeClr>
+                </a:solidFill>
+              </a:rPr>
+              <a:t>do</a:t>
+            </a:r>
+            <a:r>
+              <a:rPr lang="ru-RU" sz="1600" dirty="0" smtClean="0">
+                <a:solidFill>
+                  <a:schemeClr val="tx2">
+                    <a:lumMod val="60000"/>
+                    <a:lumOff val="40000"/>
+                  </a:schemeClr>
+                </a:solidFill>
+              </a:rPr>
+              <a:t/>
+            </a:r>
+            <a:br>
+              <a:rPr lang="ru-RU" sz="1600" dirty="0" smtClean="0">
+                <a:solidFill>
+                  <a:schemeClr val="tx2">
+                    <a:lumMod val="60000"/>
+                    <a:lumOff val="40000"/>
+                  </a:schemeClr>
+                </a:solidFill>
+              </a:rPr>
+            </a:br>
+            <a:r>
+              <a:rPr lang="ru-RU" sz="1600" dirty="0" smtClean="0">
+                <a:solidFill>
+                  <a:schemeClr val="tx2">
+                    <a:lumMod val="60000"/>
+                    <a:lumOff val="40000"/>
+                  </a:schemeClr>
+                </a:solidFill>
+              </a:rPr>
+              <a:t>	</a:t>
+            </a:r>
+            <a:r>
+              <a:rPr lang="en-US" sz="1600" dirty="0" smtClean="0">
+                <a:solidFill>
+                  <a:schemeClr val="tx2">
+                    <a:lumMod val="60000"/>
+                    <a:lumOff val="40000"/>
+                  </a:schemeClr>
+                </a:solidFill>
+              </a:rPr>
+              <a:t>color[u] ⟵ WHITE</a:t>
+            </a:r>
+            <a:br>
+              <a:rPr lang="en-US" sz="1600" dirty="0" smtClean="0">
+                <a:solidFill>
+                  <a:schemeClr val="tx2">
+                    <a:lumMod val="60000"/>
+                    <a:lumOff val="40000"/>
+                  </a:schemeClr>
+                </a:solidFill>
+              </a:rPr>
+            </a:br>
+            <a:r>
+              <a:rPr lang="ru-RU" sz="1600" dirty="0" smtClean="0">
+                <a:solidFill>
+                  <a:schemeClr val="tx2">
+                    <a:lumMod val="60000"/>
+                    <a:lumOff val="40000"/>
+                  </a:schemeClr>
+                </a:solidFill>
+              </a:rPr>
+              <a:t>	</a:t>
+            </a:r>
+            <a:r>
+              <a:rPr lang="en-US" sz="1600" dirty="0" smtClean="0">
+                <a:solidFill>
+                  <a:schemeClr val="tx2">
+                    <a:lumMod val="60000"/>
+                    <a:lumOff val="40000"/>
+                  </a:schemeClr>
+                </a:solidFill>
+              </a:rPr>
+              <a:t>part[u] ⟵ 0</a:t>
+            </a:r>
+            <a:r>
+              <a:rPr lang="ru-RU" sz="1600" dirty="0" smtClean="0">
+                <a:solidFill>
+                  <a:schemeClr val="tx2">
+                    <a:lumMod val="60000"/>
+                    <a:lumOff val="40000"/>
+                  </a:schemeClr>
+                </a:solidFill>
+              </a:rPr>
+              <a:t/>
+            </a:r>
+            <a:br>
+              <a:rPr lang="ru-RU" sz="1600" dirty="0" smtClean="0">
+                <a:solidFill>
+                  <a:schemeClr val="tx2">
+                    <a:lumMod val="60000"/>
+                    <a:lumOff val="40000"/>
+                  </a:schemeClr>
+                </a:solidFill>
+              </a:rPr>
+            </a:br>
+            <a:r>
+              <a:rPr lang="en-US" sz="1600" dirty="0" smtClean="0">
+                <a:solidFill>
+                  <a:schemeClr val="tx2">
+                    <a:lumMod val="60000"/>
+                    <a:lumOff val="40000"/>
+                  </a:schemeClr>
+                </a:solidFill>
+              </a:rPr>
+              <a:t>time ⟵ 0</a:t>
+            </a:r>
+            <a:r>
+              <a:rPr lang="ru-RU" sz="1600" dirty="0" smtClean="0">
+                <a:solidFill>
+                  <a:schemeClr val="tx2">
+                    <a:lumMod val="60000"/>
+                    <a:lumOff val="40000"/>
+                  </a:schemeClr>
+                </a:solidFill>
+              </a:rPr>
+              <a:t/>
+            </a:r>
+            <a:br>
+              <a:rPr lang="ru-RU" sz="1600" dirty="0" smtClean="0">
+                <a:solidFill>
+                  <a:schemeClr val="tx2">
+                    <a:lumMod val="60000"/>
+                    <a:lumOff val="40000"/>
+                  </a:schemeClr>
+                </a:solidFill>
+              </a:rPr>
+            </a:br>
+            <a:r>
+              <a:rPr lang="en-US" sz="1600" b="1" dirty="0" smtClean="0">
+                <a:solidFill>
+                  <a:schemeClr val="tx2">
+                    <a:lumMod val="60000"/>
+                    <a:lumOff val="40000"/>
+                  </a:schemeClr>
+                </a:solidFill>
+              </a:rPr>
+              <a:t>for</a:t>
+            </a:r>
+            <a:r>
+              <a:rPr lang="ru-RU" sz="1600" dirty="0" smtClean="0">
+                <a:solidFill>
+                  <a:schemeClr val="tx2">
+                    <a:lumMod val="60000"/>
+                    <a:lumOff val="40000"/>
+                  </a:schemeClr>
+                </a:solidFill>
+              </a:rPr>
+              <a:t> (для) каждой </a:t>
+            </a:r>
+            <a:r>
+              <a:rPr lang="ru-RU" sz="1600" dirty="0" err="1" smtClean="0">
+                <a:solidFill>
+                  <a:schemeClr val="tx2">
+                    <a:lumMod val="60000"/>
+                    <a:lumOff val="40000"/>
+                  </a:schemeClr>
+                </a:solidFill>
+              </a:rPr>
+              <a:t>u</a:t>
+            </a:r>
+            <a:r>
+              <a:rPr lang="ru-RU" sz="1600" dirty="0" smtClean="0">
+                <a:solidFill>
+                  <a:schemeClr val="tx2">
+                    <a:lumMod val="60000"/>
+                    <a:lumOff val="40000"/>
+                  </a:schemeClr>
+                </a:solidFill>
+              </a:rPr>
+              <a:t> ∈ V[G] </a:t>
+            </a:r>
+            <a:r>
+              <a:rPr lang="en-US" sz="1600" b="1" dirty="0" smtClean="0">
+                <a:solidFill>
+                  <a:schemeClr val="tx2">
+                    <a:lumMod val="60000"/>
+                    <a:lumOff val="40000"/>
+                  </a:schemeClr>
+                </a:solidFill>
+              </a:rPr>
+              <a:t>do</a:t>
+            </a:r>
+            <a:r>
+              <a:rPr lang="ru-RU" sz="1600" dirty="0" smtClean="0">
+                <a:solidFill>
+                  <a:schemeClr val="tx2">
+                    <a:lumMod val="60000"/>
+                    <a:lumOff val="40000"/>
+                  </a:schemeClr>
+                </a:solidFill>
+              </a:rPr>
+              <a:t/>
+            </a:r>
+            <a:br>
+              <a:rPr lang="ru-RU" sz="1600" dirty="0" smtClean="0">
+                <a:solidFill>
+                  <a:schemeClr val="tx2">
+                    <a:lumMod val="60000"/>
+                    <a:lumOff val="40000"/>
+                  </a:schemeClr>
+                </a:solidFill>
+              </a:rPr>
+            </a:br>
+            <a:r>
+              <a:rPr lang="ru-RU" sz="1600" dirty="0" smtClean="0">
+                <a:solidFill>
+                  <a:schemeClr val="tx2">
+                    <a:lumMod val="60000"/>
+                    <a:lumOff val="40000"/>
+                  </a:schemeClr>
+                </a:solidFill>
+              </a:rPr>
+              <a:t>	</a:t>
+            </a:r>
+            <a:r>
+              <a:rPr lang="en-US" sz="1600" b="1" dirty="0" smtClean="0">
+                <a:solidFill>
+                  <a:schemeClr val="tx2">
+                    <a:lumMod val="60000"/>
+                    <a:lumOff val="40000"/>
+                  </a:schemeClr>
+                </a:solidFill>
+              </a:rPr>
+              <a:t>if</a:t>
+            </a:r>
+            <a:r>
+              <a:rPr lang="en-US" sz="1600" dirty="0" smtClean="0">
+                <a:solidFill>
+                  <a:schemeClr val="tx2">
+                    <a:lumMod val="60000"/>
+                    <a:lumOff val="40000"/>
+                  </a:schemeClr>
+                </a:solidFill>
+              </a:rPr>
+              <a:t> color[u] = WHITE </a:t>
+            </a:r>
+            <a:r>
+              <a:rPr lang="en-US" sz="1600" b="1" dirty="0" smtClean="0">
+                <a:solidFill>
+                  <a:schemeClr val="tx2">
+                    <a:lumMod val="60000"/>
+                    <a:lumOff val="40000"/>
+                  </a:schemeClr>
+                </a:solidFill>
+              </a:rPr>
+              <a:t>then</a:t>
+            </a:r>
+            <a:r>
+              <a:rPr lang="ru-RU" sz="1600" dirty="0" smtClean="0">
+                <a:solidFill>
+                  <a:schemeClr val="tx2">
+                    <a:lumMod val="60000"/>
+                    <a:lumOff val="40000"/>
+                  </a:schemeClr>
+                </a:solidFill>
+              </a:rPr>
+              <a:t/>
+            </a:r>
+            <a:br>
+              <a:rPr lang="ru-RU" sz="1600" dirty="0" smtClean="0">
+                <a:solidFill>
+                  <a:schemeClr val="tx2">
+                    <a:lumMod val="60000"/>
+                    <a:lumOff val="40000"/>
+                  </a:schemeClr>
+                </a:solidFill>
+              </a:rPr>
+            </a:br>
+            <a:r>
+              <a:rPr lang="en-US" sz="1600" dirty="0" smtClean="0">
+                <a:solidFill>
+                  <a:schemeClr val="tx2">
+                    <a:lumMod val="60000"/>
+                    <a:lumOff val="40000"/>
+                  </a:schemeClr>
+                </a:solidFill>
+              </a:rPr>
+              <a:t>		</a:t>
+            </a:r>
+            <a:r>
+              <a:rPr lang="en-US" sz="1600" dirty="0" err="1" smtClean="0">
+                <a:solidFill>
+                  <a:schemeClr val="tx2">
+                    <a:lumMod val="60000"/>
+                    <a:lumOff val="40000"/>
+                  </a:schemeClr>
+                </a:solidFill>
+              </a:rPr>
+              <a:t>BFS_Visit</a:t>
+            </a:r>
+            <a:r>
+              <a:rPr lang="en-US" sz="1600" dirty="0" smtClean="0">
+                <a:solidFill>
+                  <a:schemeClr val="tx2">
+                    <a:lumMod val="60000"/>
+                    <a:lumOff val="40000"/>
+                  </a:schemeClr>
+                </a:solidFill>
+              </a:rPr>
+              <a:t>(G, u) </a:t>
+            </a:r>
+            <a:r>
+              <a:rPr lang="ru-RU" sz="1600" dirty="0" smtClean="0"/>
+              <a:t/>
+            </a:r>
+            <a:br>
+              <a:rPr lang="ru-RU" sz="1600" dirty="0" smtClean="0"/>
+            </a:br>
+            <a:r>
+              <a:rPr lang="ru-RU" sz="1600" dirty="0" smtClean="0"/>
+              <a:t/>
+            </a:r>
+            <a:br>
+              <a:rPr lang="ru-RU" sz="1600" dirty="0" smtClean="0"/>
+            </a:br>
+            <a:r>
+              <a:rPr lang="en-US" sz="1600" dirty="0" err="1" smtClean="0"/>
+              <a:t>BFS_Visit</a:t>
+            </a:r>
+            <a:r>
+              <a:rPr lang="ru-RU" sz="1600" dirty="0" smtClean="0"/>
+              <a:t> (</a:t>
+            </a:r>
+            <a:r>
+              <a:rPr lang="en-US" sz="1600" dirty="0" smtClean="0"/>
+              <a:t>G</a:t>
+            </a:r>
+            <a:r>
+              <a:rPr lang="ru-RU" sz="1600" dirty="0" smtClean="0"/>
+              <a:t>, </a:t>
+            </a:r>
+            <a:r>
+              <a:rPr lang="en-US" sz="1600" dirty="0" smtClean="0"/>
+              <a:t>s</a:t>
+            </a:r>
+            <a:r>
+              <a:rPr lang="ru-RU" sz="1600" dirty="0" smtClean="0"/>
+              <a:t>)</a:t>
+            </a:r>
+            <a:br>
+              <a:rPr lang="ru-RU" sz="1600" dirty="0" smtClean="0"/>
+            </a:br>
+            <a:r>
+              <a:rPr lang="en-US" sz="1600" dirty="0" smtClean="0"/>
+              <a:t>color[s] ⟵ GRAY</a:t>
+            </a:r>
+            <a:r>
+              <a:rPr lang="ru-RU" sz="1600" dirty="0" smtClean="0"/>
+              <a:t/>
+            </a:r>
+            <a:br>
+              <a:rPr lang="ru-RU" sz="1600" dirty="0" smtClean="0"/>
+            </a:br>
+            <a:r>
+              <a:rPr lang="en-US" sz="1600" dirty="0" smtClean="0"/>
+              <a:t>part[s] ⟵ 1</a:t>
+            </a:r>
+            <a:r>
+              <a:rPr lang="ru-RU" sz="1600" dirty="0" smtClean="0">
+                <a:solidFill>
+                  <a:schemeClr val="tx2">
+                    <a:lumMod val="60000"/>
+                    <a:lumOff val="40000"/>
+                  </a:schemeClr>
+                </a:solidFill>
+              </a:rPr>
+              <a:t/>
+            </a:r>
+            <a:br>
+              <a:rPr lang="ru-RU" sz="1600" dirty="0" smtClean="0">
+                <a:solidFill>
+                  <a:schemeClr val="tx2">
+                    <a:lumMod val="60000"/>
+                    <a:lumOff val="40000"/>
+                  </a:schemeClr>
+                </a:solidFill>
+              </a:rPr>
+            </a:br>
+            <a:r>
+              <a:rPr lang="en-US" sz="1600" dirty="0" smtClean="0"/>
+              <a:t>Q ⟵ ∅</a:t>
+            </a:r>
+            <a:r>
+              <a:rPr lang="ru-RU" sz="1600" dirty="0" smtClean="0"/>
+              <a:t/>
+            </a:r>
+            <a:br>
+              <a:rPr lang="ru-RU" sz="1600" dirty="0" smtClean="0"/>
+            </a:br>
+            <a:r>
+              <a:rPr lang="ru-RU" sz="1600" dirty="0" smtClean="0"/>
+              <a:t>В очередь(</a:t>
+            </a:r>
+            <a:r>
+              <a:rPr lang="en-US" sz="1600" dirty="0" smtClean="0"/>
+              <a:t>Q, s)</a:t>
+            </a:r>
+            <a:r>
+              <a:rPr lang="ru-RU" sz="1600" dirty="0" smtClean="0"/>
+              <a:t/>
+            </a:r>
+            <a:br>
+              <a:rPr lang="ru-RU" sz="1600" dirty="0" smtClean="0"/>
+            </a:br>
+            <a:r>
+              <a:rPr lang="en-US" sz="1600" b="1" dirty="0" smtClean="0"/>
+              <a:t>while</a:t>
+            </a:r>
+            <a:r>
+              <a:rPr lang="en-US" sz="1600" dirty="0" smtClean="0"/>
+              <a:t> Q ≠ ∅ </a:t>
+            </a:r>
+            <a:r>
+              <a:rPr lang="en-US" sz="1600" b="1" dirty="0" smtClean="0"/>
+              <a:t>do</a:t>
+            </a:r>
+            <a:r>
+              <a:rPr lang="ru-RU" sz="1600" dirty="0" smtClean="0"/>
+              <a:t/>
+            </a:r>
+            <a:br>
+              <a:rPr lang="ru-RU" sz="1600" dirty="0" smtClean="0"/>
+            </a:br>
+            <a:r>
+              <a:rPr lang="en-US" sz="1600" dirty="0" smtClean="0"/>
+              <a:t>	u ⟵ </a:t>
+            </a:r>
+            <a:r>
+              <a:rPr lang="ru-RU" sz="1600" dirty="0" smtClean="0"/>
+              <a:t>из очереди(</a:t>
+            </a:r>
+            <a:r>
+              <a:rPr lang="en-US" sz="1600" dirty="0" smtClean="0"/>
+              <a:t>Q</a:t>
+            </a:r>
+            <a:r>
+              <a:rPr lang="ru-RU" sz="1600" dirty="0" smtClean="0"/>
+              <a:t>)</a:t>
+            </a:r>
+            <a:br>
+              <a:rPr lang="ru-RU" sz="1600" dirty="0" smtClean="0"/>
+            </a:br>
+            <a:r>
+              <a:rPr lang="ru-RU" sz="1600" dirty="0" smtClean="0"/>
+              <a:t>	</a:t>
+            </a:r>
+            <a:r>
+              <a:rPr lang="en-US" sz="1600" b="1" dirty="0" smtClean="0"/>
+              <a:t>for</a:t>
+            </a:r>
+            <a:r>
+              <a:rPr lang="en-US" sz="1600" dirty="0" smtClean="0"/>
+              <a:t> </a:t>
+            </a:r>
+            <a:r>
+              <a:rPr lang="ru-RU" sz="1600" dirty="0" smtClean="0"/>
+              <a:t>(для) каждой </a:t>
+            </a:r>
+            <a:r>
+              <a:rPr lang="en-US" sz="1600" dirty="0" smtClean="0"/>
+              <a:t>v </a:t>
+            </a:r>
+            <a:r>
+              <a:rPr lang="ru-RU" sz="1600" dirty="0" smtClean="0"/>
+              <a:t>∈ </a:t>
+            </a:r>
+            <a:r>
+              <a:rPr lang="en-US" sz="1600" dirty="0" err="1" smtClean="0"/>
+              <a:t>Adj</a:t>
+            </a:r>
+            <a:r>
+              <a:rPr lang="ru-RU" sz="1600" dirty="0" smtClean="0"/>
+              <a:t>[</a:t>
+            </a:r>
+            <a:r>
+              <a:rPr lang="en-US" sz="1600" dirty="0" smtClean="0"/>
+              <a:t>u</a:t>
+            </a:r>
+            <a:r>
+              <a:rPr lang="ru-RU" sz="1600" dirty="0" smtClean="0"/>
+              <a:t>] </a:t>
+            </a:r>
+            <a:r>
+              <a:rPr lang="en-US" sz="1600" b="1" dirty="0" smtClean="0"/>
+              <a:t>do</a:t>
+            </a:r>
+            <a:r>
+              <a:rPr lang="ru-RU" sz="1600" dirty="0" smtClean="0"/>
+              <a:t/>
+            </a:r>
+            <a:br>
+              <a:rPr lang="ru-RU" sz="1600" dirty="0" smtClean="0"/>
+            </a:br>
+            <a:r>
+              <a:rPr lang="ru-RU" sz="1600" dirty="0" smtClean="0"/>
+              <a:t>		</a:t>
+            </a:r>
+            <a:r>
+              <a:rPr lang="en-US" sz="1600" b="1" dirty="0" smtClean="0"/>
+              <a:t>If</a:t>
+            </a:r>
+            <a:r>
+              <a:rPr lang="en-US" sz="1600" dirty="0" smtClean="0"/>
+              <a:t> color[v] </a:t>
+            </a:r>
+            <a:r>
+              <a:rPr lang="ru-RU" sz="1600" dirty="0" smtClean="0"/>
+              <a:t>=</a:t>
+            </a:r>
+            <a:r>
+              <a:rPr lang="en-US" sz="1600" dirty="0" smtClean="0"/>
+              <a:t> WHITE </a:t>
+            </a:r>
+            <a:r>
+              <a:rPr lang="en-US" sz="1600" b="1" dirty="0" smtClean="0"/>
+              <a:t>than</a:t>
+            </a:r>
+            <a:r>
+              <a:rPr lang="ru-RU" sz="1600" dirty="0" smtClean="0"/>
+              <a:t/>
+            </a:r>
+            <a:br>
+              <a:rPr lang="ru-RU" sz="1600" dirty="0" smtClean="0"/>
+            </a:br>
+            <a:r>
+              <a:rPr lang="en-US" sz="1600" dirty="0" smtClean="0"/>
+              <a:t>			color[v] ⟵ GRAY</a:t>
+            </a:r>
+            <a:r>
+              <a:rPr lang="ru-RU" sz="1600" dirty="0" smtClean="0"/>
+              <a:t/>
+            </a:r>
+            <a:br>
+              <a:rPr lang="ru-RU" sz="1600" dirty="0" smtClean="0"/>
+            </a:br>
+            <a:r>
+              <a:rPr lang="en-US" sz="1600" dirty="0" smtClean="0"/>
+              <a:t>			part[v] ⟵ (part[u] +1) mod 2</a:t>
+            </a:r>
+            <a:r>
+              <a:rPr lang="ru-RU" sz="1600" dirty="0" smtClean="0"/>
+              <a:t/>
+            </a:r>
+            <a:br>
+              <a:rPr lang="ru-RU" sz="1600" dirty="0" smtClean="0"/>
+            </a:br>
+            <a:r>
+              <a:rPr lang="en-US" sz="1600" dirty="0" smtClean="0"/>
+              <a:t>			</a:t>
+            </a:r>
+            <a:r>
+              <a:rPr lang="ru-RU" sz="1600" dirty="0" smtClean="0"/>
+              <a:t>В очередь(</a:t>
+            </a:r>
+            <a:r>
+              <a:rPr lang="en-US" sz="1600" dirty="0" smtClean="0"/>
+              <a:t>Q, v)</a:t>
+            </a:r>
+            <a:br>
+              <a:rPr lang="en-US" sz="1600" dirty="0" smtClean="0"/>
+            </a:br>
+            <a:r>
+              <a:rPr lang="en-US" sz="1600" dirty="0" smtClean="0"/>
+              <a:t>	</a:t>
+            </a:r>
+            <a:r>
+              <a:rPr lang="en-US" sz="1600" smtClean="0"/>
+              <a:t>	</a:t>
+            </a:r>
+            <a:r>
+              <a:rPr lang="en-US" sz="1600" b="1" smtClean="0"/>
+              <a:t>else</a:t>
+            </a:r>
+            <a:r>
+              <a:rPr lang="en-US" sz="1600" b="1" dirty="0" smtClean="0"/>
+              <a:t/>
+            </a:r>
+            <a:br>
+              <a:rPr lang="en-US" sz="1600" b="1" dirty="0" smtClean="0"/>
+            </a:br>
+            <a:r>
+              <a:rPr lang="en-US" sz="1600" b="1" dirty="0" smtClean="0"/>
+              <a:t>			return ERROR</a:t>
+            </a:r>
+            <a:r>
+              <a:rPr lang="en-US" sz="1600" dirty="0" smtClean="0"/>
+              <a:t/>
+            </a:r>
+            <a:br>
+              <a:rPr lang="en-US" sz="1600" dirty="0" smtClean="0"/>
+            </a:br>
+            <a:r>
+              <a:rPr lang="en-US" sz="1600" dirty="0" smtClean="0"/>
+              <a:t>	 color[v] ⟵ BLACK</a:t>
+            </a:r>
+            <a:endParaRPr lang="ru-RU" sz="1600" dirty="0"/>
+          </a:p>
+        </p:txBody>
+      </p:sp>
+    </p:spTree>
+  </p:cSld>
+  <p:clrMapOvr>
+    <a:masterClrMapping/>
+  </p:clrMapOvr>
+  <p:timing>
+    <p:tnLst>
+      <p:par>
+        <p:cTn id="1" dur="indefinite" restart="never" nodeType="tmRoot"/>
+      </p:par>
+    </p:tnLst>
+  </p:timing>
+</p:sld>
+</file>
+
+<file path=ppt/slides/slide73.xml><?xml version="1.0" encoding="utf-8"?>
 <p:sld xmlns:a="http://schemas.openxmlformats.org/drawingml/2006/main" xmlns:r="http://schemas.openxmlformats.org/officeDocument/2006/relationships" xmlns:p="http://schemas.openxmlformats.org/presentationml/2006/main">
   <p:cSld>
     <p:bg>
@@ -58706,7 +60353,7 @@
 </p:sld>
 </file>
 
-<file path=ppt/slides/slide73.xml><?xml version="1.0" encoding="utf-8"?>
+<file path=ppt/slides/slide74.xml><?xml version="1.0" encoding="utf-8"?>
 <p:sld xmlns:a="http://schemas.openxmlformats.org/drawingml/2006/main" xmlns:r="http://schemas.openxmlformats.org/officeDocument/2006/relationships" xmlns:p="http://schemas.openxmlformats.org/presentationml/2006/main">
   <p:cSld>
     <p:bg>
